--- a/docs/Ciência-com-R.pptx
+++ b/docs/Ciência-com-R.pptx
@@ -110,6 +110,9 @@
     <p:sldId id="358" r:id="rId104"/>
     <p:sldId id="359" r:id="rId105"/>
     <p:sldId id="360" r:id="rId106"/>
+    <p:sldId id="361" r:id="rId107"/>
+    <p:sldId id="362" r:id="rId108"/>
+    <p:sldId id="363" r:id="rId109"/>
   </p:sldIdLst>
   <p:sldSz cx="12192000" cy="6858000"/>
   <p:notesSz cx="6858000" cy="9144000"/>
@@ -3741,7 +3744,7 @@
             </a:pPr>
             <a:r>
               <a:rPr/>
-              <a:t>AHA/ASA</a:t>
+              <a:t>RSS</a:t>
             </a:r>
           </a:p>
         </p:txBody>
@@ -3772,16 +3775,7 @@
               <a:rPr i="1">
                 <a:hlinkClick r:id="rId2"/>
               </a:rPr>
-              <a:t>Statistical Reporting Recommendations - AHA/ASA journals</a:t>
-            </a:r>
-          </a:p>
-          <a:p>
-            <a:pPr lvl="0"/>
-            <a:r>
-              <a:rPr i="1">
-                <a:hlinkClick r:id="rId3"/>
-              </a:rPr>
-              <a:t>Statistical Inference in the 21st Century: A World Beyond p &lt; 0.05 - The American Statistical Association</a:t>
+              <a:t>Best Practices for Data Visualisation - Royal Statistical Society</a:t>
             </a:r>
           </a:p>
           <a:p>
@@ -3844,7 +3838,7 @@
             </a:pPr>
             <a:r>
               <a:rPr/>
-              <a:t>NPG</a:t>
+              <a:t>BMJ</a:t>
             </a:r>
           </a:p>
         </p:txBody>
@@ -3875,7 +3869,43 @@
               <a:rPr i="1">
                 <a:hlinkClick r:id="rId2"/>
               </a:rPr>
-              <a:t>Statistics for Biologists - Nature Publising Group</a:t>
+              <a:t>Statistics - Latest from The BMJ</a:t>
+            </a:r>
+          </a:p>
+          <a:p>
+            <a:pPr lvl="0"/>
+            <a:r>
+              <a:rPr i="1">
+                <a:hlinkClick r:id="rId3"/>
+              </a:rPr>
+              <a:t>Statistics notes - Latest from The BMJ</a:t>
+            </a:r>
+          </a:p>
+          <a:p>
+            <a:pPr lvl="0"/>
+            <a:r>
+              <a:rPr i="1">
+                <a:hlinkClick r:id="rId4"/>
+              </a:rPr>
+              <a:t>Statistics and research methods - Latest from The BMJ</a:t>
+            </a:r>
+          </a:p>
+          <a:p>
+            <a:pPr lvl="0"/>
+            <a:r>
+              <a:rPr i="1">
+                <a:hlinkClick r:id="rId5"/>
+              </a:rPr>
+              <a:t>Statistics at Square One</a:t>
+            </a:r>
+          </a:p>
+          <a:p>
+            <a:pPr lvl="0"/>
+            <a:r>
+              <a:rPr i="1">
+                <a:hlinkClick r:id="rId6"/>
+              </a:rPr>
+              <a:t>Research methods &amp; reporting</a:t>
             </a:r>
           </a:p>
           <a:p>
@@ -3938,7 +3968,7 @@
             </a:pPr>
             <a:r>
               <a:rPr/>
-              <a:t>Wiley</a:t>
+              <a:t>JAMA</a:t>
             </a:r>
           </a:p>
         </p:txBody>
@@ -3969,7 +3999,7 @@
               <a:rPr i="1">
                 <a:hlinkClick r:id="rId2"/>
               </a:rPr>
-              <a:t>Tutorials in Biostatistics Papers - Wiley Online Library</a:t>
+              <a:t>JAMA Guide to Statistics and Methods - JAMA</a:t>
             </a:r>
           </a:p>
           <a:p>
@@ -4032,7 +4062,7 @@
             </a:pPr>
             <a:r>
               <a:rPr/>
-              <a:t>APE</a:t>
+              <a:t>AHA/ASA</a:t>
             </a:r>
           </a:p>
         </p:txBody>
@@ -4063,7 +4093,7 @@
               <a:rPr i="1">
                 <a:hlinkClick r:id="rId2"/>
               </a:rPr>
-              <a:t>Statistics</a:t>
+              <a:t>Statistical Reporting Recommendations - AHA/ASA journals</a:t>
             </a:r>
           </a:p>
           <a:p>
@@ -4072,25 +4102,7 @@
               <a:rPr i="1">
                 <a:hlinkClick r:id="rId3"/>
               </a:rPr>
-              <a:t>Exploration in Statistics</a:t>
-            </a:r>
-          </a:p>
-          <a:p>
-            <a:pPr lvl="0"/>
-            <a:r>
-              <a:rPr i="1">
-                <a:hlinkClick r:id="rId4"/>
-              </a:rPr>
-              <a:t>General Statistics</a:t>
-            </a:r>
-          </a:p>
-          <a:p>
-            <a:pPr lvl="0"/>
-            <a:r>
-              <a:rPr i="1">
-                <a:hlinkClick r:id="rId5"/>
-              </a:rPr>
-              <a:t>Reporting Statistics</a:t>
+              <a:t>Statistical Inference in the 21st Century: A World Beyond p &lt; 0.05 - The American Statistical Association</a:t>
             </a:r>
           </a:p>
           <a:p>
@@ -4106,6 +4118,315 @@
 </file>
 
 <file path=ppt/slides/slide104.xml><?xml version="1.0" encoding="utf-8"?>
+<p:sld xmlns:a="http://schemas.openxmlformats.org/drawingml/2006/main" xmlns:r="http://schemas.openxmlformats.org/officeDocument/2006/relationships" xmlns:p="http://schemas.openxmlformats.org/presentationml/2006/main">
+  <p:cSld>
+    <p:spTree>
+      <p:nvGrpSpPr>
+        <p:cNvPr id="1" name=""/>
+        <p:cNvGrpSpPr/>
+        <p:nvPr/>
+      </p:nvGrpSpPr>
+      <p:grpSpPr>
+        <a:xfrm>
+          <a:off x="0" y="0"/>
+          <a:ext cx="0" cy="0"/>
+          <a:chOff x="0" y="0"/>
+          <a:chExt cx="0" cy="0"/>
+        </a:xfrm>
+      </p:grpSpPr>
+      <p:sp>
+        <p:nvSpPr>
+          <p:cNvPr id="2" name="Title 1">
+            <a:extLst>
+              <a:ext uri="{FF2B5EF4-FFF2-40B4-BE49-F238E27FC236}">
+                <a16:creationId xmlns:a16="http://schemas.microsoft.com/office/drawing/2014/main" id="{0277F749-6ED4-3E49-963A-830033252F78}"/>
+              </a:ext>
+            </a:extLst>
+          </p:cNvPr>
+          <p:cNvSpPr>
+            <a:spLocks noGrp="1"/>
+          </p:cNvSpPr>
+          <p:nvPr>
+            <p:ph type="title"/>
+          </p:nvPr>
+        </p:nvSpPr>
+        <p:spPr>
+          <a:xfrm>
+            <a:off x="0" y="17256"/>
+            <a:ext cx="10515600" cy="663782"/>
+          </a:xfrm>
+        </p:spPr>
+        <p:txBody>
+          <a:bodyPr/>
+          <a:lstStyle/>
+          <a:p>
+            <a:pPr lvl="0" indent="0" marL="0">
+              <a:buNone/>
+            </a:pPr>
+            <a:r>
+              <a:rPr/>
+              <a:t>NPG</a:t>
+            </a:r>
+          </a:p>
+        </p:txBody>
+      </p:sp>
+      <p:sp>
+        <p:nvSpPr>
+          <p:cNvPr id="3" name="Content Placeholder 2">
+            <a:extLst>
+              <a:ext uri="{FF2B5EF4-FFF2-40B4-BE49-F238E27FC236}">
+                <a16:creationId xmlns:a16="http://schemas.microsoft.com/office/drawing/2014/main" id="{1574FA24-F1CC-B240-AAF9-A2DF684B1C54}"/>
+              </a:ext>
+            </a:extLst>
+          </p:cNvPr>
+          <p:cNvSpPr>
+            <a:spLocks noGrp="1"/>
+          </p:cNvSpPr>
+          <p:nvPr>
+            <p:ph idx="1"/>
+          </p:nvPr>
+        </p:nvSpPr>
+        <p:spPr/>
+        <p:txBody>
+          <a:bodyPr/>
+          <a:lstStyle/>
+          <a:p>
+            <a:pPr lvl="0"/>
+            <a:r>
+              <a:rPr i="1">
+                <a:hlinkClick r:id="rId2"/>
+              </a:rPr>
+              <a:t>Statistics for Biologists - Nature Publising Group</a:t>
+            </a:r>
+          </a:p>
+          <a:p>
+            <a:pPr lvl="0" indent="0" marL="0">
+              <a:buNone/>
+            </a:pPr>
+          </a:p>
+        </p:txBody>
+      </p:sp>
+    </p:spTree>
+  </p:cSld>
+</p:sld>
+</file>
+
+<file path=ppt/slides/slide105.xml><?xml version="1.0" encoding="utf-8"?>
+<p:sld xmlns:a="http://schemas.openxmlformats.org/drawingml/2006/main" xmlns:r="http://schemas.openxmlformats.org/officeDocument/2006/relationships" xmlns:p="http://schemas.openxmlformats.org/presentationml/2006/main">
+  <p:cSld>
+    <p:spTree>
+      <p:nvGrpSpPr>
+        <p:cNvPr id="1" name=""/>
+        <p:cNvGrpSpPr/>
+        <p:nvPr/>
+      </p:nvGrpSpPr>
+      <p:grpSpPr>
+        <a:xfrm>
+          <a:off x="0" y="0"/>
+          <a:ext cx="0" cy="0"/>
+          <a:chOff x="0" y="0"/>
+          <a:chExt cx="0" cy="0"/>
+        </a:xfrm>
+      </p:grpSpPr>
+      <p:sp>
+        <p:nvSpPr>
+          <p:cNvPr id="2" name="Title 1">
+            <a:extLst>
+              <a:ext uri="{FF2B5EF4-FFF2-40B4-BE49-F238E27FC236}">
+                <a16:creationId xmlns:a16="http://schemas.microsoft.com/office/drawing/2014/main" id="{0277F749-6ED4-3E49-963A-830033252F78}"/>
+              </a:ext>
+            </a:extLst>
+          </p:cNvPr>
+          <p:cNvSpPr>
+            <a:spLocks noGrp="1"/>
+          </p:cNvSpPr>
+          <p:nvPr>
+            <p:ph type="title"/>
+          </p:nvPr>
+        </p:nvSpPr>
+        <p:spPr>
+          <a:xfrm>
+            <a:off x="0" y="17256"/>
+            <a:ext cx="10515600" cy="663782"/>
+          </a:xfrm>
+        </p:spPr>
+        <p:txBody>
+          <a:bodyPr/>
+          <a:lstStyle/>
+          <a:p>
+            <a:pPr lvl="0" indent="0" marL="0">
+              <a:buNone/>
+            </a:pPr>
+            <a:r>
+              <a:rPr/>
+              <a:t>Wiley</a:t>
+            </a:r>
+          </a:p>
+        </p:txBody>
+      </p:sp>
+      <p:sp>
+        <p:nvSpPr>
+          <p:cNvPr id="3" name="Content Placeholder 2">
+            <a:extLst>
+              <a:ext uri="{FF2B5EF4-FFF2-40B4-BE49-F238E27FC236}">
+                <a16:creationId xmlns:a16="http://schemas.microsoft.com/office/drawing/2014/main" id="{1574FA24-F1CC-B240-AAF9-A2DF684B1C54}"/>
+              </a:ext>
+            </a:extLst>
+          </p:cNvPr>
+          <p:cNvSpPr>
+            <a:spLocks noGrp="1"/>
+          </p:cNvSpPr>
+          <p:nvPr>
+            <p:ph idx="1"/>
+          </p:nvPr>
+        </p:nvSpPr>
+        <p:spPr/>
+        <p:txBody>
+          <a:bodyPr/>
+          <a:lstStyle/>
+          <a:p>
+            <a:pPr lvl="0"/>
+            <a:r>
+              <a:rPr i="1">
+                <a:hlinkClick r:id="rId2"/>
+              </a:rPr>
+              <a:t>Tutorials in Biostatistics Papers - Wiley Online Library</a:t>
+            </a:r>
+          </a:p>
+          <a:p>
+            <a:pPr lvl="0" indent="0" marL="0">
+              <a:buNone/>
+            </a:pPr>
+          </a:p>
+        </p:txBody>
+      </p:sp>
+    </p:spTree>
+  </p:cSld>
+</p:sld>
+</file>
+
+<file path=ppt/slides/slide106.xml><?xml version="1.0" encoding="utf-8"?>
+<p:sld xmlns:a="http://schemas.openxmlformats.org/drawingml/2006/main" xmlns:r="http://schemas.openxmlformats.org/officeDocument/2006/relationships" xmlns:p="http://schemas.openxmlformats.org/presentationml/2006/main">
+  <p:cSld>
+    <p:spTree>
+      <p:nvGrpSpPr>
+        <p:cNvPr id="1" name=""/>
+        <p:cNvGrpSpPr/>
+        <p:nvPr/>
+      </p:nvGrpSpPr>
+      <p:grpSpPr>
+        <a:xfrm>
+          <a:off x="0" y="0"/>
+          <a:ext cx="0" cy="0"/>
+          <a:chOff x="0" y="0"/>
+          <a:chExt cx="0" cy="0"/>
+        </a:xfrm>
+      </p:grpSpPr>
+      <p:sp>
+        <p:nvSpPr>
+          <p:cNvPr id="2" name="Title 1">
+            <a:extLst>
+              <a:ext uri="{FF2B5EF4-FFF2-40B4-BE49-F238E27FC236}">
+                <a16:creationId xmlns:a16="http://schemas.microsoft.com/office/drawing/2014/main" id="{0277F749-6ED4-3E49-963A-830033252F78}"/>
+              </a:ext>
+            </a:extLst>
+          </p:cNvPr>
+          <p:cNvSpPr>
+            <a:spLocks noGrp="1"/>
+          </p:cNvSpPr>
+          <p:nvPr>
+            <p:ph type="title"/>
+          </p:nvPr>
+        </p:nvSpPr>
+        <p:spPr>
+          <a:xfrm>
+            <a:off x="0" y="17256"/>
+            <a:ext cx="10515600" cy="663782"/>
+          </a:xfrm>
+        </p:spPr>
+        <p:txBody>
+          <a:bodyPr/>
+          <a:lstStyle/>
+          <a:p>
+            <a:pPr lvl="0" indent="0" marL="0">
+              <a:buNone/>
+            </a:pPr>
+            <a:r>
+              <a:rPr/>
+              <a:t>APE</a:t>
+            </a:r>
+          </a:p>
+        </p:txBody>
+      </p:sp>
+      <p:sp>
+        <p:nvSpPr>
+          <p:cNvPr id="3" name="Content Placeholder 2">
+            <a:extLst>
+              <a:ext uri="{FF2B5EF4-FFF2-40B4-BE49-F238E27FC236}">
+                <a16:creationId xmlns:a16="http://schemas.microsoft.com/office/drawing/2014/main" id="{1574FA24-F1CC-B240-AAF9-A2DF684B1C54}"/>
+              </a:ext>
+            </a:extLst>
+          </p:cNvPr>
+          <p:cNvSpPr>
+            <a:spLocks noGrp="1"/>
+          </p:cNvSpPr>
+          <p:nvPr>
+            <p:ph idx="1"/>
+          </p:nvPr>
+        </p:nvSpPr>
+        <p:spPr/>
+        <p:txBody>
+          <a:bodyPr/>
+          <a:lstStyle/>
+          <a:p>
+            <a:pPr lvl="0"/>
+            <a:r>
+              <a:rPr i="1">
+                <a:hlinkClick r:id="rId2"/>
+              </a:rPr>
+              <a:t>Statistics</a:t>
+            </a:r>
+          </a:p>
+          <a:p>
+            <a:pPr lvl="0"/>
+            <a:r>
+              <a:rPr i="1">
+                <a:hlinkClick r:id="rId3"/>
+              </a:rPr>
+              <a:t>Exploration in Statistics</a:t>
+            </a:r>
+          </a:p>
+          <a:p>
+            <a:pPr lvl="0"/>
+            <a:r>
+              <a:rPr i="1">
+                <a:hlinkClick r:id="rId4"/>
+              </a:rPr>
+              <a:t>General Statistics</a:t>
+            </a:r>
+          </a:p>
+          <a:p>
+            <a:pPr lvl="0"/>
+            <a:r>
+              <a:rPr i="1">
+                <a:hlinkClick r:id="rId5"/>
+              </a:rPr>
+              <a:t>Reporting Statistics</a:t>
+            </a:r>
+          </a:p>
+          <a:p>
+            <a:pPr lvl="0" indent="0" marL="0">
+              <a:buNone/>
+            </a:pPr>
+          </a:p>
+        </p:txBody>
+      </p:sp>
+    </p:spTree>
+  </p:cSld>
+</p:sld>
+</file>
+
+<file path=ppt/slides/slide107.xml><?xml version="1.0" encoding="utf-8"?>
 <p:sld xmlns:a="http://schemas.openxmlformats.org/drawingml/2006/main" xmlns:r="http://schemas.openxmlformats.org/officeDocument/2006/relationships" xmlns:p="http://schemas.openxmlformats.org/presentationml/2006/main">
   <p:cSld>
     <p:spTree>
@@ -4163,7 +4484,7 @@
 </p:sld>
 </file>
 
-<file path=ppt/slides/slide105.xml><?xml version="1.0" encoding="utf-8"?>
+<file path=ppt/slides/slide108.xml><?xml version="1.0" encoding="utf-8"?>
 <p:sld xmlns:a="http://schemas.openxmlformats.org/drawingml/2006/main" xmlns:r="http://schemas.openxmlformats.org/officeDocument/2006/relationships" xmlns:p="http://schemas.openxmlformats.org/presentationml/2006/main">
   <p:cSld>
     <p:spTree>
@@ -6324,727 +6645,735 @@
             </a:pPr>
             <a:r>
               <a:rPr/>
-              <a:t>99. Stang A, Baethge C. Imbalance &lt;em&gt;p&lt;/em&gt; values for baseline covariates in randomized controlled trials: a last resort for the use of &lt;em&gt;p&lt;/em&gt; values? A pro and contra debate. </a:t>
+              <a:t>99. Roberts C, Torgerson DJ. Understanding controlled trials: Baseline imbalance in randomised controlled trials. </a:t>
             </a:r>
             <a:r>
               <a:rPr i="1"/>
-              <a:t>Clinical Epidemiology</a:t>
-            </a:r>
-            <a:r>
-              <a:rPr/>
-              <a:t>. 2018;Volume 10:531-535. doi:</a:t>
+              <a:t>BMJ</a:t>
+            </a:r>
+            <a:r>
+              <a:rPr/>
+              <a:t>. 1999;319(7203):185-185. doi:</a:t>
             </a:r>
             <a:r>
               <a:rPr>
                 <a:hlinkClick r:id="rId100"/>
               </a:rPr>
-              <a:t>10.2147/clep.s161508</a:t>
-            </a:r>
-          </a:p>
-          <a:p>
-            <a:pPr lvl="0" indent="0" marL="0">
-              <a:buNone/>
-            </a:pPr>
-            <a:r>
-              <a:rPr/>
-              <a:t>100. Bolzern JE, Mitchell A, Torgerson DJ. Baseline testing in cluster randomised controlled trials: should this be done? </a:t>
+              <a:t>10.1136/bmj.319.7203.185</a:t>
+            </a:r>
+          </a:p>
+          <a:p>
+            <a:pPr lvl="0" indent="0" marL="0">
+              <a:buNone/>
+            </a:pPr>
+            <a:r>
+              <a:rPr/>
+              <a:t>100. Hauck WW, Anderson S, Marcus SM. Should We Adjust for Covariates in Nonlinear Regression Analyses of Randomized Trials? </a:t>
             </a:r>
             <a:r>
               <a:rPr i="1"/>
-              <a:t>BMC Medical Research Methodology</a:t>
-            </a:r>
-            <a:r>
-              <a:rPr/>
-              <a:t>. 2019;19(1). doi:</a:t>
+              <a:t>Controlled Clinical Trials</a:t>
+            </a:r>
+            <a:r>
+              <a:rPr/>
+              <a:t>. 1998;19(3):249-256. doi:</a:t>
             </a:r>
             <a:r>
               <a:rPr>
                 <a:hlinkClick r:id="rId101"/>
               </a:rPr>
-              <a:t>10.1186/s12874-019-0750-8</a:t>
-            </a:r>
-          </a:p>
-          <a:p>
-            <a:pPr lvl="0" indent="0" marL="0">
-              <a:buNone/>
-            </a:pPr>
-            <a:r>
-              <a:rPr/>
-              <a:t>101. Roberts C, Torgerson DJ. Understanding controlled trials: Baseline imbalance in randomised controlled trials. </a:t>
+              <a:t>10.1016/s0197-2456(97)00147-5</a:t>
+            </a:r>
+          </a:p>
+          <a:p>
+            <a:pPr lvl="0" indent="0" marL="0">
+              <a:buNone/>
+            </a:pPr>
+            <a:r>
+              <a:rPr/>
+              <a:t>101. Kahan BC, Jairath V, Doré CJ, Morris TP. The risks and rewards of covariate adjustment in randomized trials: an assessment of 12 outcomes from 8 studies. </a:t>
             </a:r>
             <a:r>
               <a:rPr i="1"/>
-              <a:t>BMJ</a:t>
-            </a:r>
-            <a:r>
-              <a:rPr/>
-              <a:t>. 1999;319(7203):185-185. doi:</a:t>
+              <a:t>Trials</a:t>
+            </a:r>
+            <a:r>
+              <a:rPr/>
+              <a:t>. 2014;15(1). doi:</a:t>
             </a:r>
             <a:r>
               <a:rPr>
                 <a:hlinkClick r:id="rId102"/>
               </a:rPr>
-              <a:t>10.1136/bmj.319.7203.185</a:t>
-            </a:r>
-          </a:p>
-          <a:p>
-            <a:pPr lvl="0" indent="0" marL="0">
-              <a:buNone/>
-            </a:pPr>
-            <a:r>
-              <a:rPr/>
-              <a:t>102. Gruijters SLK. Baseline comparisons and covariate fishing: Bad statistical habits we should have broken yesterday. July 2020. </a:t>
+              <a:t>10.1186/1745-6215-15-139</a:t>
+            </a:r>
+          </a:p>
+          <a:p>
+            <a:pPr lvl="0" indent="0" marL="0">
+              <a:buNone/>
+            </a:pPr>
+            <a:r>
+              <a:rPr/>
+              <a:t>102. Stang A, Baethge C. Imbalance &lt;em&gt;p&lt;/em&gt; values for baseline covariates in randomized controlled trials: a last resort for the use of &lt;em&gt;p&lt;/em&gt; values? A pro and contra debate. </a:t>
+            </a:r>
+            <a:r>
+              <a:rPr i="1"/>
+              <a:t>Clinical Epidemiology</a:t>
+            </a:r>
+            <a:r>
+              <a:rPr/>
+              <a:t>. 2018;Volume 10:531-535. doi:</a:t>
             </a:r>
             <a:r>
               <a:rPr>
                 <a:hlinkClick r:id="rId103"/>
               </a:rPr>
-              <a:t>http://dx.doi.org/10.31234/osf.io/qftwg.</a:t>
-            </a:r>
-          </a:p>
-          <a:p>
-            <a:pPr lvl="0" indent="0" marL="0">
-              <a:buNone/>
-            </a:pPr>
-            <a:r>
-              <a:rPr/>
-              <a:t>103. Altman DG, Matthews JNS. Statistics Notes: Interaction 1: heterogeneity of effects. </a:t>
+              <a:t>10.2147/clep.s161508</a:t>
+            </a:r>
+          </a:p>
+          <a:p>
+            <a:pPr lvl="0" indent="0" marL="0">
+              <a:buNone/>
+            </a:pPr>
+            <a:r>
+              <a:rPr/>
+              <a:t>103. Bolzern JE, Mitchell A, Torgerson DJ. Baseline testing in cluster randomised controlled trials: should this be done? </a:t>
             </a:r>
             <a:r>
               <a:rPr i="1"/>
-              <a:t>BMJ</a:t>
-            </a:r>
-            <a:r>
-              <a:rPr/>
-              <a:t>. 1996;313(7055):486-486. doi:</a:t>
+              <a:t>BMC Medical Research Methodology</a:t>
+            </a:r>
+            <a:r>
+              <a:rPr/>
+              <a:t>. 2019;19(1). doi:</a:t>
             </a:r>
             <a:r>
               <a:rPr>
                 <a:hlinkClick r:id="rId104"/>
               </a:rPr>
-              <a:t>10.1136/bmj.313.7055.486</a:t>
-            </a:r>
-          </a:p>
-          <a:p>
-            <a:pPr lvl="0" indent="0" marL="0">
-              <a:buNone/>
-            </a:pPr>
-            <a:r>
-              <a:rPr/>
-              <a:t>104. Altman DG. Statistics notes: Interaction revisited: The difference between two estimates. </a:t>
-            </a:r>
-            <a:r>
-              <a:rPr i="1"/>
-              <a:t>BMJ</a:t>
-            </a:r>
-            <a:r>
-              <a:rPr/>
-              <a:t>. 2003;326(7382):219-219. doi:</a:t>
+              <a:t>10.1186/s12874-019-0750-8</a:t>
+            </a:r>
+          </a:p>
+          <a:p>
+            <a:pPr lvl="0" indent="0" marL="0">
+              <a:buNone/>
+            </a:pPr>
+            <a:r>
+              <a:rPr/>
+              <a:t>104. Gruijters SLK. Baseline comparisons and covariate fishing: Bad statistical habits we should have broken yesterday. July 2020. </a:t>
             </a:r>
             <a:r>
               <a:rPr>
                 <a:hlinkClick r:id="rId105"/>
               </a:rPr>
-              <a:t>10.1136/bmj.326.7382.219</a:t>
-            </a:r>
-          </a:p>
-          <a:p>
-            <a:pPr lvl="0" indent="0" marL="0">
-              <a:buNone/>
-            </a:pPr>
-            <a:r>
-              <a:rPr/>
-              <a:t>105. Matthews JNS, Altman DG. Statistics Notes: Interaction 2: compare effect sizes not P values. </a:t>
+              <a:t>http://dx.doi.org/10.31234/osf.io/qftwg.</a:t>
+            </a:r>
+          </a:p>
+          <a:p>
+            <a:pPr lvl="0" indent="0" marL="0">
+              <a:buNone/>
+            </a:pPr>
+            <a:r>
+              <a:rPr/>
+              <a:t>105. Bours MJL. Using mediators to understand effect modification and interaction. </a:t>
             </a:r>
             <a:r>
               <a:rPr i="1"/>
-              <a:t>BMJ</a:t>
-            </a:r>
-            <a:r>
-              <a:rPr/>
-              <a:t>. 1996;313(7060):808-808. doi:</a:t>
+              <a:t>Journal of Clinical Epidemiology</a:t>
+            </a:r>
+            <a:r>
+              <a:rPr/>
+              <a:t>. September 2023. doi:</a:t>
             </a:r>
             <a:r>
               <a:rPr>
                 <a:hlinkClick r:id="rId106"/>
               </a:rPr>
-              <a:t>10.1136/bmj.313.7060.808</a:t>
-            </a:r>
-          </a:p>
-          <a:p>
-            <a:pPr lvl="0" indent="0" marL="0">
-              <a:buNone/>
-            </a:pPr>
-            <a:r>
-              <a:rPr/>
-              <a:t>106. Hauck WW, Anderson S, Marcus SM. Should We Adjust for Covariates in Nonlinear Regression Analyses of Randomized Trials? </a:t>
+              <a:t>10.1016/j.jclinepi.2023.09.005</a:t>
+            </a:r>
+          </a:p>
+          <a:p>
+            <a:pPr lvl="0" indent="0" marL="0">
+              <a:buNone/>
+            </a:pPr>
+            <a:r>
+              <a:rPr/>
+              <a:t>106. Altman DG, Matthews JNS. Statistics Notes: Interaction 1: heterogeneity of effects. </a:t>
             </a:r>
             <a:r>
               <a:rPr i="1"/>
-              <a:t>Controlled Clinical Trials</a:t>
-            </a:r>
-            <a:r>
-              <a:rPr/>
-              <a:t>. 1998;19(3):249-256. doi:</a:t>
+              <a:t>BMJ</a:t>
+            </a:r>
+            <a:r>
+              <a:rPr/>
+              <a:t>. 1996;313(7055):486-486. doi:</a:t>
             </a:r>
             <a:r>
               <a:rPr>
                 <a:hlinkClick r:id="rId107"/>
               </a:rPr>
-              <a:t>10.1016/s0197-2456(97)00147-5</a:t>
-            </a:r>
-          </a:p>
-          <a:p>
-            <a:pPr lvl="0" indent="0" marL="0">
-              <a:buNone/>
-            </a:pPr>
-            <a:r>
-              <a:rPr/>
-              <a:t>107. Kahan BC, Jairath V, Doré CJ, Morris TP. The risks and rewards of covariate adjustment in randomized trials: an assessment of 12 outcomes from 8 studies. </a:t>
+              <a:t>10.1136/bmj.313.7055.486</a:t>
+            </a:r>
+          </a:p>
+          <a:p>
+            <a:pPr lvl="0" indent="0" marL="0">
+              <a:buNone/>
+            </a:pPr>
+            <a:r>
+              <a:rPr/>
+              <a:t>107. Matthews JNS, Altman DG. Statistics Notes: Interaction 2: compare effect sizes not P values. </a:t>
             </a:r>
             <a:r>
               <a:rPr i="1"/>
-              <a:t>Trials</a:t>
-            </a:r>
-            <a:r>
-              <a:rPr/>
-              <a:t>. 2014;15(1). doi:</a:t>
+              <a:t>BMJ</a:t>
+            </a:r>
+            <a:r>
+              <a:rPr/>
+              <a:t>. 1996;313(7060):808-808. doi:</a:t>
             </a:r>
             <a:r>
               <a:rPr>
                 <a:hlinkClick r:id="rId108"/>
               </a:rPr>
-              <a:t>10.1186/1745-6215-15-139</a:t>
-            </a:r>
-          </a:p>
-          <a:p>
-            <a:pPr lvl="0" indent="0" marL="0">
-              <a:buNone/>
-            </a:pPr>
-            <a:r>
-              <a:rPr/>
-              <a:t>108. Borenstein M. In a meta-analysis, the I-squared statistic does not tell us how much the effect size varies. </a:t>
+              <a:t>10.1136/bmj.313.7060.808</a:t>
+            </a:r>
+          </a:p>
+          <a:p>
+            <a:pPr lvl="0" indent="0" marL="0">
+              <a:buNone/>
+            </a:pPr>
+            <a:r>
+              <a:rPr/>
+              <a:t>108. Altman DG. Statistics notes: Interaction revisited: The difference between two estimates. </a:t>
             </a:r>
             <a:r>
               <a:rPr i="1"/>
-              <a:t>Journal of Clinical Epidemiology</a:t>
-            </a:r>
-            <a:r>
-              <a:rPr/>
-              <a:t>. October 2022. doi:</a:t>
+              <a:t>BMJ</a:t>
+            </a:r>
+            <a:r>
+              <a:rPr/>
+              <a:t>. 2003;326(7382):219-219. doi:</a:t>
             </a:r>
             <a:r>
               <a:rPr>
                 <a:hlinkClick r:id="rId109"/>
               </a:rPr>
-              <a:t>10.1016/j.jclinepi.2022.10.003</a:t>
-            </a:r>
-          </a:p>
-          <a:p>
-            <a:pPr lvl="0" indent="0" marL="0">
-              <a:buNone/>
-            </a:pPr>
-            <a:r>
-              <a:rPr/>
-              <a:t>109. Rücker G, Schwarzer G, Carpenter JR, Schumacher M. Undue reliance on I 2 in assessing heterogeneity may mislead. </a:t>
+              <a:t>10.1136/bmj.326.7382.219</a:t>
+            </a:r>
+          </a:p>
+          <a:p>
+            <a:pPr lvl="0" indent="0" marL="0">
+              <a:buNone/>
+            </a:pPr>
+            <a:r>
+              <a:rPr/>
+              <a:t>109. Borenstein M. In a meta-analysis, the I-squared statistic does not tell us how much the effect size varies. </a:t>
             </a:r>
             <a:r>
               <a:rPr i="1"/>
-              <a:t>BMC Medical Research Methodology</a:t>
-            </a:r>
-            <a:r>
-              <a:rPr/>
-              <a:t>. 2008;8(1). doi:</a:t>
+              <a:t>Journal of Clinical Epidemiology</a:t>
+            </a:r>
+            <a:r>
+              <a:rPr/>
+              <a:t>. October 2022. doi:</a:t>
             </a:r>
             <a:r>
               <a:rPr>
                 <a:hlinkClick r:id="rId110"/>
               </a:rPr>
-              <a:t>10.1186/1471-2288-8-79</a:t>
-            </a:r>
-          </a:p>
-          <a:p>
-            <a:pPr lvl="0" indent="0" marL="0">
-              <a:buNone/>
-            </a:pPr>
-            <a:r>
-              <a:rPr/>
-              <a:t>110. Grooth HJ de, Parienti JJ. Heterogeneity between studies can be explained more reliably with individual patient data. </a:t>
+              <a:t>10.1016/j.jclinepi.2022.10.003</a:t>
+            </a:r>
+          </a:p>
+          <a:p>
+            <a:pPr lvl="0" indent="0" marL="0">
+              <a:buNone/>
+            </a:pPr>
+            <a:r>
+              <a:rPr/>
+              <a:t>110. Rücker G, Schwarzer G, Carpenter JR, Schumacher M. Undue reliance on I 2 in assessing heterogeneity may mislead. </a:t>
             </a:r>
             <a:r>
               <a:rPr i="1"/>
-              <a:t>Intensive Care Medicine</a:t>
-            </a:r>
-            <a:r>
-              <a:rPr/>
-              <a:t>. July 2023. doi:</a:t>
+              <a:t>BMC Medical Research Methodology</a:t>
+            </a:r>
+            <a:r>
+              <a:rPr/>
+              <a:t>. 2008;8(1). doi:</a:t>
             </a:r>
             <a:r>
               <a:rPr>
                 <a:hlinkClick r:id="rId111"/>
               </a:rPr>
-              <a:t>10.1007/s00134-023-07163-z</a:t>
-            </a:r>
-          </a:p>
-          <a:p>
-            <a:pPr lvl="0" indent="0" marL="0">
-              <a:buNone/>
-            </a:pPr>
-            <a:r>
-              <a:rPr/>
-              <a:t>111. Lajeunesse MJ. Facilitating systematic reviews, data extraction, and meta-analysis with the metagear package for r. 2016;7:323-330.</a:t>
-            </a:r>
-          </a:p>
-          <a:p>
-            <a:pPr lvl="0" indent="0" marL="0">
-              <a:buNone/>
-            </a:pPr>
-            <a:r>
-              <a:rPr/>
-              <a:t>112. Wallisch C, Bach P, Hafermann L, et al. Review of guidance papers on regression modeling in statistical series of medical journals. Mathes T, ed. </a:t>
+              <a:t>10.1186/1471-2288-8-79</a:t>
+            </a:r>
+          </a:p>
+          <a:p>
+            <a:pPr lvl="0" indent="0" marL="0">
+              <a:buNone/>
+            </a:pPr>
+            <a:r>
+              <a:rPr/>
+              <a:t>111. Grooth HJ de, Parienti JJ. Heterogeneity between studies can be explained more reliably with individual patient data. </a:t>
             </a:r>
             <a:r>
               <a:rPr i="1"/>
-              <a:t>PLOS ONE</a:t>
-            </a:r>
-            <a:r>
-              <a:rPr/>
-              <a:t>. 2022;17(1):e0262918. doi:</a:t>
+              <a:t>Intensive Care Medicine</a:t>
+            </a:r>
+            <a:r>
+              <a:rPr/>
+              <a:t>. July 2023. doi:</a:t>
             </a:r>
             <a:r>
               <a:rPr>
                 <a:hlinkClick r:id="rId112"/>
               </a:rPr>
-              <a:t>10.1371/journal.pone.0262918</a:t>
-            </a:r>
-          </a:p>
-          <a:p>
-            <a:pPr lvl="0" indent="0" marL="0">
-              <a:buNone/>
-            </a:pPr>
-            <a:r>
-              <a:rPr/>
-              <a:t>113. Lynggaard H, Bell J, Lösch C, et al. Principles and recommendations for incorporating estimands into clinical study protocol templates. </a:t>
+              <a:t>10.1007/s00134-023-07163-z</a:t>
+            </a:r>
+          </a:p>
+          <a:p>
+            <a:pPr lvl="0" indent="0" marL="0">
+              <a:buNone/>
+            </a:pPr>
+            <a:r>
+              <a:rPr/>
+              <a:t>112. Lajeunesse MJ. Facilitating systematic reviews, data extraction, and meta-analysis with the metagear package for r. 2016;7:323-330.</a:t>
+            </a:r>
+          </a:p>
+          <a:p>
+            <a:pPr lvl="0" indent="0" marL="0">
+              <a:buNone/>
+            </a:pPr>
+            <a:r>
+              <a:rPr/>
+              <a:t>113. Wallisch C, Bach P, Hafermann L, et al. Review of guidance papers on regression modeling in statistical series of medical journals. Mathes T, ed. </a:t>
             </a:r>
             <a:r>
               <a:rPr i="1"/>
-              <a:t>Trials</a:t>
-            </a:r>
-            <a:r>
-              <a:rPr/>
-              <a:t>. 2022;23(1). doi:</a:t>
+              <a:t>PLOS ONE</a:t>
+            </a:r>
+            <a:r>
+              <a:rPr/>
+              <a:t>. 2022;17(1):e0262918. doi:</a:t>
             </a:r>
             <a:r>
               <a:rPr>
                 <a:hlinkClick r:id="rId113"/>
               </a:rPr>
-              <a:t>10.1186/s13063-022-06515-2</a:t>
-            </a:r>
-          </a:p>
-          <a:p>
-            <a:pPr lvl="0" indent="0" marL="0">
-              <a:buNone/>
-            </a:pPr>
-            <a:r>
-              <a:rPr/>
-              <a:t>114. Dwivedi AK. How to Write Statistical Analysis Section in Medical Research. </a:t>
+              <a:t>10.1371/journal.pone.0262918</a:t>
+            </a:r>
+          </a:p>
+          <a:p>
+            <a:pPr lvl="0" indent="0" marL="0">
+              <a:buNone/>
+            </a:pPr>
+            <a:r>
+              <a:rPr/>
+              <a:t>114. Lynggaard H, Bell J, Lösch C, et al. Principles and recommendations for incorporating estimands into clinical study protocol templates. </a:t>
             </a:r>
             <a:r>
               <a:rPr i="1"/>
-              <a:t>Journal of Investigative Medicine</a:t>
-            </a:r>
-            <a:r>
-              <a:rPr/>
-              <a:t>. 2022;70(8):1759-1770. doi:</a:t>
+              <a:t>Trials</a:t>
+            </a:r>
+            <a:r>
+              <a:rPr/>
+              <a:t>. 2022;23(1). doi:</a:t>
             </a:r>
             <a:r>
               <a:rPr>
                 <a:hlinkClick r:id="rId114"/>
               </a:rPr>
-              <a:t>10.1136/jim-2022-002479</a:t>
-            </a:r>
-          </a:p>
-          <a:p>
-            <a:pPr lvl="0" indent="0" marL="0">
-              <a:buNone/>
-            </a:pPr>
-            <a:r>
-              <a:rPr/>
-              <a:t>115. Althouse AD, Below JE, Claggett BL, et al. Recommendations for Statistical Reporting in Cardiovascular Medicine: A Special Report From the American Heart Association. </a:t>
+              <a:t>10.1186/s13063-022-06515-2</a:t>
+            </a:r>
+          </a:p>
+          <a:p>
+            <a:pPr lvl="0" indent="0" marL="0">
+              <a:buNone/>
+            </a:pPr>
+            <a:r>
+              <a:rPr/>
+              <a:t>115. Dwivedi AK. How to Write Statistical Analysis Section in Medical Research. </a:t>
             </a:r>
             <a:r>
               <a:rPr i="1"/>
-              <a:t>Circulation</a:t>
-            </a:r>
-            <a:r>
-              <a:rPr/>
-              <a:t>. 2021;144(4). doi:</a:t>
+              <a:t>Journal of Investigative Medicine</a:t>
+            </a:r>
+            <a:r>
+              <a:rPr/>
+              <a:t>. 2022;70(8):1759-1770. doi:</a:t>
             </a:r>
             <a:r>
               <a:rPr>
                 <a:hlinkClick r:id="rId115"/>
               </a:rPr>
-              <a:t>10.1161/circulationaha.121.055393</a:t>
-            </a:r>
-          </a:p>
-          <a:p>
-            <a:pPr lvl="0" indent="0" marL="0">
-              <a:buNone/>
-            </a:pPr>
-            <a:r>
-              <a:rPr/>
-              <a:t>116. Lee KJ, Tilling KM, Cornish RP, et al. Framework for the treatment and reporting of missing data in observational studies: The Treatment And Reporting of Missing data in Observational Studies framework. </a:t>
+              <a:t>10.1136/jim-2022-002479</a:t>
+            </a:r>
+          </a:p>
+          <a:p>
+            <a:pPr lvl="0" indent="0" marL="0">
+              <a:buNone/>
+            </a:pPr>
+            <a:r>
+              <a:rPr/>
+              <a:t>116. Althouse AD, Below JE, Claggett BL, et al. Recommendations for Statistical Reporting in Cardiovascular Medicine: A Special Report From the American Heart Association. </a:t>
             </a:r>
             <a:r>
               <a:rPr i="1"/>
-              <a:t>Journal of Clinical Epidemiology</a:t>
-            </a:r>
-            <a:r>
-              <a:rPr/>
-              <a:t>. 2021;134:79-88. doi:</a:t>
+              <a:t>Circulation</a:t>
+            </a:r>
+            <a:r>
+              <a:rPr/>
+              <a:t>. 2021;144(4). doi:</a:t>
             </a:r>
             <a:r>
               <a:rPr>
                 <a:hlinkClick r:id="rId116"/>
               </a:rPr>
-              <a:t>10.1016/j.jclinepi.2021.01.008</a:t>
-            </a:r>
-          </a:p>
-          <a:p>
-            <a:pPr lvl="0" indent="0" marL="0">
-              <a:buNone/>
-            </a:pPr>
-            <a:r>
-              <a:rPr/>
-              <a:t>117. Vickers AJ, Assel MJ, Sjoberg DD, et al. Guidelines for Reporting of Figures and Tables for Clinical Research in Urology. </a:t>
+              <a:t>10.1161/circulationaha.121.055393</a:t>
+            </a:r>
+          </a:p>
+          <a:p>
+            <a:pPr lvl="0" indent="0" marL="0">
+              <a:buNone/>
+            </a:pPr>
+            <a:r>
+              <a:rPr/>
+              <a:t>117. Lee KJ, Tilling KM, Cornish RP, et al. Framework for the treatment and reporting of missing data in observational studies: The Treatment And Reporting of Missing data in Observational Studies framework. </a:t>
             </a:r>
             <a:r>
               <a:rPr i="1"/>
-              <a:t>Urology</a:t>
-            </a:r>
-            <a:r>
-              <a:rPr/>
-              <a:t>. 2020;142:1-13. doi:</a:t>
+              <a:t>Journal of Clinical Epidemiology</a:t>
+            </a:r>
+            <a:r>
+              <a:rPr/>
+              <a:t>. 2021;134:79-88. doi:</a:t>
             </a:r>
             <a:r>
               <a:rPr>
                 <a:hlinkClick r:id="rId117"/>
               </a:rPr>
-              <a:t>10.1016/j.urology.2020.05.002</a:t>
-            </a:r>
-          </a:p>
-          <a:p>
-            <a:pPr lvl="0" indent="0" marL="0">
-              <a:buNone/>
-            </a:pPr>
-            <a:r>
-              <a:rPr/>
-              <a:t>118. Assel M, Sjoberg D, Elders A, et al. Guidelines for Reporting of Statistics for Clinical Research in Urology. </a:t>
+              <a:t>10.1016/j.jclinepi.2021.01.008</a:t>
+            </a:r>
+          </a:p>
+          <a:p>
+            <a:pPr lvl="0" indent="0" marL="0">
+              <a:buNone/>
+            </a:pPr>
+            <a:r>
+              <a:rPr/>
+              <a:t>118. Vickers AJ, Assel MJ, Sjoberg DD, et al. Guidelines for Reporting of Figures and Tables for Clinical Research in Urology. </a:t>
             </a:r>
             <a:r>
               <a:rPr i="1"/>
-              <a:t>Journal of Urology</a:t>
-            </a:r>
-            <a:r>
-              <a:rPr/>
-              <a:t>. 2019;201(3):595-604. doi:</a:t>
+              <a:t>Urology</a:t>
+            </a:r>
+            <a:r>
+              <a:rPr/>
+              <a:t>. 2020;142:1-13. doi:</a:t>
             </a:r>
             <a:r>
               <a:rPr>
                 <a:hlinkClick r:id="rId118"/>
               </a:rPr>
-              <a:t>10.1097/ju.0000000000000001</a:t>
-            </a:r>
-          </a:p>
-          <a:p>
-            <a:pPr lvl="0" indent="0" marL="0">
-              <a:buNone/>
-            </a:pPr>
-            <a:r>
-              <a:rPr/>
-              <a:t>119. Gamble C, Krishan A, Stocken D, et al. Guidelines for the Content of Statistical Analysis Plans in Clinical Trials. </a:t>
+              <a:t>10.1016/j.urology.2020.05.002</a:t>
+            </a:r>
+          </a:p>
+          <a:p>
+            <a:pPr lvl="0" indent="0" marL="0">
+              <a:buNone/>
+            </a:pPr>
+            <a:r>
+              <a:rPr/>
+              <a:t>119. Assel M, Sjoberg D, Elders A, et al. Guidelines for Reporting of Statistics for Clinical Research in Urology. </a:t>
             </a:r>
             <a:r>
               <a:rPr i="1"/>
-              <a:t>JAMA</a:t>
-            </a:r>
-            <a:r>
-              <a:rPr/>
-              <a:t>. 2017;318(23):2337. doi:</a:t>
+              <a:t>Journal of Urology</a:t>
+            </a:r>
+            <a:r>
+              <a:rPr/>
+              <a:t>. 2019;201(3):595-604. doi:</a:t>
             </a:r>
             <a:r>
               <a:rPr>
                 <a:hlinkClick r:id="rId119"/>
               </a:rPr>
-              <a:t>10.1001/jama.2017.18556</a:t>
-            </a:r>
-          </a:p>
-          <a:p>
-            <a:pPr lvl="0" indent="0" marL="0">
-              <a:buNone/>
-            </a:pPr>
-            <a:r>
-              <a:rPr/>
-              <a:t>120. Lang TA, Altman DG. Basic statistical reporting for articles published in Biomedical Journals: The “Statistical Analyses and Methods in the Published Literature” or the SAMPL Guidelines. </a:t>
+              <a:t>10.1097/ju.0000000000000001</a:t>
+            </a:r>
+          </a:p>
+          <a:p>
+            <a:pPr lvl="0" indent="0" marL="0">
+              <a:buNone/>
+            </a:pPr>
+            <a:r>
+              <a:rPr/>
+              <a:t>120. Gamble C, Krishan A, Stocken D, et al. Guidelines for the Content of Statistical Analysis Plans in Clinical Trials. </a:t>
             </a:r>
             <a:r>
               <a:rPr i="1"/>
-              <a:t>International Journal of Nursing Studies</a:t>
-            </a:r>
-            <a:r>
-              <a:rPr/>
-              <a:t>. 2015;52(1):5-9. doi:</a:t>
+              <a:t>JAMA</a:t>
+            </a:r>
+            <a:r>
+              <a:rPr/>
+              <a:t>. 2017;318(23):2337. doi:</a:t>
             </a:r>
             <a:r>
               <a:rPr>
                 <a:hlinkClick r:id="rId120"/>
               </a:rPr>
-              <a:t>10.1016/j.ijnurstu.2014.09.006</a:t>
-            </a:r>
-          </a:p>
-          <a:p>
-            <a:pPr lvl="0" indent="0" marL="0">
-              <a:buNone/>
-            </a:pPr>
-            <a:r>
-              <a:rPr/>
-              <a:t>121. Weissgerber TL, Milic NM, Winham SJ, Garovic VD. Beyond Bar and Line Graphs: Time for a New Data Presentation Paradigm. </a:t>
+              <a:t>10.1001/jama.2017.18556</a:t>
+            </a:r>
+          </a:p>
+          <a:p>
+            <a:pPr lvl="0" indent="0" marL="0">
+              <a:buNone/>
+            </a:pPr>
+            <a:r>
+              <a:rPr/>
+              <a:t>121. Lang TA, Altman DG. Basic statistical reporting for articles published in Biomedical Journals: The “Statistical Analyses and Methods in the Published Literature” or the SAMPL Guidelines. </a:t>
             </a:r>
             <a:r>
               <a:rPr i="1"/>
-              <a:t>PLOS Biology</a:t>
-            </a:r>
-            <a:r>
-              <a:rPr/>
-              <a:t>. 2015;13(4):e1002128. doi:</a:t>
+              <a:t>International Journal of Nursing Studies</a:t>
+            </a:r>
+            <a:r>
+              <a:rPr/>
+              <a:t>. 2015;52(1):5-9. doi:</a:t>
             </a:r>
             <a:r>
               <a:rPr>
                 <a:hlinkClick r:id="rId121"/>
               </a:rPr>
-              <a:t>10.1371/journal.pbio.1002128</a:t>
-            </a:r>
-          </a:p>
-          <a:p>
-            <a:pPr lvl="0" indent="0" marL="0">
-              <a:buNone/>
-            </a:pPr>
-            <a:r>
-              <a:rPr/>
-              <a:t>122. Sauerbrei W, Abrahamowicz M, Altman DG, Cessie S, Carpenter J. STRengthening Analytical Thinking for Observational Studies: the STRATOS initiative. </a:t>
+              <a:t>10.1016/j.ijnurstu.2014.09.006</a:t>
+            </a:r>
+          </a:p>
+          <a:p>
+            <a:pPr lvl="0" indent="0" marL="0">
+              <a:buNone/>
+            </a:pPr>
+            <a:r>
+              <a:rPr/>
+              <a:t>122. Weissgerber TL, Milic NM, Winham SJ, Garovic VD. Beyond Bar and Line Graphs: Time for a New Data Presentation Paradigm. </a:t>
             </a:r>
             <a:r>
               <a:rPr i="1"/>
-              <a:t>Statistics in Medicine</a:t>
-            </a:r>
-            <a:r>
-              <a:rPr/>
-              <a:t>. 2014;33(30):5413-5432. doi:</a:t>
+              <a:t>PLOS Biology</a:t>
+            </a:r>
+            <a:r>
+              <a:rPr/>
+              <a:t>. 2015;13(4):e1002128. doi:</a:t>
             </a:r>
             <a:r>
               <a:rPr>
                 <a:hlinkClick r:id="rId122"/>
               </a:rPr>
-              <a:t>10.1002/sim.6265</a:t>
-            </a:r>
-          </a:p>
-          <a:p>
-            <a:pPr lvl="0" indent="0" marL="0">
-              <a:buNone/>
-            </a:pPr>
-            <a:r>
-              <a:rPr/>
-              <a:t>123. Groves T. Research methods and reporting. </a:t>
+              <a:t>10.1371/journal.pbio.1002128</a:t>
+            </a:r>
+          </a:p>
+          <a:p>
+            <a:pPr lvl="0" indent="0" marL="0">
+              <a:buNone/>
+            </a:pPr>
+            <a:r>
+              <a:rPr/>
+              <a:t>123. Sauerbrei W, Abrahamowicz M, Altman DG, Cessie S, Carpenter J. STRengthening Analytical Thinking for Observational Studies: the STRATOS initiative. </a:t>
             </a:r>
             <a:r>
               <a:rPr i="1"/>
-              <a:t>BMJ</a:t>
-            </a:r>
-            <a:r>
-              <a:rPr/>
-              <a:t>. 2008;337(oct22 1):a2201-a2201. doi:</a:t>
+              <a:t>Statistics in Medicine</a:t>
+            </a:r>
+            <a:r>
+              <a:rPr/>
+              <a:t>. 2014;33(30):5413-5432. doi:</a:t>
             </a:r>
             <a:r>
               <a:rPr>
                 <a:hlinkClick r:id="rId123"/>
               </a:rPr>
-              <a:t>10.1136/bmj.a2201</a:t>
-            </a:r>
-          </a:p>
-          <a:p>
-            <a:pPr lvl="0" indent="0" marL="0">
-              <a:buNone/>
-            </a:pPr>
-            <a:r>
-              <a:rPr/>
-              <a:t>124. Stratton IM, Neil A. How to ensure your paper is rejected by the statistical reviewer. </a:t>
+              <a:t>10.1002/sim.6265</a:t>
+            </a:r>
+          </a:p>
+          <a:p>
+            <a:pPr lvl="0" indent="0" marL="0">
+              <a:buNone/>
+            </a:pPr>
+            <a:r>
+              <a:rPr/>
+              <a:t>124. Groves T. Research methods and reporting. </a:t>
             </a:r>
             <a:r>
               <a:rPr i="1"/>
-              <a:t>Diabetic Medicine</a:t>
-            </a:r>
-            <a:r>
-              <a:rPr/>
-              <a:t>. 2005;22(4):371-373. doi:</a:t>
+              <a:t>BMJ</a:t>
+            </a:r>
+            <a:r>
+              <a:rPr/>
+              <a:t>. 2008;337(oct22 1):a2201-a2201. doi:</a:t>
             </a:r>
             <a:r>
               <a:rPr>
                 <a:hlinkClick r:id="rId124"/>
               </a:rPr>
-              <a:t>10.1111/j.1464-5491.2004.01443.x</a:t>
-            </a:r>
-          </a:p>
-          <a:p>
-            <a:pPr lvl="0" indent="0" marL="0">
-              <a:buNone/>
-            </a:pPr>
-            <a:r>
-              <a:rPr/>
-              <a:t>125. Gardner MJ, Machin D, Campbell MJ. Use of check lists in assessing the statistical content of medical studies. </a:t>
+              <a:t>10.1136/bmj.a2201</a:t>
+            </a:r>
+          </a:p>
+          <a:p>
+            <a:pPr lvl="0" indent="0" marL="0">
+              <a:buNone/>
+            </a:pPr>
+            <a:r>
+              <a:rPr/>
+              <a:t>125. Stratton IM, Neil A. How to ensure your paper is rejected by the statistical reviewer. </a:t>
             </a:r>
             <a:r>
               <a:rPr i="1"/>
-              <a:t>BMJ</a:t>
-            </a:r>
-            <a:r>
-              <a:rPr/>
-              <a:t>. 1986;292(6523):810-812. doi:</a:t>
+              <a:t>Diabetic Medicine</a:t>
+            </a:r>
+            <a:r>
+              <a:rPr/>
+              <a:t>. 2005;22(4):371-373. doi:</a:t>
             </a:r>
             <a:r>
               <a:rPr>
                 <a:hlinkClick r:id="rId125"/>
               </a:rPr>
-              <a:t>10.1136/bmj.292.6523.810</a:t>
-            </a:r>
-          </a:p>
-          <a:p>
-            <a:pPr lvl="0" indent="0" marL="0">
-              <a:buNone/>
-            </a:pPr>
-            <a:r>
-              <a:rPr/>
-              <a:t>126. Mascha EJ, Vetter TR. The Statistical Checklist and Statistical Review. </a:t>
+              <a:t>10.1111/j.1464-5491.2004.01443.x</a:t>
+            </a:r>
+          </a:p>
+          <a:p>
+            <a:pPr lvl="0" indent="0" marL="0">
+              <a:buNone/>
+            </a:pPr>
+            <a:r>
+              <a:rPr/>
+              <a:t>126. Gardner MJ, Machin D, Campbell MJ. Use of check lists in assessing the statistical content of medical studies. </a:t>
             </a:r>
             <a:r>
               <a:rPr i="1"/>
-              <a:t>Anesthesia &amp; Analgesia</a:t>
-            </a:r>
-            <a:r>
-              <a:rPr/>
-              <a:t>. 2017;124(3):719-721. doi:</a:t>
+              <a:t>BMJ</a:t>
+            </a:r>
+            <a:r>
+              <a:rPr/>
+              <a:t>. 1986;292(6523):810-812. doi:</a:t>
             </a:r>
             <a:r>
               <a:rPr>
                 <a:hlinkClick r:id="rId126"/>
               </a:rPr>
-              <a:t>10.1213/ane.0000000000001863</a:t>
-            </a:r>
-          </a:p>
-          <a:p>
-            <a:pPr lvl="0" indent="0" marL="0">
-              <a:buNone/>
-            </a:pPr>
-            <a:r>
-              <a:rPr/>
-              <a:t>127. Mansournia MA, Collins GS, Nielsen RO, et al. A CHecklist for statistical Assessment of Medical Papers (the CHAMP statement): explanation and elaboration. </a:t>
+              <a:t>10.1136/bmj.292.6523.810</a:t>
+            </a:r>
+          </a:p>
+          <a:p>
+            <a:pPr lvl="0" indent="0" marL="0">
+              <a:buNone/>
+            </a:pPr>
+            <a:r>
+              <a:rPr/>
+              <a:t>127. Mascha EJ, Vetter TR. The Statistical Checklist and Statistical Review. </a:t>
             </a:r>
             <a:r>
               <a:rPr i="1"/>
-              <a:t>British Journal of Sports Medicine</a:t>
-            </a:r>
-            <a:r>
-              <a:rPr/>
-              <a:t>. 2021;55(18):1009-1017. doi:</a:t>
+              <a:t>Anesthesia &amp; Analgesia</a:t>
+            </a:r>
+            <a:r>
+              <a:rPr/>
+              <a:t>. 2017;124(3):719-721. doi:</a:t>
             </a:r>
             <a:r>
               <a:rPr>
                 <a:hlinkClick r:id="rId127"/>
               </a:rPr>
-              <a:t>10.1136/bjsports-2020-103652</a:t>
-            </a:r>
-          </a:p>
-          <a:p>
-            <a:pPr lvl="0" indent="0" marL="0">
-              <a:buNone/>
-            </a:pPr>
-            <a:r>
-              <a:rPr/>
-              <a:t>128. Gil-Sierra MD, Fénix-Caballero S, Abdel kader-Martin L, et al. Checklist for clinical applicability of subgroup analysis. </a:t>
+              <a:t>10.1213/ane.0000000000001863</a:t>
+            </a:r>
+          </a:p>
+          <a:p>
+            <a:pPr lvl="0" indent="0" marL="0">
+              <a:buNone/>
+            </a:pPr>
+            <a:r>
+              <a:rPr/>
+              <a:t>128. Mansournia MA, Collins GS, Nielsen RO, et al. A CHecklist for statistical Assessment of Medical Papers (the CHAMP statement): explanation and elaboration. </a:t>
             </a:r>
             <a:r>
               <a:rPr i="1"/>
-              <a:t>Journal of Clinical Pharmacy and Therapeutics</a:t>
-            </a:r>
-            <a:r>
-              <a:rPr/>
-              <a:t>. 2019;45(3):530-538. doi:</a:t>
+              <a:t>British Journal of Sports Medicine</a:t>
+            </a:r>
+            <a:r>
+              <a:rPr/>
+              <a:t>. 2021;55(18):1009-1017. doi:</a:t>
             </a:r>
             <a:r>
               <a:rPr>
                 <a:hlinkClick r:id="rId128"/>
               </a:rPr>
-              <a:t>10.1111/jcpt.13102</a:t>
-            </a:r>
-          </a:p>
-          <a:p>
-            <a:pPr lvl="0" indent="0" marL="0">
-              <a:buNone/>
-            </a:pPr>
-            <a:r>
-              <a:rPr/>
-              <a:t>129. Dwivedi AK, Shukla R. Evidence-based statistical analysis and methods in biomedical research (SAMBR) checklists according to design features. </a:t>
+              <a:t>10.1136/bjsports-2020-103652</a:t>
+            </a:r>
+          </a:p>
+          <a:p>
+            <a:pPr lvl="0" indent="0" marL="0">
+              <a:buNone/>
+            </a:pPr>
+            <a:r>
+              <a:rPr/>
+              <a:t>129. Gil-Sierra MD, Fénix-Caballero S, Abdel kader-Martin L, et al. Checklist for clinical applicability of subgroup analysis. </a:t>
             </a:r>
             <a:r>
               <a:rPr i="1"/>
-              <a:t>CANCER REPORTS</a:t>
-            </a:r>
-            <a:r>
-              <a:rPr/>
-              <a:t>. 2019;3(4). doi:</a:t>
+              <a:t>Journal of Clinical Pharmacy and Therapeutics</a:t>
+            </a:r>
+            <a:r>
+              <a:rPr/>
+              <a:t>. 2019;45(3):530-538. doi:</a:t>
             </a:r>
             <a:r>
               <a:rPr>
                 <a:hlinkClick r:id="rId129"/>
               </a:rPr>
-              <a:t>10.1002/cnr2.1211</a:t>
-            </a:r>
-          </a:p>
-          <a:p>
-            <a:pPr lvl="0" indent="0" marL="0">
-              <a:buNone/>
-            </a:pPr>
-            <a:r>
-              <a:rPr/>
-              <a:t>130. Altman DG, Simera I, Hoey J, Moher D, Schulz K. EQUATOR: reporting guidelines for health research. </a:t>
+              <a:t>10.1111/jcpt.13102</a:t>
+            </a:r>
+          </a:p>
+          <a:p>
+            <a:pPr lvl="0" indent="0" marL="0">
+              <a:buNone/>
+            </a:pPr>
+            <a:r>
+              <a:rPr/>
+              <a:t>130. Dwivedi AK, Shukla R. Evidence-based statistical analysis and methods in biomedical research (SAMBR) checklists according to design features. </a:t>
             </a:r>
             <a:r>
               <a:rPr i="1"/>
-              <a:t>The Lancet</a:t>
-            </a:r>
-            <a:r>
-              <a:rPr/>
-              <a:t>. 2008;371(9619):1149-1150. doi:</a:t>
+              <a:t>CANCER REPORTS</a:t>
+            </a:r>
+            <a:r>
+              <a:rPr/>
+              <a:t>. 2019;3(4). doi:</a:t>
             </a:r>
             <a:r>
               <a:rPr>
                 <a:hlinkClick r:id="rId130"/>
               </a:rPr>
-              <a:t>10.1016/s0140-6736(08)60505-x</a:t>
-            </a:r>
-          </a:p>
-          <a:p>
-            <a:pPr lvl="0" indent="0" marL="0">
-              <a:buNone/>
-            </a:pPr>
-            <a:r>
-              <a:rPr/>
-              <a:t>131. Haddaway NR, Page MJ, Pritchard CC, McGuinness LA. PRISMA2020: An r package and shiny app for producing PRISMA 2020-compliant flow diagrams, with interactivity for optimised digital transparency and open synthesis. 2022;18:e1230. doi:</a:t>
+              <a:t>10.1002/cnr2.1211</a:t>
+            </a:r>
+          </a:p>
+          <a:p>
+            <a:pPr lvl="0" indent="0" marL="0">
+              <a:buNone/>
+            </a:pPr>
+            <a:r>
+              <a:rPr/>
+              <a:t>131. Altman DG, Simera I, Hoey J, Moher D, Schulz K. EQUATOR: reporting guidelines for health research. </a:t>
+            </a:r>
+            <a:r>
+              <a:rPr i="1"/>
+              <a:t>The Lancet</a:t>
+            </a:r>
+            <a:r>
+              <a:rPr/>
+              <a:t>. 2008;371(9619):1149-1150. doi:</a:t>
             </a:r>
             <a:r>
               <a:rPr>
                 <a:hlinkClick r:id="rId131"/>
               </a:rPr>
-              <a:t>10.1002/cl2.1230</a:t>
+              <a:t>10.1016/s0140-6736(08)60505-x</a:t>
             </a:r>
           </a:p>
           <a:p>
@@ -7058,6 +7387,21 @@
             <a:r>
               <a:rPr>
                 <a:hlinkClick r:id="rId132"/>
+              </a:rPr>
+              <a:t>10.1002/cl2.1230</a:t>
+            </a:r>
+          </a:p>
+          <a:p>
+            <a:pPr lvl="0" indent="0" marL="0">
+              <a:buNone/>
+            </a:pPr>
+            <a:r>
+              <a:rPr/>
+              <a:t>133. Haddaway NR, Page MJ, Pritchard CC, McGuinness LA. PRISMA2020: An r package and shiny app for producing PRISMA 2020-compliant flow diagrams, with interactivity for optimised digital transparency and open synthesis. 2022;18:e1230. doi:</a:t>
+            </a:r>
+            <a:r>
+              <a:rPr>
+                <a:hlinkClick r:id="rId133"/>
               </a:rPr>
               <a:t>10.1002/cl2.1230</a:t>
             </a:r>
@@ -20138,7 +20482,7 @@
             </a:pPr>
             <a:r>
               <a:rPr/>
-              <a:t>Análises de comparação</a:t>
+              <a:t>Modelos de análise de comparação</a:t>
             </a:r>
           </a:p>
         </p:txBody>
@@ -20295,7 +20639,7 @@
             </a:pPr>
             <a:r>
               <a:rPr/>
-              <a:t>Comparação na linha de base</a:t>
+              <a:t>Ajuste de covariáveis</a:t>
             </a:r>
           </a:p>
         </p:txBody>
@@ -20334,25 +20678,14 @@
             </a:pPr>
             <a:r>
               <a:rPr b="1"/>
-              <a:t>O que é comparação entre grupos na linha de base em ensaios clínicos aleatorizados?</a:t>
-            </a:r>
-          </a:p>
-          <a:p>
-            <a:pPr lvl="0"/>
-            <a:r>
-              <a:rPr/>
-              <a:t>A comparação se refere ao teste de hipótese nula de não haver diferença (‘balanço’ ou ‘equilíbrio’) entre grupos de tratamento nas (co)variáveis na linha de base, geralmente apresentadas apenas de modo descritivo na ‘Tabela 1’.</a:t>
-            </a:r>
-            <a:r>
-              <a:rPr baseline="30000"/>
-              <a:t>99</a:t>
-            </a:r>
-          </a:p>
-          <a:p>
-            <a:pPr lvl="0"/>
-            <a:r>
-              <a:rPr/>
-              <a:t>A interpretação isolada do p-valor da comparação entre grupos na linha de base não permite identificar as razões para eventuais diferenças.</a:t>
+              <a:t>Quais variáveis devem ser utilizadas no ajuste de covariáveis?</a:t>
+            </a:r>
+          </a:p>
+          <a:p>
+            <a:pPr lvl="0"/>
+            <a:r>
+              <a:rPr/>
+              <a:t>A escolha das características de linha de base pelas quais uma análise é ajustada deve ser determinada pelo conhecimento prévio de uma possível influência no resultado, em vez da evidência de desequilíbrio entre os grupos de tratamento no estudo.</a:t>
             </a:r>
             <a:r>
               <a:rPr baseline="30000"/>
@@ -20373,14 +20706,14 @@
             </a:pPr>
             <a:r>
               <a:rPr b="1"/>
-              <a:t>Para quê comparar grupos na linha de base em ensaios clínicos aleatorizados?</a:t>
-            </a:r>
-          </a:p>
-          <a:p>
-            <a:pPr lvl="0"/>
-            <a:r>
-              <a:rPr/>
-              <a:t>Os p-valores estão relacionados à aleatorização dos participantes em grupos.</a:t>
+              <a:t>Quais os benefícios do ajuste de covariáveis?</a:t>
+            </a:r>
+          </a:p>
+          <a:p>
+            <a:pPr lvl="0"/>
+            <a:r>
+              <a:rPr/>
+              <a:t>Ajustar por covariáveis ajuda a estimar os efeitos do tratamento para o indivíduo, assim como aumenta a eficiência dos testes para hipótese nula e a validade externa do estudo.</a:t>
             </a:r>
             <a:r>
               <a:rPr baseline="30000"/>
@@ -20391,11 +20724,22 @@
             <a:pPr lvl="0"/>
             <a:r>
               <a:rPr/>
-              <a:t>Em ensaios clínicos aleatorizados, a comparação de (co)variáveis na linha de base é usada para avaliar se aleatorização foi ‘bem sucedida’.</a:t>
-            </a:r>
-            <a:r>
-              <a:rPr baseline="30000"/>
-              <a:t>100</a:t>
+              <a:t>Incluir a variável de desfecho medida na linha de base como covariável - independentemente da análise ser realizada com a medida pós-tratamento da mesma variável ou a diferença para a linha de base - pode aumentar o poder estatístico do estudo.</a:t>
+            </a:r>
+            <a:r>
+              <a:rPr baseline="30000"/>
+              <a:t>101</a:t>
+            </a:r>
+          </a:p>
+          <a:p>
+            <a:pPr lvl="0"/>
+            <a:r>
+              <a:rPr/>
+              <a:t>Incluir outras variáveis medidas na linha de base, com potencial para serem desbalanceadas entre grupos após a aleatorização, diminui a chance de afetar as estimativas de efeito dos tratamentos.</a:t>
+            </a:r>
+            <a:r>
+              <a:rPr baseline="30000"/>
+              <a:t>101</a:t>
             </a:r>
           </a:p>
           <a:p>
@@ -20412,51 +20756,29 @@
             </a:pPr>
             <a:r>
               <a:rPr b="1"/>
-              <a:t>Quais são as razões para diferenças entre grupos de tratamento nas (co)variáveis na linha de base?</a:t>
-            </a:r>
-          </a:p>
-          <a:p>
-            <a:pPr lvl="0"/>
-            <a:r>
-              <a:rPr/>
-              <a:t>Acaso.</a:t>
-            </a:r>
-            <a:r>
-              <a:rPr baseline="30000"/>
-              <a:t>61,99</a:t>
-            </a:r>
-          </a:p>
-          <a:p>
-            <a:pPr lvl="0"/>
-            <a:r>
-              <a:rPr/>
-              <a:t>Viés.</a:t>
-            </a:r>
-            <a:r>
-              <a:rPr baseline="30000"/>
-              <a:t>61,99</a:t>
-            </a:r>
-          </a:p>
-          <a:p>
-            <a:pPr lvl="0"/>
-            <a:r>
-              <a:rPr/>
-              <a:t>Tamanho da amostra.</a:t>
-            </a:r>
-            <a:r>
-              <a:rPr baseline="30000"/>
-              <a:t>61,99</a:t>
-            </a:r>
-          </a:p>
-          <a:p>
-            <a:pPr lvl="0"/>
-            <a:r>
-              <a:rPr/>
-              <a:t>Má conduta científica.</a:t>
-            </a:r>
-            <a:r>
-              <a:rPr baseline="30000"/>
-              <a:t>61</a:t>
+              <a:t>Quais os riscos do ajuste de covariáveis?</a:t>
+            </a:r>
+          </a:p>
+          <a:p>
+            <a:pPr lvl="0"/>
+            <a:r>
+              <a:rPr/>
+              <a:t>Incluir covariáveis que não são prognósticas do desfecho pode reduzir o poder estatístico do estudo.</a:t>
+            </a:r>
+            <a:r>
+              <a:rPr baseline="30000"/>
+              <a:t>101</a:t>
+            </a:r>
+          </a:p>
+          <a:p>
+            <a:pPr lvl="0"/>
+            <a:r>
+              <a:rPr/>
+              <a:t>Incluir covariáveis com dados perdidos pode reduzir o tamanho amostral e consequentemente o poder estatístico do estudo (análise de casos completos) ou levar a desvios do plano de análise por exclusão de covariáveis prognósticas.</a:t>
+            </a:r>
+            <a:r>
+              <a:rPr baseline="30000"/>
+              <a:t>101</a:t>
             </a:r>
           </a:p>
           <a:p>
@@ -20473,103 +20795,14 @@
             </a:pPr>
             <a:r>
               <a:rPr b="1"/>
-              <a:t>Quais cenários permitem a comparação entre grupos na linha de base em ensaios clínicos aleatorizados?</a:t>
-            </a:r>
-          </a:p>
-          <a:p>
-            <a:pPr lvl="0"/>
-            <a:r>
-              <a:rPr/>
-              <a:t>Em ensaios clínicos aleatorizados agregados, os p-valores possuem interpretação diferente de estudos aleatorizados individualmente.</a:t>
-            </a:r>
-            <a:r>
-              <a:rPr baseline="30000"/>
-              <a:t>100</a:t>
-            </a:r>
-          </a:p>
-          <a:p>
-            <a:pPr lvl="0"/>
-            <a:r>
-              <a:rPr/>
-              <a:t>Em ensaios clínicos com agrupamento, nos quais o recrutamento ocorreu após a aleatorização, os p-valores já não estão inteiramente relacionados ao processo de aleatorização, mas sim ao método de recrutamento, o que pode resultar na comparação de amostras não aleatórias.</a:t>
-            </a:r>
-            <a:r>
-              <a:rPr baseline="30000"/>
-              <a:t>100</a:t>
-            </a:r>
-          </a:p>
-          <a:p>
-            <a:pPr lvl="0" indent="0" marL="0">
-              <a:buNone/>
-            </a:pPr>
-          </a:p>
-          <a:p>
-            <a:pPr lvl="0" indent="0" marL="0">
-              <a:spcBef>
-                <a:spcPts val="3000"/>
-              </a:spcBef>
-              <a:buNone/>
-            </a:pPr>
-            <a:r>
-              <a:rPr b="1"/>
-              <a:t>Por que não se deve comparar grupos na linha de base em ensaios clínicos aleatorizados?</a:t>
-            </a:r>
-          </a:p>
-          <a:p>
-            <a:pPr lvl="0"/>
-            <a:r>
-              <a:rPr/>
-              <a:t>Quando a aleatorização é bem-sucedida, a hipótese nula de diferença entre grupos na linha de base é verdadeira.</a:t>
-            </a:r>
-            <a:r>
-              <a:rPr baseline="30000"/>
-              <a:t>101</a:t>
-            </a:r>
-          </a:p>
-          <a:p>
-            <a:pPr lvl="0"/>
-            <a:r>
-              <a:rPr/>
-              <a:t>Testes de significância estatística na linha de base avaliam a probabilidade de que as diferenças observadas possam ter ocorrido por acaso; no entanto, já sabemos - pelo delineamento do experimento - que quaisquer diferenças são causadas pelo acaso.</a:t>
-            </a:r>
-            <a:r>
-              <a:rPr baseline="30000"/>
-              <a:t>102</a:t>
-            </a:r>
-          </a:p>
-          <a:p>
-            <a:pPr lvl="0" indent="0" marL="0">
-              <a:buNone/>
-            </a:pPr>
-          </a:p>
-          <a:p>
-            <a:pPr lvl="0" indent="0" marL="0">
-              <a:spcBef>
-                <a:spcPts val="3000"/>
-              </a:spcBef>
-              <a:buNone/>
-            </a:pPr>
-            <a:r>
-              <a:rPr b="1"/>
-              <a:t>Quais estratégias podem ser adotadas para substituir a comparação entre grupos na linha de base em ensaios clínicos aleatorizados?</a:t>
-            </a:r>
-          </a:p>
-          <a:p>
-            <a:pPr lvl="0"/>
-            <a:r>
-              <a:rPr/>
-              <a:t>Na fase de projeto: identifique as variáveis prognósticas do desfecho de acordo com a literatura.</a:t>
-            </a:r>
-            <a:r>
-              <a:rPr baseline="30000"/>
-              <a:t>101</a:t>
-            </a:r>
-          </a:p>
-          <a:p>
-            <a:pPr lvl="0"/>
-            <a:r>
-              <a:rPr/>
-              <a:t>Na fase de análise: inclua as variáveis prognósticas nos modelos para ajuste.</a:t>
+              <a:t>Como lidar com os dados perdidos em covariáveis?</a:t>
+            </a:r>
+          </a:p>
+          <a:p>
+            <a:pPr lvl="0"/>
+            <a:r>
+              <a:rPr/>
+              <a:t>Imputação de dados perdidos de uma variável pela média dos dados observada permite estimativas não enviesadas dos efeitos do tratamento, preserva o erro tipo I e aumenta o poder estatístico comparado à análise de dados completos.</a:t>
             </a:r>
             <a:r>
               <a:rPr baseline="30000"/>
@@ -20636,7 +20869,7 @@
             </a:pPr>
             <a:r>
               <a:rPr/>
-              <a:t>Comparação intragrupos</a:t>
+              <a:t>Comparação na linha de base</a:t>
             </a:r>
           </a:p>
         </p:txBody>
@@ -20675,18 +20908,246 @@
             </a:pPr>
             <a:r>
               <a:rPr b="1"/>
-              <a:t>Por que não se deve comparar intragrupos (pré-pós) em ensaios clínicos aleatorizados?</a:t>
-            </a:r>
-          </a:p>
-          <a:p>
-            <a:pPr lvl="0"/>
-            <a:r>
-              <a:rPr/>
-              <a:t>Testar por mudanças a partir da linha de base separadamente em cada grupos aleatorizados não permite concluir sobre diferenças entre grupos; não se pode fazer inferências a partir da comparação de p-valores.</a:t>
-            </a:r>
-            <a:r>
-              <a:rPr baseline="30000"/>
-              <a:t>95</a:t>
+              <a:t>O que é comparação entre grupos na linha de base em ensaios clínicos aleatorizados?</a:t>
+            </a:r>
+          </a:p>
+          <a:p>
+            <a:pPr lvl="0"/>
+            <a:r>
+              <a:rPr/>
+              <a:t>A comparação se refere ao teste de hipótese nula de não haver diferença (‘balanço’ ou ‘equilíbrio’) entre grupos de tratamento nas (co)variáveis na linha de base, geralmente apresentadas apenas de modo descritivo na ‘Tabela 1’.</a:t>
+            </a:r>
+            <a:r>
+              <a:rPr baseline="30000"/>
+              <a:t>102</a:t>
+            </a:r>
+          </a:p>
+          <a:p>
+            <a:pPr lvl="0"/>
+            <a:r>
+              <a:rPr/>
+              <a:t>A interpretação isolada do p-valor da comparação entre grupos na linha de base não permite identificar as razões para eventuais diferenças.</a:t>
+            </a:r>
+            <a:r>
+              <a:rPr baseline="30000"/>
+              <a:t>102</a:t>
+            </a:r>
+          </a:p>
+          <a:p>
+            <a:pPr lvl="0" indent="0" marL="0">
+              <a:buNone/>
+            </a:pPr>
+          </a:p>
+          <a:p>
+            <a:pPr lvl="0" indent="0" marL="0">
+              <a:spcBef>
+                <a:spcPts val="3000"/>
+              </a:spcBef>
+              <a:buNone/>
+            </a:pPr>
+            <a:r>
+              <a:rPr b="1"/>
+              <a:t>Para quê comparar grupos na linha de base em ensaios clínicos aleatorizados?</a:t>
+            </a:r>
+          </a:p>
+          <a:p>
+            <a:pPr lvl="0"/>
+            <a:r>
+              <a:rPr/>
+              <a:t>Os p-valores estão relacionados à aleatorização dos participantes em grupos.</a:t>
+            </a:r>
+            <a:r>
+              <a:rPr baseline="30000"/>
+              <a:t>103</a:t>
+            </a:r>
+          </a:p>
+          <a:p>
+            <a:pPr lvl="0"/>
+            <a:r>
+              <a:rPr/>
+              <a:t>Em ensaios clínicos aleatorizados, a comparação de (co)variáveis na linha de base é usada para avaliar se aleatorização foi ‘bem sucedida’.</a:t>
+            </a:r>
+            <a:r>
+              <a:rPr baseline="30000"/>
+              <a:t>103</a:t>
+            </a:r>
+          </a:p>
+          <a:p>
+            <a:pPr lvl="0" indent="0" marL="0">
+              <a:buNone/>
+            </a:pPr>
+          </a:p>
+          <a:p>
+            <a:pPr lvl="0" indent="0" marL="0">
+              <a:spcBef>
+                <a:spcPts val="3000"/>
+              </a:spcBef>
+              <a:buNone/>
+            </a:pPr>
+            <a:r>
+              <a:rPr b="1"/>
+              <a:t>Quais são as razões para diferenças entre grupos de tratamento nas (co)variáveis na linha de base?</a:t>
+            </a:r>
+          </a:p>
+          <a:p>
+            <a:pPr lvl="0"/>
+            <a:r>
+              <a:rPr/>
+              <a:t>Acaso.</a:t>
+            </a:r>
+            <a:r>
+              <a:rPr baseline="30000"/>
+              <a:t>61,102</a:t>
+            </a:r>
+          </a:p>
+          <a:p>
+            <a:pPr lvl="0"/>
+            <a:r>
+              <a:rPr/>
+              <a:t>Viés.</a:t>
+            </a:r>
+            <a:r>
+              <a:rPr baseline="30000"/>
+              <a:t>61,102</a:t>
+            </a:r>
+          </a:p>
+          <a:p>
+            <a:pPr lvl="0"/>
+            <a:r>
+              <a:rPr/>
+              <a:t>Tamanho da amostra.</a:t>
+            </a:r>
+            <a:r>
+              <a:rPr baseline="30000"/>
+              <a:t>61,102</a:t>
+            </a:r>
+          </a:p>
+          <a:p>
+            <a:pPr lvl="0"/>
+            <a:r>
+              <a:rPr/>
+              <a:t>Má conduta científica.</a:t>
+            </a:r>
+            <a:r>
+              <a:rPr baseline="30000"/>
+              <a:t>61</a:t>
+            </a:r>
+          </a:p>
+          <a:p>
+            <a:pPr lvl="0" indent="0" marL="0">
+              <a:buNone/>
+            </a:pPr>
+          </a:p>
+          <a:p>
+            <a:pPr lvl="0" indent="0" marL="0">
+              <a:spcBef>
+                <a:spcPts val="3000"/>
+              </a:spcBef>
+              <a:buNone/>
+            </a:pPr>
+            <a:r>
+              <a:rPr b="1"/>
+              <a:t>Quais cenários permitem a comparação entre grupos na linha de base em ensaios clínicos aleatorizados?</a:t>
+            </a:r>
+          </a:p>
+          <a:p>
+            <a:pPr lvl="0"/>
+            <a:r>
+              <a:rPr/>
+              <a:t>Em ensaios clínicos aleatorizados agregados, os p-valores possuem interpretação diferente de estudos aleatorizados individualmente.</a:t>
+            </a:r>
+            <a:r>
+              <a:rPr baseline="30000"/>
+              <a:t>103</a:t>
+            </a:r>
+          </a:p>
+          <a:p>
+            <a:pPr lvl="0"/>
+            <a:r>
+              <a:rPr/>
+              <a:t>Em ensaios clínicos com agrupamento, nos quais o recrutamento ocorreu após a aleatorização, os p-valores já não estão inteiramente relacionados ao processo de aleatorização, mas sim ao método de recrutamento, o que pode resultar na comparação de amostras não aleatórias.</a:t>
+            </a:r>
+            <a:r>
+              <a:rPr baseline="30000"/>
+              <a:t>103</a:t>
+            </a:r>
+          </a:p>
+          <a:p>
+            <a:pPr lvl="0" indent="0" marL="0">
+              <a:buNone/>
+            </a:pPr>
+          </a:p>
+          <a:p>
+            <a:pPr lvl="0" indent="0" marL="0">
+              <a:spcBef>
+                <a:spcPts val="3000"/>
+              </a:spcBef>
+              <a:buNone/>
+            </a:pPr>
+            <a:r>
+              <a:rPr b="1"/>
+              <a:t>Por que não se deve comparar grupos na linha de base em ensaios clínicos aleatorizados?</a:t>
+            </a:r>
+          </a:p>
+          <a:p>
+            <a:pPr lvl="0"/>
+            <a:r>
+              <a:rPr/>
+              <a:t>Quando a aleatorização é bem-sucedida, a hipótese nula de diferença entre grupos na linha de base é verdadeira.</a:t>
+            </a:r>
+            <a:r>
+              <a:rPr baseline="30000"/>
+              <a:t>99</a:t>
+            </a:r>
+          </a:p>
+          <a:p>
+            <a:pPr lvl="0"/>
+            <a:r>
+              <a:rPr/>
+              <a:t>Testes de significância estatística na linha de base avaliam a probabilidade de que as diferenças observadas possam ter ocorrido por acaso; no entanto, já sabemos - pelo delineamento do experimento - que quaisquer diferenças são causadas pelo acaso.</a:t>
+            </a:r>
+            <a:r>
+              <a:rPr baseline="30000"/>
+              <a:t>104</a:t>
+            </a:r>
+          </a:p>
+          <a:p>
+            <a:pPr lvl="0" indent="0" marL="0">
+              <a:buNone/>
+            </a:pPr>
+          </a:p>
+          <a:p>
+            <a:pPr lvl="0" indent="0" marL="0">
+              <a:spcBef>
+                <a:spcPts val="3000"/>
+              </a:spcBef>
+              <a:buNone/>
+            </a:pPr>
+            <a:r>
+              <a:rPr b="1"/>
+              <a:t>Quais estratégias podem ser adotadas para substituir a comparação entre grupos na linha de base em ensaios clínicos aleatorizados?</a:t>
+            </a:r>
+          </a:p>
+          <a:p>
+            <a:pPr lvl="0"/>
+            <a:r>
+              <a:rPr/>
+              <a:t>Na fase de projeto: identifique as variáveis prognósticas do desfecho de acordo com a literatura.</a:t>
+            </a:r>
+            <a:r>
+              <a:rPr baseline="30000"/>
+              <a:t>99</a:t>
+            </a:r>
+          </a:p>
+          <a:p>
+            <a:pPr lvl="0"/>
+            <a:r>
+              <a:rPr/>
+              <a:t>Na fase de análise: inclua as variáveis prognósticas nos modelos para ajuste.</a:t>
+            </a:r>
+            <a:r>
+              <a:rPr baseline="30000"/>
+              <a:t>99</a:t>
             </a:r>
           </a:p>
           <a:p>
@@ -20749,7 +21210,7 @@
             </a:pPr>
             <a:r>
               <a:rPr/>
-              <a:t>Análise de interação</a:t>
+              <a:t>Comparação intragrupos</a:t>
             </a:r>
           </a:p>
         </p:txBody>
@@ -20788,96 +21249,18 @@
             </a:pPr>
             <a:r>
               <a:rPr b="1"/>
-              <a:t>O que é efeito de interação?</a:t>
-            </a:r>
-          </a:p>
-          <a:p>
-            <a:pPr lvl="0"/>
-            <a:r>
-              <a:rPr/>
-              <a:t>A interação - representada pelo símbolo ‘*’ - é o termo estatístico empregado para representar a heterogeneidade de um determinado efeito.</a:t>
-            </a:r>
-            <a:r>
-              <a:rPr baseline="30000"/>
-              <a:t>103</a:t>
-            </a:r>
-          </a:p>
-          <a:p>
-            <a:pPr lvl="0" indent="0" marL="0">
-              <a:buNone/>
-            </a:pPr>
-          </a:p>
-          <a:p>
-            <a:pPr lvl="0" indent="0" marL="0">
-              <a:spcBef>
-                <a:spcPts val="3000"/>
-              </a:spcBef>
-              <a:buNone/>
-            </a:pPr>
-            <a:r>
-              <a:rPr b="1"/>
-              <a:t>Quando usar o termo de interação?</a:t>
-            </a:r>
-          </a:p>
-          <a:p>
-            <a:pPr lvl="0"/>
-            <a:r>
-              <a:rPr/>
-              <a:t>Análise de efeito de interação pode ser usada para testar se o efeito de um tratamento varia entre dois ou mais subgrupos de indivíduos, ou seja, se um efeito é modificado pelo(s) outros(s) efeito(s).</a:t>
-            </a:r>
-            <a:r>
-              <a:rPr baseline="30000"/>
-              <a:t>103</a:t>
-            </a:r>
-          </a:p>
-          <a:p>
-            <a:pPr lvl="0"/>
-            <a:r>
-              <a:rPr/>
-              <a:t>A interação entre duas (ou mais) variáveis pode ser utilizada para comparar efeitos do tratamento em subgrupos de ensaios clínicos.</a:t>
-            </a:r>
-            <a:r>
-              <a:rPr baseline="30000"/>
-              <a:t>104</a:t>
-            </a:r>
-          </a:p>
-          <a:p>
-            <a:pPr lvl="0"/>
-            <a:r>
-              <a:rPr/>
-              <a:t>O poder estatístico para detectar efeitos de interação é limitado.</a:t>
-            </a:r>
-            <a:r>
-              <a:rPr baseline="30000"/>
-              <a:t>104</a:t>
-            </a:r>
-          </a:p>
-          <a:p>
-            <a:pPr lvl="0" indent="0" marL="0">
-              <a:buNone/>
-            </a:pPr>
-          </a:p>
-          <a:p>
-            <a:pPr lvl="0" indent="0" marL="0">
-              <a:spcBef>
-                <a:spcPts val="3000"/>
-              </a:spcBef>
-              <a:buNone/>
-            </a:pPr>
-            <a:r>
-              <a:rPr b="1"/>
-              <a:t>Por que analisar o efeito de interação?</a:t>
-            </a:r>
-          </a:p>
-          <a:p>
-            <a:pPr lvl="0"/>
-            <a:r>
-              <a:rPr/>
-              <a:t>A comparação de subgrupos por meio de testes de significância de hipótese nula separados é enganoso por não testar (comparar) diretamente os tamanhos dos efeitos dos tratamentos.</a:t>
-            </a:r>
-            <a:r>
-              <a:rPr baseline="30000"/>
-              <a:t>105</a:t>
+              <a:t>Por que não se deve comparar intragrupos (pré-pós) em ensaios clínicos aleatorizados?</a:t>
+            </a:r>
+          </a:p>
+          <a:p>
+            <a:pPr lvl="0"/>
+            <a:r>
+              <a:rPr/>
+              <a:t>Testar por mudanças a partir da linha de base separadamente em cada grupos aleatorizados não permite concluir sobre diferenças entre grupos; não se pode fazer inferências a partir da comparação de p-valores.</a:t>
+            </a:r>
+            <a:r>
+              <a:rPr baseline="30000"/>
+              <a:t>95</a:t>
             </a:r>
           </a:p>
           <a:p>
@@ -20940,7 +21323,7 @@
             </a:pPr>
             <a:r>
               <a:rPr/>
-              <a:t>Ajuste de covariáveis</a:t>
+              <a:t>Comparação entre grupos</a:t>
             </a:r>
           </a:p>
         </p:txBody>
@@ -20979,135 +21362,18 @@
             </a:pPr>
             <a:r>
               <a:rPr b="1"/>
-              <a:t>Quais variáveis devem ser utilizadas no ajuste de covariáveis?</a:t>
-            </a:r>
-          </a:p>
-          <a:p>
-            <a:pPr lvl="0"/>
-            <a:r>
-              <a:rPr/>
-              <a:t>A escolha das características de linha de base pelas quais uma análise é ajustada deve ser determinada pelo conhecimento prévio de uma possível influência no resultado, em vez da evidência de desequilíbrio entre os grupos de tratamento no estudo.</a:t>
-            </a:r>
-            <a:r>
-              <a:rPr baseline="30000"/>
-              <a:t>101</a:t>
-            </a:r>
-          </a:p>
-          <a:p>
-            <a:pPr lvl="0" indent="0" marL="0">
-              <a:buNone/>
-            </a:pPr>
-          </a:p>
-          <a:p>
-            <a:pPr lvl="0" indent="0" marL="0">
-              <a:spcBef>
-                <a:spcPts val="3000"/>
-              </a:spcBef>
-              <a:buNone/>
-            </a:pPr>
-            <a:r>
-              <a:rPr b="1"/>
-              <a:t>Quais os benefícios do ajuste de covariáveis?</a:t>
-            </a:r>
-          </a:p>
-          <a:p>
-            <a:pPr lvl="0"/>
-            <a:r>
-              <a:rPr/>
-              <a:t>Ajustar por covariáveis ajuda a estimar os efeitos do tratamento para o indivíduo, assim como aumenta a eficiência dos testes para hipótese nula e a validade externa do estudo.</a:t>
-            </a:r>
-            <a:r>
-              <a:rPr baseline="30000"/>
-              <a:t>106</a:t>
-            </a:r>
-          </a:p>
-          <a:p>
-            <a:pPr lvl="0"/>
-            <a:r>
-              <a:rPr/>
-              <a:t>Incluir a variável de desfecho medida na linha de base como covariável - independentemente da análise ser realizada com a medida pós-tratamento da mesma variável ou a diferença para a linha de base - pode aumentar o poder estatístico do estudo.</a:t>
-            </a:r>
-            <a:r>
-              <a:rPr baseline="30000"/>
-              <a:t>107</a:t>
-            </a:r>
-          </a:p>
-          <a:p>
-            <a:pPr lvl="0"/>
-            <a:r>
-              <a:rPr/>
-              <a:t>Incluir outras variáveis medidas na linha de base, com potencial para serem desbalanceadas entre grupos após a aleatorização, diminui a chance de afetar as estimativas de efeito dos tratamentos.</a:t>
-            </a:r>
-            <a:r>
-              <a:rPr baseline="30000"/>
-              <a:t>107</a:t>
-            </a:r>
-          </a:p>
-          <a:p>
-            <a:pPr lvl="0" indent="0" marL="0">
-              <a:buNone/>
-            </a:pPr>
-          </a:p>
-          <a:p>
-            <a:pPr lvl="0" indent="0" marL="0">
-              <a:spcBef>
-                <a:spcPts val="3000"/>
-              </a:spcBef>
-              <a:buNone/>
-            </a:pPr>
-            <a:r>
-              <a:rPr b="1"/>
-              <a:t>Quais os riscos do ajuste de covariáveis?</a:t>
-            </a:r>
-          </a:p>
-          <a:p>
-            <a:pPr lvl="0"/>
-            <a:r>
-              <a:rPr/>
-              <a:t>Incluir covariáveis que não são prognósticas do desfecho pode reduzir o poder estatístico do estudo.</a:t>
-            </a:r>
-            <a:r>
-              <a:rPr baseline="30000"/>
-              <a:t>107</a:t>
-            </a:r>
-          </a:p>
-          <a:p>
-            <a:pPr lvl="0"/>
-            <a:r>
-              <a:rPr/>
-              <a:t>Incluir covariáveis com dados perdidos pode reduzir o tamanho amostral e consequentemente o poder estatístico do estudo (análise de casos completos) ou levar a desvios do plano de análise por exclusão de covariáveis prognósticas.</a:t>
-            </a:r>
-            <a:r>
-              <a:rPr baseline="30000"/>
-              <a:t>107</a:t>
-            </a:r>
-          </a:p>
-          <a:p>
-            <a:pPr lvl="0" indent="0" marL="0">
-              <a:buNone/>
-            </a:pPr>
-          </a:p>
-          <a:p>
-            <a:pPr lvl="0" indent="0" marL="0">
-              <a:spcBef>
-                <a:spcPts val="3000"/>
-              </a:spcBef>
-              <a:buNone/>
-            </a:pPr>
-            <a:r>
-              <a:rPr b="1"/>
-              <a:t>Como lidar com os dados perdidos em covariáveis?</a:t>
-            </a:r>
-          </a:p>
-          <a:p>
-            <a:pPr lvl="0"/>
-            <a:r>
-              <a:rPr/>
-              <a:t>Imputação de dados perdidos de uma variável pela média dos dados observada permite estimativas não enviesadas dos efeitos do tratamento, preserva o erro tipo I e aumenta o poder estatístico comparado à análise de dados completos.</a:t>
-            </a:r>
-            <a:r>
-              <a:rPr baseline="30000"/>
-              <a:t>107</a:t>
+              <a:t>O que é comparação entre grupos em ensaios clínicos aleatorizados?</a:t>
+            </a:r>
+          </a:p>
+          <a:p>
+            <a:pPr lvl="0"/>
+            <a:r>
+              <a:rPr/>
+              <a:t>A comparação se refere ao teste de hipótese nula de não haver diferença (‘alteração’ ou ‘mudança’) pós-tratamento entre grupos de tratamento.</a:t>
+            </a:r>
+            <a:r>
+              <a:rPr baseline="30000"/>
+              <a:t>95</a:t>
             </a:r>
           </a:p>
           <a:p>
@@ -21144,7 +21410,7 @@
           <p:cNvPr id="2" name="Title 1">
             <a:extLst>
               <a:ext uri="{FF2B5EF4-FFF2-40B4-BE49-F238E27FC236}">
-                <a16:creationId xmlns:a16="http://schemas.microsoft.com/office/drawing/2014/main" id="{28A92D45-5BAF-634B-BB37-8481089F9E28}"/>
+                <a16:creationId xmlns:a16="http://schemas.microsoft.com/office/drawing/2014/main" id="{0277F749-6ED4-3E49-963A-830033252F78}"/>
               </a:ext>
             </a:extLst>
           </p:cNvPr>
@@ -21157,8 +21423,8 @@
         </p:nvSpPr>
         <p:spPr>
           <a:xfrm>
-            <a:off x="831850" y="1709738"/>
-            <a:ext cx="10515600" cy="2852737"/>
+            <a:off x="0" y="17256"/>
+            <a:ext cx="10515600" cy="663782"/>
           </a:xfrm>
         </p:spPr>
         <p:txBody>
@@ -21169,9 +21435,92 @@
               <a:buNone/>
             </a:pPr>
             <a:r>
+              <a:rPr/>
+              <a:t>Modificação de efeito</a:t>
+            </a:r>
+          </a:p>
+        </p:txBody>
+      </p:sp>
+      <p:sp>
+        <p:nvSpPr>
+          <p:cNvPr id="3" name="Content Placeholder 2">
+            <a:extLst>
+              <a:ext uri="{FF2B5EF4-FFF2-40B4-BE49-F238E27FC236}">
+                <a16:creationId xmlns:a16="http://schemas.microsoft.com/office/drawing/2014/main" id="{1574FA24-F1CC-B240-AAF9-A2DF684B1C54}"/>
+              </a:ext>
+            </a:extLst>
+          </p:cNvPr>
+          <p:cNvSpPr>
+            <a:spLocks noGrp="1"/>
+          </p:cNvSpPr>
+          <p:nvPr>
+            <p:ph idx="1"/>
+          </p:nvPr>
+        </p:nvSpPr>
+        <p:spPr/>
+        <p:txBody>
+          <a:bodyPr/>
+          <a:lstStyle/>
+          <a:p>
+            <a:pPr lvl="0" indent="0" marL="0">
+              <a:buNone/>
+            </a:pPr>
+          </a:p>
+          <a:p>
+            <a:pPr lvl="0" indent="0" marL="0">
+              <a:spcBef>
+                <a:spcPts val="3000"/>
+              </a:spcBef>
+              <a:buNone/>
+            </a:pPr>
+            <a:r>
               <a:rPr b="1"/>
-              <a:t>Meta-análises</a:t>
-            </a:r>
+              <a:t>O que é modificação de efeito?</a:t>
+            </a:r>
+          </a:p>
+          <a:p>
+            <a:pPr lvl="0"/>
+            <a:r>
+              <a:rPr/>
+              <a:t>.</a:t>
+            </a:r>
+            <a:r>
+              <a:rPr baseline="30000"/>
+              <a:t>105</a:t>
+            </a:r>
+          </a:p>
+          <a:p>
+            <a:pPr lvl="0" indent="0" marL="0">
+              <a:buNone/>
+            </a:pPr>
+          </a:p>
+          <a:p>
+            <a:pPr lvl="0" indent="0" marL="0">
+              <a:spcBef>
+                <a:spcPts val="3000"/>
+              </a:spcBef>
+              <a:buNone/>
+            </a:pPr>
+            <a:r>
+              <a:rPr b="1"/>
+              <a:t>O que é um modificador de efeito?</a:t>
+            </a:r>
+          </a:p>
+          <a:p>
+            <a:pPr lvl="0"/>
+            <a:r>
+              <a:rPr/>
+              <a:t>.</a:t>
+            </a:r>
+            <a:r>
+              <a:rPr baseline="30000"/>
+              <a:t>105</a:t>
+            </a:r>
+          </a:p>
+          <a:p>
+            <a:pPr lvl="0" indent="0" marL="0">
+              <a:buNone/>
+            </a:pPr>
           </a:p>
         </p:txBody>
       </p:sp>
@@ -21228,6 +21577,474 @@
             </a:pPr>
             <a:r>
               <a:rPr/>
+              <a:t>Interação</a:t>
+            </a:r>
+          </a:p>
+        </p:txBody>
+      </p:sp>
+      <p:sp>
+        <p:nvSpPr>
+          <p:cNvPr id="3" name="Content Placeholder 2">
+            <a:extLst>
+              <a:ext uri="{FF2B5EF4-FFF2-40B4-BE49-F238E27FC236}">
+                <a16:creationId xmlns:a16="http://schemas.microsoft.com/office/drawing/2014/main" id="{1574FA24-F1CC-B240-AAF9-A2DF684B1C54}"/>
+              </a:ext>
+            </a:extLst>
+          </p:cNvPr>
+          <p:cNvSpPr>
+            <a:spLocks noGrp="1"/>
+          </p:cNvSpPr>
+          <p:nvPr>
+            <p:ph idx="1"/>
+          </p:nvPr>
+        </p:nvSpPr>
+        <p:spPr/>
+        <p:txBody>
+          <a:bodyPr/>
+          <a:lstStyle/>
+          <a:p>
+            <a:pPr lvl="0" indent="0" marL="0">
+              <a:buNone/>
+            </a:pPr>
+          </a:p>
+          <a:p>
+            <a:pPr lvl="0" indent="0" marL="0">
+              <a:spcBef>
+                <a:spcPts val="3000"/>
+              </a:spcBef>
+              <a:buNone/>
+            </a:pPr>
+            <a:r>
+              <a:rPr b="1"/>
+              <a:t>O que é efeito de interação?</a:t>
+            </a:r>
+          </a:p>
+          <a:p>
+            <a:pPr lvl="0"/>
+            <a:r>
+              <a:rPr/>
+              <a:t>A interação - representada pelo símbolo ‘*’ - é o termo estatístico empregado para representar a heterogeneidade de um determinado efeito.</a:t>
+            </a:r>
+            <a:r>
+              <a:rPr baseline="30000"/>
+              <a:t>106</a:t>
+            </a:r>
+          </a:p>
+          <a:p>
+            <a:pPr lvl="0"/>
+            <a:r>
+              <a:rPr/>
+              <a:t>Em ensaios clínicos aleatorizados, o principal problema de pesquisa é se há uma diferença pré-pós maior em um grupo do que em outro(s).</a:t>
+            </a:r>
+            <a:r>
+              <a:rPr baseline="30000"/>
+              <a:t>95</a:t>
+            </a:r>
+          </a:p>
+          <a:p>
+            <a:pPr lvl="0"/>
+            <a:r>
+              <a:rPr/>
+              <a:t>.</a:t>
+            </a:r>
+            <a:r>
+              <a:rPr baseline="30000"/>
+              <a:t>105</a:t>
+            </a:r>
+          </a:p>
+          <a:p>
+            <a:pPr lvl="0" indent="0" marL="0">
+              <a:buNone/>
+            </a:pPr>
+          </a:p>
+          <a:p>
+            <a:pPr lvl="0" indent="0" marL="0">
+              <a:spcBef>
+                <a:spcPts val="3000"/>
+              </a:spcBef>
+              <a:buNone/>
+            </a:pPr>
+            <a:r>
+              <a:rPr b="1"/>
+              <a:t>Por que analisar o efeito de interação?</a:t>
+            </a:r>
+          </a:p>
+          <a:p>
+            <a:pPr lvl="0"/>
+            <a:r>
+              <a:rPr/>
+              <a:t>A comparação de subgrupos por meio de testes de significância de hipótese nula separados é enganoso por não testar (comparar) diretamente os tamanhos dos efeitos dos tratamentos.</a:t>
+            </a:r>
+            <a:r>
+              <a:rPr baseline="30000"/>
+              <a:t>107</a:t>
+            </a:r>
+          </a:p>
+          <a:p>
+            <a:pPr lvl="0" indent="0" marL="0">
+              <a:buNone/>
+            </a:pPr>
+          </a:p>
+          <a:p>
+            <a:pPr lvl="0" indent="0" marL="0">
+              <a:spcBef>
+                <a:spcPts val="3000"/>
+              </a:spcBef>
+              <a:buNone/>
+            </a:pPr>
+            <a:r>
+              <a:rPr b="1"/>
+              <a:t>Quando usar o termo de interação?</a:t>
+            </a:r>
+          </a:p>
+          <a:p>
+            <a:pPr lvl="0"/>
+            <a:r>
+              <a:rPr/>
+              <a:t>Análise de efeito de interação pode ser usada para testar se o efeito de um tratamento varia entre dois ou mais subgrupos de indivíduos, ou seja, se um efeito é modificado pelo(s) outros(s) efeito(s).</a:t>
+            </a:r>
+            <a:r>
+              <a:rPr baseline="30000"/>
+              <a:t>106</a:t>
+            </a:r>
+          </a:p>
+          <a:p>
+            <a:pPr lvl="0"/>
+            <a:r>
+              <a:rPr/>
+              <a:t>A interação entre duas (ou mais) variáveis pode ser utilizada para comparar efeitos do tratamento em subgrupos de ensaios clínicos.</a:t>
+            </a:r>
+            <a:r>
+              <a:rPr baseline="30000"/>
+              <a:t>108</a:t>
+            </a:r>
+          </a:p>
+          <a:p>
+            <a:pPr lvl="0"/>
+            <a:r>
+              <a:rPr/>
+              <a:t>O poder estatístico para detectar efeitos de interação é limitado.</a:t>
+            </a:r>
+            <a:r>
+              <a:rPr baseline="30000"/>
+              <a:t>108</a:t>
+            </a:r>
+          </a:p>
+          <a:p>
+            <a:pPr lvl="0" indent="0" marL="0">
+              <a:buNone/>
+            </a:pPr>
+          </a:p>
+        </p:txBody>
+      </p:sp>
+    </p:spTree>
+  </p:cSld>
+</p:sld>
+</file>
+
+<file path=ppt/slides/slide87.xml><?xml version="1.0" encoding="utf-8"?>
+<p:sld xmlns:a="http://schemas.openxmlformats.org/drawingml/2006/main" xmlns:r="http://schemas.openxmlformats.org/officeDocument/2006/relationships" xmlns:p="http://schemas.openxmlformats.org/presentationml/2006/main">
+  <p:cSld>
+    <p:spTree>
+      <p:nvGrpSpPr>
+        <p:cNvPr id="1" name=""/>
+        <p:cNvGrpSpPr/>
+        <p:nvPr/>
+      </p:nvGrpSpPr>
+      <p:grpSpPr>
+        <a:xfrm>
+          <a:off x="0" y="0"/>
+          <a:ext cx="0" cy="0"/>
+          <a:chOff x="0" y="0"/>
+          <a:chExt cx="0" cy="0"/>
+        </a:xfrm>
+      </p:grpSpPr>
+      <p:sp>
+        <p:nvSpPr>
+          <p:cNvPr id="2" name="Title 1">
+            <a:extLst>
+              <a:ext uri="{FF2B5EF4-FFF2-40B4-BE49-F238E27FC236}">
+                <a16:creationId xmlns:a16="http://schemas.microsoft.com/office/drawing/2014/main" id="{0277F749-6ED4-3E49-963A-830033252F78}"/>
+              </a:ext>
+            </a:extLst>
+          </p:cNvPr>
+          <p:cNvSpPr>
+            <a:spLocks noGrp="1"/>
+          </p:cNvSpPr>
+          <p:nvPr>
+            <p:ph type="title"/>
+          </p:nvPr>
+        </p:nvSpPr>
+        <p:spPr>
+          <a:xfrm>
+            <a:off x="0" y="17256"/>
+            <a:ext cx="10515600" cy="663782"/>
+          </a:xfrm>
+        </p:spPr>
+        <p:txBody>
+          <a:bodyPr/>
+          <a:lstStyle/>
+          <a:p>
+            <a:pPr lvl="0" indent="0" marL="0">
+              <a:buNone/>
+            </a:pPr>
+            <a:r>
+              <a:rPr/>
+              <a:t>Mediação</a:t>
+            </a:r>
+          </a:p>
+        </p:txBody>
+      </p:sp>
+      <p:sp>
+        <p:nvSpPr>
+          <p:cNvPr id="3" name="Content Placeholder 2">
+            <a:extLst>
+              <a:ext uri="{FF2B5EF4-FFF2-40B4-BE49-F238E27FC236}">
+                <a16:creationId xmlns:a16="http://schemas.microsoft.com/office/drawing/2014/main" id="{1574FA24-F1CC-B240-AAF9-A2DF684B1C54}"/>
+              </a:ext>
+            </a:extLst>
+          </p:cNvPr>
+          <p:cNvSpPr>
+            <a:spLocks noGrp="1"/>
+          </p:cNvSpPr>
+          <p:nvPr>
+            <p:ph idx="1"/>
+          </p:nvPr>
+        </p:nvSpPr>
+        <p:spPr/>
+        <p:txBody>
+          <a:bodyPr/>
+          <a:lstStyle/>
+          <a:p>
+            <a:pPr lvl="0" indent="0" marL="0">
+              <a:buNone/>
+            </a:pPr>
+          </a:p>
+          <a:p>
+            <a:pPr lvl="0" indent="0" marL="0">
+              <a:spcBef>
+                <a:spcPts val="3000"/>
+              </a:spcBef>
+              <a:buNone/>
+            </a:pPr>
+            <a:r>
+              <a:rPr b="1"/>
+              <a:t>O que é mediação?</a:t>
+            </a:r>
+          </a:p>
+          <a:p>
+            <a:pPr lvl="0"/>
+            <a:r>
+              <a:rPr/>
+              <a:t>.</a:t>
+            </a:r>
+            <a:r>
+              <a:rPr baseline="30000"/>
+              <a:t>105</a:t>
+            </a:r>
+          </a:p>
+          <a:p>
+            <a:pPr lvl="0" indent="0" marL="0">
+              <a:buNone/>
+            </a:pPr>
+          </a:p>
+          <a:p>
+            <a:pPr lvl="0" indent="0" marL="0">
+              <a:spcBef>
+                <a:spcPts val="3000"/>
+              </a:spcBef>
+              <a:buNone/>
+            </a:pPr>
+            <a:r>
+              <a:rPr b="1"/>
+              <a:t>O que é um mediador?</a:t>
+            </a:r>
+          </a:p>
+          <a:p>
+            <a:pPr lvl="0"/>
+            <a:r>
+              <a:rPr/>
+              <a:t>.</a:t>
+            </a:r>
+            <a:r>
+              <a:rPr baseline="30000"/>
+              <a:t>105</a:t>
+            </a:r>
+          </a:p>
+          <a:p>
+            <a:pPr lvl="0" indent="0" marL="0">
+              <a:buNone/>
+            </a:pPr>
+          </a:p>
+          <a:p>
+            <a:pPr lvl="0" indent="0" marL="0">
+              <a:spcBef>
+                <a:spcPts val="3000"/>
+              </a:spcBef>
+              <a:buNone/>
+            </a:pPr>
+            <a:r>
+              <a:rPr b="1"/>
+              <a:t>O que é um efeito direto?</a:t>
+            </a:r>
+          </a:p>
+          <a:p>
+            <a:pPr lvl="0"/>
+            <a:r>
+              <a:rPr/>
+              <a:t>.</a:t>
+            </a:r>
+            <a:r>
+              <a:rPr baseline="30000"/>
+              <a:t>105</a:t>
+            </a:r>
+          </a:p>
+          <a:p>
+            <a:pPr lvl="0" indent="0" marL="0">
+              <a:buNone/>
+            </a:pPr>
+          </a:p>
+          <a:p>
+            <a:pPr lvl="0" indent="0" marL="0">
+              <a:spcBef>
+                <a:spcPts val="3000"/>
+              </a:spcBef>
+              <a:buNone/>
+            </a:pPr>
+            <a:r>
+              <a:rPr b="1"/>
+              <a:t>O que é um efeito indireto?</a:t>
+            </a:r>
+          </a:p>
+          <a:p>
+            <a:pPr lvl="0"/>
+            <a:r>
+              <a:rPr/>
+              <a:t>.</a:t>
+            </a:r>
+            <a:r>
+              <a:rPr baseline="30000"/>
+              <a:t>105</a:t>
+            </a:r>
+          </a:p>
+          <a:p>
+            <a:pPr lvl="0" indent="0" marL="0">
+              <a:buNone/>
+            </a:pPr>
+          </a:p>
+        </p:txBody>
+      </p:sp>
+    </p:spTree>
+  </p:cSld>
+</p:sld>
+</file>
+
+<file path=ppt/slides/slide88.xml><?xml version="1.0" encoding="utf-8"?>
+<p:sld xmlns:a="http://schemas.openxmlformats.org/drawingml/2006/main" xmlns:r="http://schemas.openxmlformats.org/officeDocument/2006/relationships" xmlns:p="http://schemas.openxmlformats.org/presentationml/2006/main">
+  <p:cSld>
+    <p:spTree>
+      <p:nvGrpSpPr>
+        <p:cNvPr id="1" name=""/>
+        <p:cNvGrpSpPr/>
+        <p:nvPr/>
+      </p:nvGrpSpPr>
+      <p:grpSpPr>
+        <a:xfrm>
+          <a:off x="0" y="0"/>
+          <a:ext cx="0" cy="0"/>
+          <a:chOff x="0" y="0"/>
+          <a:chExt cx="0" cy="0"/>
+        </a:xfrm>
+      </p:grpSpPr>
+      <p:sp>
+        <p:nvSpPr>
+          <p:cNvPr id="2" name="Title 1">
+            <a:extLst>
+              <a:ext uri="{FF2B5EF4-FFF2-40B4-BE49-F238E27FC236}">
+                <a16:creationId xmlns:a16="http://schemas.microsoft.com/office/drawing/2014/main" id="{28A92D45-5BAF-634B-BB37-8481089F9E28}"/>
+              </a:ext>
+            </a:extLst>
+          </p:cNvPr>
+          <p:cNvSpPr>
+            <a:spLocks noGrp="1"/>
+          </p:cNvSpPr>
+          <p:nvPr>
+            <p:ph type="title"/>
+          </p:nvPr>
+        </p:nvSpPr>
+        <p:spPr>
+          <a:xfrm>
+            <a:off x="831850" y="1709738"/>
+            <a:ext cx="10515600" cy="2852737"/>
+          </a:xfrm>
+        </p:spPr>
+        <p:txBody>
+          <a:bodyPr/>
+          <a:lstStyle/>
+          <a:p>
+            <a:pPr lvl="0" indent="0" marL="0">
+              <a:buNone/>
+            </a:pPr>
+            <a:r>
+              <a:rPr b="1"/>
+              <a:t>Meta-análises</a:t>
+            </a:r>
+          </a:p>
+        </p:txBody>
+      </p:sp>
+    </p:spTree>
+  </p:cSld>
+</p:sld>
+</file>
+
+<file path=ppt/slides/slide89.xml><?xml version="1.0" encoding="utf-8"?>
+<p:sld xmlns:a="http://schemas.openxmlformats.org/drawingml/2006/main" xmlns:r="http://schemas.openxmlformats.org/officeDocument/2006/relationships" xmlns:p="http://schemas.openxmlformats.org/presentationml/2006/main">
+  <p:cSld>
+    <p:spTree>
+      <p:nvGrpSpPr>
+        <p:cNvPr id="1" name=""/>
+        <p:cNvGrpSpPr/>
+        <p:nvPr/>
+      </p:nvGrpSpPr>
+      <p:grpSpPr>
+        <a:xfrm>
+          <a:off x="0" y="0"/>
+          <a:ext cx="0" cy="0"/>
+          <a:chOff x="0" y="0"/>
+          <a:chExt cx="0" cy="0"/>
+        </a:xfrm>
+      </p:grpSpPr>
+      <p:sp>
+        <p:nvSpPr>
+          <p:cNvPr id="2" name="Title 1">
+            <a:extLst>
+              <a:ext uri="{FF2B5EF4-FFF2-40B4-BE49-F238E27FC236}">
+                <a16:creationId xmlns:a16="http://schemas.microsoft.com/office/drawing/2014/main" id="{0277F749-6ED4-3E49-963A-830033252F78}"/>
+              </a:ext>
+            </a:extLst>
+          </p:cNvPr>
+          <p:cNvSpPr>
+            <a:spLocks noGrp="1"/>
+          </p:cNvSpPr>
+          <p:nvPr>
+            <p:ph type="title"/>
+          </p:nvPr>
+        </p:nvSpPr>
+        <p:spPr>
+          <a:xfrm>
+            <a:off x="0" y="17256"/>
+            <a:ext cx="10515600" cy="663782"/>
+          </a:xfrm>
+        </p:spPr>
+        <p:txBody>
+          <a:bodyPr/>
+          <a:lstStyle/>
+          <a:p>
+            <a:pPr lvl="0" indent="0" marL="0">
+              <a:buNone/>
+            </a:pPr>
+            <a:r>
+              <a:rPr/>
               <a:t>Interpretação</a:t>
             </a:r>
           </a:p>
@@ -21280,7 +22097,7 @@
                 </a:r>
                 <a:r>
                   <a:rPr baseline="30000"/>
-                  <a:t>108</a:t>
+                  <a:t>109</a:t>
                 </a:r>
               </a:p>
               <a:p>
@@ -21311,7 +22128,7 @@
                 </a:r>
                 <a:r>
                   <a:rPr baseline="30000"/>
-                  <a:t>108</a:t>
+                  <a:t>109</a:t>
                 </a:r>
               </a:p>
               <a:p>
@@ -21342,7 +22159,7 @@
                 </a:r>
                 <a:r>
                   <a:rPr baseline="30000"/>
-                  <a:t>108</a:t>
+                  <a:t>109</a:t>
                 </a:r>
               </a:p>
               <a:p>
@@ -21390,7 +22207,7 @@
                 </a:r>
                 <a:r>
                   <a:rPr baseline="30000"/>
-                  <a:t>108,109</a:t>
+                  <a:t>109,110</a:t>
                 </a:r>
               </a:p>
               <a:p>
@@ -21417,7 +22234,7 @@
                 </a:r>
                 <a:r>
                   <a:rPr baseline="30000"/>
-                  <a:t>108</a:t>
+                  <a:t>109</a:t>
                 </a:r>
               </a:p>
               <a:p>
@@ -21464,7 +22281,7 @@
                 </a:r>
                 <a:r>
                   <a:rPr baseline="30000"/>
-                  <a:t>109</a:t>
+                  <a:t>110</a:t>
                 </a:r>
               </a:p>
               <a:p>
@@ -21475,7 +22292,7 @@
                 </a:r>
                 <a:r>
                   <a:rPr baseline="30000"/>
-                  <a:t>110</a:t>
+                  <a:t>111</a:t>
                 </a:r>
               </a:p>
               <a:p>
@@ -21497,7 +22314,7 @@
                 </a:r>
                 <a:r>
                   <a:rPr baseline="30000"/>
-                  <a:t>111</a:t>
+                  <a:t>112</a:t>
                 </a:r>
                 <a:r>
                   <a:rPr/>
@@ -21513,231 +22330,6 @@
           </p:sp>
         </mc:Choice>
       </mc:AlternateContent>
-    </p:spTree>
-  </p:cSld>
-</p:sld>
-</file>
-
-<file path=ppt/slides/slide87.xml><?xml version="1.0" encoding="utf-8"?>
-<p:sld xmlns:a="http://schemas.openxmlformats.org/drawingml/2006/main" xmlns:r="http://schemas.openxmlformats.org/officeDocument/2006/relationships" xmlns:p="http://schemas.openxmlformats.org/presentationml/2006/main">
-  <p:cSld>
-    <p:spTree>
-      <p:nvGrpSpPr>
-        <p:cNvPr id="1" name=""/>
-        <p:cNvGrpSpPr/>
-        <p:nvPr/>
-      </p:nvGrpSpPr>
-      <p:grpSpPr>
-        <a:xfrm>
-          <a:off x="0" y="0"/>
-          <a:ext cx="0" cy="0"/>
-          <a:chOff x="0" y="0"/>
-          <a:chExt cx="0" cy="0"/>
-        </a:xfrm>
-      </p:grpSpPr>
-      <p:sp>
-        <p:nvSpPr>
-          <p:cNvPr id="2" name="Title 1">
-            <a:extLst>
-              <a:ext uri="{FF2B5EF4-FFF2-40B4-BE49-F238E27FC236}">
-                <a16:creationId xmlns:a16="http://schemas.microsoft.com/office/drawing/2014/main" id="{28A92D45-5BAF-634B-BB37-8481089F9E28}"/>
-              </a:ext>
-            </a:extLst>
-          </p:cNvPr>
-          <p:cNvSpPr>
-            <a:spLocks noGrp="1"/>
-          </p:cNvSpPr>
-          <p:nvPr>
-            <p:ph type="title"/>
-          </p:nvPr>
-        </p:nvSpPr>
-        <p:spPr>
-          <a:xfrm>
-            <a:off x="831850" y="1709738"/>
-            <a:ext cx="10515600" cy="2852737"/>
-          </a:xfrm>
-        </p:spPr>
-        <p:txBody>
-          <a:bodyPr/>
-          <a:lstStyle/>
-          <a:p>
-            <a:pPr lvl="0" indent="0" marL="0">
-              <a:buNone/>
-            </a:pPr>
-            <a:r>
-              <a:rPr b="1"/>
-              <a:t>Simulação computacional</a:t>
-            </a:r>
-          </a:p>
-        </p:txBody>
-      </p:sp>
-    </p:spTree>
-  </p:cSld>
-</p:sld>
-</file>
-
-<file path=ppt/slides/slide88.xml><?xml version="1.0" encoding="utf-8"?>
-<p:sld xmlns:a="http://schemas.openxmlformats.org/drawingml/2006/main" xmlns:r="http://schemas.openxmlformats.org/officeDocument/2006/relationships" xmlns:p="http://schemas.openxmlformats.org/presentationml/2006/main">
-  <p:cSld>
-    <p:spTree>
-      <p:nvGrpSpPr>
-        <p:cNvPr id="1" name=""/>
-        <p:cNvGrpSpPr/>
-        <p:nvPr/>
-      </p:nvGrpSpPr>
-      <p:grpSpPr>
-        <a:xfrm>
-          <a:off x="0" y="0"/>
-          <a:ext cx="0" cy="0"/>
-          <a:chOff x="0" y="0"/>
-          <a:chExt cx="0" cy="0"/>
-        </a:xfrm>
-      </p:grpSpPr>
-      <p:sp>
-        <p:nvSpPr>
-          <p:cNvPr id="2" name="Title 1">
-            <a:extLst>
-              <a:ext uri="{FF2B5EF4-FFF2-40B4-BE49-F238E27FC236}">
-                <a16:creationId xmlns:a16="http://schemas.microsoft.com/office/drawing/2014/main" id="{0277F749-6ED4-3E49-963A-830033252F78}"/>
-              </a:ext>
-            </a:extLst>
-          </p:cNvPr>
-          <p:cNvSpPr>
-            <a:spLocks noGrp="1"/>
-          </p:cNvSpPr>
-          <p:nvPr>
-            <p:ph type="title"/>
-          </p:nvPr>
-        </p:nvSpPr>
-        <p:spPr>
-          <a:xfrm>
-            <a:off x="0" y="17256"/>
-            <a:ext cx="10515600" cy="663782"/>
-          </a:xfrm>
-        </p:spPr>
-        <p:txBody>
-          <a:bodyPr/>
-          <a:lstStyle/>
-          <a:p>
-            <a:pPr lvl="0" indent="0" marL="0">
-              <a:buNone/>
-            </a:pPr>
-            <a:r>
-              <a:rPr/>
-              <a:t>Simulação computacional de dados</a:t>
-            </a:r>
-          </a:p>
-        </p:txBody>
-      </p:sp>
-      <p:sp>
-        <p:nvSpPr>
-          <p:cNvPr id="3" name="Content Placeholder 2">
-            <a:extLst>
-              <a:ext uri="{FF2B5EF4-FFF2-40B4-BE49-F238E27FC236}">
-                <a16:creationId xmlns:a16="http://schemas.microsoft.com/office/drawing/2014/main" id="{1574FA24-F1CC-B240-AAF9-A2DF684B1C54}"/>
-              </a:ext>
-            </a:extLst>
-          </p:cNvPr>
-          <p:cNvSpPr>
-            <a:spLocks noGrp="1"/>
-          </p:cNvSpPr>
-          <p:nvPr>
-            <p:ph idx="1"/>
-          </p:nvPr>
-        </p:nvSpPr>
-        <p:spPr/>
-        <p:txBody>
-          <a:bodyPr/>
-          <a:lstStyle/>
-          <a:p>
-            <a:pPr lvl="0" indent="0" marL="0">
-              <a:buNone/>
-            </a:pPr>
-          </a:p>
-          <a:p>
-            <a:pPr lvl="0" indent="0" marL="0">
-              <a:spcBef>
-                <a:spcPts val="3000"/>
-              </a:spcBef>
-              <a:buNone/>
-            </a:pPr>
-            <a:r>
-              <a:rPr b="1"/>
-              <a:t>O que é simulação computacional de dados?</a:t>
-            </a:r>
-          </a:p>
-          <a:p>
-            <a:pPr lvl="0"/>
-            <a:r>
-              <a:rPr/>
-              <a:t>.[REF]</a:t>
-            </a:r>
-          </a:p>
-          <a:p>
-            <a:pPr lvl="0" indent="0" marL="0">
-              <a:buNone/>
-            </a:pPr>
-          </a:p>
-        </p:txBody>
-      </p:sp>
-    </p:spTree>
-  </p:cSld>
-</p:sld>
-</file>
-
-<file path=ppt/slides/slide89.xml><?xml version="1.0" encoding="utf-8"?>
-<p:sld xmlns:a="http://schemas.openxmlformats.org/drawingml/2006/main" xmlns:r="http://schemas.openxmlformats.org/officeDocument/2006/relationships" xmlns:p="http://schemas.openxmlformats.org/presentationml/2006/main">
-  <p:cSld>
-    <p:spTree>
-      <p:nvGrpSpPr>
-        <p:cNvPr id="1" name=""/>
-        <p:cNvGrpSpPr/>
-        <p:nvPr/>
-      </p:nvGrpSpPr>
-      <p:grpSpPr>
-        <a:xfrm>
-          <a:off x="0" y="0"/>
-          <a:ext cx="0" cy="0"/>
-          <a:chOff x="0" y="0"/>
-          <a:chExt cx="0" cy="0"/>
-        </a:xfrm>
-      </p:grpSpPr>
-      <p:sp>
-        <p:nvSpPr>
-          <p:cNvPr id="2" name="Title 1">
-            <a:extLst>
-              <a:ext uri="{FF2B5EF4-FFF2-40B4-BE49-F238E27FC236}">
-                <a16:creationId xmlns:a16="http://schemas.microsoft.com/office/drawing/2014/main" id="{28A92D45-5BAF-634B-BB37-8481089F9E28}"/>
-              </a:ext>
-            </a:extLst>
-          </p:cNvPr>
-          <p:cNvSpPr>
-            <a:spLocks noGrp="1"/>
-          </p:cNvSpPr>
-          <p:nvPr>
-            <p:ph type="title"/>
-          </p:nvPr>
-        </p:nvSpPr>
-        <p:spPr>
-          <a:xfrm>
-            <a:off x="831850" y="1709738"/>
-            <a:ext cx="10515600" cy="2852737"/>
-          </a:xfrm>
-        </p:spPr>
-        <p:txBody>
-          <a:bodyPr/>
-          <a:lstStyle/>
-          <a:p>
-            <a:pPr lvl="0" indent="0" marL="0">
-              <a:buNone/>
-            </a:pPr>
-            <a:r>
-              <a:rPr b="1"/>
-              <a:t>Vieses</a:t>
-            </a:r>
-          </a:p>
-        </p:txBody>
-      </p:sp>
     </p:spTree>
   </p:cSld>
 </p:sld>
@@ -21823,6 +22415,64 @@
           <p:cNvPr id="2" name="Title 1">
             <a:extLst>
               <a:ext uri="{FF2B5EF4-FFF2-40B4-BE49-F238E27FC236}">
+                <a16:creationId xmlns:a16="http://schemas.microsoft.com/office/drawing/2014/main" id="{28A92D45-5BAF-634B-BB37-8481089F9E28}"/>
+              </a:ext>
+            </a:extLst>
+          </p:cNvPr>
+          <p:cNvSpPr>
+            <a:spLocks noGrp="1"/>
+          </p:cNvSpPr>
+          <p:nvPr>
+            <p:ph type="title"/>
+          </p:nvPr>
+        </p:nvSpPr>
+        <p:spPr>
+          <a:xfrm>
+            <a:off x="831850" y="1709738"/>
+            <a:ext cx="10515600" cy="2852737"/>
+          </a:xfrm>
+        </p:spPr>
+        <p:txBody>
+          <a:bodyPr/>
+          <a:lstStyle/>
+          <a:p>
+            <a:pPr lvl="0" indent="0" marL="0">
+              <a:buNone/>
+            </a:pPr>
+            <a:r>
+              <a:rPr b="1"/>
+              <a:t>Simulação computacional</a:t>
+            </a:r>
+          </a:p>
+        </p:txBody>
+      </p:sp>
+    </p:spTree>
+  </p:cSld>
+</p:sld>
+</file>
+
+<file path=ppt/slides/slide91.xml><?xml version="1.0" encoding="utf-8"?>
+<p:sld xmlns:a="http://schemas.openxmlformats.org/drawingml/2006/main" xmlns:r="http://schemas.openxmlformats.org/officeDocument/2006/relationships" xmlns:p="http://schemas.openxmlformats.org/presentationml/2006/main">
+  <p:cSld>
+    <p:spTree>
+      <p:nvGrpSpPr>
+        <p:cNvPr id="1" name=""/>
+        <p:cNvGrpSpPr/>
+        <p:nvPr/>
+      </p:nvGrpSpPr>
+      <p:grpSpPr>
+        <a:xfrm>
+          <a:off x="0" y="0"/>
+          <a:ext cx="0" cy="0"/>
+          <a:chOff x="0" y="0"/>
+          <a:chExt cx="0" cy="0"/>
+        </a:xfrm>
+      </p:grpSpPr>
+      <p:sp>
+        <p:nvSpPr>
+          <p:cNvPr id="2" name="Title 1">
+            <a:extLst>
+              <a:ext uri="{FF2B5EF4-FFF2-40B4-BE49-F238E27FC236}">
                 <a16:creationId xmlns:a16="http://schemas.microsoft.com/office/drawing/2014/main" id="{0277F749-6ED4-3E49-963A-830033252F78}"/>
               </a:ext>
             </a:extLst>
@@ -21849,7 +22499,7 @@
             </a:pPr>
             <a:r>
               <a:rPr/>
-              <a:t>Vieses</a:t>
+              <a:t>Simulação computacional de dados</a:t>
             </a:r>
           </a:p>
         </p:txBody>
@@ -21888,7 +22538,7 @@
             </a:pPr>
             <a:r>
               <a:rPr b="1"/>
-              <a:t>O que são vieses?</a:t>
+              <a:t>O que é simulação computacional de dados?</a:t>
             </a:r>
           </a:p>
           <a:p>
@@ -21910,7 +22560,7 @@
 </p:sld>
 </file>
 
-<file path=ppt/slides/slide91.xml><?xml version="1.0" encoding="utf-8"?>
+<file path=ppt/slides/slide92.xml><?xml version="1.0" encoding="utf-8"?>
 <p:sld xmlns:a="http://schemas.openxmlformats.org/drawingml/2006/main" xmlns:r="http://schemas.openxmlformats.org/officeDocument/2006/relationships" xmlns:p="http://schemas.openxmlformats.org/presentationml/2006/main">
   <p:cSld>
     <p:spTree>
@@ -21958,110 +22608,8 @@
             </a:pPr>
             <a:r>
               <a:rPr b="1"/>
-              <a:t>Redação estatística</a:t>
-            </a:r>
-          </a:p>
-        </p:txBody>
-      </p:sp>
-    </p:spTree>
-  </p:cSld>
-</p:sld>
-</file>
-
-<file path=ppt/slides/slide92.xml><?xml version="1.0" encoding="utf-8"?>
-<p:sld xmlns:a="http://schemas.openxmlformats.org/drawingml/2006/main" xmlns:r="http://schemas.openxmlformats.org/officeDocument/2006/relationships" xmlns:p="http://schemas.openxmlformats.org/presentationml/2006/main">
-  <p:cSld>
-    <p:spTree>
-      <p:nvGrpSpPr>
-        <p:cNvPr id="1" name=""/>
-        <p:cNvGrpSpPr/>
-        <p:nvPr/>
-      </p:nvGrpSpPr>
-      <p:grpSpPr>
-        <a:xfrm>
-          <a:off x="0" y="0"/>
-          <a:ext cx="0" cy="0"/>
-          <a:chOff x="0" y="0"/>
-          <a:chExt cx="0" cy="0"/>
-        </a:xfrm>
-      </p:grpSpPr>
-      <p:sp>
-        <p:nvSpPr>
-          <p:cNvPr id="2" name="Title 1">
-            <a:extLst>
-              <a:ext uri="{FF2B5EF4-FFF2-40B4-BE49-F238E27FC236}">
-                <a16:creationId xmlns:a16="http://schemas.microsoft.com/office/drawing/2014/main" id="{0277F749-6ED4-3E49-963A-830033252F78}"/>
-              </a:ext>
-            </a:extLst>
-          </p:cNvPr>
-          <p:cNvSpPr>
-            <a:spLocks noGrp="1"/>
-          </p:cNvSpPr>
-          <p:nvPr>
-            <p:ph type="title"/>
-          </p:nvPr>
-        </p:nvSpPr>
-        <p:spPr>
-          <a:xfrm>
-            <a:off x="0" y="17256"/>
-            <a:ext cx="10515600" cy="663782"/>
-          </a:xfrm>
-        </p:spPr>
-        <p:txBody>
-          <a:bodyPr/>
-          <a:lstStyle/>
-          <a:p>
-            <a:pPr lvl="0" indent="0" marL="0">
-              <a:buNone/>
-            </a:pPr>
-            <a:r>
-              <a:rPr/>
-              <a:t>Manuscritos reprodutíveis</a:t>
-            </a:r>
-          </a:p>
-        </p:txBody>
-      </p:sp>
-      <p:sp>
-        <p:nvSpPr>
-          <p:cNvPr id="3" name="Content Placeholder 2">
-            <a:extLst>
-              <a:ext uri="{FF2B5EF4-FFF2-40B4-BE49-F238E27FC236}">
-                <a16:creationId xmlns:a16="http://schemas.microsoft.com/office/drawing/2014/main" id="{1574FA24-F1CC-B240-AAF9-A2DF684B1C54}"/>
-              </a:ext>
-            </a:extLst>
-          </p:cNvPr>
-          <p:cNvSpPr>
-            <a:spLocks noGrp="1"/>
-          </p:cNvSpPr>
-          <p:nvPr>
-            <p:ph idx="1"/>
-          </p:nvPr>
-        </p:nvSpPr>
-        <p:spPr/>
-        <p:txBody>
-          <a:bodyPr/>
-          <a:lstStyle/>
-          <a:p>
-            <a:pPr lvl="0" indent="0" marL="0">
-              <a:buNone/>
-            </a:pPr>
-          </a:p>
-          <a:p>
-            <a:pPr lvl="0" indent="0" marL="0">
-              <a:spcBef>
-                <a:spcPts val="3000"/>
-              </a:spcBef>
-              <a:buNone/>
-            </a:pPr>
-            <a:r>
-              <a:rPr b="1"/>
-              <a:t>O que são manuscritos reprodutíveis?</a:t>
-            </a:r>
-          </a:p>
-          <a:p>
-            <a:pPr lvl="0" indent="0" marL="0">
-              <a:buNone/>
-            </a:pPr>
+              <a:t>Vieses</a:t>
+            </a:r>
           </a:p>
         </p:txBody>
       </p:sp>
@@ -22118,7 +22666,7 @@
             </a:pPr>
             <a:r>
               <a:rPr/>
-              <a:t>Diretrizes</a:t>
+              <a:t>Vieses</a:t>
             </a:r>
           </a:p>
         </p:txBody>
@@ -22157,232 +22705,14 @@
             </a:pPr>
             <a:r>
               <a:rPr b="1"/>
-              <a:t>Quais diretrizes estão disponíveis?</a:t>
-            </a:r>
-          </a:p>
-          <a:p>
-            <a:pPr lvl="0"/>
-            <a:r>
-              <a:rPr i="1"/>
-              <a:t>Review of guidance papers on regression modeling in statistical series of medical journals</a:t>
-            </a:r>
-            <a:r>
-              <a:rPr/>
-              <a:t>.</a:t>
-            </a:r>
-            <a:r>
-              <a:rPr baseline="30000"/>
-              <a:t>112</a:t>
-            </a:r>
-          </a:p>
-          <a:p>
-            <a:pPr lvl="0"/>
-            <a:r>
-              <a:rPr i="1"/>
-              <a:t>Principles and recommendations for incorporating estimands into clinical study protocol templates</a:t>
-            </a:r>
-            <a:r>
-              <a:rPr/>
-              <a:t>.</a:t>
-            </a:r>
-            <a:r>
-              <a:rPr baseline="30000"/>
-              <a:t>113</a:t>
-            </a:r>
-          </a:p>
-          <a:p>
-            <a:pPr lvl="0"/>
-            <a:r>
-              <a:rPr i="1"/>
-              <a:t>How to write statistical analysis section in medical research</a:t>
-            </a:r>
-            <a:r>
-              <a:rPr/>
-              <a:t>.</a:t>
-            </a:r>
-            <a:r>
-              <a:rPr baseline="30000"/>
-              <a:t>114</a:t>
-            </a:r>
-          </a:p>
-          <a:p>
-            <a:pPr lvl="0"/>
-            <a:r>
-              <a:rPr i="1"/>
-              <a:t>Recommendations for Statistical Reporting in Cardiovascular Medicine: A Special Report From the American Heart Association</a:t>
-            </a:r>
-            <a:r>
-              <a:rPr/>
-              <a:t>.</a:t>
-            </a:r>
-            <a:r>
-              <a:rPr baseline="30000"/>
-              <a:t>115</a:t>
-            </a:r>
-          </a:p>
-          <a:p>
-            <a:pPr lvl="0"/>
-            <a:r>
-              <a:rPr i="1"/>
-              <a:t>Framework for the treatment and reporting of missing data in observational studies: The Treatment And Reporting of Missing data in Observational Studies framework</a:t>
-            </a:r>
-            <a:r>
-              <a:rPr/>
-              <a:t>.</a:t>
-            </a:r>
-            <a:r>
-              <a:rPr baseline="30000"/>
-              <a:t>116</a:t>
-            </a:r>
-          </a:p>
-          <a:p>
-            <a:pPr lvl="0"/>
-            <a:r>
-              <a:rPr i="1"/>
-              <a:t>Guidelines for reporting of figures and tables for clinical research in urology</a:t>
-            </a:r>
-            <a:r>
-              <a:rPr/>
-              <a:t>.</a:t>
-            </a:r>
-            <a:r>
-              <a:rPr baseline="30000"/>
-              <a:t>117</a:t>
-            </a:r>
-          </a:p>
-          <a:p>
-            <a:pPr lvl="0"/>
-            <a:r>
-              <a:rPr i="1"/>
-              <a:t>Who is in this study, anyway? Guidelines for a useful Table 1</a:t>
-            </a:r>
-            <a:r>
-              <a:rPr/>
-              <a:t>.</a:t>
-            </a:r>
-            <a:r>
-              <a:rPr baseline="30000"/>
-              <a:t>62</a:t>
-            </a:r>
-          </a:p>
-          <a:p>
-            <a:pPr lvl="0"/>
-            <a:r>
-              <a:rPr i="1"/>
-              <a:t>Guidelines for Reporting of Statistics for Clinical Research in Urology</a:t>
-            </a:r>
-            <a:r>
-              <a:rPr/>
-              <a:t>.</a:t>
-            </a:r>
-            <a:r>
-              <a:rPr baseline="30000"/>
-              <a:t>118</a:t>
-            </a:r>
-          </a:p>
-          <a:p>
-            <a:pPr lvl="0"/>
-            <a:r>
-              <a:rPr i="1"/>
-              <a:t>Reveal, Don’t Conceal: Transforming Data Visualization to Improve Transparency</a:t>
-            </a:r>
-            <a:r>
-              <a:rPr/>
-              <a:t>.</a:t>
-            </a:r>
-            <a:r>
-              <a:rPr baseline="30000"/>
-              <a:t>71</a:t>
-            </a:r>
-          </a:p>
-          <a:p>
-            <a:pPr lvl="0"/>
-            <a:r>
-              <a:rPr i="1"/>
-              <a:t>Guidelines for the Content of Statistical Analysis Plans in Clinical Trials</a:t>
-            </a:r>
-            <a:r>
-              <a:rPr/>
-              <a:t>.</a:t>
-            </a:r>
-            <a:r>
-              <a:rPr baseline="30000"/>
-              <a:t>119</a:t>
-            </a:r>
-          </a:p>
-          <a:p>
-            <a:pPr lvl="0"/>
-            <a:r>
-              <a:rPr i="1"/>
-              <a:t>Basic statistical reporting for articles published in Biomedical Journals: The ‘’Statistical Analyses and Methods in the Published Literature’’ or the SAMPL Guidelines</a:t>
-            </a:r>
-            <a:r>
-              <a:rPr/>
-              <a:t>.</a:t>
-            </a:r>
-            <a:r>
-              <a:rPr baseline="30000"/>
-              <a:t>120</a:t>
-            </a:r>
-          </a:p>
-          <a:p>
-            <a:pPr lvl="0"/>
-            <a:r>
-              <a:rPr i="1"/>
-              <a:t>Beyond Bar and Line Graphs: Time for a New Data Presentation Paradigm</a:t>
-            </a:r>
-            <a:r>
-              <a:rPr/>
-              <a:t>.</a:t>
-            </a:r>
-            <a:r>
-              <a:rPr baseline="30000"/>
-              <a:t>121</a:t>
-            </a:r>
-          </a:p>
-          <a:p>
-            <a:pPr lvl="0"/>
-            <a:r>
-              <a:rPr i="1"/>
-              <a:t>STRengthening analytical thinking for observational studies: the STRATOS initiative</a:t>
-            </a:r>
-            <a:r>
-              <a:rPr/>
-              <a:t>.</a:t>
-            </a:r>
-            <a:r>
-              <a:rPr baseline="30000"/>
-              <a:t>122</a:t>
-            </a:r>
-          </a:p>
-          <a:p>
-            <a:pPr lvl="0"/>
-            <a:r>
-              <a:rPr i="1"/>
-              <a:t>Research methods and reporting</a:t>
-            </a:r>
-            <a:r>
-              <a:rPr/>
-              <a:t>.</a:t>
-            </a:r>
-            <a:r>
-              <a:rPr baseline="30000"/>
-              <a:t>123</a:t>
-            </a:r>
-          </a:p>
-          <a:p>
-            <a:pPr lvl="0"/>
-            <a:r>
-              <a:rPr i="1"/>
-              <a:t>How to ensure your paper is rejected by the statistical reviewer</a:t>
-            </a:r>
-            <a:r>
-              <a:rPr/>
-              <a:t>.</a:t>
-            </a:r>
-            <a:r>
-              <a:rPr baseline="30000"/>
-              <a:t>124</a:t>
+              <a:t>O que são vieses?</a:t>
+            </a:r>
+          </a:p>
+          <a:p>
+            <a:pPr lvl="0"/>
+            <a:r>
+              <a:rPr/>
+              <a:t>.[REF]</a:t>
             </a:r>
           </a:p>
           <a:p>
@@ -22419,7 +22749,7 @@
           <p:cNvPr id="2" name="Title 1">
             <a:extLst>
               <a:ext uri="{FF2B5EF4-FFF2-40B4-BE49-F238E27FC236}">
-                <a16:creationId xmlns:a16="http://schemas.microsoft.com/office/drawing/2014/main" id="{0277F749-6ED4-3E49-963A-830033252F78}"/>
+                <a16:creationId xmlns:a16="http://schemas.microsoft.com/office/drawing/2014/main" id="{28A92D45-5BAF-634B-BB37-8481089F9E28}"/>
               </a:ext>
             </a:extLst>
           </p:cNvPr>
@@ -22432,8 +22762,8 @@
         </p:nvSpPr>
         <p:spPr>
           <a:xfrm>
-            <a:off x="0" y="17256"/>
-            <a:ext cx="10515600" cy="663782"/>
+            <a:off x="831850" y="1709738"/>
+            <a:ext cx="10515600" cy="2852737"/>
           </a:xfrm>
         </p:spPr>
         <p:txBody>
@@ -22444,172 +22774,9 @@
               <a:buNone/>
             </a:pPr>
             <a:r>
-              <a:rPr/>
-              <a:t>Checklists</a:t>
-            </a:r>
-          </a:p>
-        </p:txBody>
-      </p:sp>
-      <p:sp>
-        <p:nvSpPr>
-          <p:cNvPr id="3" name="Content Placeholder 2">
-            <a:extLst>
-              <a:ext uri="{FF2B5EF4-FFF2-40B4-BE49-F238E27FC236}">
-                <a16:creationId xmlns:a16="http://schemas.microsoft.com/office/drawing/2014/main" id="{1574FA24-F1CC-B240-AAF9-A2DF684B1C54}"/>
-              </a:ext>
-            </a:extLst>
-          </p:cNvPr>
-          <p:cNvSpPr>
-            <a:spLocks noGrp="1"/>
-          </p:cNvSpPr>
-          <p:nvPr>
-            <p:ph idx="1"/>
-          </p:nvPr>
-        </p:nvSpPr>
-        <p:spPr/>
-        <p:txBody>
-          <a:bodyPr/>
-          <a:lstStyle/>
-          <a:p>
-            <a:pPr lvl="0" indent="0" marL="0">
-              <a:buNone/>
-            </a:pPr>
-          </a:p>
-          <a:p>
-            <a:pPr lvl="0" indent="0" marL="0">
-              <a:spcBef>
-                <a:spcPts val="3000"/>
-              </a:spcBef>
-              <a:buNone/>
-            </a:pPr>
-            <a:r>
               <a:rPr b="1"/>
-              <a:t>O que são checklists?</a:t>
-            </a:r>
-          </a:p>
-          <a:p>
-            <a:pPr lvl="0"/>
-            <a:r>
-              <a:rPr/>
-              <a:t>Checklists são listas que podem ser utilizadas por autores, revisores ou editores, durante as fases de planejamento ou apresentação, para redação ou revisão de textos que relatam anaálises estatísticas.</a:t>
-            </a:r>
-          </a:p>
-          <a:p>
-            <a:pPr lvl="0" indent="0" marL="0">
-              <a:buNone/>
-            </a:pPr>
-          </a:p>
-          <a:p>
-            <a:pPr lvl="0" indent="0" marL="0">
-              <a:spcBef>
-                <a:spcPts val="3000"/>
-              </a:spcBef>
-              <a:buNone/>
-            </a:pPr>
-            <a:r>
-              <a:rPr b="1"/>
-              <a:t>Por que usar checklists?</a:t>
-            </a:r>
-          </a:p>
-          <a:p>
-            <a:pPr lvl="0"/>
-            <a:r>
-              <a:rPr/>
-              <a:t>Checklists têm sido recomendados para melhorar o relato das análses realizadas, aumentar a transparência do estudo e reprodutibilidade dos achados.</a:t>
-            </a:r>
-            <a:r>
-              <a:rPr baseline="30000"/>
-              <a:t>125</a:t>
-            </a:r>
-          </a:p>
-          <a:p>
-            <a:pPr lvl="0"/>
-            <a:r>
-              <a:rPr/>
-              <a:t>Trabalhos acadêmicos que relatam análises de dados devem ser passar por revisão por pares que inclua apreciação da análise estatóstica, e sua adequaçào ao delineamento do estudo e instrumentos utilizados.</a:t>
-            </a:r>
-            <a:r>
-              <a:rPr baseline="30000"/>
-              <a:t>126</a:t>
-            </a:r>
-          </a:p>
-          <a:p>
-            <a:pPr lvl="0"/>
-            <a:r>
-              <a:rPr/>
-              <a:t>Checklists não são suficientes para garantir a qualidade técnica da pesquisa, mas podem conitribuir para a revisão por pares.</a:t>
-            </a:r>
-            <a:r>
-              <a:rPr baseline="30000"/>
-              <a:t>126</a:t>
-            </a:r>
-          </a:p>
-          <a:p>
-            <a:pPr lvl="0" indent="0" marL="0">
-              <a:buNone/>
-            </a:pPr>
-          </a:p>
-          <a:p>
-            <a:pPr lvl="0" indent="0" marL="0">
-              <a:spcBef>
-                <a:spcPts val="3000"/>
-              </a:spcBef>
-              <a:buNone/>
-            </a:pPr>
-            <a:r>
-              <a:rPr b="1"/>
-              <a:t>Quais checklists estão disponíveis?</a:t>
-            </a:r>
-          </a:p>
-          <a:p>
-            <a:pPr lvl="0"/>
-            <a:r>
-              <a:rPr i="1"/>
-              <a:t>A CHecklist for statistical Assessment of Medical Papers (the CHAMP statement): explanation and elaboration</a:t>
-            </a:r>
-            <a:r>
-              <a:rPr/>
-              <a:t>.</a:t>
-            </a:r>
-            <a:r>
-              <a:rPr baseline="30000"/>
-              <a:t>127</a:t>
-            </a:r>
-          </a:p>
-          <a:p>
-            <a:pPr lvl="0"/>
-            <a:r>
-              <a:rPr i="1"/>
-              <a:t>Checklist for clinical applicability of subgroup analysis</a:t>
-            </a:r>
-            <a:r>
-              <a:rPr/>
-              <a:t>.</a:t>
-            </a:r>
-            <a:r>
-              <a:rPr baseline="30000"/>
-              <a:t>128</a:t>
-            </a:r>
-          </a:p>
-          <a:p>
-            <a:pPr lvl="0"/>
-            <a:r>
-              <a:rPr i="1"/>
-              <a:t>Evidence‐based statistical analysis and methods in biomedical research (SAMBR) checklists according to design features</a:t>
-            </a:r>
-            <a:r>
-              <a:rPr/>
-              <a:t>.</a:t>
-            </a:r>
-            <a:r>
-              <a:rPr baseline="30000"/>
-              <a:t>129</a:t>
-            </a:r>
-          </a:p>
-          <a:p>
-            <a:pPr lvl="0" indent="0" marL="0">
-              <a:buNone/>
-            </a:pPr>
+              <a:t>Redação estatística</a:t>
+            </a:r>
           </a:p>
         </p:txBody>
       </p:sp>
@@ -22666,7 +22833,7 @@
             </a:pPr>
             <a:r>
               <a:rPr/>
-              <a:t>Fluxogramas</a:t>
+              <a:t>Manuscritos reprodutíveis</a:t>
             </a:r>
           </a:p>
         </p:txBody>
@@ -22705,89 +22872,14 @@
             </a:pPr>
             <a:r>
               <a:rPr b="1"/>
-              <a:t>O que são fluxogramas?</a:t>
-            </a:r>
-          </a:p>
-          <a:p>
-            <a:pPr lvl="0"/>
-            <a:r>
-              <a:rPr/>
-              <a:t>Fluxogramas são figuras que apresentam as etapas de um estudos.</a:t>
-            </a:r>
-          </a:p>
-          <a:p>
-            <a:pPr lvl="0" indent="0" marL="0">
-              <a:buNone/>
-            </a:pPr>
-          </a:p>
-          <a:p>
-            <a:pPr lvl="0" indent="0" marL="0">
-              <a:spcBef>
-                <a:spcPts val="3000"/>
-              </a:spcBef>
-              <a:buNone/>
-            </a:pPr>
-            <a:r>
-              <a:rPr b="1"/>
-              <a:t>Que fluxogramas podem ser incluídos?</a:t>
-            </a:r>
-          </a:p>
-          <a:p>
-            <a:pPr lvl="0"/>
-            <a:r>
-              <a:rPr/>
-              <a:t>Inclua fluxogramas com o delineamento aplicado no estudo.</a:t>
-            </a:r>
-            <a:r>
-              <a:rPr baseline="30000"/>
-              <a:t>71</a:t>
-            </a:r>
-          </a:p>
-          <a:p>
-            <a:pPr lvl="0"/>
-            <a:r>
-              <a:rPr/>
-              <a:t>A </a:t>
-            </a:r>
-            <a:r>
-              <a:rPr>
-                <a:hlinkClick r:id="rId2"/>
-              </a:rPr>
-              <a:t>EQUATOR Network</a:t>
-            </a:r>
-            <a:r>
-              <a:rPr/>
-              <a:t> disponibiliza modelos de fluxogramas para os mais diversos delineamentos de estudo.</a:t>
-            </a:r>
-            <a:r>
-              <a:rPr baseline="30000"/>
-              <a:t>130</a:t>
-            </a:r>
-          </a:p>
-          <a:p>
-            <a:pPr lvl="0" indent="0" marL="0">
-              <a:buNone/>
-            </a:pPr>
-          </a:p>
-          <a:p>
-            <a:pPr lvl="0" indent="0" marL="0">
-              <a:buNone/>
-            </a:pPr>
-            <a:r>
-              <a:rPr/>
-              <a:t>O pacote </a:t>
-            </a:r>
-            <a:r>
-              <a:rPr i="1"/>
-              <a:t>PRISMA2020</a:t>
-            </a:r>
-            <a:r>
-              <a:rPr baseline="30000"/>
-              <a:t>131,132</a:t>
-            </a:r>
-            <a:r>
-              <a:rPr/>
-              <a:t> fornece funções para elaboração do fluxograma de revisões sistemáticas no formato padrão </a:t>
+              <a:t>O que são manuscritos reprodutíveis?</a:t>
+            </a:r>
+          </a:p>
+          <a:p>
+            <a:pPr lvl="0"/>
+            <a:r>
+              <a:rPr/>
+              <a:t>.[REF]</a:t>
             </a:r>
           </a:p>
           <a:p>
@@ -22824,7 +22916,7 @@
           <p:cNvPr id="2" name="Title 1">
             <a:extLst>
               <a:ext uri="{FF2B5EF4-FFF2-40B4-BE49-F238E27FC236}">
-                <a16:creationId xmlns:a16="http://schemas.microsoft.com/office/drawing/2014/main" id="{28A92D45-5BAF-634B-BB37-8481089F9E28}"/>
+                <a16:creationId xmlns:a16="http://schemas.microsoft.com/office/drawing/2014/main" id="{0277F749-6ED4-3E49-963A-830033252F78}"/>
               </a:ext>
             </a:extLst>
           </p:cNvPr>
@@ -22837,8 +22929,8 @@
         </p:nvSpPr>
         <p:spPr>
           <a:xfrm>
-            <a:off x="831850" y="1709738"/>
-            <a:ext cx="10515600" cy="2852737"/>
+            <a:off x="0" y="17256"/>
+            <a:ext cx="10515600" cy="663782"/>
           </a:xfrm>
         </p:spPr>
         <p:txBody>
@@ -22849,9 +22941,278 @@
               <a:buNone/>
             </a:pPr>
             <a:r>
+              <a:rPr/>
+              <a:t>Diretrizes</a:t>
+            </a:r>
+          </a:p>
+        </p:txBody>
+      </p:sp>
+      <p:sp>
+        <p:nvSpPr>
+          <p:cNvPr id="3" name="Content Placeholder 2">
+            <a:extLst>
+              <a:ext uri="{FF2B5EF4-FFF2-40B4-BE49-F238E27FC236}">
+                <a16:creationId xmlns:a16="http://schemas.microsoft.com/office/drawing/2014/main" id="{1574FA24-F1CC-B240-AAF9-A2DF684B1C54}"/>
+              </a:ext>
+            </a:extLst>
+          </p:cNvPr>
+          <p:cNvSpPr>
+            <a:spLocks noGrp="1"/>
+          </p:cNvSpPr>
+          <p:nvPr>
+            <p:ph idx="1"/>
+          </p:nvPr>
+        </p:nvSpPr>
+        <p:spPr/>
+        <p:txBody>
+          <a:bodyPr/>
+          <a:lstStyle/>
+          <a:p>
+            <a:pPr lvl="0" indent="0" marL="0">
+              <a:buNone/>
+            </a:pPr>
+          </a:p>
+          <a:p>
+            <a:pPr lvl="0" indent="0" marL="0">
+              <a:spcBef>
+                <a:spcPts val="3000"/>
+              </a:spcBef>
+              <a:buNone/>
+            </a:pPr>
+            <a:r>
               <a:rPr b="1"/>
-              <a:t>Fontes externas</a:t>
-            </a:r>
+              <a:t>Quais diretrizes estão disponíveis?</a:t>
+            </a:r>
+          </a:p>
+          <a:p>
+            <a:pPr lvl="0"/>
+            <a:r>
+              <a:rPr i="1"/>
+              <a:t>Review of guidance papers on regression modeling in statistical series of medical journals</a:t>
+            </a:r>
+            <a:r>
+              <a:rPr/>
+              <a:t>.</a:t>
+            </a:r>
+            <a:r>
+              <a:rPr baseline="30000"/>
+              <a:t>113</a:t>
+            </a:r>
+          </a:p>
+          <a:p>
+            <a:pPr lvl="0"/>
+            <a:r>
+              <a:rPr i="1"/>
+              <a:t>Principles and recommendations for incorporating estimands into clinical study protocol templates</a:t>
+            </a:r>
+            <a:r>
+              <a:rPr/>
+              <a:t>.</a:t>
+            </a:r>
+            <a:r>
+              <a:rPr baseline="30000"/>
+              <a:t>114</a:t>
+            </a:r>
+          </a:p>
+          <a:p>
+            <a:pPr lvl="0"/>
+            <a:r>
+              <a:rPr i="1"/>
+              <a:t>How to write statistical analysis section in medical research</a:t>
+            </a:r>
+            <a:r>
+              <a:rPr/>
+              <a:t>.</a:t>
+            </a:r>
+            <a:r>
+              <a:rPr baseline="30000"/>
+              <a:t>115</a:t>
+            </a:r>
+          </a:p>
+          <a:p>
+            <a:pPr lvl="0"/>
+            <a:r>
+              <a:rPr i="1"/>
+              <a:t>Recommendations for Statistical Reporting in Cardiovascular Medicine: A Special Report From the American Heart Association</a:t>
+            </a:r>
+            <a:r>
+              <a:rPr/>
+              <a:t>.</a:t>
+            </a:r>
+            <a:r>
+              <a:rPr baseline="30000"/>
+              <a:t>116</a:t>
+            </a:r>
+          </a:p>
+          <a:p>
+            <a:pPr lvl="0"/>
+            <a:r>
+              <a:rPr i="1"/>
+              <a:t>Framework for the treatment and reporting of missing data in observational studies: The Treatment And Reporting of Missing data in Observational Studies framework</a:t>
+            </a:r>
+            <a:r>
+              <a:rPr/>
+              <a:t>.</a:t>
+            </a:r>
+            <a:r>
+              <a:rPr baseline="30000"/>
+              <a:t>117</a:t>
+            </a:r>
+          </a:p>
+          <a:p>
+            <a:pPr lvl="0"/>
+            <a:r>
+              <a:rPr i="1"/>
+              <a:t>Guidelines for reporting of figures and tables for clinical research in urology</a:t>
+            </a:r>
+            <a:r>
+              <a:rPr/>
+              <a:t>.</a:t>
+            </a:r>
+            <a:r>
+              <a:rPr baseline="30000"/>
+              <a:t>118</a:t>
+            </a:r>
+          </a:p>
+          <a:p>
+            <a:pPr lvl="0"/>
+            <a:r>
+              <a:rPr i="1"/>
+              <a:t>Who is in this study, anyway? Guidelines for a useful Table 1</a:t>
+            </a:r>
+            <a:r>
+              <a:rPr/>
+              <a:t>.</a:t>
+            </a:r>
+            <a:r>
+              <a:rPr baseline="30000"/>
+              <a:t>62</a:t>
+            </a:r>
+          </a:p>
+          <a:p>
+            <a:pPr lvl="0"/>
+            <a:r>
+              <a:rPr i="1"/>
+              <a:t>Guidelines for Reporting of Statistics for Clinical Research in Urology</a:t>
+            </a:r>
+            <a:r>
+              <a:rPr/>
+              <a:t>.</a:t>
+            </a:r>
+            <a:r>
+              <a:rPr baseline="30000"/>
+              <a:t>119</a:t>
+            </a:r>
+          </a:p>
+          <a:p>
+            <a:pPr lvl="0"/>
+            <a:r>
+              <a:rPr i="1"/>
+              <a:t>Reveal, Don’t Conceal: Transforming Data Visualization to Improve Transparency</a:t>
+            </a:r>
+            <a:r>
+              <a:rPr/>
+              <a:t>.</a:t>
+            </a:r>
+            <a:r>
+              <a:rPr baseline="30000"/>
+              <a:t>71</a:t>
+            </a:r>
+          </a:p>
+          <a:p>
+            <a:pPr lvl="0"/>
+            <a:r>
+              <a:rPr i="1"/>
+              <a:t>Guidelines for the Content of Statistical Analysis Plans in Clinical Trials</a:t>
+            </a:r>
+            <a:r>
+              <a:rPr/>
+              <a:t>.</a:t>
+            </a:r>
+            <a:r>
+              <a:rPr baseline="30000"/>
+              <a:t>120</a:t>
+            </a:r>
+          </a:p>
+          <a:p>
+            <a:pPr lvl="0"/>
+            <a:r>
+              <a:rPr i="1"/>
+              <a:t>Basic statistical reporting for articles published in Biomedical Journals: The ‘’Statistical Analyses and Methods in the Published Literature’’ or the SAMPL Guidelines</a:t>
+            </a:r>
+            <a:r>
+              <a:rPr/>
+              <a:t>.</a:t>
+            </a:r>
+            <a:r>
+              <a:rPr baseline="30000"/>
+              <a:t>121</a:t>
+            </a:r>
+          </a:p>
+          <a:p>
+            <a:pPr lvl="0"/>
+            <a:r>
+              <a:rPr i="1"/>
+              <a:t>Beyond Bar and Line Graphs: Time for a New Data Presentation Paradigm</a:t>
+            </a:r>
+            <a:r>
+              <a:rPr/>
+              <a:t>.</a:t>
+            </a:r>
+            <a:r>
+              <a:rPr baseline="30000"/>
+              <a:t>122</a:t>
+            </a:r>
+          </a:p>
+          <a:p>
+            <a:pPr lvl="0"/>
+            <a:r>
+              <a:rPr i="1"/>
+              <a:t>STRengthening analytical thinking for observational studies: the STRATOS initiative</a:t>
+            </a:r>
+            <a:r>
+              <a:rPr/>
+              <a:t>.</a:t>
+            </a:r>
+            <a:r>
+              <a:rPr baseline="30000"/>
+              <a:t>123</a:t>
+            </a:r>
+          </a:p>
+          <a:p>
+            <a:pPr lvl="0"/>
+            <a:r>
+              <a:rPr i="1"/>
+              <a:t>Research methods and reporting</a:t>
+            </a:r>
+            <a:r>
+              <a:rPr/>
+              <a:t>.</a:t>
+            </a:r>
+            <a:r>
+              <a:rPr baseline="30000"/>
+              <a:t>124</a:t>
+            </a:r>
+          </a:p>
+          <a:p>
+            <a:pPr lvl="0"/>
+            <a:r>
+              <a:rPr i="1"/>
+              <a:t>How to ensure your paper is rejected by the statistical reviewer</a:t>
+            </a:r>
+            <a:r>
+              <a:rPr/>
+              <a:t>.</a:t>
+            </a:r>
+            <a:r>
+              <a:rPr baseline="30000"/>
+              <a:t>125</a:t>
+            </a:r>
+          </a:p>
+          <a:p>
+            <a:pPr lvl="0" indent="0" marL="0">
+              <a:buNone/>
+            </a:pPr>
           </a:p>
         </p:txBody>
       </p:sp>
@@ -22908,7 +23269,7 @@
             </a:pPr>
             <a:r>
               <a:rPr/>
-              <a:t>RSS</a:t>
+              <a:t>Checklists</a:t>
             </a:r>
           </a:p>
         </p:txBody>
@@ -22934,12 +23295,139 @@
           <a:bodyPr/>
           <a:lstStyle/>
           <a:p>
-            <a:pPr lvl="0"/>
-            <a:r>
-              <a:rPr i="1">
-                <a:hlinkClick r:id="rId2"/>
-              </a:rPr>
-              <a:t>Best Practices for Data Visualisation - Royal Statistical Society</a:t>
+            <a:pPr lvl="0" indent="0" marL="0">
+              <a:buNone/>
+            </a:pPr>
+          </a:p>
+          <a:p>
+            <a:pPr lvl="0" indent="0" marL="0">
+              <a:spcBef>
+                <a:spcPts val="3000"/>
+              </a:spcBef>
+              <a:buNone/>
+            </a:pPr>
+            <a:r>
+              <a:rPr b="1"/>
+              <a:t>O que são checklists?</a:t>
+            </a:r>
+          </a:p>
+          <a:p>
+            <a:pPr lvl="0"/>
+            <a:r>
+              <a:rPr/>
+              <a:t>Checklists são listas que podem ser utilizadas por autores, revisores ou editores, durante as fases de planejamento ou apresentação, para redação ou revisão de textos que relatam anaálises estatísticas.</a:t>
+            </a:r>
+          </a:p>
+          <a:p>
+            <a:pPr lvl="0" indent="0" marL="0">
+              <a:buNone/>
+            </a:pPr>
+          </a:p>
+          <a:p>
+            <a:pPr lvl="0" indent="0" marL="0">
+              <a:spcBef>
+                <a:spcPts val="3000"/>
+              </a:spcBef>
+              <a:buNone/>
+            </a:pPr>
+            <a:r>
+              <a:rPr b="1"/>
+              <a:t>Por que usar checklists?</a:t>
+            </a:r>
+          </a:p>
+          <a:p>
+            <a:pPr lvl="0"/>
+            <a:r>
+              <a:rPr/>
+              <a:t>Checklists têm sido recomendados para melhorar o relato das análses realizadas, aumentar a transparência do estudo e reprodutibilidade dos achados.</a:t>
+            </a:r>
+            <a:r>
+              <a:rPr baseline="30000"/>
+              <a:t>126</a:t>
+            </a:r>
+          </a:p>
+          <a:p>
+            <a:pPr lvl="0"/>
+            <a:r>
+              <a:rPr/>
+              <a:t>Trabalhos acadêmicos que relatam análises de dados devem ser passar por revisão por pares que inclua apreciação da análise estatóstica, e sua adequaçào ao delineamento do estudo e instrumentos utilizados.</a:t>
+            </a:r>
+            <a:r>
+              <a:rPr baseline="30000"/>
+              <a:t>127</a:t>
+            </a:r>
+          </a:p>
+          <a:p>
+            <a:pPr lvl="0"/>
+            <a:r>
+              <a:rPr/>
+              <a:t>Checklists não são suficientes para garantir a qualidade técnica da pesquisa, mas podem conitribuir para a revisão por pares.</a:t>
+            </a:r>
+            <a:r>
+              <a:rPr baseline="30000"/>
+              <a:t>127</a:t>
+            </a:r>
+          </a:p>
+          <a:p>
+            <a:pPr lvl="0" indent="0" marL="0">
+              <a:buNone/>
+            </a:pPr>
+          </a:p>
+          <a:p>
+            <a:pPr lvl="0" indent="0" marL="0">
+              <a:spcBef>
+                <a:spcPts val="3000"/>
+              </a:spcBef>
+              <a:buNone/>
+            </a:pPr>
+            <a:r>
+              <a:rPr b="1"/>
+              <a:t>Quais checklists estão disponíveis?</a:t>
+            </a:r>
+          </a:p>
+          <a:p>
+            <a:pPr lvl="0"/>
+            <a:r>
+              <a:rPr i="1"/>
+              <a:t>A CHecklist for statistical Assessment of Medical Papers (the CHAMP statement): explanation and elaboration</a:t>
+            </a:r>
+            <a:r>
+              <a:rPr/>
+              <a:t>.</a:t>
+            </a:r>
+            <a:r>
+              <a:rPr baseline="30000"/>
+              <a:t>128</a:t>
+            </a:r>
+          </a:p>
+          <a:p>
+            <a:pPr lvl="0"/>
+            <a:r>
+              <a:rPr i="1"/>
+              <a:t>Checklist for clinical applicability of subgroup analysis</a:t>
+            </a:r>
+            <a:r>
+              <a:rPr/>
+              <a:t>.</a:t>
+            </a:r>
+            <a:r>
+              <a:rPr baseline="30000"/>
+              <a:t>129</a:t>
+            </a:r>
+          </a:p>
+          <a:p>
+            <a:pPr lvl="0"/>
+            <a:r>
+              <a:rPr i="1"/>
+              <a:t>Evidence‐based statistical analysis and methods in biomedical research (SAMBR) checklists according to design features</a:t>
+            </a:r>
+            <a:r>
+              <a:rPr/>
+              <a:t>.</a:t>
+            </a:r>
+            <a:r>
+              <a:rPr baseline="30000"/>
+              <a:t>130</a:t>
             </a:r>
           </a:p>
           <a:p>
@@ -23002,7 +23490,7 @@
             </a:pPr>
             <a:r>
               <a:rPr/>
-              <a:t>BMJ</a:t>
+              <a:t>Fluxogramas</a:t>
             </a:r>
           </a:p>
         </p:txBody>
@@ -23028,39 +23516,102 @@
           <a:bodyPr/>
           <a:lstStyle/>
           <a:p>
-            <a:pPr lvl="0"/>
-            <a:r>
-              <a:rPr i="1">
+            <a:pPr lvl="0" indent="0" marL="0">
+              <a:buNone/>
+            </a:pPr>
+          </a:p>
+          <a:p>
+            <a:pPr lvl="0" indent="0" marL="0">
+              <a:spcBef>
+                <a:spcPts val="3000"/>
+              </a:spcBef>
+              <a:buNone/>
+            </a:pPr>
+            <a:r>
+              <a:rPr b="1"/>
+              <a:t>O que são fluxogramas?</a:t>
+            </a:r>
+          </a:p>
+          <a:p>
+            <a:pPr lvl="0"/>
+            <a:r>
+              <a:rPr/>
+              <a:t>Fluxogramas são figuras que apresentam as etapas de um estudos.</a:t>
+            </a:r>
+          </a:p>
+          <a:p>
+            <a:pPr lvl="0" indent="0" marL="0">
+              <a:buNone/>
+            </a:pPr>
+          </a:p>
+          <a:p>
+            <a:pPr lvl="0" indent="0" marL="0">
+              <a:spcBef>
+                <a:spcPts val="3000"/>
+              </a:spcBef>
+              <a:buNone/>
+            </a:pPr>
+            <a:r>
+              <a:rPr b="1"/>
+              <a:t>Que fluxogramas podem ser incluídos?</a:t>
+            </a:r>
+          </a:p>
+          <a:p>
+            <a:pPr lvl="0"/>
+            <a:r>
+              <a:rPr/>
+              <a:t>Inclua fluxogramas com o delineamento aplicado no estudo.</a:t>
+            </a:r>
+            <a:r>
+              <a:rPr baseline="30000"/>
+              <a:t>71</a:t>
+            </a:r>
+          </a:p>
+          <a:p>
+            <a:pPr lvl="0"/>
+            <a:r>
+              <a:rPr/>
+              <a:t>A </a:t>
+            </a:r>
+            <a:r>
+              <a:rPr>
                 <a:hlinkClick r:id="rId2"/>
               </a:rPr>
-              <a:t>Statistics - Latest from The BMJ</a:t>
-            </a:r>
-          </a:p>
-          <a:p>
-            <a:pPr lvl="0"/>
-            <a:r>
-              <a:rPr i="1">
-                <a:hlinkClick r:id="rId3"/>
-              </a:rPr>
-              <a:t>Statistics notes - Latest from The BMJ</a:t>
-            </a:r>
-          </a:p>
-          <a:p>
-            <a:pPr lvl="0"/>
-            <a:r>
-              <a:rPr i="1">
-                <a:hlinkClick r:id="rId4"/>
-              </a:rPr>
-              <a:t>Statistics and research methods - Latest from The BMJ</a:t>
-            </a:r>
-          </a:p>
-          <a:p>
-            <a:pPr lvl="0"/>
-            <a:r>
-              <a:rPr i="1">
-                <a:hlinkClick r:id="rId5"/>
-              </a:rPr>
-              <a:t>Research methods &amp; reporting</a:t>
+              <a:t>EQUATOR Network</a:t>
+            </a:r>
+            <a:r>
+              <a:rPr/>
+              <a:t> disponibiliza modelos de fluxogramas para os mais diversos delineamentos de estudo.</a:t>
+            </a:r>
+            <a:r>
+              <a:rPr baseline="30000"/>
+              <a:t>131</a:t>
+            </a:r>
+          </a:p>
+          <a:p>
+            <a:pPr lvl="0" indent="0" marL="0">
+              <a:buNone/>
+            </a:pPr>
+          </a:p>
+          <a:p>
+            <a:pPr lvl="0" indent="0" marL="0">
+              <a:buNone/>
+            </a:pPr>
+            <a:r>
+              <a:rPr/>
+              <a:t>O pacote </a:t>
+            </a:r>
+            <a:r>
+              <a:rPr i="1"/>
+              <a:t>PRISMA2020</a:t>
+            </a:r>
+            <a:r>
+              <a:rPr baseline="30000"/>
+              <a:t>132,133</a:t>
+            </a:r>
+            <a:r>
+              <a:rPr/>
+              <a:t> fornece funções para elaboração do fluxograma de revisões sistemáticas no formato padrão </a:t>
             </a:r>
           </a:p>
           <a:p>
@@ -23097,7 +23648,7 @@
           <p:cNvPr id="2" name="Title 1">
             <a:extLst>
               <a:ext uri="{FF2B5EF4-FFF2-40B4-BE49-F238E27FC236}">
-                <a16:creationId xmlns:a16="http://schemas.microsoft.com/office/drawing/2014/main" id="{0277F749-6ED4-3E49-963A-830033252F78}"/>
+                <a16:creationId xmlns:a16="http://schemas.microsoft.com/office/drawing/2014/main" id="{28A92D45-5BAF-634B-BB37-8481089F9E28}"/>
               </a:ext>
             </a:extLst>
           </p:cNvPr>
@@ -23110,8 +23661,8 @@
         </p:nvSpPr>
         <p:spPr>
           <a:xfrm>
-            <a:off x="0" y="17256"/>
-            <a:ext cx="10515600" cy="663782"/>
+            <a:off x="831850" y="1709738"/>
+            <a:ext cx="10515600" cy="2852737"/>
           </a:xfrm>
         </p:spPr>
         <p:txBody>
@@ -23122,45 +23673,9 @@
               <a:buNone/>
             </a:pPr>
             <a:r>
-              <a:rPr/>
-              <a:t>JAMA</a:t>
-            </a:r>
-          </a:p>
-        </p:txBody>
-      </p:sp>
-      <p:sp>
-        <p:nvSpPr>
-          <p:cNvPr id="3" name="Content Placeholder 2">
-            <a:extLst>
-              <a:ext uri="{FF2B5EF4-FFF2-40B4-BE49-F238E27FC236}">
-                <a16:creationId xmlns:a16="http://schemas.microsoft.com/office/drawing/2014/main" id="{1574FA24-F1CC-B240-AAF9-A2DF684B1C54}"/>
-              </a:ext>
-            </a:extLst>
-          </p:cNvPr>
-          <p:cNvSpPr>
-            <a:spLocks noGrp="1"/>
-          </p:cNvSpPr>
-          <p:nvPr>
-            <p:ph idx="1"/>
-          </p:nvPr>
-        </p:nvSpPr>
-        <p:spPr/>
-        <p:txBody>
-          <a:bodyPr/>
-          <a:lstStyle/>
-          <a:p>
-            <a:pPr lvl="0"/>
-            <a:r>
-              <a:rPr i="1">
-                <a:hlinkClick r:id="rId2"/>
-              </a:rPr>
-              <a:t>JAMA Guide to Statistics and Methods - JAMA</a:t>
-            </a:r>
-          </a:p>
-          <a:p>
-            <a:pPr lvl="0" indent="0" marL="0">
-              <a:buNone/>
-            </a:pPr>
+              <a:rPr b="1"/>
+              <a:t>Fontes externas</a:t>
+            </a:r>
           </a:p>
         </p:txBody>
       </p:sp>

--- a/docs/Ciência-com-R.pptx
+++ b/docs/Ciência-com-R.pptx
@@ -116,6 +116,7 @@
     <p:sldId id="364" r:id="rId110"/>
     <p:sldId id="365" r:id="rId111"/>
     <p:sldId id="366" r:id="rId112"/>
+    <p:sldId id="367" r:id="rId113"/>
   </p:sldIdLst>
   <p:sldSz cx="12192000" cy="6858000"/>
   <p:notesSz cx="6858000" cy="9144000"/>
@@ -3747,7 +3748,7 @@
             </a:pPr>
             <a:r>
               <a:rPr/>
-              <a:t>Checklists</a:t>
+              <a:t>Diretrizes</a:t>
             </a:r>
           </a:p>
         </p:txBody>
@@ -3786,38 +3787,198 @@
             </a:pPr>
             <a:r>
               <a:rPr b="1"/>
-              <a:t>O que são checklists?</a:t>
-            </a:r>
-          </a:p>
-          <a:p>
-            <a:pPr lvl="0"/>
-            <a:r>
-              <a:rPr/>
-              <a:t>Checklists são listas que podem ser utilizadas por autores, revisores ou editores, durante as fases de planejamento ou apresentação, para redação ou revisão de textos que relatam anaálises estatísticas.</a:t>
-            </a:r>
-          </a:p>
-          <a:p>
-            <a:pPr lvl="0" indent="0" marL="0">
-              <a:buNone/>
-            </a:pPr>
-          </a:p>
-          <a:p>
-            <a:pPr lvl="0" indent="0" marL="0">
-              <a:spcBef>
-                <a:spcPts val="3000"/>
-              </a:spcBef>
-              <a:buNone/>
-            </a:pPr>
-            <a:r>
-              <a:rPr b="1"/>
-              <a:t>Por que usar checklists?</a:t>
-            </a:r>
-          </a:p>
-          <a:p>
-            <a:pPr lvl="0"/>
-            <a:r>
-              <a:rPr/>
-              <a:t>Checklists têm sido recomendados para melhorar o relato das análses realizadas, aumentar a transparência do estudo e reprodutibilidade dos achados.</a:t>
+              <a:t>Quais diretrizes estão disponíveis?</a:t>
+            </a:r>
+          </a:p>
+          <a:p>
+            <a:pPr lvl="0"/>
+            <a:r>
+              <a:rPr i="1"/>
+              <a:t>Review of guidance papers on regression modeling in statistical series of medical journals</a:t>
+            </a:r>
+            <a:r>
+              <a:rPr/>
+              <a:t>.</a:t>
+            </a:r>
+            <a:r>
+              <a:rPr baseline="30000"/>
+              <a:t>125</a:t>
+            </a:r>
+          </a:p>
+          <a:p>
+            <a:pPr lvl="0"/>
+            <a:r>
+              <a:rPr i="1"/>
+              <a:t>Principles and recommendations for incorporating estimands into clinical study protocol templates</a:t>
+            </a:r>
+            <a:r>
+              <a:rPr/>
+              <a:t>.</a:t>
+            </a:r>
+            <a:r>
+              <a:rPr baseline="30000"/>
+              <a:t>126</a:t>
+            </a:r>
+          </a:p>
+          <a:p>
+            <a:pPr lvl="0"/>
+            <a:r>
+              <a:rPr i="1"/>
+              <a:t>How to write statistical analysis section in medical research</a:t>
+            </a:r>
+            <a:r>
+              <a:rPr/>
+              <a:t>.</a:t>
+            </a:r>
+            <a:r>
+              <a:rPr baseline="30000"/>
+              <a:t>77</a:t>
+            </a:r>
+          </a:p>
+          <a:p>
+            <a:pPr lvl="0"/>
+            <a:r>
+              <a:rPr i="1"/>
+              <a:t>Recommendations for Statistical Reporting in Cardiovascular Medicine: A Special Report From the American Heart Association</a:t>
+            </a:r>
+            <a:r>
+              <a:rPr/>
+              <a:t>.</a:t>
+            </a:r>
+            <a:r>
+              <a:rPr baseline="30000"/>
+              <a:t>127</a:t>
+            </a:r>
+          </a:p>
+          <a:p>
+            <a:pPr lvl="0"/>
+            <a:r>
+              <a:rPr i="1"/>
+              <a:t>Framework for the treatment and reporting of missing data in observational studies: The Treatment And Reporting of Missing data in Observational Studies framework</a:t>
+            </a:r>
+            <a:r>
+              <a:rPr/>
+              <a:t>.</a:t>
+            </a:r>
+            <a:r>
+              <a:rPr baseline="30000"/>
+              <a:t>128</a:t>
+            </a:r>
+          </a:p>
+          <a:p>
+            <a:pPr lvl="0"/>
+            <a:r>
+              <a:rPr i="1"/>
+              <a:t>Guidelines for reporting of figures and tables for clinical research in urology</a:t>
+            </a:r>
+            <a:r>
+              <a:rPr/>
+              <a:t>.</a:t>
+            </a:r>
+            <a:r>
+              <a:rPr baseline="30000"/>
+              <a:t>129</a:t>
+            </a:r>
+          </a:p>
+          <a:p>
+            <a:pPr lvl="0"/>
+            <a:r>
+              <a:rPr i="1"/>
+              <a:t>Who is in this study, anyway? Guidelines for a useful Table 1</a:t>
+            </a:r>
+            <a:r>
+              <a:rPr/>
+              <a:t>.</a:t>
+            </a:r>
+            <a:r>
+              <a:rPr baseline="30000"/>
+              <a:t>62</a:t>
+            </a:r>
+          </a:p>
+          <a:p>
+            <a:pPr lvl="0"/>
+            <a:r>
+              <a:rPr i="1"/>
+              <a:t>Guidelines for Reporting of Statistics for Clinical Research in Urology</a:t>
+            </a:r>
+            <a:r>
+              <a:rPr/>
+              <a:t>.</a:t>
+            </a:r>
+            <a:r>
+              <a:rPr baseline="30000"/>
+              <a:t>130</a:t>
+            </a:r>
+          </a:p>
+          <a:p>
+            <a:pPr lvl="0"/>
+            <a:r>
+              <a:rPr i="1"/>
+              <a:t>Reveal, Don’t Conceal: Transforming Data Visualization to Improve Transparency</a:t>
+            </a:r>
+            <a:r>
+              <a:rPr/>
+              <a:t>.</a:t>
+            </a:r>
+            <a:r>
+              <a:rPr baseline="30000"/>
+              <a:t>71</a:t>
+            </a:r>
+          </a:p>
+          <a:p>
+            <a:pPr lvl="0"/>
+            <a:r>
+              <a:rPr i="1"/>
+              <a:t>Guidelines for the Content of Statistical Analysis Plans in Clinical Trials</a:t>
+            </a:r>
+            <a:r>
+              <a:rPr/>
+              <a:t>.</a:t>
+            </a:r>
+            <a:r>
+              <a:rPr baseline="30000"/>
+              <a:t>131</a:t>
+            </a:r>
+          </a:p>
+          <a:p>
+            <a:pPr lvl="0"/>
+            <a:r>
+              <a:rPr i="1"/>
+              <a:t>Basic statistical reporting for articles published in Biomedical Journals: The ‘’Statistical Analyses and Methods in the Published Literature’’ or the SAMPL Guidelines</a:t>
+            </a:r>
+            <a:r>
+              <a:rPr/>
+              <a:t>.</a:t>
+            </a:r>
+            <a:r>
+              <a:rPr baseline="30000"/>
+              <a:t>132</a:t>
+            </a:r>
+          </a:p>
+          <a:p>
+            <a:pPr lvl="0"/>
+            <a:r>
+              <a:rPr i="1"/>
+              <a:t>Beyond Bar and Line Graphs: Time for a New Data Presentation Paradigm</a:t>
+            </a:r>
+            <a:r>
+              <a:rPr/>
+              <a:t>.</a:t>
+            </a:r>
+            <a:r>
+              <a:rPr baseline="30000"/>
+              <a:t>133</a:t>
+            </a:r>
+          </a:p>
+          <a:p>
+            <a:pPr lvl="0"/>
+            <a:r>
+              <a:rPr i="1"/>
+              <a:t>STRengthening analytical thinking for observational studies: the STRATOS initiative</a:t>
+            </a:r>
+            <a:r>
+              <a:rPr/>
+              <a:t>.</a:t>
             </a:r>
             <a:r>
               <a:rPr baseline="30000"/>
@@ -3827,8 +3988,12 @@
           <a:p>
             <a:pPr lvl="0"/>
             <a:r>
-              <a:rPr/>
-              <a:t>Trabalhos acadêmicos que relatam análises de dados devem ser passar por revisão por pares que inclua apreciação da análise estatóstica, e sua adequaçào ao delineamento do estudo e instrumentos utilizados.</a:t>
+              <a:rPr i="1"/>
+              <a:t>Research methods and reporting</a:t>
+            </a:r>
+            <a:r>
+              <a:rPr/>
+              <a:t>.</a:t>
             </a:r>
             <a:r>
               <a:rPr baseline="30000"/>
@@ -3838,36 +4003,8 @@
           <a:p>
             <a:pPr lvl="0"/>
             <a:r>
-              <a:rPr/>
-              <a:t>Checklists não são suficientes para garantir a qualidade técnica da pesquisa, mas podem conitribuir para a revisão por pares.</a:t>
-            </a:r>
-            <a:r>
-              <a:rPr baseline="30000"/>
-              <a:t>135</a:t>
-            </a:r>
-          </a:p>
-          <a:p>
-            <a:pPr lvl="0" indent="0" marL="0">
-              <a:buNone/>
-            </a:pPr>
-          </a:p>
-          <a:p>
-            <a:pPr lvl="0" indent="0" marL="0">
-              <a:spcBef>
-                <a:spcPts val="3000"/>
-              </a:spcBef>
-              <a:buNone/>
-            </a:pPr>
-            <a:r>
-              <a:rPr b="1"/>
-              <a:t>Quais checklists estão disponíveis?</a:t>
-            </a:r>
-          </a:p>
-          <a:p>
-            <a:pPr lvl="0"/>
-            <a:r>
               <a:rPr i="1"/>
-              <a:t>A CHecklist for statistical Assessment of Medical Papers (the CHAMP statement): explanation and elaboration</a:t>
+              <a:t>How to ensure your paper is rejected by the statistical reviewer</a:t>
             </a:r>
             <a:r>
               <a:rPr/>
@@ -3876,36 +4013,6 @@
             <a:r>
               <a:rPr baseline="30000"/>
               <a:t>136</a:t>
-            </a:r>
-          </a:p>
-          <a:p>
-            <a:pPr lvl="0"/>
-            <a:r>
-              <a:rPr i="1"/>
-              <a:t>Checklist for clinical applicability of subgroup analysis</a:t>
-            </a:r>
-            <a:r>
-              <a:rPr/>
-              <a:t>.</a:t>
-            </a:r>
-            <a:r>
-              <a:rPr baseline="30000"/>
-              <a:t>137</a:t>
-            </a:r>
-          </a:p>
-          <a:p>
-            <a:pPr lvl="0"/>
-            <a:r>
-              <a:rPr i="1"/>
-              <a:t>Evidence‐based statistical analysis and methods in biomedical research (SAMBR) checklists according to design features</a:t>
-            </a:r>
-            <a:r>
-              <a:rPr/>
-              <a:t>.</a:t>
-            </a:r>
-            <a:r>
-              <a:rPr baseline="30000"/>
-              <a:t>76</a:t>
             </a:r>
           </a:p>
           <a:p>
@@ -3968,7 +4075,7 @@
             </a:pPr>
             <a:r>
               <a:rPr/>
-              <a:t>Fluxogramas</a:t>
+              <a:t>Checklists</a:t>
             </a:r>
           </a:p>
         </p:txBody>
@@ -4007,14 +4114,14 @@
             </a:pPr>
             <a:r>
               <a:rPr b="1"/>
-              <a:t>O que são fluxogramas?</a:t>
-            </a:r>
-          </a:p>
-          <a:p>
-            <a:pPr lvl="0"/>
-            <a:r>
-              <a:rPr/>
-              <a:t>Fluxogramas são figuras que apresentam as etapas de um estudos.</a:t>
+              <a:t>O que são checklists?</a:t>
+            </a:r>
+          </a:p>
+          <a:p>
+            <a:pPr lvl="0"/>
+            <a:r>
+              <a:rPr/>
+              <a:t>Checklists são listas que podem ser utilizadas por autores, revisores ou editores, durante as fases de planejamento ou apresentação, para redação ou revisão de textos que relatam anaálises estatísticas.</a:t>
             </a:r>
           </a:p>
           <a:p>
@@ -4031,35 +4138,25 @@
             </a:pPr>
             <a:r>
               <a:rPr b="1"/>
-              <a:t>Que fluxogramas podem ser incluídos?</a:t>
-            </a:r>
-          </a:p>
-          <a:p>
-            <a:pPr lvl="0"/>
-            <a:r>
-              <a:rPr/>
-              <a:t>Inclua fluxogramas com o delineamento aplicado no estudo.</a:t>
-            </a:r>
-            <a:r>
-              <a:rPr baseline="30000"/>
-              <a:t>71</a:t>
-            </a:r>
-          </a:p>
-          <a:p>
-            <a:pPr lvl="0"/>
-            <a:r>
-              <a:rPr/>
-              <a:t>A </a:t>
-            </a:r>
-            <a:r>
-              <a:rPr>
-                <a:hlinkClick r:id="rId2"/>
-              </a:rPr>
-              <a:t>EQUATOR Network</a:t>
-            </a:r>
-            <a:r>
-              <a:rPr/>
-              <a:t> disponibiliza modelos de fluxogramas para os mais diversos delineamentos de estudo.</a:t>
+              <a:t>Por que usar checklists?</a:t>
+            </a:r>
+          </a:p>
+          <a:p>
+            <a:pPr lvl="0"/>
+            <a:r>
+              <a:rPr/>
+              <a:t>Checklists têm sido recomendados para melhorar o relato das análses realizadas, aumentar a transparência do estudo e reprodutibilidade dos achados.</a:t>
+            </a:r>
+            <a:r>
+              <a:rPr baseline="30000"/>
+              <a:t>137</a:t>
+            </a:r>
+          </a:p>
+          <a:p>
+            <a:pPr lvl="0"/>
+            <a:r>
+              <a:rPr/>
+              <a:t>Trabalhos acadêmicos que relatam análises de dados devem ser passar por revisão por pares que inclua apreciação da análise estatóstica, e sua adequaçào ao delineamento do estudo e instrumentos utilizados.</a:t>
             </a:r>
             <a:r>
               <a:rPr baseline="30000"/>
@@ -4067,29 +4164,76 @@
             </a:r>
           </a:p>
           <a:p>
-            <a:pPr lvl="0" indent="0" marL="0">
-              <a:buNone/>
-            </a:pPr>
-          </a:p>
-          <a:p>
-            <a:pPr lvl="0" indent="0" marL="0">
-              <a:buNone/>
-            </a:pPr>
-            <a:r>
-              <a:rPr/>
-              <a:t>O pacote </a:t>
-            </a:r>
+            <a:pPr lvl="0"/>
+            <a:r>
+              <a:rPr/>
+              <a:t>Checklists não são suficientes para garantir a qualidade técnica da pesquisa, mas podem conitribuir para a revisão por pares.</a:t>
+            </a:r>
+            <a:r>
+              <a:rPr baseline="30000"/>
+              <a:t>138</a:t>
+            </a:r>
+          </a:p>
+          <a:p>
+            <a:pPr lvl="0" indent="0" marL="0">
+              <a:buNone/>
+            </a:pPr>
+          </a:p>
+          <a:p>
+            <a:pPr lvl="0" indent="0" marL="0">
+              <a:spcBef>
+                <a:spcPts val="3000"/>
+              </a:spcBef>
+              <a:buNone/>
+            </a:pPr>
+            <a:r>
+              <a:rPr b="1"/>
+              <a:t>Quais checklists estão disponíveis?</a:t>
+            </a:r>
+          </a:p>
+          <a:p>
+            <a:pPr lvl="0"/>
             <a:r>
               <a:rPr i="1"/>
-              <a:t>PRISMA2020</a:t>
-            </a:r>
-            <a:r>
-              <a:rPr baseline="30000"/>
-              <a:t>139,140</a:t>
-            </a:r>
-            <a:r>
-              <a:rPr/>
-              <a:t> fornece funções para elaboração do fluxograma de revisões sistemáticas no formato padrão </a:t>
+              <a:t>A CHecklist for statistical Assessment of Medical Papers (the CHAMP statement): explanation and elaboration</a:t>
+            </a:r>
+            <a:r>
+              <a:rPr/>
+              <a:t>.</a:t>
+            </a:r>
+            <a:r>
+              <a:rPr baseline="30000"/>
+              <a:t>139</a:t>
+            </a:r>
+          </a:p>
+          <a:p>
+            <a:pPr lvl="0"/>
+            <a:r>
+              <a:rPr i="1"/>
+              <a:t>Checklist for clinical applicability of subgroup analysis</a:t>
+            </a:r>
+            <a:r>
+              <a:rPr/>
+              <a:t>.</a:t>
+            </a:r>
+            <a:r>
+              <a:rPr baseline="30000"/>
+              <a:t>140</a:t>
+            </a:r>
+          </a:p>
+          <a:p>
+            <a:pPr lvl="0"/>
+            <a:r>
+              <a:rPr i="1"/>
+              <a:t>Evidence‐based statistical analysis and methods in biomedical research (SAMBR) checklists according to design features</a:t>
+            </a:r>
+            <a:r>
+              <a:rPr/>
+              <a:t>.</a:t>
+            </a:r>
+            <a:r>
+              <a:rPr baseline="30000"/>
+              <a:t>76</a:t>
             </a:r>
           </a:p>
           <a:p>
@@ -4105,6 +4249,190 @@
 </file>
 
 <file path=ppt/slides/slide102.xml><?xml version="1.0" encoding="utf-8"?>
+<p:sld xmlns:a="http://schemas.openxmlformats.org/drawingml/2006/main" xmlns:r="http://schemas.openxmlformats.org/officeDocument/2006/relationships" xmlns:p="http://schemas.openxmlformats.org/presentationml/2006/main">
+  <p:cSld>
+    <p:spTree>
+      <p:nvGrpSpPr>
+        <p:cNvPr id="1" name=""/>
+        <p:cNvGrpSpPr/>
+        <p:nvPr/>
+      </p:nvGrpSpPr>
+      <p:grpSpPr>
+        <a:xfrm>
+          <a:off x="0" y="0"/>
+          <a:ext cx="0" cy="0"/>
+          <a:chOff x="0" y="0"/>
+          <a:chExt cx="0" cy="0"/>
+        </a:xfrm>
+      </p:grpSpPr>
+      <p:sp>
+        <p:nvSpPr>
+          <p:cNvPr id="2" name="Title 1">
+            <a:extLst>
+              <a:ext uri="{FF2B5EF4-FFF2-40B4-BE49-F238E27FC236}">
+                <a16:creationId xmlns:a16="http://schemas.microsoft.com/office/drawing/2014/main" id="{0277F749-6ED4-3E49-963A-830033252F78}"/>
+              </a:ext>
+            </a:extLst>
+          </p:cNvPr>
+          <p:cNvSpPr>
+            <a:spLocks noGrp="1"/>
+          </p:cNvSpPr>
+          <p:nvPr>
+            <p:ph type="title"/>
+          </p:nvPr>
+        </p:nvSpPr>
+        <p:spPr>
+          <a:xfrm>
+            <a:off x="0" y="17256"/>
+            <a:ext cx="10515600" cy="663782"/>
+          </a:xfrm>
+        </p:spPr>
+        <p:txBody>
+          <a:bodyPr/>
+          <a:lstStyle/>
+          <a:p>
+            <a:pPr lvl="0" indent="0" marL="0">
+              <a:buNone/>
+            </a:pPr>
+            <a:r>
+              <a:rPr/>
+              <a:t>Fluxogramas</a:t>
+            </a:r>
+          </a:p>
+        </p:txBody>
+      </p:sp>
+      <p:sp>
+        <p:nvSpPr>
+          <p:cNvPr id="3" name="Content Placeholder 2">
+            <a:extLst>
+              <a:ext uri="{FF2B5EF4-FFF2-40B4-BE49-F238E27FC236}">
+                <a16:creationId xmlns:a16="http://schemas.microsoft.com/office/drawing/2014/main" id="{1574FA24-F1CC-B240-AAF9-A2DF684B1C54}"/>
+              </a:ext>
+            </a:extLst>
+          </p:cNvPr>
+          <p:cNvSpPr>
+            <a:spLocks noGrp="1"/>
+          </p:cNvSpPr>
+          <p:nvPr>
+            <p:ph idx="1"/>
+          </p:nvPr>
+        </p:nvSpPr>
+        <p:spPr/>
+        <p:txBody>
+          <a:bodyPr/>
+          <a:lstStyle/>
+          <a:p>
+            <a:pPr lvl="0" indent="0" marL="0">
+              <a:buNone/>
+            </a:pPr>
+          </a:p>
+          <a:p>
+            <a:pPr lvl="0" indent="0" marL="0">
+              <a:spcBef>
+                <a:spcPts val="3000"/>
+              </a:spcBef>
+              <a:buNone/>
+            </a:pPr>
+            <a:r>
+              <a:rPr b="1"/>
+              <a:t>O que são fluxogramas?</a:t>
+            </a:r>
+          </a:p>
+          <a:p>
+            <a:pPr lvl="0"/>
+            <a:r>
+              <a:rPr/>
+              <a:t>Fluxogramas são figuras que apresentam as etapas de um estudos.</a:t>
+            </a:r>
+          </a:p>
+          <a:p>
+            <a:pPr lvl="0" indent="0" marL="0">
+              <a:buNone/>
+            </a:pPr>
+          </a:p>
+          <a:p>
+            <a:pPr lvl="0" indent="0" marL="0">
+              <a:spcBef>
+                <a:spcPts val="3000"/>
+              </a:spcBef>
+              <a:buNone/>
+            </a:pPr>
+            <a:r>
+              <a:rPr b="1"/>
+              <a:t>Que fluxogramas podem ser incluídos?</a:t>
+            </a:r>
+          </a:p>
+          <a:p>
+            <a:pPr lvl="0"/>
+            <a:r>
+              <a:rPr/>
+              <a:t>Inclua fluxogramas com o delineamento aplicado no estudo.</a:t>
+            </a:r>
+            <a:r>
+              <a:rPr baseline="30000"/>
+              <a:t>71</a:t>
+            </a:r>
+          </a:p>
+          <a:p>
+            <a:pPr lvl="0"/>
+            <a:r>
+              <a:rPr/>
+              <a:t>A </a:t>
+            </a:r>
+            <a:r>
+              <a:rPr>
+                <a:hlinkClick r:id="rId2"/>
+              </a:rPr>
+              <a:t>EQUATOR Network</a:t>
+            </a:r>
+            <a:r>
+              <a:rPr/>
+              <a:t> disponibiliza modelos de fluxogramas para os mais diversos delineamentos de estudo.</a:t>
+            </a:r>
+            <a:r>
+              <a:rPr baseline="30000"/>
+              <a:t>141</a:t>
+            </a:r>
+          </a:p>
+          <a:p>
+            <a:pPr lvl="0" indent="0" marL="0">
+              <a:buNone/>
+            </a:pPr>
+          </a:p>
+          <a:p>
+            <a:pPr lvl="0" indent="0" marL="0">
+              <a:buNone/>
+            </a:pPr>
+            <a:r>
+              <a:rPr/>
+              <a:t>O pacote </a:t>
+            </a:r>
+            <a:r>
+              <a:rPr i="1"/>
+              <a:t>PRISMA2020</a:t>
+            </a:r>
+            <a:r>
+              <a:rPr baseline="30000"/>
+              <a:t>142,143</a:t>
+            </a:r>
+            <a:r>
+              <a:rPr/>
+              <a:t> fornece funções para elaboração do fluxograma de revisões sistemáticas no formato padrão </a:t>
+            </a:r>
+          </a:p>
+          <a:p>
+            <a:pPr lvl="0" indent="0" marL="0">
+              <a:buNone/>
+            </a:pPr>
+          </a:p>
+        </p:txBody>
+      </p:sp>
+    </p:spTree>
+  </p:cSld>
+</p:sld>
+</file>
+
+<file path=ppt/slides/slide103.xml><?xml version="1.0" encoding="utf-8"?>
 <p:sld xmlns:a="http://schemas.openxmlformats.org/drawingml/2006/main" xmlns:r="http://schemas.openxmlformats.org/officeDocument/2006/relationships" xmlns:p="http://schemas.openxmlformats.org/presentationml/2006/main">
   <p:cSld>
     <p:spTree>
@@ -4154,100 +4482,6 @@
               <a:rPr b="1"/>
               <a:t>Fontes externas</a:t>
             </a:r>
-          </a:p>
-        </p:txBody>
-      </p:sp>
-    </p:spTree>
-  </p:cSld>
-</p:sld>
-</file>
-
-<file path=ppt/slides/slide103.xml><?xml version="1.0" encoding="utf-8"?>
-<p:sld xmlns:a="http://schemas.openxmlformats.org/drawingml/2006/main" xmlns:r="http://schemas.openxmlformats.org/officeDocument/2006/relationships" xmlns:p="http://schemas.openxmlformats.org/presentationml/2006/main">
-  <p:cSld>
-    <p:spTree>
-      <p:nvGrpSpPr>
-        <p:cNvPr id="1" name=""/>
-        <p:cNvGrpSpPr/>
-        <p:nvPr/>
-      </p:nvGrpSpPr>
-      <p:grpSpPr>
-        <a:xfrm>
-          <a:off x="0" y="0"/>
-          <a:ext cx="0" cy="0"/>
-          <a:chOff x="0" y="0"/>
-          <a:chExt cx="0" cy="0"/>
-        </a:xfrm>
-      </p:grpSpPr>
-      <p:sp>
-        <p:nvSpPr>
-          <p:cNvPr id="2" name="Title 1">
-            <a:extLst>
-              <a:ext uri="{FF2B5EF4-FFF2-40B4-BE49-F238E27FC236}">
-                <a16:creationId xmlns:a16="http://schemas.microsoft.com/office/drawing/2014/main" id="{0277F749-6ED4-3E49-963A-830033252F78}"/>
-              </a:ext>
-            </a:extLst>
-          </p:cNvPr>
-          <p:cNvSpPr>
-            <a:spLocks noGrp="1"/>
-          </p:cNvSpPr>
-          <p:nvPr>
-            <p:ph type="title"/>
-          </p:nvPr>
-        </p:nvSpPr>
-        <p:spPr>
-          <a:xfrm>
-            <a:off x="0" y="17256"/>
-            <a:ext cx="10515600" cy="663782"/>
-          </a:xfrm>
-        </p:spPr>
-        <p:txBody>
-          <a:bodyPr/>
-          <a:lstStyle/>
-          <a:p>
-            <a:pPr lvl="0" indent="0" marL="0">
-              <a:buNone/>
-            </a:pPr>
-            <a:r>
-              <a:rPr/>
-              <a:t>RSS</a:t>
-            </a:r>
-          </a:p>
-        </p:txBody>
-      </p:sp>
-      <p:sp>
-        <p:nvSpPr>
-          <p:cNvPr id="3" name="Content Placeholder 2">
-            <a:extLst>
-              <a:ext uri="{FF2B5EF4-FFF2-40B4-BE49-F238E27FC236}">
-                <a16:creationId xmlns:a16="http://schemas.microsoft.com/office/drawing/2014/main" id="{1574FA24-F1CC-B240-AAF9-A2DF684B1C54}"/>
-              </a:ext>
-            </a:extLst>
-          </p:cNvPr>
-          <p:cNvSpPr>
-            <a:spLocks noGrp="1"/>
-          </p:cNvSpPr>
-          <p:nvPr>
-            <p:ph idx="1"/>
-          </p:nvPr>
-        </p:nvSpPr>
-        <p:spPr/>
-        <p:txBody>
-          <a:bodyPr/>
-          <a:lstStyle/>
-          <a:p>
-            <a:pPr lvl="0"/>
-            <a:r>
-              <a:rPr i="1">
-                <a:hlinkClick r:id="rId2"/>
-              </a:rPr>
-              <a:t>Best Practices for Data Visualisation - Royal Statistical Society</a:t>
-            </a:r>
-          </a:p>
-          <a:p>
-            <a:pPr lvl="0" indent="0" marL="0">
-              <a:buNone/>
-            </a:pPr>
           </a:p>
         </p:txBody>
       </p:sp>
@@ -4304,7 +4538,7 @@
             </a:pPr>
             <a:r>
               <a:rPr/>
-              <a:t>BMJ</a:t>
+              <a:t>RSS</a:t>
             </a:r>
           </a:p>
         </p:txBody>
@@ -4335,43 +4569,7 @@
               <a:rPr i="1">
                 <a:hlinkClick r:id="rId2"/>
               </a:rPr>
-              <a:t>Statistics - Latest from The BMJ</a:t>
-            </a:r>
-          </a:p>
-          <a:p>
-            <a:pPr lvl="0"/>
-            <a:r>
-              <a:rPr i="1">
-                <a:hlinkClick r:id="rId3"/>
-              </a:rPr>
-              <a:t>Statistics notes - Latest from The BMJ</a:t>
-            </a:r>
-          </a:p>
-          <a:p>
-            <a:pPr lvl="0"/>
-            <a:r>
-              <a:rPr i="1">
-                <a:hlinkClick r:id="rId4"/>
-              </a:rPr>
-              <a:t>Statistics and research methods - Latest from The BMJ</a:t>
-            </a:r>
-          </a:p>
-          <a:p>
-            <a:pPr lvl="0"/>
-            <a:r>
-              <a:rPr i="1">
-                <a:hlinkClick r:id="rId5"/>
-              </a:rPr>
-              <a:t>Statistics at Square One</a:t>
-            </a:r>
-          </a:p>
-          <a:p>
-            <a:pPr lvl="0"/>
-            <a:r>
-              <a:rPr i="1">
-                <a:hlinkClick r:id="rId6"/>
-              </a:rPr>
-              <a:t>Research methods &amp; reporting</a:t>
+              <a:t>Best Practices for Data Visualisation - Royal Statistical Society</a:t>
             </a:r>
           </a:p>
           <a:p>
@@ -4434,7 +4632,7 @@
             </a:pPr>
             <a:r>
               <a:rPr/>
-              <a:t>JAMA</a:t>
+              <a:t>BMJ</a:t>
             </a:r>
           </a:p>
         </p:txBody>
@@ -4465,7 +4663,43 @@
               <a:rPr i="1">
                 <a:hlinkClick r:id="rId2"/>
               </a:rPr>
-              <a:t>JAMA Guide to Statistics and Methods - JAMA</a:t>
+              <a:t>Statistics - Latest from The BMJ</a:t>
+            </a:r>
+          </a:p>
+          <a:p>
+            <a:pPr lvl="0"/>
+            <a:r>
+              <a:rPr i="1">
+                <a:hlinkClick r:id="rId3"/>
+              </a:rPr>
+              <a:t>Statistics notes - Latest from The BMJ</a:t>
+            </a:r>
+          </a:p>
+          <a:p>
+            <a:pPr lvl="0"/>
+            <a:r>
+              <a:rPr i="1">
+                <a:hlinkClick r:id="rId4"/>
+              </a:rPr>
+              <a:t>Statistics and research methods - Latest from The BMJ</a:t>
+            </a:r>
+          </a:p>
+          <a:p>
+            <a:pPr lvl="0"/>
+            <a:r>
+              <a:rPr i="1">
+                <a:hlinkClick r:id="rId5"/>
+              </a:rPr>
+              <a:t>Statistics at Square One</a:t>
+            </a:r>
+          </a:p>
+          <a:p>
+            <a:pPr lvl="0"/>
+            <a:r>
+              <a:rPr i="1">
+                <a:hlinkClick r:id="rId6"/>
+              </a:rPr>
+              <a:t>Research methods &amp; reporting</a:t>
             </a:r>
           </a:p>
           <a:p>
@@ -4528,7 +4762,7 @@
             </a:pPr>
             <a:r>
               <a:rPr/>
-              <a:t>AHA/ASA</a:t>
+              <a:t>JAMA</a:t>
             </a:r>
           </a:p>
         </p:txBody>
@@ -4559,16 +4793,7 @@
               <a:rPr i="1">
                 <a:hlinkClick r:id="rId2"/>
               </a:rPr>
-              <a:t>Statistical Reporting Recommendations - AHA/ASA journals</a:t>
-            </a:r>
-          </a:p>
-          <a:p>
-            <a:pPr lvl="0"/>
-            <a:r>
-              <a:rPr i="1">
-                <a:hlinkClick r:id="rId3"/>
-              </a:rPr>
-              <a:t>Statistical Inference in the 21st Century: A World Beyond p &lt; 0.05 - The American Statistical Association</a:t>
+              <a:t>JAMA Guide to Statistics and Methods - JAMA</a:t>
             </a:r>
           </a:p>
           <a:p>
@@ -4631,7 +4856,7 @@
             </a:pPr>
             <a:r>
               <a:rPr/>
-              <a:t>NPG</a:t>
+              <a:t>AHA/ASA</a:t>
             </a:r>
           </a:p>
         </p:txBody>
@@ -4662,7 +4887,16 @@
               <a:rPr i="1">
                 <a:hlinkClick r:id="rId2"/>
               </a:rPr>
-              <a:t>Statistics for Biologists - Nature Publising Group</a:t>
+              <a:t>Statistical Reporting Recommendations - AHA/ASA journals</a:t>
+            </a:r>
+          </a:p>
+          <a:p>
+            <a:pPr lvl="0"/>
+            <a:r>
+              <a:rPr i="1">
+                <a:hlinkClick r:id="rId3"/>
+              </a:rPr>
+              <a:t>Statistical Inference in the 21st Century: A World Beyond p &lt; 0.05 - The American Statistical Association</a:t>
             </a:r>
           </a:p>
           <a:p>
@@ -4725,7 +4959,7 @@
             </a:pPr>
             <a:r>
               <a:rPr/>
-              <a:t>Wiley</a:t>
+              <a:t>NPG</a:t>
             </a:r>
           </a:p>
         </p:txBody>
@@ -4756,7 +4990,7 @@
               <a:rPr i="1">
                 <a:hlinkClick r:id="rId2"/>
               </a:rPr>
-              <a:t>Tutorials in Biostatistics Papers - Wiley Online Library</a:t>
+              <a:t>Statistics for Biologists - Nature Publising Group</a:t>
             </a:r>
           </a:p>
           <a:p>
@@ -4819,7 +5053,7 @@
             </a:pPr>
             <a:r>
               <a:rPr/>
-              <a:t>APE</a:t>
+              <a:t>Wiley</a:t>
             </a:r>
           </a:p>
         </p:txBody>
@@ -4850,34 +5084,7 @@
               <a:rPr i="1">
                 <a:hlinkClick r:id="rId2"/>
               </a:rPr>
-              <a:t>Statistics</a:t>
-            </a:r>
-          </a:p>
-          <a:p>
-            <a:pPr lvl="0"/>
-            <a:r>
-              <a:rPr i="1">
-                <a:hlinkClick r:id="rId3"/>
-              </a:rPr>
-              <a:t>Exploration in Statistics</a:t>
-            </a:r>
-          </a:p>
-          <a:p>
-            <a:pPr lvl="0"/>
-            <a:r>
-              <a:rPr i="1">
-                <a:hlinkClick r:id="rId4"/>
-              </a:rPr>
-              <a:t>General Statistics</a:t>
-            </a:r>
-          </a:p>
-          <a:p>
-            <a:pPr lvl="0"/>
-            <a:r>
-              <a:rPr i="1">
-                <a:hlinkClick r:id="rId5"/>
-              </a:rPr>
-              <a:t>Reporting Statistics</a:t>
+              <a:t>Tutorials in Biostatistics Papers - Wiley Online Library</a:t>
             </a:r>
           </a:p>
           <a:p>
@@ -5440,6 +5647,127 @@
           <p:cNvPr id="2" name="Title 1">
             <a:extLst>
               <a:ext uri="{FF2B5EF4-FFF2-40B4-BE49-F238E27FC236}">
+                <a16:creationId xmlns:a16="http://schemas.microsoft.com/office/drawing/2014/main" id="{0277F749-6ED4-3E49-963A-830033252F78}"/>
+              </a:ext>
+            </a:extLst>
+          </p:cNvPr>
+          <p:cNvSpPr>
+            <a:spLocks noGrp="1"/>
+          </p:cNvSpPr>
+          <p:nvPr>
+            <p:ph type="title"/>
+          </p:nvPr>
+        </p:nvSpPr>
+        <p:spPr>
+          <a:xfrm>
+            <a:off x="0" y="17256"/>
+            <a:ext cx="10515600" cy="663782"/>
+          </a:xfrm>
+        </p:spPr>
+        <p:txBody>
+          <a:bodyPr/>
+          <a:lstStyle/>
+          <a:p>
+            <a:pPr lvl="0" indent="0" marL="0">
+              <a:buNone/>
+            </a:pPr>
+            <a:r>
+              <a:rPr/>
+              <a:t>APE</a:t>
+            </a:r>
+          </a:p>
+        </p:txBody>
+      </p:sp>
+      <p:sp>
+        <p:nvSpPr>
+          <p:cNvPr id="3" name="Content Placeholder 2">
+            <a:extLst>
+              <a:ext uri="{FF2B5EF4-FFF2-40B4-BE49-F238E27FC236}">
+                <a16:creationId xmlns:a16="http://schemas.microsoft.com/office/drawing/2014/main" id="{1574FA24-F1CC-B240-AAF9-A2DF684B1C54}"/>
+              </a:ext>
+            </a:extLst>
+          </p:cNvPr>
+          <p:cNvSpPr>
+            <a:spLocks noGrp="1"/>
+          </p:cNvSpPr>
+          <p:nvPr>
+            <p:ph idx="1"/>
+          </p:nvPr>
+        </p:nvSpPr>
+        <p:spPr/>
+        <p:txBody>
+          <a:bodyPr/>
+          <a:lstStyle/>
+          <a:p>
+            <a:pPr lvl="0"/>
+            <a:r>
+              <a:rPr i="1">
+                <a:hlinkClick r:id="rId2"/>
+              </a:rPr>
+              <a:t>Statistics</a:t>
+            </a:r>
+          </a:p>
+          <a:p>
+            <a:pPr lvl="0"/>
+            <a:r>
+              <a:rPr i="1">
+                <a:hlinkClick r:id="rId3"/>
+              </a:rPr>
+              <a:t>Exploration in Statistics</a:t>
+            </a:r>
+          </a:p>
+          <a:p>
+            <a:pPr lvl="0"/>
+            <a:r>
+              <a:rPr i="1">
+                <a:hlinkClick r:id="rId4"/>
+              </a:rPr>
+              <a:t>General Statistics</a:t>
+            </a:r>
+          </a:p>
+          <a:p>
+            <a:pPr lvl="0"/>
+            <a:r>
+              <a:rPr i="1">
+                <a:hlinkClick r:id="rId5"/>
+              </a:rPr>
+              <a:t>Reporting Statistics</a:t>
+            </a:r>
+          </a:p>
+          <a:p>
+            <a:pPr lvl="0" indent="0" marL="0">
+              <a:buNone/>
+            </a:pPr>
+          </a:p>
+        </p:txBody>
+      </p:sp>
+    </p:spTree>
+  </p:cSld>
+</p:sld>
+</file>
+
+<file path=ppt/slides/slide111.xml><?xml version="1.0" encoding="utf-8"?>
+<p:sld xmlns:a="http://schemas.openxmlformats.org/drawingml/2006/main" xmlns:r="http://schemas.openxmlformats.org/officeDocument/2006/relationships" xmlns:p="http://schemas.openxmlformats.org/presentationml/2006/main">
+  <p:cSld>
+    <p:spTree>
+      <p:nvGrpSpPr>
+        <p:cNvPr id="1" name=""/>
+        <p:cNvGrpSpPr/>
+        <p:nvPr/>
+      </p:nvGrpSpPr>
+      <p:grpSpPr>
+        <a:xfrm>
+          <a:off x="0" y="0"/>
+          <a:ext cx="0" cy="0"/>
+          <a:chOff x="0" y="0"/>
+          <a:chExt cx="0" cy="0"/>
+        </a:xfrm>
+      </p:grpSpPr>
+      <p:sp>
+        <p:nvSpPr>
+          <p:cNvPr id="2" name="Title 1">
+            <a:extLst>
+              <a:ext uri="{FF2B5EF4-FFF2-40B4-BE49-F238E27FC236}">
                 <a16:creationId xmlns:a16="http://schemas.microsoft.com/office/drawing/2014/main" id="{28A92D45-5BAF-634B-BB37-8481089F9E28}"/>
               </a:ext>
             </a:extLst>
@@ -5476,7 +5804,7 @@
 </p:sld>
 </file>
 
-<file path=ppt/slides/slide111.xml><?xml version="1.0" encoding="utf-8"?>
+<file path=ppt/slides/slide112.xml><?xml version="1.0" encoding="utf-8"?>
 <p:sld xmlns:a="http://schemas.openxmlformats.org/drawingml/2006/main" xmlns:r="http://schemas.openxmlformats.org/officeDocument/2006/relationships" xmlns:p="http://schemas.openxmlformats.org/presentationml/2006/main">
   <p:cSld>
     <p:spTree>
@@ -7384,1177 +7712,1238 @@
             </a:pPr>
             <a:r>
               <a:rPr/>
-              <a:t>88. Ferreira ADS, Meziat-Filho N, Ferreira APA. Double threshold receiver operating characteristic plot for three-modal continuous predictors. </a:t>
+              <a:t>88. Kim HY. Statistical notes for clinical researchers: Chi-squared test and Fisher’s exact test. </a:t>
             </a:r>
             <a:r>
               <a:rPr i="1"/>
-              <a:t>Computational Statistics</a:t>
-            </a:r>
-            <a:r>
-              <a:rPr/>
-              <a:t>. 2021;36(3):2231-2245. doi:</a:t>
+              <a:t>Restorative Dentistry &amp; Endodontics</a:t>
+            </a:r>
+            <a:r>
+              <a:rPr/>
+              <a:t>. 2017;42(2):152. doi:</a:t>
             </a:r>
             <a:r>
               <a:rPr>
                 <a:hlinkClick r:id="rId89"/>
               </a:rPr>
-              <a:t>10.1007/s00180-021-01080-9</a:t>
-            </a:r>
-          </a:p>
-          <a:p>
-            <a:pPr lvl="0" indent="0" marL="0">
-              <a:buNone/>
-            </a:pPr>
-            <a:r>
-              <a:rPr/>
-              <a:t>89. Altman DG, Bland JM. Measurement in medicine: The analysis of method comparison studies. </a:t>
+              <a:t>10.5395/rde.2017.42.2.152</a:t>
+            </a:r>
+          </a:p>
+          <a:p>
+            <a:pPr lvl="0" indent="0" marL="0">
+              <a:buNone/>
+            </a:pPr>
+            <a:r>
+              <a:rPr/>
+              <a:t>89. McHugh ML. The chi-square test of independence. </a:t>
             </a:r>
             <a:r>
               <a:rPr i="1"/>
-              <a:t>The Statistician</a:t>
-            </a:r>
-            <a:r>
-              <a:rPr/>
-              <a:t>. 1983;32(3):307. doi:</a:t>
+              <a:t>Biochemia Medica</a:t>
+            </a:r>
+            <a:r>
+              <a:rPr/>
+              <a:t>. 2013:143-149. doi:</a:t>
             </a:r>
             <a:r>
               <a:rPr>
                 <a:hlinkClick r:id="rId90"/>
               </a:rPr>
-              <a:t>10.2307/2987937</a:t>
-            </a:r>
-          </a:p>
-          <a:p>
-            <a:pPr lvl="0" indent="0" marL="0">
-              <a:buNone/>
-            </a:pPr>
-            <a:r>
-              <a:rPr/>
-              <a:t>90. Grant MJ, Booth A. A typology of reviews: an analysis of 14 review types and associated methodologies. </a:t>
-            </a:r>
-            <a:r>
-              <a:rPr i="1"/>
-              <a:t>Health Information &amp; Libraries Journal</a:t>
-            </a:r>
-            <a:r>
-              <a:rPr/>
-              <a:t>. 2009;26(2):91-108. doi:</a:t>
+              <a:t>10.11613/bm.2013.018</a:t>
+            </a:r>
+          </a:p>
+          <a:p>
+            <a:pPr lvl="0" indent="0" marL="0">
+              <a:buNone/>
+            </a:pPr>
+            <a:r>
+              <a:rPr/>
+              <a:t>90. Sjoberg DD, Whiting K, Curry M, Lavery JA, Larmarange J. Reproducible summary tables with the gtsummary package. 2021;13:570-580. doi:</a:t>
             </a:r>
             <a:r>
               <a:rPr>
                 <a:hlinkClick r:id="rId91"/>
               </a:rPr>
-              <a:t>10.1111/j.1471-1842.2009.00848.x</a:t>
-            </a:r>
-          </a:p>
-          <a:p>
-            <a:pPr lvl="0" indent="0" marL="0">
-              <a:buNone/>
-            </a:pPr>
-            <a:r>
-              <a:rPr/>
-              <a:t>91. Sut N. Study designs in medicine. </a:t>
+              <a:t>10.32614/RJ-2021-053</a:t>
+            </a:r>
+          </a:p>
+          <a:p>
+            <a:pPr lvl="0" indent="0" marL="0">
+              <a:buNone/>
+            </a:pPr>
+            <a:r>
+              <a:rPr/>
+              <a:t>91. Ferreira ADS, Meziat-Filho N, Ferreira APA. Double threshold receiver operating characteristic plot for three-modal continuous predictors. </a:t>
             </a:r>
             <a:r>
               <a:rPr i="1"/>
-              <a:t>Balkan Medical Journal</a:t>
-            </a:r>
-            <a:r>
-              <a:rPr/>
-              <a:t>. 2015;31(4):273-277. doi:</a:t>
+              <a:t>Computational Statistics</a:t>
+            </a:r>
+            <a:r>
+              <a:rPr/>
+              <a:t>. 2021;36(3):2231-2245. doi:</a:t>
             </a:r>
             <a:r>
               <a:rPr>
                 <a:hlinkClick r:id="rId92"/>
               </a:rPr>
-              <a:t>10.5152/balkanmedj.2014.1408</a:t>
-            </a:r>
-          </a:p>
-          <a:p>
-            <a:pPr lvl="0" indent="0" marL="0">
-              <a:buNone/>
-            </a:pPr>
-            <a:r>
-              <a:rPr/>
-              <a:t>92. Souza AC de, Alexandre NMC, Guirardello E de B, Souza AC de, Alexandre NMC, Guirardello E de B. Propriedades psicométricas na avaliação de instrumentos: avaliação da confiabilidade e da validade. </a:t>
+              <a:t>10.1007/s00180-021-01080-9</a:t>
+            </a:r>
+          </a:p>
+          <a:p>
+            <a:pPr lvl="0" indent="0" marL="0">
+              <a:buNone/>
+            </a:pPr>
+            <a:r>
+              <a:rPr/>
+              <a:t>92. Altman DG, Bland JM. Measurement in medicine: The analysis of method comparison studies. </a:t>
             </a:r>
             <a:r>
               <a:rPr i="1"/>
-              <a:t>Epidemiologia e Serviços de Saúde</a:t>
-            </a:r>
-            <a:r>
-              <a:rPr/>
-              <a:t>. 2017;26(3):649-659. doi:</a:t>
+              <a:t>The Statistician</a:t>
+            </a:r>
+            <a:r>
+              <a:rPr/>
+              <a:t>. 1983;32(3):307. doi:</a:t>
             </a:r>
             <a:r>
               <a:rPr>
                 <a:hlinkClick r:id="rId93"/>
               </a:rPr>
-              <a:t>10.5123/s1679-49742017000300022</a:t>
-            </a:r>
-          </a:p>
-          <a:p>
-            <a:pPr lvl="0" indent="0" marL="0">
-              <a:buNone/>
-            </a:pPr>
-            <a:r>
-              <a:rPr/>
-              <a:t>93. Reeves BC, Wells GA, Waddington H. Quasi-experimental study designs seriespaper 5: a checklist for classifying studies evaluating the effects on health interventionsa taxonomy without labels. </a:t>
+              <a:t>10.2307/2987937</a:t>
+            </a:r>
+          </a:p>
+          <a:p>
+            <a:pPr lvl="0" indent="0" marL="0">
+              <a:buNone/>
+            </a:pPr>
+            <a:r>
+              <a:rPr/>
+              <a:t>93. Grant MJ, Booth A. A typology of reviews: an analysis of 14 review types and associated methodologies. </a:t>
             </a:r>
             <a:r>
               <a:rPr i="1"/>
-              <a:t>Journal of Clinical Epidemiology</a:t>
-            </a:r>
-            <a:r>
-              <a:rPr/>
-              <a:t>. 2017;89:30-42. doi:</a:t>
+              <a:t>Health Information &amp; Libraries Journal</a:t>
+            </a:r>
+            <a:r>
+              <a:rPr/>
+              <a:t>. 2009;26(2):91-108. doi:</a:t>
             </a:r>
             <a:r>
               <a:rPr>
                 <a:hlinkClick r:id="rId94"/>
               </a:rPr>
-              <a:t>10.1016/j.jclinepi.2017.02.016</a:t>
-            </a:r>
-          </a:p>
-          <a:p>
-            <a:pPr lvl="0" indent="0" marL="0">
-              <a:buNone/>
-            </a:pPr>
-            <a:r>
-              <a:rPr/>
-              <a:t>94. Echevarría-Guanilo ME, Gonçalves N, Romanoski PJ. PSYCHOMETRIC PROPERTIES OF MEASUREMENT INSTRUMENTS: CONCEPTUAL BASIS AND EVALUATION METHODS - PART II. </a:t>
+              <a:t>10.1111/j.1471-1842.2009.00848.x</a:t>
+            </a:r>
+          </a:p>
+          <a:p>
+            <a:pPr lvl="0" indent="0" marL="0">
+              <a:buNone/>
+            </a:pPr>
+            <a:r>
+              <a:rPr/>
+              <a:t>94. Sut N. Study designs in medicine. </a:t>
             </a:r>
             <a:r>
               <a:rPr i="1"/>
-              <a:t>Texto &amp; Contexto - Enfermagem</a:t>
-            </a:r>
-            <a:r>
-              <a:rPr/>
-              <a:t>. 2019;28. doi:</a:t>
+              <a:t>Balkan Medical Journal</a:t>
+            </a:r>
+            <a:r>
+              <a:rPr/>
+              <a:t>. 2015;31(4):273-277. doi:</a:t>
             </a:r>
             <a:r>
               <a:rPr>
                 <a:hlinkClick r:id="rId95"/>
               </a:rPr>
-              <a:t>10.1590/1980-265x-tce-2017-0311</a:t>
-            </a:r>
-          </a:p>
-          <a:p>
-            <a:pPr lvl="0" indent="0" marL="0">
-              <a:buNone/>
-            </a:pPr>
-            <a:r>
-              <a:rPr/>
-              <a:t>95. Chassé M, Fergusson DA. Diagnostic Accuracy Studies. </a:t>
+              <a:t>10.5152/balkanmedj.2014.1408</a:t>
+            </a:r>
+          </a:p>
+          <a:p>
+            <a:pPr lvl="0" indent="0" marL="0">
+              <a:buNone/>
+            </a:pPr>
+            <a:r>
+              <a:rPr/>
+              <a:t>95. Souza AC de, Alexandre NMC, Guirardello E de B, Souza AC de, Alexandre NMC, Guirardello E de B. Propriedades psicométricas na avaliação de instrumentos: avaliação da confiabilidade e da validade. </a:t>
             </a:r>
             <a:r>
               <a:rPr i="1"/>
-              <a:t>Seminars in Nuclear Medicine</a:t>
-            </a:r>
-            <a:r>
-              <a:rPr/>
-              <a:t>. 2019;49(2):87-93. doi:</a:t>
+              <a:t>Epidemiologia e Serviços de Saúde</a:t>
+            </a:r>
+            <a:r>
+              <a:rPr/>
+              <a:t>. 2017;26(3):649-659. doi:</a:t>
             </a:r>
             <a:r>
               <a:rPr>
                 <a:hlinkClick r:id="rId96"/>
               </a:rPr>
-              <a:t>10.1053/j.semnuclmed.2018.11.005</a:t>
-            </a:r>
-          </a:p>
-          <a:p>
-            <a:pPr lvl="0" indent="0" marL="0">
-              <a:buNone/>
-            </a:pPr>
-            <a:r>
-              <a:rPr/>
-              <a:t>96. Chidambaram AG, Josephson M. Clinical research study designs: The essentials. </a:t>
+              <a:t>10.5123/s1679-49742017000300022</a:t>
+            </a:r>
+          </a:p>
+          <a:p>
+            <a:pPr lvl="0" indent="0" marL="0">
+              <a:buNone/>
+            </a:pPr>
+            <a:r>
+              <a:rPr/>
+              <a:t>96. Reeves BC, Wells GA, Waddington H. Quasi-experimental study designs seriespaper 5: a checklist for classifying studies evaluating the effects on health interventionsa taxonomy without labels. </a:t>
             </a:r>
             <a:r>
               <a:rPr i="1"/>
-              <a:t>PEDIATRIC INVESTIGATION</a:t>
-            </a:r>
-            <a:r>
-              <a:rPr/>
-              <a:t>. 2019;3(4):245-252. doi:</a:t>
+              <a:t>Journal of Clinical Epidemiology</a:t>
+            </a:r>
+            <a:r>
+              <a:rPr/>
+              <a:t>. 2017;89:30-42. doi:</a:t>
             </a:r>
             <a:r>
               <a:rPr>
                 <a:hlinkClick r:id="rId97"/>
               </a:rPr>
-              <a:t>10.1002/ped4.12166</a:t>
-            </a:r>
-          </a:p>
-          <a:p>
-            <a:pPr lvl="0" indent="0" marL="0">
-              <a:buNone/>
-            </a:pPr>
-            <a:r>
-              <a:rPr/>
-              <a:t>97. Erdemir A, Mulugeta L, Ku JP, et al. Credible practice of modeling and simulation in healthcare: ten rules from a multidisciplinary perspective. </a:t>
+              <a:t>10.1016/j.jclinepi.2017.02.016</a:t>
+            </a:r>
+          </a:p>
+          <a:p>
+            <a:pPr lvl="0" indent="0" marL="0">
+              <a:buNone/>
+            </a:pPr>
+            <a:r>
+              <a:rPr/>
+              <a:t>97. Echevarría-Guanilo ME, Gonçalves N, Romanoski PJ. PSYCHOMETRIC PROPERTIES OF MEASUREMENT INSTRUMENTS: CONCEPTUAL BASIS AND EVALUATION METHODS - PART II. </a:t>
             </a:r>
             <a:r>
               <a:rPr i="1"/>
-              <a:t>Journal of Translational Medicine</a:t>
-            </a:r>
-            <a:r>
-              <a:rPr/>
-              <a:t>. 2020;18(1). doi:</a:t>
+              <a:t>Texto &amp; Contexto - Enfermagem</a:t>
+            </a:r>
+            <a:r>
+              <a:rPr/>
+              <a:t>. 2019;28. doi:</a:t>
             </a:r>
             <a:r>
               <a:rPr>
                 <a:hlinkClick r:id="rId98"/>
               </a:rPr>
-              <a:t>10.1186/s12967-020-02540-4</a:t>
-            </a:r>
-          </a:p>
-          <a:p>
-            <a:pPr lvl="0" indent="0" marL="0">
-              <a:buNone/>
-            </a:pPr>
-            <a:r>
-              <a:rPr/>
-              <a:t>98. Yang B, Olsen M, Vali Y, et al. Study designs for comparative diagnostic test accuracy: A methodological review and classification scheme. </a:t>
+              <a:t>10.1590/1980-265x-tce-2017-0311</a:t>
+            </a:r>
+          </a:p>
+          <a:p>
+            <a:pPr lvl="0" indent="0" marL="0">
+              <a:buNone/>
+            </a:pPr>
+            <a:r>
+              <a:rPr/>
+              <a:t>98. Chassé M, Fergusson DA. Diagnostic Accuracy Studies. </a:t>
             </a:r>
             <a:r>
               <a:rPr i="1"/>
-              <a:t>Journal of Clinical Epidemiology</a:t>
-            </a:r>
-            <a:r>
-              <a:rPr/>
-              <a:t>. 2021;138:128-138. doi:</a:t>
+              <a:t>Seminars in Nuclear Medicine</a:t>
+            </a:r>
+            <a:r>
+              <a:rPr/>
+              <a:t>. 2019;49(2):87-93. doi:</a:t>
             </a:r>
             <a:r>
               <a:rPr>
                 <a:hlinkClick r:id="rId99"/>
               </a:rPr>
-              <a:t>10.1016/j.jclinepi.2021.04.013</a:t>
-            </a:r>
-          </a:p>
-          <a:p>
-            <a:pPr lvl="0" indent="0" marL="0">
-              <a:buNone/>
-            </a:pPr>
-            <a:r>
-              <a:rPr/>
-              <a:t>99. Chipman H, Bingham D. Let’s practice what we preach: Planning and interpreting simulation studies with design and analysis of experiments. </a:t>
+              <a:t>10.1053/j.semnuclmed.2018.11.005</a:t>
+            </a:r>
+          </a:p>
+          <a:p>
+            <a:pPr lvl="0" indent="0" marL="0">
+              <a:buNone/>
+            </a:pPr>
+            <a:r>
+              <a:rPr/>
+              <a:t>99. Chidambaram AG, Josephson M. Clinical research study designs: The essentials. </a:t>
             </a:r>
             <a:r>
               <a:rPr i="1"/>
-              <a:t>Canadian Journal of Statistics</a:t>
-            </a:r>
-            <a:r>
-              <a:rPr/>
-              <a:t>. 2022;50(4):1228-1249. doi:</a:t>
+              <a:t>PEDIATRIC INVESTIGATION</a:t>
+            </a:r>
+            <a:r>
+              <a:rPr/>
+              <a:t>. 2019;3(4):245-252. doi:</a:t>
             </a:r>
             <a:r>
               <a:rPr>
                 <a:hlinkClick r:id="rId100"/>
               </a:rPr>
-              <a:t>10.1002/cjs.11719</a:t>
-            </a:r>
-          </a:p>
-          <a:p>
-            <a:pPr lvl="0" indent="0" marL="0">
-              <a:buNone/>
-            </a:pPr>
-            <a:r>
-              <a:rPr/>
-              <a:t>100. Donthu N, Kumar S, Mukherjee D, Pandey N, Lim WM. How to conduct a bibliometric analysis: An overview and guidelines. </a:t>
+              <a:t>10.1002/ped4.12166</a:t>
+            </a:r>
+          </a:p>
+          <a:p>
+            <a:pPr lvl="0" indent="0" marL="0">
+              <a:buNone/>
+            </a:pPr>
+            <a:r>
+              <a:rPr/>
+              <a:t>100. Erdemir A, Mulugeta L, Ku JP, et al. Credible practice of modeling and simulation in healthcare: ten rules from a multidisciplinary perspective. </a:t>
             </a:r>
             <a:r>
               <a:rPr i="1"/>
-              <a:t>Journal of Business Research</a:t>
-            </a:r>
-            <a:r>
-              <a:rPr/>
-              <a:t>. 2021;133:285-296. doi:</a:t>
+              <a:t>Journal of Translational Medicine</a:t>
+            </a:r>
+            <a:r>
+              <a:rPr/>
+              <a:t>. 2020;18(1). doi:</a:t>
             </a:r>
             <a:r>
               <a:rPr>
                 <a:hlinkClick r:id="rId101"/>
               </a:rPr>
-              <a:t>10.1016/j.jbusres.2021.04.070</a:t>
-            </a:r>
-          </a:p>
-          <a:p>
-            <a:pPr lvl="0" indent="0" marL="0">
-              <a:buNone/>
-            </a:pPr>
-            <a:r>
-              <a:rPr/>
-              <a:t>101. Lim WM, Kumar S. Guidelines for interpreting the results of bibliometric analysis: A sensemaking approach. </a:t>
+              <a:t>10.1186/s12967-020-02540-4</a:t>
+            </a:r>
+          </a:p>
+          <a:p>
+            <a:pPr lvl="0" indent="0" marL="0">
+              <a:buNone/>
+            </a:pPr>
+            <a:r>
+              <a:rPr/>
+              <a:t>101. Yang B, Olsen M, Vali Y, et al. Study designs for comparative diagnostic test accuracy: A methodological review and classification scheme. </a:t>
             </a:r>
             <a:r>
               <a:rPr i="1"/>
-              <a:t>Global Business and Organizational Excellence</a:t>
-            </a:r>
-            <a:r>
-              <a:rPr/>
-              <a:t>. August 2023. doi:</a:t>
+              <a:t>Journal of Clinical Epidemiology</a:t>
+            </a:r>
+            <a:r>
+              <a:rPr/>
+              <a:t>. 2021;138:128-138. doi:</a:t>
             </a:r>
             <a:r>
               <a:rPr>
                 <a:hlinkClick r:id="rId102"/>
               </a:rPr>
-              <a:t>10.1002/joe.22229</a:t>
-            </a:r>
-          </a:p>
-          <a:p>
-            <a:pPr lvl="0" indent="0" marL="0">
-              <a:buNone/>
-            </a:pPr>
-            <a:r>
-              <a:rPr/>
-              <a:t>102. Bland JM, Altman DG. Statistics notes: Matching. </a:t>
+              <a:t>10.1016/j.jclinepi.2021.04.013</a:t>
+            </a:r>
+          </a:p>
+          <a:p>
+            <a:pPr lvl="0" indent="0" marL="0">
+              <a:buNone/>
+            </a:pPr>
+            <a:r>
+              <a:rPr/>
+              <a:t>102. Chipman H, Bingham D. Let’s practice what we preach: Planning and interpreting simulation studies with design and analysis of experiments. </a:t>
             </a:r>
             <a:r>
               <a:rPr i="1"/>
-              <a:t>BMJ</a:t>
-            </a:r>
-            <a:r>
-              <a:rPr/>
-              <a:t>. 1994;309(6962):1128-1128. doi:</a:t>
+              <a:t>Canadian Journal of Statistics</a:t>
+            </a:r>
+            <a:r>
+              <a:rPr/>
+              <a:t>. 2022;50(4):1228-1249. doi:</a:t>
             </a:r>
             <a:r>
               <a:rPr>
                 <a:hlinkClick r:id="rId103"/>
               </a:rPr>
-              <a:t>10.1136/bmj.309.6962.1128</a:t>
-            </a:r>
-          </a:p>
-          <a:p>
-            <a:pPr lvl="0" indent="0" marL="0">
-              <a:buNone/>
-            </a:pPr>
-            <a:r>
-              <a:rPr/>
-              <a:t>103. Findley MG, Kikuta K, Denly M. External Validity. </a:t>
+              <a:t>10.1002/cjs.11719</a:t>
+            </a:r>
+          </a:p>
+          <a:p>
+            <a:pPr lvl="0" indent="0" marL="0">
+              <a:buNone/>
+            </a:pPr>
+            <a:r>
+              <a:rPr/>
+              <a:t>103. Donthu N, Kumar S, Mukherjee D, Pandey N, Lim WM. How to conduct a bibliometric analysis: An overview and guidelines. </a:t>
             </a:r>
             <a:r>
               <a:rPr i="1"/>
-              <a:t>Annual Review of Political Science</a:t>
-            </a:r>
-            <a:r>
-              <a:rPr/>
-              <a:t>. 2021;24(1):365-393. doi:</a:t>
+              <a:t>Journal of Business Research</a:t>
+            </a:r>
+            <a:r>
+              <a:rPr/>
+              <a:t>. 2021;133:285-296. doi:</a:t>
             </a:r>
             <a:r>
               <a:rPr>
                 <a:hlinkClick r:id="rId104"/>
               </a:rPr>
-              <a:t>10.1146/annurev-polisci-041719-102556</a:t>
-            </a:r>
-          </a:p>
-          <a:p>
-            <a:pPr lvl="0" indent="0" marL="0">
-              <a:buNone/>
-            </a:pPr>
-            <a:r>
-              <a:rPr/>
-              <a:t>104. Bland JM, Altman DG. Comparisons within randomised groups can be very misleading. </a:t>
+              <a:t>10.1016/j.jbusres.2021.04.070</a:t>
+            </a:r>
+          </a:p>
+          <a:p>
+            <a:pPr lvl="0" indent="0" marL="0">
+              <a:buNone/>
+            </a:pPr>
+            <a:r>
+              <a:rPr/>
+              <a:t>104. Lim WM, Kumar S. Guidelines for interpreting the results of bibliometric analysis: A sensemaking approach. </a:t>
             </a:r>
             <a:r>
               <a:rPr i="1"/>
-              <a:t>BMJ</a:t>
-            </a:r>
-            <a:r>
-              <a:rPr/>
-              <a:t>. 2011;342(may06 2):d561-d561. doi:</a:t>
+              <a:t>Global Business and Organizational Excellence</a:t>
+            </a:r>
+            <a:r>
+              <a:rPr/>
+              <a:t>. August 2023. doi:</a:t>
             </a:r>
             <a:r>
               <a:rPr>
                 <a:hlinkClick r:id="rId105"/>
               </a:rPr>
-              <a:t>10.1136/bmj.d561</a:t>
-            </a:r>
-          </a:p>
-          <a:p>
-            <a:pPr lvl="0" indent="0" marL="0">
-              <a:buNone/>
-            </a:pPr>
-            <a:r>
-              <a:rPr/>
-              <a:t>105. Bruce CL, Juszczak E, Ogollah R, Partlett C, Montgomery A. A systematic review of randomisation method use in RCTs and association of trial design characteristics with method selection. </a:t>
+              <a:t>10.1002/joe.22229</a:t>
+            </a:r>
+          </a:p>
+          <a:p>
+            <a:pPr lvl="0" indent="0" marL="0">
+              <a:buNone/>
+            </a:pPr>
+            <a:r>
+              <a:rPr/>
+              <a:t>105. Bland JM, Altman DG. Statistics notes: Matching. </a:t>
             </a:r>
             <a:r>
               <a:rPr i="1"/>
-              <a:t>BMC Medical Research Methodology</a:t>
-            </a:r>
-            <a:r>
-              <a:rPr/>
-              <a:t>. 2022;22(1). doi:</a:t>
+              <a:t>BMJ</a:t>
+            </a:r>
+            <a:r>
+              <a:rPr/>
+              <a:t>. 1994;309(6962):1128-1128. doi:</a:t>
             </a:r>
             <a:r>
               <a:rPr>
                 <a:hlinkClick r:id="rId106"/>
               </a:rPr>
-              <a:t>10.1186/s12874-022-01786-4</a:t>
-            </a:r>
-          </a:p>
-          <a:p>
-            <a:pPr lvl="0" indent="0" marL="0">
-              <a:buNone/>
-            </a:pPr>
-            <a:r>
-              <a:rPr/>
-              <a:t>106. Vickers AJ, Altman DG. Statistics Notes: Analysing controlled trials with baseline and follow up measurements. </a:t>
+              <a:t>10.1136/bmj.309.6962.1128</a:t>
+            </a:r>
+          </a:p>
+          <a:p>
+            <a:pPr lvl="0" indent="0" marL="0">
+              <a:buNone/>
+            </a:pPr>
+            <a:r>
+              <a:rPr/>
+              <a:t>106. Findley MG, Kikuta K, Denly M. External Validity. </a:t>
             </a:r>
             <a:r>
               <a:rPr i="1"/>
-              <a:t>BMJ</a:t>
-            </a:r>
-            <a:r>
-              <a:rPr/>
-              <a:t>. 2001;323(7321):1123-1124. doi:</a:t>
+              <a:t>Annual Review of Political Science</a:t>
+            </a:r>
+            <a:r>
+              <a:rPr/>
+              <a:t>. 2021;24(1):365-393. doi:</a:t>
             </a:r>
             <a:r>
               <a:rPr>
                 <a:hlinkClick r:id="rId107"/>
               </a:rPr>
-              <a:t>10.1136/bmj.323.7321.1123</a:t>
-            </a:r>
-          </a:p>
-          <a:p>
-            <a:pPr lvl="0" indent="0" marL="0">
-              <a:buNone/>
-            </a:pPr>
-            <a:r>
-              <a:rPr/>
-              <a:t>107. O Connell NS, Dai L, Jiang Y, et al. Methods for analysis of pre-post data in clinical research: A comparison of five common methods. </a:t>
+              <a:t>10.1146/annurev-polisci-041719-102556</a:t>
+            </a:r>
+          </a:p>
+          <a:p>
+            <a:pPr lvl="0" indent="0" marL="0">
+              <a:buNone/>
+            </a:pPr>
+            <a:r>
+              <a:rPr/>
+              <a:t>107. Bland JM, Altman DG. Comparisons within randomised groups can be very misleading. </a:t>
             </a:r>
             <a:r>
               <a:rPr i="1"/>
-              <a:t>Journal of Biometrics &amp; Biostatistics</a:t>
-            </a:r>
-            <a:r>
-              <a:rPr/>
-              <a:t>. 2017;08(01). doi:</a:t>
+              <a:t>BMJ</a:t>
+            </a:r>
+            <a:r>
+              <a:rPr/>
+              <a:t>. 2011;342(may06 2):d561-d561. doi:</a:t>
             </a:r>
             <a:r>
               <a:rPr>
                 <a:hlinkClick r:id="rId108"/>
               </a:rPr>
-              <a:t>10.4172/2155-6180.1000334</a:t>
-            </a:r>
-          </a:p>
-          <a:p>
-            <a:pPr lvl="0" indent="0" marL="0">
-              <a:buNone/>
-            </a:pPr>
-            <a:r>
-              <a:rPr/>
-              <a:t>108. Roberts C, Torgerson DJ. Understanding controlled trials: Baseline imbalance in randomised controlled trials. </a:t>
+              <a:t>10.1136/bmj.d561</a:t>
+            </a:r>
+          </a:p>
+          <a:p>
+            <a:pPr lvl="0" indent="0" marL="0">
+              <a:buNone/>
+            </a:pPr>
+            <a:r>
+              <a:rPr/>
+              <a:t>108. Bruce CL, Juszczak E, Ogollah R, Partlett C, Montgomery A. A systematic review of randomisation method use in RCTs and association of trial design characteristics with method selection. </a:t>
             </a:r>
             <a:r>
               <a:rPr i="1"/>
-              <a:t>BMJ</a:t>
-            </a:r>
-            <a:r>
-              <a:rPr/>
-              <a:t>. 1999;319(7203):185-185. doi:</a:t>
+              <a:t>BMC Medical Research Methodology</a:t>
+            </a:r>
+            <a:r>
+              <a:rPr/>
+              <a:t>. 2022;22(1). doi:</a:t>
             </a:r>
             <a:r>
               <a:rPr>
                 <a:hlinkClick r:id="rId109"/>
               </a:rPr>
-              <a:t>10.1136/bmj.319.7203.185</a:t>
-            </a:r>
-          </a:p>
-          <a:p>
-            <a:pPr lvl="0" indent="0" marL="0">
-              <a:buNone/>
-            </a:pPr>
-            <a:r>
-              <a:rPr/>
-              <a:t>109. Hauck WW, Anderson S, Marcus SM. Should We Adjust for Covariates in Nonlinear Regression Analyses of Randomized Trials? </a:t>
+              <a:t>10.1186/s12874-022-01786-4</a:t>
+            </a:r>
+          </a:p>
+          <a:p>
+            <a:pPr lvl="0" indent="0" marL="0">
+              <a:buNone/>
+            </a:pPr>
+            <a:r>
+              <a:rPr/>
+              <a:t>109. Vickers AJ, Altman DG. Statistics Notes: Analysing controlled trials with baseline and follow up measurements. </a:t>
             </a:r>
             <a:r>
               <a:rPr i="1"/>
-              <a:t>Controlled Clinical Trials</a:t>
-            </a:r>
-            <a:r>
-              <a:rPr/>
-              <a:t>. 1998;19(3):249-256. doi:</a:t>
+              <a:t>BMJ</a:t>
+            </a:r>
+            <a:r>
+              <a:rPr/>
+              <a:t>. 2001;323(7321):1123-1124. doi:</a:t>
             </a:r>
             <a:r>
               <a:rPr>
                 <a:hlinkClick r:id="rId110"/>
               </a:rPr>
-              <a:t>10.1016/s0197-2456(97)00147-5</a:t>
-            </a:r>
-          </a:p>
-          <a:p>
-            <a:pPr lvl="0" indent="0" marL="0">
-              <a:buNone/>
-            </a:pPr>
-            <a:r>
-              <a:rPr/>
-              <a:t>110. Kahan BC, Jairath V, Doré CJ, Morris TP. The risks and rewards of covariate adjustment in randomized trials: an assessment of 12 outcomes from 8 studies. </a:t>
+              <a:t>10.1136/bmj.323.7321.1123</a:t>
+            </a:r>
+          </a:p>
+          <a:p>
+            <a:pPr lvl="0" indent="0" marL="0">
+              <a:buNone/>
+            </a:pPr>
+            <a:r>
+              <a:rPr/>
+              <a:t>110. O Connell NS, Dai L, Jiang Y, et al. Methods for analysis of pre-post data in clinical research: A comparison of five common methods. </a:t>
             </a:r>
             <a:r>
               <a:rPr i="1"/>
-              <a:t>Trials</a:t>
-            </a:r>
-            <a:r>
-              <a:rPr/>
-              <a:t>. 2014;15(1). doi:</a:t>
+              <a:t>Journal of Biometrics &amp; Biostatistics</a:t>
+            </a:r>
+            <a:r>
+              <a:rPr/>
+              <a:t>. 2017;08(01). doi:</a:t>
             </a:r>
             <a:r>
               <a:rPr>
                 <a:hlinkClick r:id="rId111"/>
               </a:rPr>
-              <a:t>10.1186/1745-6215-15-139</a:t>
-            </a:r>
-          </a:p>
-          <a:p>
-            <a:pPr lvl="0" indent="0" marL="0">
-              <a:buNone/>
-            </a:pPr>
-            <a:r>
-              <a:rPr/>
-              <a:t>111. Stang A, Baethge C. Imbalance &lt;em&gt;p&lt;/em&gt; values for baseline covariates in randomized controlled trials: a last resort for the use of &lt;em&gt;p&lt;/em&gt; values? A pro and contra debate. </a:t>
+              <a:t>10.4172/2155-6180.1000334</a:t>
+            </a:r>
+          </a:p>
+          <a:p>
+            <a:pPr lvl="0" indent="0" marL="0">
+              <a:buNone/>
+            </a:pPr>
+            <a:r>
+              <a:rPr/>
+              <a:t>111. Roberts C, Torgerson DJ. Understanding controlled trials: Baseline imbalance in randomised controlled trials. </a:t>
             </a:r>
             <a:r>
               <a:rPr i="1"/>
-              <a:t>Clinical Epidemiology</a:t>
-            </a:r>
-            <a:r>
-              <a:rPr/>
-              <a:t>. 2018;Volume 10:531-535. doi:</a:t>
+              <a:t>BMJ</a:t>
+            </a:r>
+            <a:r>
+              <a:rPr/>
+              <a:t>. 1999;319(7203):185-185. doi:</a:t>
             </a:r>
             <a:r>
               <a:rPr>
                 <a:hlinkClick r:id="rId112"/>
               </a:rPr>
-              <a:t>10.2147/clep.s161508</a:t>
-            </a:r>
-          </a:p>
-          <a:p>
-            <a:pPr lvl="0" indent="0" marL="0">
-              <a:buNone/>
-            </a:pPr>
-            <a:r>
-              <a:rPr/>
-              <a:t>112. Bolzern JE, Mitchell A, Torgerson DJ. Baseline testing in cluster randomised controlled trials: should this be done? </a:t>
+              <a:t>10.1136/bmj.319.7203.185</a:t>
+            </a:r>
+          </a:p>
+          <a:p>
+            <a:pPr lvl="0" indent="0" marL="0">
+              <a:buNone/>
+            </a:pPr>
+            <a:r>
+              <a:rPr/>
+              <a:t>112. Hauck WW, Anderson S, Marcus SM. Should We Adjust for Covariates in Nonlinear Regression Analyses of Randomized Trials? </a:t>
             </a:r>
             <a:r>
               <a:rPr i="1"/>
-              <a:t>BMC Medical Research Methodology</a:t>
-            </a:r>
-            <a:r>
-              <a:rPr/>
-              <a:t>. 2019;19(1). doi:</a:t>
+              <a:t>Controlled Clinical Trials</a:t>
+            </a:r>
+            <a:r>
+              <a:rPr/>
+              <a:t>. 1998;19(3):249-256. doi:</a:t>
             </a:r>
             <a:r>
               <a:rPr>
                 <a:hlinkClick r:id="rId113"/>
               </a:rPr>
-              <a:t>10.1186/s12874-019-0750-8</a:t>
-            </a:r>
-          </a:p>
-          <a:p>
-            <a:pPr lvl="0" indent="0" marL="0">
-              <a:buNone/>
-            </a:pPr>
-            <a:r>
-              <a:rPr/>
-              <a:t>113. Gruijters SLK. Baseline comparisons and covariate fishing: Bad statistical habits we should have broken yesterday. July 2020. </a:t>
+              <a:t>10.1016/s0197-2456(97)00147-5</a:t>
+            </a:r>
+          </a:p>
+          <a:p>
+            <a:pPr lvl="0" indent="0" marL="0">
+              <a:buNone/>
+            </a:pPr>
+            <a:r>
+              <a:rPr/>
+              <a:t>113. Kahan BC, Jairath V, Doré CJ, Morris TP. The risks and rewards of covariate adjustment in randomized trials: an assessment of 12 outcomes from 8 studies. </a:t>
+            </a:r>
+            <a:r>
+              <a:rPr i="1"/>
+              <a:t>Trials</a:t>
+            </a:r>
+            <a:r>
+              <a:rPr/>
+              <a:t>. 2014;15(1). doi:</a:t>
             </a:r>
             <a:r>
               <a:rPr>
                 <a:hlinkClick r:id="rId114"/>
               </a:rPr>
-              <a:t>http://dx.doi.org/10.31234/osf.io/qftwg.</a:t>
-            </a:r>
-          </a:p>
-          <a:p>
-            <a:pPr lvl="0" indent="0" marL="0">
-              <a:buNone/>
-            </a:pPr>
-            <a:r>
-              <a:rPr/>
-              <a:t>114. Bours MJL. Using mediators to understand effect modification and interaction. </a:t>
+              <a:t>10.1186/1745-6215-15-139</a:t>
+            </a:r>
+          </a:p>
+          <a:p>
+            <a:pPr lvl="0" indent="0" marL="0">
+              <a:buNone/>
+            </a:pPr>
+            <a:r>
+              <a:rPr/>
+              <a:t>114. Stang A, Baethge C. Imbalance &lt;em&gt;p&lt;/em&gt; values for baseline covariates in randomized controlled trials: a last resort for the use of &lt;em&gt;p&lt;/em&gt; values? A pro and contra debate. </a:t>
             </a:r>
             <a:r>
               <a:rPr i="1"/>
-              <a:t>Journal of Clinical Epidemiology</a:t>
-            </a:r>
-            <a:r>
-              <a:rPr/>
-              <a:t>. September 2023. doi:</a:t>
+              <a:t>Clinical Epidemiology</a:t>
+            </a:r>
+            <a:r>
+              <a:rPr/>
+              <a:t>. 2018;Volume 10:531-535. doi:</a:t>
             </a:r>
             <a:r>
               <a:rPr>
                 <a:hlinkClick r:id="rId115"/>
               </a:rPr>
-              <a:t>10.1016/j.jclinepi.2023.09.005</a:t>
-            </a:r>
-          </a:p>
-          <a:p>
-            <a:pPr lvl="0" indent="0" marL="0">
-              <a:buNone/>
-            </a:pPr>
-            <a:r>
-              <a:rPr/>
-              <a:t>115. Altman DG, Matthews JNS. Statistics Notes: Interaction 1: heterogeneity of effects. </a:t>
+              <a:t>10.2147/clep.s161508</a:t>
+            </a:r>
+          </a:p>
+          <a:p>
+            <a:pPr lvl="0" indent="0" marL="0">
+              <a:buNone/>
+            </a:pPr>
+            <a:r>
+              <a:rPr/>
+              <a:t>115. Bolzern JE, Mitchell A, Torgerson DJ. Baseline testing in cluster randomised controlled trials: should this be done? </a:t>
             </a:r>
             <a:r>
               <a:rPr i="1"/>
-              <a:t>BMJ</a:t>
-            </a:r>
-            <a:r>
-              <a:rPr/>
-              <a:t>. 1996;313(7055):486-486. doi:</a:t>
+              <a:t>BMC Medical Research Methodology</a:t>
+            </a:r>
+            <a:r>
+              <a:rPr/>
+              <a:t>. 2019;19(1). doi:</a:t>
             </a:r>
             <a:r>
               <a:rPr>
                 <a:hlinkClick r:id="rId116"/>
               </a:rPr>
-              <a:t>10.1136/bmj.313.7055.486</a:t>
-            </a:r>
-          </a:p>
-          <a:p>
-            <a:pPr lvl="0" indent="0" marL="0">
-              <a:buNone/>
-            </a:pPr>
-            <a:r>
-              <a:rPr/>
-              <a:t>116. Matthews JNS, Altman DG. Statistics Notes: Interaction 2: compare effect sizes not P values. </a:t>
-            </a:r>
-            <a:r>
-              <a:rPr i="1"/>
-              <a:t>BMJ</a:t>
-            </a:r>
-            <a:r>
-              <a:rPr/>
-              <a:t>. 1996;313(7060):808-808. doi:</a:t>
+              <a:t>10.1186/s12874-019-0750-8</a:t>
+            </a:r>
+          </a:p>
+          <a:p>
+            <a:pPr lvl="0" indent="0" marL="0">
+              <a:buNone/>
+            </a:pPr>
+            <a:r>
+              <a:rPr/>
+              <a:t>116. Gruijters SLK. Baseline comparisons and covariate fishing: Bad statistical habits we should have broken yesterday. July 2020. </a:t>
             </a:r>
             <a:r>
               <a:rPr>
                 <a:hlinkClick r:id="rId117"/>
               </a:rPr>
-              <a:t>10.1136/bmj.313.7060.808</a:t>
-            </a:r>
-          </a:p>
-          <a:p>
-            <a:pPr lvl="0" indent="0" marL="0">
-              <a:buNone/>
-            </a:pPr>
-            <a:r>
-              <a:rPr/>
-              <a:t>117. Altman DG. Statistics notes: Interaction revisited: The difference between two estimates. </a:t>
+              <a:t>http://dx.doi.org/10.31234/osf.io/qftwg.</a:t>
+            </a:r>
+          </a:p>
+          <a:p>
+            <a:pPr lvl="0" indent="0" marL="0">
+              <a:buNone/>
+            </a:pPr>
+            <a:r>
+              <a:rPr/>
+              <a:t>117. Bours MJL. Using mediators to understand effect modification and interaction. </a:t>
             </a:r>
             <a:r>
               <a:rPr i="1"/>
-              <a:t>BMJ</a:t>
-            </a:r>
-            <a:r>
-              <a:rPr/>
-              <a:t>. 2003;326(7382):219-219. doi:</a:t>
+              <a:t>Journal of Clinical Epidemiology</a:t>
+            </a:r>
+            <a:r>
+              <a:rPr/>
+              <a:t>. September 2023. doi:</a:t>
             </a:r>
             <a:r>
               <a:rPr>
                 <a:hlinkClick r:id="rId118"/>
               </a:rPr>
-              <a:t>10.1136/bmj.326.7382.219</a:t>
-            </a:r>
-          </a:p>
-          <a:p>
-            <a:pPr lvl="0" indent="0" marL="0">
-              <a:buNone/>
-            </a:pPr>
-            <a:r>
-              <a:rPr/>
-              <a:t>118. Borenstein M. In a meta-analysis, the I-squared statistic does not tell us how much the effect size varies. </a:t>
+              <a:t>10.1016/j.jclinepi.2023.09.005</a:t>
+            </a:r>
+          </a:p>
+          <a:p>
+            <a:pPr lvl="0" indent="0" marL="0">
+              <a:buNone/>
+            </a:pPr>
+            <a:r>
+              <a:rPr/>
+              <a:t>118. Altman DG, Matthews JNS. Statistics Notes: Interaction 1: heterogeneity of effects. </a:t>
             </a:r>
             <a:r>
               <a:rPr i="1"/>
-              <a:t>Journal of Clinical Epidemiology</a:t>
-            </a:r>
-            <a:r>
-              <a:rPr/>
-              <a:t>. October 2022. doi:</a:t>
+              <a:t>BMJ</a:t>
+            </a:r>
+            <a:r>
+              <a:rPr/>
+              <a:t>. 1996;313(7055):486-486. doi:</a:t>
             </a:r>
             <a:r>
               <a:rPr>
                 <a:hlinkClick r:id="rId119"/>
               </a:rPr>
-              <a:t>10.1016/j.jclinepi.2022.10.003</a:t>
-            </a:r>
-          </a:p>
-          <a:p>
-            <a:pPr lvl="0" indent="0" marL="0">
-              <a:buNone/>
-            </a:pPr>
-            <a:r>
-              <a:rPr/>
-              <a:t>119. Rücker G, Schwarzer G, Carpenter JR, Schumacher M. Undue reliance on I 2 in assessing heterogeneity may mislead. </a:t>
+              <a:t>10.1136/bmj.313.7055.486</a:t>
+            </a:r>
+          </a:p>
+          <a:p>
+            <a:pPr lvl="0" indent="0" marL="0">
+              <a:buNone/>
+            </a:pPr>
+            <a:r>
+              <a:rPr/>
+              <a:t>119. Matthews JNS, Altman DG. Statistics Notes: Interaction 2: compare effect sizes not P values. </a:t>
             </a:r>
             <a:r>
               <a:rPr i="1"/>
-              <a:t>BMC Medical Research Methodology</a:t>
-            </a:r>
-            <a:r>
-              <a:rPr/>
-              <a:t>. 2008;8(1). doi:</a:t>
+              <a:t>BMJ</a:t>
+            </a:r>
+            <a:r>
+              <a:rPr/>
+              <a:t>. 1996;313(7060):808-808. doi:</a:t>
             </a:r>
             <a:r>
               <a:rPr>
                 <a:hlinkClick r:id="rId120"/>
               </a:rPr>
-              <a:t>10.1186/1471-2288-8-79</a:t>
-            </a:r>
-          </a:p>
-          <a:p>
-            <a:pPr lvl="0" indent="0" marL="0">
-              <a:buNone/>
-            </a:pPr>
-            <a:r>
-              <a:rPr/>
-              <a:t>120. Grooth HJ de, Parienti JJ. Heterogeneity between studies can be explained more reliably with individual patient data. </a:t>
+              <a:t>10.1136/bmj.313.7060.808</a:t>
+            </a:r>
+          </a:p>
+          <a:p>
+            <a:pPr lvl="0" indent="0" marL="0">
+              <a:buNone/>
+            </a:pPr>
+            <a:r>
+              <a:rPr/>
+              <a:t>120. Altman DG. Statistics notes: Interaction revisited: The difference between two estimates. </a:t>
             </a:r>
             <a:r>
               <a:rPr i="1"/>
-              <a:t>Intensive Care Medicine</a:t>
-            </a:r>
-            <a:r>
-              <a:rPr/>
-              <a:t>. July 2023. doi:</a:t>
+              <a:t>BMJ</a:t>
+            </a:r>
+            <a:r>
+              <a:rPr/>
+              <a:t>. 2003;326(7382):219-219. doi:</a:t>
             </a:r>
             <a:r>
               <a:rPr>
                 <a:hlinkClick r:id="rId121"/>
               </a:rPr>
-              <a:t>10.1007/s00134-023-07163-z</a:t>
-            </a:r>
-          </a:p>
-          <a:p>
-            <a:pPr lvl="0" indent="0" marL="0">
-              <a:buNone/>
-            </a:pPr>
-            <a:r>
-              <a:rPr/>
-              <a:t>121. Lajeunesse MJ. Facilitating systematic reviews, data extraction, and meta-analysis with the metagear package for r. 2016;7:323-330.</a:t>
-            </a:r>
-          </a:p>
-          <a:p>
-            <a:pPr lvl="0" indent="0" marL="0">
-              <a:buNone/>
-            </a:pPr>
-            <a:r>
-              <a:rPr/>
-              <a:t>122. Wallisch C, Bach P, Hafermann L, et al. Review of guidance papers on regression modeling in statistical series of medical journals. Mathes T, ed. </a:t>
+              <a:t>10.1136/bmj.326.7382.219</a:t>
+            </a:r>
+          </a:p>
+          <a:p>
+            <a:pPr lvl="0" indent="0" marL="0">
+              <a:buNone/>
+            </a:pPr>
+            <a:r>
+              <a:rPr/>
+              <a:t>121. Borenstein M. In a meta-analysis, the I-squared statistic does not tell us how much the effect size varies. </a:t>
             </a:r>
             <a:r>
               <a:rPr i="1"/>
-              <a:t>PLOS ONE</a:t>
-            </a:r>
-            <a:r>
-              <a:rPr/>
-              <a:t>. 2022;17(1):e0262918. doi:</a:t>
+              <a:t>Journal of Clinical Epidemiology</a:t>
+            </a:r>
+            <a:r>
+              <a:rPr/>
+              <a:t>. October 2022. doi:</a:t>
             </a:r>
             <a:r>
               <a:rPr>
                 <a:hlinkClick r:id="rId122"/>
               </a:rPr>
-              <a:t>10.1371/journal.pone.0262918</a:t>
-            </a:r>
-          </a:p>
-          <a:p>
-            <a:pPr lvl="0" indent="0" marL="0">
-              <a:buNone/>
-            </a:pPr>
-            <a:r>
-              <a:rPr/>
-              <a:t>123. Lynggaard H, Bell J, Lösch C, et al. Principles and recommendations for incorporating estimands into clinical study protocol templates. </a:t>
+              <a:t>10.1016/j.jclinepi.2022.10.003</a:t>
+            </a:r>
+          </a:p>
+          <a:p>
+            <a:pPr lvl="0" indent="0" marL="0">
+              <a:buNone/>
+            </a:pPr>
+            <a:r>
+              <a:rPr/>
+              <a:t>122. Rücker G, Schwarzer G, Carpenter JR, Schumacher M. Undue reliance on I 2 in assessing heterogeneity may mislead. </a:t>
             </a:r>
             <a:r>
               <a:rPr i="1"/>
-              <a:t>Trials</a:t>
-            </a:r>
-            <a:r>
-              <a:rPr/>
-              <a:t>. 2022;23(1). doi:</a:t>
+              <a:t>BMC Medical Research Methodology</a:t>
+            </a:r>
+            <a:r>
+              <a:rPr/>
+              <a:t>. 2008;8(1). doi:</a:t>
             </a:r>
             <a:r>
               <a:rPr>
                 <a:hlinkClick r:id="rId123"/>
               </a:rPr>
-              <a:t>10.1186/s13063-022-06515-2</a:t>
-            </a:r>
-          </a:p>
-          <a:p>
-            <a:pPr lvl="0" indent="0" marL="0">
-              <a:buNone/>
-            </a:pPr>
-            <a:r>
-              <a:rPr/>
-              <a:t>124. Althouse AD, Below JE, Claggett BL, et al. Recommendations for Statistical Reporting in Cardiovascular Medicine: A Special Report From the American Heart Association. </a:t>
+              <a:t>10.1186/1471-2288-8-79</a:t>
+            </a:r>
+          </a:p>
+          <a:p>
+            <a:pPr lvl="0" indent="0" marL="0">
+              <a:buNone/>
+            </a:pPr>
+            <a:r>
+              <a:rPr/>
+              <a:t>123. Grooth HJ de, Parienti JJ. Heterogeneity between studies can be explained more reliably with individual patient data. </a:t>
             </a:r>
             <a:r>
               <a:rPr i="1"/>
-              <a:t>Circulation</a:t>
-            </a:r>
-            <a:r>
-              <a:rPr/>
-              <a:t>. 2021;144(4). doi:</a:t>
+              <a:t>Intensive Care Medicine</a:t>
+            </a:r>
+            <a:r>
+              <a:rPr/>
+              <a:t>. July 2023. doi:</a:t>
             </a:r>
             <a:r>
               <a:rPr>
                 <a:hlinkClick r:id="rId124"/>
               </a:rPr>
-              <a:t>10.1161/circulationaha.121.055393</a:t>
-            </a:r>
-          </a:p>
-          <a:p>
-            <a:pPr lvl="0" indent="0" marL="0">
-              <a:buNone/>
-            </a:pPr>
-            <a:r>
-              <a:rPr/>
-              <a:t>125. Lee KJ, Tilling KM, Cornish RP, et al. Framework for the treatment and reporting of missing data in observational studies: The Treatment And Reporting of Missing data in Observational Studies framework. </a:t>
+              <a:t>10.1007/s00134-023-07163-z</a:t>
+            </a:r>
+          </a:p>
+          <a:p>
+            <a:pPr lvl="0" indent="0" marL="0">
+              <a:buNone/>
+            </a:pPr>
+            <a:r>
+              <a:rPr/>
+              <a:t>124. Lajeunesse MJ. Facilitating systematic reviews, data extraction, and meta-analysis with the metagear package for r. 2016;7:323-330.</a:t>
+            </a:r>
+          </a:p>
+          <a:p>
+            <a:pPr lvl="0" indent="0" marL="0">
+              <a:buNone/>
+            </a:pPr>
+            <a:r>
+              <a:rPr/>
+              <a:t>125. Wallisch C, Bach P, Hafermann L, et al. Review of guidance papers on regression modeling in statistical series of medical journals. Mathes T, ed. </a:t>
             </a:r>
             <a:r>
               <a:rPr i="1"/>
-              <a:t>Journal of Clinical Epidemiology</a:t>
-            </a:r>
-            <a:r>
-              <a:rPr/>
-              <a:t>. 2021;134:79-88. doi:</a:t>
+              <a:t>PLOS ONE</a:t>
+            </a:r>
+            <a:r>
+              <a:rPr/>
+              <a:t>. 2022;17(1):e0262918. doi:</a:t>
             </a:r>
             <a:r>
               <a:rPr>
                 <a:hlinkClick r:id="rId125"/>
               </a:rPr>
-              <a:t>10.1016/j.jclinepi.2021.01.008</a:t>
-            </a:r>
-          </a:p>
-          <a:p>
-            <a:pPr lvl="0" indent="0" marL="0">
-              <a:buNone/>
-            </a:pPr>
-            <a:r>
-              <a:rPr/>
-              <a:t>126. Vickers AJ, Assel MJ, Sjoberg DD, et al. Guidelines for Reporting of Figures and Tables for Clinical Research in Urology. </a:t>
+              <a:t>10.1371/journal.pone.0262918</a:t>
+            </a:r>
+          </a:p>
+          <a:p>
+            <a:pPr lvl="0" indent="0" marL="0">
+              <a:buNone/>
+            </a:pPr>
+            <a:r>
+              <a:rPr/>
+              <a:t>126. Lynggaard H, Bell J, Lösch C, et al. Principles and recommendations for incorporating estimands into clinical study protocol templates. </a:t>
             </a:r>
             <a:r>
               <a:rPr i="1"/>
-              <a:t>Urology</a:t>
-            </a:r>
-            <a:r>
-              <a:rPr/>
-              <a:t>. 2020;142:1-13. doi:</a:t>
+              <a:t>Trials</a:t>
+            </a:r>
+            <a:r>
+              <a:rPr/>
+              <a:t>. 2022;23(1). doi:</a:t>
             </a:r>
             <a:r>
               <a:rPr>
                 <a:hlinkClick r:id="rId126"/>
               </a:rPr>
-              <a:t>10.1016/j.urology.2020.05.002</a:t>
-            </a:r>
-          </a:p>
-          <a:p>
-            <a:pPr lvl="0" indent="0" marL="0">
-              <a:buNone/>
-            </a:pPr>
-            <a:r>
-              <a:rPr/>
-              <a:t>127. Assel M, Sjoberg D, Elders A, et al. Guidelines for Reporting of Statistics for Clinical Research in Urology. </a:t>
+              <a:t>10.1186/s13063-022-06515-2</a:t>
+            </a:r>
+          </a:p>
+          <a:p>
+            <a:pPr lvl="0" indent="0" marL="0">
+              <a:buNone/>
+            </a:pPr>
+            <a:r>
+              <a:rPr/>
+              <a:t>127. Althouse AD, Below JE, Claggett BL, et al. Recommendations for Statistical Reporting in Cardiovascular Medicine: A Special Report From the American Heart Association. </a:t>
             </a:r>
             <a:r>
               <a:rPr i="1"/>
-              <a:t>Journal of Urology</a:t>
-            </a:r>
-            <a:r>
-              <a:rPr/>
-              <a:t>. 2019;201(3):595-604. doi:</a:t>
+              <a:t>Circulation</a:t>
+            </a:r>
+            <a:r>
+              <a:rPr/>
+              <a:t>. 2021;144(4). doi:</a:t>
             </a:r>
             <a:r>
               <a:rPr>
                 <a:hlinkClick r:id="rId127"/>
               </a:rPr>
-              <a:t>10.1097/ju.0000000000000001</a:t>
-            </a:r>
-          </a:p>
-          <a:p>
-            <a:pPr lvl="0" indent="0" marL="0">
-              <a:buNone/>
-            </a:pPr>
-            <a:r>
-              <a:rPr/>
-              <a:t>128. Gamble C, Krishan A, Stocken D, et al. Guidelines for the Content of Statistical Analysis Plans in Clinical Trials. </a:t>
+              <a:t>10.1161/circulationaha.121.055393</a:t>
+            </a:r>
+          </a:p>
+          <a:p>
+            <a:pPr lvl="0" indent="0" marL="0">
+              <a:buNone/>
+            </a:pPr>
+            <a:r>
+              <a:rPr/>
+              <a:t>128. Lee KJ, Tilling KM, Cornish RP, et al. Framework for the treatment and reporting of missing data in observational studies: The Treatment And Reporting of Missing data in Observational Studies framework. </a:t>
             </a:r>
             <a:r>
               <a:rPr i="1"/>
-              <a:t>JAMA</a:t>
-            </a:r>
-            <a:r>
-              <a:rPr/>
-              <a:t>. 2017;318(23):2337. doi:</a:t>
+              <a:t>Journal of Clinical Epidemiology</a:t>
+            </a:r>
+            <a:r>
+              <a:rPr/>
+              <a:t>. 2021;134:79-88. doi:</a:t>
             </a:r>
             <a:r>
               <a:rPr>
                 <a:hlinkClick r:id="rId128"/>
               </a:rPr>
-              <a:t>10.1001/jama.2017.18556</a:t>
-            </a:r>
-          </a:p>
-          <a:p>
-            <a:pPr lvl="0" indent="0" marL="0">
-              <a:buNone/>
-            </a:pPr>
-            <a:r>
-              <a:rPr/>
-              <a:t>129. Lang TA, Altman DG. Basic statistical reporting for articles published in Biomedical Journals: The “Statistical Analyses and Methods in the Published Literature” or the SAMPL Guidelines. </a:t>
+              <a:t>10.1016/j.jclinepi.2021.01.008</a:t>
+            </a:r>
+          </a:p>
+          <a:p>
+            <a:pPr lvl="0" indent="0" marL="0">
+              <a:buNone/>
+            </a:pPr>
+            <a:r>
+              <a:rPr/>
+              <a:t>129. Vickers AJ, Assel MJ, Sjoberg DD, et al. Guidelines for Reporting of Figures and Tables for Clinical Research in Urology. </a:t>
             </a:r>
             <a:r>
               <a:rPr i="1"/>
-              <a:t>International Journal of Nursing Studies</a:t>
-            </a:r>
-            <a:r>
-              <a:rPr/>
-              <a:t>. 2015;52(1):5-9. doi:</a:t>
+              <a:t>Urology</a:t>
+            </a:r>
+            <a:r>
+              <a:rPr/>
+              <a:t>. 2020;142:1-13. doi:</a:t>
             </a:r>
             <a:r>
               <a:rPr>
                 <a:hlinkClick r:id="rId129"/>
               </a:rPr>
-              <a:t>10.1016/j.ijnurstu.2014.09.006</a:t>
-            </a:r>
-          </a:p>
-          <a:p>
-            <a:pPr lvl="0" indent="0" marL="0">
-              <a:buNone/>
-            </a:pPr>
-            <a:r>
-              <a:rPr/>
-              <a:t>130. Weissgerber TL, Milic NM, Winham SJ, Garovic VD. Beyond Bar and Line Graphs: Time for a New Data Presentation Paradigm. </a:t>
+              <a:t>10.1016/j.urology.2020.05.002</a:t>
+            </a:r>
+          </a:p>
+          <a:p>
+            <a:pPr lvl="0" indent="0" marL="0">
+              <a:buNone/>
+            </a:pPr>
+            <a:r>
+              <a:rPr/>
+              <a:t>130. Assel M, Sjoberg D, Elders A, et al. Guidelines for Reporting of Statistics for Clinical Research in Urology. </a:t>
             </a:r>
             <a:r>
               <a:rPr i="1"/>
-              <a:t>PLOS Biology</a:t>
-            </a:r>
-            <a:r>
-              <a:rPr/>
-              <a:t>. 2015;13(4):e1002128. doi:</a:t>
+              <a:t>Journal of Urology</a:t>
+            </a:r>
+            <a:r>
+              <a:rPr/>
+              <a:t>. 2019;201(3):595-604. doi:</a:t>
             </a:r>
             <a:r>
               <a:rPr>
                 <a:hlinkClick r:id="rId130"/>
               </a:rPr>
-              <a:t>10.1371/journal.pbio.1002128</a:t>
-            </a:r>
-          </a:p>
-          <a:p>
-            <a:pPr lvl="0" indent="0" marL="0">
-              <a:buNone/>
-            </a:pPr>
-            <a:r>
-              <a:rPr/>
-              <a:t>131. Sauerbrei W, Abrahamowicz M, Altman DG, Cessie S, Carpenter J. STRengthening Analytical Thinking for Observational Studies: the STRATOS initiative. </a:t>
+              <a:t>10.1097/ju.0000000000000001</a:t>
+            </a:r>
+          </a:p>
+          <a:p>
+            <a:pPr lvl="0" indent="0" marL="0">
+              <a:buNone/>
+            </a:pPr>
+            <a:r>
+              <a:rPr/>
+              <a:t>131. Gamble C, Krishan A, Stocken D, et al. Guidelines for the Content of Statistical Analysis Plans in Clinical Trials. </a:t>
             </a:r>
             <a:r>
               <a:rPr i="1"/>
-              <a:t>Statistics in Medicine</a:t>
-            </a:r>
-            <a:r>
-              <a:rPr/>
-              <a:t>. 2014;33(30):5413-5432. doi:</a:t>
+              <a:t>JAMA</a:t>
+            </a:r>
+            <a:r>
+              <a:rPr/>
+              <a:t>. 2017;318(23):2337. doi:</a:t>
             </a:r>
             <a:r>
               <a:rPr>
                 <a:hlinkClick r:id="rId131"/>
               </a:rPr>
-              <a:t>10.1002/sim.6265</a:t>
-            </a:r>
-          </a:p>
-          <a:p>
-            <a:pPr lvl="0" indent="0" marL="0">
-              <a:buNone/>
-            </a:pPr>
-            <a:r>
-              <a:rPr/>
-              <a:t>132. Groves T. Research methods and reporting. </a:t>
+              <a:t>10.1001/jama.2017.18556</a:t>
+            </a:r>
+          </a:p>
+          <a:p>
+            <a:pPr lvl="0" indent="0" marL="0">
+              <a:buNone/>
+            </a:pPr>
+            <a:r>
+              <a:rPr/>
+              <a:t>132. Lang TA, Altman DG. Basic statistical reporting for articles published in Biomedical Journals: The “Statistical Analyses and Methods in the Published Literature” or the SAMPL Guidelines. </a:t>
             </a:r>
             <a:r>
               <a:rPr i="1"/>
-              <a:t>BMJ</a:t>
-            </a:r>
-            <a:r>
-              <a:rPr/>
-              <a:t>. 2008;337(oct22 1):a2201-a2201. doi:</a:t>
+              <a:t>International Journal of Nursing Studies</a:t>
+            </a:r>
+            <a:r>
+              <a:rPr/>
+              <a:t>. 2015;52(1):5-9. doi:</a:t>
             </a:r>
             <a:r>
               <a:rPr>
                 <a:hlinkClick r:id="rId132"/>
               </a:rPr>
-              <a:t>10.1136/bmj.a2201</a:t>
-            </a:r>
-          </a:p>
-          <a:p>
-            <a:pPr lvl="0" indent="0" marL="0">
-              <a:buNone/>
-            </a:pPr>
-            <a:r>
-              <a:rPr/>
-              <a:t>133. Stratton IM, Neil A. How to ensure your paper is rejected by the statistical reviewer. </a:t>
+              <a:t>10.1016/j.ijnurstu.2014.09.006</a:t>
+            </a:r>
+          </a:p>
+          <a:p>
+            <a:pPr lvl="0" indent="0" marL="0">
+              <a:buNone/>
+            </a:pPr>
+            <a:r>
+              <a:rPr/>
+              <a:t>133. Weissgerber TL, Milic NM, Winham SJ, Garovic VD. Beyond Bar and Line Graphs: Time for a New Data Presentation Paradigm. </a:t>
             </a:r>
             <a:r>
               <a:rPr i="1"/>
-              <a:t>Diabetic Medicine</a:t>
-            </a:r>
-            <a:r>
-              <a:rPr/>
-              <a:t>. 2005;22(4):371-373. doi:</a:t>
+              <a:t>PLOS Biology</a:t>
+            </a:r>
+            <a:r>
+              <a:rPr/>
+              <a:t>. 2015;13(4):e1002128. doi:</a:t>
             </a:r>
             <a:r>
               <a:rPr>
                 <a:hlinkClick r:id="rId133"/>
               </a:rPr>
-              <a:t>10.1111/j.1464-5491.2004.01443.x</a:t>
-            </a:r>
-          </a:p>
-          <a:p>
-            <a:pPr lvl="0" indent="0" marL="0">
-              <a:buNone/>
-            </a:pPr>
-            <a:r>
-              <a:rPr/>
-              <a:t>134. Gardner MJ, Machin D, Campbell MJ. Use of check lists in assessing the statistical content of medical studies. </a:t>
+              <a:t>10.1371/journal.pbio.1002128</a:t>
+            </a:r>
+          </a:p>
+          <a:p>
+            <a:pPr lvl="0" indent="0" marL="0">
+              <a:buNone/>
+            </a:pPr>
+            <a:r>
+              <a:rPr/>
+              <a:t>134. Sauerbrei W, Abrahamowicz M, Altman DG, Cessie S, Carpenter J. STRengthening Analytical Thinking for Observational Studies: the STRATOS initiative. </a:t>
             </a:r>
             <a:r>
               <a:rPr i="1"/>
-              <a:t>BMJ</a:t>
-            </a:r>
-            <a:r>
-              <a:rPr/>
-              <a:t>. 1986;292(6523):810-812. doi:</a:t>
+              <a:t>Statistics in Medicine</a:t>
+            </a:r>
+            <a:r>
+              <a:rPr/>
+              <a:t>. 2014;33(30):5413-5432. doi:</a:t>
             </a:r>
             <a:r>
               <a:rPr>
                 <a:hlinkClick r:id="rId134"/>
               </a:rPr>
-              <a:t>10.1136/bmj.292.6523.810</a:t>
-            </a:r>
-          </a:p>
-          <a:p>
-            <a:pPr lvl="0" indent="0" marL="0">
-              <a:buNone/>
-            </a:pPr>
-            <a:r>
-              <a:rPr/>
-              <a:t>135. Mascha EJ, Vetter TR. The Statistical Checklist and Statistical Review. </a:t>
+              <a:t>10.1002/sim.6265</a:t>
+            </a:r>
+          </a:p>
+          <a:p>
+            <a:pPr lvl="0" indent="0" marL="0">
+              <a:buNone/>
+            </a:pPr>
+            <a:r>
+              <a:rPr/>
+              <a:t>135. Groves T. Research methods and reporting. </a:t>
             </a:r>
             <a:r>
               <a:rPr i="1"/>
-              <a:t>Anesthesia &amp; Analgesia</a:t>
-            </a:r>
-            <a:r>
-              <a:rPr/>
-              <a:t>. 2017;124(3):719-721. doi:</a:t>
+              <a:t>BMJ</a:t>
+            </a:r>
+            <a:r>
+              <a:rPr/>
+              <a:t>. 2008;337(oct22 1):a2201-a2201. doi:</a:t>
             </a:r>
             <a:r>
               <a:rPr>
                 <a:hlinkClick r:id="rId135"/>
               </a:rPr>
-              <a:t>10.1213/ane.0000000000001863</a:t>
-            </a:r>
-          </a:p>
-          <a:p>
-            <a:pPr lvl="0" indent="0" marL="0">
-              <a:buNone/>
-            </a:pPr>
-            <a:r>
-              <a:rPr/>
-              <a:t>136. Mansournia MA, Collins GS, Nielsen RO, et al. A CHecklist for statistical Assessment of Medical Papers (the CHAMP statement): explanation and elaboration. </a:t>
+              <a:t>10.1136/bmj.a2201</a:t>
+            </a:r>
+          </a:p>
+          <a:p>
+            <a:pPr lvl="0" indent="0" marL="0">
+              <a:buNone/>
+            </a:pPr>
+            <a:r>
+              <a:rPr/>
+              <a:t>136. Stratton IM, Neil A. How to ensure your paper is rejected by the statistical reviewer. </a:t>
             </a:r>
             <a:r>
               <a:rPr i="1"/>
-              <a:t>British Journal of Sports Medicine</a:t>
-            </a:r>
-            <a:r>
-              <a:rPr/>
-              <a:t>. 2021;55(18):1009-1017. doi:</a:t>
+              <a:t>Diabetic Medicine</a:t>
+            </a:r>
+            <a:r>
+              <a:rPr/>
+              <a:t>. 2005;22(4):371-373. doi:</a:t>
             </a:r>
             <a:r>
               <a:rPr>
                 <a:hlinkClick r:id="rId136"/>
               </a:rPr>
-              <a:t>10.1136/bjsports-2020-103652</a:t>
-            </a:r>
-          </a:p>
-          <a:p>
-            <a:pPr lvl="0" indent="0" marL="0">
-              <a:buNone/>
-            </a:pPr>
-            <a:r>
-              <a:rPr/>
-              <a:t>137. Gil-Sierra MD, Fénix-Caballero S, Abdel kader-Martin L, et al. Checklist for clinical applicability of subgroup analysis. </a:t>
+              <a:t>10.1111/j.1464-5491.2004.01443.x</a:t>
+            </a:r>
+          </a:p>
+          <a:p>
+            <a:pPr lvl="0" indent="0" marL="0">
+              <a:buNone/>
+            </a:pPr>
+            <a:r>
+              <a:rPr/>
+              <a:t>137. Gardner MJ, Machin D, Campbell MJ. Use of check lists in assessing the statistical content of medical studies. </a:t>
             </a:r>
             <a:r>
               <a:rPr i="1"/>
-              <a:t>Journal of Clinical Pharmacy and Therapeutics</a:t>
-            </a:r>
-            <a:r>
-              <a:rPr/>
-              <a:t>. 2019;45(3):530-538. doi:</a:t>
+              <a:t>BMJ</a:t>
+            </a:r>
+            <a:r>
+              <a:rPr/>
+              <a:t>. 1986;292(6523):810-812. doi:</a:t>
             </a:r>
             <a:r>
               <a:rPr>
                 <a:hlinkClick r:id="rId137"/>
               </a:rPr>
-              <a:t>10.1111/jcpt.13102</a:t>
-            </a:r>
-          </a:p>
-          <a:p>
-            <a:pPr lvl="0" indent="0" marL="0">
-              <a:buNone/>
-            </a:pPr>
-            <a:r>
-              <a:rPr/>
-              <a:t>138. Altman DG, Simera I, Hoey J, Moher D, Schulz K. EQUATOR: reporting guidelines for health research. </a:t>
+              <a:t>10.1136/bmj.292.6523.810</a:t>
+            </a:r>
+          </a:p>
+          <a:p>
+            <a:pPr lvl="0" indent="0" marL="0">
+              <a:buNone/>
+            </a:pPr>
+            <a:r>
+              <a:rPr/>
+              <a:t>138. Mascha EJ, Vetter TR. The Statistical Checklist and Statistical Review. </a:t>
             </a:r>
             <a:r>
               <a:rPr i="1"/>
-              <a:t>The Lancet</a:t>
-            </a:r>
-            <a:r>
-              <a:rPr/>
-              <a:t>. 2008;371(9619):1149-1150. doi:</a:t>
+              <a:t>Anesthesia &amp; Analgesia</a:t>
+            </a:r>
+            <a:r>
+              <a:rPr/>
+              <a:t>. 2017;124(3):719-721. doi:</a:t>
             </a:r>
             <a:r>
               <a:rPr>
                 <a:hlinkClick r:id="rId138"/>
               </a:rPr>
-              <a:t>10.1016/s0140-6736(08)60505-x</a:t>
-            </a:r>
-          </a:p>
-          <a:p>
-            <a:pPr lvl="0" indent="0" marL="0">
-              <a:buNone/>
-            </a:pPr>
-            <a:r>
-              <a:rPr/>
-              <a:t>139. Haddaway NR, Page MJ, Pritchard CC, McGuinness LA. PRISMA2020: An r package and shiny app for producing PRISMA 2020-compliant flow diagrams, with interactivity for optimised digital transparency and open synthesis. 2022;18:e1230. doi:</a:t>
+              <a:t>10.1213/ane.0000000000001863</a:t>
+            </a:r>
+          </a:p>
+          <a:p>
+            <a:pPr lvl="0" indent="0" marL="0">
+              <a:buNone/>
+            </a:pPr>
+            <a:r>
+              <a:rPr/>
+              <a:t>139. Mansournia MA, Collins GS, Nielsen RO, et al. A CHecklist for statistical Assessment of Medical Papers (the CHAMP statement): explanation and elaboration. </a:t>
+            </a:r>
+            <a:r>
+              <a:rPr i="1"/>
+              <a:t>British Journal of Sports Medicine</a:t>
+            </a:r>
+            <a:r>
+              <a:rPr/>
+              <a:t>. 2021;55(18):1009-1017. doi:</a:t>
             </a:r>
             <a:r>
               <a:rPr>
                 <a:hlinkClick r:id="rId139"/>
               </a:rPr>
-              <a:t>10.1002/cl2.1230</a:t>
-            </a:r>
-          </a:p>
-          <a:p>
-            <a:pPr lvl="0" indent="0" marL="0">
-              <a:buNone/>
-            </a:pPr>
-            <a:r>
-              <a:rPr/>
-              <a:t>140. Haddaway NR, Page MJ, Pritchard CC, McGuinness LA. PRISMA2020: An r package and shiny app for producing PRISMA 2020-compliant flow diagrams, with interactivity for optimised digital transparency and open synthesis. 2022;18:e1230. doi:</a:t>
+              <a:t>10.1136/bjsports-2020-103652</a:t>
+            </a:r>
+          </a:p>
+          <a:p>
+            <a:pPr lvl="0" indent="0" marL="0">
+              <a:buNone/>
+            </a:pPr>
+            <a:r>
+              <a:rPr/>
+              <a:t>140. Gil-Sierra MD, Fénix-Caballero S, Abdel kader-Martin L, et al. Checklist for clinical applicability of subgroup analysis. </a:t>
+            </a:r>
+            <a:r>
+              <a:rPr i="1"/>
+              <a:t>Journal of Clinical Pharmacy and Therapeutics</a:t>
+            </a:r>
+            <a:r>
+              <a:rPr/>
+              <a:t>. 2019;45(3):530-538. doi:</a:t>
             </a:r>
             <a:r>
               <a:rPr>
                 <a:hlinkClick r:id="rId140"/>
+              </a:rPr>
+              <a:t>10.1111/jcpt.13102</a:t>
+            </a:r>
+          </a:p>
+          <a:p>
+            <a:pPr lvl="0" indent="0" marL="0">
+              <a:buNone/>
+            </a:pPr>
+            <a:r>
+              <a:rPr/>
+              <a:t>141. Altman DG, Simera I, Hoey J, Moher D, Schulz K. EQUATOR: reporting guidelines for health research. </a:t>
+            </a:r>
+            <a:r>
+              <a:rPr i="1"/>
+              <a:t>The Lancet</a:t>
+            </a:r>
+            <a:r>
+              <a:rPr/>
+              <a:t>. 2008;371(9619):1149-1150. doi:</a:t>
+            </a:r>
+            <a:r>
+              <a:rPr>
+                <a:hlinkClick r:id="rId141"/>
+              </a:rPr>
+              <a:t>10.1016/s0140-6736(08)60505-x</a:t>
+            </a:r>
+          </a:p>
+          <a:p>
+            <a:pPr lvl="0" indent="0" marL="0">
+              <a:buNone/>
+            </a:pPr>
+            <a:r>
+              <a:rPr/>
+              <a:t>142. Haddaway NR, Page MJ, Pritchard CC, McGuinness LA. PRISMA2020: An r package and shiny app for producing PRISMA 2020-compliant flow diagrams, with interactivity for optimised digital transparency and open synthesis. 2022;18:e1230. doi:</a:t>
+            </a:r>
+            <a:r>
+              <a:rPr>
+                <a:hlinkClick r:id="rId142"/>
+              </a:rPr>
+              <a:t>10.1002/cl2.1230</a:t>
+            </a:r>
+          </a:p>
+          <a:p>
+            <a:pPr lvl="0" indent="0" marL="0">
+              <a:buNone/>
+            </a:pPr>
+            <a:r>
+              <a:rPr/>
+              <a:t>143. Haddaway NR, Page MJ, Pritchard CC, McGuinness LA. PRISMA2020: An r package and shiny app for producing PRISMA 2020-compliant flow diagrams, with interactivity for optimised digital transparency and open synthesis. 2022;18:e1230. doi:</a:t>
+            </a:r>
+            <a:r>
+              <a:rPr>
+                <a:hlinkClick r:id="rId143"/>
               </a:rPr>
               <a:t>10.1002/cl2.1230</a:t>
             </a:r>
@@ -17074,7 +17463,7 @@
             </a:pPr>
             <a:r>
               <a:rPr/>
-              <a:t>Escolha de testes para análise inferencial {#escolha-analise-inferencial]}</a:t>
+              <a:t>Escolha de testes para análise inferencial</a:t>
             </a:r>
           </a:p>
         </p:txBody>
@@ -18148,7 +18537,7 @@
           <p:cNvPr id="2" name="Title 1">
             <a:extLst>
               <a:ext uri="{FF2B5EF4-FFF2-40B4-BE49-F238E27FC236}">
-                <a16:creationId xmlns:a16="http://schemas.microsoft.com/office/drawing/2014/main" id="{28A92D45-5BAF-634B-BB37-8481089F9E28}"/>
+                <a16:creationId xmlns:a16="http://schemas.microsoft.com/office/drawing/2014/main" id="{0277F749-6ED4-3E49-963A-830033252F78}"/>
               </a:ext>
             </a:extLst>
           </p:cNvPr>
@@ -18161,8 +18550,8 @@
         </p:nvSpPr>
         <p:spPr>
           <a:xfrm>
-            <a:off x="831850" y="1709738"/>
-            <a:ext cx="10515600" cy="2852737"/>
+            <a:off x="0" y="17256"/>
+            <a:ext cx="10515600" cy="663782"/>
           </a:xfrm>
         </p:spPr>
         <p:txBody>
@@ -18173,12 +18562,1100 @@
               <a:buNone/>
             </a:pPr>
             <a:r>
-              <a:rPr b="1"/>
-              <a:t>Desempenho diagnóstico</a:t>
+              <a:rPr/>
+              <a:t>Testes de associação</a:t>
             </a:r>
           </a:p>
         </p:txBody>
       </p:sp>
+      <mc:AlternateContent xmlns:mc="http://schemas.openxmlformats.org/markup-compatibility/2006">
+        <mc:Choice xmlns:a14="http://schemas.microsoft.com/office/drawing/2010/main" Requires="a14">
+          <p:sp>
+            <p:nvSpPr>
+              <p:cNvPr id="3" name="Content Placeholder 2">
+                <a:extLst>
+                  <a:ext uri="{FF2B5EF4-FFF2-40B4-BE49-F238E27FC236}">
+                    <a16:creationId xmlns:a16="http://schemas.microsoft.com/office/drawing/2014/main" id="{1574FA24-F1CC-B240-AAF9-A2DF684B1C54}"/>
+                  </a:ext>
+                </a:extLst>
+              </p:cNvPr>
+              <p:cNvSpPr>
+                <a:spLocks noGrp="1"/>
+              </p:cNvSpPr>
+              <p:nvPr>
+                <p:ph idx="1"/>
+              </p:nvPr>
+            </p:nvSpPr>
+            <p:spPr/>
+            <p:txBody>
+              <a:bodyPr/>
+              <a:lstStyle/>
+              <a:p>
+                <a:pPr lvl="0" indent="0" marL="0">
+                  <a:buNone/>
+                </a:pPr>
+              </a:p>
+              <a:p>
+                <a:pPr lvl="0" indent="0" marL="0">
+                  <a:spcBef>
+                    <a:spcPts val="3000"/>
+                  </a:spcBef>
+                  <a:buNone/>
+                </a:pPr>
+                <a:r>
+                  <a:rPr b="1"/>
+                  <a:t>Quais testes podem ser usados em análise de associação?</a:t>
+                </a:r>
+              </a:p>
+              <a:p>
+                <a:pPr lvl="0"/>
+                <a:r>
+                  <a:rPr/>
+                  <a:t>Qui-quadrado (</a:t>
+                </a:r>
+                <a14:m>
+                  <m:oMath xmlns:m="http://schemas.openxmlformats.org/officeDocument/2006/math">
+                    <m:sSup>
+                      <m:e>
+                        <m:r>
+                          <m:t>χ</m:t>
+                        </m:r>
+                      </m:e>
+                      <m:sup>
+                        <m:r>
+                          <m:t>2</m:t>
+                        </m:r>
+                      </m:sup>
+                    </m:sSup>
+                  </m:oMath>
+                </a14:m>
+                <a:r>
+                  <a:rPr/>
+                  <a:t>)</a:t>
+                </a:r>
+              </a:p>
+              <a:p>
+                <a:pPr lvl="1"/>
+                <a:r>
+                  <a:rPr/>
+                  <a:t>O teste qui-quadrado (</a:t>
+                </a:r>
+                <a14:m>
+                  <m:oMath xmlns:m="http://schemas.openxmlformats.org/officeDocument/2006/math">
+                    <m:sSup>
+                      <m:e>
+                        <m:r>
+                          <m:t>χ</m:t>
+                        </m:r>
+                      </m:e>
+                      <m:sup>
+                        <m:r>
+                          <m:t>2</m:t>
+                        </m:r>
+                      </m:sup>
+                    </m:sSup>
+                  </m:oMath>
+                </a14:m>
+                <a:r>
+                  <a:rPr/>
+                  <a:t>) avalia uma hipótese global se a relação entre duas variáveis e/ou fatores é independente ou associada.</a:t>
+                </a:r>
+                <a:r>
+                  <a:rPr baseline="30000"/>
+                  <a:t>88</a:t>
+                </a:r>
+              </a:p>
+              <a:p>
+                <a:pPr lvl="1"/>
+                <a:r>
+                  <a:rPr/>
+                  <a:t>O teste qui-quadrado é utilizado para comparar a distribuição de uma variável categórica em uma amostra ou grupo com a distribuição em outro. Se a distribuição da variável categórica não for muito diferente nos diferentes grupos, pode-se concluir que a distribuição da variável categórica não está relacionada com a variável dos grupos. Pode-se também concluir que a variável categórica e os grupos são independentes.</a:t>
+                </a:r>
+                <a:r>
+                  <a:rPr baseline="30000"/>
+                  <a:t>88</a:t>
+                </a:r>
+              </a:p>
+              <a:p>
+                <a:pPr lvl="1"/>
+                <a:r>
+                  <a:rPr/>
+                  <a:t>Tipo: não paramétrico.</a:t>
+                </a:r>
+                <a:r>
+                  <a:rPr baseline="30000"/>
+                  <a:t>88,89</a:t>
+                </a:r>
+              </a:p>
+              <a:p>
+                <a:pPr lvl="1"/>
+                <a:r>
+                  <a:rPr/>
+                  <a:t>Suposições:</a:t>
+                </a:r>
+                <a:r>
+                  <a:rPr baseline="30000"/>
+                  <a:t>88,89</a:t>
+                </a:r>
+              </a:p>
+              <a:p>
+                <a:pPr lvl="2"/>
+                <a:r>
+                  <a:rPr/>
+                  <a:t>As variáveis são ordinais ou categóricas nominais, de modo que as células representem frequência.</a:t>
+                </a:r>
+              </a:p>
+              <a:p>
+                <a:pPr lvl="2"/>
+                <a:r>
+                  <a:rPr/>
+                  <a:t>Os níveis dos fatores (variáveis categóricas) são mutuamente exclusivos.</a:t>
+                </a:r>
+              </a:p>
+              <a:p>
+                <a:pPr lvl="2"/>
+                <a:r>
+                  <a:rPr/>
+                  <a:t>Tamanho de amostra grande e adequado porque é baseado em uma abordagem de aproximação.</a:t>
+                </a:r>
+              </a:p>
+              <a:p>
+                <a:pPr lvl="2"/>
+                <a:r>
+                  <a:rPr/>
+                  <a:t>Menos de 20% das células com frequências esperadas &lt; 5</a:t>
+                </a:r>
+              </a:p>
+              <a:p>
+                <a:pPr lvl="2"/>
+                <a:r>
+                  <a:rPr/>
+                  <a:t>Nenhuma célula com frequência esperada &lt; 1.</a:t>
+                </a:r>
+              </a:p>
+              <a:p>
+                <a:pPr lvl="1"/>
+                <a:r>
+                  <a:rPr/>
+                  <a:t>Hipóteses:</a:t>
+                </a:r>
+                <a:r>
+                  <a:rPr baseline="30000"/>
+                  <a:t>88</a:t>
+                </a:r>
+              </a:p>
+              <a:p>
+                <a:pPr lvl="2"/>
+                <a:r>
+                  <a:rPr/>
+                  <a:t>Nula (</a:t>
+                </a:r>
+                <a14:m>
+                  <m:oMath xmlns:m="http://schemas.openxmlformats.org/officeDocument/2006/math">
+                    <m:sSub>
+                      <m:e>
+                        <m:r>
+                          <m:t>H</m:t>
+                        </m:r>
+                      </m:e>
+                      <m:sub>
+                        <m:r>
+                          <m:t>0</m:t>
+                        </m:r>
+                      </m:sub>
+                    </m:sSub>
+                  </m:oMath>
+                </a14:m>
+                <a:r>
+                  <a:rPr/>
+                  <a:t>): independente (sem associação)</a:t>
+                </a:r>
+              </a:p>
+              <a:p>
+                <a:pPr lvl="2"/>
+                <a:r>
+                  <a:rPr/>
+                  <a:t>Alternativa (</a:t>
+                </a:r>
+                <a14:m>
+                  <m:oMath xmlns:m="http://schemas.openxmlformats.org/officeDocument/2006/math">
+                    <m:sSub>
+                      <m:e>
+                        <m:r>
+                          <m:t>H</m:t>
+                        </m:r>
+                      </m:e>
+                      <m:sub>
+                        <m:r>
+                          <m:t>1</m:t>
+                        </m:r>
+                      </m:sub>
+                    </m:sSub>
+                  </m:oMath>
+                </a14:m>
+                <a:r>
+                  <a:rPr/>
+                  <a:t>): não independente (associação)</a:t>
+                </a:r>
+              </a:p>
+              <a:p>
+                <a:pPr lvl="1"/>
+                <a:r>
+                  <a:rPr/>
+                  <a:t>Tamanho do efeito:</a:t>
+                </a:r>
+                <a:r>
+                  <a:rPr baseline="30000"/>
+                  <a:t>88</a:t>
+                </a:r>
+              </a:p>
+              <a:p>
+                <a:pPr lvl="2"/>
+                <a:r>
+                  <a:rPr/>
+                  <a:t>Phi (</a:t>
+                </a:r>
+                <a14:m>
+                  <m:oMath xmlns:m="http://schemas.openxmlformats.org/officeDocument/2006/math">
+                    <m:r>
+                      <m:t>ϕ</m:t>
+                    </m:r>
+                  </m:oMath>
+                </a14:m>
+                <a:r>
+                  <a:rPr/>
+                  <a:t>), para tabelas de contingência 2x2</a:t>
+                </a:r>
+              </a:p>
+              <a:p>
+                <a:pPr lvl="2"/>
+                <a:r>
+                  <a:rPr/>
+                  <a:t>Razão de chances (</a:t>
+                </a:r>
+                <a14:m>
+                  <m:oMath xmlns:m="http://schemas.openxmlformats.org/officeDocument/2006/math">
+                    <m:r>
+                      <m:t>R</m:t>
+                    </m:r>
+                    <m:r>
+                      <m:t>C</m:t>
+                    </m:r>
+                  </m:oMath>
+                </a14:m>
+                <a:r>
+                  <a:rPr/>
+                  <a:t> ou </a:t>
+                </a:r>
+                <a14:m>
+                  <m:oMath xmlns:m="http://schemas.openxmlformats.org/officeDocument/2006/math">
+                    <m:r>
+                      <m:t>O</m:t>
+                    </m:r>
+                    <m:r>
+                      <m:t>R</m:t>
+                    </m:r>
+                  </m:oMath>
+                </a14:m>
+                <a:r>
+                  <a:rPr/>
+                  <a:t>), para tabelas de contingência 2x2</a:t>
+                </a:r>
+              </a:p>
+              <a:p>
+                <a:pPr lvl="2"/>
+                <a:r>
+                  <a:rPr/>
+                  <a:t>Cramer V (</a:t>
+                </a:r>
+                <a14:m>
+                  <m:oMath xmlns:m="http://schemas.openxmlformats.org/officeDocument/2006/math">
+                    <m:r>
+                      <m:t>V</m:t>
+                    </m:r>
+                  </m:oMath>
+                </a14:m>
+                <a:r>
+                  <a:rPr/>
+                  <a:t>), para tabelas de contingência NxM</a:t>
+                </a:r>
+              </a:p>
+              <a:p>
+                <a:pPr lvl="0"/>
+                <a:r>
+                  <a:rPr/>
+                  <a:t>Teste exato de Fisher</a:t>
+                </a:r>
+              </a:p>
+              <a:p>
+                <a:pPr lvl="1"/>
+                <a:r>
+                  <a:rPr/>
+                  <a:t>O teste exato de Fisher avalia a hipótese nula de independência aplicando a distribuição hipergeométrica dos números nas células da tabela.</a:t>
+                </a:r>
+                <a:r>
+                  <a:rPr baseline="30000"/>
+                  <a:t>88</a:t>
+                </a:r>
+              </a:p>
+              <a:p>
+                <a:pPr lvl="1"/>
+                <a:r>
+                  <a:rPr/>
+                  <a:t>Hipóteses:</a:t>
+                </a:r>
+                <a:r>
+                  <a:rPr baseline="30000"/>
+                  <a:t>88,89</a:t>
+                </a:r>
+              </a:p>
+              <a:p>
+                <a:pPr lvl="2"/>
+                <a:r>
+                  <a:rPr/>
+                  <a:t>Nula (</a:t>
+                </a:r>
+                <a14:m>
+                  <m:oMath xmlns:m="http://schemas.openxmlformats.org/officeDocument/2006/math">
+                    <m:sSub>
+                      <m:e>
+                        <m:r>
+                          <m:t>H</m:t>
+                        </m:r>
+                      </m:e>
+                      <m:sub>
+                        <m:r>
+                          <m:t>0</m:t>
+                        </m:r>
+                      </m:sub>
+                    </m:sSub>
+                  </m:oMath>
+                </a14:m>
+                <a:r>
+                  <a:rPr/>
+                  <a:t>): independente (sem associação)</a:t>
+                </a:r>
+              </a:p>
+              <a:p>
+                <a:pPr lvl="2"/>
+                <a:r>
+                  <a:rPr/>
+                  <a:t>Alternativa (</a:t>
+                </a:r>
+                <a14:m>
+                  <m:oMath xmlns:m="http://schemas.openxmlformats.org/officeDocument/2006/math">
+                    <m:sSub>
+                      <m:e>
+                        <m:r>
+                          <m:t>H</m:t>
+                        </m:r>
+                      </m:e>
+                      <m:sub>
+                        <m:r>
+                          <m:t>1</m:t>
+                        </m:r>
+                      </m:sub>
+                    </m:sSub>
+                  </m:oMath>
+                </a14:m>
+                <a:r>
+                  <a:rPr/>
+                  <a:t>): não independente (associação)</a:t>
+                </a:r>
+              </a:p>
+              <a:p>
+                <a:pPr lvl="1"/>
+                <a:r>
+                  <a:rPr/>
+                  <a:t>Tamanho do efeito:</a:t>
+                </a:r>
+                <a:r>
+                  <a:rPr baseline="30000"/>
+                  <a:t>88,89</a:t>
+                </a:r>
+              </a:p>
+              <a:p>
+                <a:pPr lvl="2"/>
+                <a:r>
+                  <a:rPr/>
+                  <a:t>Phi (</a:t>
+                </a:r>
+                <a14:m>
+                  <m:oMath xmlns:m="http://schemas.openxmlformats.org/officeDocument/2006/math">
+                    <m:r>
+                      <m:t>ϕ</m:t>
+                    </m:r>
+                  </m:oMath>
+                </a14:m>
+                <a:r>
+                  <a:rPr/>
+                  <a:t>), para tabelas de contingência 2x2</a:t>
+                </a:r>
+              </a:p>
+              <a:p>
+                <a:pPr lvl="2"/>
+                <a:r>
+                  <a:rPr/>
+                  <a:t>Razão de chances (</a:t>
+                </a:r>
+                <a14:m>
+                  <m:oMath xmlns:m="http://schemas.openxmlformats.org/officeDocument/2006/math">
+                    <m:r>
+                      <m:t>R</m:t>
+                    </m:r>
+                    <m:r>
+                      <m:t>C</m:t>
+                    </m:r>
+                  </m:oMath>
+                </a14:m>
+                <a:r>
+                  <a:rPr/>
+                  <a:t> ou </a:t>
+                </a:r>
+                <a14:m>
+                  <m:oMath xmlns:m="http://schemas.openxmlformats.org/officeDocument/2006/math">
+                    <m:r>
+                      <m:t>O</m:t>
+                    </m:r>
+                    <m:r>
+                      <m:t>R</m:t>
+                    </m:r>
+                  </m:oMath>
+                </a14:m>
+                <a:r>
+                  <a:rPr/>
+                  <a:t>), para tabelas de contingência 2x2</a:t>
+                </a:r>
+              </a:p>
+              <a:p>
+                <a:pPr lvl="2"/>
+                <a:r>
+                  <a:rPr/>
+                  <a:t>Cramer V (</a:t>
+                </a:r>
+                <a14:m>
+                  <m:oMath xmlns:m="http://schemas.openxmlformats.org/officeDocument/2006/math">
+                    <m:r>
+                      <m:t>V</m:t>
+                    </m:r>
+                  </m:oMath>
+                </a14:m>
+                <a:r>
+                  <a:rPr/>
+                  <a:t>), para tabelas de contingência NxM</a:t>
+                </a:r>
+              </a:p>
+              <a:p>
+                <a:pPr lvl="0" indent="0" marL="0">
+                  <a:buNone/>
+                </a:pPr>
+              </a:p>
+              <a:p>
+                <a:pPr lvl="0" indent="0" marL="0">
+                  <a:buNone/>
+                </a:pPr>
+                <a:r>
+                  <a:rPr/>
+                  <a:t>O pacote </a:t>
+                </a:r>
+                <a:r>
+                  <a:rPr i="1"/>
+                  <a:t>gtsummary</a:t>
+                </a:r>
+                <a:r>
+                  <a:rPr baseline="30000"/>
+                  <a:t>90</a:t>
+                </a:r>
+                <a:r>
+                  <a:rPr/>
+                  <a:t> fornece a função </a:t>
+                </a:r>
+                <a:r>
+                  <a:rPr i="1"/>
+                  <a:t>tbl_cross</a:t>
+                </a:r>
+                <a:r>
+                  <a:rPr/>
+                  <a:t> para criar uma tabela NxM. </a:t>
+                </a:r>
+              </a:p>
+              <a:p>
+                <a:pPr lvl="0" indent="0" marL="0">
+                  <a:buNone/>
+                </a:pPr>
+              </a:p>
+              <a:p>
+                <a:pPr lvl="0" indent="0">
+                  <a:buNone/>
+                </a:pPr>
+                <a:r>
+                  <a:rPr>
+                    <a:solidFill>
+                      <a:srgbClr val="06287E"/>
+                    </a:solidFill>
+                    <a:latin typeface="Courier"/>
+                  </a:rPr>
+                  <a:t>library</a:t>
+                </a:r>
+                <a:r>
+                  <a:rPr>
+                    <a:latin typeface="Courier"/>
+                  </a:rPr>
+                  <a:t>(</a:t>
+                </a:r>
+                <a:r>
+                  <a:rPr>
+                    <a:solidFill>
+                      <a:srgbClr val="4070A0"/>
+                    </a:solidFill>
+                    <a:latin typeface="Courier"/>
+                  </a:rPr>
+                  <a:t>"dplyr"</a:t>
+                </a:r>
+                <a:r>
+                  <a:rPr>
+                    <a:latin typeface="Courier"/>
+                  </a:rPr>
+                  <a:t>)</a:t>
+                </a:r>
+                <a:br/>
+                <a:r>
+                  <a:rPr>
+                    <a:solidFill>
+                      <a:srgbClr val="06287E"/>
+                    </a:solidFill>
+                    <a:latin typeface="Courier"/>
+                  </a:rPr>
+                  <a:t>library</a:t>
+                </a:r>
+                <a:r>
+                  <a:rPr>
+                    <a:latin typeface="Courier"/>
+                  </a:rPr>
+                  <a:t>(</a:t>
+                </a:r>
+                <a:r>
+                  <a:rPr>
+                    <a:solidFill>
+                      <a:srgbClr val="4070A0"/>
+                    </a:solidFill>
+                    <a:latin typeface="Courier"/>
+                  </a:rPr>
+                  <a:t>"gtsummary"</a:t>
+                </a:r>
+                <a:r>
+                  <a:rPr>
+                    <a:latin typeface="Courier"/>
+                  </a:rPr>
+                  <a:t>)</a:t>
+                </a:r>
+              </a:p>
+              <a:p>
+                <a:pPr lvl="0" indent="0">
+                  <a:buNone/>
+                </a:pPr>
+                <a:r>
+                  <a:rPr>
+                    <a:latin typeface="Courier"/>
+                  </a:rPr>
+                  <a:t>## #StandWithUkraine</a:t>
+                </a:r>
+              </a:p>
+              <a:p>
+                <a:pPr lvl="0" indent="0">
+                  <a:buNone/>
+                </a:pPr>
+                <a:r>
+                  <a:rPr i="1">
+                    <a:solidFill>
+                      <a:srgbClr val="60A0B0"/>
+                    </a:solidFill>
+                    <a:latin typeface="Courier"/>
+                  </a:rPr>
+                  <a:t># tabela 2x2</a:t>
+                </a:r>
+                <a:br/>
+                <a:r>
+                  <a:rPr>
+                    <a:latin typeface="Courier"/>
+                  </a:rPr>
+                  <a:t>tbl_cross_ex1 </a:t>
+                </a:r>
+                <a:r>
+                  <a:rPr>
+                    <a:solidFill>
+                      <a:srgbClr val="007020"/>
+                    </a:solidFill>
+                    <a:latin typeface="Courier"/>
+                  </a:rPr>
+                  <a:t>&lt;-</a:t>
+                </a:r>
+                <a:br/>
+                <a:r>
+                  <a:rPr>
+                    <a:latin typeface="Courier"/>
+                  </a:rPr>
+                  <a:t>    trial </a:t>
+                </a:r>
+                <a:r>
+                  <a:rPr>
+                    <a:solidFill>
+                      <a:srgbClr val="4070A0"/>
+                    </a:solidFill>
+                    <a:latin typeface="Courier"/>
+                  </a:rPr>
+                  <a:t>%&gt;%</a:t>
+                </a:r>
+                <a:br/>
+                <a:r>
+                  <a:rPr>
+                    <a:latin typeface="Courier"/>
+                  </a:rPr>
+                  <a:t>    gtsummary</a:t>
+                </a:r>
+                <a:r>
+                  <a:rPr>
+                    <a:solidFill>
+                      <a:srgbClr val="4070A0"/>
+                    </a:solidFill>
+                    <a:latin typeface="Courier"/>
+                  </a:rPr>
+                  <a:t>::</a:t>
+                </a:r>
+                <a:r>
+                  <a:rPr>
+                    <a:solidFill>
+                      <a:srgbClr val="06287E"/>
+                    </a:solidFill>
+                    <a:latin typeface="Courier"/>
+                  </a:rPr>
+                  <a:t>tbl_cross</a:t>
+                </a:r>
+                <a:r>
+                  <a:rPr>
+                    <a:latin typeface="Courier"/>
+                  </a:rPr>
+                  <a:t>(</a:t>
+                </a:r>
+                <a:br/>
+                <a:r>
+                  <a:rPr>
+                    <a:latin typeface="Courier"/>
+                  </a:rPr>
+                  <a:t>        </a:t>
+                </a:r>
+                <a:r>
+                  <a:rPr>
+                    <a:solidFill>
+                      <a:srgbClr val="7D9029"/>
+                    </a:solidFill>
+                    <a:latin typeface="Courier"/>
+                  </a:rPr>
+                  <a:t>row =</a:t>
+                </a:r>
+                <a:r>
+                  <a:rPr>
+                    <a:latin typeface="Courier"/>
+                  </a:rPr>
+                  <a:t> trt,</a:t>
+                </a:r>
+                <a:br/>
+                <a:r>
+                  <a:rPr>
+                    <a:latin typeface="Courier"/>
+                  </a:rPr>
+                  <a:t>        </a:t>
+                </a:r>
+                <a:r>
+                  <a:rPr>
+                    <a:solidFill>
+                      <a:srgbClr val="7D9029"/>
+                    </a:solidFill>
+                    <a:latin typeface="Courier"/>
+                  </a:rPr>
+                  <a:t>col =</a:t>
+                </a:r>
+                <a:r>
+                  <a:rPr>
+                    <a:latin typeface="Courier"/>
+                  </a:rPr>
+                  <a:t> response</a:t>
+                </a:r>
+                <a:br/>
+                <a:r>
+                  <a:rPr>
+                    <a:latin typeface="Courier"/>
+                  </a:rPr>
+                  <a:t>        ) </a:t>
+                </a:r>
+                <a:r>
+                  <a:rPr>
+                    <a:solidFill>
+                      <a:srgbClr val="4070A0"/>
+                    </a:solidFill>
+                    <a:latin typeface="Courier"/>
+                  </a:rPr>
+                  <a:t>%&gt;%</a:t>
+                </a:r>
+                <a:br/>
+                <a:r>
+                  <a:rPr>
+                    <a:latin typeface="Courier"/>
+                  </a:rPr>
+                  <a:t>    gtsummary</a:t>
+                </a:r>
+                <a:r>
+                  <a:rPr>
+                    <a:solidFill>
+                      <a:srgbClr val="4070A0"/>
+                    </a:solidFill>
+                    <a:latin typeface="Courier"/>
+                  </a:rPr>
+                  <a:t>::</a:t>
+                </a:r>
+                <a:r>
+                  <a:rPr>
+                    <a:solidFill>
+                      <a:srgbClr val="06287E"/>
+                    </a:solidFill>
+                    <a:latin typeface="Courier"/>
+                  </a:rPr>
+                  <a:t>bold_labels</a:t>
+                </a:r>
+                <a:r>
+                  <a:rPr>
+                    <a:latin typeface="Courier"/>
+                  </a:rPr>
+                  <a:t>()</a:t>
+                </a:r>
+                <a:br/>
+                <a:br/>
+                <a:r>
+                  <a:rPr>
+                    <a:latin typeface="Courier"/>
+                  </a:rPr>
+                  <a:t>tbl_cross_ex1</a:t>
+                </a:r>
+              </a:p>
+              <a:p>
+                <a:pPr lvl="0" indent="0" marL="0">
+                  <a:buNone/>
+                </a:pPr>
+              </a:p>
+              <a:p>
+                <a:pPr lvl="0" indent="0">
+                  <a:buNone/>
+                </a:pPr>
+                <a:r>
+                  <a:rPr>
+                    <a:solidFill>
+                      <a:srgbClr val="06287E"/>
+                    </a:solidFill>
+                    <a:latin typeface="Courier"/>
+                  </a:rPr>
+                  <a:t>library</a:t>
+                </a:r>
+                <a:r>
+                  <a:rPr>
+                    <a:latin typeface="Courier"/>
+                  </a:rPr>
+                  <a:t>(</a:t>
+                </a:r>
+                <a:r>
+                  <a:rPr>
+                    <a:solidFill>
+                      <a:srgbClr val="4070A0"/>
+                    </a:solidFill>
+                    <a:latin typeface="Courier"/>
+                  </a:rPr>
+                  <a:t>"dplyr"</a:t>
+                </a:r>
+                <a:r>
+                  <a:rPr>
+                    <a:latin typeface="Courier"/>
+                  </a:rPr>
+                  <a:t>)</a:t>
+                </a:r>
+                <a:br/>
+                <a:r>
+                  <a:rPr>
+                    <a:solidFill>
+                      <a:srgbClr val="06287E"/>
+                    </a:solidFill>
+                    <a:latin typeface="Courier"/>
+                  </a:rPr>
+                  <a:t>library</a:t>
+                </a:r>
+                <a:r>
+                  <a:rPr>
+                    <a:latin typeface="Courier"/>
+                  </a:rPr>
+                  <a:t>(</a:t>
+                </a:r>
+                <a:r>
+                  <a:rPr>
+                    <a:solidFill>
+                      <a:srgbClr val="4070A0"/>
+                    </a:solidFill>
+                    <a:latin typeface="Courier"/>
+                  </a:rPr>
+                  <a:t>"gtsummary"</a:t>
+                </a:r>
+                <a:r>
+                  <a:rPr>
+                    <a:latin typeface="Courier"/>
+                  </a:rPr>
+                  <a:t>)</a:t>
+                </a:r>
+                <a:br/>
+                <a:br/>
+                <a:r>
+                  <a:rPr i="1">
+                    <a:solidFill>
+                      <a:srgbClr val="60A0B0"/>
+                    </a:solidFill>
+                    <a:latin typeface="Courier"/>
+                  </a:rPr>
+                  <a:t># tabela NxM</a:t>
+                </a:r>
+                <a:br/>
+                <a:r>
+                  <a:rPr>
+                    <a:latin typeface="Courier"/>
+                  </a:rPr>
+                  <a:t>tbl_cross_ex2 </a:t>
+                </a:r>
+                <a:r>
+                  <a:rPr>
+                    <a:solidFill>
+                      <a:srgbClr val="007020"/>
+                    </a:solidFill>
+                    <a:latin typeface="Courier"/>
+                  </a:rPr>
+                  <a:t>&lt;-</a:t>
+                </a:r>
+                <a:br/>
+                <a:r>
+                  <a:rPr>
+                    <a:latin typeface="Courier"/>
+                  </a:rPr>
+                  <a:t>    trial </a:t>
+                </a:r>
+                <a:r>
+                  <a:rPr>
+                    <a:solidFill>
+                      <a:srgbClr val="4070A0"/>
+                    </a:solidFill>
+                    <a:latin typeface="Courier"/>
+                  </a:rPr>
+                  <a:t>%&gt;%</a:t>
+                </a:r>
+                <a:br/>
+                <a:r>
+                  <a:rPr>
+                    <a:latin typeface="Courier"/>
+                  </a:rPr>
+                  <a:t>    gtsummary</a:t>
+                </a:r>
+                <a:r>
+                  <a:rPr>
+                    <a:solidFill>
+                      <a:srgbClr val="4070A0"/>
+                    </a:solidFill>
+                    <a:latin typeface="Courier"/>
+                  </a:rPr>
+                  <a:t>::</a:t>
+                </a:r>
+                <a:r>
+                  <a:rPr>
+                    <a:solidFill>
+                      <a:srgbClr val="06287E"/>
+                    </a:solidFill>
+                    <a:latin typeface="Courier"/>
+                  </a:rPr>
+                  <a:t>tbl_cross</a:t>
+                </a:r>
+                <a:r>
+                  <a:rPr>
+                    <a:latin typeface="Courier"/>
+                  </a:rPr>
+                  <a:t>(</a:t>
+                </a:r>
+                <a:br/>
+                <a:r>
+                  <a:rPr>
+                    <a:latin typeface="Courier"/>
+                  </a:rPr>
+                  <a:t>        </a:t>
+                </a:r>
+                <a:r>
+                  <a:rPr>
+                    <a:solidFill>
+                      <a:srgbClr val="7D9029"/>
+                    </a:solidFill>
+                    <a:latin typeface="Courier"/>
+                  </a:rPr>
+                  <a:t>row =</a:t>
+                </a:r>
+                <a:r>
+                  <a:rPr>
+                    <a:latin typeface="Courier"/>
+                  </a:rPr>
+                  <a:t> stage,</a:t>
+                </a:r>
+                <a:br/>
+                <a:r>
+                  <a:rPr>
+                    <a:latin typeface="Courier"/>
+                  </a:rPr>
+                  <a:t>        </a:t>
+                </a:r>
+                <a:r>
+                  <a:rPr>
+                    <a:solidFill>
+                      <a:srgbClr val="7D9029"/>
+                    </a:solidFill>
+                    <a:latin typeface="Courier"/>
+                  </a:rPr>
+                  <a:t>col =</a:t>
+                </a:r>
+                <a:r>
+                  <a:rPr>
+                    <a:latin typeface="Courier"/>
+                  </a:rPr>
+                  <a:t> trt,</a:t>
+                </a:r>
+                <a:br/>
+                <a:r>
+                  <a:rPr>
+                    <a:latin typeface="Courier"/>
+                  </a:rPr>
+                  <a:t>        </a:t>
+                </a:r>
+                <a:r>
+                  <a:rPr>
+                    <a:solidFill>
+                      <a:srgbClr val="7D9029"/>
+                    </a:solidFill>
+                    <a:latin typeface="Courier"/>
+                  </a:rPr>
+                  <a:t>percent =</a:t>
+                </a:r>
+                <a:r>
+                  <a:rPr>
+                    <a:latin typeface="Courier"/>
+                  </a:rPr>
+                  <a:t> </a:t>
+                </a:r>
+                <a:r>
+                  <a:rPr>
+                    <a:solidFill>
+                      <a:srgbClr val="4070A0"/>
+                    </a:solidFill>
+                    <a:latin typeface="Courier"/>
+                  </a:rPr>
+                  <a:t>"cell"</a:t>
+                </a:r>
+                <a:br/>
+                <a:r>
+                  <a:rPr>
+                    <a:latin typeface="Courier"/>
+                  </a:rPr>
+                  <a:t>        ) </a:t>
+                </a:r>
+                <a:r>
+                  <a:rPr>
+                    <a:solidFill>
+                      <a:srgbClr val="4070A0"/>
+                    </a:solidFill>
+                    <a:latin typeface="Courier"/>
+                  </a:rPr>
+                  <a:t>%&gt;%</a:t>
+                </a:r>
+                <a:br/>
+                <a:r>
+                  <a:rPr>
+                    <a:latin typeface="Courier"/>
+                  </a:rPr>
+                  <a:t>    gtsummary</a:t>
+                </a:r>
+                <a:r>
+                  <a:rPr>
+                    <a:solidFill>
+                      <a:srgbClr val="4070A0"/>
+                    </a:solidFill>
+                    <a:latin typeface="Courier"/>
+                  </a:rPr>
+                  <a:t>::</a:t>
+                </a:r>
+                <a:r>
+                  <a:rPr>
+                    <a:solidFill>
+                      <a:srgbClr val="06287E"/>
+                    </a:solidFill>
+                    <a:latin typeface="Courier"/>
+                  </a:rPr>
+                  <a:t>add_p</a:t>
+                </a:r>
+                <a:r>
+                  <a:rPr>
+                    <a:latin typeface="Courier"/>
+                  </a:rPr>
+                  <a:t>() </a:t>
+                </a:r>
+                <a:r>
+                  <a:rPr>
+                    <a:solidFill>
+                      <a:srgbClr val="4070A0"/>
+                    </a:solidFill>
+                    <a:latin typeface="Courier"/>
+                  </a:rPr>
+                  <a:t>%&gt;%</a:t>
+                </a:r>
+                <a:br/>
+                <a:r>
+                  <a:rPr>
+                    <a:latin typeface="Courier"/>
+                  </a:rPr>
+                  <a:t>    gtsummary</a:t>
+                </a:r>
+                <a:r>
+                  <a:rPr>
+                    <a:solidFill>
+                      <a:srgbClr val="4070A0"/>
+                    </a:solidFill>
+                    <a:latin typeface="Courier"/>
+                  </a:rPr>
+                  <a:t>::</a:t>
+                </a:r>
+                <a:r>
+                  <a:rPr>
+                    <a:solidFill>
+                      <a:srgbClr val="06287E"/>
+                    </a:solidFill>
+                    <a:latin typeface="Courier"/>
+                  </a:rPr>
+                  <a:t>bold_labels</a:t>
+                </a:r>
+                <a:r>
+                  <a:rPr>
+                    <a:latin typeface="Courier"/>
+                  </a:rPr>
+                  <a:t>()</a:t>
+                </a:r>
+                <a:br/>
+                <a:br/>
+                <a:r>
+                  <a:rPr>
+                    <a:latin typeface="Courier"/>
+                  </a:rPr>
+                  <a:t>tbl_cross_ex2</a:t>
+                </a:r>
+              </a:p>
+            </p:txBody>
+          </p:sp>
+        </mc:Choice>
+      </mc:AlternateContent>
     </p:spTree>
   </p:cSld>
 </p:sld>
@@ -18206,7 +19683,7 @@
           <p:cNvPr id="2" name="Title 1">
             <a:extLst>
               <a:ext uri="{FF2B5EF4-FFF2-40B4-BE49-F238E27FC236}">
-                <a16:creationId xmlns:a16="http://schemas.microsoft.com/office/drawing/2014/main" id="{0277F749-6ED4-3E49-963A-830033252F78}"/>
+                <a16:creationId xmlns:a16="http://schemas.microsoft.com/office/drawing/2014/main" id="{28A92D45-5BAF-634B-BB37-8481089F9E28}"/>
               </a:ext>
             </a:extLst>
           </p:cNvPr>
@@ -18219,8 +19696,8 @@
         </p:nvSpPr>
         <p:spPr>
           <a:xfrm>
-            <a:off x="0" y="17256"/>
-            <a:ext cx="10515600" cy="663782"/>
+            <a:off x="831850" y="1709738"/>
+            <a:ext cx="10515600" cy="2852737"/>
           </a:xfrm>
         </p:spPr>
         <p:txBody>
@@ -18231,88 +19708,9 @@
               <a:buNone/>
             </a:pPr>
             <a:r>
-              <a:rPr/>
-              <a:t>Tabelas 2x2</a:t>
-            </a:r>
-          </a:p>
-        </p:txBody>
-      </p:sp>
-      <p:sp>
-        <p:nvSpPr>
-          <p:cNvPr id="3" name="Content Placeholder 2">
-            <a:extLst>
-              <a:ext uri="{FF2B5EF4-FFF2-40B4-BE49-F238E27FC236}">
-                <a16:creationId xmlns:a16="http://schemas.microsoft.com/office/drawing/2014/main" id="{1574FA24-F1CC-B240-AAF9-A2DF684B1C54}"/>
-              </a:ext>
-            </a:extLst>
-          </p:cNvPr>
-          <p:cNvSpPr>
-            <a:spLocks noGrp="1"/>
-          </p:cNvSpPr>
-          <p:nvPr>
-            <p:ph idx="1"/>
-          </p:nvPr>
-        </p:nvSpPr>
-        <p:spPr/>
-        <p:txBody>
-          <a:bodyPr/>
-          <a:lstStyle/>
-          <a:p>
-            <a:pPr lvl="0" indent="0" marL="0">
-              <a:buNone/>
-            </a:pPr>
-          </a:p>
-          <a:p>
-            <a:pPr lvl="0" indent="0" marL="0">
-              <a:spcBef>
-                <a:spcPts val="3000"/>
-              </a:spcBef>
-              <a:buNone/>
-            </a:pPr>
-            <a:r>
               <a:rPr b="1"/>
-              <a:t>Como analisar o desempenho diagnóstico em tabelas 2x2?</a:t>
-            </a:r>
-          </a:p>
-          <a:p>
-            <a:pPr lvl="0"/>
-            <a:r>
-              <a:rPr/>
-              <a:t>Acurácia.[REF]</a:t>
-            </a:r>
-          </a:p>
-          <a:p>
-            <a:pPr lvl="0"/>
-            <a:r>
-              <a:rPr/>
-              <a:t>Sensibilidade.[REF]</a:t>
-            </a:r>
-          </a:p>
-          <a:p>
-            <a:pPr lvl="0"/>
-            <a:r>
-              <a:rPr/>
-              <a:t>Especificidade.[REF]</a:t>
-            </a:r>
-          </a:p>
-          <a:p>
-            <a:pPr lvl="0"/>
-            <a:r>
-              <a:rPr/>
-              <a:t>Valor preditivo positivo.[REF]</a:t>
-            </a:r>
-          </a:p>
-          <a:p>
-            <a:pPr lvl="0"/>
-            <a:r>
-              <a:rPr/>
-              <a:t>Valor preditivo negativo.[REF]</a:t>
-            </a:r>
-          </a:p>
-          <a:p>
-            <a:pPr lvl="0" indent="0" marL="0">
-              <a:buNone/>
-            </a:pPr>
+              <a:t>Desempenho diagnóstico</a:t>
+            </a:r>
           </a:p>
         </p:txBody>
       </p:sp>
@@ -18369,7 +19767,7 @@
             </a:pPr>
             <a:r>
               <a:rPr/>
-              <a:t>Curvas ROC</a:t>
+              <a:t>Tabelas 2x2</a:t>
             </a:r>
           </a:p>
         </p:txBody>
@@ -18408,18 +19806,42 @@
             </a:pPr>
             <a:r>
               <a:rPr b="1"/>
-              <a:t>Como analisar o desempenho diagnóstico em desfechos com distribuição trimodal na população?</a:t>
-            </a:r>
-          </a:p>
-          <a:p>
-            <a:pPr lvl="0"/>
-            <a:r>
-              <a:rPr/>
-              <a:t>Limiares duplos podem ser utilizados para análise de desempenho diagnóstico de testes com distribuição trimodal.</a:t>
-            </a:r>
-            <a:r>
-              <a:rPr baseline="30000"/>
-              <a:t>88</a:t>
+              <a:t>Como analisar o desempenho diagnóstico em tabelas 2x2?</a:t>
+            </a:r>
+          </a:p>
+          <a:p>
+            <a:pPr lvl="0"/>
+            <a:r>
+              <a:rPr/>
+              <a:t>Acurácia.[REF]</a:t>
+            </a:r>
+          </a:p>
+          <a:p>
+            <a:pPr lvl="0"/>
+            <a:r>
+              <a:rPr/>
+              <a:t>Sensibilidade.[REF]</a:t>
+            </a:r>
+          </a:p>
+          <a:p>
+            <a:pPr lvl="0"/>
+            <a:r>
+              <a:rPr/>
+              <a:t>Especificidade.[REF]</a:t>
+            </a:r>
+          </a:p>
+          <a:p>
+            <a:pPr lvl="0"/>
+            <a:r>
+              <a:rPr/>
+              <a:t>Valor preditivo positivo.[REF]</a:t>
+            </a:r>
+          </a:p>
+          <a:p>
+            <a:pPr lvl="0"/>
+            <a:r>
+              <a:rPr/>
+              <a:t>Valor preditivo negativo.[REF]</a:t>
             </a:r>
           </a:p>
           <a:p>
@@ -18435,6 +19857,119 @@
 </file>
 
 <file path=ppt/slides/slide65.xml><?xml version="1.0" encoding="utf-8"?>
+<p:sld xmlns:a="http://schemas.openxmlformats.org/drawingml/2006/main" xmlns:r="http://schemas.openxmlformats.org/officeDocument/2006/relationships" xmlns:p="http://schemas.openxmlformats.org/presentationml/2006/main">
+  <p:cSld>
+    <p:spTree>
+      <p:nvGrpSpPr>
+        <p:cNvPr id="1" name=""/>
+        <p:cNvGrpSpPr/>
+        <p:nvPr/>
+      </p:nvGrpSpPr>
+      <p:grpSpPr>
+        <a:xfrm>
+          <a:off x="0" y="0"/>
+          <a:ext cx="0" cy="0"/>
+          <a:chOff x="0" y="0"/>
+          <a:chExt cx="0" cy="0"/>
+        </a:xfrm>
+      </p:grpSpPr>
+      <p:sp>
+        <p:nvSpPr>
+          <p:cNvPr id="2" name="Title 1">
+            <a:extLst>
+              <a:ext uri="{FF2B5EF4-FFF2-40B4-BE49-F238E27FC236}">
+                <a16:creationId xmlns:a16="http://schemas.microsoft.com/office/drawing/2014/main" id="{0277F749-6ED4-3E49-963A-830033252F78}"/>
+              </a:ext>
+            </a:extLst>
+          </p:cNvPr>
+          <p:cNvSpPr>
+            <a:spLocks noGrp="1"/>
+          </p:cNvSpPr>
+          <p:nvPr>
+            <p:ph type="title"/>
+          </p:nvPr>
+        </p:nvSpPr>
+        <p:spPr>
+          <a:xfrm>
+            <a:off x="0" y="17256"/>
+            <a:ext cx="10515600" cy="663782"/>
+          </a:xfrm>
+        </p:spPr>
+        <p:txBody>
+          <a:bodyPr/>
+          <a:lstStyle/>
+          <a:p>
+            <a:pPr lvl="0" indent="0" marL="0">
+              <a:buNone/>
+            </a:pPr>
+            <a:r>
+              <a:rPr/>
+              <a:t>Curvas ROC</a:t>
+            </a:r>
+          </a:p>
+        </p:txBody>
+      </p:sp>
+      <p:sp>
+        <p:nvSpPr>
+          <p:cNvPr id="3" name="Content Placeholder 2">
+            <a:extLst>
+              <a:ext uri="{FF2B5EF4-FFF2-40B4-BE49-F238E27FC236}">
+                <a16:creationId xmlns:a16="http://schemas.microsoft.com/office/drawing/2014/main" id="{1574FA24-F1CC-B240-AAF9-A2DF684B1C54}"/>
+              </a:ext>
+            </a:extLst>
+          </p:cNvPr>
+          <p:cNvSpPr>
+            <a:spLocks noGrp="1"/>
+          </p:cNvSpPr>
+          <p:nvPr>
+            <p:ph idx="1"/>
+          </p:nvPr>
+        </p:nvSpPr>
+        <p:spPr/>
+        <p:txBody>
+          <a:bodyPr/>
+          <a:lstStyle/>
+          <a:p>
+            <a:pPr lvl="0" indent="0" marL="0">
+              <a:buNone/>
+            </a:pPr>
+          </a:p>
+          <a:p>
+            <a:pPr lvl="0" indent="0" marL="0">
+              <a:spcBef>
+                <a:spcPts val="3000"/>
+              </a:spcBef>
+              <a:buNone/>
+            </a:pPr>
+            <a:r>
+              <a:rPr b="1"/>
+              <a:t>Como analisar o desempenho diagnóstico em desfechos com distribuição trimodal na população?</a:t>
+            </a:r>
+          </a:p>
+          <a:p>
+            <a:pPr lvl="0"/>
+            <a:r>
+              <a:rPr/>
+              <a:t>Limiares duplos podem ser utilizados para análise de desempenho diagnóstico de testes com distribuição trimodal.</a:t>
+            </a:r>
+            <a:r>
+              <a:rPr baseline="30000"/>
+              <a:t>91</a:t>
+            </a:r>
+          </a:p>
+          <a:p>
+            <a:pPr lvl="0" indent="0" marL="0">
+              <a:buNone/>
+            </a:pPr>
+          </a:p>
+        </p:txBody>
+      </p:sp>
+    </p:spTree>
+  </p:cSld>
+</p:sld>
+</file>
+
+<file path=ppt/slides/slide66.xml><?xml version="1.0" encoding="utf-8"?>
 <p:sld xmlns:a="http://schemas.openxmlformats.org/drawingml/2006/main" xmlns:r="http://schemas.openxmlformats.org/officeDocument/2006/relationships" xmlns:p="http://schemas.openxmlformats.org/presentationml/2006/main">
   <p:cSld>
     <p:spTree>
@@ -18484,202 +20019,6 @@
               <a:rPr b="1"/>
               <a:t>Concordância e confiabilidade</a:t>
             </a:r>
-          </a:p>
-        </p:txBody>
-      </p:sp>
-    </p:spTree>
-  </p:cSld>
-</p:sld>
-</file>
-
-<file path=ppt/slides/slide66.xml><?xml version="1.0" encoding="utf-8"?>
-<p:sld xmlns:a="http://schemas.openxmlformats.org/drawingml/2006/main" xmlns:r="http://schemas.openxmlformats.org/officeDocument/2006/relationships" xmlns:p="http://schemas.openxmlformats.org/presentationml/2006/main">
-  <p:cSld>
-    <p:spTree>
-      <p:nvGrpSpPr>
-        <p:cNvPr id="1" name=""/>
-        <p:cNvGrpSpPr/>
-        <p:nvPr/>
-      </p:nvGrpSpPr>
-      <p:grpSpPr>
-        <a:xfrm>
-          <a:off x="0" y="0"/>
-          <a:ext cx="0" cy="0"/>
-          <a:chOff x="0" y="0"/>
-          <a:chExt cx="0" cy="0"/>
-        </a:xfrm>
-      </p:grpSpPr>
-      <p:sp>
-        <p:nvSpPr>
-          <p:cNvPr id="2" name="Title 1">
-            <a:extLst>
-              <a:ext uri="{FF2B5EF4-FFF2-40B4-BE49-F238E27FC236}">
-                <a16:creationId xmlns:a16="http://schemas.microsoft.com/office/drawing/2014/main" id="{0277F749-6ED4-3E49-963A-830033252F78}"/>
-              </a:ext>
-            </a:extLst>
-          </p:cNvPr>
-          <p:cNvSpPr>
-            <a:spLocks noGrp="1"/>
-          </p:cNvSpPr>
-          <p:nvPr>
-            <p:ph type="title"/>
-          </p:nvPr>
-        </p:nvSpPr>
-        <p:spPr>
-          <a:xfrm>
-            <a:off x="0" y="17256"/>
-            <a:ext cx="10515600" cy="663782"/>
-          </a:xfrm>
-        </p:spPr>
-        <p:txBody>
-          <a:bodyPr/>
-          <a:lstStyle/>
-          <a:p>
-            <a:pPr lvl="0" indent="0" marL="0">
-              <a:buNone/>
-            </a:pPr>
-            <a:r>
-              <a:rPr/>
-              <a:t>Problemas de pesquisa</a:t>
-            </a:r>
-          </a:p>
-        </p:txBody>
-      </p:sp>
-      <p:sp>
-        <p:nvSpPr>
-          <p:cNvPr id="3" name="Content Placeholder 2">
-            <a:extLst>
-              <a:ext uri="{FF2B5EF4-FFF2-40B4-BE49-F238E27FC236}">
-                <a16:creationId xmlns:a16="http://schemas.microsoft.com/office/drawing/2014/main" id="{1574FA24-F1CC-B240-AAF9-A2DF684B1C54}"/>
-              </a:ext>
-            </a:extLst>
-          </p:cNvPr>
-          <p:cNvSpPr>
-            <a:spLocks noGrp="1"/>
-          </p:cNvSpPr>
-          <p:nvPr>
-            <p:ph idx="1"/>
-          </p:nvPr>
-        </p:nvSpPr>
-        <p:spPr/>
-        <p:txBody>
-          <a:bodyPr/>
-          <a:lstStyle/>
-          <a:p>
-            <a:pPr lvl="0" indent="0" marL="0">
-              <a:buNone/>
-            </a:pPr>
-          </a:p>
-          <a:p>
-            <a:pPr lvl="0" indent="0" marL="0">
-              <a:spcBef>
-                <a:spcPts val="3000"/>
-              </a:spcBef>
-              <a:buNone/>
-            </a:pPr>
-            <a:r>
-              <a:rPr b="1"/>
-              <a:t>Quais problemas de pesquisa são investigados com estudos de conncordância e confiabilidade?</a:t>
-            </a:r>
-          </a:p>
-          <a:p>
-            <a:pPr lvl="0"/>
-            <a:r>
-              <a:rPr/>
-              <a:t>Quão reprodutíveis são as mensurações?</a:t>
-            </a:r>
-            <a:r>
-              <a:rPr baseline="30000"/>
-              <a:t>89</a:t>
-            </a:r>
-          </a:p>
-          <a:p>
-            <a:pPr lvl="0"/>
-            <a:r>
-              <a:rPr/>
-              <a:t>Os diferentes métodos medem a mesma coisa em média?</a:t>
-            </a:r>
-            <a:r>
-              <a:rPr baseline="30000"/>
-              <a:t>89</a:t>
-            </a:r>
-          </a:p>
-          <a:p>
-            <a:pPr lvl="0"/>
-            <a:r>
-              <a:rPr/>
-              <a:t>Existe viés entre as medidas de diferentes métodos (isto é, medem a mesma coisa em média)?</a:t>
-            </a:r>
-            <a:r>
-              <a:rPr baseline="30000"/>
-              <a:t>89</a:t>
-            </a:r>
-          </a:p>
-          <a:p>
-            <a:pPr lvl="0"/>
-            <a:r>
-              <a:rPr/>
-              <a:t>Um método pode substituir o outro?</a:t>
-            </a:r>
-            <a:r>
-              <a:rPr baseline="30000"/>
-              <a:t>89</a:t>
-            </a:r>
-          </a:p>
-          <a:p>
-            <a:pPr lvl="0" indent="0" marL="0">
-              <a:buNone/>
-            </a:pPr>
-          </a:p>
-          <a:p>
-            <a:pPr lvl="0" indent="0" marL="0">
-              <a:spcBef>
-                <a:spcPts val="3000"/>
-              </a:spcBef>
-              <a:buNone/>
-            </a:pPr>
-            <a:r>
-              <a:rPr b="1"/>
-              <a:t>Quais fontes de variabilidade comumente invetigadas?</a:t>
-            </a:r>
-          </a:p>
-          <a:p>
-            <a:pPr lvl="0"/>
-            <a:r>
-              <a:rPr/>
-              <a:t>Intra/Entre sujeitos.</a:t>
-            </a:r>
-            <a:r>
-              <a:rPr baseline="30000"/>
-              <a:t>89</a:t>
-            </a:r>
-          </a:p>
-          <a:p>
-            <a:pPr lvl="0"/>
-            <a:r>
-              <a:rPr/>
-              <a:t>Intra/Entre repetições.</a:t>
-            </a:r>
-            <a:r>
-              <a:rPr baseline="30000"/>
-              <a:t>89</a:t>
-            </a:r>
-          </a:p>
-          <a:p>
-            <a:pPr lvl="0"/>
-            <a:r>
-              <a:rPr/>
-              <a:t>Intra/Entre observadores.</a:t>
-            </a:r>
-            <a:r>
-              <a:rPr baseline="30000"/>
-              <a:t>89</a:t>
-            </a:r>
-          </a:p>
-          <a:p>
-            <a:pPr lvl="0" indent="0" marL="0">
-              <a:buNone/>
-            </a:pPr>
           </a:p>
         </p:txBody>
       </p:sp>
@@ -18736,6 +20075,202 @@
             </a:pPr>
             <a:r>
               <a:rPr/>
+              <a:t>Problemas de pesquisa</a:t>
+            </a:r>
+          </a:p>
+        </p:txBody>
+      </p:sp>
+      <p:sp>
+        <p:nvSpPr>
+          <p:cNvPr id="3" name="Content Placeholder 2">
+            <a:extLst>
+              <a:ext uri="{FF2B5EF4-FFF2-40B4-BE49-F238E27FC236}">
+                <a16:creationId xmlns:a16="http://schemas.microsoft.com/office/drawing/2014/main" id="{1574FA24-F1CC-B240-AAF9-A2DF684B1C54}"/>
+              </a:ext>
+            </a:extLst>
+          </p:cNvPr>
+          <p:cNvSpPr>
+            <a:spLocks noGrp="1"/>
+          </p:cNvSpPr>
+          <p:nvPr>
+            <p:ph idx="1"/>
+          </p:nvPr>
+        </p:nvSpPr>
+        <p:spPr/>
+        <p:txBody>
+          <a:bodyPr/>
+          <a:lstStyle/>
+          <a:p>
+            <a:pPr lvl="0" indent="0" marL="0">
+              <a:buNone/>
+            </a:pPr>
+          </a:p>
+          <a:p>
+            <a:pPr lvl="0" indent="0" marL="0">
+              <a:spcBef>
+                <a:spcPts val="3000"/>
+              </a:spcBef>
+              <a:buNone/>
+            </a:pPr>
+            <a:r>
+              <a:rPr b="1"/>
+              <a:t>Quais problemas de pesquisa são investigados com estudos de conncordância e confiabilidade?</a:t>
+            </a:r>
+          </a:p>
+          <a:p>
+            <a:pPr lvl="0"/>
+            <a:r>
+              <a:rPr/>
+              <a:t>Quão reprodutíveis são as mensurações?</a:t>
+            </a:r>
+            <a:r>
+              <a:rPr baseline="30000"/>
+              <a:t>92</a:t>
+            </a:r>
+          </a:p>
+          <a:p>
+            <a:pPr lvl="0"/>
+            <a:r>
+              <a:rPr/>
+              <a:t>Os diferentes métodos medem a mesma coisa em média?</a:t>
+            </a:r>
+            <a:r>
+              <a:rPr baseline="30000"/>
+              <a:t>92</a:t>
+            </a:r>
+          </a:p>
+          <a:p>
+            <a:pPr lvl="0"/>
+            <a:r>
+              <a:rPr/>
+              <a:t>Existe viés entre as medidas de diferentes métodos (isto é, medem a mesma coisa em média)?</a:t>
+            </a:r>
+            <a:r>
+              <a:rPr baseline="30000"/>
+              <a:t>92</a:t>
+            </a:r>
+          </a:p>
+          <a:p>
+            <a:pPr lvl="0"/>
+            <a:r>
+              <a:rPr/>
+              <a:t>Um método pode substituir o outro?</a:t>
+            </a:r>
+            <a:r>
+              <a:rPr baseline="30000"/>
+              <a:t>92</a:t>
+            </a:r>
+          </a:p>
+          <a:p>
+            <a:pPr lvl="0" indent="0" marL="0">
+              <a:buNone/>
+            </a:pPr>
+          </a:p>
+          <a:p>
+            <a:pPr lvl="0" indent="0" marL="0">
+              <a:spcBef>
+                <a:spcPts val="3000"/>
+              </a:spcBef>
+              <a:buNone/>
+            </a:pPr>
+            <a:r>
+              <a:rPr b="1"/>
+              <a:t>Quais fontes de variabilidade comumente invetigadas?</a:t>
+            </a:r>
+          </a:p>
+          <a:p>
+            <a:pPr lvl="0"/>
+            <a:r>
+              <a:rPr/>
+              <a:t>Intra/Entre sujeitos.</a:t>
+            </a:r>
+            <a:r>
+              <a:rPr baseline="30000"/>
+              <a:t>92</a:t>
+            </a:r>
+          </a:p>
+          <a:p>
+            <a:pPr lvl="0"/>
+            <a:r>
+              <a:rPr/>
+              <a:t>Intra/Entre repetições.</a:t>
+            </a:r>
+            <a:r>
+              <a:rPr baseline="30000"/>
+              <a:t>92</a:t>
+            </a:r>
+          </a:p>
+          <a:p>
+            <a:pPr lvl="0"/>
+            <a:r>
+              <a:rPr/>
+              <a:t>Intra/Entre observadores.</a:t>
+            </a:r>
+            <a:r>
+              <a:rPr baseline="30000"/>
+              <a:t>92</a:t>
+            </a:r>
+          </a:p>
+          <a:p>
+            <a:pPr lvl="0" indent="0" marL="0">
+              <a:buNone/>
+            </a:pPr>
+          </a:p>
+        </p:txBody>
+      </p:sp>
+    </p:spTree>
+  </p:cSld>
+</p:sld>
+</file>
+
+<file path=ppt/slides/slide68.xml><?xml version="1.0" encoding="utf-8"?>
+<p:sld xmlns:a="http://schemas.openxmlformats.org/drawingml/2006/main" xmlns:r="http://schemas.openxmlformats.org/officeDocument/2006/relationships" xmlns:p="http://schemas.openxmlformats.org/presentationml/2006/main">
+  <p:cSld>
+    <p:spTree>
+      <p:nvGrpSpPr>
+        <p:cNvPr id="1" name=""/>
+        <p:cNvGrpSpPr/>
+        <p:nvPr/>
+      </p:nvGrpSpPr>
+      <p:grpSpPr>
+        <a:xfrm>
+          <a:off x="0" y="0"/>
+          <a:ext cx="0" cy="0"/>
+          <a:chOff x="0" y="0"/>
+          <a:chExt cx="0" cy="0"/>
+        </a:xfrm>
+      </p:grpSpPr>
+      <p:sp>
+        <p:nvSpPr>
+          <p:cNvPr id="2" name="Title 1">
+            <a:extLst>
+              <a:ext uri="{FF2B5EF4-FFF2-40B4-BE49-F238E27FC236}">
+                <a16:creationId xmlns:a16="http://schemas.microsoft.com/office/drawing/2014/main" id="{0277F749-6ED4-3E49-963A-830033252F78}"/>
+              </a:ext>
+            </a:extLst>
+          </p:cNvPr>
+          <p:cNvSpPr>
+            <a:spLocks noGrp="1"/>
+          </p:cNvSpPr>
+          <p:nvPr>
+            <p:ph type="title"/>
+          </p:nvPr>
+        </p:nvSpPr>
+        <p:spPr>
+          <a:xfrm>
+            <a:off x="0" y="17256"/>
+            <a:ext cx="10515600" cy="663782"/>
+          </a:xfrm>
+        </p:spPr>
+        <p:txBody>
+          <a:bodyPr/>
+          <a:lstStyle/>
+          <a:p>
+            <a:pPr lvl="0" indent="0" marL="0">
+              <a:buNone/>
+            </a:pPr>
+            <a:r>
+              <a:rPr/>
               <a:t>Concordância</a:t>
             </a:r>
           </a:p>
@@ -18788,7 +20323,7 @@
                 </a:r>
                 <a:r>
                   <a:rPr baseline="30000"/>
-                  <a:t>89</a:t>
+                  <a:t>92</a:t>
                 </a:r>
               </a:p>
               <a:p>
@@ -18799,7 +20334,7 @@
                 </a:r>
                 <a:r>
                   <a:rPr baseline="30000"/>
-                  <a:t>89</a:t>
+                  <a:t>92</a:t>
                 </a:r>
               </a:p>
               <a:p>
@@ -18883,7 +20418,7 @@
                 </a:r>
                 <a:r>
                   <a:rPr baseline="30000"/>
-                  <a:t>89</a:t>
+                  <a:t>92</a:t>
                 </a:r>
               </a:p>
               <a:p>
@@ -18894,7 +20429,7 @@
                 </a:r>
                 <a:r>
                   <a:rPr baseline="30000"/>
-                  <a:t>89</a:t>
+                  <a:t>92</a:t>
                 </a:r>
               </a:p>
               <a:p>
@@ -18981,7 +20516,7 @@
                 </a:r>
                 <a:r>
                   <a:rPr baseline="30000"/>
-                  <a:t>89</a:t>
+                  <a:t>92</a:t>
                 </a:r>
               </a:p>
               <a:p>
@@ -18998,7 +20533,7 @@
 </p:sld>
 </file>
 
-<file path=ppt/slides/slide68.xml><?xml version="1.0" encoding="utf-8"?>
+<file path=ppt/slides/slide69.xml><?xml version="1.0" encoding="utf-8"?>
 <p:sld xmlns:a="http://schemas.openxmlformats.org/drawingml/2006/main" xmlns:r="http://schemas.openxmlformats.org/officeDocument/2006/relationships" xmlns:p="http://schemas.openxmlformats.org/presentationml/2006/main">
   <p:cSld>
     <p:spTree>
@@ -19075,64 +20610,6 @@
             <a:pPr lvl="0" indent="0" marL="0">
               <a:buNone/>
             </a:pPr>
-          </a:p>
-        </p:txBody>
-      </p:sp>
-    </p:spTree>
-  </p:cSld>
-</p:sld>
-</file>
-
-<file path=ppt/slides/slide69.xml><?xml version="1.0" encoding="utf-8"?>
-<p:sld xmlns:a="http://schemas.openxmlformats.org/drawingml/2006/main" xmlns:r="http://schemas.openxmlformats.org/officeDocument/2006/relationships" xmlns:p="http://schemas.openxmlformats.org/presentationml/2006/main">
-  <p:cSld>
-    <p:spTree>
-      <p:nvGrpSpPr>
-        <p:cNvPr id="1" name=""/>
-        <p:cNvGrpSpPr/>
-        <p:nvPr/>
-      </p:nvGrpSpPr>
-      <p:grpSpPr>
-        <a:xfrm>
-          <a:off x="0" y="0"/>
-          <a:ext cx="0" cy="0"/>
-          <a:chOff x="0" y="0"/>
-          <a:chExt cx="0" cy="0"/>
-        </a:xfrm>
-      </p:grpSpPr>
-      <p:sp>
-        <p:nvSpPr>
-          <p:cNvPr id="2" name="Title 1">
-            <a:extLst>
-              <a:ext uri="{FF2B5EF4-FFF2-40B4-BE49-F238E27FC236}">
-                <a16:creationId xmlns:a16="http://schemas.microsoft.com/office/drawing/2014/main" id="{28A92D45-5BAF-634B-BB37-8481089F9E28}"/>
-              </a:ext>
-            </a:extLst>
-          </p:cNvPr>
-          <p:cNvSpPr>
-            <a:spLocks noGrp="1"/>
-          </p:cNvSpPr>
-          <p:nvPr>
-            <p:ph type="title"/>
-          </p:nvPr>
-        </p:nvSpPr>
-        <p:spPr>
-          <a:xfrm>
-            <a:off x="831850" y="1709738"/>
-            <a:ext cx="10515600" cy="2852737"/>
-          </a:xfrm>
-        </p:spPr>
-        <p:txBody>
-          <a:bodyPr/>
-          <a:lstStyle/>
-          <a:p>
-            <a:pPr lvl="0" indent="0" marL="0">
-              <a:buNone/>
-            </a:pPr>
-            <a:r>
-              <a:rPr b="1"/>
-              <a:t>Paradoxos estatísticos</a:t>
-            </a:r>
           </a:p>
         </p:txBody>
       </p:sp>
@@ -19334,6 +20811,64 @@
           <p:cNvPr id="2" name="Title 1">
             <a:extLst>
               <a:ext uri="{FF2B5EF4-FFF2-40B4-BE49-F238E27FC236}">
+                <a16:creationId xmlns:a16="http://schemas.microsoft.com/office/drawing/2014/main" id="{28A92D45-5BAF-634B-BB37-8481089F9E28}"/>
+              </a:ext>
+            </a:extLst>
+          </p:cNvPr>
+          <p:cNvSpPr>
+            <a:spLocks noGrp="1"/>
+          </p:cNvSpPr>
+          <p:nvPr>
+            <p:ph type="title"/>
+          </p:nvPr>
+        </p:nvSpPr>
+        <p:spPr>
+          <a:xfrm>
+            <a:off x="831850" y="1709738"/>
+            <a:ext cx="10515600" cy="2852737"/>
+          </a:xfrm>
+        </p:spPr>
+        <p:txBody>
+          <a:bodyPr/>
+          <a:lstStyle/>
+          <a:p>
+            <a:pPr lvl="0" indent="0" marL="0">
+              <a:buNone/>
+            </a:pPr>
+            <a:r>
+              <a:rPr b="1"/>
+              <a:t>Paradoxos estatísticos</a:t>
+            </a:r>
+          </a:p>
+        </p:txBody>
+      </p:sp>
+    </p:spTree>
+  </p:cSld>
+</p:sld>
+</file>
+
+<file path=ppt/slides/slide71.xml><?xml version="1.0" encoding="utf-8"?>
+<p:sld xmlns:a="http://schemas.openxmlformats.org/drawingml/2006/main" xmlns:r="http://schemas.openxmlformats.org/officeDocument/2006/relationships" xmlns:p="http://schemas.openxmlformats.org/presentationml/2006/main">
+  <p:cSld>
+    <p:spTree>
+      <p:nvGrpSpPr>
+        <p:cNvPr id="1" name=""/>
+        <p:cNvGrpSpPr/>
+        <p:nvPr/>
+      </p:nvGrpSpPr>
+      <p:grpSpPr>
+        <a:xfrm>
+          <a:off x="0" y="0"/>
+          <a:ext cx="0" cy="0"/>
+          <a:chOff x="0" y="0"/>
+          <a:chExt cx="0" cy="0"/>
+        </a:xfrm>
+      </p:grpSpPr>
+      <p:sp>
+        <p:nvSpPr>
+          <p:cNvPr id="2" name="Title 1">
+            <a:extLst>
+              <a:ext uri="{FF2B5EF4-FFF2-40B4-BE49-F238E27FC236}">
                 <a16:creationId xmlns:a16="http://schemas.microsoft.com/office/drawing/2014/main" id="{0277F749-6ED4-3E49-963A-830033252F78}"/>
               </a:ext>
             </a:extLst>
@@ -19421,7 +20956,7 @@
 </p:sld>
 </file>
 
-<file path=ppt/slides/slide71.xml><?xml version="1.0" encoding="utf-8"?>
+<file path=ppt/slides/slide72.xml><?xml version="1.0" encoding="utf-8"?>
 <p:sld xmlns:a="http://schemas.openxmlformats.org/drawingml/2006/main" xmlns:r="http://schemas.openxmlformats.org/officeDocument/2006/relationships" xmlns:p="http://schemas.openxmlformats.org/presentationml/2006/main">
   <p:cSld>
     <p:spTree>
@@ -19471,691 +21006,6 @@
               <a:rPr b="1"/>
               <a:t>Delineamento de estudos</a:t>
             </a:r>
-          </a:p>
-        </p:txBody>
-      </p:sp>
-    </p:spTree>
-  </p:cSld>
-</p:sld>
-</file>
-
-<file path=ppt/slides/slide72.xml><?xml version="1.0" encoding="utf-8"?>
-<p:sld xmlns:a="http://schemas.openxmlformats.org/drawingml/2006/main" xmlns:r="http://schemas.openxmlformats.org/officeDocument/2006/relationships" xmlns:p="http://schemas.openxmlformats.org/presentationml/2006/main">
-  <p:cSld>
-    <p:spTree>
-      <p:nvGrpSpPr>
-        <p:cNvPr id="1" name=""/>
-        <p:cNvGrpSpPr/>
-        <p:nvPr/>
-      </p:nvGrpSpPr>
-      <p:grpSpPr>
-        <a:xfrm>
-          <a:off x="0" y="0"/>
-          <a:ext cx="0" cy="0"/>
-          <a:chOff x="0" y="0"/>
-          <a:chExt cx="0" cy="0"/>
-        </a:xfrm>
-      </p:grpSpPr>
-      <p:sp>
-        <p:nvSpPr>
-          <p:cNvPr id="2" name="Title 1">
-            <a:extLst>
-              <a:ext uri="{FF2B5EF4-FFF2-40B4-BE49-F238E27FC236}">
-                <a16:creationId xmlns:a16="http://schemas.microsoft.com/office/drawing/2014/main" id="{0277F749-6ED4-3E49-963A-830033252F78}"/>
-              </a:ext>
-            </a:extLst>
-          </p:cNvPr>
-          <p:cNvSpPr>
-            <a:spLocks noGrp="1"/>
-          </p:cNvSpPr>
-          <p:nvPr>
-            <p:ph type="title"/>
-          </p:nvPr>
-        </p:nvSpPr>
-        <p:spPr>
-          <a:xfrm>
-            <a:off x="0" y="17256"/>
-            <a:ext cx="10515600" cy="663782"/>
-          </a:xfrm>
-        </p:spPr>
-        <p:txBody>
-          <a:bodyPr/>
-          <a:lstStyle/>
-          <a:p>
-            <a:pPr lvl="0" indent="0" marL="0">
-              <a:buNone/>
-            </a:pPr>
-            <a:r>
-              <a:rPr/>
-              <a:t>Classificação</a:t>
-            </a:r>
-          </a:p>
-        </p:txBody>
-      </p:sp>
-      <p:sp>
-        <p:nvSpPr>
-          <p:cNvPr id="3" name="Content Placeholder 2">
-            <a:extLst>
-              <a:ext uri="{FF2B5EF4-FFF2-40B4-BE49-F238E27FC236}">
-                <a16:creationId xmlns:a16="http://schemas.microsoft.com/office/drawing/2014/main" id="{1574FA24-F1CC-B240-AAF9-A2DF684B1C54}"/>
-              </a:ext>
-            </a:extLst>
-          </p:cNvPr>
-          <p:cNvSpPr>
-            <a:spLocks noGrp="1"/>
-          </p:cNvSpPr>
-          <p:nvPr>
-            <p:ph idx="1"/>
-          </p:nvPr>
-        </p:nvSpPr>
-        <p:spPr/>
-        <p:txBody>
-          <a:bodyPr/>
-          <a:lstStyle/>
-          <a:p>
-            <a:pPr lvl="0" indent="0" marL="0">
-              <a:buNone/>
-            </a:pPr>
-          </a:p>
-          <a:p>
-            <a:pPr lvl="0" indent="0" marL="0">
-              <a:spcBef>
-                <a:spcPts val="3000"/>
-              </a:spcBef>
-              <a:buNone/>
-            </a:pPr>
-            <a:r>
-              <a:rPr b="1"/>
-              <a:t>Como podem ser classificados os estudos científicos?</a:t>
-            </a:r>
-          </a:p>
-          <a:p>
-            <a:pPr lvl="0"/>
-            <a:r>
-              <a:rPr/>
-              <a:t>Estudos científicos podem ser classificados em </a:t>
-            </a:r>
-            <a:r>
-              <a:rPr i="1"/>
-              <a:t>básicos</a:t>
-            </a:r>
-            <a:r>
-              <a:rPr/>
-              <a:t>, </a:t>
-            </a:r>
-            <a:r>
-              <a:rPr i="1"/>
-              <a:t>observacionais</a:t>
-            </a:r>
-            <a:r>
-              <a:rPr/>
-              <a:t>, </a:t>
-            </a:r>
-            <a:r>
-              <a:rPr i="1"/>
-              <a:t>experimentais</a:t>
-            </a:r>
-            <a:r>
-              <a:rPr/>
-              <a:t>, </a:t>
-            </a:r>
-            <a:r>
-              <a:rPr i="1"/>
-              <a:t>acurácia diagnóstica</a:t>
-            </a:r>
-            <a:r>
-              <a:rPr/>
-              <a:t>, </a:t>
-            </a:r>
-            <a:r>
-              <a:rPr i="1"/>
-              <a:t>propriedades psicométricas</a:t>
-            </a:r>
-            <a:r>
-              <a:rPr/>
-              <a:t>, </a:t>
-            </a:r>
-            <a:r>
-              <a:rPr i="1"/>
-              <a:t>avaliação econômica</a:t>
-            </a:r>
-            <a:r>
-              <a:rPr/>
-              <a:t> e </a:t>
-            </a:r>
-            <a:r>
-              <a:rPr i="1"/>
-              <a:t>revisões de literatura</a:t>
-            </a:r>
-            <a:r>
-              <a:rPr/>
-              <a:t>:</a:t>
-            </a:r>
-            <a:r>
-              <a:rPr baseline="30000"/>
-              <a:t>90–99</a:t>
-            </a:r>
-          </a:p>
-          <a:p>
-            <a:pPr lvl="0"/>
-            <a:r>
-              <a:rPr i="1"/>
-              <a:t>Estudos básicos</a:t>
-            </a:r>
-            <a:r>
-              <a:rPr baseline="30000"/>
-              <a:t>91,96</a:t>
-            </a:r>
-          </a:p>
-          <a:p>
-            <a:pPr lvl="1"/>
-            <a:r>
-              <a:rPr/>
-              <a:t>Genética</a:t>
-            </a:r>
-          </a:p>
-          <a:p>
-            <a:pPr lvl="1"/>
-            <a:r>
-              <a:rPr/>
-              <a:t>Celular</a:t>
-            </a:r>
-          </a:p>
-          <a:p>
-            <a:pPr lvl="1"/>
-            <a:r>
-              <a:rPr/>
-              <a:t>Experimentos com animais</a:t>
-            </a:r>
-          </a:p>
-          <a:p>
-            <a:pPr lvl="1"/>
-            <a:r>
-              <a:rPr/>
-              <a:t>Desenvolvimento de métodos</a:t>
-            </a:r>
-          </a:p>
-          <a:p>
-            <a:pPr lvl="0"/>
-            <a:r>
-              <a:rPr i="1"/>
-              <a:t>Estudos de simulação computacional</a:t>
-            </a:r>
-            <a:r>
-              <a:rPr baseline="30000"/>
-              <a:t>97,99</a:t>
-            </a:r>
-          </a:p>
-          <a:p>
-            <a:pPr lvl="0"/>
-            <a:r>
-              <a:rPr i="1"/>
-              <a:t>Estudos observacionais</a:t>
-            </a:r>
-            <a:r>
-              <a:rPr baseline="30000"/>
-              <a:t>91,96</a:t>
-            </a:r>
-          </a:p>
-          <a:p>
-            <a:pPr lvl="1"/>
-            <a:r>
-              <a:rPr/>
-              <a:t>Descritivo</a:t>
-            </a:r>
-          </a:p>
-          <a:p>
-            <a:pPr lvl="2"/>
-            <a:r>
-              <a:rPr/>
-              <a:t>Estudo de caso</a:t>
-            </a:r>
-          </a:p>
-          <a:p>
-            <a:pPr lvl="2"/>
-            <a:r>
-              <a:rPr/>
-              <a:t>Série de casos</a:t>
-            </a:r>
-          </a:p>
-          <a:p>
-            <a:pPr lvl="2"/>
-            <a:r>
-              <a:rPr/>
-              <a:t>Transversal</a:t>
-            </a:r>
-          </a:p>
-          <a:p>
-            <a:pPr lvl="1"/>
-            <a:r>
-              <a:rPr/>
-              <a:t>Analítico</a:t>
-            </a:r>
-          </a:p>
-          <a:p>
-            <a:pPr lvl="2"/>
-            <a:r>
-              <a:rPr/>
-              <a:t>Transversal</a:t>
-            </a:r>
-          </a:p>
-          <a:p>
-            <a:pPr lvl="2"/>
-            <a:r>
-              <a:rPr/>
-              <a:t>Caso-Controle</a:t>
-            </a:r>
-          </a:p>
-          <a:p>
-            <a:pPr lvl="3"/>
-            <a:r>
-              <a:rPr/>
-              <a:t>Caso-Controle aninhado</a:t>
-            </a:r>
-          </a:p>
-          <a:p>
-            <a:pPr lvl="3"/>
-            <a:r>
-              <a:rPr/>
-              <a:t>Caso-Coorte</a:t>
-            </a:r>
-          </a:p>
-          <a:p>
-            <a:pPr lvl="1"/>
-            <a:r>
-              <a:rPr/>
-              <a:t>Coorte prospectiva ou retrospectiva</a:t>
-            </a:r>
-          </a:p>
-          <a:p>
-            <a:pPr lvl="0"/>
-            <a:r>
-              <a:rPr i="1"/>
-              <a:t>Estudos de acurácia diagnóstica</a:t>
-            </a:r>
-            <a:r>
-              <a:rPr baseline="30000"/>
-              <a:t>95,98</a:t>
-            </a:r>
-          </a:p>
-          <a:p>
-            <a:pPr lvl="1"/>
-            <a:r>
-              <a:rPr/>
-              <a:t>Transversal</a:t>
-            </a:r>
-          </a:p>
-          <a:p>
-            <a:pPr lvl="1"/>
-            <a:r>
-              <a:rPr/>
-              <a:t>Caso-Controle</a:t>
-            </a:r>
-          </a:p>
-          <a:p>
-            <a:pPr lvl="1"/>
-            <a:r>
-              <a:rPr/>
-              <a:t>Comparativo</a:t>
-            </a:r>
-          </a:p>
-          <a:p>
-            <a:pPr lvl="1"/>
-            <a:r>
-              <a:rPr/>
-              <a:t>Totalmente pareado</a:t>
-            </a:r>
-          </a:p>
-          <a:p>
-            <a:pPr lvl="1"/>
-            <a:r>
-              <a:rPr/>
-              <a:t>Parcialmente pareado com subgrupo aleatório</a:t>
-            </a:r>
-          </a:p>
-          <a:p>
-            <a:pPr lvl="1"/>
-            <a:r>
-              <a:rPr/>
-              <a:t>Parcialmente pareado com subgrupo não aleatório</a:t>
-            </a:r>
-          </a:p>
-          <a:p>
-            <a:pPr lvl="1"/>
-            <a:r>
-              <a:rPr/>
-              <a:t>Não pareado aleatório</a:t>
-            </a:r>
-          </a:p>
-          <a:p>
-            <a:pPr lvl="1"/>
-            <a:r>
-              <a:rPr/>
-              <a:t>Não pareado não aleatório</a:t>
-            </a:r>
-          </a:p>
-          <a:p>
-            <a:pPr lvl="0"/>
-            <a:r>
-              <a:rPr i="1"/>
-              <a:t>Estudos de propriedades psicométricas</a:t>
-            </a:r>
-            <a:r>
-              <a:rPr baseline="30000"/>
-              <a:t>92,94</a:t>
-            </a:r>
-          </a:p>
-          <a:p>
-            <a:pPr lvl="1"/>
-            <a:r>
-              <a:rPr/>
-              <a:t>Validade</a:t>
-            </a:r>
-          </a:p>
-          <a:p>
-            <a:pPr lvl="1"/>
-            <a:r>
-              <a:rPr/>
-              <a:t>Confiabilidade</a:t>
-            </a:r>
-          </a:p>
-          <a:p>
-            <a:pPr lvl="1"/>
-            <a:r>
-              <a:rPr/>
-              <a:t>Concordância</a:t>
-            </a:r>
-          </a:p>
-          <a:p>
-            <a:pPr lvl="0"/>
-            <a:r>
-              <a:rPr i="1"/>
-              <a:t>Estudos quase-experimentais</a:t>
-            </a:r>
-            <a:r>
-              <a:rPr baseline="30000"/>
-              <a:t>93</a:t>
-            </a:r>
-          </a:p>
-          <a:p>
-            <a:pPr lvl="1"/>
-            <a:r>
-              <a:rPr/>
-              <a:t>Quase-aleatorizado controlado</a:t>
-            </a:r>
-          </a:p>
-          <a:p>
-            <a:pPr lvl="1"/>
-            <a:r>
-              <a:rPr/>
-              <a:t>Estimação de variável instrumental</a:t>
-            </a:r>
-          </a:p>
-          <a:p>
-            <a:pPr lvl="1"/>
-            <a:r>
-              <a:rPr/>
-              <a:t>Descontinuidadede regressão</a:t>
-            </a:r>
-          </a:p>
-          <a:p>
-            <a:pPr lvl="1"/>
-            <a:r>
-              <a:rPr/>
-              <a:t>Série temporal interrompida controlada</a:t>
-            </a:r>
-          </a:p>
-          <a:p>
-            <a:pPr lvl="1"/>
-            <a:r>
-              <a:rPr/>
-              <a:t>Série temporal interrompida</a:t>
-            </a:r>
-          </a:p>
-          <a:p>
-            <a:pPr lvl="1"/>
-            <a:r>
-              <a:rPr/>
-              <a:t>Diferença</a:t>
-            </a:r>
-          </a:p>
-          <a:p>
-            <a:pPr lvl="0"/>
-            <a:r>
-              <a:rPr i="1"/>
-              <a:t>Estudos experimentais</a:t>
-            </a:r>
-            <a:r>
-              <a:rPr baseline="30000"/>
-              <a:t>91,96</a:t>
-            </a:r>
-          </a:p>
-          <a:p>
-            <a:pPr lvl="1"/>
-            <a:r>
-              <a:rPr/>
-              <a:t>Fases I a IV</a:t>
-            </a:r>
-          </a:p>
-          <a:p>
-            <a:pPr lvl="2"/>
-            <a:r>
-              <a:rPr/>
-              <a:t>Aleatorizado controlado</a:t>
-            </a:r>
-          </a:p>
-          <a:p>
-            <a:pPr lvl="2"/>
-            <a:r>
-              <a:rPr/>
-              <a:t>Não-aleatorizado controlado</a:t>
-            </a:r>
-          </a:p>
-          <a:p>
-            <a:pPr lvl="2"/>
-            <a:r>
-              <a:rPr/>
-              <a:t>Autocontrolado</a:t>
-            </a:r>
-          </a:p>
-          <a:p>
-            <a:pPr lvl="2"/>
-            <a:r>
-              <a:rPr/>
-              <a:t>Cruzado</a:t>
-            </a:r>
-          </a:p>
-          <a:p>
-            <a:pPr lvl="2"/>
-            <a:r>
-              <a:rPr/>
-              <a:t>Fatorial</a:t>
-            </a:r>
-          </a:p>
-          <a:p>
-            <a:pPr lvl="1"/>
-            <a:r>
-              <a:rPr/>
-              <a:t>Campo</a:t>
-            </a:r>
-          </a:p>
-          <a:p>
-            <a:pPr lvl="1"/>
-            <a:r>
-              <a:rPr/>
-              <a:t>Comunitário</a:t>
-            </a:r>
-          </a:p>
-          <a:p>
-            <a:pPr lvl="0"/>
-            <a:r>
-              <a:rPr i="1"/>
-              <a:t>Estudos de avaliação econômica</a:t>
-            </a:r>
-            <a:r>
-              <a:rPr baseline="30000"/>
-              <a:t>91</a:t>
-            </a:r>
-          </a:p>
-          <a:p>
-            <a:pPr lvl="1"/>
-            <a:r>
-              <a:rPr/>
-              <a:t>Análise de custo</a:t>
-            </a:r>
-          </a:p>
-          <a:p>
-            <a:pPr lvl="1"/>
-            <a:r>
-              <a:rPr/>
-              <a:t>Análise de minimização de custo</a:t>
-            </a:r>
-          </a:p>
-          <a:p>
-            <a:pPr lvl="1"/>
-            <a:r>
-              <a:rPr/>
-              <a:t>Análise de custo-utilidade</a:t>
-            </a:r>
-          </a:p>
-          <a:p>
-            <a:pPr lvl="1"/>
-            <a:r>
-              <a:rPr/>
-              <a:t>Análise de custo-efetividade</a:t>
-            </a:r>
-          </a:p>
-          <a:p>
-            <a:pPr lvl="1"/>
-            <a:r>
-              <a:rPr/>
-              <a:t>Análise de custo-benefício</a:t>
-            </a:r>
-          </a:p>
-          <a:p>
-            <a:pPr lvl="0"/>
-            <a:r>
-              <a:rPr i="1"/>
-              <a:t>Estudos de revisão</a:t>
-            </a:r>
-            <a:r>
-              <a:rPr baseline="30000"/>
-              <a:t>90</a:t>
-            </a:r>
-          </a:p>
-          <a:p>
-            <a:pPr lvl="1"/>
-            <a:r>
-              <a:rPr/>
-              <a:t>Estado-da-arte</a:t>
-            </a:r>
-          </a:p>
-          <a:p>
-            <a:pPr lvl="1"/>
-            <a:r>
-              <a:rPr/>
-              <a:t>Narrativa</a:t>
-            </a:r>
-          </a:p>
-          <a:p>
-            <a:pPr lvl="1"/>
-            <a:r>
-              <a:rPr/>
-              <a:t>Crítica</a:t>
-            </a:r>
-          </a:p>
-          <a:p>
-            <a:pPr lvl="1"/>
-            <a:r>
-              <a:rPr/>
-              <a:t>Mapeamento</a:t>
-            </a:r>
-          </a:p>
-          <a:p>
-            <a:pPr lvl="1"/>
-            <a:r>
-              <a:rPr/>
-              <a:t>Escopo</a:t>
-            </a:r>
-          </a:p>
-          <a:p>
-            <a:pPr lvl="1"/>
-            <a:r>
-              <a:rPr/>
-              <a:t>Busca e revisão sistemática</a:t>
-            </a:r>
-          </a:p>
-          <a:p>
-            <a:pPr lvl="1"/>
-            <a:r>
-              <a:rPr/>
-              <a:t>Sistematizada</a:t>
-            </a:r>
-          </a:p>
-          <a:p>
-            <a:pPr lvl="1"/>
-            <a:r>
-              <a:rPr/>
-              <a:t>Sistemática</a:t>
-            </a:r>
-          </a:p>
-          <a:p>
-            <a:pPr lvl="2"/>
-            <a:r>
-              <a:rPr/>
-              <a:t>Meta-análise</a:t>
-            </a:r>
-          </a:p>
-          <a:p>
-            <a:pPr lvl="2"/>
-            <a:r>
-              <a:rPr/>
-              <a:t>Bibliométrica.</a:t>
-            </a:r>
-            <a:r>
-              <a:rPr baseline="30000"/>
-              <a:t>100,101</a:t>
-            </a:r>
-          </a:p>
-          <a:p>
-            <a:pPr lvl="1"/>
-            <a:r>
-              <a:rPr/>
-              <a:t>Sistemática qualitativa</a:t>
-            </a:r>
-          </a:p>
-          <a:p>
-            <a:pPr lvl="1"/>
-            <a:r>
-              <a:rPr/>
-              <a:t>Mista</a:t>
-            </a:r>
-          </a:p>
-          <a:p>
-            <a:pPr lvl="1"/>
-            <a:r>
-              <a:rPr/>
-              <a:t>Visão geral</a:t>
-            </a:r>
-          </a:p>
-          <a:p>
-            <a:pPr lvl="1"/>
-            <a:r>
-              <a:rPr/>
-              <a:t>Rápida</a:t>
-            </a:r>
-          </a:p>
-          <a:p>
-            <a:pPr lvl="1"/>
-            <a:r>
-              <a:rPr/>
-              <a:t>Guarda-chuva</a:t>
-            </a:r>
-          </a:p>
-          <a:p>
-            <a:pPr lvl="0" indent="0" marL="0">
-              <a:buNone/>
-            </a:pPr>
           </a:p>
         </p:txBody>
       </p:sp>
@@ -20212,7 +21062,7 @@
             </a:pPr>
             <a:r>
               <a:rPr/>
-              <a:t>Amostragem</a:t>
+              <a:t>Classificação</a:t>
             </a:r>
           </a:p>
         </p:txBody>
@@ -20251,14 +21101,590 @@
             </a:pPr>
             <a:r>
               <a:rPr b="1"/>
-              <a:t>O que é amostragem?</a:t>
-            </a:r>
-          </a:p>
-          <a:p>
-            <a:pPr lvl="0"/>
-            <a:r>
-              <a:rPr/>
-              <a:t>.[REF]</a:t>
+              <a:t>Como podem ser classificados os estudos científicos?</a:t>
+            </a:r>
+          </a:p>
+          <a:p>
+            <a:pPr lvl="0"/>
+            <a:r>
+              <a:rPr/>
+              <a:t>Estudos científicos podem ser classificados em </a:t>
+            </a:r>
+            <a:r>
+              <a:rPr i="1"/>
+              <a:t>básicos</a:t>
+            </a:r>
+            <a:r>
+              <a:rPr/>
+              <a:t>, </a:t>
+            </a:r>
+            <a:r>
+              <a:rPr i="1"/>
+              <a:t>observacionais</a:t>
+            </a:r>
+            <a:r>
+              <a:rPr/>
+              <a:t>, </a:t>
+            </a:r>
+            <a:r>
+              <a:rPr i="1"/>
+              <a:t>experimentais</a:t>
+            </a:r>
+            <a:r>
+              <a:rPr/>
+              <a:t>, </a:t>
+            </a:r>
+            <a:r>
+              <a:rPr i="1"/>
+              <a:t>acurácia diagnóstica</a:t>
+            </a:r>
+            <a:r>
+              <a:rPr/>
+              <a:t>, </a:t>
+            </a:r>
+            <a:r>
+              <a:rPr i="1"/>
+              <a:t>propriedades psicométricas</a:t>
+            </a:r>
+            <a:r>
+              <a:rPr/>
+              <a:t>, </a:t>
+            </a:r>
+            <a:r>
+              <a:rPr i="1"/>
+              <a:t>avaliação econômica</a:t>
+            </a:r>
+            <a:r>
+              <a:rPr/>
+              <a:t> e </a:t>
+            </a:r>
+            <a:r>
+              <a:rPr i="1"/>
+              <a:t>revisões de literatura</a:t>
+            </a:r>
+            <a:r>
+              <a:rPr/>
+              <a:t>:</a:t>
+            </a:r>
+            <a:r>
+              <a:rPr baseline="30000"/>
+              <a:t>93–102</a:t>
+            </a:r>
+          </a:p>
+          <a:p>
+            <a:pPr lvl="0"/>
+            <a:r>
+              <a:rPr i="1"/>
+              <a:t>Estudos básicos</a:t>
+            </a:r>
+            <a:r>
+              <a:rPr baseline="30000"/>
+              <a:t>94,99</a:t>
+            </a:r>
+          </a:p>
+          <a:p>
+            <a:pPr lvl="1"/>
+            <a:r>
+              <a:rPr/>
+              <a:t>Genética</a:t>
+            </a:r>
+          </a:p>
+          <a:p>
+            <a:pPr lvl="1"/>
+            <a:r>
+              <a:rPr/>
+              <a:t>Celular</a:t>
+            </a:r>
+          </a:p>
+          <a:p>
+            <a:pPr lvl="1"/>
+            <a:r>
+              <a:rPr/>
+              <a:t>Experimentos com animais</a:t>
+            </a:r>
+          </a:p>
+          <a:p>
+            <a:pPr lvl="1"/>
+            <a:r>
+              <a:rPr/>
+              <a:t>Desenvolvimento de métodos</a:t>
+            </a:r>
+          </a:p>
+          <a:p>
+            <a:pPr lvl="0"/>
+            <a:r>
+              <a:rPr i="1"/>
+              <a:t>Estudos de simulação computacional</a:t>
+            </a:r>
+            <a:r>
+              <a:rPr baseline="30000"/>
+              <a:t>100,102</a:t>
+            </a:r>
+          </a:p>
+          <a:p>
+            <a:pPr lvl="0"/>
+            <a:r>
+              <a:rPr i="1"/>
+              <a:t>Estudos observacionais</a:t>
+            </a:r>
+            <a:r>
+              <a:rPr baseline="30000"/>
+              <a:t>94,99</a:t>
+            </a:r>
+          </a:p>
+          <a:p>
+            <a:pPr lvl="1"/>
+            <a:r>
+              <a:rPr/>
+              <a:t>Descritivo</a:t>
+            </a:r>
+          </a:p>
+          <a:p>
+            <a:pPr lvl="2"/>
+            <a:r>
+              <a:rPr/>
+              <a:t>Estudo de caso</a:t>
+            </a:r>
+          </a:p>
+          <a:p>
+            <a:pPr lvl="2"/>
+            <a:r>
+              <a:rPr/>
+              <a:t>Série de casos</a:t>
+            </a:r>
+          </a:p>
+          <a:p>
+            <a:pPr lvl="2"/>
+            <a:r>
+              <a:rPr/>
+              <a:t>Transversal</a:t>
+            </a:r>
+          </a:p>
+          <a:p>
+            <a:pPr lvl="1"/>
+            <a:r>
+              <a:rPr/>
+              <a:t>Analítico</a:t>
+            </a:r>
+          </a:p>
+          <a:p>
+            <a:pPr lvl="2"/>
+            <a:r>
+              <a:rPr/>
+              <a:t>Transversal</a:t>
+            </a:r>
+          </a:p>
+          <a:p>
+            <a:pPr lvl="2"/>
+            <a:r>
+              <a:rPr/>
+              <a:t>Caso-Controle</a:t>
+            </a:r>
+          </a:p>
+          <a:p>
+            <a:pPr lvl="3"/>
+            <a:r>
+              <a:rPr/>
+              <a:t>Caso-Controle aninhado</a:t>
+            </a:r>
+          </a:p>
+          <a:p>
+            <a:pPr lvl="3"/>
+            <a:r>
+              <a:rPr/>
+              <a:t>Caso-Coorte</a:t>
+            </a:r>
+          </a:p>
+          <a:p>
+            <a:pPr lvl="1"/>
+            <a:r>
+              <a:rPr/>
+              <a:t>Coorte prospectiva ou retrospectiva</a:t>
+            </a:r>
+          </a:p>
+          <a:p>
+            <a:pPr lvl="0"/>
+            <a:r>
+              <a:rPr i="1"/>
+              <a:t>Estudos de acurácia diagnóstica</a:t>
+            </a:r>
+            <a:r>
+              <a:rPr baseline="30000"/>
+              <a:t>98,101</a:t>
+            </a:r>
+          </a:p>
+          <a:p>
+            <a:pPr lvl="1"/>
+            <a:r>
+              <a:rPr/>
+              <a:t>Transversal</a:t>
+            </a:r>
+          </a:p>
+          <a:p>
+            <a:pPr lvl="1"/>
+            <a:r>
+              <a:rPr/>
+              <a:t>Caso-Controle</a:t>
+            </a:r>
+          </a:p>
+          <a:p>
+            <a:pPr lvl="1"/>
+            <a:r>
+              <a:rPr/>
+              <a:t>Comparativo</a:t>
+            </a:r>
+          </a:p>
+          <a:p>
+            <a:pPr lvl="1"/>
+            <a:r>
+              <a:rPr/>
+              <a:t>Totalmente pareado</a:t>
+            </a:r>
+          </a:p>
+          <a:p>
+            <a:pPr lvl="1"/>
+            <a:r>
+              <a:rPr/>
+              <a:t>Parcialmente pareado com subgrupo aleatório</a:t>
+            </a:r>
+          </a:p>
+          <a:p>
+            <a:pPr lvl="1"/>
+            <a:r>
+              <a:rPr/>
+              <a:t>Parcialmente pareado com subgrupo não aleatório</a:t>
+            </a:r>
+          </a:p>
+          <a:p>
+            <a:pPr lvl="1"/>
+            <a:r>
+              <a:rPr/>
+              <a:t>Não pareado aleatório</a:t>
+            </a:r>
+          </a:p>
+          <a:p>
+            <a:pPr lvl="1"/>
+            <a:r>
+              <a:rPr/>
+              <a:t>Não pareado não aleatório</a:t>
+            </a:r>
+          </a:p>
+          <a:p>
+            <a:pPr lvl="0"/>
+            <a:r>
+              <a:rPr i="1"/>
+              <a:t>Estudos de propriedades psicométricas</a:t>
+            </a:r>
+            <a:r>
+              <a:rPr baseline="30000"/>
+              <a:t>95,97</a:t>
+            </a:r>
+          </a:p>
+          <a:p>
+            <a:pPr lvl="1"/>
+            <a:r>
+              <a:rPr/>
+              <a:t>Validade</a:t>
+            </a:r>
+          </a:p>
+          <a:p>
+            <a:pPr lvl="1"/>
+            <a:r>
+              <a:rPr/>
+              <a:t>Confiabilidade</a:t>
+            </a:r>
+          </a:p>
+          <a:p>
+            <a:pPr lvl="1"/>
+            <a:r>
+              <a:rPr/>
+              <a:t>Concordância</a:t>
+            </a:r>
+          </a:p>
+          <a:p>
+            <a:pPr lvl="0"/>
+            <a:r>
+              <a:rPr i="1"/>
+              <a:t>Estudos quase-experimentais</a:t>
+            </a:r>
+            <a:r>
+              <a:rPr baseline="30000"/>
+              <a:t>96</a:t>
+            </a:r>
+          </a:p>
+          <a:p>
+            <a:pPr lvl="1"/>
+            <a:r>
+              <a:rPr/>
+              <a:t>Quase-aleatorizado controlado</a:t>
+            </a:r>
+          </a:p>
+          <a:p>
+            <a:pPr lvl="1"/>
+            <a:r>
+              <a:rPr/>
+              <a:t>Estimação de variável instrumental</a:t>
+            </a:r>
+          </a:p>
+          <a:p>
+            <a:pPr lvl="1"/>
+            <a:r>
+              <a:rPr/>
+              <a:t>Descontinuidadede regressão</a:t>
+            </a:r>
+          </a:p>
+          <a:p>
+            <a:pPr lvl="1"/>
+            <a:r>
+              <a:rPr/>
+              <a:t>Série temporal interrompida controlada</a:t>
+            </a:r>
+          </a:p>
+          <a:p>
+            <a:pPr lvl="1"/>
+            <a:r>
+              <a:rPr/>
+              <a:t>Série temporal interrompida</a:t>
+            </a:r>
+          </a:p>
+          <a:p>
+            <a:pPr lvl="1"/>
+            <a:r>
+              <a:rPr/>
+              <a:t>Diferença</a:t>
+            </a:r>
+          </a:p>
+          <a:p>
+            <a:pPr lvl="0"/>
+            <a:r>
+              <a:rPr i="1"/>
+              <a:t>Estudos experimentais</a:t>
+            </a:r>
+            <a:r>
+              <a:rPr baseline="30000"/>
+              <a:t>94,99</a:t>
+            </a:r>
+          </a:p>
+          <a:p>
+            <a:pPr lvl="1"/>
+            <a:r>
+              <a:rPr/>
+              <a:t>Fases I a IV</a:t>
+            </a:r>
+          </a:p>
+          <a:p>
+            <a:pPr lvl="2"/>
+            <a:r>
+              <a:rPr/>
+              <a:t>Aleatorizado controlado</a:t>
+            </a:r>
+          </a:p>
+          <a:p>
+            <a:pPr lvl="2"/>
+            <a:r>
+              <a:rPr/>
+              <a:t>Não-aleatorizado controlado</a:t>
+            </a:r>
+          </a:p>
+          <a:p>
+            <a:pPr lvl="2"/>
+            <a:r>
+              <a:rPr/>
+              <a:t>Autocontrolado</a:t>
+            </a:r>
+          </a:p>
+          <a:p>
+            <a:pPr lvl="2"/>
+            <a:r>
+              <a:rPr/>
+              <a:t>Cruzado</a:t>
+            </a:r>
+          </a:p>
+          <a:p>
+            <a:pPr lvl="2"/>
+            <a:r>
+              <a:rPr/>
+              <a:t>Fatorial</a:t>
+            </a:r>
+          </a:p>
+          <a:p>
+            <a:pPr lvl="1"/>
+            <a:r>
+              <a:rPr/>
+              <a:t>Campo</a:t>
+            </a:r>
+          </a:p>
+          <a:p>
+            <a:pPr lvl="1"/>
+            <a:r>
+              <a:rPr/>
+              <a:t>Comunitário</a:t>
+            </a:r>
+          </a:p>
+          <a:p>
+            <a:pPr lvl="0"/>
+            <a:r>
+              <a:rPr i="1"/>
+              <a:t>Estudos de avaliação econômica</a:t>
+            </a:r>
+            <a:r>
+              <a:rPr baseline="30000"/>
+              <a:t>94</a:t>
+            </a:r>
+          </a:p>
+          <a:p>
+            <a:pPr lvl="1"/>
+            <a:r>
+              <a:rPr/>
+              <a:t>Análise de custo</a:t>
+            </a:r>
+          </a:p>
+          <a:p>
+            <a:pPr lvl="1"/>
+            <a:r>
+              <a:rPr/>
+              <a:t>Análise de minimização de custo</a:t>
+            </a:r>
+          </a:p>
+          <a:p>
+            <a:pPr lvl="1"/>
+            <a:r>
+              <a:rPr/>
+              <a:t>Análise de custo-utilidade</a:t>
+            </a:r>
+          </a:p>
+          <a:p>
+            <a:pPr lvl="1"/>
+            <a:r>
+              <a:rPr/>
+              <a:t>Análise de custo-efetividade</a:t>
+            </a:r>
+          </a:p>
+          <a:p>
+            <a:pPr lvl="1"/>
+            <a:r>
+              <a:rPr/>
+              <a:t>Análise de custo-benefício</a:t>
+            </a:r>
+          </a:p>
+          <a:p>
+            <a:pPr lvl="0"/>
+            <a:r>
+              <a:rPr i="1"/>
+              <a:t>Estudos de revisão</a:t>
+            </a:r>
+            <a:r>
+              <a:rPr baseline="30000"/>
+              <a:t>93</a:t>
+            </a:r>
+          </a:p>
+          <a:p>
+            <a:pPr lvl="1"/>
+            <a:r>
+              <a:rPr/>
+              <a:t>Estado-da-arte</a:t>
+            </a:r>
+          </a:p>
+          <a:p>
+            <a:pPr lvl="1"/>
+            <a:r>
+              <a:rPr/>
+              <a:t>Narrativa</a:t>
+            </a:r>
+          </a:p>
+          <a:p>
+            <a:pPr lvl="1"/>
+            <a:r>
+              <a:rPr/>
+              <a:t>Crítica</a:t>
+            </a:r>
+          </a:p>
+          <a:p>
+            <a:pPr lvl="1"/>
+            <a:r>
+              <a:rPr/>
+              <a:t>Mapeamento</a:t>
+            </a:r>
+          </a:p>
+          <a:p>
+            <a:pPr lvl="1"/>
+            <a:r>
+              <a:rPr/>
+              <a:t>Escopo</a:t>
+            </a:r>
+          </a:p>
+          <a:p>
+            <a:pPr lvl="1"/>
+            <a:r>
+              <a:rPr/>
+              <a:t>Busca e revisão sistemática</a:t>
+            </a:r>
+          </a:p>
+          <a:p>
+            <a:pPr lvl="1"/>
+            <a:r>
+              <a:rPr/>
+              <a:t>Sistematizada</a:t>
+            </a:r>
+          </a:p>
+          <a:p>
+            <a:pPr lvl="1"/>
+            <a:r>
+              <a:rPr/>
+              <a:t>Sistemática</a:t>
+            </a:r>
+          </a:p>
+          <a:p>
+            <a:pPr lvl="2"/>
+            <a:r>
+              <a:rPr/>
+              <a:t>Meta-análise</a:t>
+            </a:r>
+          </a:p>
+          <a:p>
+            <a:pPr lvl="2"/>
+            <a:r>
+              <a:rPr/>
+              <a:t>Bibliométrica.</a:t>
+            </a:r>
+            <a:r>
+              <a:rPr baseline="30000"/>
+              <a:t>103,104</a:t>
+            </a:r>
+          </a:p>
+          <a:p>
+            <a:pPr lvl="1"/>
+            <a:r>
+              <a:rPr/>
+              <a:t>Sistemática qualitativa</a:t>
+            </a:r>
+          </a:p>
+          <a:p>
+            <a:pPr lvl="1"/>
+            <a:r>
+              <a:rPr/>
+              <a:t>Mista</a:t>
+            </a:r>
+          </a:p>
+          <a:p>
+            <a:pPr lvl="1"/>
+            <a:r>
+              <a:rPr/>
+              <a:t>Visão geral</a:t>
+            </a:r>
+          </a:p>
+          <a:p>
+            <a:pPr lvl="1"/>
+            <a:r>
+              <a:rPr/>
+              <a:t>Rápida</a:t>
+            </a:r>
+          </a:p>
+          <a:p>
+            <a:pPr lvl="1"/>
+            <a:r>
+              <a:rPr/>
+              <a:t>Guarda-chuva</a:t>
             </a:r>
           </a:p>
           <a:p>
@@ -20321,7 +21747,7 @@
             </a:pPr>
             <a:r>
               <a:rPr/>
-              <a:t>Reamostragem</a:t>
+              <a:t>Amostragem</a:t>
             </a:r>
           </a:p>
         </p:txBody>
@@ -20360,7 +21786,7 @@
             </a:pPr>
             <a:r>
               <a:rPr b="1"/>
-              <a:t>O que é reamostragem?</a:t>
+              <a:t>O que é amostragem?</a:t>
             </a:r>
           </a:p>
           <a:p>
@@ -20430,7 +21856,7 @@
             </a:pPr>
             <a:r>
               <a:rPr/>
-              <a:t>Pareamento</a:t>
+              <a:t>Reamostragem</a:t>
             </a:r>
           </a:p>
         </p:txBody>
@@ -20469,51 +21895,14 @@
             </a:pPr>
             <a:r>
               <a:rPr b="1"/>
-              <a:t>O que é pareamento?</a:t>
-            </a:r>
-          </a:p>
-          <a:p>
-            <a:pPr lvl="0"/>
-            <a:r>
-              <a:rPr/>
-              <a:t>Pareamento significa que para cada participante de um grupo (por exemplo, com alguma condição clínica), existe um (ou mais) participantes (por exemplo, grupo controle) que possui características iguais ou similares relativas a algumas variáveis de interesse.</a:t>
-            </a:r>
-            <a:r>
-              <a:rPr baseline="30000"/>
-              <a:t>102</a:t>
-            </a:r>
-          </a:p>
-          <a:p>
-            <a:pPr lvl="0"/>
-            <a:r>
-              <a:rPr/>
-              <a:t>As variáveis escolhidas para pareamento devem ter relação com as variáveis de desfecho, mas não são de interesse elas mesmas.</a:t>
-            </a:r>
-            <a:r>
-              <a:rPr baseline="30000"/>
-              <a:t>102</a:t>
-            </a:r>
-          </a:p>
-          <a:p>
-            <a:pPr lvl="0"/>
-            <a:r>
-              <a:rPr/>
-              <a:t>O ajuste por pareamento deve ser incluído nas análises estatísticas mesmo que as variáveis de pareamento não sejam consideradas prognósticas ou confundidores na amostra estudada.</a:t>
-            </a:r>
-            <a:r>
-              <a:rPr baseline="30000"/>
-              <a:t>102</a:t>
-            </a:r>
-          </a:p>
-          <a:p>
-            <a:pPr lvl="0"/>
-            <a:r>
-              <a:rPr/>
-              <a:t>A ausência de evidência estatística de diferença entre grupos não é considerada pareamento.</a:t>
-            </a:r>
-            <a:r>
-              <a:rPr baseline="30000"/>
-              <a:t>102</a:t>
+              <a:t>O que é reamostragem?</a:t>
+            </a:r>
+          </a:p>
+          <a:p>
+            <a:pPr lvl="0"/>
+            <a:r>
+              <a:rPr/>
+              <a:t>.[REF]</a:t>
             </a:r>
           </a:p>
           <a:p>
@@ -20576,7 +21965,7 @@
             </a:pPr>
             <a:r>
               <a:rPr/>
-              <a:t>Alocação</a:t>
+              <a:t>Pareamento</a:t>
             </a:r>
           </a:p>
         </p:txBody>
@@ -20615,14 +22004,51 @@
             </a:pPr>
             <a:r>
               <a:rPr b="1"/>
-              <a:t>O que é alocação?</a:t>
-            </a:r>
-          </a:p>
-          <a:p>
-            <a:pPr lvl="0"/>
-            <a:r>
-              <a:rPr/>
-              <a:t>.[REF]</a:t>
+              <a:t>O que é pareamento?</a:t>
+            </a:r>
+          </a:p>
+          <a:p>
+            <a:pPr lvl="0"/>
+            <a:r>
+              <a:rPr/>
+              <a:t>Pareamento significa que para cada participante de um grupo (por exemplo, com alguma condição clínica), existe um (ou mais) participantes (por exemplo, grupo controle) que possui características iguais ou similares relativas a algumas variáveis de interesse.</a:t>
+            </a:r>
+            <a:r>
+              <a:rPr baseline="30000"/>
+              <a:t>105</a:t>
+            </a:r>
+          </a:p>
+          <a:p>
+            <a:pPr lvl="0"/>
+            <a:r>
+              <a:rPr/>
+              <a:t>As variáveis escolhidas para pareamento devem ter relação com as variáveis de desfecho, mas não são de interesse elas mesmas.</a:t>
+            </a:r>
+            <a:r>
+              <a:rPr baseline="30000"/>
+              <a:t>105</a:t>
+            </a:r>
+          </a:p>
+          <a:p>
+            <a:pPr lvl="0"/>
+            <a:r>
+              <a:rPr/>
+              <a:t>O ajuste por pareamento deve ser incluído nas análises estatísticas mesmo que as variáveis de pareamento não sejam consideradas prognósticas ou confundidores na amostra estudada.</a:t>
+            </a:r>
+            <a:r>
+              <a:rPr baseline="30000"/>
+              <a:t>105</a:t>
+            </a:r>
+          </a:p>
+          <a:p>
+            <a:pPr lvl="0"/>
+            <a:r>
+              <a:rPr/>
+              <a:t>A ausência de evidência estatística de diferença entre grupos não é considerada pareamento.</a:t>
+            </a:r>
+            <a:r>
+              <a:rPr baseline="30000"/>
+              <a:t>105</a:t>
             </a:r>
           </a:p>
           <a:p>
@@ -20685,7 +22111,7 @@
             </a:pPr>
             <a:r>
               <a:rPr/>
-              <a:t>Aleatorização</a:t>
+              <a:t>Alocação</a:t>
             </a:r>
           </a:p>
         </p:txBody>
@@ -20711,13 +22137,6 @@
           <a:bodyPr/>
           <a:lstStyle/>
           <a:p>
-            <a:pPr lvl="0"/>
-            <a:r>
-              <a:rPr/>
-              <a:t>.[REF]</a:t>
-            </a:r>
-          </a:p>
-          <a:p>
             <a:pPr lvl="0" indent="0" marL="0">
               <a:buNone/>
             </a:pPr>
@@ -20731,7 +22150,14 @@
             </a:pPr>
             <a:r>
               <a:rPr b="1"/>
-              <a:t>O que é aleatorização?</a:t>
+              <a:t>O que é alocação?</a:t>
+            </a:r>
+          </a:p>
+          <a:p>
+            <a:pPr lvl="0"/>
+            <a:r>
+              <a:rPr/>
+              <a:t>.[REF]</a:t>
             </a:r>
           </a:p>
           <a:p>
@@ -20794,7 +22220,7 @@
             </a:pPr>
             <a:r>
               <a:rPr/>
-              <a:t>Validade do estudo</a:t>
+              <a:t>Aleatorização</a:t>
             </a:r>
           </a:p>
         </p:txBody>
@@ -20820,6 +22246,13 @@
           <a:bodyPr/>
           <a:lstStyle/>
           <a:p>
+            <a:pPr lvl="0"/>
+            <a:r>
+              <a:rPr/>
+              <a:t>.[REF]</a:t>
+            </a:r>
+          </a:p>
+          <a:p>
             <a:pPr lvl="0" indent="0" marL="0">
               <a:buNone/>
             </a:pPr>
@@ -20833,46 +22266,7 @@
             </a:pPr>
             <a:r>
               <a:rPr b="1"/>
-              <a:t>O que é validade interna?</a:t>
-            </a:r>
-          </a:p>
-          <a:p>
-            <a:pPr lvl="0"/>
-            <a:r>
-              <a:rPr/>
-              <a:t>.</a:t>
-            </a:r>
-            <a:r>
-              <a:rPr baseline="30000"/>
-              <a:t>103</a:t>
-            </a:r>
-          </a:p>
-          <a:p>
-            <a:pPr lvl="0" indent="0" marL="0">
-              <a:buNone/>
-            </a:pPr>
-          </a:p>
-          <a:p>
-            <a:pPr lvl="0" indent="0" marL="0">
-              <a:spcBef>
-                <a:spcPts val="3000"/>
-              </a:spcBef>
-              <a:buNone/>
-            </a:pPr>
-            <a:r>
-              <a:rPr b="1"/>
-              <a:t>O que é validade externa?</a:t>
-            </a:r>
-          </a:p>
-          <a:p>
-            <a:pPr lvl="0"/>
-            <a:r>
-              <a:rPr/>
-              <a:t>.</a:t>
-            </a:r>
-            <a:r>
-              <a:rPr baseline="30000"/>
-              <a:t>103</a:t>
+              <a:t>O que é aleatorização?</a:t>
             </a:r>
           </a:p>
           <a:p>
@@ -20909,7 +22303,7 @@
           <p:cNvPr id="2" name="Title 1">
             <a:extLst>
               <a:ext uri="{FF2B5EF4-FFF2-40B4-BE49-F238E27FC236}">
-                <a16:creationId xmlns:a16="http://schemas.microsoft.com/office/drawing/2014/main" id="{28A92D45-5BAF-634B-BB37-8481089F9E28}"/>
+                <a16:creationId xmlns:a16="http://schemas.microsoft.com/office/drawing/2014/main" id="{0277F749-6ED4-3E49-963A-830033252F78}"/>
               </a:ext>
             </a:extLst>
           </p:cNvPr>
@@ -20922,8 +22316,8 @@
         </p:nvSpPr>
         <p:spPr>
           <a:xfrm>
-            <a:off x="831850" y="1709738"/>
-            <a:ext cx="10515600" cy="2852737"/>
+            <a:off x="0" y="17256"/>
+            <a:ext cx="10515600" cy="663782"/>
           </a:xfrm>
         </p:spPr>
         <p:txBody>
@@ -20934,9 +22328,92 @@
               <a:buNone/>
             </a:pPr>
             <a:r>
+              <a:rPr/>
+              <a:t>Validade do estudo</a:t>
+            </a:r>
+          </a:p>
+        </p:txBody>
+      </p:sp>
+      <p:sp>
+        <p:nvSpPr>
+          <p:cNvPr id="3" name="Content Placeholder 2">
+            <a:extLst>
+              <a:ext uri="{FF2B5EF4-FFF2-40B4-BE49-F238E27FC236}">
+                <a16:creationId xmlns:a16="http://schemas.microsoft.com/office/drawing/2014/main" id="{1574FA24-F1CC-B240-AAF9-A2DF684B1C54}"/>
+              </a:ext>
+            </a:extLst>
+          </p:cNvPr>
+          <p:cNvSpPr>
+            <a:spLocks noGrp="1"/>
+          </p:cNvSpPr>
+          <p:nvPr>
+            <p:ph idx="1"/>
+          </p:nvPr>
+        </p:nvSpPr>
+        <p:spPr/>
+        <p:txBody>
+          <a:bodyPr/>
+          <a:lstStyle/>
+          <a:p>
+            <a:pPr lvl="0" indent="0" marL="0">
+              <a:buNone/>
+            </a:pPr>
+          </a:p>
+          <a:p>
+            <a:pPr lvl="0" indent="0" marL="0">
+              <a:spcBef>
+                <a:spcPts val="3000"/>
+              </a:spcBef>
+              <a:buNone/>
+            </a:pPr>
+            <a:r>
               <a:rPr b="1"/>
-              <a:t>Tamanho da amostra</a:t>
-            </a:r>
+              <a:t>O que é validade interna?</a:t>
+            </a:r>
+          </a:p>
+          <a:p>
+            <a:pPr lvl="0"/>
+            <a:r>
+              <a:rPr/>
+              <a:t>.</a:t>
+            </a:r>
+            <a:r>
+              <a:rPr baseline="30000"/>
+              <a:t>106</a:t>
+            </a:r>
+          </a:p>
+          <a:p>
+            <a:pPr lvl="0" indent="0" marL="0">
+              <a:buNone/>
+            </a:pPr>
+          </a:p>
+          <a:p>
+            <a:pPr lvl="0" indent="0" marL="0">
+              <a:spcBef>
+                <a:spcPts val="3000"/>
+              </a:spcBef>
+              <a:buNone/>
+            </a:pPr>
+            <a:r>
+              <a:rPr b="1"/>
+              <a:t>O que é validade externa?</a:t>
+            </a:r>
+          </a:p>
+          <a:p>
+            <a:pPr lvl="0"/>
+            <a:r>
+              <a:rPr/>
+              <a:t>.</a:t>
+            </a:r>
+            <a:r>
+              <a:rPr baseline="30000"/>
+              <a:t>106</a:t>
+            </a:r>
+          </a:p>
+          <a:p>
+            <a:pPr lvl="0" indent="0" marL="0">
+              <a:buNone/>
+            </a:pPr>
           </a:p>
         </p:txBody>
       </p:sp>
@@ -21025,6 +22502,64 @@
           <p:cNvPr id="2" name="Title 1">
             <a:extLst>
               <a:ext uri="{FF2B5EF4-FFF2-40B4-BE49-F238E27FC236}">
+                <a16:creationId xmlns:a16="http://schemas.microsoft.com/office/drawing/2014/main" id="{28A92D45-5BAF-634B-BB37-8481089F9E28}"/>
+              </a:ext>
+            </a:extLst>
+          </p:cNvPr>
+          <p:cNvSpPr>
+            <a:spLocks noGrp="1"/>
+          </p:cNvSpPr>
+          <p:nvPr>
+            <p:ph type="title"/>
+          </p:nvPr>
+        </p:nvSpPr>
+        <p:spPr>
+          <a:xfrm>
+            <a:off x="831850" y="1709738"/>
+            <a:ext cx="10515600" cy="2852737"/>
+          </a:xfrm>
+        </p:spPr>
+        <p:txBody>
+          <a:bodyPr/>
+          <a:lstStyle/>
+          <a:p>
+            <a:pPr lvl="0" indent="0" marL="0">
+              <a:buNone/>
+            </a:pPr>
+            <a:r>
+              <a:rPr b="1"/>
+              <a:t>Tamanho da amostra</a:t>
+            </a:r>
+          </a:p>
+        </p:txBody>
+      </p:sp>
+    </p:spTree>
+  </p:cSld>
+</p:sld>
+</file>
+
+<file path=ppt/slides/slide81.xml><?xml version="1.0" encoding="utf-8"?>
+<p:sld xmlns:a="http://schemas.openxmlformats.org/drawingml/2006/main" xmlns:r="http://schemas.openxmlformats.org/officeDocument/2006/relationships" xmlns:p="http://schemas.openxmlformats.org/presentationml/2006/main">
+  <p:cSld>
+    <p:spTree>
+      <p:nvGrpSpPr>
+        <p:cNvPr id="1" name=""/>
+        <p:cNvGrpSpPr/>
+        <p:nvPr/>
+      </p:nvGrpSpPr>
+      <p:grpSpPr>
+        <a:xfrm>
+          <a:off x="0" y="0"/>
+          <a:ext cx="0" cy="0"/>
+          <a:chOff x="0" y="0"/>
+          <a:chExt cx="0" cy="0"/>
+        </a:xfrm>
+      </p:grpSpPr>
+      <p:sp>
+        <p:nvSpPr>
+          <p:cNvPr id="2" name="Title 1">
+            <a:extLst>
+              <a:ext uri="{FF2B5EF4-FFF2-40B4-BE49-F238E27FC236}">
                 <a16:creationId xmlns:a16="http://schemas.microsoft.com/office/drawing/2014/main" id="{0277F749-6ED4-3E49-963A-830033252F78}"/>
               </a:ext>
             </a:extLst>
@@ -21112,7 +22647,7 @@
 </p:sld>
 </file>
 
-<file path=ppt/slides/slide81.xml><?xml version="1.0" encoding="utf-8"?>
+<file path=ppt/slides/slide82.xml><?xml version="1.0" encoding="utf-8"?>
 <p:sld xmlns:a="http://schemas.openxmlformats.org/drawingml/2006/main" xmlns:r="http://schemas.openxmlformats.org/officeDocument/2006/relationships" xmlns:p="http://schemas.openxmlformats.org/presentationml/2006/main">
   <p:cSld>
     <p:spTree>
@@ -21162,286 +22697,6 @@
               <a:rPr b="1"/>
               <a:t>Ensaios clínicos aleatorizados</a:t>
             </a:r>
-          </a:p>
-        </p:txBody>
-      </p:sp>
-    </p:spTree>
-  </p:cSld>
-</p:sld>
-</file>
-
-<file path=ppt/slides/slide82.xml><?xml version="1.0" encoding="utf-8"?>
-<p:sld xmlns:a="http://schemas.openxmlformats.org/drawingml/2006/main" xmlns:r="http://schemas.openxmlformats.org/officeDocument/2006/relationships" xmlns:p="http://schemas.openxmlformats.org/presentationml/2006/main">
-  <p:cSld>
-    <p:spTree>
-      <p:nvGrpSpPr>
-        <p:cNvPr id="1" name=""/>
-        <p:cNvGrpSpPr/>
-        <p:nvPr/>
-      </p:nvGrpSpPr>
-      <p:grpSpPr>
-        <a:xfrm>
-          <a:off x="0" y="0"/>
-          <a:ext cx="0" cy="0"/>
-          <a:chOff x="0" y="0"/>
-          <a:chExt cx="0" cy="0"/>
-        </a:xfrm>
-      </p:grpSpPr>
-      <p:sp>
-        <p:nvSpPr>
-          <p:cNvPr id="2" name="Title 1">
-            <a:extLst>
-              <a:ext uri="{FF2B5EF4-FFF2-40B4-BE49-F238E27FC236}">
-                <a16:creationId xmlns:a16="http://schemas.microsoft.com/office/drawing/2014/main" id="{0277F749-6ED4-3E49-963A-830033252F78}"/>
-              </a:ext>
-            </a:extLst>
-          </p:cNvPr>
-          <p:cNvSpPr>
-            <a:spLocks noGrp="1"/>
-          </p:cNvSpPr>
-          <p:nvPr>
-            <p:ph type="title"/>
-          </p:nvPr>
-        </p:nvSpPr>
-        <p:spPr>
-          <a:xfrm>
-            <a:off x="0" y="17256"/>
-            <a:ext cx="10515600" cy="663782"/>
-          </a:xfrm>
-        </p:spPr>
-        <p:txBody>
-          <a:bodyPr/>
-          <a:lstStyle/>
-          <a:p>
-            <a:pPr lvl="0" indent="0" marL="0">
-              <a:buNone/>
-            </a:pPr>
-            <a:r>
-              <a:rPr/>
-              <a:t>Características</a:t>
-            </a:r>
-          </a:p>
-        </p:txBody>
-      </p:sp>
-      <p:sp>
-        <p:nvSpPr>
-          <p:cNvPr id="3" name="Content Placeholder 2">
-            <a:extLst>
-              <a:ext uri="{FF2B5EF4-FFF2-40B4-BE49-F238E27FC236}">
-                <a16:creationId xmlns:a16="http://schemas.microsoft.com/office/drawing/2014/main" id="{1574FA24-F1CC-B240-AAF9-A2DF684B1C54}"/>
-              </a:ext>
-            </a:extLst>
-          </p:cNvPr>
-          <p:cNvSpPr>
-            <a:spLocks noGrp="1"/>
-          </p:cNvSpPr>
-          <p:nvPr>
-            <p:ph idx="1"/>
-          </p:nvPr>
-        </p:nvSpPr>
-        <p:spPr/>
-        <p:txBody>
-          <a:bodyPr/>
-          <a:lstStyle/>
-          <a:p>
-            <a:pPr lvl="0" indent="0" marL="0">
-              <a:buNone/>
-            </a:pPr>
-          </a:p>
-          <a:p>
-            <a:pPr lvl="0" indent="0" marL="0">
-              <a:spcBef>
-                <a:spcPts val="3000"/>
-              </a:spcBef>
-              <a:buNone/>
-            </a:pPr>
-            <a:r>
-              <a:rPr b="1"/>
-              <a:t>Quais são as características dos ensaios clínicos aleatorizados?</a:t>
-            </a:r>
-          </a:p>
-          <a:p>
-            <a:pPr lvl="0"/>
-            <a:r>
-              <a:rPr/>
-              <a:t>A característica essencial de um ensaio clínico aleatorizado é a comparação entre grupos.</a:t>
-            </a:r>
-            <a:r>
-              <a:rPr baseline="30000"/>
-              <a:t>104</a:t>
-            </a:r>
-          </a:p>
-          <a:p>
-            <a:pPr lvl="0"/>
-            <a:r>
-              <a:rPr/>
-              <a:t>Quanto à unidade de alocação:</a:t>
-            </a:r>
-            <a:r>
-              <a:rPr baseline="30000"/>
-              <a:t>105</a:t>
-            </a:r>
-          </a:p>
-          <a:p>
-            <a:pPr lvl="1"/>
-            <a:r>
-              <a:rPr/>
-              <a:t>Individual</a:t>
-            </a:r>
-          </a:p>
-          <a:p>
-            <a:pPr lvl="1"/>
-            <a:r>
-              <a:rPr/>
-              <a:t>Agrupado</a:t>
-            </a:r>
-          </a:p>
-          <a:p>
-            <a:pPr lvl="0"/>
-            <a:r>
-              <a:rPr/>
-              <a:t>Quanto ao número de braços:</a:t>
-            </a:r>
-            <a:r>
-              <a:rPr baseline="30000"/>
-              <a:t>105</a:t>
-            </a:r>
-          </a:p>
-          <a:p>
-            <a:pPr lvl="1"/>
-            <a:r>
-              <a:rPr/>
-              <a:t>Único*</a:t>
-            </a:r>
-          </a:p>
-          <a:p>
-            <a:pPr lvl="1"/>
-            <a:r>
-              <a:rPr/>
-              <a:t>Múltiplos</a:t>
-            </a:r>
-          </a:p>
-          <a:p>
-            <a:pPr lvl="0"/>
-            <a:r>
-              <a:rPr/>
-              <a:t>Quanto ao número de centros:</a:t>
-            </a:r>
-            <a:r>
-              <a:rPr baseline="30000"/>
-              <a:t>105</a:t>
-            </a:r>
-          </a:p>
-          <a:p>
-            <a:pPr lvl="1"/>
-            <a:r>
-              <a:rPr/>
-              <a:t>Único</a:t>
-            </a:r>
-          </a:p>
-          <a:p>
-            <a:pPr lvl="1"/>
-            <a:r>
-              <a:rPr/>
-              <a:t>Múltiplos</a:t>
-            </a:r>
-          </a:p>
-          <a:p>
-            <a:pPr lvl="0"/>
-            <a:r>
-              <a:rPr/>
-              <a:t>Quanto ao cegamento:</a:t>
-            </a:r>
-            <a:r>
-              <a:rPr baseline="30000"/>
-              <a:t>105</a:t>
-            </a:r>
-          </a:p>
-          <a:p>
-            <a:pPr lvl="1"/>
-            <a:r>
-              <a:rPr/>
-              <a:t>Aberto*</a:t>
-            </a:r>
-          </a:p>
-          <a:p>
-            <a:pPr lvl="1"/>
-            <a:r>
-              <a:rPr/>
-              <a:t>Simples-cego</a:t>
-            </a:r>
-          </a:p>
-          <a:p>
-            <a:pPr lvl="1"/>
-            <a:r>
-              <a:rPr/>
-              <a:t>Duplo-cego</a:t>
-            </a:r>
-          </a:p>
-          <a:p>
-            <a:pPr lvl="1"/>
-            <a:r>
-              <a:rPr/>
-              <a:t>Tripo-cego</a:t>
-            </a:r>
-          </a:p>
-          <a:p>
-            <a:pPr lvl="1"/>
-            <a:r>
-              <a:rPr/>
-              <a:t>Quádruplo-cego</a:t>
-            </a:r>
-          </a:p>
-          <a:p>
-            <a:pPr lvl="0"/>
-            <a:r>
-              <a:rPr/>
-              <a:t>Quanto à alocação:</a:t>
-            </a:r>
-            <a:r>
-              <a:rPr baseline="30000"/>
-              <a:t>105</a:t>
-            </a:r>
-          </a:p>
-          <a:p>
-            <a:pPr lvl="1"/>
-            <a:r>
-              <a:rPr/>
-              <a:t>Sem sorteio</a:t>
-            </a:r>
-          </a:p>
-          <a:p>
-            <a:pPr lvl="1"/>
-            <a:r>
-              <a:rPr/>
-              <a:t>Estratificada (centro apenas)</a:t>
-            </a:r>
-          </a:p>
-          <a:p>
-            <a:pPr lvl="1"/>
-            <a:r>
-              <a:rPr/>
-              <a:t>Estratificada</a:t>
-            </a:r>
-          </a:p>
-          <a:p>
-            <a:pPr lvl="1"/>
-            <a:r>
-              <a:rPr/>
-              <a:t>Minimizada</a:t>
-            </a:r>
-          </a:p>
-          <a:p>
-            <a:pPr lvl="1"/>
-            <a:r>
-              <a:rPr/>
-              <a:t>Estratificada e minimizada</a:t>
-            </a:r>
-          </a:p>
-          <a:p>
-            <a:pPr lvl="0" indent="0" marL="0">
-              <a:buNone/>
-            </a:pPr>
           </a:p>
         </p:txBody>
       </p:sp>
@@ -21498,7 +22753,7 @@
             </a:pPr>
             <a:r>
               <a:rPr/>
-              <a:t>Modelos de análise de comparação</a:t>
+              <a:t>Características</a:t>
             </a:r>
           </a:p>
         </p:txBody>
@@ -21537,47 +22792,14 @@
             </a:pPr>
             <a:r>
               <a:rPr b="1"/>
-              <a:t>Que modelos podem ser utilizados para comparações?</a:t>
-            </a:r>
-          </a:p>
-          <a:p>
-            <a:pPr lvl="0"/>
-            <a:r>
-              <a:rPr/>
-              <a:t>As abordagens compreendem a comparação da variável de desfecho medida entre os momentos antes e depois ou da sua mudança (pre - pós) entre os momentos.</a:t>
-            </a:r>
-            <a:r>
-              <a:rPr baseline="30000"/>
-              <a:t>106</a:t>
-            </a:r>
-          </a:p>
-          <a:p>
-            <a:pPr lvl="0"/>
-            <a:r>
-              <a:rPr/>
-              <a:t>Se a média da variável é igual entre grupos no início do acompanhamento, ambas abordagens estimam o mesmo efeito. Caso contrário, o efeito será influenciado pela correlação entre as medidas antes e depois. A análise da mudança não controla para desbalanços no início do estudo.</a:t>
-            </a:r>
-            <a:r>
-              <a:rPr baseline="30000"/>
-              <a:t>106</a:t>
-            </a:r>
-          </a:p>
-          <a:p>
-            <a:pPr lvl="0"/>
-            <a:r>
-              <a:rPr/>
-              <a:t>Uma abordagem recomendada é a análise de covariância (ANCOVA), pois ajusta os valores pós-intervenção aos valores pré-intervenção para cada participante, e não é afetada pelas diferenças entre grupos no início do estudo.</a:t>
-            </a:r>
-            <a:r>
-              <a:rPr baseline="30000"/>
-              <a:t>106</a:t>
-            </a:r>
-          </a:p>
-          <a:p>
-            <a:pPr lvl="0"/>
-            <a:r>
-              <a:rPr/>
-              <a:t>A análise de covariância (ANCOVA) modelando seja a mudança (pré - pós) quando o desfecho no pós-tratamento parece ser o método mais efetivo considerando-se o viés de estimação dos parâmetros, a precisão das estimativas, a cobertura nominal (isto é, intervalo de confiança) e o poder do teste.</a:t>
+              <a:t>Quais são as características dos ensaios clínicos aleatorizados?</a:t>
+            </a:r>
+          </a:p>
+          <a:p>
+            <a:pPr lvl="0"/>
+            <a:r>
+              <a:rPr/>
+              <a:t>A característica essencial de um ensaio clínico aleatorizado é a comparação entre grupos.</a:t>
             </a:r>
             <a:r>
               <a:rPr baseline="30000"/>
@@ -21588,11 +22810,167 @@
             <a:pPr lvl="0"/>
             <a:r>
               <a:rPr/>
-              <a:t>Análise de variância (ANOVA) e modelos lineares mistos (MLM) são outras opções de métodos, embora apresentem maior variância, menor poder, e cobertura nominal comparados à ANCOVA.</a:t>
-            </a:r>
-            <a:r>
-              <a:rPr baseline="30000"/>
-              <a:t>107</a:t>
+              <a:t>Quanto à unidade de alocação:</a:t>
+            </a:r>
+            <a:r>
+              <a:rPr baseline="30000"/>
+              <a:t>108</a:t>
+            </a:r>
+          </a:p>
+          <a:p>
+            <a:pPr lvl="1"/>
+            <a:r>
+              <a:rPr/>
+              <a:t>Individual</a:t>
+            </a:r>
+          </a:p>
+          <a:p>
+            <a:pPr lvl="1"/>
+            <a:r>
+              <a:rPr/>
+              <a:t>Agrupado</a:t>
+            </a:r>
+          </a:p>
+          <a:p>
+            <a:pPr lvl="0"/>
+            <a:r>
+              <a:rPr/>
+              <a:t>Quanto ao número de braços:</a:t>
+            </a:r>
+            <a:r>
+              <a:rPr baseline="30000"/>
+              <a:t>108</a:t>
+            </a:r>
+          </a:p>
+          <a:p>
+            <a:pPr lvl="1"/>
+            <a:r>
+              <a:rPr/>
+              <a:t>Único*</a:t>
+            </a:r>
+          </a:p>
+          <a:p>
+            <a:pPr lvl="1"/>
+            <a:r>
+              <a:rPr/>
+              <a:t>Múltiplos</a:t>
+            </a:r>
+          </a:p>
+          <a:p>
+            <a:pPr lvl="0"/>
+            <a:r>
+              <a:rPr/>
+              <a:t>Quanto ao número de centros:</a:t>
+            </a:r>
+            <a:r>
+              <a:rPr baseline="30000"/>
+              <a:t>108</a:t>
+            </a:r>
+          </a:p>
+          <a:p>
+            <a:pPr lvl="1"/>
+            <a:r>
+              <a:rPr/>
+              <a:t>Único</a:t>
+            </a:r>
+          </a:p>
+          <a:p>
+            <a:pPr lvl="1"/>
+            <a:r>
+              <a:rPr/>
+              <a:t>Múltiplos</a:t>
+            </a:r>
+          </a:p>
+          <a:p>
+            <a:pPr lvl="0"/>
+            <a:r>
+              <a:rPr/>
+              <a:t>Quanto ao cegamento:</a:t>
+            </a:r>
+            <a:r>
+              <a:rPr baseline="30000"/>
+              <a:t>108</a:t>
+            </a:r>
+          </a:p>
+          <a:p>
+            <a:pPr lvl="1"/>
+            <a:r>
+              <a:rPr/>
+              <a:t>Aberto*</a:t>
+            </a:r>
+          </a:p>
+          <a:p>
+            <a:pPr lvl="1"/>
+            <a:r>
+              <a:rPr/>
+              <a:t>Simples-cego</a:t>
+            </a:r>
+          </a:p>
+          <a:p>
+            <a:pPr lvl="1"/>
+            <a:r>
+              <a:rPr/>
+              <a:t>Duplo-cego</a:t>
+            </a:r>
+          </a:p>
+          <a:p>
+            <a:pPr lvl="1"/>
+            <a:r>
+              <a:rPr/>
+              <a:t>Tripo-cego</a:t>
+            </a:r>
+          </a:p>
+          <a:p>
+            <a:pPr lvl="1"/>
+            <a:r>
+              <a:rPr/>
+              <a:t>Quádruplo-cego</a:t>
+            </a:r>
+          </a:p>
+          <a:p>
+            <a:pPr lvl="0"/>
+            <a:r>
+              <a:rPr/>
+              <a:t>Quanto à alocação:</a:t>
+            </a:r>
+            <a:r>
+              <a:rPr baseline="30000"/>
+              <a:t>108</a:t>
+            </a:r>
+          </a:p>
+          <a:p>
+            <a:pPr lvl="1"/>
+            <a:r>
+              <a:rPr/>
+              <a:t>Sem sorteio</a:t>
+            </a:r>
+          </a:p>
+          <a:p>
+            <a:pPr lvl="1"/>
+            <a:r>
+              <a:rPr/>
+              <a:t>Estratificada (centro apenas)</a:t>
+            </a:r>
+          </a:p>
+          <a:p>
+            <a:pPr lvl="1"/>
+            <a:r>
+              <a:rPr/>
+              <a:t>Estratificada</a:t>
+            </a:r>
+          </a:p>
+          <a:p>
+            <a:pPr lvl="1"/>
+            <a:r>
+              <a:rPr/>
+              <a:t>Minimizada</a:t>
+            </a:r>
+          </a:p>
+          <a:p>
+            <a:pPr lvl="1"/>
+            <a:r>
+              <a:rPr/>
+              <a:t>Estratificada e minimizada</a:t>
             </a:r>
           </a:p>
           <a:p>
@@ -21655,7 +23033,7 @@
             </a:pPr>
             <a:r>
               <a:rPr/>
-              <a:t>Ajuste de covariáveis</a:t>
+              <a:t>Modelos de análise de comparação</a:t>
             </a:r>
           </a:p>
         </p:txBody>
@@ -21694,42 +23072,14 @@
             </a:pPr>
             <a:r>
               <a:rPr b="1"/>
-              <a:t>Quais variáveis devem ser utilizadas no ajuste de covariáveis?</a:t>
-            </a:r>
-          </a:p>
-          <a:p>
-            <a:pPr lvl="0"/>
-            <a:r>
-              <a:rPr/>
-              <a:t>A escolha das características de linha de base pelas quais uma análise é ajustada deve ser determinada pelo conhecimento prévio de uma possível influência no resultado, em vez da evidência de desequilíbrio entre os grupos de tratamento no estudo.</a:t>
-            </a:r>
-            <a:r>
-              <a:rPr baseline="30000"/>
-              <a:t>108</a:t>
-            </a:r>
-          </a:p>
-          <a:p>
-            <a:pPr lvl="0" indent="0" marL="0">
-              <a:buNone/>
-            </a:pPr>
-          </a:p>
-          <a:p>
-            <a:pPr lvl="0" indent="0" marL="0">
-              <a:spcBef>
-                <a:spcPts val="3000"/>
-              </a:spcBef>
-              <a:buNone/>
-            </a:pPr>
-            <a:r>
-              <a:rPr b="1"/>
-              <a:t>Quais os benefícios do ajuste de covariáveis?</a:t>
-            </a:r>
-          </a:p>
-          <a:p>
-            <a:pPr lvl="0"/>
-            <a:r>
-              <a:rPr/>
-              <a:t>Ajustar por covariáveis ajuda a estimar os efeitos do tratamento para o indivíduo, assim como aumenta a eficiência dos testes para hipótese nula e a validade externa do estudo.</a:t>
+              <a:t>Que modelos podem ser utilizados para comparações?</a:t>
+            </a:r>
+          </a:p>
+          <a:p>
+            <a:pPr lvl="0"/>
+            <a:r>
+              <a:rPr/>
+              <a:t>As abordagens compreendem a comparação da variável de desfecho medida entre os momentos antes e depois ou da sua mudança (pre - pós) entre os momentos.</a:t>
             </a:r>
             <a:r>
               <a:rPr baseline="30000"/>
@@ -21740,7 +23090,29 @@
             <a:pPr lvl="0"/>
             <a:r>
               <a:rPr/>
-              <a:t>Incluir a variável de desfecho medida na linha de base como covariável - independentemente da análise ser realizada com a medida pós-tratamento da mesma variável ou a diferença para a linha de base - pode aumentar o poder estatístico do estudo.</a:t>
+              <a:t>Se a média da variável é igual entre grupos no início do acompanhamento, ambas abordagens estimam o mesmo efeito. Caso contrário, o efeito será influenciado pela correlação entre as medidas antes e depois. A análise da mudança não controla para desbalanços no início do estudo.</a:t>
+            </a:r>
+            <a:r>
+              <a:rPr baseline="30000"/>
+              <a:t>109</a:t>
+            </a:r>
+          </a:p>
+          <a:p>
+            <a:pPr lvl="0"/>
+            <a:r>
+              <a:rPr/>
+              <a:t>Uma abordagem recomendada é a análise de covariância (ANCOVA), pois ajusta os valores pós-intervenção aos valores pré-intervenção para cada participante, e não é afetada pelas diferenças entre grupos no início do estudo.</a:t>
+            </a:r>
+            <a:r>
+              <a:rPr baseline="30000"/>
+              <a:t>109</a:t>
+            </a:r>
+          </a:p>
+          <a:p>
+            <a:pPr lvl="0"/>
+            <a:r>
+              <a:rPr/>
+              <a:t>A análise de covariância (ANCOVA) modelando seja a mudança (pré - pós) quando o desfecho no pós-tratamento parece ser o método mais efetivo considerando-se o viés de estimação dos parâmetros, a precisão das estimativas, a cobertura nominal (isto é, intervalo de confiança) e o poder do teste.</a:t>
             </a:r>
             <a:r>
               <a:rPr baseline="30000"/>
@@ -21751,74 +23123,7 @@
             <a:pPr lvl="0"/>
             <a:r>
               <a:rPr/>
-              <a:t>Incluir outras variáveis medidas na linha de base, com potencial para serem desbalanceadas entre grupos após a aleatorização, diminui a chance de afetar as estimativas de efeito dos tratamentos.</a:t>
-            </a:r>
-            <a:r>
-              <a:rPr baseline="30000"/>
-              <a:t>110</a:t>
-            </a:r>
-          </a:p>
-          <a:p>
-            <a:pPr lvl="0" indent="0" marL="0">
-              <a:buNone/>
-            </a:pPr>
-          </a:p>
-          <a:p>
-            <a:pPr lvl="0" indent="0" marL="0">
-              <a:spcBef>
-                <a:spcPts val="3000"/>
-              </a:spcBef>
-              <a:buNone/>
-            </a:pPr>
-            <a:r>
-              <a:rPr b="1"/>
-              <a:t>Quais os riscos do ajuste de covariáveis?</a:t>
-            </a:r>
-          </a:p>
-          <a:p>
-            <a:pPr lvl="0"/>
-            <a:r>
-              <a:rPr/>
-              <a:t>Incluir covariáveis que não são prognósticas do desfecho pode reduzir o poder estatístico do estudo.</a:t>
-            </a:r>
-            <a:r>
-              <a:rPr baseline="30000"/>
-              <a:t>110</a:t>
-            </a:r>
-          </a:p>
-          <a:p>
-            <a:pPr lvl="0"/>
-            <a:r>
-              <a:rPr/>
-              <a:t>Incluir covariáveis com dados perdidos pode reduzir o tamanho amostral e consequentemente o poder estatístico do estudo (análise de casos completos) ou levar a desvios do plano de análise por exclusão de covariáveis prognósticas.</a:t>
-            </a:r>
-            <a:r>
-              <a:rPr baseline="30000"/>
-              <a:t>110</a:t>
-            </a:r>
-          </a:p>
-          <a:p>
-            <a:pPr lvl="0" indent="0" marL="0">
-              <a:buNone/>
-            </a:pPr>
-          </a:p>
-          <a:p>
-            <a:pPr lvl="0" indent="0" marL="0">
-              <a:spcBef>
-                <a:spcPts val="3000"/>
-              </a:spcBef>
-              <a:buNone/>
-            </a:pPr>
-            <a:r>
-              <a:rPr b="1"/>
-              <a:t>Como lidar com os dados perdidos em covariáveis?</a:t>
-            </a:r>
-          </a:p>
-          <a:p>
-            <a:pPr lvl="0"/>
-            <a:r>
-              <a:rPr/>
-              <a:t>Imputação de dados perdidos de uma variável pela média dos dados observada permite estimativas não enviesadas dos efeitos do tratamento, preserva o erro tipo I e aumenta o poder estatístico comparado à análise de dados completos.</a:t>
+              <a:t>Análise de variância (ANOVA) e modelos lineares mistos (MLM) são outras opções de métodos, embora apresentem maior variância, menor poder, e cobertura nominal comparados à ANCOVA.</a:t>
             </a:r>
             <a:r>
               <a:rPr baseline="30000"/>
@@ -21885,7 +23190,7 @@
             </a:pPr>
             <a:r>
               <a:rPr/>
-              <a:t>Comparação na linha de base</a:t>
+              <a:t>Ajuste de covariáveis</a:t>
             </a:r>
           </a:p>
         </p:txBody>
@@ -21924,25 +23229,14 @@
             </a:pPr>
             <a:r>
               <a:rPr b="1"/>
-              <a:t>O que é comparação entre grupos na linha de base em ensaios clínicos aleatorizados?</a:t>
-            </a:r>
-          </a:p>
-          <a:p>
-            <a:pPr lvl="0"/>
-            <a:r>
-              <a:rPr/>
-              <a:t>A comparação se refere ao teste de hipótese nula de não haver diferença (‘balanço’ ou ‘equilíbrio’) entre grupos de tratamento nas (co)variáveis na linha de base, geralmente apresentadas apenas de modo descritivo na ‘Tabela 1’.</a:t>
-            </a:r>
-            <a:r>
-              <a:rPr baseline="30000"/>
-              <a:t>111</a:t>
-            </a:r>
-          </a:p>
-          <a:p>
-            <a:pPr lvl="0"/>
-            <a:r>
-              <a:rPr/>
-              <a:t>A interpretação isolada do p-valor da comparação entre grupos na linha de base não permite identificar as razões para eventuais diferenças.</a:t>
+              <a:t>Quais variáveis devem ser utilizadas no ajuste de covariáveis?</a:t>
+            </a:r>
+          </a:p>
+          <a:p>
+            <a:pPr lvl="0"/>
+            <a:r>
+              <a:rPr/>
+              <a:t>A escolha das características de linha de base pelas quais uma análise é ajustada deve ser determinada pelo conhecimento prévio de uma possível influência no resultado, em vez da evidência de desequilíbrio entre os grupos de tratamento no estudo.</a:t>
             </a:r>
             <a:r>
               <a:rPr baseline="30000"/>
@@ -21963,14 +23257,14 @@
             </a:pPr>
             <a:r>
               <a:rPr b="1"/>
-              <a:t>Para quê comparar grupos na linha de base em ensaios clínicos aleatorizados?</a:t>
-            </a:r>
-          </a:p>
-          <a:p>
-            <a:pPr lvl="0"/>
-            <a:r>
-              <a:rPr/>
-              <a:t>Os p-valores estão relacionados à aleatorização dos participantes em grupos.</a:t>
+              <a:t>Quais os benefícios do ajuste de covariáveis?</a:t>
+            </a:r>
+          </a:p>
+          <a:p>
+            <a:pPr lvl="0"/>
+            <a:r>
+              <a:rPr/>
+              <a:t>Ajustar por covariáveis ajuda a estimar os efeitos do tratamento para o indivíduo, assim como aumenta a eficiência dos testes para hipótese nula e a validade externa do estudo.</a:t>
             </a:r>
             <a:r>
               <a:rPr baseline="30000"/>
@@ -21981,11 +23275,22 @@
             <a:pPr lvl="0"/>
             <a:r>
               <a:rPr/>
-              <a:t>Em ensaios clínicos aleatorizados, a comparação de (co)variáveis na linha de base é usada para avaliar se aleatorização foi ‘bem sucedida’.</a:t>
-            </a:r>
-            <a:r>
-              <a:rPr baseline="30000"/>
-              <a:t>112</a:t>
+              <a:t>Incluir a variável de desfecho medida na linha de base como covariável - independentemente da análise ser realizada com a medida pós-tratamento da mesma variável ou a diferença para a linha de base - pode aumentar o poder estatístico do estudo.</a:t>
+            </a:r>
+            <a:r>
+              <a:rPr baseline="30000"/>
+              <a:t>113</a:t>
+            </a:r>
+          </a:p>
+          <a:p>
+            <a:pPr lvl="0"/>
+            <a:r>
+              <a:rPr/>
+              <a:t>Incluir outras variáveis medidas na linha de base, com potencial para serem desbalanceadas entre grupos após a aleatorização, diminui a chance de afetar as estimativas de efeito dos tratamentos.</a:t>
+            </a:r>
+            <a:r>
+              <a:rPr baseline="30000"/>
+              <a:t>113</a:t>
             </a:r>
           </a:p>
           <a:p>
@@ -22002,51 +23307,29 @@
             </a:pPr>
             <a:r>
               <a:rPr b="1"/>
-              <a:t>Quais são as razões para diferenças entre grupos de tratamento nas (co)variáveis na linha de base?</a:t>
-            </a:r>
-          </a:p>
-          <a:p>
-            <a:pPr lvl="0"/>
-            <a:r>
-              <a:rPr/>
-              <a:t>Acaso.</a:t>
-            </a:r>
-            <a:r>
-              <a:rPr baseline="30000"/>
-              <a:t>61,111</a:t>
-            </a:r>
-          </a:p>
-          <a:p>
-            <a:pPr lvl="0"/>
-            <a:r>
-              <a:rPr/>
-              <a:t>Viés.</a:t>
-            </a:r>
-            <a:r>
-              <a:rPr baseline="30000"/>
-              <a:t>61,111</a:t>
-            </a:r>
-          </a:p>
-          <a:p>
-            <a:pPr lvl="0"/>
-            <a:r>
-              <a:rPr/>
-              <a:t>Tamanho da amostra.</a:t>
-            </a:r>
-            <a:r>
-              <a:rPr baseline="30000"/>
-              <a:t>61,111</a:t>
-            </a:r>
-          </a:p>
-          <a:p>
-            <a:pPr lvl="0"/>
-            <a:r>
-              <a:rPr/>
-              <a:t>Má conduta científica.</a:t>
-            </a:r>
-            <a:r>
-              <a:rPr baseline="30000"/>
-              <a:t>61</a:t>
+              <a:t>Quais os riscos do ajuste de covariáveis?</a:t>
+            </a:r>
+          </a:p>
+          <a:p>
+            <a:pPr lvl="0"/>
+            <a:r>
+              <a:rPr/>
+              <a:t>Incluir covariáveis que não são prognósticas do desfecho pode reduzir o poder estatístico do estudo.</a:t>
+            </a:r>
+            <a:r>
+              <a:rPr baseline="30000"/>
+              <a:t>113</a:t>
+            </a:r>
+          </a:p>
+          <a:p>
+            <a:pPr lvl="0"/>
+            <a:r>
+              <a:rPr/>
+              <a:t>Incluir covariáveis com dados perdidos pode reduzir o tamanho amostral e consequentemente o poder estatístico do estudo (análise de casos completos) ou levar a desvios do plano de análise por exclusão de covariáveis prognósticas.</a:t>
+            </a:r>
+            <a:r>
+              <a:rPr baseline="30000"/>
+              <a:t>113</a:t>
             </a:r>
           </a:p>
           <a:p>
@@ -22063,107 +23346,18 @@
             </a:pPr>
             <a:r>
               <a:rPr b="1"/>
-              <a:t>Quais cenários permitem a comparação entre grupos na linha de base em ensaios clínicos aleatorizados?</a:t>
-            </a:r>
-          </a:p>
-          <a:p>
-            <a:pPr lvl="0"/>
-            <a:r>
-              <a:rPr/>
-              <a:t>Em ensaios clínicos aleatorizados agregados, os p-valores possuem interpretação diferente de estudos aleatorizados individualmente.</a:t>
-            </a:r>
-            <a:r>
-              <a:rPr baseline="30000"/>
-              <a:t>112</a:t>
-            </a:r>
-          </a:p>
-          <a:p>
-            <a:pPr lvl="0"/>
-            <a:r>
-              <a:rPr/>
-              <a:t>Em ensaios clínicos com agrupamento, nos quais o recrutamento ocorreu após a aleatorização, os p-valores já não estão inteiramente relacionados ao processo de aleatorização, mas sim ao método de recrutamento, o que pode resultar na comparação de amostras não aleatórias.</a:t>
-            </a:r>
-            <a:r>
-              <a:rPr baseline="30000"/>
-              <a:t>112</a:t>
-            </a:r>
-          </a:p>
-          <a:p>
-            <a:pPr lvl="0" indent="0" marL="0">
-              <a:buNone/>
-            </a:pPr>
-          </a:p>
-          <a:p>
-            <a:pPr lvl="0" indent="0" marL="0">
-              <a:spcBef>
-                <a:spcPts val="3000"/>
-              </a:spcBef>
-              <a:buNone/>
-            </a:pPr>
-            <a:r>
-              <a:rPr b="1"/>
-              <a:t>Por que não se deve comparar grupos na linha de base em ensaios clínicos aleatorizados?</a:t>
-            </a:r>
-          </a:p>
-          <a:p>
-            <a:pPr lvl="0"/>
-            <a:r>
-              <a:rPr/>
-              <a:t>Quando a aleatorização é bem-sucedida, a hipótese nula de diferença entre grupos na linha de base é verdadeira.</a:t>
-            </a:r>
-            <a:r>
-              <a:rPr baseline="30000"/>
-              <a:t>108</a:t>
-            </a:r>
-          </a:p>
-          <a:p>
-            <a:pPr lvl="0"/>
-            <a:r>
-              <a:rPr/>
-              <a:t>Testes de significância estatística na linha de base avaliam a probabilidade de que as diferenças observadas possam ter ocorrido por acaso; no entanto, já sabemos - pelo delineamento do experimento - que quaisquer diferenças são causadas pelo acaso.</a:t>
+              <a:t>Como lidar com os dados perdidos em covariáveis?</a:t>
+            </a:r>
+          </a:p>
+          <a:p>
+            <a:pPr lvl="0"/>
+            <a:r>
+              <a:rPr/>
+              <a:t>Imputação de dados perdidos de uma variável pela média dos dados observada permite estimativas não enviesadas dos efeitos do tratamento, preserva o erro tipo I e aumenta o poder estatístico comparado à análise de dados completos.</a:t>
             </a:r>
             <a:r>
               <a:rPr baseline="30000"/>
               <a:t>113</a:t>
-            </a:r>
-          </a:p>
-          <a:p>
-            <a:pPr lvl="0" indent="0" marL="0">
-              <a:buNone/>
-            </a:pPr>
-          </a:p>
-          <a:p>
-            <a:pPr lvl="0" indent="0" marL="0">
-              <a:spcBef>
-                <a:spcPts val="3000"/>
-              </a:spcBef>
-              <a:buNone/>
-            </a:pPr>
-            <a:r>
-              <a:rPr b="1"/>
-              <a:t>Quais estratégias podem ser adotadas para substituir a comparação entre grupos na linha de base em ensaios clínicos aleatorizados?</a:t>
-            </a:r>
-          </a:p>
-          <a:p>
-            <a:pPr lvl="0"/>
-            <a:r>
-              <a:rPr/>
-              <a:t>Na fase de projeto: identifique as variáveis prognósticas do desfecho de acordo com a literatura.</a:t>
-            </a:r>
-            <a:r>
-              <a:rPr baseline="30000"/>
-              <a:t>108</a:t>
-            </a:r>
-          </a:p>
-          <a:p>
-            <a:pPr lvl="0"/>
-            <a:r>
-              <a:rPr/>
-              <a:t>Na fase de análise: inclua as variáveis prognósticas nos modelos para ajuste.</a:t>
-            </a:r>
-            <a:r>
-              <a:rPr baseline="30000"/>
-              <a:t>108</a:t>
             </a:r>
           </a:p>
           <a:p>
@@ -22226,7 +23420,7 @@
             </a:pPr>
             <a:r>
               <a:rPr/>
-              <a:t>Comparação intragrupos</a:t>
+              <a:t>Comparação na linha de base</a:t>
             </a:r>
           </a:p>
         </p:txBody>
@@ -22265,18 +23459,246 @@
             </a:pPr>
             <a:r>
               <a:rPr b="1"/>
-              <a:t>Por que não se deve comparar intragrupos (pré-pós) em ensaios clínicos aleatorizados?</a:t>
-            </a:r>
-          </a:p>
-          <a:p>
-            <a:pPr lvl="0"/>
-            <a:r>
-              <a:rPr/>
-              <a:t>Testar por mudanças a partir da linha de base separadamente em cada grupos aleatorizados não permite concluir sobre diferenças entre grupos; não se pode fazer inferências a partir da comparação de p-valores.</a:t>
-            </a:r>
-            <a:r>
-              <a:rPr baseline="30000"/>
-              <a:t>104</a:t>
+              <a:t>O que é comparação entre grupos na linha de base em ensaios clínicos aleatorizados?</a:t>
+            </a:r>
+          </a:p>
+          <a:p>
+            <a:pPr lvl="0"/>
+            <a:r>
+              <a:rPr/>
+              <a:t>A comparação se refere ao teste de hipótese nula de não haver diferença (‘balanço’ ou ‘equilíbrio’) entre grupos de tratamento nas (co)variáveis na linha de base, geralmente apresentadas apenas de modo descritivo na ‘Tabela 1’.</a:t>
+            </a:r>
+            <a:r>
+              <a:rPr baseline="30000"/>
+              <a:t>114</a:t>
+            </a:r>
+          </a:p>
+          <a:p>
+            <a:pPr lvl="0"/>
+            <a:r>
+              <a:rPr/>
+              <a:t>A interpretação isolada do p-valor da comparação entre grupos na linha de base não permite identificar as razões para eventuais diferenças.</a:t>
+            </a:r>
+            <a:r>
+              <a:rPr baseline="30000"/>
+              <a:t>114</a:t>
+            </a:r>
+          </a:p>
+          <a:p>
+            <a:pPr lvl="0" indent="0" marL="0">
+              <a:buNone/>
+            </a:pPr>
+          </a:p>
+          <a:p>
+            <a:pPr lvl="0" indent="0" marL="0">
+              <a:spcBef>
+                <a:spcPts val="3000"/>
+              </a:spcBef>
+              <a:buNone/>
+            </a:pPr>
+            <a:r>
+              <a:rPr b="1"/>
+              <a:t>Para quê comparar grupos na linha de base em ensaios clínicos aleatorizados?</a:t>
+            </a:r>
+          </a:p>
+          <a:p>
+            <a:pPr lvl="0"/>
+            <a:r>
+              <a:rPr/>
+              <a:t>Os p-valores estão relacionados à aleatorização dos participantes em grupos.</a:t>
+            </a:r>
+            <a:r>
+              <a:rPr baseline="30000"/>
+              <a:t>115</a:t>
+            </a:r>
+          </a:p>
+          <a:p>
+            <a:pPr lvl="0"/>
+            <a:r>
+              <a:rPr/>
+              <a:t>Em ensaios clínicos aleatorizados, a comparação de (co)variáveis na linha de base é usada para avaliar se aleatorização foi ‘bem sucedida’.</a:t>
+            </a:r>
+            <a:r>
+              <a:rPr baseline="30000"/>
+              <a:t>115</a:t>
+            </a:r>
+          </a:p>
+          <a:p>
+            <a:pPr lvl="0" indent="0" marL="0">
+              <a:buNone/>
+            </a:pPr>
+          </a:p>
+          <a:p>
+            <a:pPr lvl="0" indent="0" marL="0">
+              <a:spcBef>
+                <a:spcPts val="3000"/>
+              </a:spcBef>
+              <a:buNone/>
+            </a:pPr>
+            <a:r>
+              <a:rPr b="1"/>
+              <a:t>Quais são as razões para diferenças entre grupos de tratamento nas (co)variáveis na linha de base?</a:t>
+            </a:r>
+          </a:p>
+          <a:p>
+            <a:pPr lvl="0"/>
+            <a:r>
+              <a:rPr/>
+              <a:t>Acaso.</a:t>
+            </a:r>
+            <a:r>
+              <a:rPr baseline="30000"/>
+              <a:t>61,114</a:t>
+            </a:r>
+          </a:p>
+          <a:p>
+            <a:pPr lvl="0"/>
+            <a:r>
+              <a:rPr/>
+              <a:t>Viés.</a:t>
+            </a:r>
+            <a:r>
+              <a:rPr baseline="30000"/>
+              <a:t>61,114</a:t>
+            </a:r>
+          </a:p>
+          <a:p>
+            <a:pPr lvl="0"/>
+            <a:r>
+              <a:rPr/>
+              <a:t>Tamanho da amostra.</a:t>
+            </a:r>
+            <a:r>
+              <a:rPr baseline="30000"/>
+              <a:t>61,114</a:t>
+            </a:r>
+          </a:p>
+          <a:p>
+            <a:pPr lvl="0"/>
+            <a:r>
+              <a:rPr/>
+              <a:t>Má conduta científica.</a:t>
+            </a:r>
+            <a:r>
+              <a:rPr baseline="30000"/>
+              <a:t>61</a:t>
+            </a:r>
+          </a:p>
+          <a:p>
+            <a:pPr lvl="0" indent="0" marL="0">
+              <a:buNone/>
+            </a:pPr>
+          </a:p>
+          <a:p>
+            <a:pPr lvl="0" indent="0" marL="0">
+              <a:spcBef>
+                <a:spcPts val="3000"/>
+              </a:spcBef>
+              <a:buNone/>
+            </a:pPr>
+            <a:r>
+              <a:rPr b="1"/>
+              <a:t>Quais cenários permitem a comparação entre grupos na linha de base em ensaios clínicos aleatorizados?</a:t>
+            </a:r>
+          </a:p>
+          <a:p>
+            <a:pPr lvl="0"/>
+            <a:r>
+              <a:rPr/>
+              <a:t>Em ensaios clínicos aleatorizados agregados, os p-valores possuem interpretação diferente de estudos aleatorizados individualmente.</a:t>
+            </a:r>
+            <a:r>
+              <a:rPr baseline="30000"/>
+              <a:t>115</a:t>
+            </a:r>
+          </a:p>
+          <a:p>
+            <a:pPr lvl="0"/>
+            <a:r>
+              <a:rPr/>
+              <a:t>Em ensaios clínicos com agrupamento, nos quais o recrutamento ocorreu após a aleatorização, os p-valores já não estão inteiramente relacionados ao processo de aleatorização, mas sim ao método de recrutamento, o que pode resultar na comparação de amostras não aleatórias.</a:t>
+            </a:r>
+            <a:r>
+              <a:rPr baseline="30000"/>
+              <a:t>115</a:t>
+            </a:r>
+          </a:p>
+          <a:p>
+            <a:pPr lvl="0" indent="0" marL="0">
+              <a:buNone/>
+            </a:pPr>
+          </a:p>
+          <a:p>
+            <a:pPr lvl="0" indent="0" marL="0">
+              <a:spcBef>
+                <a:spcPts val="3000"/>
+              </a:spcBef>
+              <a:buNone/>
+            </a:pPr>
+            <a:r>
+              <a:rPr b="1"/>
+              <a:t>Por que não se deve comparar grupos na linha de base em ensaios clínicos aleatorizados?</a:t>
+            </a:r>
+          </a:p>
+          <a:p>
+            <a:pPr lvl="0"/>
+            <a:r>
+              <a:rPr/>
+              <a:t>Quando a aleatorização é bem-sucedida, a hipótese nula de diferença entre grupos na linha de base é verdadeira.</a:t>
+            </a:r>
+            <a:r>
+              <a:rPr baseline="30000"/>
+              <a:t>111</a:t>
+            </a:r>
+          </a:p>
+          <a:p>
+            <a:pPr lvl="0"/>
+            <a:r>
+              <a:rPr/>
+              <a:t>Testes de significância estatística na linha de base avaliam a probabilidade de que as diferenças observadas possam ter ocorrido por acaso; no entanto, já sabemos - pelo delineamento do experimento - que quaisquer diferenças são causadas pelo acaso.</a:t>
+            </a:r>
+            <a:r>
+              <a:rPr baseline="30000"/>
+              <a:t>116</a:t>
+            </a:r>
+          </a:p>
+          <a:p>
+            <a:pPr lvl="0" indent="0" marL="0">
+              <a:buNone/>
+            </a:pPr>
+          </a:p>
+          <a:p>
+            <a:pPr lvl="0" indent="0" marL="0">
+              <a:spcBef>
+                <a:spcPts val="3000"/>
+              </a:spcBef>
+              <a:buNone/>
+            </a:pPr>
+            <a:r>
+              <a:rPr b="1"/>
+              <a:t>Quais estratégias podem ser adotadas para substituir a comparação entre grupos na linha de base em ensaios clínicos aleatorizados?</a:t>
+            </a:r>
+          </a:p>
+          <a:p>
+            <a:pPr lvl="0"/>
+            <a:r>
+              <a:rPr/>
+              <a:t>Na fase de projeto: identifique as variáveis prognósticas do desfecho de acordo com a literatura.</a:t>
+            </a:r>
+            <a:r>
+              <a:rPr baseline="30000"/>
+              <a:t>111</a:t>
+            </a:r>
+          </a:p>
+          <a:p>
+            <a:pPr lvl="0"/>
+            <a:r>
+              <a:rPr/>
+              <a:t>Na fase de análise: inclua as variáveis prognósticas nos modelos para ajuste.</a:t>
+            </a:r>
+            <a:r>
+              <a:rPr baseline="30000"/>
+              <a:t>111</a:t>
             </a:r>
           </a:p>
           <a:p>
@@ -22339,7 +23761,7 @@
             </a:pPr>
             <a:r>
               <a:rPr/>
-              <a:t>Comparação entre grupos</a:t>
+              <a:t>Comparação intragrupos</a:t>
             </a:r>
           </a:p>
         </p:txBody>
@@ -22378,18 +23800,18 @@
             </a:pPr>
             <a:r>
               <a:rPr b="1"/>
-              <a:t>O que é comparação entre grupos em ensaios clínicos aleatorizados?</a:t>
-            </a:r>
-          </a:p>
-          <a:p>
-            <a:pPr lvl="0"/>
-            <a:r>
-              <a:rPr/>
-              <a:t>A comparação se refere ao teste de hipótese nula de não haver diferença (‘alteração’ ou ‘mudança’) pós-tratamento entre grupos de tratamento.</a:t>
-            </a:r>
-            <a:r>
-              <a:rPr baseline="30000"/>
-              <a:t>104</a:t>
+              <a:t>Por que não se deve comparar intragrupos (pré-pós) em ensaios clínicos aleatorizados?</a:t>
+            </a:r>
+          </a:p>
+          <a:p>
+            <a:pPr lvl="0"/>
+            <a:r>
+              <a:rPr/>
+              <a:t>Testar por mudanças a partir da linha de base separadamente em cada grupos aleatorizados não permite concluir sobre diferenças entre grupos; não se pode fazer inferências a partir da comparação de p-valores.</a:t>
+            </a:r>
+            <a:r>
+              <a:rPr baseline="30000"/>
+              <a:t>107</a:t>
             </a:r>
           </a:p>
           <a:p>
@@ -22452,7 +23874,7 @@
             </a:pPr>
             <a:r>
               <a:rPr/>
-              <a:t>Modificação de efeito</a:t>
+              <a:t>Comparação entre grupos</a:t>
             </a:r>
           </a:p>
         </p:txBody>
@@ -22491,46 +23913,18 @@
             </a:pPr>
             <a:r>
               <a:rPr b="1"/>
-              <a:t>O que é modificação de efeito?</a:t>
-            </a:r>
-          </a:p>
-          <a:p>
-            <a:pPr lvl="0"/>
-            <a:r>
-              <a:rPr/>
-              <a:t>.</a:t>
-            </a:r>
-            <a:r>
-              <a:rPr baseline="30000"/>
-              <a:t>114</a:t>
-            </a:r>
-          </a:p>
-          <a:p>
-            <a:pPr lvl="0" indent="0" marL="0">
-              <a:buNone/>
-            </a:pPr>
-          </a:p>
-          <a:p>
-            <a:pPr lvl="0" indent="0" marL="0">
-              <a:spcBef>
-                <a:spcPts val="3000"/>
-              </a:spcBef>
-              <a:buNone/>
-            </a:pPr>
-            <a:r>
-              <a:rPr b="1"/>
-              <a:t>O que é um modificador de efeito?</a:t>
-            </a:r>
-          </a:p>
-          <a:p>
-            <a:pPr lvl="0"/>
-            <a:r>
-              <a:rPr/>
-              <a:t>.</a:t>
-            </a:r>
-            <a:r>
-              <a:rPr baseline="30000"/>
-              <a:t>114</a:t>
+              <a:t>O que é comparação entre grupos em ensaios clínicos aleatorizados?</a:t>
+            </a:r>
+          </a:p>
+          <a:p>
+            <a:pPr lvl="0"/>
+            <a:r>
+              <a:rPr/>
+              <a:t>A comparação se refere ao teste de hipótese nula de não haver diferença (‘alteração’ ou ‘mudança’) pós-tratamento entre grupos de tratamento.</a:t>
+            </a:r>
+            <a:r>
+              <a:rPr baseline="30000"/>
+              <a:t>107</a:t>
             </a:r>
           </a:p>
           <a:p>
@@ -22593,7 +23987,7 @@
             </a:pPr>
             <a:r>
               <a:rPr/>
-              <a:t>Interação</a:t>
+              <a:t>Modificação de efeito</a:t>
             </a:r>
           </a:p>
         </p:txBody>
@@ -22632,29 +24026,7 @@
             </a:pPr>
             <a:r>
               <a:rPr b="1"/>
-              <a:t>O que é efeito de interação?</a:t>
-            </a:r>
-          </a:p>
-          <a:p>
-            <a:pPr lvl="0"/>
-            <a:r>
-              <a:rPr/>
-              <a:t>A interação - representada pelo símbolo ‘*’ - é o termo estatístico empregado para representar a heterogeneidade de um determinado efeito.</a:t>
-            </a:r>
-            <a:r>
-              <a:rPr baseline="30000"/>
-              <a:t>115</a:t>
-            </a:r>
-          </a:p>
-          <a:p>
-            <a:pPr lvl="0"/>
-            <a:r>
-              <a:rPr/>
-              <a:t>Em ensaios clínicos aleatorizados, o principal problema de pesquisa é se há uma diferença pré-pós maior em um grupo do que em outro(s).</a:t>
-            </a:r>
-            <a:r>
-              <a:rPr baseline="30000"/>
-              <a:t>104</a:t>
+              <a:t>O que é modificação de efeito?</a:t>
             </a:r>
           </a:p>
           <a:p>
@@ -22665,7 +24037,7 @@
             </a:r>
             <a:r>
               <a:rPr baseline="30000"/>
-              <a:t>114</a:t>
+              <a:t>117</a:t>
             </a:r>
           </a:p>
           <a:p>
@@ -22682,64 +24054,14 @@
             </a:pPr>
             <a:r>
               <a:rPr b="1"/>
-              <a:t>Por que analisar o efeito de interação?</a:t>
-            </a:r>
-          </a:p>
-          <a:p>
-            <a:pPr lvl="0"/>
-            <a:r>
-              <a:rPr/>
-              <a:t>A comparação de subgrupos por meio de testes de significância de hipótese nula separados é enganoso por não testar (comparar) diretamente os tamanhos dos efeitos dos tratamentos.</a:t>
-            </a:r>
-            <a:r>
-              <a:rPr baseline="30000"/>
-              <a:t>116</a:t>
-            </a:r>
-          </a:p>
-          <a:p>
-            <a:pPr lvl="0" indent="0" marL="0">
-              <a:buNone/>
-            </a:pPr>
-          </a:p>
-          <a:p>
-            <a:pPr lvl="0" indent="0" marL="0">
-              <a:spcBef>
-                <a:spcPts val="3000"/>
-              </a:spcBef>
-              <a:buNone/>
-            </a:pPr>
-            <a:r>
-              <a:rPr b="1"/>
-              <a:t>Quando usar o termo de interação?</a:t>
-            </a:r>
-          </a:p>
-          <a:p>
-            <a:pPr lvl="0"/>
-            <a:r>
-              <a:rPr/>
-              <a:t>Análise de efeito de interação pode ser usada para testar se o efeito de um tratamento varia entre dois ou mais subgrupos de indivíduos, ou seja, se um efeito é modificado pelo(s) outros(s) efeito(s).</a:t>
-            </a:r>
-            <a:r>
-              <a:rPr baseline="30000"/>
-              <a:t>115</a:t>
-            </a:r>
-          </a:p>
-          <a:p>
-            <a:pPr lvl="0"/>
-            <a:r>
-              <a:rPr/>
-              <a:t>A interação entre duas (ou mais) variáveis pode ser utilizada para comparar efeitos do tratamento em subgrupos de ensaios clínicos.</a:t>
-            </a:r>
-            <a:r>
-              <a:rPr baseline="30000"/>
-              <a:t>117</a:t>
-            </a:r>
-          </a:p>
-          <a:p>
-            <a:pPr lvl="0"/>
-            <a:r>
-              <a:rPr/>
-              <a:t>O poder estatístico para detectar efeitos de interação é limitado.</a:t>
+              <a:t>O que é um modificador de efeito?</a:t>
+            </a:r>
+          </a:p>
+          <a:p>
+            <a:pPr lvl="0"/>
+            <a:r>
+              <a:rPr/>
+              <a:t>.</a:t>
             </a:r>
             <a:r>
               <a:rPr baseline="30000"/>
@@ -22864,7 +24186,7 @@
             </a:pPr>
             <a:r>
               <a:rPr/>
-              <a:t>Mediação</a:t>
+              <a:t>Interação</a:t>
             </a:r>
           </a:p>
         </p:txBody>
@@ -22903,7 +24225,29 @@
             </a:pPr>
             <a:r>
               <a:rPr b="1"/>
-              <a:t>O que é mediação?</a:t>
+              <a:t>O que é efeito de interação?</a:t>
+            </a:r>
+          </a:p>
+          <a:p>
+            <a:pPr lvl="0"/>
+            <a:r>
+              <a:rPr/>
+              <a:t>A interação - representada pelo símbolo ‘*’ - é o termo estatístico empregado para representar a heterogeneidade de um determinado efeito.</a:t>
+            </a:r>
+            <a:r>
+              <a:rPr baseline="30000"/>
+              <a:t>118</a:t>
+            </a:r>
+          </a:p>
+          <a:p>
+            <a:pPr lvl="0"/>
+            <a:r>
+              <a:rPr/>
+              <a:t>Em ensaios clínicos aleatorizados, o principal problema de pesquisa é se há uma diferença pré-pós maior em um grupo do que em outro(s).</a:t>
+            </a:r>
+            <a:r>
+              <a:rPr baseline="30000"/>
+              <a:t>107</a:t>
             </a:r>
           </a:p>
           <a:p>
@@ -22914,7 +24258,7 @@
             </a:r>
             <a:r>
               <a:rPr baseline="30000"/>
-              <a:t>114</a:t>
+              <a:t>117</a:t>
             </a:r>
           </a:p>
           <a:p>
@@ -22931,18 +24275,18 @@
             </a:pPr>
             <a:r>
               <a:rPr b="1"/>
-              <a:t>O que é um mediador?</a:t>
-            </a:r>
-          </a:p>
-          <a:p>
-            <a:pPr lvl="0"/>
-            <a:r>
-              <a:rPr/>
-              <a:t>.</a:t>
-            </a:r>
-            <a:r>
-              <a:rPr baseline="30000"/>
-              <a:t>114</a:t>
+              <a:t>Por que analisar o efeito de interação?</a:t>
+            </a:r>
+          </a:p>
+          <a:p>
+            <a:pPr lvl="0"/>
+            <a:r>
+              <a:rPr/>
+              <a:t>A comparação de subgrupos por meio de testes de significância de hipótese nula separados é enganoso por não testar (comparar) diretamente os tamanhos dos efeitos dos tratamentos.</a:t>
+            </a:r>
+            <a:r>
+              <a:rPr baseline="30000"/>
+              <a:t>119</a:t>
             </a:r>
           </a:p>
           <a:p>
@@ -22959,74 +24303,40 @@
             </a:pPr>
             <a:r>
               <a:rPr b="1"/>
-              <a:t>O que é efeito direto?</a:t>
-            </a:r>
-          </a:p>
-          <a:p>
-            <a:pPr lvl="0"/>
-            <a:r>
-              <a:rPr/>
-              <a:t>.</a:t>
-            </a:r>
-            <a:r>
-              <a:rPr baseline="30000"/>
-              <a:t>114</a:t>
-            </a:r>
-          </a:p>
-          <a:p>
-            <a:pPr lvl="0" indent="0" marL="0">
-              <a:buNone/>
-            </a:pPr>
-          </a:p>
-          <a:p>
-            <a:pPr lvl="0" indent="0" marL="0">
-              <a:spcBef>
-                <a:spcPts val="3000"/>
-              </a:spcBef>
-              <a:buNone/>
-            </a:pPr>
-            <a:r>
-              <a:rPr b="1"/>
-              <a:t>O que é efeito indireto?</a:t>
-            </a:r>
-          </a:p>
-          <a:p>
-            <a:pPr lvl="0"/>
-            <a:r>
-              <a:rPr/>
-              <a:t>.</a:t>
-            </a:r>
-            <a:r>
-              <a:rPr baseline="30000"/>
-              <a:t>114</a:t>
-            </a:r>
-          </a:p>
-          <a:p>
-            <a:pPr lvl="0" indent="0" marL="0">
-              <a:buNone/>
-            </a:pPr>
-          </a:p>
-          <a:p>
-            <a:pPr lvl="0" indent="0" marL="0">
-              <a:spcBef>
-                <a:spcPts val="3000"/>
-              </a:spcBef>
-              <a:buNone/>
-            </a:pPr>
-            <a:r>
-              <a:rPr b="1"/>
-              <a:t>O que é efeito total?</a:t>
-            </a:r>
-          </a:p>
-          <a:p>
-            <a:pPr lvl="0"/>
-            <a:r>
-              <a:rPr/>
-              <a:t>.</a:t>
-            </a:r>
-            <a:r>
-              <a:rPr baseline="30000"/>
-              <a:t>114</a:t>
+              <a:t>Quando usar o termo de interação?</a:t>
+            </a:r>
+          </a:p>
+          <a:p>
+            <a:pPr lvl="0"/>
+            <a:r>
+              <a:rPr/>
+              <a:t>Análise de efeito de interação pode ser usada para testar se o efeito de um tratamento varia entre dois ou mais subgrupos de indivíduos, ou seja, se um efeito é modificado pelo(s) outros(s) efeito(s).</a:t>
+            </a:r>
+            <a:r>
+              <a:rPr baseline="30000"/>
+              <a:t>118</a:t>
+            </a:r>
+          </a:p>
+          <a:p>
+            <a:pPr lvl="0"/>
+            <a:r>
+              <a:rPr/>
+              <a:t>A interação entre duas (ou mais) variáveis pode ser utilizada para comparar efeitos do tratamento em subgrupos de ensaios clínicos.</a:t>
+            </a:r>
+            <a:r>
+              <a:rPr baseline="30000"/>
+              <a:t>120</a:t>
+            </a:r>
+          </a:p>
+          <a:p>
+            <a:pPr lvl="0"/>
+            <a:r>
+              <a:rPr/>
+              <a:t>O poder estatístico para detectar efeitos de interação é limitado.</a:t>
+            </a:r>
+            <a:r>
+              <a:rPr baseline="30000"/>
+              <a:t>120</a:t>
             </a:r>
           </a:p>
           <a:p>
@@ -23042,6 +24352,231 @@
 </file>
 
 <file path=ppt/slides/slide91.xml><?xml version="1.0" encoding="utf-8"?>
+<p:sld xmlns:a="http://schemas.openxmlformats.org/drawingml/2006/main" xmlns:r="http://schemas.openxmlformats.org/officeDocument/2006/relationships" xmlns:p="http://schemas.openxmlformats.org/presentationml/2006/main">
+  <p:cSld>
+    <p:spTree>
+      <p:nvGrpSpPr>
+        <p:cNvPr id="1" name=""/>
+        <p:cNvGrpSpPr/>
+        <p:nvPr/>
+      </p:nvGrpSpPr>
+      <p:grpSpPr>
+        <a:xfrm>
+          <a:off x="0" y="0"/>
+          <a:ext cx="0" cy="0"/>
+          <a:chOff x="0" y="0"/>
+          <a:chExt cx="0" cy="0"/>
+        </a:xfrm>
+      </p:grpSpPr>
+      <p:sp>
+        <p:nvSpPr>
+          <p:cNvPr id="2" name="Title 1">
+            <a:extLst>
+              <a:ext uri="{FF2B5EF4-FFF2-40B4-BE49-F238E27FC236}">
+                <a16:creationId xmlns:a16="http://schemas.microsoft.com/office/drawing/2014/main" id="{0277F749-6ED4-3E49-963A-830033252F78}"/>
+              </a:ext>
+            </a:extLst>
+          </p:cNvPr>
+          <p:cNvSpPr>
+            <a:spLocks noGrp="1"/>
+          </p:cNvSpPr>
+          <p:nvPr>
+            <p:ph type="title"/>
+          </p:nvPr>
+        </p:nvSpPr>
+        <p:spPr>
+          <a:xfrm>
+            <a:off x="0" y="17256"/>
+            <a:ext cx="10515600" cy="663782"/>
+          </a:xfrm>
+        </p:spPr>
+        <p:txBody>
+          <a:bodyPr/>
+          <a:lstStyle/>
+          <a:p>
+            <a:pPr lvl="0" indent="0" marL="0">
+              <a:buNone/>
+            </a:pPr>
+            <a:r>
+              <a:rPr/>
+              <a:t>Mediação</a:t>
+            </a:r>
+          </a:p>
+        </p:txBody>
+      </p:sp>
+      <p:sp>
+        <p:nvSpPr>
+          <p:cNvPr id="3" name="Content Placeholder 2">
+            <a:extLst>
+              <a:ext uri="{FF2B5EF4-FFF2-40B4-BE49-F238E27FC236}">
+                <a16:creationId xmlns:a16="http://schemas.microsoft.com/office/drawing/2014/main" id="{1574FA24-F1CC-B240-AAF9-A2DF684B1C54}"/>
+              </a:ext>
+            </a:extLst>
+          </p:cNvPr>
+          <p:cNvSpPr>
+            <a:spLocks noGrp="1"/>
+          </p:cNvSpPr>
+          <p:nvPr>
+            <p:ph idx="1"/>
+          </p:nvPr>
+        </p:nvSpPr>
+        <p:spPr/>
+        <p:txBody>
+          <a:bodyPr/>
+          <a:lstStyle/>
+          <a:p>
+            <a:pPr lvl="0" indent="0" marL="0">
+              <a:buNone/>
+            </a:pPr>
+          </a:p>
+          <a:p>
+            <a:pPr lvl="0" indent="0" marL="0">
+              <a:spcBef>
+                <a:spcPts val="3000"/>
+              </a:spcBef>
+              <a:buNone/>
+            </a:pPr>
+            <a:r>
+              <a:rPr b="1"/>
+              <a:t>O que é mediação?</a:t>
+            </a:r>
+          </a:p>
+          <a:p>
+            <a:pPr lvl="0"/>
+            <a:r>
+              <a:rPr/>
+              <a:t>.</a:t>
+            </a:r>
+            <a:r>
+              <a:rPr baseline="30000"/>
+              <a:t>117</a:t>
+            </a:r>
+          </a:p>
+          <a:p>
+            <a:pPr lvl="0" indent="0" marL="0">
+              <a:buNone/>
+            </a:pPr>
+          </a:p>
+          <a:p>
+            <a:pPr lvl="0" indent="0" marL="0">
+              <a:spcBef>
+                <a:spcPts val="3000"/>
+              </a:spcBef>
+              <a:buNone/>
+            </a:pPr>
+            <a:r>
+              <a:rPr b="1"/>
+              <a:t>O que é um mediador?</a:t>
+            </a:r>
+          </a:p>
+          <a:p>
+            <a:pPr lvl="0"/>
+            <a:r>
+              <a:rPr/>
+              <a:t>.</a:t>
+            </a:r>
+            <a:r>
+              <a:rPr baseline="30000"/>
+              <a:t>117</a:t>
+            </a:r>
+          </a:p>
+          <a:p>
+            <a:pPr lvl="0" indent="0" marL="0">
+              <a:buNone/>
+            </a:pPr>
+          </a:p>
+          <a:p>
+            <a:pPr lvl="0" indent="0" marL="0">
+              <a:spcBef>
+                <a:spcPts val="3000"/>
+              </a:spcBef>
+              <a:buNone/>
+            </a:pPr>
+            <a:r>
+              <a:rPr b="1"/>
+              <a:t>O que é efeito direto?</a:t>
+            </a:r>
+          </a:p>
+          <a:p>
+            <a:pPr lvl="0"/>
+            <a:r>
+              <a:rPr/>
+              <a:t>.</a:t>
+            </a:r>
+            <a:r>
+              <a:rPr baseline="30000"/>
+              <a:t>117</a:t>
+            </a:r>
+          </a:p>
+          <a:p>
+            <a:pPr lvl="0" indent="0" marL="0">
+              <a:buNone/>
+            </a:pPr>
+          </a:p>
+          <a:p>
+            <a:pPr lvl="0" indent="0" marL="0">
+              <a:spcBef>
+                <a:spcPts val="3000"/>
+              </a:spcBef>
+              <a:buNone/>
+            </a:pPr>
+            <a:r>
+              <a:rPr b="1"/>
+              <a:t>O que é efeito indireto?</a:t>
+            </a:r>
+          </a:p>
+          <a:p>
+            <a:pPr lvl="0"/>
+            <a:r>
+              <a:rPr/>
+              <a:t>.</a:t>
+            </a:r>
+            <a:r>
+              <a:rPr baseline="30000"/>
+              <a:t>117</a:t>
+            </a:r>
+          </a:p>
+          <a:p>
+            <a:pPr lvl="0" indent="0" marL="0">
+              <a:buNone/>
+            </a:pPr>
+          </a:p>
+          <a:p>
+            <a:pPr lvl="0" indent="0" marL="0">
+              <a:spcBef>
+                <a:spcPts val="3000"/>
+              </a:spcBef>
+              <a:buNone/>
+            </a:pPr>
+            <a:r>
+              <a:rPr b="1"/>
+              <a:t>O que é efeito total?</a:t>
+            </a:r>
+          </a:p>
+          <a:p>
+            <a:pPr lvl="0"/>
+            <a:r>
+              <a:rPr/>
+              <a:t>.</a:t>
+            </a:r>
+            <a:r>
+              <a:rPr baseline="30000"/>
+              <a:t>117</a:t>
+            </a:r>
+          </a:p>
+          <a:p>
+            <a:pPr lvl="0" indent="0" marL="0">
+              <a:buNone/>
+            </a:pPr>
+          </a:p>
+        </p:txBody>
+      </p:sp>
+    </p:spTree>
+  </p:cSld>
+</p:sld>
+</file>
+
+<file path=ppt/slides/slide92.xml><?xml version="1.0" encoding="utf-8"?>
 <p:sld xmlns:a="http://schemas.openxmlformats.org/drawingml/2006/main" xmlns:r="http://schemas.openxmlformats.org/officeDocument/2006/relationships" xmlns:p="http://schemas.openxmlformats.org/presentationml/2006/main">
   <p:cSld>
     <p:spTree>
@@ -23099,7 +24634,7 @@
 </p:sld>
 </file>
 
-<file path=ppt/slides/slide92.xml><?xml version="1.0" encoding="utf-8"?>
+<file path=ppt/slides/slide93.xml><?xml version="1.0" encoding="utf-8"?>
 <p:sld xmlns:a="http://schemas.openxmlformats.org/drawingml/2006/main" xmlns:r="http://schemas.openxmlformats.org/officeDocument/2006/relationships" xmlns:p="http://schemas.openxmlformats.org/presentationml/2006/main">
   <p:cSld>
     <p:spTree>
@@ -23199,7 +24734,7 @@
                 </a:r>
                 <a:r>
                   <a:rPr baseline="30000"/>
-                  <a:t>118</a:t>
+                  <a:t>121</a:t>
                 </a:r>
               </a:p>
               <a:p>
@@ -23230,7 +24765,7 @@
                 </a:r>
                 <a:r>
                   <a:rPr baseline="30000"/>
-                  <a:t>118</a:t>
+                  <a:t>121</a:t>
                 </a:r>
               </a:p>
               <a:p>
@@ -23261,7 +24796,7 @@
                 </a:r>
                 <a:r>
                   <a:rPr baseline="30000"/>
-                  <a:t>118</a:t>
+                  <a:t>121</a:t>
                 </a:r>
               </a:p>
               <a:p>
@@ -23309,7 +24844,7 @@
                 </a:r>
                 <a:r>
                   <a:rPr baseline="30000"/>
-                  <a:t>118,119</a:t>
+                  <a:t>121,122</a:t>
                 </a:r>
               </a:p>
               <a:p>
@@ -23336,7 +24871,7 @@
                 </a:r>
                 <a:r>
                   <a:rPr baseline="30000"/>
-                  <a:t>118</a:t>
+                  <a:t>121</a:t>
                 </a:r>
               </a:p>
               <a:p>
@@ -23383,7 +24918,7 @@
                 </a:r>
                 <a:r>
                   <a:rPr baseline="30000"/>
-                  <a:t>119</a:t>
+                  <a:t>122</a:t>
                 </a:r>
               </a:p>
               <a:p>
@@ -23394,7 +24929,7 @@
                 </a:r>
                 <a:r>
                   <a:rPr baseline="30000"/>
-                  <a:t>120</a:t>
+                  <a:t>123</a:t>
                 </a:r>
               </a:p>
               <a:p>
@@ -23416,7 +24951,7 @@
                 </a:r>
                 <a:r>
                   <a:rPr baseline="30000"/>
-                  <a:t>121</a:t>
+                  <a:t>124</a:t>
                 </a:r>
                 <a:r>
                   <a:rPr/>
@@ -23437,7 +24972,7 @@
 </p:sld>
 </file>
 
-<file path=ppt/slides/slide93.xml><?xml version="1.0" encoding="utf-8"?>
+<file path=ppt/slides/slide94.xml><?xml version="1.0" encoding="utf-8"?>
 <p:sld xmlns:a="http://schemas.openxmlformats.org/drawingml/2006/main" xmlns:r="http://schemas.openxmlformats.org/officeDocument/2006/relationships" xmlns:p="http://schemas.openxmlformats.org/presentationml/2006/main">
   <p:cSld>
     <p:spTree>
@@ -23495,7 +25030,7 @@
 </p:sld>
 </file>
 
-<file path=ppt/slides/slide94.xml><?xml version="1.0" encoding="utf-8"?>
+<file path=ppt/slides/slide95.xml><?xml version="1.0" encoding="utf-8"?>
 <p:sld xmlns:a="http://schemas.openxmlformats.org/drawingml/2006/main" xmlns:r="http://schemas.openxmlformats.org/officeDocument/2006/relationships" xmlns:p="http://schemas.openxmlformats.org/presentationml/2006/main">
   <p:cSld>
     <p:spTree>
@@ -23604,7 +25139,7 @@
 </p:sld>
 </file>
 
-<file path=ppt/slides/slide95.xml><?xml version="1.0" encoding="utf-8"?>
+<file path=ppt/slides/slide96.xml><?xml version="1.0" encoding="utf-8"?>
 <p:sld xmlns:a="http://schemas.openxmlformats.org/drawingml/2006/main" xmlns:r="http://schemas.openxmlformats.org/officeDocument/2006/relationships" xmlns:p="http://schemas.openxmlformats.org/presentationml/2006/main">
   <p:cSld>
     <p:spTree>
@@ -23662,7 +25197,7 @@
 </p:sld>
 </file>
 
-<file path=ppt/slides/slide96.xml><?xml version="1.0" encoding="utf-8"?>
+<file path=ppt/slides/slide97.xml><?xml version="1.0" encoding="utf-8"?>
 <p:sld xmlns:a="http://schemas.openxmlformats.org/drawingml/2006/main" xmlns:r="http://schemas.openxmlformats.org/officeDocument/2006/relationships" xmlns:p="http://schemas.openxmlformats.org/presentationml/2006/main">
   <p:cSld>
     <p:spTree>
@@ -23771,7 +25306,7 @@
 </p:sld>
 </file>
 
-<file path=ppt/slides/slide97.xml><?xml version="1.0" encoding="utf-8"?>
+<file path=ppt/slides/slide98.xml><?xml version="1.0" encoding="utf-8"?>
 <p:sld xmlns:a="http://schemas.openxmlformats.org/drawingml/2006/main" xmlns:r="http://schemas.openxmlformats.org/officeDocument/2006/relationships" xmlns:p="http://schemas.openxmlformats.org/presentationml/2006/main">
   <p:cSld>
     <p:spTree>
@@ -23821,115 +25356,6 @@
               <a:rPr b="1"/>
               <a:t>Redação estatística</a:t>
             </a:r>
-          </a:p>
-        </p:txBody>
-      </p:sp>
-    </p:spTree>
-  </p:cSld>
-</p:sld>
-</file>
-
-<file path=ppt/slides/slide98.xml><?xml version="1.0" encoding="utf-8"?>
-<p:sld xmlns:a="http://schemas.openxmlformats.org/drawingml/2006/main" xmlns:r="http://schemas.openxmlformats.org/officeDocument/2006/relationships" xmlns:p="http://schemas.openxmlformats.org/presentationml/2006/main">
-  <p:cSld>
-    <p:spTree>
-      <p:nvGrpSpPr>
-        <p:cNvPr id="1" name=""/>
-        <p:cNvGrpSpPr/>
-        <p:nvPr/>
-      </p:nvGrpSpPr>
-      <p:grpSpPr>
-        <a:xfrm>
-          <a:off x="0" y="0"/>
-          <a:ext cx="0" cy="0"/>
-          <a:chOff x="0" y="0"/>
-          <a:chExt cx="0" cy="0"/>
-        </a:xfrm>
-      </p:grpSpPr>
-      <p:sp>
-        <p:nvSpPr>
-          <p:cNvPr id="2" name="Title 1">
-            <a:extLst>
-              <a:ext uri="{FF2B5EF4-FFF2-40B4-BE49-F238E27FC236}">
-                <a16:creationId xmlns:a16="http://schemas.microsoft.com/office/drawing/2014/main" id="{0277F749-6ED4-3E49-963A-830033252F78}"/>
-              </a:ext>
-            </a:extLst>
-          </p:cNvPr>
-          <p:cNvSpPr>
-            <a:spLocks noGrp="1"/>
-          </p:cNvSpPr>
-          <p:nvPr>
-            <p:ph type="title"/>
-          </p:nvPr>
-        </p:nvSpPr>
-        <p:spPr>
-          <a:xfrm>
-            <a:off x="0" y="17256"/>
-            <a:ext cx="10515600" cy="663782"/>
-          </a:xfrm>
-        </p:spPr>
-        <p:txBody>
-          <a:bodyPr/>
-          <a:lstStyle/>
-          <a:p>
-            <a:pPr lvl="0" indent="0" marL="0">
-              <a:buNone/>
-            </a:pPr>
-            <a:r>
-              <a:rPr/>
-              <a:t>Manuscritos reprodutíveis</a:t>
-            </a:r>
-          </a:p>
-        </p:txBody>
-      </p:sp>
-      <p:sp>
-        <p:nvSpPr>
-          <p:cNvPr id="3" name="Content Placeholder 2">
-            <a:extLst>
-              <a:ext uri="{FF2B5EF4-FFF2-40B4-BE49-F238E27FC236}">
-                <a16:creationId xmlns:a16="http://schemas.microsoft.com/office/drawing/2014/main" id="{1574FA24-F1CC-B240-AAF9-A2DF684B1C54}"/>
-              </a:ext>
-            </a:extLst>
-          </p:cNvPr>
-          <p:cNvSpPr>
-            <a:spLocks noGrp="1"/>
-          </p:cNvSpPr>
-          <p:nvPr>
-            <p:ph idx="1"/>
-          </p:nvPr>
-        </p:nvSpPr>
-        <p:spPr/>
-        <p:txBody>
-          <a:bodyPr/>
-          <a:lstStyle/>
-          <a:p>
-            <a:pPr lvl="0" indent="0" marL="0">
-              <a:buNone/>
-            </a:pPr>
-          </a:p>
-          <a:p>
-            <a:pPr lvl="0" indent="0" marL="0">
-              <a:spcBef>
-                <a:spcPts val="3000"/>
-              </a:spcBef>
-              <a:buNone/>
-            </a:pPr>
-            <a:r>
-              <a:rPr b="1"/>
-              <a:t>O que são manuscritos reprodutíveis?</a:t>
-            </a:r>
-          </a:p>
-          <a:p>
-            <a:pPr lvl="0"/>
-            <a:r>
-              <a:rPr/>
-              <a:t>.[REF]</a:t>
-            </a:r>
-          </a:p>
-          <a:p>
-            <a:pPr lvl="0" indent="0" marL="0">
-              <a:buNone/>
-            </a:pPr>
           </a:p>
         </p:txBody>
       </p:sp>
@@ -23986,7 +25412,7 @@
             </a:pPr>
             <a:r>
               <a:rPr/>
-              <a:t>Diretrizes</a:t>
+              <a:t>Manuscritos reprodutíveis</a:t>
             </a:r>
           </a:p>
         </p:txBody>
@@ -24025,232 +25451,14 @@
             </a:pPr>
             <a:r>
               <a:rPr b="1"/>
-              <a:t>Quais diretrizes estão disponíveis?</a:t>
-            </a:r>
-          </a:p>
-          <a:p>
-            <a:pPr lvl="0"/>
-            <a:r>
-              <a:rPr i="1"/>
-              <a:t>Review of guidance papers on regression modeling in statistical series of medical journals</a:t>
-            </a:r>
-            <a:r>
-              <a:rPr/>
-              <a:t>.</a:t>
-            </a:r>
-            <a:r>
-              <a:rPr baseline="30000"/>
-              <a:t>122</a:t>
-            </a:r>
-          </a:p>
-          <a:p>
-            <a:pPr lvl="0"/>
-            <a:r>
-              <a:rPr i="1"/>
-              <a:t>Principles and recommendations for incorporating estimands into clinical study protocol templates</a:t>
-            </a:r>
-            <a:r>
-              <a:rPr/>
-              <a:t>.</a:t>
-            </a:r>
-            <a:r>
-              <a:rPr baseline="30000"/>
-              <a:t>123</a:t>
-            </a:r>
-          </a:p>
-          <a:p>
-            <a:pPr lvl="0"/>
-            <a:r>
-              <a:rPr i="1"/>
-              <a:t>How to write statistical analysis section in medical research</a:t>
-            </a:r>
-            <a:r>
-              <a:rPr/>
-              <a:t>.</a:t>
-            </a:r>
-            <a:r>
-              <a:rPr baseline="30000"/>
-              <a:t>77</a:t>
-            </a:r>
-          </a:p>
-          <a:p>
-            <a:pPr lvl="0"/>
-            <a:r>
-              <a:rPr i="1"/>
-              <a:t>Recommendations for Statistical Reporting in Cardiovascular Medicine: A Special Report From the American Heart Association</a:t>
-            </a:r>
-            <a:r>
-              <a:rPr/>
-              <a:t>.</a:t>
-            </a:r>
-            <a:r>
-              <a:rPr baseline="30000"/>
-              <a:t>124</a:t>
-            </a:r>
-          </a:p>
-          <a:p>
-            <a:pPr lvl="0"/>
-            <a:r>
-              <a:rPr i="1"/>
-              <a:t>Framework for the treatment and reporting of missing data in observational studies: The Treatment And Reporting of Missing data in Observational Studies framework</a:t>
-            </a:r>
-            <a:r>
-              <a:rPr/>
-              <a:t>.</a:t>
-            </a:r>
-            <a:r>
-              <a:rPr baseline="30000"/>
-              <a:t>125</a:t>
-            </a:r>
-          </a:p>
-          <a:p>
-            <a:pPr lvl="0"/>
-            <a:r>
-              <a:rPr i="1"/>
-              <a:t>Guidelines for reporting of figures and tables for clinical research in urology</a:t>
-            </a:r>
-            <a:r>
-              <a:rPr/>
-              <a:t>.</a:t>
-            </a:r>
-            <a:r>
-              <a:rPr baseline="30000"/>
-              <a:t>126</a:t>
-            </a:r>
-          </a:p>
-          <a:p>
-            <a:pPr lvl="0"/>
-            <a:r>
-              <a:rPr i="1"/>
-              <a:t>Who is in this study, anyway? Guidelines for a useful Table 1</a:t>
-            </a:r>
-            <a:r>
-              <a:rPr/>
-              <a:t>.</a:t>
-            </a:r>
-            <a:r>
-              <a:rPr baseline="30000"/>
-              <a:t>62</a:t>
-            </a:r>
-          </a:p>
-          <a:p>
-            <a:pPr lvl="0"/>
-            <a:r>
-              <a:rPr i="1"/>
-              <a:t>Guidelines for Reporting of Statistics for Clinical Research in Urology</a:t>
-            </a:r>
-            <a:r>
-              <a:rPr/>
-              <a:t>.</a:t>
-            </a:r>
-            <a:r>
-              <a:rPr baseline="30000"/>
-              <a:t>127</a:t>
-            </a:r>
-          </a:p>
-          <a:p>
-            <a:pPr lvl="0"/>
-            <a:r>
-              <a:rPr i="1"/>
-              <a:t>Reveal, Don’t Conceal: Transforming Data Visualization to Improve Transparency</a:t>
-            </a:r>
-            <a:r>
-              <a:rPr/>
-              <a:t>.</a:t>
-            </a:r>
-            <a:r>
-              <a:rPr baseline="30000"/>
-              <a:t>71</a:t>
-            </a:r>
-          </a:p>
-          <a:p>
-            <a:pPr lvl="0"/>
-            <a:r>
-              <a:rPr i="1"/>
-              <a:t>Guidelines for the Content of Statistical Analysis Plans in Clinical Trials</a:t>
-            </a:r>
-            <a:r>
-              <a:rPr/>
-              <a:t>.</a:t>
-            </a:r>
-            <a:r>
-              <a:rPr baseline="30000"/>
-              <a:t>128</a:t>
-            </a:r>
-          </a:p>
-          <a:p>
-            <a:pPr lvl="0"/>
-            <a:r>
-              <a:rPr i="1"/>
-              <a:t>Basic statistical reporting for articles published in Biomedical Journals: The ‘’Statistical Analyses and Methods in the Published Literature’’ or the SAMPL Guidelines</a:t>
-            </a:r>
-            <a:r>
-              <a:rPr/>
-              <a:t>.</a:t>
-            </a:r>
-            <a:r>
-              <a:rPr baseline="30000"/>
-              <a:t>129</a:t>
-            </a:r>
-          </a:p>
-          <a:p>
-            <a:pPr lvl="0"/>
-            <a:r>
-              <a:rPr i="1"/>
-              <a:t>Beyond Bar and Line Graphs: Time for a New Data Presentation Paradigm</a:t>
-            </a:r>
-            <a:r>
-              <a:rPr/>
-              <a:t>.</a:t>
-            </a:r>
-            <a:r>
-              <a:rPr baseline="30000"/>
-              <a:t>130</a:t>
-            </a:r>
-          </a:p>
-          <a:p>
-            <a:pPr lvl="0"/>
-            <a:r>
-              <a:rPr i="1"/>
-              <a:t>STRengthening analytical thinking for observational studies: the STRATOS initiative</a:t>
-            </a:r>
-            <a:r>
-              <a:rPr/>
-              <a:t>.</a:t>
-            </a:r>
-            <a:r>
-              <a:rPr baseline="30000"/>
-              <a:t>131</a:t>
-            </a:r>
-          </a:p>
-          <a:p>
-            <a:pPr lvl="0"/>
-            <a:r>
-              <a:rPr i="1"/>
-              <a:t>Research methods and reporting</a:t>
-            </a:r>
-            <a:r>
-              <a:rPr/>
-              <a:t>.</a:t>
-            </a:r>
-            <a:r>
-              <a:rPr baseline="30000"/>
-              <a:t>132</a:t>
-            </a:r>
-          </a:p>
-          <a:p>
-            <a:pPr lvl="0"/>
-            <a:r>
-              <a:rPr i="1"/>
-              <a:t>How to ensure your paper is rejected by the statistical reviewer</a:t>
-            </a:r>
-            <a:r>
-              <a:rPr/>
-              <a:t>.</a:t>
-            </a:r>
-            <a:r>
-              <a:rPr baseline="30000"/>
-              <a:t>133</a:t>
+              <a:t>O que são manuscritos reprodutíveis?</a:t>
+            </a:r>
+          </a:p>
+          <a:p>
+            <a:pPr lvl="0"/>
+            <a:r>
+              <a:rPr/>
+              <a:t>.[REF]</a:t>
             </a:r>
           </a:p>
           <a:p>

--- a/docs/Ciência-com-R.pptx
+++ b/docs/Ciência-com-R.pptx
@@ -19149,22 +19149,8 @@
                   </a:rPr>
                   <a:t>)</a:t>
                 </a:r>
-              </a:p>
-              <a:p>
-                <a:pPr lvl="0" indent="0">
-                  <a:buNone/>
-                </a:pPr>
-                <a:r>
-                  <a:rPr>
-                    <a:latin typeface="Courier"/>
-                  </a:rPr>
-                  <a:t>## #StandWithUkraine</a:t>
-                </a:r>
-              </a:p>
-              <a:p>
-                <a:pPr lvl="0" indent="0">
-                  <a:buNone/>
-                </a:pPr>
+                <a:br/>
+                <a:br/>
                 <a:r>
                   <a:rPr i="1">
                     <a:solidFill>

--- a/docs/Ciência-com-R.pptx
+++ b/docs/Ciência-com-R.pptx
@@ -117,6 +117,8 @@
     <p:sldId id="365" r:id="rId111"/>
     <p:sldId id="366" r:id="rId112"/>
     <p:sldId id="367" r:id="rId113"/>
+    <p:sldId id="368" r:id="rId114"/>
+    <p:sldId id="369" r:id="rId115"/>
   </p:sldIdLst>
   <p:sldSz cx="12192000" cy="6858000"/>
   <p:notesSz cx="6858000" cy="9144000"/>
@@ -3722,7 +3724,7 @@
           <p:cNvPr id="2" name="Title 1">
             <a:extLst>
               <a:ext uri="{FF2B5EF4-FFF2-40B4-BE49-F238E27FC236}">
-                <a16:creationId xmlns:a16="http://schemas.microsoft.com/office/drawing/2014/main" id="{0277F749-6ED4-3E49-963A-830033252F78}"/>
+                <a16:creationId xmlns:a16="http://schemas.microsoft.com/office/drawing/2014/main" id="{28A92D45-5BAF-634B-BB37-8481089F9E28}"/>
               </a:ext>
             </a:extLst>
           </p:cNvPr>
@@ -3735,8 +3737,8 @@
         </p:nvSpPr>
         <p:spPr>
           <a:xfrm>
-            <a:off x="0" y="17256"/>
-            <a:ext cx="10515600" cy="663782"/>
+            <a:off x="831850" y="1709738"/>
+            <a:ext cx="10515600" cy="2852737"/>
           </a:xfrm>
         </p:spPr>
         <p:txBody>
@@ -3747,278 +3749,9 @@
               <a:buNone/>
             </a:pPr>
             <a:r>
-              <a:rPr/>
-              <a:t>Diretrizes</a:t>
-            </a:r>
-          </a:p>
-        </p:txBody>
-      </p:sp>
-      <p:sp>
-        <p:nvSpPr>
-          <p:cNvPr id="3" name="Content Placeholder 2">
-            <a:extLst>
-              <a:ext uri="{FF2B5EF4-FFF2-40B4-BE49-F238E27FC236}">
-                <a16:creationId xmlns:a16="http://schemas.microsoft.com/office/drawing/2014/main" id="{1574FA24-F1CC-B240-AAF9-A2DF684B1C54}"/>
-              </a:ext>
-            </a:extLst>
-          </p:cNvPr>
-          <p:cNvSpPr>
-            <a:spLocks noGrp="1"/>
-          </p:cNvSpPr>
-          <p:nvPr>
-            <p:ph idx="1"/>
-          </p:nvPr>
-        </p:nvSpPr>
-        <p:spPr/>
-        <p:txBody>
-          <a:bodyPr/>
-          <a:lstStyle/>
-          <a:p>
-            <a:pPr lvl="0" indent="0" marL="0">
-              <a:buNone/>
-            </a:pPr>
-          </a:p>
-          <a:p>
-            <a:pPr lvl="0" indent="0" marL="0">
-              <a:spcBef>
-                <a:spcPts val="3000"/>
-              </a:spcBef>
-              <a:buNone/>
-            </a:pPr>
-            <a:r>
               <a:rPr b="1"/>
-              <a:t>Quais diretrizes estão disponíveis?</a:t>
-            </a:r>
-          </a:p>
-          <a:p>
-            <a:pPr lvl="0"/>
-            <a:r>
-              <a:rPr i="1"/>
-              <a:t>Review of guidance papers on regression modeling in statistical series of medical journals</a:t>
-            </a:r>
-            <a:r>
-              <a:rPr/>
-              <a:t>.</a:t>
-            </a:r>
-            <a:r>
-              <a:rPr baseline="30000"/>
-              <a:t>123</a:t>
-            </a:r>
-          </a:p>
-          <a:p>
-            <a:pPr lvl="0"/>
-            <a:r>
-              <a:rPr i="1"/>
-              <a:t>Principles and recommendations for incorporating estimands into clinical study protocol templates</a:t>
-            </a:r>
-            <a:r>
-              <a:rPr/>
-              <a:t>.</a:t>
-            </a:r>
-            <a:r>
-              <a:rPr baseline="30000"/>
-              <a:t>124</a:t>
-            </a:r>
-          </a:p>
-          <a:p>
-            <a:pPr lvl="0"/>
-            <a:r>
-              <a:rPr i="1"/>
-              <a:t>How to write statistical analysis section in medical research</a:t>
-            </a:r>
-            <a:r>
-              <a:rPr/>
-              <a:t>.</a:t>
-            </a:r>
-            <a:r>
-              <a:rPr baseline="30000"/>
-              <a:t>75</a:t>
-            </a:r>
-          </a:p>
-          <a:p>
-            <a:pPr lvl="0"/>
-            <a:r>
-              <a:rPr i="1"/>
-              <a:t>Recommendations for Statistical Reporting in Cardiovascular Medicine: A Special Report From the American Heart Association</a:t>
-            </a:r>
-            <a:r>
-              <a:rPr/>
-              <a:t>.</a:t>
-            </a:r>
-            <a:r>
-              <a:rPr baseline="30000"/>
-              <a:t>125</a:t>
-            </a:r>
-          </a:p>
-          <a:p>
-            <a:pPr lvl="0"/>
-            <a:r>
-              <a:rPr i="1"/>
-              <a:t>Framework for the treatment and reporting of missing data in observational studies: The Treatment And Reporting of Missing data in Observational Studies framework</a:t>
-            </a:r>
-            <a:r>
-              <a:rPr/>
-              <a:t>.</a:t>
-            </a:r>
-            <a:r>
-              <a:rPr baseline="30000"/>
-              <a:t>126</a:t>
-            </a:r>
-          </a:p>
-          <a:p>
-            <a:pPr lvl="0"/>
-            <a:r>
-              <a:rPr i="1"/>
-              <a:t>Guidelines for reporting of figures and tables for clinical research in urology</a:t>
-            </a:r>
-            <a:r>
-              <a:rPr/>
-              <a:t>.</a:t>
-            </a:r>
-            <a:r>
-              <a:rPr baseline="30000"/>
-              <a:t>127</a:t>
-            </a:r>
-          </a:p>
-          <a:p>
-            <a:pPr lvl="0"/>
-            <a:r>
-              <a:rPr i="1"/>
-              <a:t>Who is in this study, anyway? Guidelines for a useful Table 1</a:t>
-            </a:r>
-            <a:r>
-              <a:rPr/>
-              <a:t>.</a:t>
-            </a:r>
-            <a:r>
-              <a:rPr baseline="30000"/>
-              <a:t>60</a:t>
-            </a:r>
-          </a:p>
-          <a:p>
-            <a:pPr lvl="0"/>
-            <a:r>
-              <a:rPr i="1"/>
-              <a:t>Guidelines for Reporting of Statistics for Clinical Research in Urology</a:t>
-            </a:r>
-            <a:r>
-              <a:rPr/>
-              <a:t>.</a:t>
-            </a:r>
-            <a:r>
-              <a:rPr baseline="30000"/>
-              <a:t>128</a:t>
-            </a:r>
-          </a:p>
-          <a:p>
-            <a:pPr lvl="0"/>
-            <a:r>
-              <a:rPr i="1"/>
-              <a:t>Reveal, Don’t Conceal: Transforming Data Visualization to Improve Transparency</a:t>
-            </a:r>
-            <a:r>
-              <a:rPr/>
-              <a:t>.</a:t>
-            </a:r>
-            <a:r>
-              <a:rPr baseline="30000"/>
-              <a:t>69</a:t>
-            </a:r>
-          </a:p>
-          <a:p>
-            <a:pPr lvl="0"/>
-            <a:r>
-              <a:rPr i="1"/>
-              <a:t>Guidelines for the Content of Statistical Analysis Plans in Clinical Trials</a:t>
-            </a:r>
-            <a:r>
-              <a:rPr/>
-              <a:t>.</a:t>
-            </a:r>
-            <a:r>
-              <a:rPr baseline="30000"/>
-              <a:t>129</a:t>
-            </a:r>
-          </a:p>
-          <a:p>
-            <a:pPr lvl="0"/>
-            <a:r>
-              <a:rPr i="1"/>
-              <a:t>Basic statistical reporting for articles published in Biomedical Journals: The ‘’Statistical Analyses and Methods in the Published Literature’’ or the SAMPL Guidelines</a:t>
-            </a:r>
-            <a:r>
-              <a:rPr/>
-              <a:t>.</a:t>
-            </a:r>
-            <a:r>
-              <a:rPr baseline="30000"/>
-              <a:t>130</a:t>
-            </a:r>
-          </a:p>
-          <a:p>
-            <a:pPr lvl="0"/>
-            <a:r>
-              <a:rPr i="1"/>
-              <a:t>Beyond Bar and Line Graphs: Time for a New Data Presentation Paradigm</a:t>
-            </a:r>
-            <a:r>
-              <a:rPr/>
-              <a:t>.</a:t>
-            </a:r>
-            <a:r>
-              <a:rPr baseline="30000"/>
-              <a:t>131</a:t>
-            </a:r>
-          </a:p>
-          <a:p>
-            <a:pPr lvl="0"/>
-            <a:r>
-              <a:rPr i="1"/>
-              <a:t>STRengthening analytical thinking for observational studies: the STRATOS initiative</a:t>
-            </a:r>
-            <a:r>
-              <a:rPr/>
-              <a:t>.</a:t>
-            </a:r>
-            <a:r>
-              <a:rPr baseline="30000"/>
-              <a:t>132</a:t>
-            </a:r>
-          </a:p>
-          <a:p>
-            <a:pPr lvl="0"/>
-            <a:r>
-              <a:rPr i="1"/>
-              <a:t>Research methods and reporting</a:t>
-            </a:r>
-            <a:r>
-              <a:rPr/>
-              <a:t>.</a:t>
-            </a:r>
-            <a:r>
-              <a:rPr baseline="30000"/>
-              <a:t>133</a:t>
-            </a:r>
-          </a:p>
-          <a:p>
-            <a:pPr lvl="0"/>
-            <a:r>
-              <a:rPr i="1"/>
-              <a:t>How to ensure your paper is rejected by the statistical reviewer</a:t>
-            </a:r>
-            <a:r>
-              <a:rPr/>
-              <a:t>.</a:t>
-            </a:r>
-            <a:r>
-              <a:rPr baseline="30000"/>
-              <a:t>134</a:t>
-            </a:r>
-          </a:p>
-          <a:p>
-            <a:pPr lvl="0" indent="0" marL="0">
-              <a:buNone/>
-            </a:pPr>
+              <a:t>Redação estatística</a:t>
+            </a:r>
           </a:p>
         </p:txBody>
       </p:sp>
@@ -4075,7 +3808,7 @@
             </a:pPr>
             <a:r>
               <a:rPr/>
-              <a:t>Checklists</a:t>
+              <a:t>Manuscritos reprodutíveis</a:t>
             </a:r>
           </a:p>
         </p:txBody>
@@ -4114,126 +3847,14 @@
             </a:pPr>
             <a:r>
               <a:rPr b="1"/>
-              <a:t>O que são checklists?</a:t>
+              <a:t>O que são manuscritos reprodutíveis?</a:t>
             </a:r>
           </a:p>
           <a:p>
             <a:pPr lvl="0"/>
             <a:r>
               <a:rPr/>
-              <a:t>Checklists são listas que podem ser utilizadas por autores, revisores ou editores, durante as fases de planejamento ou apresentação, para redação ou revisão de textos que relatam anaálises estatísticas.</a:t>
-            </a:r>
-          </a:p>
-          <a:p>
-            <a:pPr lvl="0" indent="0" marL="0">
-              <a:buNone/>
-            </a:pPr>
-          </a:p>
-          <a:p>
-            <a:pPr lvl="0" indent="0" marL="0">
-              <a:spcBef>
-                <a:spcPts val="3000"/>
-              </a:spcBef>
-              <a:buNone/>
-            </a:pPr>
-            <a:r>
-              <a:rPr b="1"/>
-              <a:t>Por que usar checklists?</a:t>
-            </a:r>
-          </a:p>
-          <a:p>
-            <a:pPr lvl="0"/>
-            <a:r>
-              <a:rPr/>
-              <a:t>Checklists têm sido recomendados para melhorar o relato das análses realizadas, aumentar a transparência do estudo e reprodutibilidade dos achados.</a:t>
-            </a:r>
-            <a:r>
-              <a:rPr baseline="30000"/>
-              <a:t>135</a:t>
-            </a:r>
-          </a:p>
-          <a:p>
-            <a:pPr lvl="0"/>
-            <a:r>
-              <a:rPr/>
-              <a:t>Trabalhos acadêmicos que relatam análises de dados devem ser passar por revisão por pares que inclua apreciação da análise estatóstica, e sua adequaçào ao delineamento do estudo e instrumentos utilizados.</a:t>
-            </a:r>
-            <a:r>
-              <a:rPr baseline="30000"/>
-              <a:t>136</a:t>
-            </a:r>
-          </a:p>
-          <a:p>
-            <a:pPr lvl="0"/>
-            <a:r>
-              <a:rPr/>
-              <a:t>Checklists não são suficientes para garantir a qualidade técnica da pesquisa, mas podem conitribuir para a revisão por pares.</a:t>
-            </a:r>
-            <a:r>
-              <a:rPr baseline="30000"/>
-              <a:t>136</a:t>
-            </a:r>
-          </a:p>
-          <a:p>
-            <a:pPr lvl="0" indent="0" marL="0">
-              <a:buNone/>
-            </a:pPr>
-          </a:p>
-          <a:p>
-            <a:pPr lvl="0" indent="0" marL="0">
-              <a:spcBef>
-                <a:spcPts val="3000"/>
-              </a:spcBef>
-              <a:buNone/>
-            </a:pPr>
-            <a:r>
-              <a:rPr b="1"/>
-              <a:t>Quais checklists estão disponíveis?</a:t>
-            </a:r>
-          </a:p>
-          <a:p>
-            <a:pPr lvl="0"/>
-            <a:r>
-              <a:rPr i="1"/>
-              <a:t>A CHecklist for statistical Assessment of Medical Papers (the CHAMP statement): explanation and elaboration</a:t>
-            </a:r>
-            <a:r>
-              <a:rPr/>
-              <a:t>.</a:t>
-            </a:r>
-            <a:r>
-              <a:rPr baseline="30000"/>
-              <a:t>137</a:t>
-            </a:r>
-          </a:p>
-          <a:p>
-            <a:pPr lvl="0"/>
-            <a:r>
-              <a:rPr i="1"/>
-              <a:t>Checklist for clinical applicability of subgroup analysis</a:t>
-            </a:r>
-            <a:r>
-              <a:rPr/>
-              <a:t>.</a:t>
-            </a:r>
-            <a:r>
-              <a:rPr baseline="30000"/>
-              <a:t>138</a:t>
-            </a:r>
-          </a:p>
-          <a:p>
-            <a:pPr lvl="0"/>
-            <a:r>
-              <a:rPr i="1"/>
-              <a:t>Evidence‐based statistical analysis and methods in biomedical research (SAMBR) checklists according to design features</a:t>
-            </a:r>
-            <a:r>
-              <a:rPr/>
-              <a:t>.</a:t>
-            </a:r>
-            <a:r>
-              <a:rPr baseline="30000"/>
-              <a:t>74</a:t>
+              <a:t>.[REF]</a:t>
             </a:r>
           </a:p>
           <a:p>
@@ -4296,7 +3917,7 @@
             </a:pPr>
             <a:r>
               <a:rPr/>
-              <a:t>Fluxogramas</a:t>
+              <a:t>Diretrizes</a:t>
             </a:r>
           </a:p>
         </p:txBody>
@@ -4335,38 +3956,138 @@
             </a:pPr>
             <a:r>
               <a:rPr b="1"/>
-              <a:t>O que são fluxogramas?</a:t>
+              <a:t>Quais diretrizes estão disponíveis?</a:t>
             </a:r>
           </a:p>
           <a:p>
             <a:pPr lvl="0"/>
             <a:r>
-              <a:rPr/>
-              <a:t>Fluxogramas são figuras que apresentam as etapas de um estudos.</a:t>
-            </a:r>
-          </a:p>
-          <a:p>
-            <a:pPr lvl="0" indent="0" marL="0">
-              <a:buNone/>
-            </a:pPr>
-          </a:p>
-          <a:p>
-            <a:pPr lvl="0" indent="0" marL="0">
-              <a:spcBef>
-                <a:spcPts val="3000"/>
-              </a:spcBef>
-              <a:buNone/>
-            </a:pPr>
-            <a:r>
-              <a:rPr b="1"/>
-              <a:t>Que fluxogramas podem ser incluídos?</a:t>
+              <a:rPr i="1"/>
+              <a:t>Review of guidance papers on regression modeling in statistical series of medical journals</a:t>
+            </a:r>
+            <a:r>
+              <a:rPr/>
+              <a:t>.</a:t>
+            </a:r>
+            <a:r>
+              <a:rPr baseline="30000"/>
+              <a:t>123</a:t>
             </a:r>
           </a:p>
           <a:p>
             <a:pPr lvl="0"/>
             <a:r>
-              <a:rPr/>
-              <a:t>Inclua fluxogramas com o delineamento aplicado no estudo.</a:t>
+              <a:rPr i="1"/>
+              <a:t>Principles and recommendations for incorporating estimands into clinical study protocol templates</a:t>
+            </a:r>
+            <a:r>
+              <a:rPr/>
+              <a:t>.</a:t>
+            </a:r>
+            <a:r>
+              <a:rPr baseline="30000"/>
+              <a:t>124</a:t>
+            </a:r>
+          </a:p>
+          <a:p>
+            <a:pPr lvl="0"/>
+            <a:r>
+              <a:rPr i="1"/>
+              <a:t>How to write statistical analysis section in medical research</a:t>
+            </a:r>
+            <a:r>
+              <a:rPr/>
+              <a:t>.</a:t>
+            </a:r>
+            <a:r>
+              <a:rPr baseline="30000"/>
+              <a:t>75</a:t>
+            </a:r>
+          </a:p>
+          <a:p>
+            <a:pPr lvl="0"/>
+            <a:r>
+              <a:rPr i="1"/>
+              <a:t>Recommendations for Statistical Reporting in Cardiovascular Medicine: A Special Report From the American Heart Association</a:t>
+            </a:r>
+            <a:r>
+              <a:rPr/>
+              <a:t>.</a:t>
+            </a:r>
+            <a:r>
+              <a:rPr baseline="30000"/>
+              <a:t>125</a:t>
+            </a:r>
+          </a:p>
+          <a:p>
+            <a:pPr lvl="0"/>
+            <a:r>
+              <a:rPr i="1"/>
+              <a:t>Framework for the treatment and reporting of missing data in observational studies: The Treatment And Reporting of Missing data in Observational Studies framework</a:t>
+            </a:r>
+            <a:r>
+              <a:rPr/>
+              <a:t>.</a:t>
+            </a:r>
+            <a:r>
+              <a:rPr baseline="30000"/>
+              <a:t>126</a:t>
+            </a:r>
+          </a:p>
+          <a:p>
+            <a:pPr lvl="0"/>
+            <a:r>
+              <a:rPr i="1"/>
+              <a:t>Guidelines for reporting of figures and tables for clinical research in urology</a:t>
+            </a:r>
+            <a:r>
+              <a:rPr/>
+              <a:t>.</a:t>
+            </a:r>
+            <a:r>
+              <a:rPr baseline="30000"/>
+              <a:t>127</a:t>
+            </a:r>
+          </a:p>
+          <a:p>
+            <a:pPr lvl="0"/>
+            <a:r>
+              <a:rPr i="1"/>
+              <a:t>Who is in this study, anyway? Guidelines for a useful Table 1</a:t>
+            </a:r>
+            <a:r>
+              <a:rPr/>
+              <a:t>.</a:t>
+            </a:r>
+            <a:r>
+              <a:rPr baseline="30000"/>
+              <a:t>60</a:t>
+            </a:r>
+          </a:p>
+          <a:p>
+            <a:pPr lvl="0"/>
+            <a:r>
+              <a:rPr i="1"/>
+              <a:t>Guidelines for Reporting of Statistics for Clinical Research in Urology</a:t>
+            </a:r>
+            <a:r>
+              <a:rPr/>
+              <a:t>.</a:t>
+            </a:r>
+            <a:r>
+              <a:rPr baseline="30000"/>
+              <a:t>128</a:t>
+            </a:r>
+          </a:p>
+          <a:p>
+            <a:pPr lvl="0"/>
+            <a:r>
+              <a:rPr i="1"/>
+              <a:t>Reveal, Don’t Conceal: Transforming Data Visualization to Improve Transparency</a:t>
+            </a:r>
+            <a:r>
+              <a:rPr/>
+              <a:t>.</a:t>
             </a:r>
             <a:r>
               <a:rPr baseline="30000"/>
@@ -4376,48 +4097,91 @@
           <a:p>
             <a:pPr lvl="0"/>
             <a:r>
-              <a:rPr/>
-              <a:t>A </a:t>
-            </a:r>
-            <a:r>
-              <a:rPr>
-                <a:hlinkClick r:id="rId2"/>
-              </a:rPr>
-              <a:t>EQUATOR Network</a:t>
-            </a:r>
-            <a:r>
-              <a:rPr/>
-              <a:t> disponibiliza modelos de fluxogramas para os mais diversos delineamentos de estudo.</a:t>
+              <a:rPr i="1"/>
+              <a:t>Guidelines for the Content of Statistical Analysis Plans in Clinical Trials</a:t>
+            </a:r>
+            <a:r>
+              <a:rPr/>
+              <a:t>.</a:t>
             </a:r>
             <a:r>
               <a:rPr baseline="30000"/>
-              <a:t>139</a:t>
-            </a:r>
-          </a:p>
-          <a:p>
-            <a:pPr lvl="0" indent="0" marL="0">
-              <a:buNone/>
-            </a:pPr>
-          </a:p>
-          <a:p>
-            <a:pPr lvl="0" indent="0" marL="0">
-              <a:buNone/>
-            </a:pPr>
-            <a:r>
-              <a:rPr/>
-              <a:t>O pacote </a:t>
-            </a:r>
+              <a:t>129</a:t>
+            </a:r>
+          </a:p>
+          <a:p>
+            <a:pPr lvl="0"/>
             <a:r>
               <a:rPr i="1"/>
-              <a:t>PRISMA2020</a:t>
+              <a:t>Basic statistical reporting for articles published in Biomedical Journals: The ‘’Statistical Analyses and Methods in the Published Literature’’ or the SAMPL Guidelines</a:t>
+            </a:r>
+            <a:r>
+              <a:rPr/>
+              <a:t>.</a:t>
             </a:r>
             <a:r>
               <a:rPr baseline="30000"/>
-              <a:t>140,141</a:t>
-            </a:r>
-            <a:r>
-              <a:rPr/>
-              <a:t> fornece funções para elaboração do fluxograma de revisões sistemáticas no formato padrão </a:t>
+              <a:t>130</a:t>
+            </a:r>
+          </a:p>
+          <a:p>
+            <a:pPr lvl="0"/>
+            <a:r>
+              <a:rPr i="1"/>
+              <a:t>Beyond Bar and Line Graphs: Time for a New Data Presentation Paradigm</a:t>
+            </a:r>
+            <a:r>
+              <a:rPr/>
+              <a:t>.</a:t>
+            </a:r>
+            <a:r>
+              <a:rPr baseline="30000"/>
+              <a:t>131</a:t>
+            </a:r>
+          </a:p>
+          <a:p>
+            <a:pPr lvl="0"/>
+            <a:r>
+              <a:rPr i="1"/>
+              <a:t>STRengthening analytical thinking for observational studies: the STRATOS initiative</a:t>
+            </a:r>
+            <a:r>
+              <a:rPr/>
+              <a:t>.</a:t>
+            </a:r>
+            <a:r>
+              <a:rPr baseline="30000"/>
+              <a:t>132</a:t>
+            </a:r>
+          </a:p>
+          <a:p>
+            <a:pPr lvl="0"/>
+            <a:r>
+              <a:rPr i="1"/>
+              <a:t>Research methods and reporting</a:t>
+            </a:r>
+            <a:r>
+              <a:rPr/>
+              <a:t>.</a:t>
+            </a:r>
+            <a:r>
+              <a:rPr baseline="30000"/>
+              <a:t>133</a:t>
+            </a:r>
+          </a:p>
+          <a:p>
+            <a:pPr lvl="0"/>
+            <a:r>
+              <a:rPr i="1"/>
+              <a:t>How to ensure your paper is rejected by the statistical reviewer</a:t>
+            </a:r>
+            <a:r>
+              <a:rPr/>
+              <a:t>.</a:t>
+            </a:r>
+            <a:r>
+              <a:rPr baseline="30000"/>
+              <a:t>134</a:t>
             </a:r>
           </a:p>
           <a:p>
@@ -4454,7 +4218,7 @@
           <p:cNvPr id="2" name="Title 1">
             <a:extLst>
               <a:ext uri="{FF2B5EF4-FFF2-40B4-BE49-F238E27FC236}">
-                <a16:creationId xmlns:a16="http://schemas.microsoft.com/office/drawing/2014/main" id="{28A92D45-5BAF-634B-BB37-8481089F9E28}"/>
+                <a16:creationId xmlns:a16="http://schemas.microsoft.com/office/drawing/2014/main" id="{0277F749-6ED4-3E49-963A-830033252F78}"/>
               </a:ext>
             </a:extLst>
           </p:cNvPr>
@@ -4467,8 +4231,8 @@
         </p:nvSpPr>
         <p:spPr>
           <a:xfrm>
-            <a:off x="831850" y="1709738"/>
-            <a:ext cx="10515600" cy="2852737"/>
+            <a:off x="0" y="17256"/>
+            <a:ext cx="10515600" cy="663782"/>
           </a:xfrm>
         </p:spPr>
         <p:txBody>
@@ -4479,9 +4243,172 @@
               <a:buNone/>
             </a:pPr>
             <a:r>
+              <a:rPr/>
+              <a:t>Checklists</a:t>
+            </a:r>
+          </a:p>
+        </p:txBody>
+      </p:sp>
+      <p:sp>
+        <p:nvSpPr>
+          <p:cNvPr id="3" name="Content Placeholder 2">
+            <a:extLst>
+              <a:ext uri="{FF2B5EF4-FFF2-40B4-BE49-F238E27FC236}">
+                <a16:creationId xmlns:a16="http://schemas.microsoft.com/office/drawing/2014/main" id="{1574FA24-F1CC-B240-AAF9-A2DF684B1C54}"/>
+              </a:ext>
+            </a:extLst>
+          </p:cNvPr>
+          <p:cNvSpPr>
+            <a:spLocks noGrp="1"/>
+          </p:cNvSpPr>
+          <p:nvPr>
+            <p:ph idx="1"/>
+          </p:nvPr>
+        </p:nvSpPr>
+        <p:spPr/>
+        <p:txBody>
+          <a:bodyPr/>
+          <a:lstStyle/>
+          <a:p>
+            <a:pPr lvl="0" indent="0" marL="0">
+              <a:buNone/>
+            </a:pPr>
+          </a:p>
+          <a:p>
+            <a:pPr lvl="0" indent="0" marL="0">
+              <a:spcBef>
+                <a:spcPts val="3000"/>
+              </a:spcBef>
+              <a:buNone/>
+            </a:pPr>
+            <a:r>
               <a:rPr b="1"/>
-              <a:t>Fontes externas</a:t>
-            </a:r>
+              <a:t>O que são checklists?</a:t>
+            </a:r>
+          </a:p>
+          <a:p>
+            <a:pPr lvl="0"/>
+            <a:r>
+              <a:rPr/>
+              <a:t>Checklists são listas que podem ser utilizadas por autores, revisores ou editores, durante as fases de planejamento ou apresentação, para redação ou revisão de textos que relatam anaálises estatísticas.</a:t>
+            </a:r>
+          </a:p>
+          <a:p>
+            <a:pPr lvl="0" indent="0" marL="0">
+              <a:buNone/>
+            </a:pPr>
+          </a:p>
+          <a:p>
+            <a:pPr lvl="0" indent="0" marL="0">
+              <a:spcBef>
+                <a:spcPts val="3000"/>
+              </a:spcBef>
+              <a:buNone/>
+            </a:pPr>
+            <a:r>
+              <a:rPr b="1"/>
+              <a:t>Por que usar checklists?</a:t>
+            </a:r>
+          </a:p>
+          <a:p>
+            <a:pPr lvl="0"/>
+            <a:r>
+              <a:rPr/>
+              <a:t>Checklists têm sido recomendados para melhorar o relato das análses realizadas, aumentar a transparência do estudo e reprodutibilidade dos achados.</a:t>
+            </a:r>
+            <a:r>
+              <a:rPr baseline="30000"/>
+              <a:t>135</a:t>
+            </a:r>
+          </a:p>
+          <a:p>
+            <a:pPr lvl="0"/>
+            <a:r>
+              <a:rPr/>
+              <a:t>Trabalhos acadêmicos que relatam análises de dados devem ser passar por revisão por pares que inclua apreciação da análise estatóstica, e sua adequaçào ao delineamento do estudo e instrumentos utilizados.</a:t>
+            </a:r>
+            <a:r>
+              <a:rPr baseline="30000"/>
+              <a:t>136</a:t>
+            </a:r>
+          </a:p>
+          <a:p>
+            <a:pPr lvl="0"/>
+            <a:r>
+              <a:rPr/>
+              <a:t>Checklists não são suficientes para garantir a qualidade técnica da pesquisa, mas podem conitribuir para a revisão por pares.</a:t>
+            </a:r>
+            <a:r>
+              <a:rPr baseline="30000"/>
+              <a:t>136</a:t>
+            </a:r>
+          </a:p>
+          <a:p>
+            <a:pPr lvl="0" indent="0" marL="0">
+              <a:buNone/>
+            </a:pPr>
+          </a:p>
+          <a:p>
+            <a:pPr lvl="0" indent="0" marL="0">
+              <a:spcBef>
+                <a:spcPts val="3000"/>
+              </a:spcBef>
+              <a:buNone/>
+            </a:pPr>
+            <a:r>
+              <a:rPr b="1"/>
+              <a:t>Quais checklists estão disponíveis?</a:t>
+            </a:r>
+          </a:p>
+          <a:p>
+            <a:pPr lvl="0"/>
+            <a:r>
+              <a:rPr i="1"/>
+              <a:t>A CHecklist for statistical Assessment of Medical Papers (the CHAMP statement): explanation and elaboration</a:t>
+            </a:r>
+            <a:r>
+              <a:rPr/>
+              <a:t>.</a:t>
+            </a:r>
+            <a:r>
+              <a:rPr baseline="30000"/>
+              <a:t>137</a:t>
+            </a:r>
+          </a:p>
+          <a:p>
+            <a:pPr lvl="0"/>
+            <a:r>
+              <a:rPr i="1"/>
+              <a:t>Checklist for clinical applicability of subgroup analysis</a:t>
+            </a:r>
+            <a:r>
+              <a:rPr/>
+              <a:t>.</a:t>
+            </a:r>
+            <a:r>
+              <a:rPr baseline="30000"/>
+              <a:t>138</a:t>
+            </a:r>
+          </a:p>
+          <a:p>
+            <a:pPr lvl="0"/>
+            <a:r>
+              <a:rPr i="1"/>
+              <a:t>Evidence‐based statistical analysis and methods in biomedical research (SAMBR) checklists according to design features</a:t>
+            </a:r>
+            <a:r>
+              <a:rPr/>
+              <a:t>.</a:t>
+            </a:r>
+            <a:r>
+              <a:rPr baseline="30000"/>
+              <a:t>74</a:t>
+            </a:r>
+          </a:p>
+          <a:p>
+            <a:pPr lvl="0" indent="0" marL="0">
+              <a:buNone/>
+            </a:pPr>
           </a:p>
         </p:txBody>
       </p:sp>
@@ -4538,7 +4465,7 @@
             </a:pPr>
             <a:r>
               <a:rPr/>
-              <a:t>RSS</a:t>
+              <a:t>Fluxogramas</a:t>
             </a:r>
           </a:p>
         </p:txBody>
@@ -4564,12 +4491,102 @@
           <a:bodyPr/>
           <a:lstStyle/>
           <a:p>
+            <a:pPr lvl="0" indent="0" marL="0">
+              <a:buNone/>
+            </a:pPr>
+          </a:p>
+          <a:p>
+            <a:pPr lvl="0" indent="0" marL="0">
+              <a:spcBef>
+                <a:spcPts val="3000"/>
+              </a:spcBef>
+              <a:buNone/>
+            </a:pPr>
+            <a:r>
+              <a:rPr b="1"/>
+              <a:t>O que são fluxogramas?</a:t>
+            </a:r>
+          </a:p>
+          <a:p>
             <a:pPr lvl="0"/>
             <a:r>
-              <a:rPr i="1">
+              <a:rPr/>
+              <a:t>Fluxogramas são figuras que apresentam as etapas de um estudos.</a:t>
+            </a:r>
+          </a:p>
+          <a:p>
+            <a:pPr lvl="0" indent="0" marL="0">
+              <a:buNone/>
+            </a:pPr>
+          </a:p>
+          <a:p>
+            <a:pPr lvl="0" indent="0" marL="0">
+              <a:spcBef>
+                <a:spcPts val="3000"/>
+              </a:spcBef>
+              <a:buNone/>
+            </a:pPr>
+            <a:r>
+              <a:rPr b="1"/>
+              <a:t>Que fluxogramas podem ser incluídos?</a:t>
+            </a:r>
+          </a:p>
+          <a:p>
+            <a:pPr lvl="0"/>
+            <a:r>
+              <a:rPr/>
+              <a:t>Inclua fluxogramas com o delineamento aplicado no estudo.</a:t>
+            </a:r>
+            <a:r>
+              <a:rPr baseline="30000"/>
+              <a:t>69</a:t>
+            </a:r>
+          </a:p>
+          <a:p>
+            <a:pPr lvl="0"/>
+            <a:r>
+              <a:rPr/>
+              <a:t>A </a:t>
+            </a:r>
+            <a:r>
+              <a:rPr>
                 <a:hlinkClick r:id="rId2"/>
               </a:rPr>
-              <a:t>Best Practices for Data Visualisation - Royal Statistical Society</a:t>
+              <a:t>EQUATOR Network</a:t>
+            </a:r>
+            <a:r>
+              <a:rPr/>
+              <a:t> disponibiliza modelos de fluxogramas para os mais diversos delineamentos de estudo.</a:t>
+            </a:r>
+            <a:r>
+              <a:rPr baseline="30000"/>
+              <a:t>139</a:t>
+            </a:r>
+          </a:p>
+          <a:p>
+            <a:pPr lvl="0" indent="0" marL="0">
+              <a:buNone/>
+            </a:pPr>
+          </a:p>
+          <a:p>
+            <a:pPr lvl="0" indent="0" marL="0">
+              <a:buNone/>
+            </a:pPr>
+            <a:r>
+              <a:rPr/>
+              <a:t>O pacote </a:t>
+            </a:r>
+            <a:r>
+              <a:rPr i="1"/>
+              <a:t>PRISMA2020</a:t>
+            </a:r>
+            <a:r>
+              <a:rPr baseline="30000"/>
+              <a:t>140,141</a:t>
+            </a:r>
+            <a:r>
+              <a:rPr/>
+              <a:t> fornece funções para elaboração do fluxograma de revisões sistemáticas no formato padrão </a:t>
             </a:r>
           </a:p>
           <a:p>
@@ -4606,7 +4623,7 @@
           <p:cNvPr id="2" name="Title 1">
             <a:extLst>
               <a:ext uri="{FF2B5EF4-FFF2-40B4-BE49-F238E27FC236}">
-                <a16:creationId xmlns:a16="http://schemas.microsoft.com/office/drawing/2014/main" id="{0277F749-6ED4-3E49-963A-830033252F78}"/>
+                <a16:creationId xmlns:a16="http://schemas.microsoft.com/office/drawing/2014/main" id="{28A92D45-5BAF-634B-BB37-8481089F9E28}"/>
               </a:ext>
             </a:extLst>
           </p:cNvPr>
@@ -4619,8 +4636,8 @@
         </p:nvSpPr>
         <p:spPr>
           <a:xfrm>
-            <a:off x="0" y="17256"/>
-            <a:ext cx="10515600" cy="663782"/>
+            <a:off x="831850" y="1709738"/>
+            <a:ext cx="10515600" cy="2852737"/>
           </a:xfrm>
         </p:spPr>
         <p:txBody>
@@ -4631,81 +4648,9 @@
               <a:buNone/>
             </a:pPr>
             <a:r>
-              <a:rPr/>
-              <a:t>BMJ</a:t>
-            </a:r>
-          </a:p>
-        </p:txBody>
-      </p:sp>
-      <p:sp>
-        <p:nvSpPr>
-          <p:cNvPr id="3" name="Content Placeholder 2">
-            <a:extLst>
-              <a:ext uri="{FF2B5EF4-FFF2-40B4-BE49-F238E27FC236}">
-                <a16:creationId xmlns:a16="http://schemas.microsoft.com/office/drawing/2014/main" id="{1574FA24-F1CC-B240-AAF9-A2DF684B1C54}"/>
-              </a:ext>
-            </a:extLst>
-          </p:cNvPr>
-          <p:cNvSpPr>
-            <a:spLocks noGrp="1"/>
-          </p:cNvSpPr>
-          <p:nvPr>
-            <p:ph idx="1"/>
-          </p:nvPr>
-        </p:nvSpPr>
-        <p:spPr/>
-        <p:txBody>
-          <a:bodyPr/>
-          <a:lstStyle/>
-          <a:p>
-            <a:pPr lvl="0"/>
-            <a:r>
-              <a:rPr i="1">
-                <a:hlinkClick r:id="rId2"/>
-              </a:rPr>
-              <a:t>Statistics - Latest from The BMJ</a:t>
-            </a:r>
-          </a:p>
-          <a:p>
-            <a:pPr lvl="0"/>
-            <a:r>
-              <a:rPr i="1">
-                <a:hlinkClick r:id="rId3"/>
-              </a:rPr>
-              <a:t>Statistics notes - Latest from The BMJ</a:t>
-            </a:r>
-          </a:p>
-          <a:p>
-            <a:pPr lvl="0"/>
-            <a:r>
-              <a:rPr i="1">
-                <a:hlinkClick r:id="rId4"/>
-              </a:rPr>
-              <a:t>Statistics and research methods - Latest from The BMJ</a:t>
-            </a:r>
-          </a:p>
-          <a:p>
-            <a:pPr lvl="0"/>
-            <a:r>
-              <a:rPr i="1">
-                <a:hlinkClick r:id="rId5"/>
-              </a:rPr>
-              <a:t>Statistics at Square One</a:t>
-            </a:r>
-          </a:p>
-          <a:p>
-            <a:pPr lvl="0"/>
-            <a:r>
-              <a:rPr i="1">
-                <a:hlinkClick r:id="rId6"/>
-              </a:rPr>
-              <a:t>Research methods &amp; reporting</a:t>
-            </a:r>
-          </a:p>
-          <a:p>
-            <a:pPr lvl="0" indent="0" marL="0">
-              <a:buNone/>
-            </a:pPr>
+              <a:rPr b="1"/>
+              <a:t>Fontes externas</a:t>
+            </a:r>
           </a:p>
         </p:txBody>
       </p:sp>
@@ -4762,7 +4707,7 @@
             </a:pPr>
             <a:r>
               <a:rPr/>
-              <a:t>JAMA</a:t>
+              <a:t>RSS</a:t>
             </a:r>
           </a:p>
         </p:txBody>
@@ -4793,7 +4738,7 @@
               <a:rPr i="1">
                 <a:hlinkClick r:id="rId2"/>
               </a:rPr>
-              <a:t>JAMA Guide to Statistics and Methods - JAMA</a:t>
+              <a:t>Best Practices for Data Visualisation - Royal Statistical Society</a:t>
             </a:r>
           </a:p>
           <a:p>
@@ -4856,7 +4801,7 @@
             </a:pPr>
             <a:r>
               <a:rPr/>
-              <a:t>AHA/ASA</a:t>
+              <a:t>BMJ</a:t>
             </a:r>
           </a:p>
         </p:txBody>
@@ -4887,7 +4832,7 @@
               <a:rPr i="1">
                 <a:hlinkClick r:id="rId2"/>
               </a:rPr>
-              <a:t>Statistical Reporting Recommendations - AHA/ASA journals</a:t>
+              <a:t>Statistics - Latest from The BMJ</a:t>
             </a:r>
           </a:p>
           <a:p>
@@ -4896,7 +4841,34 @@
               <a:rPr i="1">
                 <a:hlinkClick r:id="rId3"/>
               </a:rPr>
-              <a:t>Statistical Inference in the 21st Century: A World Beyond p &lt; 0.05 - The American Statistical Association</a:t>
+              <a:t>Statistics notes - Latest from The BMJ</a:t>
+            </a:r>
+          </a:p>
+          <a:p>
+            <a:pPr lvl="0"/>
+            <a:r>
+              <a:rPr i="1">
+                <a:hlinkClick r:id="rId4"/>
+              </a:rPr>
+              <a:t>Statistics and research methods - Latest from The BMJ</a:t>
+            </a:r>
+          </a:p>
+          <a:p>
+            <a:pPr lvl="0"/>
+            <a:r>
+              <a:rPr i="1">
+                <a:hlinkClick r:id="rId5"/>
+              </a:rPr>
+              <a:t>Statistics at Square One</a:t>
+            </a:r>
+          </a:p>
+          <a:p>
+            <a:pPr lvl="0"/>
+            <a:r>
+              <a:rPr i="1">
+                <a:hlinkClick r:id="rId6"/>
+              </a:rPr>
+              <a:t>Research methods &amp; reporting</a:t>
             </a:r>
           </a:p>
           <a:p>
@@ -4959,7 +4931,7 @@
             </a:pPr>
             <a:r>
               <a:rPr/>
-              <a:t>NPG</a:t>
+              <a:t>JAMA</a:t>
             </a:r>
           </a:p>
         </p:txBody>
@@ -4990,7 +4962,7 @@
               <a:rPr i="1">
                 <a:hlinkClick r:id="rId2"/>
               </a:rPr>
-              <a:t>Statistics for Biologists - Nature Publising Group</a:t>
+              <a:t>JAMA Guide to Statistics and Methods - JAMA</a:t>
             </a:r>
           </a:p>
           <a:p>
@@ -5053,7 +5025,7 @@
             </a:pPr>
             <a:r>
               <a:rPr/>
-              <a:t>Wiley</a:t>
+              <a:t>AHA/ASA</a:t>
             </a:r>
           </a:p>
         </p:txBody>
@@ -5084,7 +5056,16 @@
               <a:rPr i="1">
                 <a:hlinkClick r:id="rId2"/>
               </a:rPr>
-              <a:t>Tutorials in Biostatistics Papers - Wiley Online Library</a:t>
+              <a:t>Statistical Reporting Recommendations - AHA/ASA journals</a:t>
+            </a:r>
+          </a:p>
+          <a:p>
+            <a:pPr lvl="0"/>
+            <a:r>
+              <a:rPr i="1">
+                <a:hlinkClick r:id="rId3"/>
+              </a:rPr>
+              <a:t>Statistical Inference in the 21st Century: A World Beyond p &lt; 0.05 - The American Statistical Association</a:t>
             </a:r>
           </a:p>
           <a:p>
@@ -5673,7 +5654,7 @@
             </a:pPr>
             <a:r>
               <a:rPr/>
-              <a:t>APE</a:t>
+              <a:t>NPG</a:t>
             </a:r>
           </a:p>
         </p:txBody>
@@ -5704,34 +5685,7 @@
               <a:rPr i="1">
                 <a:hlinkClick r:id="rId2"/>
               </a:rPr>
-              <a:t>Statistics</a:t>
-            </a:r>
-          </a:p>
-          <a:p>
-            <a:pPr lvl="0"/>
-            <a:r>
-              <a:rPr i="1">
-                <a:hlinkClick r:id="rId3"/>
-              </a:rPr>
-              <a:t>Exploration in Statistics</a:t>
-            </a:r>
-          </a:p>
-          <a:p>
-            <a:pPr lvl="0"/>
-            <a:r>
-              <a:rPr i="1">
-                <a:hlinkClick r:id="rId4"/>
-              </a:rPr>
-              <a:t>General Statistics</a:t>
-            </a:r>
-          </a:p>
-          <a:p>
-            <a:pPr lvl="0"/>
-            <a:r>
-              <a:rPr i="1">
-                <a:hlinkClick r:id="rId5"/>
-              </a:rPr>
-              <a:t>Reporting Statistics</a:t>
+              <a:t>Statistics for Biologists - Nature Publising Group</a:t>
             </a:r>
           </a:p>
           <a:p>
@@ -5747,6 +5701,221 @@
 </file>
 
 <file path=ppt/slides/slide111.xml><?xml version="1.0" encoding="utf-8"?>
+<p:sld xmlns:a="http://schemas.openxmlformats.org/drawingml/2006/main" xmlns:r="http://schemas.openxmlformats.org/officeDocument/2006/relationships" xmlns:p="http://schemas.openxmlformats.org/presentationml/2006/main">
+  <p:cSld>
+    <p:spTree>
+      <p:nvGrpSpPr>
+        <p:cNvPr id="1" name=""/>
+        <p:cNvGrpSpPr/>
+        <p:nvPr/>
+      </p:nvGrpSpPr>
+      <p:grpSpPr>
+        <a:xfrm>
+          <a:off x="0" y="0"/>
+          <a:ext cx="0" cy="0"/>
+          <a:chOff x="0" y="0"/>
+          <a:chExt cx="0" cy="0"/>
+        </a:xfrm>
+      </p:grpSpPr>
+      <p:sp>
+        <p:nvSpPr>
+          <p:cNvPr id="2" name="Title 1">
+            <a:extLst>
+              <a:ext uri="{FF2B5EF4-FFF2-40B4-BE49-F238E27FC236}">
+                <a16:creationId xmlns:a16="http://schemas.microsoft.com/office/drawing/2014/main" id="{0277F749-6ED4-3E49-963A-830033252F78}"/>
+              </a:ext>
+            </a:extLst>
+          </p:cNvPr>
+          <p:cNvSpPr>
+            <a:spLocks noGrp="1"/>
+          </p:cNvSpPr>
+          <p:nvPr>
+            <p:ph type="title"/>
+          </p:nvPr>
+        </p:nvSpPr>
+        <p:spPr>
+          <a:xfrm>
+            <a:off x="0" y="17256"/>
+            <a:ext cx="10515600" cy="663782"/>
+          </a:xfrm>
+        </p:spPr>
+        <p:txBody>
+          <a:bodyPr/>
+          <a:lstStyle/>
+          <a:p>
+            <a:pPr lvl="0" indent="0" marL="0">
+              <a:buNone/>
+            </a:pPr>
+            <a:r>
+              <a:rPr/>
+              <a:t>Wiley</a:t>
+            </a:r>
+          </a:p>
+        </p:txBody>
+      </p:sp>
+      <p:sp>
+        <p:nvSpPr>
+          <p:cNvPr id="3" name="Content Placeholder 2">
+            <a:extLst>
+              <a:ext uri="{FF2B5EF4-FFF2-40B4-BE49-F238E27FC236}">
+                <a16:creationId xmlns:a16="http://schemas.microsoft.com/office/drawing/2014/main" id="{1574FA24-F1CC-B240-AAF9-A2DF684B1C54}"/>
+              </a:ext>
+            </a:extLst>
+          </p:cNvPr>
+          <p:cNvSpPr>
+            <a:spLocks noGrp="1"/>
+          </p:cNvSpPr>
+          <p:nvPr>
+            <p:ph idx="1"/>
+          </p:nvPr>
+        </p:nvSpPr>
+        <p:spPr/>
+        <p:txBody>
+          <a:bodyPr/>
+          <a:lstStyle/>
+          <a:p>
+            <a:pPr lvl="0"/>
+            <a:r>
+              <a:rPr i="1">
+                <a:hlinkClick r:id="rId2"/>
+              </a:rPr>
+              <a:t>Tutorials in Biostatistics Papers - Wiley Online Library</a:t>
+            </a:r>
+          </a:p>
+          <a:p>
+            <a:pPr lvl="0" indent="0" marL="0">
+              <a:buNone/>
+            </a:pPr>
+          </a:p>
+        </p:txBody>
+      </p:sp>
+    </p:spTree>
+  </p:cSld>
+</p:sld>
+</file>
+
+<file path=ppt/slides/slide112.xml><?xml version="1.0" encoding="utf-8"?>
+<p:sld xmlns:a="http://schemas.openxmlformats.org/drawingml/2006/main" xmlns:r="http://schemas.openxmlformats.org/officeDocument/2006/relationships" xmlns:p="http://schemas.openxmlformats.org/presentationml/2006/main">
+  <p:cSld>
+    <p:spTree>
+      <p:nvGrpSpPr>
+        <p:cNvPr id="1" name=""/>
+        <p:cNvGrpSpPr/>
+        <p:nvPr/>
+      </p:nvGrpSpPr>
+      <p:grpSpPr>
+        <a:xfrm>
+          <a:off x="0" y="0"/>
+          <a:ext cx="0" cy="0"/>
+          <a:chOff x="0" y="0"/>
+          <a:chExt cx="0" cy="0"/>
+        </a:xfrm>
+      </p:grpSpPr>
+      <p:sp>
+        <p:nvSpPr>
+          <p:cNvPr id="2" name="Title 1">
+            <a:extLst>
+              <a:ext uri="{FF2B5EF4-FFF2-40B4-BE49-F238E27FC236}">
+                <a16:creationId xmlns:a16="http://schemas.microsoft.com/office/drawing/2014/main" id="{0277F749-6ED4-3E49-963A-830033252F78}"/>
+              </a:ext>
+            </a:extLst>
+          </p:cNvPr>
+          <p:cNvSpPr>
+            <a:spLocks noGrp="1"/>
+          </p:cNvSpPr>
+          <p:nvPr>
+            <p:ph type="title"/>
+          </p:nvPr>
+        </p:nvSpPr>
+        <p:spPr>
+          <a:xfrm>
+            <a:off x="0" y="17256"/>
+            <a:ext cx="10515600" cy="663782"/>
+          </a:xfrm>
+        </p:spPr>
+        <p:txBody>
+          <a:bodyPr/>
+          <a:lstStyle/>
+          <a:p>
+            <a:pPr lvl="0" indent="0" marL="0">
+              <a:buNone/>
+            </a:pPr>
+            <a:r>
+              <a:rPr/>
+              <a:t>APE</a:t>
+            </a:r>
+          </a:p>
+        </p:txBody>
+      </p:sp>
+      <p:sp>
+        <p:nvSpPr>
+          <p:cNvPr id="3" name="Content Placeholder 2">
+            <a:extLst>
+              <a:ext uri="{FF2B5EF4-FFF2-40B4-BE49-F238E27FC236}">
+                <a16:creationId xmlns:a16="http://schemas.microsoft.com/office/drawing/2014/main" id="{1574FA24-F1CC-B240-AAF9-A2DF684B1C54}"/>
+              </a:ext>
+            </a:extLst>
+          </p:cNvPr>
+          <p:cNvSpPr>
+            <a:spLocks noGrp="1"/>
+          </p:cNvSpPr>
+          <p:nvPr>
+            <p:ph idx="1"/>
+          </p:nvPr>
+        </p:nvSpPr>
+        <p:spPr/>
+        <p:txBody>
+          <a:bodyPr/>
+          <a:lstStyle/>
+          <a:p>
+            <a:pPr lvl="0"/>
+            <a:r>
+              <a:rPr i="1">
+                <a:hlinkClick r:id="rId2"/>
+              </a:rPr>
+              <a:t>Statistics</a:t>
+            </a:r>
+          </a:p>
+          <a:p>
+            <a:pPr lvl="0"/>
+            <a:r>
+              <a:rPr i="1">
+                <a:hlinkClick r:id="rId3"/>
+              </a:rPr>
+              <a:t>Exploration in Statistics</a:t>
+            </a:r>
+          </a:p>
+          <a:p>
+            <a:pPr lvl="0"/>
+            <a:r>
+              <a:rPr i="1">
+                <a:hlinkClick r:id="rId4"/>
+              </a:rPr>
+              <a:t>General Statistics</a:t>
+            </a:r>
+          </a:p>
+          <a:p>
+            <a:pPr lvl="0"/>
+            <a:r>
+              <a:rPr i="1">
+                <a:hlinkClick r:id="rId5"/>
+              </a:rPr>
+              <a:t>Reporting Statistics</a:t>
+            </a:r>
+          </a:p>
+          <a:p>
+            <a:pPr lvl="0" indent="0" marL="0">
+              <a:buNone/>
+            </a:pPr>
+          </a:p>
+        </p:txBody>
+      </p:sp>
+    </p:spTree>
+  </p:cSld>
+</p:sld>
+</file>
+
+<file path=ppt/slides/slide113.xml><?xml version="1.0" encoding="utf-8"?>
 <p:sld xmlns:a="http://schemas.openxmlformats.org/drawingml/2006/main" xmlns:r="http://schemas.openxmlformats.org/officeDocument/2006/relationships" xmlns:p="http://schemas.openxmlformats.org/presentationml/2006/main">
   <p:cSld>
     <p:spTree>
@@ -5804,7 +5973,7 @@
 </p:sld>
 </file>
 
-<file path=ppt/slides/slide112.xml><?xml version="1.0" encoding="utf-8"?>
+<file path=ppt/slides/slide114.xml><?xml version="1.0" encoding="utf-8"?>
 <p:sld xmlns:a="http://schemas.openxmlformats.org/drawingml/2006/main" xmlns:r="http://schemas.openxmlformats.org/officeDocument/2006/relationships" xmlns:p="http://schemas.openxmlformats.org/presentationml/2006/main">
   <p:cSld>
     <p:spTree>
@@ -17657,7 +17826,7 @@
             </a:pPr>
             <a:r>
               <a:rPr b="1"/>
-              <a:t>Comparação</a:t>
+              <a:t>Testes estatísticos</a:t>
             </a:r>
           </a:p>
         </p:txBody>
@@ -17715,508 +17884,7 @@
             </a:pPr>
             <a:r>
               <a:rPr/>
-              <a:t>Análise inferencial de comparação {#analise-inferencial-comparacao]}</a:t>
-            </a:r>
-          </a:p>
-        </p:txBody>
-      </p:sp>
-      <p:sp>
-        <p:nvSpPr>
-          <p:cNvPr id="3" name="Content Placeholder 2">
-            <a:extLst>
-              <a:ext uri="{FF2B5EF4-FFF2-40B4-BE49-F238E27FC236}">
-                <a16:creationId xmlns:a16="http://schemas.microsoft.com/office/drawing/2014/main" id="{1574FA24-F1CC-B240-AAF9-A2DF684B1C54}"/>
-              </a:ext>
-            </a:extLst>
-          </p:cNvPr>
-          <p:cNvSpPr>
-            <a:spLocks noGrp="1"/>
-          </p:cNvSpPr>
-          <p:nvPr>
-            <p:ph idx="1"/>
-          </p:nvPr>
-        </p:nvSpPr>
-        <p:spPr/>
-        <p:txBody>
-          <a:bodyPr/>
-          <a:lstStyle/>
-          <a:p>
-            <a:pPr lvl="0" indent="0" marL="0">
-              <a:buNone/>
-            </a:pPr>
-          </a:p>
-          <a:p>
-            <a:pPr lvl="0" indent="0" marL="0">
-              <a:spcBef>
-                <a:spcPts val="3000"/>
-              </a:spcBef>
-              <a:buNone/>
-            </a:pPr>
-            <a:r>
-              <a:rPr b="1"/>
-              <a:t>O que é análise de comparação de dados?</a:t>
-            </a:r>
-          </a:p>
-          <a:p>
-            <a:pPr lvl="0"/>
-            <a:r>
-              <a:rPr/>
-              <a:t>.[REF]</a:t>
-            </a:r>
-          </a:p>
-          <a:p>
-            <a:pPr lvl="0" indent="0" marL="0">
-              <a:buNone/>
-            </a:pPr>
-          </a:p>
-        </p:txBody>
-      </p:sp>
-    </p:spTree>
-  </p:cSld>
-</p:sld>
-</file>
-
-<file path=ppt/slides/slide56.xml><?xml version="1.0" encoding="utf-8"?>
-<p:sld xmlns:a="http://schemas.openxmlformats.org/drawingml/2006/main" xmlns:r="http://schemas.openxmlformats.org/officeDocument/2006/relationships" xmlns:p="http://schemas.openxmlformats.org/presentationml/2006/main">
-  <p:cSld>
-    <p:spTree>
-      <p:nvGrpSpPr>
-        <p:cNvPr id="1" name=""/>
-        <p:cNvGrpSpPr/>
-        <p:nvPr/>
-      </p:nvGrpSpPr>
-      <p:grpSpPr>
-        <a:xfrm>
-          <a:off x="0" y="0"/>
-          <a:ext cx="0" cy="0"/>
-          <a:chOff x="0" y="0"/>
-          <a:chExt cx="0" cy="0"/>
-        </a:xfrm>
-      </p:grpSpPr>
-      <p:sp>
-        <p:nvSpPr>
-          <p:cNvPr id="2" name="Title 1">
-            <a:extLst>
-              <a:ext uri="{FF2B5EF4-FFF2-40B4-BE49-F238E27FC236}">
-                <a16:creationId xmlns:a16="http://schemas.microsoft.com/office/drawing/2014/main" id="{28A92D45-5BAF-634B-BB37-8481089F9E28}"/>
-              </a:ext>
-            </a:extLst>
-          </p:cNvPr>
-          <p:cNvSpPr>
-            <a:spLocks noGrp="1"/>
-          </p:cNvSpPr>
-          <p:nvPr>
-            <p:ph type="title"/>
-          </p:nvPr>
-        </p:nvSpPr>
-        <p:spPr>
-          <a:xfrm>
-            <a:off x="831850" y="1709738"/>
-            <a:ext cx="10515600" cy="2852737"/>
-          </a:xfrm>
-        </p:spPr>
-        <p:txBody>
-          <a:bodyPr/>
-          <a:lstStyle/>
-          <a:p>
-            <a:pPr lvl="0" indent="0" marL="0">
-              <a:buNone/>
-            </a:pPr>
-            <a:r>
-              <a:rPr b="1"/>
-              <a:t>Correlação</a:t>
-            </a:r>
-          </a:p>
-        </p:txBody>
-      </p:sp>
-    </p:spTree>
-  </p:cSld>
-</p:sld>
-</file>
-
-<file path=ppt/slides/slide57.xml><?xml version="1.0" encoding="utf-8"?>
-<p:sld xmlns:a="http://schemas.openxmlformats.org/drawingml/2006/main" xmlns:r="http://schemas.openxmlformats.org/officeDocument/2006/relationships" xmlns:p="http://schemas.openxmlformats.org/presentationml/2006/main">
-  <p:cSld>
-    <p:spTree>
-      <p:nvGrpSpPr>
-        <p:cNvPr id="1" name=""/>
-        <p:cNvGrpSpPr/>
-        <p:nvPr/>
-      </p:nvGrpSpPr>
-      <p:grpSpPr>
-        <a:xfrm>
-          <a:off x="0" y="0"/>
-          <a:ext cx="0" cy="0"/>
-          <a:chOff x="0" y="0"/>
-          <a:chExt cx="0" cy="0"/>
-        </a:xfrm>
-      </p:grpSpPr>
-      <p:sp>
-        <p:nvSpPr>
-          <p:cNvPr id="2" name="Title 1">
-            <a:extLst>
-              <a:ext uri="{FF2B5EF4-FFF2-40B4-BE49-F238E27FC236}">
-                <a16:creationId xmlns:a16="http://schemas.microsoft.com/office/drawing/2014/main" id="{0277F749-6ED4-3E49-963A-830033252F78}"/>
-              </a:ext>
-            </a:extLst>
-          </p:cNvPr>
-          <p:cNvSpPr>
-            <a:spLocks noGrp="1"/>
-          </p:cNvSpPr>
-          <p:nvPr>
-            <p:ph type="title"/>
-          </p:nvPr>
-        </p:nvSpPr>
-        <p:spPr>
-          <a:xfrm>
-            <a:off x="0" y="17256"/>
-            <a:ext cx="10515600" cy="663782"/>
-          </a:xfrm>
-        </p:spPr>
-        <p:txBody>
-          <a:bodyPr/>
-          <a:lstStyle/>
-          <a:p>
-            <a:pPr lvl="0" indent="0" marL="0">
-              <a:buNone/>
-            </a:pPr>
-            <a:r>
-              <a:rPr/>
-              <a:t>Análise de correlação</a:t>
-            </a:r>
-          </a:p>
-        </p:txBody>
-      </p:sp>
-      <p:sp>
-        <p:nvSpPr>
-          <p:cNvPr id="3" name="Content Placeholder 2">
-            <a:extLst>
-              <a:ext uri="{FF2B5EF4-FFF2-40B4-BE49-F238E27FC236}">
-                <a16:creationId xmlns:a16="http://schemas.microsoft.com/office/drawing/2014/main" id="{1574FA24-F1CC-B240-AAF9-A2DF684B1C54}"/>
-              </a:ext>
-            </a:extLst>
-          </p:cNvPr>
-          <p:cNvSpPr>
-            <a:spLocks noGrp="1"/>
-          </p:cNvSpPr>
-          <p:nvPr>
-            <p:ph idx="1"/>
-          </p:nvPr>
-        </p:nvSpPr>
-        <p:spPr/>
-        <p:txBody>
-          <a:bodyPr/>
-          <a:lstStyle/>
-          <a:p>
-            <a:pPr lvl="0" indent="0" marL="0">
-              <a:buNone/>
-            </a:pPr>
-          </a:p>
-          <a:p>
-            <a:pPr lvl="0" indent="0" marL="0">
-              <a:spcBef>
-                <a:spcPts val="3000"/>
-              </a:spcBef>
-              <a:buNone/>
-            </a:pPr>
-            <a:r>
-              <a:rPr b="1"/>
-              <a:t>O que é análise de correlação?</a:t>
-            </a:r>
-          </a:p>
-          <a:p>
-            <a:pPr lvl="0"/>
-            <a:r>
-              <a:rPr/>
-              <a:t>.[REF]</a:t>
-            </a:r>
-          </a:p>
-          <a:p>
-            <a:pPr lvl="0" indent="0" marL="0">
-              <a:buNone/>
-            </a:pPr>
-          </a:p>
-        </p:txBody>
-      </p:sp>
-    </p:spTree>
-  </p:cSld>
-</p:sld>
-</file>
-
-<file path=ppt/slides/slide58.xml><?xml version="1.0" encoding="utf-8"?>
-<p:sld xmlns:a="http://schemas.openxmlformats.org/drawingml/2006/main" xmlns:r="http://schemas.openxmlformats.org/officeDocument/2006/relationships" xmlns:p="http://schemas.openxmlformats.org/presentationml/2006/main">
-  <p:cSld>
-    <p:spTree>
-      <p:nvGrpSpPr>
-        <p:cNvPr id="1" name=""/>
-        <p:cNvGrpSpPr/>
-        <p:nvPr/>
-      </p:nvGrpSpPr>
-      <p:grpSpPr>
-        <a:xfrm>
-          <a:off x="0" y="0"/>
-          <a:ext cx="0" cy="0"/>
-          <a:chOff x="0" y="0"/>
-          <a:chExt cx="0" cy="0"/>
-        </a:xfrm>
-      </p:grpSpPr>
-      <p:sp>
-        <p:nvSpPr>
-          <p:cNvPr id="2" name="Title 1">
-            <a:extLst>
-              <a:ext uri="{FF2B5EF4-FFF2-40B4-BE49-F238E27FC236}">
-                <a16:creationId xmlns:a16="http://schemas.microsoft.com/office/drawing/2014/main" id="{28A92D45-5BAF-634B-BB37-8481089F9E28}"/>
-              </a:ext>
-            </a:extLst>
-          </p:cNvPr>
-          <p:cNvSpPr>
-            <a:spLocks noGrp="1"/>
-          </p:cNvSpPr>
-          <p:nvPr>
-            <p:ph type="title"/>
-          </p:nvPr>
-        </p:nvSpPr>
-        <p:spPr>
-          <a:xfrm>
-            <a:off x="831850" y="1709738"/>
-            <a:ext cx="10515600" cy="2852737"/>
-          </a:xfrm>
-        </p:spPr>
-        <p:txBody>
-          <a:bodyPr/>
-          <a:lstStyle/>
-          <a:p>
-            <a:pPr lvl="0" indent="0" marL="0">
-              <a:buNone/>
-            </a:pPr>
-            <a:r>
-              <a:rPr b="1"/>
-              <a:t>Associação</a:t>
-            </a:r>
-          </a:p>
-        </p:txBody>
-      </p:sp>
-    </p:spTree>
-  </p:cSld>
-</p:sld>
-</file>
-
-<file path=ppt/slides/slide59.xml><?xml version="1.0" encoding="utf-8"?>
-<p:sld xmlns:a="http://schemas.openxmlformats.org/drawingml/2006/main" xmlns:r="http://schemas.openxmlformats.org/officeDocument/2006/relationships" xmlns:p="http://schemas.openxmlformats.org/presentationml/2006/main">
-  <p:cSld>
-    <p:spTree>
-      <p:nvGrpSpPr>
-        <p:cNvPr id="1" name=""/>
-        <p:cNvGrpSpPr/>
-        <p:nvPr/>
-      </p:nvGrpSpPr>
-      <p:grpSpPr>
-        <a:xfrm>
-          <a:off x="0" y="0"/>
-          <a:ext cx="0" cy="0"/>
-          <a:chOff x="0" y="0"/>
-          <a:chExt cx="0" cy="0"/>
-        </a:xfrm>
-      </p:grpSpPr>
-      <p:sp>
-        <p:nvSpPr>
-          <p:cNvPr id="2" name="Title 1">
-            <a:extLst>
-              <a:ext uri="{FF2B5EF4-FFF2-40B4-BE49-F238E27FC236}">
-                <a16:creationId xmlns:a16="http://schemas.microsoft.com/office/drawing/2014/main" id="{0277F749-6ED4-3E49-963A-830033252F78}"/>
-              </a:ext>
-            </a:extLst>
-          </p:cNvPr>
-          <p:cNvSpPr>
-            <a:spLocks noGrp="1"/>
-          </p:cNvSpPr>
-          <p:nvPr>
-            <p:ph type="title"/>
-          </p:nvPr>
-        </p:nvSpPr>
-        <p:spPr>
-          <a:xfrm>
-            <a:off x="0" y="17256"/>
-            <a:ext cx="10515600" cy="663782"/>
-          </a:xfrm>
-        </p:spPr>
-        <p:txBody>
-          <a:bodyPr/>
-          <a:lstStyle/>
-          <a:p>
-            <a:pPr lvl="0" indent="0" marL="0">
-              <a:buNone/>
-            </a:pPr>
-            <a:r>
-              <a:rPr/>
-              <a:t>Análise de associação</a:t>
-            </a:r>
-          </a:p>
-        </p:txBody>
-      </p:sp>
-      <p:sp>
-        <p:nvSpPr>
-          <p:cNvPr id="3" name="Content Placeholder 2">
-            <a:extLst>
-              <a:ext uri="{FF2B5EF4-FFF2-40B4-BE49-F238E27FC236}">
-                <a16:creationId xmlns:a16="http://schemas.microsoft.com/office/drawing/2014/main" id="{1574FA24-F1CC-B240-AAF9-A2DF684B1C54}"/>
-              </a:ext>
-            </a:extLst>
-          </p:cNvPr>
-          <p:cNvSpPr>
-            <a:spLocks noGrp="1"/>
-          </p:cNvSpPr>
-          <p:nvPr>
-            <p:ph idx="1"/>
-          </p:nvPr>
-        </p:nvSpPr>
-        <p:spPr/>
-        <p:txBody>
-          <a:bodyPr/>
-          <a:lstStyle/>
-          <a:p>
-            <a:pPr lvl="0" indent="0" marL="0">
-              <a:buNone/>
-            </a:pPr>
-          </a:p>
-          <a:p>
-            <a:pPr lvl="0" indent="0" marL="0">
-              <a:spcBef>
-                <a:spcPts val="3000"/>
-              </a:spcBef>
-              <a:buNone/>
-            </a:pPr>
-            <a:r>
-              <a:rPr b="1"/>
-              <a:t>O que é análise de associação?</a:t>
-            </a:r>
-          </a:p>
-          <a:p>
-            <a:pPr lvl="0"/>
-            <a:r>
-              <a:rPr/>
-              <a:t>.[REF]</a:t>
-            </a:r>
-          </a:p>
-          <a:p>
-            <a:pPr lvl="0" indent="0" marL="0">
-              <a:buNone/>
-            </a:pPr>
-          </a:p>
-        </p:txBody>
-      </p:sp>
-    </p:spTree>
-  </p:cSld>
-</p:sld>
-</file>
-
-<file path=ppt/slides/slide6.xml><?xml version="1.0" encoding="utf-8"?>
-<p:sld xmlns:a="http://schemas.openxmlformats.org/drawingml/2006/main" xmlns:r="http://schemas.openxmlformats.org/officeDocument/2006/relationships" xmlns:p="http://schemas.openxmlformats.org/presentationml/2006/main">
-  <p:cSld>
-    <p:spTree>
-      <p:nvGrpSpPr>
-        <p:cNvPr id="1" name=""/>
-        <p:cNvGrpSpPr/>
-        <p:nvPr/>
-      </p:nvGrpSpPr>
-      <p:grpSpPr>
-        <a:xfrm>
-          <a:off x="0" y="0"/>
-          <a:ext cx="0" cy="0"/>
-          <a:chOff x="0" y="0"/>
-          <a:chExt cx="0" cy="0"/>
-        </a:xfrm>
-      </p:grpSpPr>
-      <p:sp>
-        <p:nvSpPr>
-          <p:cNvPr id="2" name="Title 1">
-            <a:extLst>
-              <a:ext uri="{FF2B5EF4-FFF2-40B4-BE49-F238E27FC236}">
-                <a16:creationId xmlns:a16="http://schemas.microsoft.com/office/drawing/2014/main" id="{28A92D45-5BAF-634B-BB37-8481089F9E28}"/>
-              </a:ext>
-            </a:extLst>
-          </p:cNvPr>
-          <p:cNvSpPr>
-            <a:spLocks noGrp="1"/>
-          </p:cNvSpPr>
-          <p:nvPr>
-            <p:ph type="title"/>
-          </p:nvPr>
-        </p:nvSpPr>
-        <p:spPr>
-          <a:xfrm>
-            <a:off x="831850" y="1709738"/>
-            <a:ext cx="10515600" cy="2852737"/>
-          </a:xfrm>
-        </p:spPr>
-        <p:txBody>
-          <a:bodyPr/>
-          <a:lstStyle/>
-          <a:p>
-            <a:pPr lvl="0" indent="0" marL="0">
-              <a:buNone/>
-            </a:pPr>
-            <a:r>
-              <a:rPr/>
-              <a:t>Prefácio</a:t>
-            </a:r>
-          </a:p>
-        </p:txBody>
-      </p:sp>
-    </p:spTree>
-  </p:cSld>
-</p:sld>
-</file>
-
-<file path=ppt/slides/slide60.xml><?xml version="1.0" encoding="utf-8"?>
-<p:sld xmlns:a="http://schemas.openxmlformats.org/drawingml/2006/main" xmlns:r="http://schemas.openxmlformats.org/officeDocument/2006/relationships" xmlns:p="http://schemas.openxmlformats.org/presentationml/2006/main">
-  <p:cSld>
-    <p:spTree>
-      <p:nvGrpSpPr>
-        <p:cNvPr id="1" name=""/>
-        <p:cNvGrpSpPr/>
-        <p:nvPr/>
-      </p:nvGrpSpPr>
-      <p:grpSpPr>
-        <a:xfrm>
-          <a:off x="0" y="0"/>
-          <a:ext cx="0" cy="0"/>
-          <a:chOff x="0" y="0"/>
-          <a:chExt cx="0" cy="0"/>
-        </a:xfrm>
-      </p:grpSpPr>
-      <p:sp>
-        <p:nvSpPr>
-          <p:cNvPr id="2" name="Title 1">
-            <a:extLst>
-              <a:ext uri="{FF2B5EF4-FFF2-40B4-BE49-F238E27FC236}">
-                <a16:creationId xmlns:a16="http://schemas.microsoft.com/office/drawing/2014/main" id="{0277F749-6ED4-3E49-963A-830033252F78}"/>
-              </a:ext>
-            </a:extLst>
-          </p:cNvPr>
-          <p:cNvSpPr>
-            <a:spLocks noGrp="1"/>
-          </p:cNvSpPr>
-          <p:nvPr>
-            <p:ph type="title"/>
-          </p:nvPr>
-        </p:nvSpPr>
-        <p:spPr>
-          <a:xfrm>
-            <a:off x="0" y="17256"/>
-            <a:ext cx="10515600" cy="663782"/>
-          </a:xfrm>
-        </p:spPr>
-        <p:txBody>
-          <a:bodyPr/>
-          <a:lstStyle/>
-          <a:p>
-            <a:pPr lvl="0" indent="0" marL="0">
-              <a:buNone/>
-            </a:pPr>
-            <a:r>
-              <a:rPr/>
-              <a:t>Bivariável</a:t>
+              <a:t>Testes estatísticos para análise inferencial</a:t>
             </a:r>
           </a:p>
         </p:txBody>
@@ -18257,31 +17925,7 @@
                 </a:pPr>
                 <a:r>
                   <a:rPr b="1"/>
-                  <a:t>O que são as análises de associação bivariável?</a:t>
-                </a:r>
-              </a:p>
-              <a:p>
-                <a:pPr lvl="0"/>
-                <a:r>
-                  <a:rPr/>
-                  <a:t>.[REF]</a:t>
-                </a:r>
-              </a:p>
-              <a:p>
-                <a:pPr lvl="0" indent="0" marL="0">
-                  <a:buNone/>
-                </a:pPr>
-              </a:p>
-              <a:p>
-                <a:pPr lvl="0" indent="0" marL="0">
-                  <a:spcBef>
-                    <a:spcPts val="3000"/>
-                  </a:spcBef>
-                  <a:buNone/>
-                </a:pPr>
-                <a:r>
-                  <a:rPr b="1"/>
-                  <a:t>Quais testes podem ser usados em análise de associação bivariável?</a:t>
+                  <a:t>Quais testes podem ser usados em análise de associação bivariada?</a:t>
                 </a:r>
               </a:p>
               <a:p>
@@ -28458,6 +28102,456 @@
 </p:sld>
 </file>
 
+<file path=ppt/slides/slide56.xml><?xml version="1.0" encoding="utf-8"?>
+<p:sld xmlns:a="http://schemas.openxmlformats.org/drawingml/2006/main" xmlns:r="http://schemas.openxmlformats.org/officeDocument/2006/relationships" xmlns:p="http://schemas.openxmlformats.org/presentationml/2006/main">
+  <p:cSld>
+    <p:spTree>
+      <p:nvGrpSpPr>
+        <p:cNvPr id="1" name=""/>
+        <p:cNvGrpSpPr/>
+        <p:nvPr/>
+      </p:nvGrpSpPr>
+      <p:grpSpPr>
+        <a:xfrm>
+          <a:off x="0" y="0"/>
+          <a:ext cx="0" cy="0"/>
+          <a:chOff x="0" y="0"/>
+          <a:chExt cx="0" cy="0"/>
+        </a:xfrm>
+      </p:grpSpPr>
+      <p:sp>
+        <p:nvSpPr>
+          <p:cNvPr id="2" name="Title 1">
+            <a:extLst>
+              <a:ext uri="{FF2B5EF4-FFF2-40B4-BE49-F238E27FC236}">
+                <a16:creationId xmlns:a16="http://schemas.microsoft.com/office/drawing/2014/main" id="{28A92D45-5BAF-634B-BB37-8481089F9E28}"/>
+              </a:ext>
+            </a:extLst>
+          </p:cNvPr>
+          <p:cNvSpPr>
+            <a:spLocks noGrp="1"/>
+          </p:cNvSpPr>
+          <p:nvPr>
+            <p:ph type="title"/>
+          </p:nvPr>
+        </p:nvSpPr>
+        <p:spPr>
+          <a:xfrm>
+            <a:off x="831850" y="1709738"/>
+            <a:ext cx="10515600" cy="2852737"/>
+          </a:xfrm>
+        </p:spPr>
+        <p:txBody>
+          <a:bodyPr/>
+          <a:lstStyle/>
+          <a:p>
+            <a:pPr lvl="0" indent="0" marL="0">
+              <a:buNone/>
+            </a:pPr>
+            <a:r>
+              <a:rPr b="1"/>
+              <a:t>Comparação</a:t>
+            </a:r>
+          </a:p>
+        </p:txBody>
+      </p:sp>
+    </p:spTree>
+  </p:cSld>
+</p:sld>
+</file>
+
+<file path=ppt/slides/slide57.xml><?xml version="1.0" encoding="utf-8"?>
+<p:sld xmlns:a="http://schemas.openxmlformats.org/drawingml/2006/main" xmlns:r="http://schemas.openxmlformats.org/officeDocument/2006/relationships" xmlns:p="http://schemas.openxmlformats.org/presentationml/2006/main">
+  <p:cSld>
+    <p:spTree>
+      <p:nvGrpSpPr>
+        <p:cNvPr id="1" name=""/>
+        <p:cNvGrpSpPr/>
+        <p:nvPr/>
+      </p:nvGrpSpPr>
+      <p:grpSpPr>
+        <a:xfrm>
+          <a:off x="0" y="0"/>
+          <a:ext cx="0" cy="0"/>
+          <a:chOff x="0" y="0"/>
+          <a:chExt cx="0" cy="0"/>
+        </a:xfrm>
+      </p:grpSpPr>
+      <p:sp>
+        <p:nvSpPr>
+          <p:cNvPr id="2" name="Title 1">
+            <a:extLst>
+              <a:ext uri="{FF2B5EF4-FFF2-40B4-BE49-F238E27FC236}">
+                <a16:creationId xmlns:a16="http://schemas.microsoft.com/office/drawing/2014/main" id="{0277F749-6ED4-3E49-963A-830033252F78}"/>
+              </a:ext>
+            </a:extLst>
+          </p:cNvPr>
+          <p:cNvSpPr>
+            <a:spLocks noGrp="1"/>
+          </p:cNvSpPr>
+          <p:nvPr>
+            <p:ph type="title"/>
+          </p:nvPr>
+        </p:nvSpPr>
+        <p:spPr>
+          <a:xfrm>
+            <a:off x="0" y="17256"/>
+            <a:ext cx="10515600" cy="663782"/>
+          </a:xfrm>
+        </p:spPr>
+        <p:txBody>
+          <a:bodyPr/>
+          <a:lstStyle/>
+          <a:p>
+            <a:pPr lvl="0" indent="0" marL="0">
+              <a:buNone/>
+            </a:pPr>
+            <a:r>
+              <a:rPr/>
+              <a:t>Análise inferencial de comparação {#analise-inferencial-comparacao]}</a:t>
+            </a:r>
+          </a:p>
+        </p:txBody>
+      </p:sp>
+      <p:sp>
+        <p:nvSpPr>
+          <p:cNvPr id="3" name="Content Placeholder 2">
+            <a:extLst>
+              <a:ext uri="{FF2B5EF4-FFF2-40B4-BE49-F238E27FC236}">
+                <a16:creationId xmlns:a16="http://schemas.microsoft.com/office/drawing/2014/main" id="{1574FA24-F1CC-B240-AAF9-A2DF684B1C54}"/>
+              </a:ext>
+            </a:extLst>
+          </p:cNvPr>
+          <p:cNvSpPr>
+            <a:spLocks noGrp="1"/>
+          </p:cNvSpPr>
+          <p:nvPr>
+            <p:ph idx="1"/>
+          </p:nvPr>
+        </p:nvSpPr>
+        <p:spPr/>
+        <p:txBody>
+          <a:bodyPr/>
+          <a:lstStyle/>
+          <a:p>
+            <a:pPr lvl="0" indent="0" marL="0">
+              <a:buNone/>
+            </a:pPr>
+          </a:p>
+          <a:p>
+            <a:pPr lvl="0" indent="0" marL="0">
+              <a:spcBef>
+                <a:spcPts val="3000"/>
+              </a:spcBef>
+              <a:buNone/>
+            </a:pPr>
+            <a:r>
+              <a:rPr b="1"/>
+              <a:t>O que é análise de comparação de dados?</a:t>
+            </a:r>
+          </a:p>
+          <a:p>
+            <a:pPr lvl="0"/>
+            <a:r>
+              <a:rPr/>
+              <a:t>.[REF]</a:t>
+            </a:r>
+          </a:p>
+          <a:p>
+            <a:pPr lvl="0" indent="0" marL="0">
+              <a:buNone/>
+            </a:pPr>
+          </a:p>
+        </p:txBody>
+      </p:sp>
+    </p:spTree>
+  </p:cSld>
+</p:sld>
+</file>
+
+<file path=ppt/slides/slide58.xml><?xml version="1.0" encoding="utf-8"?>
+<p:sld xmlns:a="http://schemas.openxmlformats.org/drawingml/2006/main" xmlns:r="http://schemas.openxmlformats.org/officeDocument/2006/relationships" xmlns:p="http://schemas.openxmlformats.org/presentationml/2006/main">
+  <p:cSld>
+    <p:spTree>
+      <p:nvGrpSpPr>
+        <p:cNvPr id="1" name=""/>
+        <p:cNvGrpSpPr/>
+        <p:nvPr/>
+      </p:nvGrpSpPr>
+      <p:grpSpPr>
+        <a:xfrm>
+          <a:off x="0" y="0"/>
+          <a:ext cx="0" cy="0"/>
+          <a:chOff x="0" y="0"/>
+          <a:chExt cx="0" cy="0"/>
+        </a:xfrm>
+      </p:grpSpPr>
+      <p:sp>
+        <p:nvSpPr>
+          <p:cNvPr id="2" name="Title 1">
+            <a:extLst>
+              <a:ext uri="{FF2B5EF4-FFF2-40B4-BE49-F238E27FC236}">
+                <a16:creationId xmlns:a16="http://schemas.microsoft.com/office/drawing/2014/main" id="{28A92D45-5BAF-634B-BB37-8481089F9E28}"/>
+              </a:ext>
+            </a:extLst>
+          </p:cNvPr>
+          <p:cNvSpPr>
+            <a:spLocks noGrp="1"/>
+          </p:cNvSpPr>
+          <p:nvPr>
+            <p:ph type="title"/>
+          </p:nvPr>
+        </p:nvSpPr>
+        <p:spPr>
+          <a:xfrm>
+            <a:off x="831850" y="1709738"/>
+            <a:ext cx="10515600" cy="2852737"/>
+          </a:xfrm>
+        </p:spPr>
+        <p:txBody>
+          <a:bodyPr/>
+          <a:lstStyle/>
+          <a:p>
+            <a:pPr lvl="0" indent="0" marL="0">
+              <a:buNone/>
+            </a:pPr>
+            <a:r>
+              <a:rPr b="1"/>
+              <a:t>Correlação</a:t>
+            </a:r>
+          </a:p>
+        </p:txBody>
+      </p:sp>
+    </p:spTree>
+  </p:cSld>
+</p:sld>
+</file>
+
+<file path=ppt/slides/slide59.xml><?xml version="1.0" encoding="utf-8"?>
+<p:sld xmlns:a="http://schemas.openxmlformats.org/drawingml/2006/main" xmlns:r="http://schemas.openxmlformats.org/officeDocument/2006/relationships" xmlns:p="http://schemas.openxmlformats.org/presentationml/2006/main">
+  <p:cSld>
+    <p:spTree>
+      <p:nvGrpSpPr>
+        <p:cNvPr id="1" name=""/>
+        <p:cNvGrpSpPr/>
+        <p:nvPr/>
+      </p:nvGrpSpPr>
+      <p:grpSpPr>
+        <a:xfrm>
+          <a:off x="0" y="0"/>
+          <a:ext cx="0" cy="0"/>
+          <a:chOff x="0" y="0"/>
+          <a:chExt cx="0" cy="0"/>
+        </a:xfrm>
+      </p:grpSpPr>
+      <p:sp>
+        <p:nvSpPr>
+          <p:cNvPr id="2" name="Title 1">
+            <a:extLst>
+              <a:ext uri="{FF2B5EF4-FFF2-40B4-BE49-F238E27FC236}">
+                <a16:creationId xmlns:a16="http://schemas.microsoft.com/office/drawing/2014/main" id="{0277F749-6ED4-3E49-963A-830033252F78}"/>
+              </a:ext>
+            </a:extLst>
+          </p:cNvPr>
+          <p:cNvSpPr>
+            <a:spLocks noGrp="1"/>
+          </p:cNvSpPr>
+          <p:nvPr>
+            <p:ph type="title"/>
+          </p:nvPr>
+        </p:nvSpPr>
+        <p:spPr>
+          <a:xfrm>
+            <a:off x="0" y="17256"/>
+            <a:ext cx="10515600" cy="663782"/>
+          </a:xfrm>
+        </p:spPr>
+        <p:txBody>
+          <a:bodyPr/>
+          <a:lstStyle/>
+          <a:p>
+            <a:pPr lvl="0" indent="0" marL="0">
+              <a:buNone/>
+            </a:pPr>
+            <a:r>
+              <a:rPr/>
+              <a:t>Análise de correlação</a:t>
+            </a:r>
+          </a:p>
+        </p:txBody>
+      </p:sp>
+      <p:sp>
+        <p:nvSpPr>
+          <p:cNvPr id="3" name="Content Placeholder 2">
+            <a:extLst>
+              <a:ext uri="{FF2B5EF4-FFF2-40B4-BE49-F238E27FC236}">
+                <a16:creationId xmlns:a16="http://schemas.microsoft.com/office/drawing/2014/main" id="{1574FA24-F1CC-B240-AAF9-A2DF684B1C54}"/>
+              </a:ext>
+            </a:extLst>
+          </p:cNvPr>
+          <p:cNvSpPr>
+            <a:spLocks noGrp="1"/>
+          </p:cNvSpPr>
+          <p:nvPr>
+            <p:ph idx="1"/>
+          </p:nvPr>
+        </p:nvSpPr>
+        <p:spPr/>
+        <p:txBody>
+          <a:bodyPr/>
+          <a:lstStyle/>
+          <a:p>
+            <a:pPr lvl="0" indent="0" marL="0">
+              <a:buNone/>
+            </a:pPr>
+          </a:p>
+          <a:p>
+            <a:pPr lvl="0" indent="0" marL="0">
+              <a:spcBef>
+                <a:spcPts val="3000"/>
+              </a:spcBef>
+              <a:buNone/>
+            </a:pPr>
+            <a:r>
+              <a:rPr b="1"/>
+              <a:t>O que é análise de correlação?</a:t>
+            </a:r>
+          </a:p>
+          <a:p>
+            <a:pPr lvl="0"/>
+            <a:r>
+              <a:rPr/>
+              <a:t>.[REF]</a:t>
+            </a:r>
+          </a:p>
+          <a:p>
+            <a:pPr lvl="0" indent="0" marL="0">
+              <a:buNone/>
+            </a:pPr>
+          </a:p>
+        </p:txBody>
+      </p:sp>
+    </p:spTree>
+  </p:cSld>
+</p:sld>
+</file>
+
+<file path=ppt/slides/slide6.xml><?xml version="1.0" encoding="utf-8"?>
+<p:sld xmlns:a="http://schemas.openxmlformats.org/drawingml/2006/main" xmlns:r="http://schemas.openxmlformats.org/officeDocument/2006/relationships" xmlns:p="http://schemas.openxmlformats.org/presentationml/2006/main">
+  <p:cSld>
+    <p:spTree>
+      <p:nvGrpSpPr>
+        <p:cNvPr id="1" name=""/>
+        <p:cNvGrpSpPr/>
+        <p:nvPr/>
+      </p:nvGrpSpPr>
+      <p:grpSpPr>
+        <a:xfrm>
+          <a:off x="0" y="0"/>
+          <a:ext cx="0" cy="0"/>
+          <a:chOff x="0" y="0"/>
+          <a:chExt cx="0" cy="0"/>
+        </a:xfrm>
+      </p:grpSpPr>
+      <p:sp>
+        <p:nvSpPr>
+          <p:cNvPr id="2" name="Title 1">
+            <a:extLst>
+              <a:ext uri="{FF2B5EF4-FFF2-40B4-BE49-F238E27FC236}">
+                <a16:creationId xmlns:a16="http://schemas.microsoft.com/office/drawing/2014/main" id="{28A92D45-5BAF-634B-BB37-8481089F9E28}"/>
+              </a:ext>
+            </a:extLst>
+          </p:cNvPr>
+          <p:cNvSpPr>
+            <a:spLocks noGrp="1"/>
+          </p:cNvSpPr>
+          <p:nvPr>
+            <p:ph type="title"/>
+          </p:nvPr>
+        </p:nvSpPr>
+        <p:spPr>
+          <a:xfrm>
+            <a:off x="831850" y="1709738"/>
+            <a:ext cx="10515600" cy="2852737"/>
+          </a:xfrm>
+        </p:spPr>
+        <p:txBody>
+          <a:bodyPr/>
+          <a:lstStyle/>
+          <a:p>
+            <a:pPr lvl="0" indent="0" marL="0">
+              <a:buNone/>
+            </a:pPr>
+            <a:r>
+              <a:rPr/>
+              <a:t>Prefácio</a:t>
+            </a:r>
+          </a:p>
+        </p:txBody>
+      </p:sp>
+    </p:spTree>
+  </p:cSld>
+</p:sld>
+</file>
+
+<file path=ppt/slides/slide60.xml><?xml version="1.0" encoding="utf-8"?>
+<p:sld xmlns:a="http://schemas.openxmlformats.org/drawingml/2006/main" xmlns:r="http://schemas.openxmlformats.org/officeDocument/2006/relationships" xmlns:p="http://schemas.openxmlformats.org/presentationml/2006/main">
+  <p:cSld>
+    <p:spTree>
+      <p:nvGrpSpPr>
+        <p:cNvPr id="1" name=""/>
+        <p:cNvGrpSpPr/>
+        <p:nvPr/>
+      </p:nvGrpSpPr>
+      <p:grpSpPr>
+        <a:xfrm>
+          <a:off x="0" y="0"/>
+          <a:ext cx="0" cy="0"/>
+          <a:chOff x="0" y="0"/>
+          <a:chExt cx="0" cy="0"/>
+        </a:xfrm>
+      </p:grpSpPr>
+      <p:sp>
+        <p:nvSpPr>
+          <p:cNvPr id="2" name="Title 1">
+            <a:extLst>
+              <a:ext uri="{FF2B5EF4-FFF2-40B4-BE49-F238E27FC236}">
+                <a16:creationId xmlns:a16="http://schemas.microsoft.com/office/drawing/2014/main" id="{28A92D45-5BAF-634B-BB37-8481089F9E28}"/>
+              </a:ext>
+            </a:extLst>
+          </p:cNvPr>
+          <p:cNvSpPr>
+            <a:spLocks noGrp="1"/>
+          </p:cNvSpPr>
+          <p:nvPr>
+            <p:ph type="title"/>
+          </p:nvPr>
+        </p:nvSpPr>
+        <p:spPr>
+          <a:xfrm>
+            <a:off x="831850" y="1709738"/>
+            <a:ext cx="10515600" cy="2852737"/>
+          </a:xfrm>
+        </p:spPr>
+        <p:txBody>
+          <a:bodyPr/>
+          <a:lstStyle/>
+          <a:p>
+            <a:pPr lvl="0" indent="0" marL="0">
+              <a:buNone/>
+            </a:pPr>
+            <a:r>
+              <a:rPr b="1"/>
+              <a:t>Associação</a:t>
+            </a:r>
+          </a:p>
+        </p:txBody>
+      </p:sp>
+    </p:spTree>
+  </p:cSld>
+</p:sld>
+</file>
+
 <file path=ppt/slides/slide61.xml><?xml version="1.0" encoding="utf-8"?>
 <p:sld xmlns:a="http://schemas.openxmlformats.org/drawingml/2006/main" xmlns:r="http://schemas.openxmlformats.org/officeDocument/2006/relationships" xmlns:p="http://schemas.openxmlformats.org/presentationml/2006/main">
   <p:cSld>
@@ -28506,7 +28600,7 @@
             </a:pPr>
             <a:r>
               <a:rPr/>
-              <a:t>Multivariável vs. Multivariada</a:t>
+              <a:t>Análise de associação</a:t>
             </a:r>
           </a:p>
         </p:txBody>
@@ -28545,99 +28639,7 @@
             </a:pPr>
             <a:r>
               <a:rPr b="1"/>
-              <a:t>O que são as análises de regressão simples, multivariável e multivariada?</a:t>
-            </a:r>
-          </a:p>
-          <a:p>
-            <a:pPr lvl="0"/>
-            <a:r>
-              <a:rPr/>
-              <a:t>A análise de regressão simples consiste em modelos estatísticos com 1 variável dependente (desfecho) e 1 variável independente (preditor).</a:t>
-            </a:r>
-            <a:r>
-              <a:rPr baseline="30000"/>
-              <a:t>85</a:t>
-            </a:r>
-          </a:p>
-          <a:p>
-            <a:pPr lvl="0"/>
-            <a:r>
-              <a:rPr/>
-              <a:t>A análise multivariável (ou múltiplo) consiste em modelos estatísticos com 1 variável dependente (desfecho) e duas ou mais variáveis independentes.</a:t>
-            </a:r>
-            <a:r>
-              <a:rPr baseline="30000"/>
-              <a:t>85</a:t>
-            </a:r>
-          </a:p>
-          <a:p>
-            <a:pPr lvl="0"/>
-            <a:r>
-              <a:rPr/>
-              <a:t>A análise multivariada consiste em modelos estatísticos com 2 ou mais variáveis dependente (desfechos) e duas ou mais variáveis independentes.</a:t>
-            </a:r>
-            <a:r>
-              <a:rPr baseline="30000"/>
-              <a:t>85</a:t>
-            </a:r>
-          </a:p>
-          <a:p>
-            <a:pPr lvl="0" indent="0" marL="0">
-              <a:buNone/>
-            </a:pPr>
-          </a:p>
-          <a:p>
-            <a:pPr lvl="0" indent="0" marL="0">
-              <a:buNone/>
-            </a:pPr>
-            <a:r>
-              <a:rPr/>
-              <a:t>O pacote </a:t>
-            </a:r>
-            <a:r>
-              <a:rPr i="1"/>
-              <a:t>modelsummary</a:t>
-            </a:r>
-            <a:r>
-              <a:rPr baseline="30000"/>
-              <a:t>86</a:t>
-            </a:r>
-            <a:r>
-              <a:rPr/>
-              <a:t> fornece as funções </a:t>
-            </a:r>
-            <a:r>
-              <a:rPr i="1"/>
-              <a:t>modelsummary</a:t>
-            </a:r>
-            <a:r>
-              <a:rPr/>
-              <a:t> e </a:t>
-            </a:r>
-            <a:r>
-              <a:rPr i="1"/>
-              <a:t>modelplot</a:t>
-            </a:r>
-            <a:r>
-              <a:rPr/>
-              <a:t> para gerar tabelas e gráficos de coeficientes de regressão. </a:t>
-            </a:r>
-          </a:p>
-          <a:p>
-            <a:pPr lvl="0" indent="0" marL="0">
-              <a:buNone/>
-            </a:pPr>
-          </a:p>
-          <a:p>
-            <a:pPr lvl="0" indent="0" marL="0">
-              <a:spcBef>
-                <a:spcPts val="3000"/>
-              </a:spcBef>
-              <a:buNone/>
-            </a:pPr>
-            <a:r>
-              <a:rPr b="1"/>
-              <a:t>Quais testes podem ser usados em análise de associação multivariável?</a:t>
+              <a:t>O que é análise de associação?</a:t>
             </a:r>
           </a:p>
           <a:p>
@@ -28707,7 +28709,7 @@
             </a:pPr>
             <a:r>
               <a:rPr/>
-              <a:t>Seleção de variáveis</a:t>
+              <a:t>Bivariável</a:t>
             </a:r>
           </a:p>
         </p:txBody>
@@ -28746,90 +28748,14 @@
             </a:pPr>
             <a:r>
               <a:rPr b="1"/>
-              <a:t>Correlação bivariada pode ser usada para seleção de variáveis em modelos de regressão multivariável?</a:t>
+              <a:t>O que são as análises de associação bivariável?</a:t>
             </a:r>
           </a:p>
           <a:p>
             <a:pPr lvl="0"/>
             <a:r>
               <a:rPr/>
-              <a:t>Seleção bivariada de variáveis - isto é, aplicação de testes de correlação em pares de variáveis candidatas e variável de desfecho afim de selecionar quais serão incluídas no modelo multivariável - é um dos erros mais comuns na literatura.</a:t>
-            </a:r>
-            <a:r>
-              <a:rPr baseline="30000"/>
-              <a:t>87,88</a:t>
-            </a:r>
-          </a:p>
-          <a:p>
-            <a:pPr lvl="0"/>
-            <a:r>
-              <a:rPr/>
-              <a:t>A seleção bivariada de variáveis torna o modelo mais suscetível a otimismo no ajuste se as variáveis de confundimento não são adequadamente controladas.</a:t>
-            </a:r>
-            <a:r>
-              <a:rPr baseline="30000"/>
-              <a:t>87,88</a:t>
-            </a:r>
-          </a:p>
-          <a:p>
-            <a:pPr lvl="0" indent="0" marL="0">
-              <a:buNone/>
-            </a:pPr>
-          </a:p>
-          <a:p>
-            <a:pPr lvl="0" indent="0" marL="0">
-              <a:spcBef>
-                <a:spcPts val="3000"/>
-              </a:spcBef>
-              <a:buNone/>
-            </a:pPr>
-            <a:r>
-              <a:rPr b="1"/>
-              <a:t>O que pode ser feito para reduzir o número de variáveis candidatas em modelos de regressão multivariável?</a:t>
-            </a:r>
-          </a:p>
-          <a:p>
-            <a:pPr lvl="0"/>
-            <a:r>
-              <a:rPr/>
-              <a:t>Verifique a existência de multicolinearidade entre as variáveis candidatas.</a:t>
-            </a:r>
-            <a:r>
-              <a:rPr baseline="30000"/>
-              <a:t>88</a:t>
-            </a:r>
-          </a:p>
-          <a:p>
-            <a:pPr lvl="0"/>
-            <a:r>
-              <a:rPr/>
-              <a:t>Em caso de uma proporção baixa entre o número de participantes e de variáveis, use o conhecimento prévio da literatura para selecionar um pequeno conjunto de variáveis candidatas.</a:t>
-            </a:r>
-            <a:r>
-              <a:rPr baseline="30000"/>
-              <a:t>88</a:t>
-            </a:r>
-          </a:p>
-          <a:p>
-            <a:pPr lvl="0"/>
-            <a:r>
-              <a:rPr/>
-              <a:t>Colapse categorias com contagem nula (células com valor igual a 0) de variáveis candidatas.</a:t>
-            </a:r>
-            <a:r>
-              <a:rPr baseline="30000"/>
-              <a:t>88</a:t>
-            </a:r>
-          </a:p>
-          <a:p>
-            <a:pPr lvl="0"/>
-            <a:r>
-              <a:rPr/>
-              <a:t>Use simulações de dados para identificar qual(is) variável(is) está(ão) causando problemas de convergência do ajuste do modelo.</a:t>
-            </a:r>
-            <a:r>
-              <a:rPr baseline="30000"/>
-              <a:t>88</a:t>
+              <a:t>.[REF]</a:t>
             </a:r>
           </a:p>
           <a:p>
@@ -28866,7 +28792,7 @@
           <p:cNvPr id="2" name="Title 1">
             <a:extLst>
               <a:ext uri="{FF2B5EF4-FFF2-40B4-BE49-F238E27FC236}">
-                <a16:creationId xmlns:a16="http://schemas.microsoft.com/office/drawing/2014/main" id="{28A92D45-5BAF-634B-BB37-8481089F9E28}"/>
+                <a16:creationId xmlns:a16="http://schemas.microsoft.com/office/drawing/2014/main" id="{0277F749-6ED4-3E49-963A-830033252F78}"/>
               </a:ext>
             </a:extLst>
           </p:cNvPr>
@@ -28879,8 +28805,8 @@
         </p:nvSpPr>
         <p:spPr>
           <a:xfrm>
-            <a:off x="831850" y="1709738"/>
-            <a:ext cx="10515600" cy="2852737"/>
+            <a:off x="0" y="17256"/>
+            <a:ext cx="10515600" cy="663782"/>
           </a:xfrm>
         </p:spPr>
         <p:txBody>
@@ -28891,9 +28817,152 @@
               <a:buNone/>
             </a:pPr>
             <a:r>
+              <a:rPr/>
+              <a:t>Multivariável vs. Multivariada</a:t>
+            </a:r>
+          </a:p>
+        </p:txBody>
+      </p:sp>
+      <p:sp>
+        <p:nvSpPr>
+          <p:cNvPr id="3" name="Content Placeholder 2">
+            <a:extLst>
+              <a:ext uri="{FF2B5EF4-FFF2-40B4-BE49-F238E27FC236}">
+                <a16:creationId xmlns:a16="http://schemas.microsoft.com/office/drawing/2014/main" id="{1574FA24-F1CC-B240-AAF9-A2DF684B1C54}"/>
+              </a:ext>
+            </a:extLst>
+          </p:cNvPr>
+          <p:cNvSpPr>
+            <a:spLocks noGrp="1"/>
+          </p:cNvSpPr>
+          <p:nvPr>
+            <p:ph idx="1"/>
+          </p:nvPr>
+        </p:nvSpPr>
+        <p:spPr/>
+        <p:txBody>
+          <a:bodyPr/>
+          <a:lstStyle/>
+          <a:p>
+            <a:pPr lvl="0" indent="0" marL="0">
+              <a:buNone/>
+            </a:pPr>
+          </a:p>
+          <a:p>
+            <a:pPr lvl="0" indent="0" marL="0">
+              <a:spcBef>
+                <a:spcPts val="3000"/>
+              </a:spcBef>
+              <a:buNone/>
+            </a:pPr>
+            <a:r>
               <a:rPr b="1"/>
-              <a:t>Desempenho diagnóstico</a:t>
-            </a:r>
+              <a:t>O que são as análises de regressão simples, multivariável e multivariada?</a:t>
+            </a:r>
+          </a:p>
+          <a:p>
+            <a:pPr lvl="0"/>
+            <a:r>
+              <a:rPr/>
+              <a:t>A análise de regressão simples consiste em modelos estatísticos com 1 variável dependente (desfecho) e 1 variável independente (preditor).</a:t>
+            </a:r>
+            <a:r>
+              <a:rPr baseline="30000"/>
+              <a:t>85</a:t>
+            </a:r>
+          </a:p>
+          <a:p>
+            <a:pPr lvl="0"/>
+            <a:r>
+              <a:rPr/>
+              <a:t>A análise multivariável (ou múltiplo) consiste em modelos estatísticos com 1 variável dependente (desfecho) e duas ou mais variáveis independentes.</a:t>
+            </a:r>
+            <a:r>
+              <a:rPr baseline="30000"/>
+              <a:t>85</a:t>
+            </a:r>
+          </a:p>
+          <a:p>
+            <a:pPr lvl="0"/>
+            <a:r>
+              <a:rPr/>
+              <a:t>A análise multivariada consiste em modelos estatísticos com 2 ou mais variáveis dependente (desfechos) e duas ou mais variáveis independentes.</a:t>
+            </a:r>
+            <a:r>
+              <a:rPr baseline="30000"/>
+              <a:t>85</a:t>
+            </a:r>
+          </a:p>
+          <a:p>
+            <a:pPr lvl="0" indent="0" marL="0">
+              <a:buNone/>
+            </a:pPr>
+          </a:p>
+          <a:p>
+            <a:pPr lvl="0" indent="0" marL="0">
+              <a:buNone/>
+            </a:pPr>
+            <a:r>
+              <a:rPr/>
+              <a:t>O pacote </a:t>
+            </a:r>
+            <a:r>
+              <a:rPr i="1"/>
+              <a:t>modelsummary</a:t>
+            </a:r>
+            <a:r>
+              <a:rPr baseline="30000"/>
+              <a:t>86</a:t>
+            </a:r>
+            <a:r>
+              <a:rPr/>
+              <a:t> fornece as funções </a:t>
+            </a:r>
+            <a:r>
+              <a:rPr i="1"/>
+              <a:t>modelsummary</a:t>
+            </a:r>
+            <a:r>
+              <a:rPr/>
+              <a:t> e </a:t>
+            </a:r>
+            <a:r>
+              <a:rPr i="1"/>
+              <a:t>modelplot</a:t>
+            </a:r>
+            <a:r>
+              <a:rPr/>
+              <a:t> para gerar tabelas e gráficos de coeficientes de regressão. </a:t>
+            </a:r>
+          </a:p>
+          <a:p>
+            <a:pPr lvl="0" indent="0" marL="0">
+              <a:buNone/>
+            </a:pPr>
+          </a:p>
+          <a:p>
+            <a:pPr lvl="0" indent="0" marL="0">
+              <a:spcBef>
+                <a:spcPts val="3000"/>
+              </a:spcBef>
+              <a:buNone/>
+            </a:pPr>
+            <a:r>
+              <a:rPr b="1"/>
+              <a:t>Quais testes podem ser usados em análise de associação multivariável?</a:t>
+            </a:r>
+          </a:p>
+          <a:p>
+            <a:pPr lvl="0"/>
+            <a:r>
+              <a:rPr/>
+              <a:t>.[REF]</a:t>
+            </a:r>
+          </a:p>
+          <a:p>
+            <a:pPr lvl="0" indent="0" marL="0">
+              <a:buNone/>
+            </a:pPr>
           </a:p>
         </p:txBody>
       </p:sp>
@@ -28950,7 +29019,7 @@
             </a:pPr>
             <a:r>
               <a:rPr/>
-              <a:t>Tabelas 2x2</a:t>
+              <a:t>Seleção de variáveis</a:t>
             </a:r>
           </a:p>
         </p:txBody>
@@ -28989,42 +29058,90 @@
             </a:pPr>
             <a:r>
               <a:rPr b="1"/>
-              <a:t>Como analisar o desempenho diagnóstico em tabelas 2x2?</a:t>
+              <a:t>Correlação bivariada pode ser usada para seleção de variáveis em modelos de regressão multivariável?</a:t>
             </a:r>
           </a:p>
           <a:p>
             <a:pPr lvl="0"/>
             <a:r>
               <a:rPr/>
-              <a:t>Acurácia.[REF]</a:t>
+              <a:t>Seleção bivariada de variáveis - isto é, aplicação de testes de correlação em pares de variáveis candidatas e variável de desfecho afim de selecionar quais serão incluídas no modelo multivariável - é um dos erros mais comuns na literatura.</a:t>
+            </a:r>
+            <a:r>
+              <a:rPr baseline="30000"/>
+              <a:t>87,88</a:t>
             </a:r>
           </a:p>
           <a:p>
             <a:pPr lvl="0"/>
             <a:r>
               <a:rPr/>
-              <a:t>Sensibilidade.[REF]</a:t>
+              <a:t>A seleção bivariada de variáveis torna o modelo mais suscetível a otimismo no ajuste se as variáveis de confundimento não são adequadamente controladas.</a:t>
+            </a:r>
+            <a:r>
+              <a:rPr baseline="30000"/>
+              <a:t>87,88</a:t>
+            </a:r>
+          </a:p>
+          <a:p>
+            <a:pPr lvl="0" indent="0" marL="0">
+              <a:buNone/>
+            </a:pPr>
+          </a:p>
+          <a:p>
+            <a:pPr lvl="0" indent="0" marL="0">
+              <a:spcBef>
+                <a:spcPts val="3000"/>
+              </a:spcBef>
+              <a:buNone/>
+            </a:pPr>
+            <a:r>
+              <a:rPr b="1"/>
+              <a:t>O que pode ser feito para reduzir o número de variáveis candidatas em modelos de regressão multivariável?</a:t>
             </a:r>
           </a:p>
           <a:p>
             <a:pPr lvl="0"/>
             <a:r>
               <a:rPr/>
-              <a:t>Especificidade.[REF]</a:t>
+              <a:t>Verifique a existência de multicolinearidade entre as variáveis candidatas.</a:t>
+            </a:r>
+            <a:r>
+              <a:rPr baseline="30000"/>
+              <a:t>88</a:t>
             </a:r>
           </a:p>
           <a:p>
             <a:pPr lvl="0"/>
             <a:r>
               <a:rPr/>
-              <a:t>Valor preditivo positivo.[REF]</a:t>
+              <a:t>Em caso de uma proporção baixa entre o número de participantes e de variáveis, use o conhecimento prévio da literatura para selecionar um pequeno conjunto de variáveis candidatas.</a:t>
+            </a:r>
+            <a:r>
+              <a:rPr baseline="30000"/>
+              <a:t>88</a:t>
             </a:r>
           </a:p>
           <a:p>
             <a:pPr lvl="0"/>
             <a:r>
               <a:rPr/>
-              <a:t>Valor preditivo negativo.[REF]</a:t>
+              <a:t>Colapse categorias com contagem nula (células com valor igual a 0) de variáveis candidatas.</a:t>
+            </a:r>
+            <a:r>
+              <a:rPr baseline="30000"/>
+              <a:t>88</a:t>
+            </a:r>
+          </a:p>
+          <a:p>
+            <a:pPr lvl="0"/>
+            <a:r>
+              <a:rPr/>
+              <a:t>Use simulações de dados para identificar qual(is) variável(is) está(ão) causando problemas de convergência do ajuste do modelo.</a:t>
+            </a:r>
+            <a:r>
+              <a:rPr baseline="30000"/>
+              <a:t>88</a:t>
             </a:r>
           </a:p>
           <a:p>
@@ -29040,6 +29157,64 @@
 </file>
 
 <file path=ppt/slides/slide65.xml><?xml version="1.0" encoding="utf-8"?>
+<p:sld xmlns:a="http://schemas.openxmlformats.org/drawingml/2006/main" xmlns:r="http://schemas.openxmlformats.org/officeDocument/2006/relationships" xmlns:p="http://schemas.openxmlformats.org/presentationml/2006/main">
+  <p:cSld>
+    <p:spTree>
+      <p:nvGrpSpPr>
+        <p:cNvPr id="1" name=""/>
+        <p:cNvGrpSpPr/>
+        <p:nvPr/>
+      </p:nvGrpSpPr>
+      <p:grpSpPr>
+        <a:xfrm>
+          <a:off x="0" y="0"/>
+          <a:ext cx="0" cy="0"/>
+          <a:chOff x="0" y="0"/>
+          <a:chExt cx="0" cy="0"/>
+        </a:xfrm>
+      </p:grpSpPr>
+      <p:sp>
+        <p:nvSpPr>
+          <p:cNvPr id="2" name="Title 1">
+            <a:extLst>
+              <a:ext uri="{FF2B5EF4-FFF2-40B4-BE49-F238E27FC236}">
+                <a16:creationId xmlns:a16="http://schemas.microsoft.com/office/drawing/2014/main" id="{28A92D45-5BAF-634B-BB37-8481089F9E28}"/>
+              </a:ext>
+            </a:extLst>
+          </p:cNvPr>
+          <p:cNvSpPr>
+            <a:spLocks noGrp="1"/>
+          </p:cNvSpPr>
+          <p:nvPr>
+            <p:ph type="title"/>
+          </p:nvPr>
+        </p:nvSpPr>
+        <p:spPr>
+          <a:xfrm>
+            <a:off x="831850" y="1709738"/>
+            <a:ext cx="10515600" cy="2852737"/>
+          </a:xfrm>
+        </p:spPr>
+        <p:txBody>
+          <a:bodyPr/>
+          <a:lstStyle/>
+          <a:p>
+            <a:pPr lvl="0" indent="0" marL="0">
+              <a:buNone/>
+            </a:pPr>
+            <a:r>
+              <a:rPr b="1"/>
+              <a:t>Desempenho diagnóstico</a:t>
+            </a:r>
+          </a:p>
+        </p:txBody>
+      </p:sp>
+    </p:spTree>
+  </p:cSld>
+</p:sld>
+</file>
+
+<file path=ppt/slides/slide66.xml><?xml version="1.0" encoding="utf-8"?>
 <p:sld xmlns:a="http://schemas.openxmlformats.org/drawingml/2006/main" xmlns:r="http://schemas.openxmlformats.org/officeDocument/2006/relationships" xmlns:p="http://schemas.openxmlformats.org/presentationml/2006/main">
   <p:cSld>
     <p:spTree>
@@ -29087,7 +29262,7 @@
             </a:pPr>
             <a:r>
               <a:rPr/>
-              <a:t>Curvas ROC</a:t>
+              <a:t>Tabelas 2x2</a:t>
             </a:r>
           </a:p>
         </p:txBody>
@@ -29126,82 +29301,48 @@
             </a:pPr>
             <a:r>
               <a:rPr b="1"/>
-              <a:t>Como analisar o desempenho diagnóstico em desfechos com distribuição trimodal na população?</a:t>
+              <a:t>Como analisar o desempenho diagnóstico em tabelas 2x2?</a:t>
             </a:r>
           </a:p>
           <a:p>
             <a:pPr lvl="0"/>
             <a:r>
               <a:rPr/>
-              <a:t>Limiares duplos podem ser utilizados para análise de desempenho diagnóstico de testes com distribuição trimodal.</a:t>
-            </a:r>
-            <a:r>
-              <a:rPr baseline="30000"/>
-              <a:t>89</a:t>
-            </a:r>
-          </a:p>
-          <a:p>
-            <a:pPr lvl="0" indent="0" marL="0">
-              <a:buNone/>
-            </a:pPr>
-          </a:p>
-        </p:txBody>
-      </p:sp>
-    </p:spTree>
-  </p:cSld>
-</p:sld>
-</file>
-
-<file path=ppt/slides/slide66.xml><?xml version="1.0" encoding="utf-8"?>
-<p:sld xmlns:a="http://schemas.openxmlformats.org/drawingml/2006/main" xmlns:r="http://schemas.openxmlformats.org/officeDocument/2006/relationships" xmlns:p="http://schemas.openxmlformats.org/presentationml/2006/main">
-  <p:cSld>
-    <p:spTree>
-      <p:nvGrpSpPr>
-        <p:cNvPr id="1" name=""/>
-        <p:cNvGrpSpPr/>
-        <p:nvPr/>
-      </p:nvGrpSpPr>
-      <p:grpSpPr>
-        <a:xfrm>
-          <a:off x="0" y="0"/>
-          <a:ext cx="0" cy="0"/>
-          <a:chOff x="0" y="0"/>
-          <a:chExt cx="0" cy="0"/>
-        </a:xfrm>
-      </p:grpSpPr>
-      <p:sp>
-        <p:nvSpPr>
-          <p:cNvPr id="2" name="Title 1">
-            <a:extLst>
-              <a:ext uri="{FF2B5EF4-FFF2-40B4-BE49-F238E27FC236}">
-                <a16:creationId xmlns:a16="http://schemas.microsoft.com/office/drawing/2014/main" id="{28A92D45-5BAF-634B-BB37-8481089F9E28}"/>
-              </a:ext>
-            </a:extLst>
-          </p:cNvPr>
-          <p:cNvSpPr>
-            <a:spLocks noGrp="1"/>
-          </p:cNvSpPr>
-          <p:nvPr>
-            <p:ph type="title"/>
-          </p:nvPr>
-        </p:nvSpPr>
-        <p:spPr>
-          <a:xfrm>
-            <a:off x="831850" y="1709738"/>
-            <a:ext cx="10515600" cy="2852737"/>
-          </a:xfrm>
-        </p:spPr>
-        <p:txBody>
-          <a:bodyPr/>
-          <a:lstStyle/>
-          <a:p>
-            <a:pPr lvl="0" indent="0" marL="0">
-              <a:buNone/>
-            </a:pPr>
-            <a:r>
-              <a:rPr b="1"/>
-              <a:t>Concordância e confiabilidade</a:t>
-            </a:r>
+              <a:t>Acurácia.[REF]</a:t>
+            </a:r>
+          </a:p>
+          <a:p>
+            <a:pPr lvl="0"/>
+            <a:r>
+              <a:rPr/>
+              <a:t>Sensibilidade.[REF]</a:t>
+            </a:r>
+          </a:p>
+          <a:p>
+            <a:pPr lvl="0"/>
+            <a:r>
+              <a:rPr/>
+              <a:t>Especificidade.[REF]</a:t>
+            </a:r>
+          </a:p>
+          <a:p>
+            <a:pPr lvl="0"/>
+            <a:r>
+              <a:rPr/>
+              <a:t>Valor preditivo positivo.[REF]</a:t>
+            </a:r>
+          </a:p>
+          <a:p>
+            <a:pPr lvl="0"/>
+            <a:r>
+              <a:rPr/>
+              <a:t>Valor preditivo negativo.[REF]</a:t>
+            </a:r>
+          </a:p>
+          <a:p>
+            <a:pPr lvl="0" indent="0" marL="0">
+              <a:buNone/>
+            </a:pPr>
           </a:p>
         </p:txBody>
       </p:sp>
@@ -29258,7 +29399,7 @@
             </a:pPr>
             <a:r>
               <a:rPr/>
-              <a:t>Problemas de pesquisa</a:t>
+              <a:t>Curvas ROC</a:t>
             </a:r>
           </a:p>
         </p:txBody>
@@ -29297,101 +29438,18 @@
             </a:pPr>
             <a:r>
               <a:rPr b="1"/>
-              <a:t>Quais problemas de pesquisa são investigados com estudos de conncordância e confiabilidade?</a:t>
+              <a:t>Como analisar o desempenho diagnóstico em desfechos com distribuição trimodal na população?</a:t>
             </a:r>
           </a:p>
           <a:p>
             <a:pPr lvl="0"/>
             <a:r>
               <a:rPr/>
-              <a:t>Quão reprodutíveis são as mensurações?</a:t>
+              <a:t>Limiares duplos podem ser utilizados para análise de desempenho diagnóstico de testes com distribuição trimodal.</a:t>
             </a:r>
             <a:r>
               <a:rPr baseline="30000"/>
-              <a:t>90</a:t>
-            </a:r>
-          </a:p>
-          <a:p>
-            <a:pPr lvl="0"/>
-            <a:r>
-              <a:rPr/>
-              <a:t>Os diferentes métodos medem a mesma coisa em média?</a:t>
-            </a:r>
-            <a:r>
-              <a:rPr baseline="30000"/>
-              <a:t>90</a:t>
-            </a:r>
-          </a:p>
-          <a:p>
-            <a:pPr lvl="0"/>
-            <a:r>
-              <a:rPr/>
-              <a:t>Existe viés entre as medidas de diferentes métodos (isto é, medem a mesma coisa em média)?</a:t>
-            </a:r>
-            <a:r>
-              <a:rPr baseline="30000"/>
-              <a:t>90</a:t>
-            </a:r>
-          </a:p>
-          <a:p>
-            <a:pPr lvl="0"/>
-            <a:r>
-              <a:rPr/>
-              <a:t>Um método pode substituir o outro?</a:t>
-            </a:r>
-            <a:r>
-              <a:rPr baseline="30000"/>
-              <a:t>90</a:t>
-            </a:r>
-          </a:p>
-          <a:p>
-            <a:pPr lvl="0" indent="0" marL="0">
-              <a:buNone/>
-            </a:pPr>
-          </a:p>
-          <a:p>
-            <a:pPr lvl="0" indent="0" marL="0">
-              <a:spcBef>
-                <a:spcPts val="3000"/>
-              </a:spcBef>
-              <a:buNone/>
-            </a:pPr>
-            <a:r>
-              <a:rPr b="1"/>
-              <a:t>Quais fontes de variabilidade comumente invetigadas?</a:t>
-            </a:r>
-          </a:p>
-          <a:p>
-            <a:pPr lvl="0"/>
-            <a:r>
-              <a:rPr/>
-              <a:t>Intra/Entre sujeitos.</a:t>
-            </a:r>
-            <a:r>
-              <a:rPr baseline="30000"/>
-              <a:t>90</a:t>
-            </a:r>
-          </a:p>
-          <a:p>
-            <a:pPr lvl="0"/>
-            <a:r>
-              <a:rPr/>
-              <a:t>Intra/Entre repetições.</a:t>
-            </a:r>
-            <a:r>
-              <a:rPr baseline="30000"/>
-              <a:t>90</a:t>
-            </a:r>
-          </a:p>
-          <a:p>
-            <a:pPr lvl="0"/>
-            <a:r>
-              <a:rPr/>
-              <a:t>Intra/Entre observadores.</a:t>
-            </a:r>
-            <a:r>
-              <a:rPr baseline="30000"/>
-              <a:t>90</a:t>
+              <a:t>89</a:t>
             </a:r>
           </a:p>
           <a:p>
@@ -29407,6 +29465,431 @@
 </file>
 
 <file path=ppt/slides/slide68.xml><?xml version="1.0" encoding="utf-8"?>
+<p:sld xmlns:a="http://schemas.openxmlformats.org/drawingml/2006/main" xmlns:r="http://schemas.openxmlformats.org/officeDocument/2006/relationships" xmlns:p="http://schemas.openxmlformats.org/presentationml/2006/main">
+  <p:cSld>
+    <p:spTree>
+      <p:nvGrpSpPr>
+        <p:cNvPr id="1" name=""/>
+        <p:cNvGrpSpPr/>
+        <p:nvPr/>
+      </p:nvGrpSpPr>
+      <p:grpSpPr>
+        <a:xfrm>
+          <a:off x="0" y="0"/>
+          <a:ext cx="0" cy="0"/>
+          <a:chOff x="0" y="0"/>
+          <a:chExt cx="0" cy="0"/>
+        </a:xfrm>
+      </p:grpSpPr>
+      <p:sp>
+        <p:nvSpPr>
+          <p:cNvPr id="2" name="Title 1">
+            <a:extLst>
+              <a:ext uri="{FF2B5EF4-FFF2-40B4-BE49-F238E27FC236}">
+                <a16:creationId xmlns:a16="http://schemas.microsoft.com/office/drawing/2014/main" id="{28A92D45-5BAF-634B-BB37-8481089F9E28}"/>
+              </a:ext>
+            </a:extLst>
+          </p:cNvPr>
+          <p:cNvSpPr>
+            <a:spLocks noGrp="1"/>
+          </p:cNvSpPr>
+          <p:nvPr>
+            <p:ph type="title"/>
+          </p:nvPr>
+        </p:nvSpPr>
+        <p:spPr>
+          <a:xfrm>
+            <a:off x="831850" y="1709738"/>
+            <a:ext cx="10515600" cy="2852737"/>
+          </a:xfrm>
+        </p:spPr>
+        <p:txBody>
+          <a:bodyPr/>
+          <a:lstStyle/>
+          <a:p>
+            <a:pPr lvl="0" indent="0" marL="0">
+              <a:buNone/>
+            </a:pPr>
+            <a:r>
+              <a:rPr b="1"/>
+              <a:t>Concordância e confiabilidade</a:t>
+            </a:r>
+          </a:p>
+        </p:txBody>
+      </p:sp>
+    </p:spTree>
+  </p:cSld>
+</p:sld>
+</file>
+
+<file path=ppt/slides/slide69.xml><?xml version="1.0" encoding="utf-8"?>
+<p:sld xmlns:a="http://schemas.openxmlformats.org/drawingml/2006/main" xmlns:r="http://schemas.openxmlformats.org/officeDocument/2006/relationships" xmlns:p="http://schemas.openxmlformats.org/presentationml/2006/main">
+  <p:cSld>
+    <p:spTree>
+      <p:nvGrpSpPr>
+        <p:cNvPr id="1" name=""/>
+        <p:cNvGrpSpPr/>
+        <p:nvPr/>
+      </p:nvGrpSpPr>
+      <p:grpSpPr>
+        <a:xfrm>
+          <a:off x="0" y="0"/>
+          <a:ext cx="0" cy="0"/>
+          <a:chOff x="0" y="0"/>
+          <a:chExt cx="0" cy="0"/>
+        </a:xfrm>
+      </p:grpSpPr>
+      <p:sp>
+        <p:nvSpPr>
+          <p:cNvPr id="2" name="Title 1">
+            <a:extLst>
+              <a:ext uri="{FF2B5EF4-FFF2-40B4-BE49-F238E27FC236}">
+                <a16:creationId xmlns:a16="http://schemas.microsoft.com/office/drawing/2014/main" id="{0277F749-6ED4-3E49-963A-830033252F78}"/>
+              </a:ext>
+            </a:extLst>
+          </p:cNvPr>
+          <p:cNvSpPr>
+            <a:spLocks noGrp="1"/>
+          </p:cNvSpPr>
+          <p:nvPr>
+            <p:ph type="title"/>
+          </p:nvPr>
+        </p:nvSpPr>
+        <p:spPr>
+          <a:xfrm>
+            <a:off x="0" y="17256"/>
+            <a:ext cx="10515600" cy="663782"/>
+          </a:xfrm>
+        </p:spPr>
+        <p:txBody>
+          <a:bodyPr/>
+          <a:lstStyle/>
+          <a:p>
+            <a:pPr lvl="0" indent="0" marL="0">
+              <a:buNone/>
+            </a:pPr>
+            <a:r>
+              <a:rPr/>
+              <a:t>Problemas de pesquisa</a:t>
+            </a:r>
+          </a:p>
+        </p:txBody>
+      </p:sp>
+      <p:sp>
+        <p:nvSpPr>
+          <p:cNvPr id="3" name="Content Placeholder 2">
+            <a:extLst>
+              <a:ext uri="{FF2B5EF4-FFF2-40B4-BE49-F238E27FC236}">
+                <a16:creationId xmlns:a16="http://schemas.microsoft.com/office/drawing/2014/main" id="{1574FA24-F1CC-B240-AAF9-A2DF684B1C54}"/>
+              </a:ext>
+            </a:extLst>
+          </p:cNvPr>
+          <p:cNvSpPr>
+            <a:spLocks noGrp="1"/>
+          </p:cNvSpPr>
+          <p:nvPr>
+            <p:ph idx="1"/>
+          </p:nvPr>
+        </p:nvSpPr>
+        <p:spPr/>
+        <p:txBody>
+          <a:bodyPr/>
+          <a:lstStyle/>
+          <a:p>
+            <a:pPr lvl="0" indent="0" marL="0">
+              <a:buNone/>
+            </a:pPr>
+          </a:p>
+          <a:p>
+            <a:pPr lvl="0" indent="0" marL="0">
+              <a:spcBef>
+                <a:spcPts val="3000"/>
+              </a:spcBef>
+              <a:buNone/>
+            </a:pPr>
+            <a:r>
+              <a:rPr b="1"/>
+              <a:t>Quais problemas de pesquisa são investigados com estudos de conncordância e confiabilidade?</a:t>
+            </a:r>
+          </a:p>
+          <a:p>
+            <a:pPr lvl="0"/>
+            <a:r>
+              <a:rPr/>
+              <a:t>Quão reprodutíveis são as mensurações?</a:t>
+            </a:r>
+            <a:r>
+              <a:rPr baseline="30000"/>
+              <a:t>90</a:t>
+            </a:r>
+          </a:p>
+          <a:p>
+            <a:pPr lvl="0"/>
+            <a:r>
+              <a:rPr/>
+              <a:t>Os diferentes métodos medem a mesma coisa em média?</a:t>
+            </a:r>
+            <a:r>
+              <a:rPr baseline="30000"/>
+              <a:t>90</a:t>
+            </a:r>
+          </a:p>
+          <a:p>
+            <a:pPr lvl="0"/>
+            <a:r>
+              <a:rPr/>
+              <a:t>Existe viés entre as medidas de diferentes métodos (isto é, medem a mesma coisa em média)?</a:t>
+            </a:r>
+            <a:r>
+              <a:rPr baseline="30000"/>
+              <a:t>90</a:t>
+            </a:r>
+          </a:p>
+          <a:p>
+            <a:pPr lvl="0"/>
+            <a:r>
+              <a:rPr/>
+              <a:t>Um método pode substituir o outro?</a:t>
+            </a:r>
+            <a:r>
+              <a:rPr baseline="30000"/>
+              <a:t>90</a:t>
+            </a:r>
+          </a:p>
+          <a:p>
+            <a:pPr lvl="0" indent="0" marL="0">
+              <a:buNone/>
+            </a:pPr>
+          </a:p>
+          <a:p>
+            <a:pPr lvl="0" indent="0" marL="0">
+              <a:spcBef>
+                <a:spcPts val="3000"/>
+              </a:spcBef>
+              <a:buNone/>
+            </a:pPr>
+            <a:r>
+              <a:rPr b="1"/>
+              <a:t>Quais fontes de variabilidade comumente invetigadas?</a:t>
+            </a:r>
+          </a:p>
+          <a:p>
+            <a:pPr lvl="0"/>
+            <a:r>
+              <a:rPr/>
+              <a:t>Intra/Entre sujeitos.</a:t>
+            </a:r>
+            <a:r>
+              <a:rPr baseline="30000"/>
+              <a:t>90</a:t>
+            </a:r>
+          </a:p>
+          <a:p>
+            <a:pPr lvl="0"/>
+            <a:r>
+              <a:rPr/>
+              <a:t>Intra/Entre repetições.</a:t>
+            </a:r>
+            <a:r>
+              <a:rPr baseline="30000"/>
+              <a:t>90</a:t>
+            </a:r>
+          </a:p>
+          <a:p>
+            <a:pPr lvl="0"/>
+            <a:r>
+              <a:rPr/>
+              <a:t>Intra/Entre observadores.</a:t>
+            </a:r>
+            <a:r>
+              <a:rPr baseline="30000"/>
+              <a:t>90</a:t>
+            </a:r>
+          </a:p>
+          <a:p>
+            <a:pPr lvl="0" indent="0" marL="0">
+              <a:buNone/>
+            </a:pPr>
+          </a:p>
+        </p:txBody>
+      </p:sp>
+    </p:spTree>
+  </p:cSld>
+</p:sld>
+</file>
+
+<file path=ppt/slides/slide7.xml><?xml version="1.0" encoding="utf-8"?>
+<p:sld xmlns:a="http://schemas.openxmlformats.org/drawingml/2006/main" xmlns:r="http://schemas.openxmlformats.org/officeDocument/2006/relationships" xmlns:p="http://schemas.openxmlformats.org/presentationml/2006/main">
+  <p:cSld>
+    <p:spTree>
+      <p:nvGrpSpPr>
+        <p:cNvPr id="1" name=""/>
+        <p:cNvGrpSpPr/>
+        <p:nvPr/>
+      </p:nvGrpSpPr>
+      <p:grpSpPr>
+        <a:xfrm>
+          <a:off x="0" y="0"/>
+          <a:ext cx="0" cy="0"/>
+          <a:chOff x="0" y="0"/>
+          <a:chExt cx="0" cy="0"/>
+        </a:xfrm>
+      </p:grpSpPr>
+      <p:sp>
+        <p:nvSpPr>
+          <p:cNvPr id="2" name="Content Placeholder 2">
+            <a:extLst>
+              <a:ext uri="{FF2B5EF4-FFF2-40B4-BE49-F238E27FC236}">
+                <a16:creationId xmlns:a16="http://schemas.microsoft.com/office/drawing/2014/main" id="{1574FA24-F1CC-B240-AAF9-A2DF684B1C54}"/>
+              </a:ext>
+            </a:extLst>
+          </p:cNvPr>
+          <p:cNvSpPr>
+            <a:spLocks noGrp="1"/>
+          </p:cNvSpPr>
+          <p:nvPr>
+            <p:ph idx="1"/>
+          </p:nvPr>
+        </p:nvSpPr>
+        <p:spPr/>
+        <p:txBody>
+          <a:bodyPr/>
+          <a:lstStyle/>
+          <a:p>
+            <a:pPr lvl="0" indent="0" marL="0">
+              <a:buNone/>
+            </a:pPr>
+          </a:p>
+          <a:p>
+            <a:pPr lvl="0" indent="0" marL="0">
+              <a:buNone/>
+            </a:pPr>
+            <a:r>
+              <a:rPr/>
+              <a:t>No âmbito da análise estatística de dados, os processos envolvidos são marcados por uma série de escolhas críticas. Estas decisões abrangem considerações metodológicas e ações operacionais que moldam toda a jornada analítica. Deve-se selecionar, cuidadosamente, um delineamento de estudo para enfrentar os desafios únicos colocados por um projeto de pesquisa. Além disso, a escolha de métodos estatísticos adequados para lidar com os dados gerados pelo delineamento escolhido tem um peso importante. Estas decisões necessitam de uma base construída sobre as evidências mais convincentes da literatura existente e na adesão a práticas sólidas de investigação.</a:t>
+            </a:r>
+          </a:p>
+          <a:p>
+            <a:pPr lvl="0" indent="0" marL="0">
+              <a:buNone/>
+            </a:pPr>
+            <a:r>
+              <a:rPr/>
+              <a:t>Interpretar os resultados destas análises não é uma tarefa simples. Confiar apenas na formação educacional convencional, no bom senso e na intuição para decifrar tabelas e gráficos pode revelar-se inadequado. Interpretações errôneas podem gerar consequências indesejáveis, incluindo a utilização de testes diagnósticos imprecisos ou o endosso de tratamentos ineficazes.</a:t>
+            </a:r>
+          </a:p>
+          <a:p>
+            <a:pPr lvl="0" indent="0" marL="0">
+              <a:buNone/>
+            </a:pPr>
+            <a:r>
+              <a:rPr/>
+              <a:t>Este livro emerge do reconhecimento desses desafios.</a:t>
+            </a:r>
+          </a:p>
+          <a:p>
+            <a:pPr lvl="0" indent="0" marL="0">
+              <a:buNone/>
+            </a:pPr>
+            <a:r>
+              <a:rPr/>
+              <a:t>A proposta gira em torno da organização de um compêndio abrangente de métodos e técnicas de análise estaatística de dados de ponta em pesquisa científica, apresentados em formato de perguntas e respostas. Esse formato promove um diálogo direto e objetivo com o leitor, respondendo a dúvidas comumente colocadas por alunos de graduação, pós-graduação, mestrado e doutorado, bem como por pesquisadores.</a:t>
+            </a:r>
+          </a:p>
+          <a:p>
+            <a:pPr lvl="0" indent="0" marL="0">
+              <a:buNone/>
+            </a:pPr>
+            <a:r>
+              <a:rPr/>
+              <a:t>O objetivo geral de cada capítulo é elucidar questões fundamentais: </a:t>
+            </a:r>
+            <a:r>
+              <a:rPr i="1"/>
+              <a:t>“O que é?”</a:t>
+            </a:r>
+            <a:r>
+              <a:rPr/>
+              <a:t>, </a:t>
+            </a:r>
+            <a:r>
+              <a:rPr i="1"/>
+              <a:t>“Por que usar?”</a:t>
+            </a:r>
+            <a:r>
+              <a:rPr/>
+              <a:t>, </a:t>
+            </a:r>
+            <a:r>
+              <a:rPr i="1"/>
+              <a:t>“Quando usar?”</a:t>
+            </a:r>
+            <a:r>
+              <a:rPr/>
+              <a:t>, </a:t>
+            </a:r>
+            <a:r>
+              <a:rPr i="1"/>
+              <a:t>“Quando não usar?”</a:t>
+            </a:r>
+            <a:r>
+              <a:rPr/>
+              <a:t> e </a:t>
+            </a:r>
+            <a:r>
+              <a:rPr i="1"/>
+              <a:t>“Como fazer?”</a:t>
+            </a:r>
+            <a:r>
+              <a:rPr/>
+              <a:t>. Em cada capítulo, questões específicas são propostas e respondidas sistematicamente, permitindo uma maior elaboração.</a:t>
+            </a:r>
+          </a:p>
+          <a:p>
+            <a:pPr lvl="0" indent="0" marL="0">
+              <a:buNone/>
+            </a:pPr>
+            <a:r>
+              <a:rPr/>
+              <a:t>Os capítulos foramorganizados para seguir uma progressão de conceitos e aplicações. Embora sejam fragmentados para maior clareza instrucional, as referências cruzadas ajudam a mitigar a fragmentação do conteúdo e reforçar a interconexão dos tópicos.</a:t>
+            </a:r>
+          </a:p>
+          <a:p>
+            <a:pPr lvl="0" indent="0" marL="0">
+              <a:buNone/>
+            </a:pPr>
+            <a:r>
+              <a:rPr/>
+              <a:t>O público-alvo compreende pesquisadores, professores, analistas de dados, profissionais e estudantes que regularmente lidam com a tomada de decisões em pesquisa. Os estudantes de pós-graduação encontrarão aqui uma obra repleta de exemplos para adaptar na análise dos dados de seus projetos de pesquisa. Professores terão acesso a uma obra didática de referência, direcionada para alunos de graduação e pós-graduação. Pesquisadores e analistas de dados descobrirão um valioso acervo de informações e referências para a construção de projetos e manuscritos. Pesquisadores experientes podem recorrer às referências e esclarecimentos mais atuais sobre viéses, paradoxos, mitos e malpráticas em pesquisa. Além disso, os leitores não familiarizados ainda com pesquisa terão a oportunidade de apreciar o papel fundamental de colocar e responder perguntas na busca do conhecimento científico.</a:t>
+            </a:r>
+          </a:p>
+          <a:p>
+            <a:pPr lvl="0" indent="0" marL="0">
+              <a:buNone/>
+            </a:pPr>
+          </a:p>
+          <a:p>
+            <a:pPr lvl="0" indent="0" marL="0">
+              <a:buNone/>
+            </a:pPr>
+            <a:r>
+              <a:rPr/>
+              <a:t>Arthur de Sá Ferreira, DSc.</a:t>
+            </a:r>
+          </a:p>
+          <a:p>
+            <a:pPr lvl="0" indent="0" marL="0">
+              <a:buNone/>
+            </a:pPr>
+          </a:p>
+        </p:txBody>
+      </p:sp>
+    </p:spTree>
+  </p:cSld>
+</p:sld>
+</file>
+
+<file path=ppt/slides/slide70.xml><?xml version="1.0" encoding="utf-8"?>
 <p:sld xmlns:a="http://schemas.openxmlformats.org/drawingml/2006/main" xmlns:r="http://schemas.openxmlformats.org/officeDocument/2006/relationships" xmlns:p="http://schemas.openxmlformats.org/presentationml/2006/main">
   <p:cSld>
     <p:spTree>
@@ -29716,320 +30199,6 @@
 </p:sld>
 </file>
 
-<file path=ppt/slides/slide69.xml><?xml version="1.0" encoding="utf-8"?>
-<p:sld xmlns:a="http://schemas.openxmlformats.org/drawingml/2006/main" xmlns:r="http://schemas.openxmlformats.org/officeDocument/2006/relationships" xmlns:p="http://schemas.openxmlformats.org/presentationml/2006/main">
-  <p:cSld>
-    <p:spTree>
-      <p:nvGrpSpPr>
-        <p:cNvPr id="1" name=""/>
-        <p:cNvGrpSpPr/>
-        <p:nvPr/>
-      </p:nvGrpSpPr>
-      <p:grpSpPr>
-        <a:xfrm>
-          <a:off x="0" y="0"/>
-          <a:ext cx="0" cy="0"/>
-          <a:chOff x="0" y="0"/>
-          <a:chExt cx="0" cy="0"/>
-        </a:xfrm>
-      </p:grpSpPr>
-      <p:sp>
-        <p:nvSpPr>
-          <p:cNvPr id="2" name="Title 1">
-            <a:extLst>
-              <a:ext uri="{FF2B5EF4-FFF2-40B4-BE49-F238E27FC236}">
-                <a16:creationId xmlns:a16="http://schemas.microsoft.com/office/drawing/2014/main" id="{0277F749-6ED4-3E49-963A-830033252F78}"/>
-              </a:ext>
-            </a:extLst>
-          </p:cNvPr>
-          <p:cNvSpPr>
-            <a:spLocks noGrp="1"/>
-          </p:cNvSpPr>
-          <p:nvPr>
-            <p:ph type="title"/>
-          </p:nvPr>
-        </p:nvSpPr>
-        <p:spPr>
-          <a:xfrm>
-            <a:off x="0" y="17256"/>
-            <a:ext cx="10515600" cy="663782"/>
-          </a:xfrm>
-        </p:spPr>
-        <p:txBody>
-          <a:bodyPr/>
-          <a:lstStyle/>
-          <a:p>
-            <a:pPr lvl="0" indent="0" marL="0">
-              <a:buNone/>
-            </a:pPr>
-            <a:r>
-              <a:rPr/>
-              <a:t>Confiabilidade</a:t>
-            </a:r>
-          </a:p>
-        </p:txBody>
-      </p:sp>
-      <p:sp>
-        <p:nvSpPr>
-          <p:cNvPr id="3" name="Content Placeholder 2">
-            <a:extLst>
-              <a:ext uri="{FF2B5EF4-FFF2-40B4-BE49-F238E27FC236}">
-                <a16:creationId xmlns:a16="http://schemas.microsoft.com/office/drawing/2014/main" id="{1574FA24-F1CC-B240-AAF9-A2DF684B1C54}"/>
-              </a:ext>
-            </a:extLst>
-          </p:cNvPr>
-          <p:cNvSpPr>
-            <a:spLocks noGrp="1"/>
-          </p:cNvSpPr>
-          <p:nvPr>
-            <p:ph idx="1"/>
-          </p:nvPr>
-        </p:nvSpPr>
-        <p:spPr/>
-        <p:txBody>
-          <a:bodyPr/>
-          <a:lstStyle/>
-          <a:p>
-            <a:pPr lvl="0" indent="0" marL="0">
-              <a:buNone/>
-            </a:pPr>
-          </a:p>
-        </p:txBody>
-      </p:sp>
-    </p:spTree>
-  </p:cSld>
-</p:sld>
-</file>
-
-<file path=ppt/slides/slide7.xml><?xml version="1.0" encoding="utf-8"?>
-<p:sld xmlns:a="http://schemas.openxmlformats.org/drawingml/2006/main" xmlns:r="http://schemas.openxmlformats.org/officeDocument/2006/relationships" xmlns:p="http://schemas.openxmlformats.org/presentationml/2006/main">
-  <p:cSld>
-    <p:spTree>
-      <p:nvGrpSpPr>
-        <p:cNvPr id="1" name=""/>
-        <p:cNvGrpSpPr/>
-        <p:nvPr/>
-      </p:nvGrpSpPr>
-      <p:grpSpPr>
-        <a:xfrm>
-          <a:off x="0" y="0"/>
-          <a:ext cx="0" cy="0"/>
-          <a:chOff x="0" y="0"/>
-          <a:chExt cx="0" cy="0"/>
-        </a:xfrm>
-      </p:grpSpPr>
-      <p:sp>
-        <p:nvSpPr>
-          <p:cNvPr id="2" name="Content Placeholder 2">
-            <a:extLst>
-              <a:ext uri="{FF2B5EF4-FFF2-40B4-BE49-F238E27FC236}">
-                <a16:creationId xmlns:a16="http://schemas.microsoft.com/office/drawing/2014/main" id="{1574FA24-F1CC-B240-AAF9-A2DF684B1C54}"/>
-              </a:ext>
-            </a:extLst>
-          </p:cNvPr>
-          <p:cNvSpPr>
-            <a:spLocks noGrp="1"/>
-          </p:cNvSpPr>
-          <p:nvPr>
-            <p:ph idx="1"/>
-          </p:nvPr>
-        </p:nvSpPr>
-        <p:spPr/>
-        <p:txBody>
-          <a:bodyPr/>
-          <a:lstStyle/>
-          <a:p>
-            <a:pPr lvl="0" indent="0" marL="0">
-              <a:buNone/>
-            </a:pPr>
-          </a:p>
-          <a:p>
-            <a:pPr lvl="0" indent="0" marL="0">
-              <a:buNone/>
-            </a:pPr>
-            <a:r>
-              <a:rPr/>
-              <a:t>No âmbito da análise estatística de dados, os processos envolvidos são marcados por uma série de escolhas críticas. Estas decisões abrangem considerações metodológicas e ações operacionais que moldam toda a jornada analítica. Deve-se selecionar, cuidadosamente, um delineamento de estudo para enfrentar os desafios únicos colocados por um projeto de pesquisa. Além disso, a escolha de métodos estatísticos adequados para lidar com os dados gerados pelo delineamento escolhido tem um peso importante. Estas decisões necessitam de uma base construída sobre as evidências mais convincentes da literatura existente e na adesão a práticas sólidas de investigação.</a:t>
-            </a:r>
-          </a:p>
-          <a:p>
-            <a:pPr lvl="0" indent="0" marL="0">
-              <a:buNone/>
-            </a:pPr>
-            <a:r>
-              <a:rPr/>
-              <a:t>Interpretar os resultados destas análises não é uma tarefa simples. Confiar apenas na formação educacional convencional, no bom senso e na intuição para decifrar tabelas e gráficos pode revelar-se inadequado. Interpretações errôneas podem gerar consequências indesejáveis, incluindo a utilização de testes diagnósticos imprecisos ou o endosso de tratamentos ineficazes.</a:t>
-            </a:r>
-          </a:p>
-          <a:p>
-            <a:pPr lvl="0" indent="0" marL="0">
-              <a:buNone/>
-            </a:pPr>
-            <a:r>
-              <a:rPr/>
-              <a:t>Este livro emerge do reconhecimento desses desafios.</a:t>
-            </a:r>
-          </a:p>
-          <a:p>
-            <a:pPr lvl="0" indent="0" marL="0">
-              <a:buNone/>
-            </a:pPr>
-            <a:r>
-              <a:rPr/>
-              <a:t>A proposta gira em torno da organização de um compêndio abrangente de métodos e técnicas de análise estaatística de dados de ponta em pesquisa científica, apresentados em formato de perguntas e respostas. Esse formato promove um diálogo direto e objetivo com o leitor, respondendo a dúvidas comumente colocadas por alunos de graduação, pós-graduação, mestrado e doutorado, bem como por pesquisadores.</a:t>
-            </a:r>
-          </a:p>
-          <a:p>
-            <a:pPr lvl="0" indent="0" marL="0">
-              <a:buNone/>
-            </a:pPr>
-            <a:r>
-              <a:rPr/>
-              <a:t>O objetivo geral de cada capítulo é elucidar questões fundamentais: </a:t>
-            </a:r>
-            <a:r>
-              <a:rPr i="1"/>
-              <a:t>“O que é?”</a:t>
-            </a:r>
-            <a:r>
-              <a:rPr/>
-              <a:t>, </a:t>
-            </a:r>
-            <a:r>
-              <a:rPr i="1"/>
-              <a:t>“Por que usar?”</a:t>
-            </a:r>
-            <a:r>
-              <a:rPr/>
-              <a:t>, </a:t>
-            </a:r>
-            <a:r>
-              <a:rPr i="1"/>
-              <a:t>“Quando usar?”</a:t>
-            </a:r>
-            <a:r>
-              <a:rPr/>
-              <a:t>, </a:t>
-            </a:r>
-            <a:r>
-              <a:rPr i="1"/>
-              <a:t>“Quando não usar?”</a:t>
-            </a:r>
-            <a:r>
-              <a:rPr/>
-              <a:t> e </a:t>
-            </a:r>
-            <a:r>
-              <a:rPr i="1"/>
-              <a:t>“Como fazer?”</a:t>
-            </a:r>
-            <a:r>
-              <a:rPr/>
-              <a:t>. Em cada capítulo, questões específicas são propostas e respondidas sistematicamente, permitindo uma maior elaboração.</a:t>
-            </a:r>
-          </a:p>
-          <a:p>
-            <a:pPr lvl="0" indent="0" marL="0">
-              <a:buNone/>
-            </a:pPr>
-            <a:r>
-              <a:rPr/>
-              <a:t>Os capítulos foramorganizados para seguir uma progressão de conceitos e aplicações. Embora sejam fragmentados para maior clareza instrucional, as referências cruzadas ajudam a mitigar a fragmentação do conteúdo e reforçar a interconexão dos tópicos.</a:t>
-            </a:r>
-          </a:p>
-          <a:p>
-            <a:pPr lvl="0" indent="0" marL="0">
-              <a:buNone/>
-            </a:pPr>
-            <a:r>
-              <a:rPr/>
-              <a:t>O público-alvo compreende pesquisadores, professores, analistas de dados, profissionais e estudantes que regularmente lidam com a tomada de decisões em pesquisa. Os estudantes de pós-graduação encontrarão aqui uma obra repleta de exemplos para adaptar na análise dos dados de seus projetos de pesquisa. Professores terão acesso a uma obra didática de referência, direcionada para alunos de graduação e pós-graduação. Pesquisadores e analistas de dados descobrirão um valioso acervo de informações e referências para a construção de projetos e manuscritos. Pesquisadores experientes podem recorrer às referências e esclarecimentos mais atuais sobre viéses, paradoxos, mitos e malpráticas em pesquisa. Além disso, os leitores não familiarizados ainda com pesquisa terão a oportunidade de apreciar o papel fundamental de colocar e responder perguntas na busca do conhecimento científico.</a:t>
-            </a:r>
-          </a:p>
-          <a:p>
-            <a:pPr lvl="0" indent="0" marL="0">
-              <a:buNone/>
-            </a:pPr>
-          </a:p>
-          <a:p>
-            <a:pPr lvl="0" indent="0" marL="0">
-              <a:buNone/>
-            </a:pPr>
-            <a:r>
-              <a:rPr/>
-              <a:t>Arthur de Sá Ferreira, DSc.</a:t>
-            </a:r>
-          </a:p>
-          <a:p>
-            <a:pPr lvl="0" indent="0" marL="0">
-              <a:buNone/>
-            </a:pPr>
-          </a:p>
-        </p:txBody>
-      </p:sp>
-    </p:spTree>
-  </p:cSld>
-</p:sld>
-</file>
-
-<file path=ppt/slides/slide70.xml><?xml version="1.0" encoding="utf-8"?>
-<p:sld xmlns:a="http://schemas.openxmlformats.org/drawingml/2006/main" xmlns:r="http://schemas.openxmlformats.org/officeDocument/2006/relationships" xmlns:p="http://schemas.openxmlformats.org/presentationml/2006/main">
-  <p:cSld>
-    <p:spTree>
-      <p:nvGrpSpPr>
-        <p:cNvPr id="1" name=""/>
-        <p:cNvGrpSpPr/>
-        <p:nvPr/>
-      </p:nvGrpSpPr>
-      <p:grpSpPr>
-        <a:xfrm>
-          <a:off x="0" y="0"/>
-          <a:ext cx="0" cy="0"/>
-          <a:chOff x="0" y="0"/>
-          <a:chExt cx="0" cy="0"/>
-        </a:xfrm>
-      </p:grpSpPr>
-      <p:sp>
-        <p:nvSpPr>
-          <p:cNvPr id="2" name="Title 1">
-            <a:extLst>
-              <a:ext uri="{FF2B5EF4-FFF2-40B4-BE49-F238E27FC236}">
-                <a16:creationId xmlns:a16="http://schemas.microsoft.com/office/drawing/2014/main" id="{28A92D45-5BAF-634B-BB37-8481089F9E28}"/>
-              </a:ext>
-            </a:extLst>
-          </p:cNvPr>
-          <p:cNvSpPr>
-            <a:spLocks noGrp="1"/>
-          </p:cNvSpPr>
-          <p:nvPr>
-            <p:ph type="title"/>
-          </p:nvPr>
-        </p:nvSpPr>
-        <p:spPr>
-          <a:xfrm>
-            <a:off x="831850" y="1709738"/>
-            <a:ext cx="10515600" cy="2852737"/>
-          </a:xfrm>
-        </p:spPr>
-        <p:txBody>
-          <a:bodyPr/>
-          <a:lstStyle/>
-          <a:p>
-            <a:pPr lvl="0" indent="0" marL="0">
-              <a:buNone/>
-            </a:pPr>
-            <a:r>
-              <a:rPr b="1"/>
-              <a:t>Paradoxos estatísticos</a:t>
-            </a:r>
-          </a:p>
-        </p:txBody>
-      </p:sp>
-    </p:spTree>
-  </p:cSld>
-</p:sld>
-</file>
-
 <file path=ppt/slides/slide71.xml><?xml version="1.0" encoding="utf-8"?>
 <p:sld xmlns:a="http://schemas.openxmlformats.org/drawingml/2006/main" xmlns:r="http://schemas.openxmlformats.org/officeDocument/2006/relationships" xmlns:p="http://schemas.openxmlformats.org/presentationml/2006/main">
   <p:cSld>
@@ -30078,7 +30247,7 @@
             </a:pPr>
             <a:r>
               <a:rPr/>
-              <a:t>Paradoxos estatísticos</a:t>
+              <a:t>Confiabilidade</a:t>
             </a:r>
           </a:p>
         </p:txBody>
@@ -30103,30 +30272,6 @@
         <p:txBody>
           <a:bodyPr/>
           <a:lstStyle/>
-          <a:p>
-            <a:pPr lvl="0" indent="0" marL="0">
-              <a:buNone/>
-            </a:pPr>
-          </a:p>
-          <a:p>
-            <a:pPr lvl="0" indent="0" marL="0">
-              <a:spcBef>
-                <a:spcPts val="3000"/>
-              </a:spcBef>
-              <a:buNone/>
-            </a:pPr>
-            <a:r>
-              <a:rPr b="1"/>
-              <a:t>O que são paradoxos estatísticos?</a:t>
-            </a:r>
-          </a:p>
-          <a:p>
-            <a:pPr lvl="0"/>
-            <a:r>
-              <a:rPr/>
-              <a:t>.[REF]</a:t>
-            </a:r>
-          </a:p>
           <a:p>
             <a:pPr lvl="0" indent="0" marL="0">
               <a:buNone/>
@@ -30187,7 +30332,7 @@
             </a:pPr>
             <a:r>
               <a:rPr b="1"/>
-              <a:t>Delineamento de estudos</a:t>
+              <a:t>Paradoxos estatísticos</a:t>
             </a:r>
           </a:p>
         </p:txBody>
@@ -30245,7 +30390,7 @@
             </a:pPr>
             <a:r>
               <a:rPr/>
-              <a:t>Classificação</a:t>
+              <a:t>Paradoxos estatísticos</a:t>
             </a:r>
           </a:p>
         </p:txBody>
@@ -30284,590 +30429,14 @@
             </a:pPr>
             <a:r>
               <a:rPr b="1"/>
-              <a:t>Como podem ser classificados os estudos científicos?</a:t>
+              <a:t>O que são paradoxos estatísticos?</a:t>
             </a:r>
           </a:p>
           <a:p>
             <a:pPr lvl="0"/>
             <a:r>
               <a:rPr/>
-              <a:t>Estudos científicos podem ser classificados em </a:t>
-            </a:r>
-            <a:r>
-              <a:rPr i="1"/>
-              <a:t>básicos</a:t>
-            </a:r>
-            <a:r>
-              <a:rPr/>
-              <a:t>, </a:t>
-            </a:r>
-            <a:r>
-              <a:rPr i="1"/>
-              <a:t>observacionais</a:t>
-            </a:r>
-            <a:r>
-              <a:rPr/>
-              <a:t>, </a:t>
-            </a:r>
-            <a:r>
-              <a:rPr i="1"/>
-              <a:t>experimentais</a:t>
-            </a:r>
-            <a:r>
-              <a:rPr/>
-              <a:t>, </a:t>
-            </a:r>
-            <a:r>
-              <a:rPr i="1"/>
-              <a:t>acurácia diagnóstica</a:t>
-            </a:r>
-            <a:r>
-              <a:rPr/>
-              <a:t>, </a:t>
-            </a:r>
-            <a:r>
-              <a:rPr i="1"/>
-              <a:t>propriedades psicométricas</a:t>
-            </a:r>
-            <a:r>
-              <a:rPr/>
-              <a:t>, </a:t>
-            </a:r>
-            <a:r>
-              <a:rPr i="1"/>
-              <a:t>avaliação econômica</a:t>
-            </a:r>
-            <a:r>
-              <a:rPr/>
-              <a:t> e </a:t>
-            </a:r>
-            <a:r>
-              <a:rPr i="1"/>
-              <a:t>revisões de literatura</a:t>
-            </a:r>
-            <a:r>
-              <a:rPr/>
-              <a:t>:</a:t>
-            </a:r>
-            <a:r>
-              <a:rPr baseline="30000"/>
-              <a:t>91–100</a:t>
-            </a:r>
-          </a:p>
-          <a:p>
-            <a:pPr lvl="0"/>
-            <a:r>
-              <a:rPr i="1"/>
-              <a:t>Estudos básicos</a:t>
-            </a:r>
-            <a:r>
-              <a:rPr baseline="30000"/>
-              <a:t>92,97</a:t>
-            </a:r>
-          </a:p>
-          <a:p>
-            <a:pPr lvl="1"/>
-            <a:r>
-              <a:rPr/>
-              <a:t>Genética</a:t>
-            </a:r>
-          </a:p>
-          <a:p>
-            <a:pPr lvl="1"/>
-            <a:r>
-              <a:rPr/>
-              <a:t>Celular</a:t>
-            </a:r>
-          </a:p>
-          <a:p>
-            <a:pPr lvl="1"/>
-            <a:r>
-              <a:rPr/>
-              <a:t>Experimentos com animais</a:t>
-            </a:r>
-          </a:p>
-          <a:p>
-            <a:pPr lvl="1"/>
-            <a:r>
-              <a:rPr/>
-              <a:t>Desenvolvimento de métodos</a:t>
-            </a:r>
-          </a:p>
-          <a:p>
-            <a:pPr lvl="0"/>
-            <a:r>
-              <a:rPr i="1"/>
-              <a:t>Estudos de simulação computacional</a:t>
-            </a:r>
-            <a:r>
-              <a:rPr baseline="30000"/>
-              <a:t>98,100</a:t>
-            </a:r>
-          </a:p>
-          <a:p>
-            <a:pPr lvl="0"/>
-            <a:r>
-              <a:rPr i="1"/>
-              <a:t>Estudos observacionais</a:t>
-            </a:r>
-            <a:r>
-              <a:rPr baseline="30000"/>
-              <a:t>92,97</a:t>
-            </a:r>
-          </a:p>
-          <a:p>
-            <a:pPr lvl="1"/>
-            <a:r>
-              <a:rPr/>
-              <a:t>Descritivo</a:t>
-            </a:r>
-          </a:p>
-          <a:p>
-            <a:pPr lvl="2"/>
-            <a:r>
-              <a:rPr/>
-              <a:t>Estudo de caso</a:t>
-            </a:r>
-          </a:p>
-          <a:p>
-            <a:pPr lvl="2"/>
-            <a:r>
-              <a:rPr/>
-              <a:t>Série de casos</a:t>
-            </a:r>
-          </a:p>
-          <a:p>
-            <a:pPr lvl="2"/>
-            <a:r>
-              <a:rPr/>
-              <a:t>Transversal</a:t>
-            </a:r>
-          </a:p>
-          <a:p>
-            <a:pPr lvl="1"/>
-            <a:r>
-              <a:rPr/>
-              <a:t>Analítico</a:t>
-            </a:r>
-          </a:p>
-          <a:p>
-            <a:pPr lvl="2"/>
-            <a:r>
-              <a:rPr/>
-              <a:t>Transversal</a:t>
-            </a:r>
-          </a:p>
-          <a:p>
-            <a:pPr lvl="2"/>
-            <a:r>
-              <a:rPr/>
-              <a:t>Caso-Controle</a:t>
-            </a:r>
-          </a:p>
-          <a:p>
-            <a:pPr lvl="3"/>
-            <a:r>
-              <a:rPr/>
-              <a:t>Caso-Controle aninhado</a:t>
-            </a:r>
-          </a:p>
-          <a:p>
-            <a:pPr lvl="3"/>
-            <a:r>
-              <a:rPr/>
-              <a:t>Caso-Coorte</a:t>
-            </a:r>
-          </a:p>
-          <a:p>
-            <a:pPr lvl="1"/>
-            <a:r>
-              <a:rPr/>
-              <a:t>Coorte prospectiva ou retrospectiva</a:t>
-            </a:r>
-          </a:p>
-          <a:p>
-            <a:pPr lvl="0"/>
-            <a:r>
-              <a:rPr i="1"/>
-              <a:t>Estudos de acurácia diagnóstica</a:t>
-            </a:r>
-            <a:r>
-              <a:rPr baseline="30000"/>
-              <a:t>96,99</a:t>
-            </a:r>
-          </a:p>
-          <a:p>
-            <a:pPr lvl="1"/>
-            <a:r>
-              <a:rPr/>
-              <a:t>Transversal</a:t>
-            </a:r>
-          </a:p>
-          <a:p>
-            <a:pPr lvl="1"/>
-            <a:r>
-              <a:rPr/>
-              <a:t>Caso-Controle</a:t>
-            </a:r>
-          </a:p>
-          <a:p>
-            <a:pPr lvl="1"/>
-            <a:r>
-              <a:rPr/>
-              <a:t>Comparativo</a:t>
-            </a:r>
-          </a:p>
-          <a:p>
-            <a:pPr lvl="1"/>
-            <a:r>
-              <a:rPr/>
-              <a:t>Totalmente pareado</a:t>
-            </a:r>
-          </a:p>
-          <a:p>
-            <a:pPr lvl="1"/>
-            <a:r>
-              <a:rPr/>
-              <a:t>Parcialmente pareado com subgrupo aleatório</a:t>
-            </a:r>
-          </a:p>
-          <a:p>
-            <a:pPr lvl="1"/>
-            <a:r>
-              <a:rPr/>
-              <a:t>Parcialmente pareado com subgrupo não aleatório</a:t>
-            </a:r>
-          </a:p>
-          <a:p>
-            <a:pPr lvl="1"/>
-            <a:r>
-              <a:rPr/>
-              <a:t>Não pareado aleatório</a:t>
-            </a:r>
-          </a:p>
-          <a:p>
-            <a:pPr lvl="1"/>
-            <a:r>
-              <a:rPr/>
-              <a:t>Não pareado não aleatório</a:t>
-            </a:r>
-          </a:p>
-          <a:p>
-            <a:pPr lvl="0"/>
-            <a:r>
-              <a:rPr i="1"/>
-              <a:t>Estudos de propriedades psicométricas</a:t>
-            </a:r>
-            <a:r>
-              <a:rPr baseline="30000"/>
-              <a:t>93,95</a:t>
-            </a:r>
-          </a:p>
-          <a:p>
-            <a:pPr lvl="1"/>
-            <a:r>
-              <a:rPr/>
-              <a:t>Validade</a:t>
-            </a:r>
-          </a:p>
-          <a:p>
-            <a:pPr lvl="1"/>
-            <a:r>
-              <a:rPr/>
-              <a:t>Confiabilidade</a:t>
-            </a:r>
-          </a:p>
-          <a:p>
-            <a:pPr lvl="1"/>
-            <a:r>
-              <a:rPr/>
-              <a:t>Concordância</a:t>
-            </a:r>
-          </a:p>
-          <a:p>
-            <a:pPr lvl="0"/>
-            <a:r>
-              <a:rPr i="1"/>
-              <a:t>Estudos quase-experimentais</a:t>
-            </a:r>
-            <a:r>
-              <a:rPr baseline="30000"/>
-              <a:t>94</a:t>
-            </a:r>
-          </a:p>
-          <a:p>
-            <a:pPr lvl="1"/>
-            <a:r>
-              <a:rPr/>
-              <a:t>Quase-aleatorizado controlado</a:t>
-            </a:r>
-          </a:p>
-          <a:p>
-            <a:pPr lvl="1"/>
-            <a:r>
-              <a:rPr/>
-              <a:t>Estimação de variável instrumental</a:t>
-            </a:r>
-          </a:p>
-          <a:p>
-            <a:pPr lvl="1"/>
-            <a:r>
-              <a:rPr/>
-              <a:t>Descontinuidadede regressão</a:t>
-            </a:r>
-          </a:p>
-          <a:p>
-            <a:pPr lvl="1"/>
-            <a:r>
-              <a:rPr/>
-              <a:t>Série temporal interrompida controlada</a:t>
-            </a:r>
-          </a:p>
-          <a:p>
-            <a:pPr lvl="1"/>
-            <a:r>
-              <a:rPr/>
-              <a:t>Série temporal interrompida</a:t>
-            </a:r>
-          </a:p>
-          <a:p>
-            <a:pPr lvl="1"/>
-            <a:r>
-              <a:rPr/>
-              <a:t>Diferença</a:t>
-            </a:r>
-          </a:p>
-          <a:p>
-            <a:pPr lvl="0"/>
-            <a:r>
-              <a:rPr i="1"/>
-              <a:t>Estudos experimentais</a:t>
-            </a:r>
-            <a:r>
-              <a:rPr baseline="30000"/>
-              <a:t>92,97</a:t>
-            </a:r>
-          </a:p>
-          <a:p>
-            <a:pPr lvl="1"/>
-            <a:r>
-              <a:rPr/>
-              <a:t>Fases I a IV</a:t>
-            </a:r>
-          </a:p>
-          <a:p>
-            <a:pPr lvl="2"/>
-            <a:r>
-              <a:rPr/>
-              <a:t>Aleatorizado controlado</a:t>
-            </a:r>
-          </a:p>
-          <a:p>
-            <a:pPr lvl="2"/>
-            <a:r>
-              <a:rPr/>
-              <a:t>Não-aleatorizado controlado</a:t>
-            </a:r>
-          </a:p>
-          <a:p>
-            <a:pPr lvl="2"/>
-            <a:r>
-              <a:rPr/>
-              <a:t>Autocontrolado</a:t>
-            </a:r>
-          </a:p>
-          <a:p>
-            <a:pPr lvl="2"/>
-            <a:r>
-              <a:rPr/>
-              <a:t>Cruzado</a:t>
-            </a:r>
-          </a:p>
-          <a:p>
-            <a:pPr lvl="2"/>
-            <a:r>
-              <a:rPr/>
-              <a:t>Fatorial</a:t>
-            </a:r>
-          </a:p>
-          <a:p>
-            <a:pPr lvl="1"/>
-            <a:r>
-              <a:rPr/>
-              <a:t>Campo</a:t>
-            </a:r>
-          </a:p>
-          <a:p>
-            <a:pPr lvl="1"/>
-            <a:r>
-              <a:rPr/>
-              <a:t>Comunitário</a:t>
-            </a:r>
-          </a:p>
-          <a:p>
-            <a:pPr lvl="0"/>
-            <a:r>
-              <a:rPr i="1"/>
-              <a:t>Estudos de avaliação econômica</a:t>
-            </a:r>
-            <a:r>
-              <a:rPr baseline="30000"/>
-              <a:t>92</a:t>
-            </a:r>
-          </a:p>
-          <a:p>
-            <a:pPr lvl="1"/>
-            <a:r>
-              <a:rPr/>
-              <a:t>Análise de custo</a:t>
-            </a:r>
-          </a:p>
-          <a:p>
-            <a:pPr lvl="1"/>
-            <a:r>
-              <a:rPr/>
-              <a:t>Análise de minimização de custo</a:t>
-            </a:r>
-          </a:p>
-          <a:p>
-            <a:pPr lvl="1"/>
-            <a:r>
-              <a:rPr/>
-              <a:t>Análise de custo-utilidade</a:t>
-            </a:r>
-          </a:p>
-          <a:p>
-            <a:pPr lvl="1"/>
-            <a:r>
-              <a:rPr/>
-              <a:t>Análise de custo-efetividade</a:t>
-            </a:r>
-          </a:p>
-          <a:p>
-            <a:pPr lvl="1"/>
-            <a:r>
-              <a:rPr/>
-              <a:t>Análise de custo-benefício</a:t>
-            </a:r>
-          </a:p>
-          <a:p>
-            <a:pPr lvl="0"/>
-            <a:r>
-              <a:rPr i="1"/>
-              <a:t>Estudos de revisão</a:t>
-            </a:r>
-            <a:r>
-              <a:rPr baseline="30000"/>
-              <a:t>91</a:t>
-            </a:r>
-          </a:p>
-          <a:p>
-            <a:pPr lvl="1"/>
-            <a:r>
-              <a:rPr/>
-              <a:t>Estado-da-arte</a:t>
-            </a:r>
-          </a:p>
-          <a:p>
-            <a:pPr lvl="1"/>
-            <a:r>
-              <a:rPr/>
-              <a:t>Narrativa</a:t>
-            </a:r>
-          </a:p>
-          <a:p>
-            <a:pPr lvl="1"/>
-            <a:r>
-              <a:rPr/>
-              <a:t>Crítica</a:t>
-            </a:r>
-          </a:p>
-          <a:p>
-            <a:pPr lvl="1"/>
-            <a:r>
-              <a:rPr/>
-              <a:t>Mapeamento</a:t>
-            </a:r>
-          </a:p>
-          <a:p>
-            <a:pPr lvl="1"/>
-            <a:r>
-              <a:rPr/>
-              <a:t>Escopo</a:t>
-            </a:r>
-          </a:p>
-          <a:p>
-            <a:pPr lvl="1"/>
-            <a:r>
-              <a:rPr/>
-              <a:t>Busca e revisão sistemática</a:t>
-            </a:r>
-          </a:p>
-          <a:p>
-            <a:pPr lvl="1"/>
-            <a:r>
-              <a:rPr/>
-              <a:t>Sistematizada</a:t>
-            </a:r>
-          </a:p>
-          <a:p>
-            <a:pPr lvl="1"/>
-            <a:r>
-              <a:rPr/>
-              <a:t>Sistemática</a:t>
-            </a:r>
-          </a:p>
-          <a:p>
-            <a:pPr lvl="2"/>
-            <a:r>
-              <a:rPr/>
-              <a:t>Meta-análise</a:t>
-            </a:r>
-          </a:p>
-          <a:p>
-            <a:pPr lvl="2"/>
-            <a:r>
-              <a:rPr/>
-              <a:t>Bibliométrica.</a:t>
-            </a:r>
-            <a:r>
-              <a:rPr baseline="30000"/>
-              <a:t>101,102</a:t>
-            </a:r>
-          </a:p>
-          <a:p>
-            <a:pPr lvl="1"/>
-            <a:r>
-              <a:rPr/>
-              <a:t>Sistemática qualitativa</a:t>
-            </a:r>
-          </a:p>
-          <a:p>
-            <a:pPr lvl="1"/>
-            <a:r>
-              <a:rPr/>
-              <a:t>Mista</a:t>
-            </a:r>
-          </a:p>
-          <a:p>
-            <a:pPr lvl="1"/>
-            <a:r>
-              <a:rPr/>
-              <a:t>Visão geral</a:t>
-            </a:r>
-          </a:p>
-          <a:p>
-            <a:pPr lvl="1"/>
-            <a:r>
-              <a:rPr/>
-              <a:t>Rápida</a:t>
-            </a:r>
-          </a:p>
-          <a:p>
-            <a:pPr lvl="1"/>
-            <a:r>
-              <a:rPr/>
-              <a:t>Guarda-chuva</a:t>
+              <a:t>.[REF]</a:t>
             </a:r>
           </a:p>
           <a:p>
@@ -30904,7 +30473,7 @@
           <p:cNvPr id="2" name="Title 1">
             <a:extLst>
               <a:ext uri="{FF2B5EF4-FFF2-40B4-BE49-F238E27FC236}">
-                <a16:creationId xmlns:a16="http://schemas.microsoft.com/office/drawing/2014/main" id="{0277F749-6ED4-3E49-963A-830033252F78}"/>
+                <a16:creationId xmlns:a16="http://schemas.microsoft.com/office/drawing/2014/main" id="{28A92D45-5BAF-634B-BB37-8481089F9E28}"/>
               </a:ext>
             </a:extLst>
           </p:cNvPr>
@@ -30917,8 +30486,8 @@
         </p:nvSpPr>
         <p:spPr>
           <a:xfrm>
-            <a:off x="0" y="17256"/>
-            <a:ext cx="10515600" cy="663782"/>
+            <a:off x="831850" y="1709738"/>
+            <a:ext cx="10515600" cy="2852737"/>
           </a:xfrm>
         </p:spPr>
         <p:txBody>
@@ -30929,60 +30498,9 @@
               <a:buNone/>
             </a:pPr>
             <a:r>
-              <a:rPr/>
-              <a:t>Amostragem</a:t>
-            </a:r>
-          </a:p>
-        </p:txBody>
-      </p:sp>
-      <p:sp>
-        <p:nvSpPr>
-          <p:cNvPr id="3" name="Content Placeholder 2">
-            <a:extLst>
-              <a:ext uri="{FF2B5EF4-FFF2-40B4-BE49-F238E27FC236}">
-                <a16:creationId xmlns:a16="http://schemas.microsoft.com/office/drawing/2014/main" id="{1574FA24-F1CC-B240-AAF9-A2DF684B1C54}"/>
-              </a:ext>
-            </a:extLst>
-          </p:cNvPr>
-          <p:cNvSpPr>
-            <a:spLocks noGrp="1"/>
-          </p:cNvSpPr>
-          <p:nvPr>
-            <p:ph idx="1"/>
-          </p:nvPr>
-        </p:nvSpPr>
-        <p:spPr/>
-        <p:txBody>
-          <a:bodyPr/>
-          <a:lstStyle/>
-          <a:p>
-            <a:pPr lvl="0" indent="0" marL="0">
-              <a:buNone/>
-            </a:pPr>
-          </a:p>
-          <a:p>
-            <a:pPr lvl="0" indent="0" marL="0">
-              <a:spcBef>
-                <a:spcPts val="3000"/>
-              </a:spcBef>
-              <a:buNone/>
-            </a:pPr>
-            <a:r>
               <a:rPr b="1"/>
-              <a:t>O que é amostragem?</a:t>
-            </a:r>
-          </a:p>
-          <a:p>
-            <a:pPr lvl="0"/>
-            <a:r>
-              <a:rPr/>
-              <a:t>.[REF]</a:t>
-            </a:r>
-          </a:p>
-          <a:p>
-            <a:pPr lvl="0" indent="0" marL="0">
-              <a:buNone/>
-            </a:pPr>
+              <a:t>Delineamento de estudos</a:t>
+            </a:r>
           </a:p>
         </p:txBody>
       </p:sp>
@@ -31039,7 +30557,7 @@
             </a:pPr>
             <a:r>
               <a:rPr/>
-              <a:t>Reamostragem</a:t>
+              <a:t>Classificação</a:t>
             </a:r>
           </a:p>
         </p:txBody>
@@ -31078,14 +30596,590 @@
             </a:pPr>
             <a:r>
               <a:rPr b="1"/>
-              <a:t>O que é reamostragem?</a:t>
+              <a:t>Como podem ser classificados os estudos científicos?</a:t>
             </a:r>
           </a:p>
           <a:p>
             <a:pPr lvl="0"/>
             <a:r>
               <a:rPr/>
-              <a:t>.[REF]</a:t>
+              <a:t>Estudos científicos podem ser classificados em </a:t>
+            </a:r>
+            <a:r>
+              <a:rPr i="1"/>
+              <a:t>básicos</a:t>
+            </a:r>
+            <a:r>
+              <a:rPr/>
+              <a:t>, </a:t>
+            </a:r>
+            <a:r>
+              <a:rPr i="1"/>
+              <a:t>observacionais</a:t>
+            </a:r>
+            <a:r>
+              <a:rPr/>
+              <a:t>, </a:t>
+            </a:r>
+            <a:r>
+              <a:rPr i="1"/>
+              <a:t>experimentais</a:t>
+            </a:r>
+            <a:r>
+              <a:rPr/>
+              <a:t>, </a:t>
+            </a:r>
+            <a:r>
+              <a:rPr i="1"/>
+              <a:t>acurácia diagnóstica</a:t>
+            </a:r>
+            <a:r>
+              <a:rPr/>
+              <a:t>, </a:t>
+            </a:r>
+            <a:r>
+              <a:rPr i="1"/>
+              <a:t>propriedades psicométricas</a:t>
+            </a:r>
+            <a:r>
+              <a:rPr/>
+              <a:t>, </a:t>
+            </a:r>
+            <a:r>
+              <a:rPr i="1"/>
+              <a:t>avaliação econômica</a:t>
+            </a:r>
+            <a:r>
+              <a:rPr/>
+              <a:t> e </a:t>
+            </a:r>
+            <a:r>
+              <a:rPr i="1"/>
+              <a:t>revisões de literatura</a:t>
+            </a:r>
+            <a:r>
+              <a:rPr/>
+              <a:t>:</a:t>
+            </a:r>
+            <a:r>
+              <a:rPr baseline="30000"/>
+              <a:t>91–100</a:t>
+            </a:r>
+          </a:p>
+          <a:p>
+            <a:pPr lvl="0"/>
+            <a:r>
+              <a:rPr i="1"/>
+              <a:t>Estudos básicos</a:t>
+            </a:r>
+            <a:r>
+              <a:rPr baseline="30000"/>
+              <a:t>92,97</a:t>
+            </a:r>
+          </a:p>
+          <a:p>
+            <a:pPr lvl="1"/>
+            <a:r>
+              <a:rPr/>
+              <a:t>Genética</a:t>
+            </a:r>
+          </a:p>
+          <a:p>
+            <a:pPr lvl="1"/>
+            <a:r>
+              <a:rPr/>
+              <a:t>Celular</a:t>
+            </a:r>
+          </a:p>
+          <a:p>
+            <a:pPr lvl="1"/>
+            <a:r>
+              <a:rPr/>
+              <a:t>Experimentos com animais</a:t>
+            </a:r>
+          </a:p>
+          <a:p>
+            <a:pPr lvl="1"/>
+            <a:r>
+              <a:rPr/>
+              <a:t>Desenvolvimento de métodos</a:t>
+            </a:r>
+          </a:p>
+          <a:p>
+            <a:pPr lvl="0"/>
+            <a:r>
+              <a:rPr i="1"/>
+              <a:t>Estudos de simulação computacional</a:t>
+            </a:r>
+            <a:r>
+              <a:rPr baseline="30000"/>
+              <a:t>98,100</a:t>
+            </a:r>
+          </a:p>
+          <a:p>
+            <a:pPr lvl="0"/>
+            <a:r>
+              <a:rPr i="1"/>
+              <a:t>Estudos observacionais</a:t>
+            </a:r>
+            <a:r>
+              <a:rPr baseline="30000"/>
+              <a:t>92,97</a:t>
+            </a:r>
+          </a:p>
+          <a:p>
+            <a:pPr lvl="1"/>
+            <a:r>
+              <a:rPr/>
+              <a:t>Descritivo</a:t>
+            </a:r>
+          </a:p>
+          <a:p>
+            <a:pPr lvl="2"/>
+            <a:r>
+              <a:rPr/>
+              <a:t>Estudo de caso</a:t>
+            </a:r>
+          </a:p>
+          <a:p>
+            <a:pPr lvl="2"/>
+            <a:r>
+              <a:rPr/>
+              <a:t>Série de casos</a:t>
+            </a:r>
+          </a:p>
+          <a:p>
+            <a:pPr lvl="2"/>
+            <a:r>
+              <a:rPr/>
+              <a:t>Transversal</a:t>
+            </a:r>
+          </a:p>
+          <a:p>
+            <a:pPr lvl="1"/>
+            <a:r>
+              <a:rPr/>
+              <a:t>Analítico</a:t>
+            </a:r>
+          </a:p>
+          <a:p>
+            <a:pPr lvl="2"/>
+            <a:r>
+              <a:rPr/>
+              <a:t>Transversal</a:t>
+            </a:r>
+          </a:p>
+          <a:p>
+            <a:pPr lvl="2"/>
+            <a:r>
+              <a:rPr/>
+              <a:t>Caso-Controle</a:t>
+            </a:r>
+          </a:p>
+          <a:p>
+            <a:pPr lvl="3"/>
+            <a:r>
+              <a:rPr/>
+              <a:t>Caso-Controle aninhado</a:t>
+            </a:r>
+          </a:p>
+          <a:p>
+            <a:pPr lvl="3"/>
+            <a:r>
+              <a:rPr/>
+              <a:t>Caso-Coorte</a:t>
+            </a:r>
+          </a:p>
+          <a:p>
+            <a:pPr lvl="1"/>
+            <a:r>
+              <a:rPr/>
+              <a:t>Coorte prospectiva ou retrospectiva</a:t>
+            </a:r>
+          </a:p>
+          <a:p>
+            <a:pPr lvl="0"/>
+            <a:r>
+              <a:rPr i="1"/>
+              <a:t>Estudos de acurácia diagnóstica</a:t>
+            </a:r>
+            <a:r>
+              <a:rPr baseline="30000"/>
+              <a:t>96,99</a:t>
+            </a:r>
+          </a:p>
+          <a:p>
+            <a:pPr lvl="1"/>
+            <a:r>
+              <a:rPr/>
+              <a:t>Transversal</a:t>
+            </a:r>
+          </a:p>
+          <a:p>
+            <a:pPr lvl="1"/>
+            <a:r>
+              <a:rPr/>
+              <a:t>Caso-Controle</a:t>
+            </a:r>
+          </a:p>
+          <a:p>
+            <a:pPr lvl="1"/>
+            <a:r>
+              <a:rPr/>
+              <a:t>Comparativo</a:t>
+            </a:r>
+          </a:p>
+          <a:p>
+            <a:pPr lvl="1"/>
+            <a:r>
+              <a:rPr/>
+              <a:t>Totalmente pareado</a:t>
+            </a:r>
+          </a:p>
+          <a:p>
+            <a:pPr lvl="1"/>
+            <a:r>
+              <a:rPr/>
+              <a:t>Parcialmente pareado com subgrupo aleatório</a:t>
+            </a:r>
+          </a:p>
+          <a:p>
+            <a:pPr lvl="1"/>
+            <a:r>
+              <a:rPr/>
+              <a:t>Parcialmente pareado com subgrupo não aleatório</a:t>
+            </a:r>
+          </a:p>
+          <a:p>
+            <a:pPr lvl="1"/>
+            <a:r>
+              <a:rPr/>
+              <a:t>Não pareado aleatório</a:t>
+            </a:r>
+          </a:p>
+          <a:p>
+            <a:pPr lvl="1"/>
+            <a:r>
+              <a:rPr/>
+              <a:t>Não pareado não aleatório</a:t>
+            </a:r>
+          </a:p>
+          <a:p>
+            <a:pPr lvl="0"/>
+            <a:r>
+              <a:rPr i="1"/>
+              <a:t>Estudos de propriedades psicométricas</a:t>
+            </a:r>
+            <a:r>
+              <a:rPr baseline="30000"/>
+              <a:t>93,95</a:t>
+            </a:r>
+          </a:p>
+          <a:p>
+            <a:pPr lvl="1"/>
+            <a:r>
+              <a:rPr/>
+              <a:t>Validade</a:t>
+            </a:r>
+          </a:p>
+          <a:p>
+            <a:pPr lvl="1"/>
+            <a:r>
+              <a:rPr/>
+              <a:t>Confiabilidade</a:t>
+            </a:r>
+          </a:p>
+          <a:p>
+            <a:pPr lvl="1"/>
+            <a:r>
+              <a:rPr/>
+              <a:t>Concordância</a:t>
+            </a:r>
+          </a:p>
+          <a:p>
+            <a:pPr lvl="0"/>
+            <a:r>
+              <a:rPr i="1"/>
+              <a:t>Estudos quase-experimentais</a:t>
+            </a:r>
+            <a:r>
+              <a:rPr baseline="30000"/>
+              <a:t>94</a:t>
+            </a:r>
+          </a:p>
+          <a:p>
+            <a:pPr lvl="1"/>
+            <a:r>
+              <a:rPr/>
+              <a:t>Quase-aleatorizado controlado</a:t>
+            </a:r>
+          </a:p>
+          <a:p>
+            <a:pPr lvl="1"/>
+            <a:r>
+              <a:rPr/>
+              <a:t>Estimação de variável instrumental</a:t>
+            </a:r>
+          </a:p>
+          <a:p>
+            <a:pPr lvl="1"/>
+            <a:r>
+              <a:rPr/>
+              <a:t>Descontinuidadede regressão</a:t>
+            </a:r>
+          </a:p>
+          <a:p>
+            <a:pPr lvl="1"/>
+            <a:r>
+              <a:rPr/>
+              <a:t>Série temporal interrompida controlada</a:t>
+            </a:r>
+          </a:p>
+          <a:p>
+            <a:pPr lvl="1"/>
+            <a:r>
+              <a:rPr/>
+              <a:t>Série temporal interrompida</a:t>
+            </a:r>
+          </a:p>
+          <a:p>
+            <a:pPr lvl="1"/>
+            <a:r>
+              <a:rPr/>
+              <a:t>Diferença</a:t>
+            </a:r>
+          </a:p>
+          <a:p>
+            <a:pPr lvl="0"/>
+            <a:r>
+              <a:rPr i="1"/>
+              <a:t>Estudos experimentais</a:t>
+            </a:r>
+            <a:r>
+              <a:rPr baseline="30000"/>
+              <a:t>92,97</a:t>
+            </a:r>
+          </a:p>
+          <a:p>
+            <a:pPr lvl="1"/>
+            <a:r>
+              <a:rPr/>
+              <a:t>Fases I a IV</a:t>
+            </a:r>
+          </a:p>
+          <a:p>
+            <a:pPr lvl="2"/>
+            <a:r>
+              <a:rPr/>
+              <a:t>Aleatorizado controlado</a:t>
+            </a:r>
+          </a:p>
+          <a:p>
+            <a:pPr lvl="2"/>
+            <a:r>
+              <a:rPr/>
+              <a:t>Não-aleatorizado controlado</a:t>
+            </a:r>
+          </a:p>
+          <a:p>
+            <a:pPr lvl="2"/>
+            <a:r>
+              <a:rPr/>
+              <a:t>Autocontrolado</a:t>
+            </a:r>
+          </a:p>
+          <a:p>
+            <a:pPr lvl="2"/>
+            <a:r>
+              <a:rPr/>
+              <a:t>Cruzado</a:t>
+            </a:r>
+          </a:p>
+          <a:p>
+            <a:pPr lvl="2"/>
+            <a:r>
+              <a:rPr/>
+              <a:t>Fatorial</a:t>
+            </a:r>
+          </a:p>
+          <a:p>
+            <a:pPr lvl="1"/>
+            <a:r>
+              <a:rPr/>
+              <a:t>Campo</a:t>
+            </a:r>
+          </a:p>
+          <a:p>
+            <a:pPr lvl="1"/>
+            <a:r>
+              <a:rPr/>
+              <a:t>Comunitário</a:t>
+            </a:r>
+          </a:p>
+          <a:p>
+            <a:pPr lvl="0"/>
+            <a:r>
+              <a:rPr i="1"/>
+              <a:t>Estudos de avaliação econômica</a:t>
+            </a:r>
+            <a:r>
+              <a:rPr baseline="30000"/>
+              <a:t>92</a:t>
+            </a:r>
+          </a:p>
+          <a:p>
+            <a:pPr lvl="1"/>
+            <a:r>
+              <a:rPr/>
+              <a:t>Análise de custo</a:t>
+            </a:r>
+          </a:p>
+          <a:p>
+            <a:pPr lvl="1"/>
+            <a:r>
+              <a:rPr/>
+              <a:t>Análise de minimização de custo</a:t>
+            </a:r>
+          </a:p>
+          <a:p>
+            <a:pPr lvl="1"/>
+            <a:r>
+              <a:rPr/>
+              <a:t>Análise de custo-utilidade</a:t>
+            </a:r>
+          </a:p>
+          <a:p>
+            <a:pPr lvl="1"/>
+            <a:r>
+              <a:rPr/>
+              <a:t>Análise de custo-efetividade</a:t>
+            </a:r>
+          </a:p>
+          <a:p>
+            <a:pPr lvl="1"/>
+            <a:r>
+              <a:rPr/>
+              <a:t>Análise de custo-benefício</a:t>
+            </a:r>
+          </a:p>
+          <a:p>
+            <a:pPr lvl="0"/>
+            <a:r>
+              <a:rPr i="1"/>
+              <a:t>Estudos de revisão</a:t>
+            </a:r>
+            <a:r>
+              <a:rPr baseline="30000"/>
+              <a:t>91</a:t>
+            </a:r>
+          </a:p>
+          <a:p>
+            <a:pPr lvl="1"/>
+            <a:r>
+              <a:rPr/>
+              <a:t>Estado-da-arte</a:t>
+            </a:r>
+          </a:p>
+          <a:p>
+            <a:pPr lvl="1"/>
+            <a:r>
+              <a:rPr/>
+              <a:t>Narrativa</a:t>
+            </a:r>
+          </a:p>
+          <a:p>
+            <a:pPr lvl="1"/>
+            <a:r>
+              <a:rPr/>
+              <a:t>Crítica</a:t>
+            </a:r>
+          </a:p>
+          <a:p>
+            <a:pPr lvl="1"/>
+            <a:r>
+              <a:rPr/>
+              <a:t>Mapeamento</a:t>
+            </a:r>
+          </a:p>
+          <a:p>
+            <a:pPr lvl="1"/>
+            <a:r>
+              <a:rPr/>
+              <a:t>Escopo</a:t>
+            </a:r>
+          </a:p>
+          <a:p>
+            <a:pPr lvl="1"/>
+            <a:r>
+              <a:rPr/>
+              <a:t>Busca e revisão sistemática</a:t>
+            </a:r>
+          </a:p>
+          <a:p>
+            <a:pPr lvl="1"/>
+            <a:r>
+              <a:rPr/>
+              <a:t>Sistematizada</a:t>
+            </a:r>
+          </a:p>
+          <a:p>
+            <a:pPr lvl="1"/>
+            <a:r>
+              <a:rPr/>
+              <a:t>Sistemática</a:t>
+            </a:r>
+          </a:p>
+          <a:p>
+            <a:pPr lvl="2"/>
+            <a:r>
+              <a:rPr/>
+              <a:t>Meta-análise</a:t>
+            </a:r>
+          </a:p>
+          <a:p>
+            <a:pPr lvl="2"/>
+            <a:r>
+              <a:rPr/>
+              <a:t>Bibliométrica.</a:t>
+            </a:r>
+            <a:r>
+              <a:rPr baseline="30000"/>
+              <a:t>101,102</a:t>
+            </a:r>
+          </a:p>
+          <a:p>
+            <a:pPr lvl="1"/>
+            <a:r>
+              <a:rPr/>
+              <a:t>Sistemática qualitativa</a:t>
+            </a:r>
+          </a:p>
+          <a:p>
+            <a:pPr lvl="1"/>
+            <a:r>
+              <a:rPr/>
+              <a:t>Mista</a:t>
+            </a:r>
+          </a:p>
+          <a:p>
+            <a:pPr lvl="1"/>
+            <a:r>
+              <a:rPr/>
+              <a:t>Visão geral</a:t>
+            </a:r>
+          </a:p>
+          <a:p>
+            <a:pPr lvl="1"/>
+            <a:r>
+              <a:rPr/>
+              <a:t>Rápida</a:t>
+            </a:r>
+          </a:p>
+          <a:p>
+            <a:pPr lvl="1"/>
+            <a:r>
+              <a:rPr/>
+              <a:t>Guarda-chuva</a:t>
             </a:r>
           </a:p>
           <a:p>
@@ -31148,7 +31242,7 @@
             </a:pPr>
             <a:r>
               <a:rPr/>
-              <a:t>Pareamento</a:t>
+              <a:t>Amostragem</a:t>
             </a:r>
           </a:p>
         </p:txBody>
@@ -31187,51 +31281,14 @@
             </a:pPr>
             <a:r>
               <a:rPr b="1"/>
-              <a:t>O que é pareamento?</a:t>
+              <a:t>O que é amostragem?</a:t>
             </a:r>
           </a:p>
           <a:p>
             <a:pPr lvl="0"/>
             <a:r>
               <a:rPr/>
-              <a:t>Pareamento significa que para cada participante de um grupo (por exemplo, com alguma condição clínica), existe um (ou mais) participantes (por exemplo, grupo controle) que possui características iguais ou similares relativas a algumas variáveis de interesse.</a:t>
-            </a:r>
-            <a:r>
-              <a:rPr baseline="30000"/>
-              <a:t>103</a:t>
-            </a:r>
-          </a:p>
-          <a:p>
-            <a:pPr lvl="0"/>
-            <a:r>
-              <a:rPr/>
-              <a:t>As variáveis escolhidas para pareamento devem ter relação com as variáveis de desfecho, mas não são de interesse elas mesmas.</a:t>
-            </a:r>
-            <a:r>
-              <a:rPr baseline="30000"/>
-              <a:t>103</a:t>
-            </a:r>
-          </a:p>
-          <a:p>
-            <a:pPr lvl="0"/>
-            <a:r>
-              <a:rPr/>
-              <a:t>O ajuste por pareamento deve ser incluído nas análises estatísticas mesmo que as variáveis de pareamento não sejam consideradas prognósticas ou confundidores na amostra estudada.</a:t>
-            </a:r>
-            <a:r>
-              <a:rPr baseline="30000"/>
-              <a:t>103</a:t>
-            </a:r>
-          </a:p>
-          <a:p>
-            <a:pPr lvl="0"/>
-            <a:r>
-              <a:rPr/>
-              <a:t>A ausência de evidência estatística de diferença entre grupos não é considerada pareamento.</a:t>
-            </a:r>
-            <a:r>
-              <a:rPr baseline="30000"/>
-              <a:t>103</a:t>
+              <a:t>.[REF]</a:t>
             </a:r>
           </a:p>
           <a:p>
@@ -31294,7 +31351,7 @@
             </a:pPr>
             <a:r>
               <a:rPr/>
-              <a:t>Alocação</a:t>
+              <a:t>Reamostragem</a:t>
             </a:r>
           </a:p>
         </p:txBody>
@@ -31333,7 +31390,7 @@
             </a:pPr>
             <a:r>
               <a:rPr b="1"/>
-              <a:t>O que é alocação?</a:t>
+              <a:t>O que é reamostragem?</a:t>
             </a:r>
           </a:p>
           <a:p>
@@ -31403,7 +31460,7 @@
             </a:pPr>
             <a:r>
               <a:rPr/>
-              <a:t>Aleatorização</a:t>
+              <a:t>Pareamento</a:t>
             </a:r>
           </a:p>
         </p:txBody>
@@ -31429,13 +31486,6 @@
           <a:bodyPr/>
           <a:lstStyle/>
           <a:p>
-            <a:pPr lvl="0"/>
-            <a:r>
-              <a:rPr/>
-              <a:t>.[REF]</a:t>
-            </a:r>
-          </a:p>
-          <a:p>
             <a:pPr lvl="0" indent="0" marL="0">
               <a:buNone/>
             </a:pPr>
@@ -31449,7 +31499,51 @@
             </a:pPr>
             <a:r>
               <a:rPr b="1"/>
-              <a:t>O que é aleatorização?</a:t>
+              <a:t>O que é pareamento?</a:t>
+            </a:r>
+          </a:p>
+          <a:p>
+            <a:pPr lvl="0"/>
+            <a:r>
+              <a:rPr/>
+              <a:t>Pareamento significa que para cada participante de um grupo (por exemplo, com alguma condição clínica), existe um (ou mais) participantes (por exemplo, grupo controle) que possui características iguais ou similares relativas a algumas variáveis de interesse.</a:t>
+            </a:r>
+            <a:r>
+              <a:rPr baseline="30000"/>
+              <a:t>103</a:t>
+            </a:r>
+          </a:p>
+          <a:p>
+            <a:pPr lvl="0"/>
+            <a:r>
+              <a:rPr/>
+              <a:t>As variáveis escolhidas para pareamento devem ter relação com as variáveis de desfecho, mas não são de interesse elas mesmas.</a:t>
+            </a:r>
+            <a:r>
+              <a:rPr baseline="30000"/>
+              <a:t>103</a:t>
+            </a:r>
+          </a:p>
+          <a:p>
+            <a:pPr lvl="0"/>
+            <a:r>
+              <a:rPr/>
+              <a:t>O ajuste por pareamento deve ser incluído nas análises estatísticas mesmo que as variáveis de pareamento não sejam consideradas prognósticas ou confundidores na amostra estudada.</a:t>
+            </a:r>
+            <a:r>
+              <a:rPr baseline="30000"/>
+              <a:t>103</a:t>
+            </a:r>
+          </a:p>
+          <a:p>
+            <a:pPr lvl="0"/>
+            <a:r>
+              <a:rPr/>
+              <a:t>A ausência de evidência estatística de diferença entre grupos não é considerada pareamento.</a:t>
+            </a:r>
+            <a:r>
+              <a:rPr baseline="30000"/>
+              <a:t>103</a:t>
             </a:r>
           </a:p>
           <a:p>
@@ -31512,7 +31606,7 @@
             </a:pPr>
             <a:r>
               <a:rPr/>
-              <a:t>Validade do estudo</a:t>
+              <a:t>Alocação</a:t>
             </a:r>
           </a:p>
         </p:txBody>
@@ -31551,46 +31645,14 @@
             </a:pPr>
             <a:r>
               <a:rPr b="1"/>
-              <a:t>O que é validade interna?</a:t>
+              <a:t>O que é alocação?</a:t>
             </a:r>
           </a:p>
           <a:p>
             <a:pPr lvl="0"/>
             <a:r>
               <a:rPr/>
-              <a:t>.</a:t>
-            </a:r>
-            <a:r>
-              <a:rPr baseline="30000"/>
-              <a:t>104</a:t>
-            </a:r>
-          </a:p>
-          <a:p>
-            <a:pPr lvl="0" indent="0" marL="0">
-              <a:buNone/>
-            </a:pPr>
-          </a:p>
-          <a:p>
-            <a:pPr lvl="0" indent="0" marL="0">
-              <a:spcBef>
-                <a:spcPts val="3000"/>
-              </a:spcBef>
-              <a:buNone/>
-            </a:pPr>
-            <a:r>
-              <a:rPr b="1"/>
-              <a:t>O que é validade externa?</a:t>
-            </a:r>
-          </a:p>
-          <a:p>
-            <a:pPr lvl="0"/>
-            <a:r>
-              <a:rPr/>
-              <a:t>.</a:t>
-            </a:r>
-            <a:r>
-              <a:rPr baseline="30000"/>
-              <a:t>104</a:t>
+              <a:t>.[REF]</a:t>
             </a:r>
           </a:p>
           <a:p>
@@ -31685,7 +31747,7 @@
           <p:cNvPr id="2" name="Title 1">
             <a:extLst>
               <a:ext uri="{FF2B5EF4-FFF2-40B4-BE49-F238E27FC236}">
-                <a16:creationId xmlns:a16="http://schemas.microsoft.com/office/drawing/2014/main" id="{28A92D45-5BAF-634B-BB37-8481089F9E28}"/>
+                <a16:creationId xmlns:a16="http://schemas.microsoft.com/office/drawing/2014/main" id="{0277F749-6ED4-3E49-963A-830033252F78}"/>
               </a:ext>
             </a:extLst>
           </p:cNvPr>
@@ -31698,8 +31760,8 @@
         </p:nvSpPr>
         <p:spPr>
           <a:xfrm>
-            <a:off x="831850" y="1709738"/>
-            <a:ext cx="10515600" cy="2852737"/>
+            <a:off x="0" y="17256"/>
+            <a:ext cx="10515600" cy="663782"/>
           </a:xfrm>
         </p:spPr>
         <p:txBody>
@@ -31710,9 +31772,60 @@
               <a:buNone/>
             </a:pPr>
             <a:r>
+              <a:rPr/>
+              <a:t>Aleatorização</a:t>
+            </a:r>
+          </a:p>
+        </p:txBody>
+      </p:sp>
+      <p:sp>
+        <p:nvSpPr>
+          <p:cNvPr id="3" name="Content Placeholder 2">
+            <a:extLst>
+              <a:ext uri="{FF2B5EF4-FFF2-40B4-BE49-F238E27FC236}">
+                <a16:creationId xmlns:a16="http://schemas.microsoft.com/office/drawing/2014/main" id="{1574FA24-F1CC-B240-AAF9-A2DF684B1C54}"/>
+              </a:ext>
+            </a:extLst>
+          </p:cNvPr>
+          <p:cNvSpPr>
+            <a:spLocks noGrp="1"/>
+          </p:cNvSpPr>
+          <p:nvPr>
+            <p:ph idx="1"/>
+          </p:nvPr>
+        </p:nvSpPr>
+        <p:spPr/>
+        <p:txBody>
+          <a:bodyPr/>
+          <a:lstStyle/>
+          <a:p>
+            <a:pPr lvl="0"/>
+            <a:r>
+              <a:rPr/>
+              <a:t>.[REF]</a:t>
+            </a:r>
+          </a:p>
+          <a:p>
+            <a:pPr lvl="0" indent="0" marL="0">
+              <a:buNone/>
+            </a:pPr>
+          </a:p>
+          <a:p>
+            <a:pPr lvl="0" indent="0" marL="0">
+              <a:spcBef>
+                <a:spcPts val="3000"/>
+              </a:spcBef>
+              <a:buNone/>
+            </a:pPr>
+            <a:r>
               <a:rPr b="1"/>
-              <a:t>Tamanho da amostra</a:t>
-            </a:r>
+              <a:t>O que é aleatorização?</a:t>
+            </a:r>
+          </a:p>
+          <a:p>
+            <a:pPr lvl="0" indent="0" marL="0">
+              <a:buNone/>
+            </a:pPr>
           </a:p>
         </p:txBody>
       </p:sp>
@@ -31769,7 +31882,7 @@
             </a:pPr>
             <a:r>
               <a:rPr/>
-              <a:t>Tamanho da amostra</a:t>
+              <a:t>Validade do estudo</a:t>
             </a:r>
           </a:p>
         </p:txBody>
@@ -31808,14 +31921,46 @@
             </a:pPr>
             <a:r>
               <a:rPr b="1"/>
-              <a:t>O que é tamanho da amostra?</a:t>
+              <a:t>O que é validade interna?</a:t>
             </a:r>
           </a:p>
           <a:p>
             <a:pPr lvl="0"/>
             <a:r>
               <a:rPr/>
-              <a:t>.[REF]</a:t>
+              <a:t>.</a:t>
+            </a:r>
+            <a:r>
+              <a:rPr baseline="30000"/>
+              <a:t>104</a:t>
+            </a:r>
+          </a:p>
+          <a:p>
+            <a:pPr lvl="0" indent="0" marL="0">
+              <a:buNone/>
+            </a:pPr>
+          </a:p>
+          <a:p>
+            <a:pPr lvl="0" indent="0" marL="0">
+              <a:spcBef>
+                <a:spcPts val="3000"/>
+              </a:spcBef>
+              <a:buNone/>
+            </a:pPr>
+            <a:r>
+              <a:rPr b="1"/>
+              <a:t>O que é validade externa?</a:t>
+            </a:r>
+          </a:p>
+          <a:p>
+            <a:pPr lvl="0"/>
+            <a:r>
+              <a:rPr/>
+              <a:t>.</a:t>
+            </a:r>
+            <a:r>
+              <a:rPr baseline="30000"/>
+              <a:t>104</a:t>
             </a:r>
           </a:p>
           <a:p>
@@ -31878,7 +32023,7 @@
             </a:pPr>
             <a:r>
               <a:rPr b="1"/>
-              <a:t>Ensaios clínicos aleatorizados</a:t>
+              <a:t>Tamanho da amostra</a:t>
             </a:r>
           </a:p>
         </p:txBody>
@@ -31936,7 +32081,7 @@
             </a:pPr>
             <a:r>
               <a:rPr/>
-              <a:t>Características</a:t>
+              <a:t>Tamanho da amostra</a:t>
             </a:r>
           </a:p>
         </p:txBody>
@@ -31975,185 +32120,14 @@
             </a:pPr>
             <a:r>
               <a:rPr b="1"/>
-              <a:t>Quais são as características dos ensaios clínicos aleatorizados?</a:t>
+              <a:t>O que é tamanho da amostra?</a:t>
             </a:r>
           </a:p>
           <a:p>
             <a:pPr lvl="0"/>
             <a:r>
               <a:rPr/>
-              <a:t>A característica essencial de um ensaio clínico aleatorizado é a comparação entre grupos.</a:t>
-            </a:r>
-            <a:r>
-              <a:rPr baseline="30000"/>
-              <a:t>105</a:t>
-            </a:r>
-          </a:p>
-          <a:p>
-            <a:pPr lvl="0"/>
-            <a:r>
-              <a:rPr/>
-              <a:t>Quanto à unidade de alocação:</a:t>
-            </a:r>
-            <a:r>
-              <a:rPr baseline="30000"/>
-              <a:t>106</a:t>
-            </a:r>
-          </a:p>
-          <a:p>
-            <a:pPr lvl="1"/>
-            <a:r>
-              <a:rPr/>
-              <a:t>Individual</a:t>
-            </a:r>
-          </a:p>
-          <a:p>
-            <a:pPr lvl="1"/>
-            <a:r>
-              <a:rPr/>
-              <a:t>Agrupado</a:t>
-            </a:r>
-          </a:p>
-          <a:p>
-            <a:pPr lvl="0"/>
-            <a:r>
-              <a:rPr/>
-              <a:t>Quanto ao número de braços:</a:t>
-            </a:r>
-            <a:r>
-              <a:rPr baseline="30000"/>
-              <a:t>106</a:t>
-            </a:r>
-          </a:p>
-          <a:p>
-            <a:pPr lvl="1"/>
-            <a:r>
-              <a:rPr/>
-              <a:t>Único*</a:t>
-            </a:r>
-          </a:p>
-          <a:p>
-            <a:pPr lvl="1"/>
-            <a:r>
-              <a:rPr/>
-              <a:t>Múltiplos</a:t>
-            </a:r>
-          </a:p>
-          <a:p>
-            <a:pPr lvl="0"/>
-            <a:r>
-              <a:rPr/>
-              <a:t>Quanto ao número de centros:</a:t>
-            </a:r>
-            <a:r>
-              <a:rPr baseline="30000"/>
-              <a:t>106</a:t>
-            </a:r>
-          </a:p>
-          <a:p>
-            <a:pPr lvl="1"/>
-            <a:r>
-              <a:rPr/>
-              <a:t>Único</a:t>
-            </a:r>
-          </a:p>
-          <a:p>
-            <a:pPr lvl="1"/>
-            <a:r>
-              <a:rPr/>
-              <a:t>Múltiplos</a:t>
-            </a:r>
-          </a:p>
-          <a:p>
-            <a:pPr lvl="0"/>
-            <a:r>
-              <a:rPr/>
-              <a:t>Quanto ao cegamento:</a:t>
-            </a:r>
-            <a:r>
-              <a:rPr baseline="30000"/>
-              <a:t>106</a:t>
-            </a:r>
-          </a:p>
-          <a:p>
-            <a:pPr lvl="1"/>
-            <a:r>
-              <a:rPr/>
-              <a:t>Aberto*</a:t>
-            </a:r>
-          </a:p>
-          <a:p>
-            <a:pPr lvl="1"/>
-            <a:r>
-              <a:rPr/>
-              <a:t>Simples-cego</a:t>
-            </a:r>
-          </a:p>
-          <a:p>
-            <a:pPr lvl="1"/>
-            <a:r>
-              <a:rPr/>
-              <a:t>Duplo-cego</a:t>
-            </a:r>
-          </a:p>
-          <a:p>
-            <a:pPr lvl="1"/>
-            <a:r>
-              <a:rPr/>
-              <a:t>Tripo-cego</a:t>
-            </a:r>
-          </a:p>
-          <a:p>
-            <a:pPr lvl="1"/>
-            <a:r>
-              <a:rPr/>
-              <a:t>Quádruplo-cego</a:t>
-            </a:r>
-          </a:p>
-          <a:p>
-            <a:pPr lvl="0"/>
-            <a:r>
-              <a:rPr/>
-              <a:t>Quanto à alocação:</a:t>
-            </a:r>
-            <a:r>
-              <a:rPr baseline="30000"/>
-              <a:t>106</a:t>
-            </a:r>
-          </a:p>
-          <a:p>
-            <a:pPr lvl="1"/>
-            <a:r>
-              <a:rPr/>
-              <a:t>Sem sorteio</a:t>
-            </a:r>
-          </a:p>
-          <a:p>
-            <a:pPr lvl="1"/>
-            <a:r>
-              <a:rPr/>
-              <a:t>Estratificada (centro apenas)</a:t>
-            </a:r>
-          </a:p>
-          <a:p>
-            <a:pPr lvl="1"/>
-            <a:r>
-              <a:rPr/>
-              <a:t>Estratificada</a:t>
-            </a:r>
-          </a:p>
-          <a:p>
-            <a:pPr lvl="1"/>
-            <a:r>
-              <a:rPr/>
-              <a:t>Minimizada</a:t>
-            </a:r>
-          </a:p>
-          <a:p>
-            <a:pPr lvl="1"/>
-            <a:r>
-              <a:rPr/>
-              <a:t>Estratificada e minimizada</a:t>
+              <a:t>.[REF]</a:t>
             </a:r>
           </a:p>
           <a:p>
@@ -32190,7 +32164,7 @@
           <p:cNvPr id="2" name="Title 1">
             <a:extLst>
               <a:ext uri="{FF2B5EF4-FFF2-40B4-BE49-F238E27FC236}">
-                <a16:creationId xmlns:a16="http://schemas.microsoft.com/office/drawing/2014/main" id="{0277F749-6ED4-3E49-963A-830033252F78}"/>
+                <a16:creationId xmlns:a16="http://schemas.microsoft.com/office/drawing/2014/main" id="{28A92D45-5BAF-634B-BB37-8481089F9E28}"/>
               </a:ext>
             </a:extLst>
           </p:cNvPr>
@@ -32203,8 +32177,8 @@
         </p:nvSpPr>
         <p:spPr>
           <a:xfrm>
-            <a:off x="0" y="17256"/>
-            <a:ext cx="10515600" cy="663782"/>
+            <a:off x="831850" y="1709738"/>
+            <a:ext cx="10515600" cy="2852737"/>
           </a:xfrm>
         </p:spPr>
         <p:txBody>
@@ -32215,108 +32189,9 @@
               <a:buNone/>
             </a:pPr>
             <a:r>
-              <a:rPr/>
-              <a:t>Modelos de análise de comparação</a:t>
-            </a:r>
-          </a:p>
-        </p:txBody>
-      </p:sp>
-      <p:sp>
-        <p:nvSpPr>
-          <p:cNvPr id="3" name="Content Placeholder 2">
-            <a:extLst>
-              <a:ext uri="{FF2B5EF4-FFF2-40B4-BE49-F238E27FC236}">
-                <a16:creationId xmlns:a16="http://schemas.microsoft.com/office/drawing/2014/main" id="{1574FA24-F1CC-B240-AAF9-A2DF684B1C54}"/>
-              </a:ext>
-            </a:extLst>
-          </p:cNvPr>
-          <p:cNvSpPr>
-            <a:spLocks noGrp="1"/>
-          </p:cNvSpPr>
-          <p:nvPr>
-            <p:ph idx="1"/>
-          </p:nvPr>
-        </p:nvSpPr>
-        <p:spPr/>
-        <p:txBody>
-          <a:bodyPr/>
-          <a:lstStyle/>
-          <a:p>
-            <a:pPr lvl="0" indent="0" marL="0">
-              <a:buNone/>
-            </a:pPr>
-          </a:p>
-          <a:p>
-            <a:pPr lvl="0" indent="0" marL="0">
-              <a:spcBef>
-                <a:spcPts val="3000"/>
-              </a:spcBef>
-              <a:buNone/>
-            </a:pPr>
-            <a:r>
               <a:rPr b="1"/>
-              <a:t>Que modelos podem ser utilizados para comparações?</a:t>
-            </a:r>
-          </a:p>
-          <a:p>
-            <a:pPr lvl="0"/>
-            <a:r>
-              <a:rPr/>
-              <a:t>As abordagens compreendem a comparação da variável de desfecho medida entre os momentos antes e depois ou da sua mudança (pre - pós) entre os momentos.</a:t>
-            </a:r>
-            <a:r>
-              <a:rPr baseline="30000"/>
-              <a:t>107</a:t>
-            </a:r>
-          </a:p>
-          <a:p>
-            <a:pPr lvl="0"/>
-            <a:r>
-              <a:rPr/>
-              <a:t>Se a média da variável é igual entre grupos no início do acompanhamento, ambas abordagens estimam o mesmo efeito. Caso contrário, o efeito será influenciado pela correlação entre as medidas antes e depois. A análise da mudança não controla para desbalanços no início do estudo.</a:t>
-            </a:r>
-            <a:r>
-              <a:rPr baseline="30000"/>
-              <a:t>107</a:t>
-            </a:r>
-          </a:p>
-          <a:p>
-            <a:pPr lvl="0"/>
-            <a:r>
-              <a:rPr/>
-              <a:t>Uma abordagem recomendada é a análise de covariância (ANCOVA), pois ajusta os valores pós-intervenção aos valores pré-intervenção para cada participante, e não é afetada pelas diferenças entre grupos no início do estudo.</a:t>
-            </a:r>
-            <a:r>
-              <a:rPr baseline="30000"/>
-              <a:t>107</a:t>
-            </a:r>
-          </a:p>
-          <a:p>
-            <a:pPr lvl="0"/>
-            <a:r>
-              <a:rPr/>
-              <a:t>A análise de covariância (ANCOVA) modelando seja a mudança (pré - pós) quando o desfecho no pós-tratamento parece ser o método mais efetivo considerando-se o viés de estimação dos parâmetros, a precisão das estimativas, a cobertura nominal (isto é, intervalo de confiança) e o poder do teste.</a:t>
-            </a:r>
-            <a:r>
-              <a:rPr baseline="30000"/>
-              <a:t>108</a:t>
-            </a:r>
-          </a:p>
-          <a:p>
-            <a:pPr lvl="0"/>
-            <a:r>
-              <a:rPr/>
-              <a:t>Análise de variância (ANOVA) e modelos lineares mistos (MLM) são outras opções de métodos, embora apresentem maior variância, menor poder, e cobertura nominal comparados à ANCOVA.</a:t>
-            </a:r>
-            <a:r>
-              <a:rPr baseline="30000"/>
-              <a:t>108</a:t>
-            </a:r>
-          </a:p>
-          <a:p>
-            <a:pPr lvl="0" indent="0" marL="0">
-              <a:buNone/>
-            </a:pPr>
+              <a:t>Ensaios clínicos aleatorizados</a:t>
+            </a:r>
           </a:p>
         </p:txBody>
       </p:sp>
@@ -32373,7 +32248,7 @@
             </a:pPr>
             <a:r>
               <a:rPr/>
-              <a:t>Ajuste de covariáveis</a:t>
+              <a:t>Características</a:t>
             </a:r>
           </a:p>
         </p:txBody>
@@ -32412,135 +32287,185 @@
             </a:pPr>
             <a:r>
               <a:rPr b="1"/>
-              <a:t>Quais variáveis devem ser utilizadas no ajuste de covariáveis?</a:t>
+              <a:t>Quais são as características dos ensaios clínicos aleatorizados?</a:t>
             </a:r>
           </a:p>
           <a:p>
             <a:pPr lvl="0"/>
             <a:r>
               <a:rPr/>
-              <a:t>A escolha das características de linha de base pelas quais uma análise é ajustada deve ser determinada pelo conhecimento prévio de uma possível influência no resultado, em vez da evidência de desequilíbrio entre os grupos de tratamento no estudo.</a:t>
+              <a:t>A característica essencial de um ensaio clínico aleatorizado é a comparação entre grupos.</a:t>
             </a:r>
             <a:r>
               <a:rPr baseline="30000"/>
-              <a:t>109</a:t>
-            </a:r>
-          </a:p>
-          <a:p>
-            <a:pPr lvl="0" indent="0" marL="0">
-              <a:buNone/>
-            </a:pPr>
-          </a:p>
-          <a:p>
-            <a:pPr lvl="0" indent="0" marL="0">
-              <a:spcBef>
-                <a:spcPts val="3000"/>
-              </a:spcBef>
-              <a:buNone/>
-            </a:pPr>
-            <a:r>
-              <a:rPr b="1"/>
-              <a:t>Quais os benefícios do ajuste de covariáveis?</a:t>
+              <a:t>105</a:t>
             </a:r>
           </a:p>
           <a:p>
             <a:pPr lvl="0"/>
             <a:r>
               <a:rPr/>
-              <a:t>Ajustar por covariáveis ajuda a estimar os efeitos do tratamento para o indivíduo, assim como aumenta a eficiência dos testes para hipótese nula e a validade externa do estudo.</a:t>
+              <a:t>Quanto à unidade de alocação:</a:t>
             </a:r>
             <a:r>
               <a:rPr baseline="30000"/>
-              <a:t>110</a:t>
+              <a:t>106</a:t>
+            </a:r>
+          </a:p>
+          <a:p>
+            <a:pPr lvl="1"/>
+            <a:r>
+              <a:rPr/>
+              <a:t>Individual</a:t>
+            </a:r>
+          </a:p>
+          <a:p>
+            <a:pPr lvl="1"/>
+            <a:r>
+              <a:rPr/>
+              <a:t>Agrupado</a:t>
             </a:r>
           </a:p>
           <a:p>
             <a:pPr lvl="0"/>
             <a:r>
               <a:rPr/>
-              <a:t>Incluir a variável de desfecho medida na linha de base como covariável - independentemente da análise ser realizada com a medida pós-tratamento da mesma variável ou a diferença para a linha de base - pode aumentar o poder estatístico do estudo.</a:t>
+              <a:t>Quanto ao número de braços:</a:t>
             </a:r>
             <a:r>
               <a:rPr baseline="30000"/>
-              <a:t>111</a:t>
+              <a:t>106</a:t>
+            </a:r>
+          </a:p>
+          <a:p>
+            <a:pPr lvl="1"/>
+            <a:r>
+              <a:rPr/>
+              <a:t>Único*</a:t>
+            </a:r>
+          </a:p>
+          <a:p>
+            <a:pPr lvl="1"/>
+            <a:r>
+              <a:rPr/>
+              <a:t>Múltiplos</a:t>
             </a:r>
           </a:p>
           <a:p>
             <a:pPr lvl="0"/>
             <a:r>
               <a:rPr/>
-              <a:t>Incluir outras variáveis medidas na linha de base, com potencial para serem desbalanceadas entre grupos após a aleatorização, diminui a chance de afetar as estimativas de efeito dos tratamentos.</a:t>
+              <a:t>Quanto ao número de centros:</a:t>
             </a:r>
             <a:r>
               <a:rPr baseline="30000"/>
-              <a:t>111</a:t>
-            </a:r>
-          </a:p>
-          <a:p>
-            <a:pPr lvl="0" indent="0" marL="0">
-              <a:buNone/>
-            </a:pPr>
-          </a:p>
-          <a:p>
-            <a:pPr lvl="0" indent="0" marL="0">
-              <a:spcBef>
-                <a:spcPts val="3000"/>
-              </a:spcBef>
-              <a:buNone/>
-            </a:pPr>
-            <a:r>
-              <a:rPr b="1"/>
-              <a:t>Quais os riscos do ajuste de covariáveis?</a:t>
+              <a:t>106</a:t>
+            </a:r>
+          </a:p>
+          <a:p>
+            <a:pPr lvl="1"/>
+            <a:r>
+              <a:rPr/>
+              <a:t>Único</a:t>
+            </a:r>
+          </a:p>
+          <a:p>
+            <a:pPr lvl="1"/>
+            <a:r>
+              <a:rPr/>
+              <a:t>Múltiplos</a:t>
             </a:r>
           </a:p>
           <a:p>
             <a:pPr lvl="0"/>
             <a:r>
               <a:rPr/>
-              <a:t>Incluir covariáveis que não são prognósticas do desfecho pode reduzir o poder estatístico do estudo.</a:t>
+              <a:t>Quanto ao cegamento:</a:t>
             </a:r>
             <a:r>
               <a:rPr baseline="30000"/>
-              <a:t>111</a:t>
+              <a:t>106</a:t>
+            </a:r>
+          </a:p>
+          <a:p>
+            <a:pPr lvl="1"/>
+            <a:r>
+              <a:rPr/>
+              <a:t>Aberto*</a:t>
+            </a:r>
+          </a:p>
+          <a:p>
+            <a:pPr lvl="1"/>
+            <a:r>
+              <a:rPr/>
+              <a:t>Simples-cego</a:t>
+            </a:r>
+          </a:p>
+          <a:p>
+            <a:pPr lvl="1"/>
+            <a:r>
+              <a:rPr/>
+              <a:t>Duplo-cego</a:t>
+            </a:r>
+          </a:p>
+          <a:p>
+            <a:pPr lvl="1"/>
+            <a:r>
+              <a:rPr/>
+              <a:t>Tripo-cego</a:t>
+            </a:r>
+          </a:p>
+          <a:p>
+            <a:pPr lvl="1"/>
+            <a:r>
+              <a:rPr/>
+              <a:t>Quádruplo-cego</a:t>
             </a:r>
           </a:p>
           <a:p>
             <a:pPr lvl="0"/>
             <a:r>
               <a:rPr/>
-              <a:t>Incluir covariáveis com dados perdidos pode reduzir o tamanho amostral e consequentemente o poder estatístico do estudo (análise de casos completos) ou levar a desvios do plano de análise por exclusão de covariáveis prognósticas.</a:t>
+              <a:t>Quanto à alocação:</a:t>
             </a:r>
             <a:r>
               <a:rPr baseline="30000"/>
-              <a:t>111</a:t>
-            </a:r>
-          </a:p>
-          <a:p>
-            <a:pPr lvl="0" indent="0" marL="0">
-              <a:buNone/>
-            </a:pPr>
-          </a:p>
-          <a:p>
-            <a:pPr lvl="0" indent="0" marL="0">
-              <a:spcBef>
-                <a:spcPts val="3000"/>
-              </a:spcBef>
-              <a:buNone/>
-            </a:pPr>
-            <a:r>
-              <a:rPr b="1"/>
-              <a:t>Como lidar com os dados perdidos em covariáveis?</a:t>
-            </a:r>
-          </a:p>
-          <a:p>
-            <a:pPr lvl="0"/>
-            <a:r>
-              <a:rPr/>
-              <a:t>Imputação de dados perdidos de uma variável pela média dos dados observada permite estimativas não enviesadas dos efeitos do tratamento, preserva o erro tipo I e aumenta o poder estatístico comparado à análise de dados completos.</a:t>
-            </a:r>
-            <a:r>
-              <a:rPr baseline="30000"/>
-              <a:t>111</a:t>
+              <a:t>106</a:t>
+            </a:r>
+          </a:p>
+          <a:p>
+            <a:pPr lvl="1"/>
+            <a:r>
+              <a:rPr/>
+              <a:t>Sem sorteio</a:t>
+            </a:r>
+          </a:p>
+          <a:p>
+            <a:pPr lvl="1"/>
+            <a:r>
+              <a:rPr/>
+              <a:t>Estratificada (centro apenas)</a:t>
+            </a:r>
+          </a:p>
+          <a:p>
+            <a:pPr lvl="1"/>
+            <a:r>
+              <a:rPr/>
+              <a:t>Estratificada</a:t>
+            </a:r>
+          </a:p>
+          <a:p>
+            <a:pPr lvl="1"/>
+            <a:r>
+              <a:rPr/>
+              <a:t>Minimizada</a:t>
+            </a:r>
+          </a:p>
+          <a:p>
+            <a:pPr lvl="1"/>
+            <a:r>
+              <a:rPr/>
+              <a:t>Estratificada e minimizada</a:t>
             </a:r>
           </a:p>
           <a:p>
@@ -32603,7 +32528,7 @@
             </a:pPr>
             <a:r>
               <a:rPr/>
-              <a:t>Comparação na linha de base</a:t>
+              <a:t>Modelos de análise de comparação</a:t>
             </a:r>
           </a:p>
         </p:txBody>
@@ -32642,246 +32567,62 @@
             </a:pPr>
             <a:r>
               <a:rPr b="1"/>
-              <a:t>O que é comparação entre grupos na linha de base em ensaios clínicos aleatorizados?</a:t>
+              <a:t>Que modelos podem ser utilizados para comparações?</a:t>
             </a:r>
           </a:p>
           <a:p>
             <a:pPr lvl="0"/>
             <a:r>
               <a:rPr/>
-              <a:t>A comparação se refere ao teste de hipótese nula de não haver diferença (‘balanço’ ou ‘equilíbrio’) entre grupos de tratamento nas (co)variáveis na linha de base, geralmente apresentadas apenas de modo descritivo na ‘Tabela 1’.</a:t>
+              <a:t>As abordagens compreendem a comparação da variável de desfecho medida entre os momentos antes e depois ou da sua mudança (pre - pós) entre os momentos.</a:t>
             </a:r>
             <a:r>
               <a:rPr baseline="30000"/>
-              <a:t>112</a:t>
+              <a:t>107</a:t>
             </a:r>
           </a:p>
           <a:p>
             <a:pPr lvl="0"/>
             <a:r>
               <a:rPr/>
-              <a:t>A interpretação isolada do p-valor da comparação entre grupos na linha de base não permite identificar as razões para eventuais diferenças.</a:t>
+              <a:t>Se a média da variável é igual entre grupos no início do acompanhamento, ambas abordagens estimam o mesmo efeito. Caso contrário, o efeito será influenciado pela correlação entre as medidas antes e depois. A análise da mudança não controla para desbalanços no início do estudo.</a:t>
             </a:r>
             <a:r>
               <a:rPr baseline="30000"/>
-              <a:t>112</a:t>
-            </a:r>
-          </a:p>
-          <a:p>
-            <a:pPr lvl="0" indent="0" marL="0">
-              <a:buNone/>
-            </a:pPr>
-          </a:p>
-          <a:p>
-            <a:pPr lvl="0" indent="0" marL="0">
-              <a:spcBef>
-                <a:spcPts val="3000"/>
-              </a:spcBef>
-              <a:buNone/>
-            </a:pPr>
-            <a:r>
-              <a:rPr b="1"/>
-              <a:t>Para quê comparar grupos na linha de base em ensaios clínicos aleatorizados?</a:t>
+              <a:t>107</a:t>
             </a:r>
           </a:p>
           <a:p>
             <a:pPr lvl="0"/>
             <a:r>
               <a:rPr/>
-              <a:t>Os p-valores estão relacionados à aleatorização dos participantes em grupos.</a:t>
+              <a:t>Uma abordagem recomendada é a análise de covariância (ANCOVA), pois ajusta os valores pós-intervenção aos valores pré-intervenção para cada participante, e não é afetada pelas diferenças entre grupos no início do estudo.</a:t>
             </a:r>
             <a:r>
               <a:rPr baseline="30000"/>
-              <a:t>113</a:t>
+              <a:t>107</a:t>
             </a:r>
           </a:p>
           <a:p>
             <a:pPr lvl="0"/>
             <a:r>
               <a:rPr/>
-              <a:t>Em ensaios clínicos aleatorizados, a comparação de (co)variáveis na linha de base é usada para avaliar se aleatorização foi ‘bem sucedida’.</a:t>
+              <a:t>A análise de covariância (ANCOVA) modelando seja a mudança (pré - pós) quando o desfecho no pós-tratamento parece ser o método mais efetivo considerando-se o viés de estimação dos parâmetros, a precisão das estimativas, a cobertura nominal (isto é, intervalo de confiança) e o poder do teste.</a:t>
             </a:r>
             <a:r>
               <a:rPr baseline="30000"/>
-              <a:t>113</a:t>
-            </a:r>
-          </a:p>
-          <a:p>
-            <a:pPr lvl="0" indent="0" marL="0">
-              <a:buNone/>
-            </a:pPr>
-          </a:p>
-          <a:p>
-            <a:pPr lvl="0" indent="0" marL="0">
-              <a:spcBef>
-                <a:spcPts val="3000"/>
-              </a:spcBef>
-              <a:buNone/>
-            </a:pPr>
-            <a:r>
-              <a:rPr b="1"/>
-              <a:t>Quais são as razões para diferenças entre grupos de tratamento nas (co)variáveis na linha de base?</a:t>
+              <a:t>108</a:t>
             </a:r>
           </a:p>
           <a:p>
             <a:pPr lvl="0"/>
             <a:r>
               <a:rPr/>
-              <a:t>Acaso.</a:t>
+              <a:t>Análise de variância (ANOVA) e modelos lineares mistos (MLM) são outras opções de métodos, embora apresentem maior variância, menor poder, e cobertura nominal comparados à ANCOVA.</a:t>
             </a:r>
             <a:r>
               <a:rPr baseline="30000"/>
-              <a:t>59,112</a:t>
-            </a:r>
-          </a:p>
-          <a:p>
-            <a:pPr lvl="0"/>
-            <a:r>
-              <a:rPr/>
-              <a:t>Viés.</a:t>
-            </a:r>
-            <a:r>
-              <a:rPr baseline="30000"/>
-              <a:t>59,112</a:t>
-            </a:r>
-          </a:p>
-          <a:p>
-            <a:pPr lvl="0"/>
-            <a:r>
-              <a:rPr/>
-              <a:t>Tamanho da amostra.</a:t>
-            </a:r>
-            <a:r>
-              <a:rPr baseline="30000"/>
-              <a:t>59,112</a:t>
-            </a:r>
-          </a:p>
-          <a:p>
-            <a:pPr lvl="0"/>
-            <a:r>
-              <a:rPr/>
-              <a:t>Má conduta científica.</a:t>
-            </a:r>
-            <a:r>
-              <a:rPr baseline="30000"/>
-              <a:t>59</a:t>
-            </a:r>
-          </a:p>
-          <a:p>
-            <a:pPr lvl="0" indent="0" marL="0">
-              <a:buNone/>
-            </a:pPr>
-          </a:p>
-          <a:p>
-            <a:pPr lvl="0" indent="0" marL="0">
-              <a:spcBef>
-                <a:spcPts val="3000"/>
-              </a:spcBef>
-              <a:buNone/>
-            </a:pPr>
-            <a:r>
-              <a:rPr b="1"/>
-              <a:t>Quais cenários permitem a comparação entre grupos na linha de base em ensaios clínicos aleatorizados?</a:t>
-            </a:r>
-          </a:p>
-          <a:p>
-            <a:pPr lvl="0"/>
-            <a:r>
-              <a:rPr/>
-              <a:t>Em ensaios clínicos aleatorizados agregados, os p-valores possuem interpretação diferente de estudos aleatorizados individualmente.</a:t>
-            </a:r>
-            <a:r>
-              <a:rPr baseline="30000"/>
-              <a:t>113</a:t>
-            </a:r>
-          </a:p>
-          <a:p>
-            <a:pPr lvl="0"/>
-            <a:r>
-              <a:rPr/>
-              <a:t>Em ensaios clínicos com agrupamento, nos quais o recrutamento ocorreu após a aleatorização, os p-valores já não estão inteiramente relacionados ao processo de aleatorização, mas sim ao método de recrutamento, o que pode resultar na comparação de amostras não aleatórias.</a:t>
-            </a:r>
-            <a:r>
-              <a:rPr baseline="30000"/>
-              <a:t>113</a:t>
-            </a:r>
-          </a:p>
-          <a:p>
-            <a:pPr lvl="0" indent="0" marL="0">
-              <a:buNone/>
-            </a:pPr>
-          </a:p>
-          <a:p>
-            <a:pPr lvl="0" indent="0" marL="0">
-              <a:spcBef>
-                <a:spcPts val="3000"/>
-              </a:spcBef>
-              <a:buNone/>
-            </a:pPr>
-            <a:r>
-              <a:rPr b="1"/>
-              <a:t>Por que não se deve comparar grupos na linha de base em ensaios clínicos aleatorizados?</a:t>
-            </a:r>
-          </a:p>
-          <a:p>
-            <a:pPr lvl="0"/>
-            <a:r>
-              <a:rPr/>
-              <a:t>Quando a aleatorização é bem-sucedida, a hipótese nula de diferença entre grupos na linha de base é verdadeira.</a:t>
-            </a:r>
-            <a:r>
-              <a:rPr baseline="30000"/>
-              <a:t>109</a:t>
-            </a:r>
-          </a:p>
-          <a:p>
-            <a:pPr lvl="0"/>
-            <a:r>
-              <a:rPr/>
-              <a:t>Testes de significância estatística na linha de base avaliam a probabilidade de que as diferenças observadas possam ter ocorrido por acaso; no entanto, já sabemos - pelo delineamento do experimento - que quaisquer diferenças são causadas pelo acaso.</a:t>
-            </a:r>
-            <a:r>
-              <a:rPr baseline="30000"/>
-              <a:t>114</a:t>
-            </a:r>
-          </a:p>
-          <a:p>
-            <a:pPr lvl="0" indent="0" marL="0">
-              <a:buNone/>
-            </a:pPr>
-          </a:p>
-          <a:p>
-            <a:pPr lvl="0" indent="0" marL="0">
-              <a:spcBef>
-                <a:spcPts val="3000"/>
-              </a:spcBef>
-              <a:buNone/>
-            </a:pPr>
-            <a:r>
-              <a:rPr b="1"/>
-              <a:t>Quais estratégias podem ser adotadas para substituir a comparação entre grupos na linha de base em ensaios clínicos aleatorizados?</a:t>
-            </a:r>
-          </a:p>
-          <a:p>
-            <a:pPr lvl="0"/>
-            <a:r>
-              <a:rPr/>
-              <a:t>Na fase de projeto: identifique as variáveis prognósticas do desfecho de acordo com a literatura.</a:t>
-            </a:r>
-            <a:r>
-              <a:rPr baseline="30000"/>
-              <a:t>109</a:t>
-            </a:r>
-          </a:p>
-          <a:p>
-            <a:pPr lvl="0"/>
-            <a:r>
-              <a:rPr/>
-              <a:t>Na fase de análise: inclua as variáveis prognósticas nos modelos para ajuste.</a:t>
-            </a:r>
-            <a:r>
-              <a:rPr baseline="30000"/>
-              <a:t>109</a:t>
+              <a:t>108</a:t>
             </a:r>
           </a:p>
           <a:p>
@@ -32944,7 +32685,7 @@
             </a:pPr>
             <a:r>
               <a:rPr/>
-              <a:t>Comparação intragrupos</a:t>
+              <a:t>Ajuste de covariáveis</a:t>
             </a:r>
           </a:p>
         </p:txBody>
@@ -32983,18 +32724,135 @@
             </a:pPr>
             <a:r>
               <a:rPr b="1"/>
-              <a:t>Por que não se deve comparar intragrupos (pré-pós) em ensaios clínicos aleatorizados?</a:t>
+              <a:t>Quais variáveis devem ser utilizadas no ajuste de covariáveis?</a:t>
             </a:r>
           </a:p>
           <a:p>
             <a:pPr lvl="0"/>
             <a:r>
               <a:rPr/>
-              <a:t>Testar por mudanças a partir da linha de base separadamente em cada grupos aleatorizados não permite concluir sobre diferenças entre grupos; não se pode fazer inferências a partir da comparação de p-valores.</a:t>
+              <a:t>A escolha das características de linha de base pelas quais uma análise é ajustada deve ser determinada pelo conhecimento prévio de uma possível influência no resultado, em vez da evidência de desequilíbrio entre os grupos de tratamento no estudo.</a:t>
             </a:r>
             <a:r>
               <a:rPr baseline="30000"/>
-              <a:t>105</a:t>
+              <a:t>109</a:t>
+            </a:r>
+          </a:p>
+          <a:p>
+            <a:pPr lvl="0" indent="0" marL="0">
+              <a:buNone/>
+            </a:pPr>
+          </a:p>
+          <a:p>
+            <a:pPr lvl="0" indent="0" marL="0">
+              <a:spcBef>
+                <a:spcPts val="3000"/>
+              </a:spcBef>
+              <a:buNone/>
+            </a:pPr>
+            <a:r>
+              <a:rPr b="1"/>
+              <a:t>Quais os benefícios do ajuste de covariáveis?</a:t>
+            </a:r>
+          </a:p>
+          <a:p>
+            <a:pPr lvl="0"/>
+            <a:r>
+              <a:rPr/>
+              <a:t>Ajustar por covariáveis ajuda a estimar os efeitos do tratamento para o indivíduo, assim como aumenta a eficiência dos testes para hipótese nula e a validade externa do estudo.</a:t>
+            </a:r>
+            <a:r>
+              <a:rPr baseline="30000"/>
+              <a:t>110</a:t>
+            </a:r>
+          </a:p>
+          <a:p>
+            <a:pPr lvl="0"/>
+            <a:r>
+              <a:rPr/>
+              <a:t>Incluir a variável de desfecho medida na linha de base como covariável - independentemente da análise ser realizada com a medida pós-tratamento da mesma variável ou a diferença para a linha de base - pode aumentar o poder estatístico do estudo.</a:t>
+            </a:r>
+            <a:r>
+              <a:rPr baseline="30000"/>
+              <a:t>111</a:t>
+            </a:r>
+          </a:p>
+          <a:p>
+            <a:pPr lvl="0"/>
+            <a:r>
+              <a:rPr/>
+              <a:t>Incluir outras variáveis medidas na linha de base, com potencial para serem desbalanceadas entre grupos após a aleatorização, diminui a chance de afetar as estimativas de efeito dos tratamentos.</a:t>
+            </a:r>
+            <a:r>
+              <a:rPr baseline="30000"/>
+              <a:t>111</a:t>
+            </a:r>
+          </a:p>
+          <a:p>
+            <a:pPr lvl="0" indent="0" marL="0">
+              <a:buNone/>
+            </a:pPr>
+          </a:p>
+          <a:p>
+            <a:pPr lvl="0" indent="0" marL="0">
+              <a:spcBef>
+                <a:spcPts val="3000"/>
+              </a:spcBef>
+              <a:buNone/>
+            </a:pPr>
+            <a:r>
+              <a:rPr b="1"/>
+              <a:t>Quais os riscos do ajuste de covariáveis?</a:t>
+            </a:r>
+          </a:p>
+          <a:p>
+            <a:pPr lvl="0"/>
+            <a:r>
+              <a:rPr/>
+              <a:t>Incluir covariáveis que não são prognósticas do desfecho pode reduzir o poder estatístico do estudo.</a:t>
+            </a:r>
+            <a:r>
+              <a:rPr baseline="30000"/>
+              <a:t>111</a:t>
+            </a:r>
+          </a:p>
+          <a:p>
+            <a:pPr lvl="0"/>
+            <a:r>
+              <a:rPr/>
+              <a:t>Incluir covariáveis com dados perdidos pode reduzir o tamanho amostral e consequentemente o poder estatístico do estudo (análise de casos completos) ou levar a desvios do plano de análise por exclusão de covariáveis prognósticas.</a:t>
+            </a:r>
+            <a:r>
+              <a:rPr baseline="30000"/>
+              <a:t>111</a:t>
+            </a:r>
+          </a:p>
+          <a:p>
+            <a:pPr lvl="0" indent="0" marL="0">
+              <a:buNone/>
+            </a:pPr>
+          </a:p>
+          <a:p>
+            <a:pPr lvl="0" indent="0" marL="0">
+              <a:spcBef>
+                <a:spcPts val="3000"/>
+              </a:spcBef>
+              <a:buNone/>
+            </a:pPr>
+            <a:r>
+              <a:rPr b="1"/>
+              <a:t>Como lidar com os dados perdidos em covariáveis?</a:t>
+            </a:r>
+          </a:p>
+          <a:p>
+            <a:pPr lvl="0"/>
+            <a:r>
+              <a:rPr/>
+              <a:t>Imputação de dados perdidos de uma variável pela média dos dados observada permite estimativas não enviesadas dos efeitos do tratamento, preserva o erro tipo I e aumenta o poder estatístico comparado à análise de dados completos.</a:t>
+            </a:r>
+            <a:r>
+              <a:rPr baseline="30000"/>
+              <a:t>111</a:t>
             </a:r>
           </a:p>
           <a:p>
@@ -33057,7 +32915,7 @@
             </a:pPr>
             <a:r>
               <a:rPr/>
-              <a:t>Comparação entre grupos</a:t>
+              <a:t>Comparação na linha de base</a:t>
             </a:r>
           </a:p>
         </p:txBody>
@@ -33096,18 +32954,246 @@
             </a:pPr>
             <a:r>
               <a:rPr b="1"/>
-              <a:t>O que é comparação entre grupos em ensaios clínicos aleatorizados?</a:t>
+              <a:t>O que é comparação entre grupos na linha de base em ensaios clínicos aleatorizados?</a:t>
             </a:r>
           </a:p>
           <a:p>
             <a:pPr lvl="0"/>
             <a:r>
               <a:rPr/>
-              <a:t>A comparação se refere ao teste de hipótese nula de não haver diferença (‘alteração’ ou ‘mudança’) pós-tratamento entre grupos de tratamento.</a:t>
+              <a:t>A comparação se refere ao teste de hipótese nula de não haver diferença (‘balanço’ ou ‘equilíbrio’) entre grupos de tratamento nas (co)variáveis na linha de base, geralmente apresentadas apenas de modo descritivo na ‘Tabela 1’.</a:t>
             </a:r>
             <a:r>
               <a:rPr baseline="30000"/>
-              <a:t>105</a:t>
+              <a:t>112</a:t>
+            </a:r>
+          </a:p>
+          <a:p>
+            <a:pPr lvl="0"/>
+            <a:r>
+              <a:rPr/>
+              <a:t>A interpretação isolada do p-valor da comparação entre grupos na linha de base não permite identificar as razões para eventuais diferenças.</a:t>
+            </a:r>
+            <a:r>
+              <a:rPr baseline="30000"/>
+              <a:t>112</a:t>
+            </a:r>
+          </a:p>
+          <a:p>
+            <a:pPr lvl="0" indent="0" marL="0">
+              <a:buNone/>
+            </a:pPr>
+          </a:p>
+          <a:p>
+            <a:pPr lvl="0" indent="0" marL="0">
+              <a:spcBef>
+                <a:spcPts val="3000"/>
+              </a:spcBef>
+              <a:buNone/>
+            </a:pPr>
+            <a:r>
+              <a:rPr b="1"/>
+              <a:t>Para quê comparar grupos na linha de base em ensaios clínicos aleatorizados?</a:t>
+            </a:r>
+          </a:p>
+          <a:p>
+            <a:pPr lvl="0"/>
+            <a:r>
+              <a:rPr/>
+              <a:t>Os p-valores estão relacionados à aleatorização dos participantes em grupos.</a:t>
+            </a:r>
+            <a:r>
+              <a:rPr baseline="30000"/>
+              <a:t>113</a:t>
+            </a:r>
+          </a:p>
+          <a:p>
+            <a:pPr lvl="0"/>
+            <a:r>
+              <a:rPr/>
+              <a:t>Em ensaios clínicos aleatorizados, a comparação de (co)variáveis na linha de base é usada para avaliar se aleatorização foi ‘bem sucedida’.</a:t>
+            </a:r>
+            <a:r>
+              <a:rPr baseline="30000"/>
+              <a:t>113</a:t>
+            </a:r>
+          </a:p>
+          <a:p>
+            <a:pPr lvl="0" indent="0" marL="0">
+              <a:buNone/>
+            </a:pPr>
+          </a:p>
+          <a:p>
+            <a:pPr lvl="0" indent="0" marL="0">
+              <a:spcBef>
+                <a:spcPts val="3000"/>
+              </a:spcBef>
+              <a:buNone/>
+            </a:pPr>
+            <a:r>
+              <a:rPr b="1"/>
+              <a:t>Quais são as razões para diferenças entre grupos de tratamento nas (co)variáveis na linha de base?</a:t>
+            </a:r>
+          </a:p>
+          <a:p>
+            <a:pPr lvl="0"/>
+            <a:r>
+              <a:rPr/>
+              <a:t>Acaso.</a:t>
+            </a:r>
+            <a:r>
+              <a:rPr baseline="30000"/>
+              <a:t>59,112</a:t>
+            </a:r>
+          </a:p>
+          <a:p>
+            <a:pPr lvl="0"/>
+            <a:r>
+              <a:rPr/>
+              <a:t>Viés.</a:t>
+            </a:r>
+            <a:r>
+              <a:rPr baseline="30000"/>
+              <a:t>59,112</a:t>
+            </a:r>
+          </a:p>
+          <a:p>
+            <a:pPr lvl="0"/>
+            <a:r>
+              <a:rPr/>
+              <a:t>Tamanho da amostra.</a:t>
+            </a:r>
+            <a:r>
+              <a:rPr baseline="30000"/>
+              <a:t>59,112</a:t>
+            </a:r>
+          </a:p>
+          <a:p>
+            <a:pPr lvl="0"/>
+            <a:r>
+              <a:rPr/>
+              <a:t>Má conduta científica.</a:t>
+            </a:r>
+            <a:r>
+              <a:rPr baseline="30000"/>
+              <a:t>59</a:t>
+            </a:r>
+          </a:p>
+          <a:p>
+            <a:pPr lvl="0" indent="0" marL="0">
+              <a:buNone/>
+            </a:pPr>
+          </a:p>
+          <a:p>
+            <a:pPr lvl="0" indent="0" marL="0">
+              <a:spcBef>
+                <a:spcPts val="3000"/>
+              </a:spcBef>
+              <a:buNone/>
+            </a:pPr>
+            <a:r>
+              <a:rPr b="1"/>
+              <a:t>Quais cenários permitem a comparação entre grupos na linha de base em ensaios clínicos aleatorizados?</a:t>
+            </a:r>
+          </a:p>
+          <a:p>
+            <a:pPr lvl="0"/>
+            <a:r>
+              <a:rPr/>
+              <a:t>Em ensaios clínicos aleatorizados agregados, os p-valores possuem interpretação diferente de estudos aleatorizados individualmente.</a:t>
+            </a:r>
+            <a:r>
+              <a:rPr baseline="30000"/>
+              <a:t>113</a:t>
+            </a:r>
+          </a:p>
+          <a:p>
+            <a:pPr lvl="0"/>
+            <a:r>
+              <a:rPr/>
+              <a:t>Em ensaios clínicos com agrupamento, nos quais o recrutamento ocorreu após a aleatorização, os p-valores já não estão inteiramente relacionados ao processo de aleatorização, mas sim ao método de recrutamento, o que pode resultar na comparação de amostras não aleatórias.</a:t>
+            </a:r>
+            <a:r>
+              <a:rPr baseline="30000"/>
+              <a:t>113</a:t>
+            </a:r>
+          </a:p>
+          <a:p>
+            <a:pPr lvl="0" indent="0" marL="0">
+              <a:buNone/>
+            </a:pPr>
+          </a:p>
+          <a:p>
+            <a:pPr lvl="0" indent="0" marL="0">
+              <a:spcBef>
+                <a:spcPts val="3000"/>
+              </a:spcBef>
+              <a:buNone/>
+            </a:pPr>
+            <a:r>
+              <a:rPr b="1"/>
+              <a:t>Por que não se deve comparar grupos na linha de base em ensaios clínicos aleatorizados?</a:t>
+            </a:r>
+          </a:p>
+          <a:p>
+            <a:pPr lvl="0"/>
+            <a:r>
+              <a:rPr/>
+              <a:t>Quando a aleatorização é bem-sucedida, a hipótese nula de diferença entre grupos na linha de base é verdadeira.</a:t>
+            </a:r>
+            <a:r>
+              <a:rPr baseline="30000"/>
+              <a:t>109</a:t>
+            </a:r>
+          </a:p>
+          <a:p>
+            <a:pPr lvl="0"/>
+            <a:r>
+              <a:rPr/>
+              <a:t>Testes de significância estatística na linha de base avaliam a probabilidade de que as diferenças observadas possam ter ocorrido por acaso; no entanto, já sabemos - pelo delineamento do experimento - que quaisquer diferenças são causadas pelo acaso.</a:t>
+            </a:r>
+            <a:r>
+              <a:rPr baseline="30000"/>
+              <a:t>114</a:t>
+            </a:r>
+          </a:p>
+          <a:p>
+            <a:pPr lvl="0" indent="0" marL="0">
+              <a:buNone/>
+            </a:pPr>
+          </a:p>
+          <a:p>
+            <a:pPr lvl="0" indent="0" marL="0">
+              <a:spcBef>
+                <a:spcPts val="3000"/>
+              </a:spcBef>
+              <a:buNone/>
+            </a:pPr>
+            <a:r>
+              <a:rPr b="1"/>
+              <a:t>Quais estratégias podem ser adotadas para substituir a comparação entre grupos na linha de base em ensaios clínicos aleatorizados?</a:t>
+            </a:r>
+          </a:p>
+          <a:p>
+            <a:pPr lvl="0"/>
+            <a:r>
+              <a:rPr/>
+              <a:t>Na fase de projeto: identifique as variáveis prognósticas do desfecho de acordo com a literatura.</a:t>
+            </a:r>
+            <a:r>
+              <a:rPr baseline="30000"/>
+              <a:t>109</a:t>
+            </a:r>
+          </a:p>
+          <a:p>
+            <a:pPr lvl="0"/>
+            <a:r>
+              <a:rPr/>
+              <a:t>Na fase de análise: inclua as variáveis prognósticas nos modelos para ajuste.</a:t>
+            </a:r>
+            <a:r>
+              <a:rPr baseline="30000"/>
+              <a:t>109</a:t>
             </a:r>
           </a:p>
           <a:p>
@@ -33170,7 +33256,7 @@
             </a:pPr>
             <a:r>
               <a:rPr/>
-              <a:t>Modificação de efeito</a:t>
+              <a:t>Comparação intragrupos</a:t>
             </a:r>
           </a:p>
         </p:txBody>
@@ -33209,46 +33295,18 @@
             </a:pPr>
             <a:r>
               <a:rPr b="1"/>
-              <a:t>O que é modificação de efeito?</a:t>
+              <a:t>Por que não se deve comparar intragrupos (pré-pós) em ensaios clínicos aleatorizados?</a:t>
             </a:r>
           </a:p>
           <a:p>
             <a:pPr lvl="0"/>
             <a:r>
               <a:rPr/>
-              <a:t>.</a:t>
+              <a:t>Testar por mudanças a partir da linha de base separadamente em cada grupos aleatorizados não permite concluir sobre diferenças entre grupos; não se pode fazer inferências a partir da comparação de p-valores.</a:t>
             </a:r>
             <a:r>
               <a:rPr baseline="30000"/>
-              <a:t>115</a:t>
-            </a:r>
-          </a:p>
-          <a:p>
-            <a:pPr lvl="0" indent="0" marL="0">
-              <a:buNone/>
-            </a:pPr>
-          </a:p>
-          <a:p>
-            <a:pPr lvl="0" indent="0" marL="0">
-              <a:spcBef>
-                <a:spcPts val="3000"/>
-              </a:spcBef>
-              <a:buNone/>
-            </a:pPr>
-            <a:r>
-              <a:rPr b="1"/>
-              <a:t>O que é um modificador de efeito?</a:t>
-            </a:r>
-          </a:p>
-          <a:p>
-            <a:pPr lvl="0"/>
-            <a:r>
-              <a:rPr/>
-              <a:t>.</a:t>
-            </a:r>
-            <a:r>
-              <a:rPr baseline="30000"/>
-              <a:t>115</a:t>
+              <a:t>105</a:t>
             </a:r>
           </a:p>
           <a:p>
@@ -33369,7 +33427,7 @@
             </a:pPr>
             <a:r>
               <a:rPr/>
-              <a:t>Interação</a:t>
+              <a:t>Comparação entre grupos</a:t>
             </a:r>
           </a:p>
         </p:txBody>
@@ -33408,118 +33466,18 @@
             </a:pPr>
             <a:r>
               <a:rPr b="1"/>
-              <a:t>O que é efeito de interação?</a:t>
+              <a:t>O que é comparação entre grupos em ensaios clínicos aleatorizados?</a:t>
             </a:r>
           </a:p>
           <a:p>
             <a:pPr lvl="0"/>
             <a:r>
               <a:rPr/>
-              <a:t>A interação - representada pelo símbolo ‘*’ - é o termo estatístico empregado para representar a heterogeneidade de um determinado efeito.</a:t>
-            </a:r>
-            <a:r>
-              <a:rPr baseline="30000"/>
-              <a:t>116</a:t>
-            </a:r>
-          </a:p>
-          <a:p>
-            <a:pPr lvl="0"/>
-            <a:r>
-              <a:rPr/>
-              <a:t>Em ensaios clínicos aleatorizados, o principal problema de pesquisa é se há uma diferença pré-pós maior em um grupo do que em outro(s).</a:t>
+              <a:t>A comparação se refere ao teste de hipótese nula de não haver diferença (‘alteração’ ou ‘mudança’) pós-tratamento entre grupos de tratamento.</a:t>
             </a:r>
             <a:r>
               <a:rPr baseline="30000"/>
               <a:t>105</a:t>
-            </a:r>
-          </a:p>
-          <a:p>
-            <a:pPr lvl="0"/>
-            <a:r>
-              <a:rPr/>
-              <a:t>.</a:t>
-            </a:r>
-            <a:r>
-              <a:rPr baseline="30000"/>
-              <a:t>115</a:t>
-            </a:r>
-          </a:p>
-          <a:p>
-            <a:pPr lvl="0" indent="0" marL="0">
-              <a:buNone/>
-            </a:pPr>
-          </a:p>
-          <a:p>
-            <a:pPr lvl="0" indent="0" marL="0">
-              <a:spcBef>
-                <a:spcPts val="3000"/>
-              </a:spcBef>
-              <a:buNone/>
-            </a:pPr>
-            <a:r>
-              <a:rPr b="1"/>
-              <a:t>Por que analisar o efeito de interação?</a:t>
-            </a:r>
-          </a:p>
-          <a:p>
-            <a:pPr lvl="0"/>
-            <a:r>
-              <a:rPr/>
-              <a:t>A comparação de subgrupos por meio de testes de significância de hipótese nula separados é enganoso por não testar (comparar) diretamente os tamanhos dos efeitos dos tratamentos.</a:t>
-            </a:r>
-            <a:r>
-              <a:rPr baseline="30000"/>
-              <a:t>117</a:t>
-            </a:r>
-          </a:p>
-          <a:p>
-            <a:pPr lvl="0" indent="0" marL="0">
-              <a:buNone/>
-            </a:pPr>
-          </a:p>
-          <a:p>
-            <a:pPr lvl="0" indent="0" marL="0">
-              <a:spcBef>
-                <a:spcPts val="3000"/>
-              </a:spcBef>
-              <a:buNone/>
-            </a:pPr>
-            <a:r>
-              <a:rPr b="1"/>
-              <a:t>Quando usar o termo de interação?</a:t>
-            </a:r>
-          </a:p>
-          <a:p>
-            <a:pPr lvl="0"/>
-            <a:r>
-              <a:rPr/>
-              <a:t>Análise de efeito de interação pode ser usada para testar se o efeito de um tratamento varia entre dois ou mais subgrupos de indivíduos, ou seja, se um efeito é modificado pelo(s) outros(s) efeito(s).</a:t>
-            </a:r>
-            <a:r>
-              <a:rPr baseline="30000"/>
-              <a:t>116</a:t>
-            </a:r>
-          </a:p>
-          <a:p>
-            <a:pPr lvl="0"/>
-            <a:r>
-              <a:rPr/>
-              <a:t>A interação entre duas (ou mais) variáveis pode ser utilizada para comparar efeitos do tratamento em subgrupos de ensaios clínicos.</a:t>
-            </a:r>
-            <a:r>
-              <a:rPr baseline="30000"/>
-              <a:t>118</a:t>
-            </a:r>
-          </a:p>
-          <a:p>
-            <a:pPr lvl="0"/>
-            <a:r>
-              <a:rPr/>
-              <a:t>O poder estatístico para detectar efeitos de interação é limitado.</a:t>
-            </a:r>
-            <a:r>
-              <a:rPr baseline="30000"/>
-              <a:t>118</a:t>
             </a:r>
           </a:p>
           <a:p>
@@ -33582,7 +33540,7 @@
             </a:pPr>
             <a:r>
               <a:rPr/>
-              <a:t>Mediação</a:t>
+              <a:t>Modificação de efeito</a:t>
             </a:r>
           </a:p>
         </p:txBody>
@@ -33621,7 +33579,7 @@
             </a:pPr>
             <a:r>
               <a:rPr b="1"/>
-              <a:t>O que é mediação?</a:t>
+              <a:t>O que é modificação de efeito?</a:t>
             </a:r>
           </a:p>
           <a:p>
@@ -33649,91 +33607,7 @@
             </a:pPr>
             <a:r>
               <a:rPr b="1"/>
-              <a:t>O que é um mediador?</a:t>
-            </a:r>
-          </a:p>
-          <a:p>
-            <a:pPr lvl="0"/>
-            <a:r>
-              <a:rPr/>
-              <a:t>.</a:t>
-            </a:r>
-            <a:r>
-              <a:rPr baseline="30000"/>
-              <a:t>115</a:t>
-            </a:r>
-          </a:p>
-          <a:p>
-            <a:pPr lvl="0" indent="0" marL="0">
-              <a:buNone/>
-            </a:pPr>
-          </a:p>
-          <a:p>
-            <a:pPr lvl="0" indent="0" marL="0">
-              <a:spcBef>
-                <a:spcPts val="3000"/>
-              </a:spcBef>
-              <a:buNone/>
-            </a:pPr>
-            <a:r>
-              <a:rPr b="1"/>
-              <a:t>O que é efeito direto?</a:t>
-            </a:r>
-          </a:p>
-          <a:p>
-            <a:pPr lvl="0"/>
-            <a:r>
-              <a:rPr/>
-              <a:t>.</a:t>
-            </a:r>
-            <a:r>
-              <a:rPr baseline="30000"/>
-              <a:t>115</a:t>
-            </a:r>
-          </a:p>
-          <a:p>
-            <a:pPr lvl="0" indent="0" marL="0">
-              <a:buNone/>
-            </a:pPr>
-          </a:p>
-          <a:p>
-            <a:pPr lvl="0" indent="0" marL="0">
-              <a:spcBef>
-                <a:spcPts val="3000"/>
-              </a:spcBef>
-              <a:buNone/>
-            </a:pPr>
-            <a:r>
-              <a:rPr b="1"/>
-              <a:t>O que é efeito indireto?</a:t>
-            </a:r>
-          </a:p>
-          <a:p>
-            <a:pPr lvl="0"/>
-            <a:r>
-              <a:rPr/>
-              <a:t>.</a:t>
-            </a:r>
-            <a:r>
-              <a:rPr baseline="30000"/>
-              <a:t>115</a:t>
-            </a:r>
-          </a:p>
-          <a:p>
-            <a:pPr lvl="0" indent="0" marL="0">
-              <a:buNone/>
-            </a:pPr>
-          </a:p>
-          <a:p>
-            <a:pPr lvl="0" indent="0" marL="0">
-              <a:spcBef>
-                <a:spcPts val="3000"/>
-              </a:spcBef>
-              <a:buNone/>
-            </a:pPr>
-            <a:r>
-              <a:rPr b="1"/>
-              <a:t>O que é efeito total?</a:t>
+              <a:t>O que é um modificador de efeito?</a:t>
             </a:r>
           </a:p>
           <a:p>
@@ -33760,6 +33634,444 @@
 </file>
 
 <file path=ppt/slides/slide92.xml><?xml version="1.0" encoding="utf-8"?>
+<p:sld xmlns:a="http://schemas.openxmlformats.org/drawingml/2006/main" xmlns:r="http://schemas.openxmlformats.org/officeDocument/2006/relationships" xmlns:p="http://schemas.openxmlformats.org/presentationml/2006/main">
+  <p:cSld>
+    <p:spTree>
+      <p:nvGrpSpPr>
+        <p:cNvPr id="1" name=""/>
+        <p:cNvGrpSpPr/>
+        <p:nvPr/>
+      </p:nvGrpSpPr>
+      <p:grpSpPr>
+        <a:xfrm>
+          <a:off x="0" y="0"/>
+          <a:ext cx="0" cy="0"/>
+          <a:chOff x="0" y="0"/>
+          <a:chExt cx="0" cy="0"/>
+        </a:xfrm>
+      </p:grpSpPr>
+      <p:sp>
+        <p:nvSpPr>
+          <p:cNvPr id="2" name="Title 1">
+            <a:extLst>
+              <a:ext uri="{FF2B5EF4-FFF2-40B4-BE49-F238E27FC236}">
+                <a16:creationId xmlns:a16="http://schemas.microsoft.com/office/drawing/2014/main" id="{0277F749-6ED4-3E49-963A-830033252F78}"/>
+              </a:ext>
+            </a:extLst>
+          </p:cNvPr>
+          <p:cNvSpPr>
+            <a:spLocks noGrp="1"/>
+          </p:cNvSpPr>
+          <p:nvPr>
+            <p:ph type="title"/>
+          </p:nvPr>
+        </p:nvSpPr>
+        <p:spPr>
+          <a:xfrm>
+            <a:off x="0" y="17256"/>
+            <a:ext cx="10515600" cy="663782"/>
+          </a:xfrm>
+        </p:spPr>
+        <p:txBody>
+          <a:bodyPr/>
+          <a:lstStyle/>
+          <a:p>
+            <a:pPr lvl="0" indent="0" marL="0">
+              <a:buNone/>
+            </a:pPr>
+            <a:r>
+              <a:rPr/>
+              <a:t>Interação</a:t>
+            </a:r>
+          </a:p>
+        </p:txBody>
+      </p:sp>
+      <p:sp>
+        <p:nvSpPr>
+          <p:cNvPr id="3" name="Content Placeholder 2">
+            <a:extLst>
+              <a:ext uri="{FF2B5EF4-FFF2-40B4-BE49-F238E27FC236}">
+                <a16:creationId xmlns:a16="http://schemas.microsoft.com/office/drawing/2014/main" id="{1574FA24-F1CC-B240-AAF9-A2DF684B1C54}"/>
+              </a:ext>
+            </a:extLst>
+          </p:cNvPr>
+          <p:cNvSpPr>
+            <a:spLocks noGrp="1"/>
+          </p:cNvSpPr>
+          <p:nvPr>
+            <p:ph idx="1"/>
+          </p:nvPr>
+        </p:nvSpPr>
+        <p:spPr/>
+        <p:txBody>
+          <a:bodyPr/>
+          <a:lstStyle/>
+          <a:p>
+            <a:pPr lvl="0" indent="0" marL="0">
+              <a:buNone/>
+            </a:pPr>
+          </a:p>
+          <a:p>
+            <a:pPr lvl="0" indent="0" marL="0">
+              <a:spcBef>
+                <a:spcPts val="3000"/>
+              </a:spcBef>
+              <a:buNone/>
+            </a:pPr>
+            <a:r>
+              <a:rPr b="1"/>
+              <a:t>O que é efeito de interação?</a:t>
+            </a:r>
+          </a:p>
+          <a:p>
+            <a:pPr lvl="0"/>
+            <a:r>
+              <a:rPr/>
+              <a:t>A interação - representada pelo símbolo ‘*’ - é o termo estatístico empregado para representar a heterogeneidade de um determinado efeito.</a:t>
+            </a:r>
+            <a:r>
+              <a:rPr baseline="30000"/>
+              <a:t>116</a:t>
+            </a:r>
+          </a:p>
+          <a:p>
+            <a:pPr lvl="0"/>
+            <a:r>
+              <a:rPr/>
+              <a:t>Em ensaios clínicos aleatorizados, o principal problema de pesquisa é se há uma diferença pré-pós maior em um grupo do que em outro(s).</a:t>
+            </a:r>
+            <a:r>
+              <a:rPr baseline="30000"/>
+              <a:t>105</a:t>
+            </a:r>
+          </a:p>
+          <a:p>
+            <a:pPr lvl="0"/>
+            <a:r>
+              <a:rPr/>
+              <a:t>.</a:t>
+            </a:r>
+            <a:r>
+              <a:rPr baseline="30000"/>
+              <a:t>115</a:t>
+            </a:r>
+          </a:p>
+          <a:p>
+            <a:pPr lvl="0" indent="0" marL="0">
+              <a:buNone/>
+            </a:pPr>
+          </a:p>
+          <a:p>
+            <a:pPr lvl="0" indent="0" marL="0">
+              <a:spcBef>
+                <a:spcPts val="3000"/>
+              </a:spcBef>
+              <a:buNone/>
+            </a:pPr>
+            <a:r>
+              <a:rPr b="1"/>
+              <a:t>Por que analisar o efeito de interação?</a:t>
+            </a:r>
+          </a:p>
+          <a:p>
+            <a:pPr lvl="0"/>
+            <a:r>
+              <a:rPr/>
+              <a:t>A comparação de subgrupos por meio de testes de significância de hipótese nula separados é enganoso por não testar (comparar) diretamente os tamanhos dos efeitos dos tratamentos.</a:t>
+            </a:r>
+            <a:r>
+              <a:rPr baseline="30000"/>
+              <a:t>117</a:t>
+            </a:r>
+          </a:p>
+          <a:p>
+            <a:pPr lvl="0" indent="0" marL="0">
+              <a:buNone/>
+            </a:pPr>
+          </a:p>
+          <a:p>
+            <a:pPr lvl="0" indent="0" marL="0">
+              <a:spcBef>
+                <a:spcPts val="3000"/>
+              </a:spcBef>
+              <a:buNone/>
+            </a:pPr>
+            <a:r>
+              <a:rPr b="1"/>
+              <a:t>Quando usar o termo de interação?</a:t>
+            </a:r>
+          </a:p>
+          <a:p>
+            <a:pPr lvl="0"/>
+            <a:r>
+              <a:rPr/>
+              <a:t>Análise de efeito de interação pode ser usada para testar se o efeito de um tratamento varia entre dois ou mais subgrupos de indivíduos, ou seja, se um efeito é modificado pelo(s) outros(s) efeito(s).</a:t>
+            </a:r>
+            <a:r>
+              <a:rPr baseline="30000"/>
+              <a:t>116</a:t>
+            </a:r>
+          </a:p>
+          <a:p>
+            <a:pPr lvl="0"/>
+            <a:r>
+              <a:rPr/>
+              <a:t>A interação entre duas (ou mais) variáveis pode ser utilizada para comparar efeitos do tratamento em subgrupos de ensaios clínicos.</a:t>
+            </a:r>
+            <a:r>
+              <a:rPr baseline="30000"/>
+              <a:t>118</a:t>
+            </a:r>
+          </a:p>
+          <a:p>
+            <a:pPr lvl="0"/>
+            <a:r>
+              <a:rPr/>
+              <a:t>O poder estatístico para detectar efeitos de interação é limitado.</a:t>
+            </a:r>
+            <a:r>
+              <a:rPr baseline="30000"/>
+              <a:t>118</a:t>
+            </a:r>
+          </a:p>
+          <a:p>
+            <a:pPr lvl="0" indent="0" marL="0">
+              <a:buNone/>
+            </a:pPr>
+          </a:p>
+        </p:txBody>
+      </p:sp>
+    </p:spTree>
+  </p:cSld>
+</p:sld>
+</file>
+
+<file path=ppt/slides/slide93.xml><?xml version="1.0" encoding="utf-8"?>
+<p:sld xmlns:a="http://schemas.openxmlformats.org/drawingml/2006/main" xmlns:r="http://schemas.openxmlformats.org/officeDocument/2006/relationships" xmlns:p="http://schemas.openxmlformats.org/presentationml/2006/main">
+  <p:cSld>
+    <p:spTree>
+      <p:nvGrpSpPr>
+        <p:cNvPr id="1" name=""/>
+        <p:cNvGrpSpPr/>
+        <p:nvPr/>
+      </p:nvGrpSpPr>
+      <p:grpSpPr>
+        <a:xfrm>
+          <a:off x="0" y="0"/>
+          <a:ext cx="0" cy="0"/>
+          <a:chOff x="0" y="0"/>
+          <a:chExt cx="0" cy="0"/>
+        </a:xfrm>
+      </p:grpSpPr>
+      <p:sp>
+        <p:nvSpPr>
+          <p:cNvPr id="2" name="Title 1">
+            <a:extLst>
+              <a:ext uri="{FF2B5EF4-FFF2-40B4-BE49-F238E27FC236}">
+                <a16:creationId xmlns:a16="http://schemas.microsoft.com/office/drawing/2014/main" id="{0277F749-6ED4-3E49-963A-830033252F78}"/>
+              </a:ext>
+            </a:extLst>
+          </p:cNvPr>
+          <p:cNvSpPr>
+            <a:spLocks noGrp="1"/>
+          </p:cNvSpPr>
+          <p:nvPr>
+            <p:ph type="title"/>
+          </p:nvPr>
+        </p:nvSpPr>
+        <p:spPr>
+          <a:xfrm>
+            <a:off x="0" y="17256"/>
+            <a:ext cx="10515600" cy="663782"/>
+          </a:xfrm>
+        </p:spPr>
+        <p:txBody>
+          <a:bodyPr/>
+          <a:lstStyle/>
+          <a:p>
+            <a:pPr lvl="0" indent="0" marL="0">
+              <a:buNone/>
+            </a:pPr>
+            <a:r>
+              <a:rPr/>
+              <a:t>Mediação</a:t>
+            </a:r>
+          </a:p>
+        </p:txBody>
+      </p:sp>
+      <p:sp>
+        <p:nvSpPr>
+          <p:cNvPr id="3" name="Content Placeholder 2">
+            <a:extLst>
+              <a:ext uri="{FF2B5EF4-FFF2-40B4-BE49-F238E27FC236}">
+                <a16:creationId xmlns:a16="http://schemas.microsoft.com/office/drawing/2014/main" id="{1574FA24-F1CC-B240-AAF9-A2DF684B1C54}"/>
+              </a:ext>
+            </a:extLst>
+          </p:cNvPr>
+          <p:cNvSpPr>
+            <a:spLocks noGrp="1"/>
+          </p:cNvSpPr>
+          <p:nvPr>
+            <p:ph idx="1"/>
+          </p:nvPr>
+        </p:nvSpPr>
+        <p:spPr/>
+        <p:txBody>
+          <a:bodyPr/>
+          <a:lstStyle/>
+          <a:p>
+            <a:pPr lvl="0" indent="0" marL="0">
+              <a:buNone/>
+            </a:pPr>
+          </a:p>
+          <a:p>
+            <a:pPr lvl="0" indent="0" marL="0">
+              <a:spcBef>
+                <a:spcPts val="3000"/>
+              </a:spcBef>
+              <a:buNone/>
+            </a:pPr>
+            <a:r>
+              <a:rPr b="1"/>
+              <a:t>O que é mediação?</a:t>
+            </a:r>
+          </a:p>
+          <a:p>
+            <a:pPr lvl="0"/>
+            <a:r>
+              <a:rPr/>
+              <a:t>.</a:t>
+            </a:r>
+            <a:r>
+              <a:rPr baseline="30000"/>
+              <a:t>115</a:t>
+            </a:r>
+          </a:p>
+          <a:p>
+            <a:pPr lvl="0" indent="0" marL="0">
+              <a:buNone/>
+            </a:pPr>
+          </a:p>
+          <a:p>
+            <a:pPr lvl="0" indent="0" marL="0">
+              <a:spcBef>
+                <a:spcPts val="3000"/>
+              </a:spcBef>
+              <a:buNone/>
+            </a:pPr>
+            <a:r>
+              <a:rPr b="1"/>
+              <a:t>O que é um mediador?</a:t>
+            </a:r>
+          </a:p>
+          <a:p>
+            <a:pPr lvl="0"/>
+            <a:r>
+              <a:rPr/>
+              <a:t>.</a:t>
+            </a:r>
+            <a:r>
+              <a:rPr baseline="30000"/>
+              <a:t>115</a:t>
+            </a:r>
+          </a:p>
+          <a:p>
+            <a:pPr lvl="0" indent="0" marL="0">
+              <a:buNone/>
+            </a:pPr>
+          </a:p>
+          <a:p>
+            <a:pPr lvl="0" indent="0" marL="0">
+              <a:spcBef>
+                <a:spcPts val="3000"/>
+              </a:spcBef>
+              <a:buNone/>
+            </a:pPr>
+            <a:r>
+              <a:rPr b="1"/>
+              <a:t>O que é efeito direto?</a:t>
+            </a:r>
+          </a:p>
+          <a:p>
+            <a:pPr lvl="0"/>
+            <a:r>
+              <a:rPr/>
+              <a:t>.</a:t>
+            </a:r>
+            <a:r>
+              <a:rPr baseline="30000"/>
+              <a:t>115</a:t>
+            </a:r>
+          </a:p>
+          <a:p>
+            <a:pPr lvl="0" indent="0" marL="0">
+              <a:buNone/>
+            </a:pPr>
+          </a:p>
+          <a:p>
+            <a:pPr lvl="0" indent="0" marL="0">
+              <a:spcBef>
+                <a:spcPts val="3000"/>
+              </a:spcBef>
+              <a:buNone/>
+            </a:pPr>
+            <a:r>
+              <a:rPr b="1"/>
+              <a:t>O que é efeito indireto?</a:t>
+            </a:r>
+          </a:p>
+          <a:p>
+            <a:pPr lvl="0"/>
+            <a:r>
+              <a:rPr/>
+              <a:t>.</a:t>
+            </a:r>
+            <a:r>
+              <a:rPr baseline="30000"/>
+              <a:t>115</a:t>
+            </a:r>
+          </a:p>
+          <a:p>
+            <a:pPr lvl="0" indent="0" marL="0">
+              <a:buNone/>
+            </a:pPr>
+          </a:p>
+          <a:p>
+            <a:pPr lvl="0" indent="0" marL="0">
+              <a:spcBef>
+                <a:spcPts val="3000"/>
+              </a:spcBef>
+              <a:buNone/>
+            </a:pPr>
+            <a:r>
+              <a:rPr b="1"/>
+              <a:t>O que é efeito total?</a:t>
+            </a:r>
+          </a:p>
+          <a:p>
+            <a:pPr lvl="0"/>
+            <a:r>
+              <a:rPr/>
+              <a:t>.</a:t>
+            </a:r>
+            <a:r>
+              <a:rPr baseline="30000"/>
+              <a:t>115</a:t>
+            </a:r>
+          </a:p>
+          <a:p>
+            <a:pPr lvl="0" indent="0" marL="0">
+              <a:buNone/>
+            </a:pPr>
+          </a:p>
+        </p:txBody>
+      </p:sp>
+    </p:spTree>
+  </p:cSld>
+</p:sld>
+</file>
+
+<file path=ppt/slides/slide94.xml><?xml version="1.0" encoding="utf-8"?>
 <p:sld xmlns:a="http://schemas.openxmlformats.org/drawingml/2006/main" xmlns:r="http://schemas.openxmlformats.org/officeDocument/2006/relationships" xmlns:p="http://schemas.openxmlformats.org/presentationml/2006/main">
   <p:cSld>
     <p:spTree>
@@ -33817,7 +34129,7 @@
 </p:sld>
 </file>
 
-<file path=ppt/slides/slide93.xml><?xml version="1.0" encoding="utf-8"?>
+<file path=ppt/slides/slide95.xml><?xml version="1.0" encoding="utf-8"?>
 <p:sld xmlns:a="http://schemas.openxmlformats.org/drawingml/2006/main" xmlns:r="http://schemas.openxmlformats.org/officeDocument/2006/relationships" xmlns:p="http://schemas.openxmlformats.org/presentationml/2006/main">
   <p:cSld>
     <p:spTree>
@@ -34155,173 +34467,6 @@
 </p:sld>
 </file>
 
-<file path=ppt/slides/slide94.xml><?xml version="1.0" encoding="utf-8"?>
-<p:sld xmlns:a="http://schemas.openxmlformats.org/drawingml/2006/main" xmlns:r="http://schemas.openxmlformats.org/officeDocument/2006/relationships" xmlns:p="http://schemas.openxmlformats.org/presentationml/2006/main">
-  <p:cSld>
-    <p:spTree>
-      <p:nvGrpSpPr>
-        <p:cNvPr id="1" name=""/>
-        <p:cNvGrpSpPr/>
-        <p:nvPr/>
-      </p:nvGrpSpPr>
-      <p:grpSpPr>
-        <a:xfrm>
-          <a:off x="0" y="0"/>
-          <a:ext cx="0" cy="0"/>
-          <a:chOff x="0" y="0"/>
-          <a:chExt cx="0" cy="0"/>
-        </a:xfrm>
-      </p:grpSpPr>
-      <p:sp>
-        <p:nvSpPr>
-          <p:cNvPr id="2" name="Title 1">
-            <a:extLst>
-              <a:ext uri="{FF2B5EF4-FFF2-40B4-BE49-F238E27FC236}">
-                <a16:creationId xmlns:a16="http://schemas.microsoft.com/office/drawing/2014/main" id="{28A92D45-5BAF-634B-BB37-8481089F9E28}"/>
-              </a:ext>
-            </a:extLst>
-          </p:cNvPr>
-          <p:cNvSpPr>
-            <a:spLocks noGrp="1"/>
-          </p:cNvSpPr>
-          <p:nvPr>
-            <p:ph type="title"/>
-          </p:nvPr>
-        </p:nvSpPr>
-        <p:spPr>
-          <a:xfrm>
-            <a:off x="831850" y="1709738"/>
-            <a:ext cx="10515600" cy="2852737"/>
-          </a:xfrm>
-        </p:spPr>
-        <p:txBody>
-          <a:bodyPr/>
-          <a:lstStyle/>
-          <a:p>
-            <a:pPr lvl="0" indent="0" marL="0">
-              <a:buNone/>
-            </a:pPr>
-            <a:r>
-              <a:rPr b="1"/>
-              <a:t>Simulação computacional</a:t>
-            </a:r>
-          </a:p>
-        </p:txBody>
-      </p:sp>
-    </p:spTree>
-  </p:cSld>
-</p:sld>
-</file>
-
-<file path=ppt/slides/slide95.xml><?xml version="1.0" encoding="utf-8"?>
-<p:sld xmlns:a="http://schemas.openxmlformats.org/drawingml/2006/main" xmlns:r="http://schemas.openxmlformats.org/officeDocument/2006/relationships" xmlns:p="http://schemas.openxmlformats.org/presentationml/2006/main">
-  <p:cSld>
-    <p:spTree>
-      <p:nvGrpSpPr>
-        <p:cNvPr id="1" name=""/>
-        <p:cNvGrpSpPr/>
-        <p:nvPr/>
-      </p:nvGrpSpPr>
-      <p:grpSpPr>
-        <a:xfrm>
-          <a:off x="0" y="0"/>
-          <a:ext cx="0" cy="0"/>
-          <a:chOff x="0" y="0"/>
-          <a:chExt cx="0" cy="0"/>
-        </a:xfrm>
-      </p:grpSpPr>
-      <p:sp>
-        <p:nvSpPr>
-          <p:cNvPr id="2" name="Title 1">
-            <a:extLst>
-              <a:ext uri="{FF2B5EF4-FFF2-40B4-BE49-F238E27FC236}">
-                <a16:creationId xmlns:a16="http://schemas.microsoft.com/office/drawing/2014/main" id="{0277F749-6ED4-3E49-963A-830033252F78}"/>
-              </a:ext>
-            </a:extLst>
-          </p:cNvPr>
-          <p:cNvSpPr>
-            <a:spLocks noGrp="1"/>
-          </p:cNvSpPr>
-          <p:nvPr>
-            <p:ph type="title"/>
-          </p:nvPr>
-        </p:nvSpPr>
-        <p:spPr>
-          <a:xfrm>
-            <a:off x="0" y="17256"/>
-            <a:ext cx="10515600" cy="663782"/>
-          </a:xfrm>
-        </p:spPr>
-        <p:txBody>
-          <a:bodyPr/>
-          <a:lstStyle/>
-          <a:p>
-            <a:pPr lvl="0" indent="0" marL="0">
-              <a:buNone/>
-            </a:pPr>
-            <a:r>
-              <a:rPr/>
-              <a:t>Simulação computacional de dados</a:t>
-            </a:r>
-          </a:p>
-        </p:txBody>
-      </p:sp>
-      <p:sp>
-        <p:nvSpPr>
-          <p:cNvPr id="3" name="Content Placeholder 2">
-            <a:extLst>
-              <a:ext uri="{FF2B5EF4-FFF2-40B4-BE49-F238E27FC236}">
-                <a16:creationId xmlns:a16="http://schemas.microsoft.com/office/drawing/2014/main" id="{1574FA24-F1CC-B240-AAF9-A2DF684B1C54}"/>
-              </a:ext>
-            </a:extLst>
-          </p:cNvPr>
-          <p:cNvSpPr>
-            <a:spLocks noGrp="1"/>
-          </p:cNvSpPr>
-          <p:nvPr>
-            <p:ph idx="1"/>
-          </p:nvPr>
-        </p:nvSpPr>
-        <p:spPr/>
-        <p:txBody>
-          <a:bodyPr/>
-          <a:lstStyle/>
-          <a:p>
-            <a:pPr lvl="0" indent="0" marL="0">
-              <a:buNone/>
-            </a:pPr>
-          </a:p>
-          <a:p>
-            <a:pPr lvl="0" indent="0" marL="0">
-              <a:spcBef>
-                <a:spcPts val="3000"/>
-              </a:spcBef>
-              <a:buNone/>
-            </a:pPr>
-            <a:r>
-              <a:rPr b="1"/>
-              <a:t>O que é simulação computacional de dados?</a:t>
-            </a:r>
-          </a:p>
-          <a:p>
-            <a:pPr lvl="0"/>
-            <a:r>
-              <a:rPr/>
-              <a:t>.[REF]</a:t>
-            </a:r>
-          </a:p>
-          <a:p>
-            <a:pPr lvl="0" indent="0" marL="0">
-              <a:buNone/>
-            </a:pPr>
-          </a:p>
-        </p:txBody>
-      </p:sp>
-    </p:spTree>
-  </p:cSld>
-</p:sld>
-</file>
-
 <file path=ppt/slides/slide96.xml><?xml version="1.0" encoding="utf-8"?>
 <p:sld xmlns:a="http://schemas.openxmlformats.org/drawingml/2006/main" xmlns:r="http://schemas.openxmlformats.org/officeDocument/2006/relationships" xmlns:p="http://schemas.openxmlformats.org/presentationml/2006/main">
   <p:cSld>
@@ -34370,7 +34515,7 @@
             </a:pPr>
             <a:r>
               <a:rPr b="1"/>
-              <a:t>Vieses</a:t>
+              <a:t>Simulação computacional</a:t>
             </a:r>
           </a:p>
         </p:txBody>
@@ -34428,7 +34573,7 @@
             </a:pPr>
             <a:r>
               <a:rPr/>
-              <a:t>Vieses</a:t>
+              <a:t>Simulação computacional de dados</a:t>
             </a:r>
           </a:p>
         </p:txBody>
@@ -34467,7 +34612,7 @@
             </a:pPr>
             <a:r>
               <a:rPr b="1"/>
-              <a:t>O que são vieses?</a:t>
+              <a:t>O que é simulação computacional de dados?</a:t>
             </a:r>
           </a:p>
           <a:p>
@@ -34537,7 +34682,7 @@
             </a:pPr>
             <a:r>
               <a:rPr b="1"/>
-              <a:t>Redação estatística</a:t>
+              <a:t>Vieses</a:t>
             </a:r>
           </a:p>
         </p:txBody>
@@ -34595,7 +34740,7 @@
             </a:pPr>
             <a:r>
               <a:rPr/>
-              <a:t>Manuscritos reprodutíveis</a:t>
+              <a:t>Vieses</a:t>
             </a:r>
           </a:p>
         </p:txBody>
@@ -34634,7 +34779,7 @@
             </a:pPr>
             <a:r>
               <a:rPr b="1"/>
-              <a:t>O que são manuscritos reprodutíveis?</a:t>
+              <a:t>O que são vieses?</a:t>
             </a:r>
           </a:p>
           <a:p>

--- a/docs/Ciência-com-R.pptx
+++ b/docs/Ciência-com-R.pptx
@@ -17925,13 +17925,6 @@
                 </a:pPr>
                 <a:r>
                   <a:rPr b="1"/>
-                  <a:t>Quais testes podem ser usados em análise de associação bivariada?</a:t>
-                </a:r>
-              </a:p>
-              <a:p>
-                <a:pPr lvl="0"/>
-                <a:r>
-                  <a:rPr/>
                   <a:t>Qui-quadrado (</a:t>
                 </a:r>
                 <a14:m>
@@ -17951,12 +17944,12 @@
                   </m:oMath>
                 </a14:m>
                 <a:r>
-                  <a:rPr/>
+                  <a:rPr b="1"/>
                   <a:t>)</a:t>
                 </a:r>
               </a:p>
               <a:p>
-                <a:pPr lvl="1"/>
+                <a:pPr lvl="0"/>
                 <a:r>
                   <a:rPr/>
                   <a:t>O teste qui-quadrado (</a:t>
@@ -17987,7 +17980,7 @@
                 </a:r>
               </a:p>
               <a:p>
-                <a:pPr lvl="1"/>
+                <a:pPr lvl="0"/>
                 <a:r>
                   <a:rPr/>
                   <a:t>O teste qui-quadrado é utilizado para comparar a distribuição de uma variável categórica em uma amostra ou grupo com a distribuição em outro. Se a distribuição da variável categórica não for muito diferente nos diferentes grupos, pode-se concluir que a distribuição da variável categórica não está relacionada com a variável dos grupos. Pode-se também concluir que a variável categórica e os grupos são independentes.</a:t>
@@ -17995,69 +17988,69 @@
                 <a:r>
                   <a:rPr baseline="30000"/>
                   <a:t>82</a:t>
+                </a:r>
+              </a:p>
+              <a:p>
+                <a:pPr lvl="0"/>
+                <a:r>
+                  <a:rPr/>
+                  <a:t>Tipo: não paramétrico.</a:t>
+                </a:r>
+                <a:r>
+                  <a:rPr baseline="30000"/>
+                  <a:t>82,83</a:t>
+                </a:r>
+              </a:p>
+              <a:p>
+                <a:pPr lvl="0"/>
+                <a:r>
+                  <a:rPr/>
+                  <a:t>Suposições:</a:t>
+                </a:r>
+                <a:r>
+                  <a:rPr baseline="30000"/>
+                  <a:t>82,83</a:t>
                 </a:r>
               </a:p>
               <a:p>
                 <a:pPr lvl="1"/>
                 <a:r>
                   <a:rPr/>
-                  <a:t>Tipo: não paramétrico.</a:t>
-                </a:r>
-                <a:r>
-                  <a:rPr baseline="30000"/>
-                  <a:t>82,83</a:t>
+                  <a:t>As variáveis são ordinais ou categóricas nominais, de modo que as células representem frequência.</a:t>
                 </a:r>
               </a:p>
               <a:p>
                 <a:pPr lvl="1"/>
                 <a:r>
                   <a:rPr/>
-                  <a:t>Suposições:</a:t>
-                </a:r>
-                <a:r>
-                  <a:rPr baseline="30000"/>
-                  <a:t>82,83</a:t>
-                </a:r>
-              </a:p>
-              <a:p>
-                <a:pPr lvl="2"/>
-                <a:r>
-                  <a:rPr/>
-                  <a:t>As variáveis são ordinais ou categóricas nominais, de modo que as células representem frequência.</a:t>
-                </a:r>
-              </a:p>
-              <a:p>
-                <a:pPr lvl="2"/>
-                <a:r>
-                  <a:rPr/>
                   <a:t>Os níveis dos fatores (variáveis categóricas) são mutuamente exclusivos.</a:t>
-                </a:r>
-              </a:p>
-              <a:p>
-                <a:pPr lvl="2"/>
-                <a:r>
-                  <a:rPr/>
-                  <a:t>Tamanho de amostra grande e adequado porque é baseado em uma abordagem de aproximação.</a:t>
-                </a:r>
-              </a:p>
-              <a:p>
-                <a:pPr lvl="2"/>
-                <a:r>
-                  <a:rPr/>
-                  <a:t>Menos de 20% das células com frequências esperadas &lt; 5</a:t>
-                </a:r>
-              </a:p>
-              <a:p>
-                <a:pPr lvl="2"/>
-                <a:r>
-                  <a:rPr/>
-                  <a:t>Nenhuma célula com frequência esperada &lt; 1.</a:t>
                 </a:r>
               </a:p>
               <a:p>
                 <a:pPr lvl="1"/>
                 <a:r>
                   <a:rPr/>
+                  <a:t>Tamanho de amostra grande e adequado porque é baseado em uma abordagem de aproximação.</a:t>
+                </a:r>
+              </a:p>
+              <a:p>
+                <a:pPr lvl="1"/>
+                <a:r>
+                  <a:rPr/>
+                  <a:t>Menos de 20% das células com frequências esperadas &lt; 5</a:t>
+                </a:r>
+              </a:p>
+              <a:p>
+                <a:pPr lvl="1"/>
+                <a:r>
+                  <a:rPr/>
+                  <a:t>Nenhuma célula com frequência esperada &lt; 1.</a:t>
+                </a:r>
+              </a:p>
+              <a:p>
+                <a:pPr lvl="0"/>
+                <a:r>
+                  <a:rPr/>
                   <a:t>Hipóteses:</a:t>
                 </a:r>
                 <a:r>
@@ -18066,7 +18059,7 @@
                 </a:r>
               </a:p>
               <a:p>
-                <a:pPr lvl="2"/>
+                <a:pPr lvl="1"/>
                 <a:r>
                   <a:rPr/>
                   <a:t>Nula (</a:t>
@@ -18093,7 +18086,7 @@
                 </a:r>
               </a:p>
               <a:p>
-                <a:pPr lvl="2"/>
+                <a:pPr lvl="1"/>
                 <a:r>
                   <a:rPr/>
                   <a:t>Alternativa (</a:t>
@@ -18120,7 +18113,7 @@
                 </a:r>
               </a:p>
               <a:p>
-                <a:pPr lvl="1"/>
+                <a:pPr lvl="0"/>
                 <a:r>
                   <a:rPr/>
                   <a:t>Tamanho do efeito:</a:t>
@@ -18131,7 +18124,7 @@
                 </a:r>
               </a:p>
               <a:p>
-                <a:pPr lvl="2"/>
+                <a:pPr lvl="1"/>
                 <a:r>
                   <a:rPr/>
                   <a:t>Phi (</a:t>
@@ -18149,7 +18142,7 @@
                 </a:r>
               </a:p>
               <a:p>
-                <a:pPr lvl="2"/>
+                <a:pPr lvl="1"/>
                 <a:r>
                   <a:rPr/>
                   <a:t>Razão de chances (</a:t>
@@ -18184,7 +18177,7 @@
                 </a:r>
               </a:p>
               <a:p>
-                <a:pPr lvl="2"/>
+                <a:pPr lvl="1"/>
                 <a:r>
                   <a:rPr/>
                   <a:t>Cramer V (</a:t>
@@ -18199,205 +18192,6 @@
                 <a:r>
                   <a:rPr/>
                   <a:t>), para tabelas de contingência NxM</a:t>
-                </a:r>
-              </a:p>
-              <a:p>
-                <a:pPr lvl="0"/>
-                <a:r>
-                  <a:rPr/>
-                  <a:t>Teste exato de Fisher</a:t>
-                </a:r>
-              </a:p>
-              <a:p>
-                <a:pPr lvl="1"/>
-                <a:r>
-                  <a:rPr/>
-                  <a:t>O teste exato de Fisher avalia a hipótese nula de independência aplicando a distribuição hipergeométrica dos números nas células da tabela.</a:t>
-                </a:r>
-                <a:r>
-                  <a:rPr baseline="30000"/>
-                  <a:t>82</a:t>
-                </a:r>
-              </a:p>
-              <a:p>
-                <a:pPr lvl="1"/>
-                <a:r>
-                  <a:rPr/>
-                  <a:t>Hipóteses:</a:t>
-                </a:r>
-                <a:r>
-                  <a:rPr baseline="30000"/>
-                  <a:t>82,83</a:t>
-                </a:r>
-              </a:p>
-              <a:p>
-                <a:pPr lvl="2"/>
-                <a:r>
-                  <a:rPr/>
-                  <a:t>Nula (</a:t>
-                </a:r>
-                <a14:m>
-                  <m:oMath xmlns:m="http://schemas.openxmlformats.org/officeDocument/2006/math">
-                    <m:sSub>
-                      <m:e>
-                        <m:r>
-                          <m:t>H</m:t>
-                        </m:r>
-                      </m:e>
-                      <m:sub>
-                        <m:r>
-                          <m:t>0</m:t>
-                        </m:r>
-                      </m:sub>
-                    </m:sSub>
-                  </m:oMath>
-                </a14:m>
-                <a:r>
-                  <a:rPr/>
-                  <a:t>): independente (sem associação)</a:t>
-                </a:r>
-              </a:p>
-              <a:p>
-                <a:pPr lvl="2"/>
-                <a:r>
-                  <a:rPr/>
-                  <a:t>Alternativa (</a:t>
-                </a:r>
-                <a14:m>
-                  <m:oMath xmlns:m="http://schemas.openxmlformats.org/officeDocument/2006/math">
-                    <m:sSub>
-                      <m:e>
-                        <m:r>
-                          <m:t>H</m:t>
-                        </m:r>
-                      </m:e>
-                      <m:sub>
-                        <m:r>
-                          <m:t>1</m:t>
-                        </m:r>
-                      </m:sub>
-                    </m:sSub>
-                  </m:oMath>
-                </a14:m>
-                <a:r>
-                  <a:rPr/>
-                  <a:t>): não independente (associação)</a:t>
-                </a:r>
-              </a:p>
-              <a:p>
-                <a:pPr lvl="1"/>
-                <a:r>
-                  <a:rPr/>
-                  <a:t>Tamanho do efeito:</a:t>
-                </a:r>
-                <a:r>
-                  <a:rPr baseline="30000"/>
-                  <a:t>82,83</a:t>
-                </a:r>
-              </a:p>
-              <a:p>
-                <a:pPr lvl="2"/>
-                <a:r>
-                  <a:rPr/>
-                  <a:t>Phi (</a:t>
-                </a:r>
-                <a14:m>
-                  <m:oMath xmlns:m="http://schemas.openxmlformats.org/officeDocument/2006/math">
-                    <m:r>
-                      <m:t>ϕ</m:t>
-                    </m:r>
-                  </m:oMath>
-                </a14:m>
-                <a:r>
-                  <a:rPr/>
-                  <a:t>), para tabelas de contingência 2x2</a:t>
-                </a:r>
-              </a:p>
-              <a:p>
-                <a:pPr lvl="2"/>
-                <a:r>
-                  <a:rPr/>
-                  <a:t>Razão de chances (</a:t>
-                </a:r>
-                <a14:m>
-                  <m:oMath xmlns:m="http://schemas.openxmlformats.org/officeDocument/2006/math">
-                    <m:r>
-                      <m:t>R</m:t>
-                    </m:r>
-                    <m:r>
-                      <m:t>C</m:t>
-                    </m:r>
-                  </m:oMath>
-                </a14:m>
-                <a:r>
-                  <a:rPr/>
-                  <a:t> ou </a:t>
-                </a:r>
-                <a14:m>
-                  <m:oMath xmlns:m="http://schemas.openxmlformats.org/officeDocument/2006/math">
-                    <m:r>
-                      <m:t>O</m:t>
-                    </m:r>
-                    <m:r>
-                      <m:t>R</m:t>
-                    </m:r>
-                  </m:oMath>
-                </a14:m>
-                <a:r>
-                  <a:rPr/>
-                  <a:t>), para tabelas de contingência 2x2</a:t>
-                </a:r>
-              </a:p>
-              <a:p>
-                <a:pPr lvl="2"/>
-                <a:r>
-                  <a:rPr/>
-                  <a:t>Cramer V (</a:t>
-                </a:r>
-                <a14:m>
-                  <m:oMath xmlns:m="http://schemas.openxmlformats.org/officeDocument/2006/math">
-                    <m:r>
-                      <m:t>V</m:t>
-                    </m:r>
-                  </m:oMath>
-                </a14:m>
-                <a:r>
-                  <a:rPr/>
-                  <a:t>), para tabelas de contingência NxM</a:t>
-                </a:r>
-              </a:p>
-              <a:p>
-                <a:pPr lvl="0" indent="0" marL="0">
-                  <a:buNone/>
-                </a:pPr>
-              </a:p>
-              <a:p>
-                <a:pPr lvl="0" indent="0" marL="0">
-                  <a:buNone/>
-                </a:pPr>
-                <a:r>
-                  <a:rPr/>
-                  <a:t>O pacote </a:t>
-                </a:r>
-                <a:r>
-                  <a:rPr i="1"/>
-                  <a:t>gtsummary</a:t>
-                </a:r>
-                <a:r>
-                  <a:rPr baseline="30000"/>
-                  <a:t>84</a:t>
-                </a:r>
-                <a:r>
-                  <a:rPr/>
-                  <a:t> fornece a função </a:t>
-                </a:r>
-                <a:r>
-                  <a:rPr i="1"/>
-                  <a:t>tbl_cross</a:t>
-                </a:r>
-                <a:r>
-                  <a:rPr/>
-                  <a:t> para criar uma tabela NxM. </a:t>
                 </a:r>
               </a:p>
               <a:p>
@@ -19366,7 +19160,7 @@
                     </a:solidFill>
                     <a:latin typeface="Courier"/>
                   </a:rPr>
-                  <a:t>"**Teste Qui-quadrado (com correção de Yates)**"</a:t>
+                  <a:t>"Teste Qui-quadrado (com correção de Yates)"</a:t>
                 </a:r>
                 <a:r>
                   <a:rPr>
@@ -22602,7 +22396,7 @@
                 </a:solidFill>
                 <a:latin typeface="Courier"/>
               </a:rPr>
-              <a:t>"**Teste Qui-quadrado**"</a:t>
+              <a:t>"Teste Qui-quadrado"</a:t>
             </a:r>
             <a:r>
               <a:rPr>
@@ -24843,1061 +24637,1274 @@
           </a:graphicData>
         </a:graphic>
       </p:graphicFrame>
-      <p:sp>
-        <p:nvSpPr>
-          <p:cNvPr id="7" name="Content Placeholder 2">
-            <a:extLst>
-              <a:ext uri="{FF2B5EF4-FFF2-40B4-BE49-F238E27FC236}">
-                <a16:creationId xmlns:a16="http://schemas.microsoft.com/office/drawing/2014/main" id="{1574FA24-F1CC-B240-AAF9-A2DF684B1C54}"/>
-              </a:ext>
-            </a:extLst>
-          </p:cNvPr>
-          <p:cNvSpPr>
-            <a:spLocks noGrp="1"/>
-          </p:cNvSpPr>
-          <p:nvPr>
-            <p:ph idx="1"/>
-          </p:nvPr>
-        </p:nvSpPr>
-        <p:spPr/>
-        <p:txBody>
-          <a:bodyPr/>
-          <a:lstStyle/>
-          <a:p>
-            <a:pPr lvl="0" indent="0" marL="0">
-              <a:buNone/>
-            </a:pPr>
-          </a:p>
-          <a:p>
-            <a:pPr lvl="0" indent="0">
-              <a:buNone/>
-            </a:pPr>
-            <a:r>
-              <a:rPr i="1">
-                <a:solidFill>
-                  <a:srgbClr val="60A0B0"/>
-                </a:solidFill>
-                <a:latin typeface="Courier"/>
-              </a:rPr>
-              <a:t># carrega os pacotes</a:t>
-            </a:r>
-            <a:br/>
-            <a:r>
-              <a:rPr>
-                <a:solidFill>
-                  <a:srgbClr val="06287E"/>
-                </a:solidFill>
-                <a:latin typeface="Courier"/>
-              </a:rPr>
-              <a:t>library</a:t>
-            </a:r>
-            <a:r>
-              <a:rPr>
-                <a:latin typeface="Courier"/>
-              </a:rPr>
-              <a:t>(</a:t>
-            </a:r>
-            <a:r>
-              <a:rPr>
-                <a:solidFill>
-                  <a:srgbClr val="4070A0"/>
-                </a:solidFill>
-                <a:latin typeface="Courier"/>
-              </a:rPr>
-              <a:t>"dplyr"</a:t>
-            </a:r>
-            <a:r>
-              <a:rPr>
-                <a:latin typeface="Courier"/>
-              </a:rPr>
-              <a:t>)</a:t>
-            </a:r>
-            <a:br/>
-            <a:r>
-              <a:rPr>
-                <a:solidFill>
-                  <a:srgbClr val="06287E"/>
-                </a:solidFill>
-                <a:latin typeface="Courier"/>
-              </a:rPr>
-              <a:t>library</a:t>
-            </a:r>
-            <a:r>
-              <a:rPr>
-                <a:latin typeface="Courier"/>
-              </a:rPr>
-              <a:t>(</a:t>
-            </a:r>
-            <a:r>
-              <a:rPr>
-                <a:solidFill>
-                  <a:srgbClr val="4070A0"/>
-                </a:solidFill>
-                <a:latin typeface="Courier"/>
-              </a:rPr>
-              <a:t>"gtsummary"</a:t>
-            </a:r>
-            <a:r>
-              <a:rPr>
-                <a:latin typeface="Courier"/>
-              </a:rPr>
-              <a:t>)</a:t>
-            </a:r>
-            <a:br/>
-            <a:br/>
-            <a:r>
-              <a:rPr i="1">
-                <a:solidFill>
-                  <a:srgbClr val="60A0B0"/>
-                </a:solidFill>
-                <a:latin typeface="Courier"/>
-              </a:rPr>
-              <a:t># tabela 2x2</a:t>
-            </a:r>
-            <a:br/>
-            <a:r>
-              <a:rPr>
-                <a:latin typeface="Courier"/>
-              </a:rPr>
-              <a:t>tbl_cross </a:t>
-            </a:r>
-            <a:r>
-              <a:rPr>
-                <a:solidFill>
-                  <a:srgbClr val="007020"/>
-                </a:solidFill>
-                <a:latin typeface="Courier"/>
-              </a:rPr>
-              <a:t>&lt;-</a:t>
-            </a:r>
-            <a:r>
-              <a:rPr>
-                <a:latin typeface="Courier"/>
-              </a:rPr>
-              <a:t> </a:t>
-            </a:r>
-            <a:r>
-              <a:rPr i="1">
-                <a:solidFill>
-                  <a:srgbClr val="60A0B0"/>
-                </a:solidFill>
-                <a:latin typeface="Courier"/>
-              </a:rPr>
-              <a:t># banco de dados tbl_cross &lt;- # banco de dados</a:t>
-            </a:r>
-            <a:br/>
-            <a:r>
-              <a:rPr>
-                <a:latin typeface="Courier"/>
-              </a:rPr>
-              <a:t>trial </a:t>
-            </a:r>
-            <a:r>
-              <a:rPr>
-                <a:solidFill>
-                  <a:srgbClr val="4070A0"/>
-                </a:solidFill>
-                <a:latin typeface="Courier"/>
-              </a:rPr>
-              <a:t>%&gt;%</a:t>
-            </a:r>
-            <a:br/>
-            <a:r>
-              <a:rPr>
-                <a:latin typeface="Courier"/>
-              </a:rPr>
-              <a:t>    </a:t>
-            </a:r>
-            <a:r>
-              <a:rPr i="1">
-                <a:solidFill>
-                  <a:srgbClr val="60A0B0"/>
-                </a:solidFill>
-                <a:latin typeface="Courier"/>
-              </a:rPr>
-              <a:t># cria a tabela de contingência</a:t>
-            </a:r>
-            <a:br/>
-            <a:r>
-              <a:rPr>
-                <a:latin typeface="Courier"/>
-              </a:rPr>
-              <a:t>gtsummary</a:t>
-            </a:r>
-            <a:r>
-              <a:rPr>
-                <a:solidFill>
-                  <a:srgbClr val="4070A0"/>
-                </a:solidFill>
-                <a:latin typeface="Courier"/>
-              </a:rPr>
-              <a:t>::</a:t>
-            </a:r>
-            <a:r>
-              <a:rPr>
-                <a:solidFill>
-                  <a:srgbClr val="06287E"/>
-                </a:solidFill>
-                <a:latin typeface="Courier"/>
-              </a:rPr>
-              <a:t>tbl_cross</a:t>
-            </a:r>
-            <a:r>
-              <a:rPr>
-                <a:latin typeface="Courier"/>
-              </a:rPr>
-              <a:t>(</a:t>
-            </a:r>
-            <a:r>
-              <a:rPr>
-                <a:solidFill>
-                  <a:srgbClr val="7D9029"/>
-                </a:solidFill>
-                <a:latin typeface="Courier"/>
-              </a:rPr>
-              <a:t>row =</a:t>
-            </a:r>
-            <a:r>
-              <a:rPr>
-                <a:latin typeface="Courier"/>
-              </a:rPr>
-              <a:t> trt, </a:t>
-            </a:r>
-            <a:r>
-              <a:rPr>
-                <a:solidFill>
-                  <a:srgbClr val="7D9029"/>
-                </a:solidFill>
-                <a:latin typeface="Courier"/>
-              </a:rPr>
-              <a:t>col =</a:t>
-            </a:r>
-            <a:r>
-              <a:rPr>
-                <a:latin typeface="Courier"/>
-              </a:rPr>
-              <a:t> response, </a:t>
-            </a:r>
-            <a:r>
-              <a:rPr>
-                <a:solidFill>
-                  <a:srgbClr val="7D9029"/>
-                </a:solidFill>
-                <a:latin typeface="Courier"/>
-              </a:rPr>
-              <a:t>statistic =</a:t>
-            </a:r>
-            <a:r>
-              <a:rPr>
-                <a:latin typeface="Courier"/>
-              </a:rPr>
-              <a:t> </a:t>
-            </a:r>
-            <a:r>
-              <a:rPr>
-                <a:solidFill>
-                  <a:srgbClr val="4070A0"/>
-                </a:solidFill>
-                <a:latin typeface="Courier"/>
-              </a:rPr>
-              <a:t>"{n}"</a:t>
-            </a:r>
-            <a:r>
-              <a:rPr>
-                <a:latin typeface="Courier"/>
-              </a:rPr>
-              <a:t>, </a:t>
-            </a:r>
-            <a:r>
-              <a:rPr>
-                <a:solidFill>
-                  <a:srgbClr val="7D9029"/>
-                </a:solidFill>
-                <a:latin typeface="Courier"/>
-              </a:rPr>
-              <a:t>digits =</a:t>
-            </a:r>
-            <a:r>
-              <a:rPr>
-                <a:latin typeface="Courier"/>
-              </a:rPr>
-              <a:t> </a:t>
-            </a:r>
-            <a:r>
-              <a:rPr>
-                <a:solidFill>
-                  <a:srgbClr val="40A070"/>
-                </a:solidFill>
-                <a:latin typeface="Courier"/>
-              </a:rPr>
-              <a:t>0</a:t>
-            </a:r>
-            <a:r>
-              <a:rPr>
-                <a:latin typeface="Courier"/>
-              </a:rPr>
-              <a:t>, </a:t>
-            </a:r>
-            <a:r>
-              <a:rPr>
-                <a:solidFill>
-                  <a:srgbClr val="7D9029"/>
-                </a:solidFill>
-                <a:latin typeface="Courier"/>
-              </a:rPr>
-              <a:t>percent =</a:t>
-            </a:r>
-            <a:r>
-              <a:rPr>
-                <a:latin typeface="Courier"/>
-              </a:rPr>
-              <a:t> </a:t>
-            </a:r>
-            <a:r>
-              <a:rPr>
-                <a:solidFill>
-                  <a:srgbClr val="4070A0"/>
-                </a:solidFill>
-                <a:latin typeface="Courier"/>
-              </a:rPr>
-              <a:t>"cell"</a:t>
-            </a:r>
-            <a:r>
-              <a:rPr>
-                <a:latin typeface="Courier"/>
-              </a:rPr>
-              <a:t>,</a:t>
-            </a:r>
-            <a:br/>
-            <a:r>
-              <a:rPr>
-                <a:latin typeface="Courier"/>
-              </a:rPr>
-              <a:t>    </a:t>
-            </a:r>
-            <a:r>
-              <a:rPr>
-                <a:solidFill>
-                  <a:srgbClr val="7D9029"/>
-                </a:solidFill>
-                <a:latin typeface="Courier"/>
-              </a:rPr>
-              <a:t>margin =</a:t>
-            </a:r>
-            <a:r>
-              <a:rPr>
-                <a:latin typeface="Courier"/>
-              </a:rPr>
-              <a:t> </a:t>
-            </a:r>
-            <a:r>
-              <a:rPr>
-                <a:solidFill>
-                  <a:srgbClr val="06287E"/>
-                </a:solidFill>
-                <a:latin typeface="Courier"/>
-              </a:rPr>
-              <a:t>c</a:t>
-            </a:r>
-            <a:r>
-              <a:rPr>
-                <a:latin typeface="Courier"/>
-              </a:rPr>
-              <a:t>(</a:t>
-            </a:r>
-            <a:r>
-              <a:rPr>
-                <a:solidFill>
-                  <a:srgbClr val="4070A0"/>
-                </a:solidFill>
-                <a:latin typeface="Courier"/>
-              </a:rPr>
-              <a:t>"row"</a:t>
-            </a:r>
-            <a:r>
-              <a:rPr>
-                <a:latin typeface="Courier"/>
-              </a:rPr>
-              <a:t>, </a:t>
-            </a:r>
-            <a:r>
-              <a:rPr>
-                <a:solidFill>
-                  <a:srgbClr val="4070A0"/>
-                </a:solidFill>
-                <a:latin typeface="Courier"/>
-              </a:rPr>
-              <a:t>"column"</a:t>
-            </a:r>
-            <a:r>
-              <a:rPr>
-                <a:latin typeface="Courier"/>
-              </a:rPr>
-              <a:t>), </a:t>
-            </a:r>
-            <a:r>
-              <a:rPr>
-                <a:solidFill>
-                  <a:srgbClr val="7D9029"/>
-                </a:solidFill>
-                <a:latin typeface="Courier"/>
-              </a:rPr>
-              <a:t>missing =</a:t>
-            </a:r>
-            <a:r>
-              <a:rPr>
-                <a:latin typeface="Courier"/>
-              </a:rPr>
-              <a:t> </a:t>
-            </a:r>
-            <a:r>
-              <a:rPr>
-                <a:solidFill>
-                  <a:srgbClr val="4070A0"/>
-                </a:solidFill>
-                <a:latin typeface="Courier"/>
-              </a:rPr>
-              <a:t>"no"</a:t>
-            </a:r>
-            <a:r>
-              <a:rPr>
-                <a:latin typeface="Courier"/>
-              </a:rPr>
-              <a:t>, </a:t>
-            </a:r>
-            <a:r>
-              <a:rPr>
-                <a:solidFill>
-                  <a:srgbClr val="7D9029"/>
-                </a:solidFill>
-                <a:latin typeface="Courier"/>
-              </a:rPr>
-              <a:t>missing_text =</a:t>
-            </a:r>
-            <a:r>
-              <a:rPr>
-                <a:latin typeface="Courier"/>
-              </a:rPr>
-              <a:t> </a:t>
-            </a:r>
-            <a:r>
-              <a:rPr>
-                <a:solidFill>
-                  <a:srgbClr val="4070A0"/>
-                </a:solidFill>
-                <a:latin typeface="Courier"/>
-              </a:rPr>
-              <a:t>"Dados perdidos"</a:t>
-            </a:r>
-            <a:r>
-              <a:rPr>
-                <a:latin typeface="Courier"/>
-              </a:rPr>
-              <a:t>,</a:t>
-            </a:r>
-            <a:br/>
-            <a:r>
-              <a:rPr>
-                <a:latin typeface="Courier"/>
-              </a:rPr>
-              <a:t>    </a:t>
-            </a:r>
-            <a:r>
-              <a:rPr>
-                <a:solidFill>
-                  <a:srgbClr val="7D9029"/>
-                </a:solidFill>
-                <a:latin typeface="Courier"/>
-              </a:rPr>
-              <a:t>margin_text =</a:t>
-            </a:r>
-            <a:r>
-              <a:rPr>
-                <a:latin typeface="Courier"/>
-              </a:rPr>
-              <a:t> </a:t>
-            </a:r>
-            <a:r>
-              <a:rPr>
-                <a:solidFill>
-                  <a:srgbClr val="4070A0"/>
-                </a:solidFill>
-                <a:latin typeface="Courier"/>
-              </a:rPr>
-              <a:t>"Total"</a:t>
-            </a:r>
-            <a:r>
-              <a:rPr>
-                <a:latin typeface="Courier"/>
-              </a:rPr>
-              <a:t>) </a:t>
-            </a:r>
-            <a:r>
-              <a:rPr>
-                <a:solidFill>
-                  <a:srgbClr val="4070A0"/>
-                </a:solidFill>
-                <a:latin typeface="Courier"/>
-              </a:rPr>
-              <a:t>%&gt;%</a:t>
-            </a:r>
-            <a:br/>
-            <a:r>
-              <a:rPr>
-                <a:latin typeface="Courier"/>
-              </a:rPr>
-              <a:t>    </a:t>
-            </a:r>
-            <a:r>
-              <a:rPr i="1">
-                <a:solidFill>
-                  <a:srgbClr val="60A0B0"/>
-                </a:solidFill>
-                <a:latin typeface="Courier"/>
-              </a:rPr>
-              <a:t># calcula o p-valor do teste</a:t>
-            </a:r>
-            <a:br/>
-            <a:r>
-              <a:rPr>
-                <a:latin typeface="Courier"/>
-              </a:rPr>
-              <a:t>gtsummary</a:t>
-            </a:r>
-            <a:r>
-              <a:rPr>
-                <a:solidFill>
-                  <a:srgbClr val="4070A0"/>
-                </a:solidFill>
-                <a:latin typeface="Courier"/>
-              </a:rPr>
-              <a:t>::</a:t>
-            </a:r>
-            <a:r>
-              <a:rPr>
-                <a:solidFill>
-                  <a:srgbClr val="06287E"/>
-                </a:solidFill>
-                <a:latin typeface="Courier"/>
-              </a:rPr>
-              <a:t>add_p</a:t>
-            </a:r>
-            <a:r>
-              <a:rPr>
-                <a:latin typeface="Courier"/>
-              </a:rPr>
-              <a:t>(</a:t>
-            </a:r>
-            <a:r>
-              <a:rPr>
-                <a:solidFill>
-                  <a:srgbClr val="7D9029"/>
-                </a:solidFill>
-                <a:latin typeface="Courier"/>
-              </a:rPr>
-              <a:t>test =</a:t>
-            </a:r>
-            <a:r>
-              <a:rPr>
-                <a:latin typeface="Courier"/>
-              </a:rPr>
-              <a:t> </a:t>
-            </a:r>
-            <a:r>
-              <a:rPr>
-                <a:solidFill>
-                  <a:srgbClr val="4070A0"/>
-                </a:solidFill>
-                <a:latin typeface="Courier"/>
-              </a:rPr>
-              <a:t>"fisher.test"</a:t>
-            </a:r>
-            <a:r>
-              <a:rPr>
-                <a:latin typeface="Courier"/>
-              </a:rPr>
-              <a:t>, </a:t>
-            </a:r>
-            <a:r>
-              <a:rPr>
-                <a:solidFill>
-                  <a:srgbClr val="7D9029"/>
-                </a:solidFill>
-                <a:latin typeface="Courier"/>
-              </a:rPr>
-              <a:t>pvalue_fun =</a:t>
-            </a:r>
-            <a:r>
-              <a:rPr>
-                <a:latin typeface="Courier"/>
-              </a:rPr>
-              <a:t> </a:t>
-            </a:r>
-            <a:r>
-              <a:rPr b="1">
-                <a:solidFill>
-                  <a:srgbClr val="007020"/>
-                </a:solidFill>
-                <a:latin typeface="Courier"/>
-              </a:rPr>
-              <a:t>function</a:t>
-            </a:r>
-            <a:r>
-              <a:rPr>
-                <a:latin typeface="Courier"/>
-              </a:rPr>
-              <a:t>(x) </a:t>
-            </a:r>
-            <a:r>
-              <a:rPr>
-                <a:solidFill>
-                  <a:srgbClr val="06287E"/>
-                </a:solidFill>
-                <a:latin typeface="Courier"/>
-              </a:rPr>
-              <a:t>style_pvalue</a:t>
-            </a:r>
-            <a:r>
-              <a:rPr>
-                <a:latin typeface="Courier"/>
-              </a:rPr>
-              <a:t>(x, </a:t>
-            </a:r>
-            <a:r>
-              <a:rPr>
-                <a:solidFill>
-                  <a:srgbClr val="7D9029"/>
-                </a:solidFill>
-                <a:latin typeface="Courier"/>
-              </a:rPr>
-              <a:t>digits =</a:t>
-            </a:r>
-            <a:r>
-              <a:rPr>
-                <a:latin typeface="Courier"/>
-              </a:rPr>
-              <a:t> </a:t>
-            </a:r>
-            <a:r>
-              <a:rPr>
-                <a:solidFill>
-                  <a:srgbClr val="40A070"/>
-                </a:solidFill>
-                <a:latin typeface="Courier"/>
-              </a:rPr>
-              <a:t>3</a:t>
-            </a:r>
-            <a:r>
-              <a:rPr>
-                <a:latin typeface="Courier"/>
-              </a:rPr>
-              <a:t>)) </a:t>
-            </a:r>
-            <a:r>
-              <a:rPr>
-                <a:solidFill>
-                  <a:srgbClr val="4070A0"/>
-                </a:solidFill>
-                <a:latin typeface="Courier"/>
-              </a:rPr>
-              <a:t>%&gt;%</a:t>
-            </a:r>
-            <a:br/>
-            <a:r>
-              <a:rPr>
-                <a:latin typeface="Courier"/>
-              </a:rPr>
-              <a:t>    gtsummary</a:t>
-            </a:r>
-            <a:r>
-              <a:rPr>
-                <a:solidFill>
-                  <a:srgbClr val="4070A0"/>
-                </a:solidFill>
-                <a:latin typeface="Courier"/>
-              </a:rPr>
-              <a:t>::</a:t>
-            </a:r>
-            <a:r>
-              <a:rPr>
-                <a:solidFill>
-                  <a:srgbClr val="06287E"/>
-                </a:solidFill>
-                <a:latin typeface="Courier"/>
-              </a:rPr>
-              <a:t>modify_header</a:t>
-            </a:r>
-            <a:r>
-              <a:rPr>
-                <a:latin typeface="Courier"/>
-              </a:rPr>
-              <a:t>(</a:t>
-            </a:r>
-            <a:r>
-              <a:rPr>
-                <a:solidFill>
-                  <a:srgbClr val="7D9029"/>
-                </a:solidFill>
-                <a:latin typeface="Courier"/>
-              </a:rPr>
-              <a:t>p.value =</a:t>
-            </a:r>
-            <a:r>
-              <a:rPr>
-                <a:latin typeface="Courier"/>
-              </a:rPr>
-              <a:t> </a:t>
-            </a:r>
-            <a:r>
-              <a:rPr>
-                <a:solidFill>
-                  <a:srgbClr val="4070A0"/>
-                </a:solidFill>
-                <a:latin typeface="Courier"/>
-              </a:rPr>
-              <a:t>"**P-valor**"</a:t>
-            </a:r>
-            <a:r>
-              <a:rPr>
-                <a:latin typeface="Courier"/>
-              </a:rPr>
-              <a:t>) </a:t>
-            </a:r>
-            <a:r>
-              <a:rPr>
-                <a:solidFill>
-                  <a:srgbClr val="4070A0"/>
-                </a:solidFill>
-                <a:latin typeface="Courier"/>
-              </a:rPr>
-              <a:t>%&gt;%</a:t>
-            </a:r>
-            <a:br/>
-            <a:r>
-              <a:rPr>
-                <a:latin typeface="Courier"/>
-              </a:rPr>
-              <a:t>    </a:t>
-            </a:r>
-            <a:r>
-              <a:rPr i="1">
-                <a:solidFill>
-                  <a:srgbClr val="60A0B0"/>
-                </a:solidFill>
-                <a:latin typeface="Courier"/>
-              </a:rPr>
-              <a:t># calcula o tamanho do efeito</a:t>
-            </a:r>
-            <a:br/>
-            <a:r>
-              <a:rPr>
-                <a:latin typeface="Courier"/>
-              </a:rPr>
-              <a:t>gtsummary</a:t>
-            </a:r>
-            <a:r>
-              <a:rPr>
-                <a:solidFill>
-                  <a:srgbClr val="4070A0"/>
-                </a:solidFill>
-                <a:latin typeface="Courier"/>
-              </a:rPr>
-              <a:t>::</a:t>
-            </a:r>
-            <a:r>
-              <a:rPr>
-                <a:solidFill>
-                  <a:srgbClr val="06287E"/>
-                </a:solidFill>
-                <a:latin typeface="Courier"/>
-              </a:rPr>
-              <a:t>modify_table_styling</a:t>
-            </a:r>
-            <a:r>
-              <a:rPr>
-                <a:latin typeface="Courier"/>
-              </a:rPr>
-              <a:t>(</a:t>
-            </a:r>
-            <a:r>
-              <a:rPr>
-                <a:solidFill>
-                  <a:srgbClr val="7D9029"/>
-                </a:solidFill>
-                <a:latin typeface="Courier"/>
-              </a:rPr>
-              <a:t>rows =</a:t>
-            </a:r>
-            <a:r>
-              <a:rPr>
-                <a:latin typeface="Courier"/>
-              </a:rPr>
-              <a:t> </a:t>
-            </a:r>
-            <a:r>
-              <a:rPr>
-                <a:solidFill>
-                  <a:srgbClr val="880000"/>
-                </a:solidFill>
-                <a:latin typeface="Courier"/>
-              </a:rPr>
-              <a:t>NULL</a:t>
-            </a:r>
-            <a:r>
-              <a:rPr>
-                <a:latin typeface="Courier"/>
-              </a:rPr>
-              <a:t>, </a:t>
-            </a:r>
-            <a:r>
-              <a:rPr>
-                <a:solidFill>
-                  <a:srgbClr val="7D9029"/>
-                </a:solidFill>
-                <a:latin typeface="Courier"/>
-              </a:rPr>
-              <a:t>footnote =</a:t>
-            </a:r>
-            <a:r>
-              <a:rPr>
-                <a:latin typeface="Courier"/>
-              </a:rPr>
-              <a:t> </a:t>
-            </a:r>
-            <a:r>
-              <a:rPr>
-                <a:solidFill>
-                  <a:srgbClr val="06287E"/>
-                </a:solidFill>
-                <a:latin typeface="Courier"/>
-              </a:rPr>
-              <a:t>as.character</a:t>
-            </a:r>
-            <a:r>
-              <a:rPr>
-                <a:latin typeface="Courier"/>
-              </a:rPr>
-              <a:t>(rstatix</a:t>
-            </a:r>
-            <a:r>
-              <a:rPr>
-                <a:solidFill>
-                  <a:srgbClr val="4070A0"/>
-                </a:solidFill>
-                <a:latin typeface="Courier"/>
-              </a:rPr>
-              <a:t>::</a:t>
-            </a:r>
-            <a:r>
-              <a:rPr>
-                <a:solidFill>
-                  <a:srgbClr val="06287E"/>
-                </a:solidFill>
-                <a:latin typeface="Courier"/>
-              </a:rPr>
-              <a:t>cramer_v</a:t>
-            </a:r>
-            <a:r>
-              <a:rPr>
-                <a:latin typeface="Courier"/>
-              </a:rPr>
-              <a:t>(trt,</a:t>
-            </a:r>
-            <a:br/>
-            <a:r>
-              <a:rPr>
-                <a:latin typeface="Courier"/>
-              </a:rPr>
-              <a:t>    response))) </a:t>
-            </a:r>
-            <a:r>
-              <a:rPr>
-                <a:solidFill>
-                  <a:srgbClr val="4070A0"/>
-                </a:solidFill>
-                <a:latin typeface="Courier"/>
-              </a:rPr>
-              <a:t>%&gt;%</a:t>
-            </a:r>
-            <a:br/>
-            <a:r>
-              <a:rPr>
-                <a:latin typeface="Courier"/>
-              </a:rPr>
-              <a:t>    </a:t>
-            </a:r>
-            <a:r>
-              <a:rPr i="1">
-                <a:solidFill>
-                  <a:srgbClr val="60A0B0"/>
-                </a:solidFill>
-                <a:latin typeface="Courier"/>
-              </a:rPr>
-              <a:t># formata o título em negrito</a:t>
-            </a:r>
-            <a:br/>
-            <a:r>
-              <a:rPr>
-                <a:latin typeface="Courier"/>
-              </a:rPr>
-              <a:t>gtsummary</a:t>
-            </a:r>
-            <a:r>
-              <a:rPr>
-                <a:solidFill>
-                  <a:srgbClr val="4070A0"/>
-                </a:solidFill>
-                <a:latin typeface="Courier"/>
-              </a:rPr>
-              <a:t>::</a:t>
-            </a:r>
-            <a:r>
-              <a:rPr>
-                <a:solidFill>
-                  <a:srgbClr val="06287E"/>
-                </a:solidFill>
-                <a:latin typeface="Courier"/>
-              </a:rPr>
-              <a:t>bold_labels</a:t>
-            </a:r>
-            <a:r>
-              <a:rPr>
-                <a:latin typeface="Courier"/>
-              </a:rPr>
-              <a:t>() </a:t>
-            </a:r>
-            <a:r>
-              <a:rPr>
-                <a:solidFill>
-                  <a:srgbClr val="4070A0"/>
-                </a:solidFill>
-                <a:latin typeface="Courier"/>
-              </a:rPr>
-              <a:t>%&gt;%</a:t>
-            </a:r>
-            <a:br/>
-            <a:r>
-              <a:rPr>
-                <a:latin typeface="Courier"/>
-              </a:rPr>
-              <a:t>    </a:t>
-            </a:r>
-            <a:r>
-              <a:rPr i="1">
-                <a:solidFill>
-                  <a:srgbClr val="60A0B0"/>
-                </a:solidFill>
-                <a:latin typeface="Courier"/>
-              </a:rPr>
-              <a:t># cria título da tabela</a:t>
-            </a:r>
-            <a:br/>
-            <a:r>
-              <a:rPr>
-                <a:latin typeface="Courier"/>
-              </a:rPr>
-              <a:t>gtsummary</a:t>
-            </a:r>
-            <a:r>
-              <a:rPr>
-                <a:solidFill>
-                  <a:srgbClr val="4070A0"/>
-                </a:solidFill>
-                <a:latin typeface="Courier"/>
-              </a:rPr>
-              <a:t>::</a:t>
-            </a:r>
-            <a:r>
-              <a:rPr>
-                <a:solidFill>
-                  <a:srgbClr val="06287E"/>
-                </a:solidFill>
-                <a:latin typeface="Courier"/>
-              </a:rPr>
-              <a:t>modify_caption</a:t>
-            </a:r>
-            <a:r>
-              <a:rPr>
-                <a:latin typeface="Courier"/>
-              </a:rPr>
-              <a:t>(</a:t>
-            </a:r>
-            <a:r>
-              <a:rPr>
-                <a:solidFill>
-                  <a:srgbClr val="4070A0"/>
-                </a:solidFill>
-                <a:latin typeface="Courier"/>
-              </a:rPr>
-              <a:t>"**Teste exato de Fisher**"</a:t>
-            </a:r>
-            <a:r>
-              <a:rPr>
-                <a:latin typeface="Courier"/>
-              </a:rPr>
-              <a:t>)</a:t>
-            </a:r>
-            <a:br/>
-            <a:br/>
-            <a:r>
-              <a:rPr i="1">
-                <a:solidFill>
-                  <a:srgbClr val="60A0B0"/>
-                </a:solidFill>
-                <a:latin typeface="Courier"/>
-              </a:rPr>
-              <a:t># exibe a tabela</a:t>
-            </a:r>
-            <a:br/>
-            <a:r>
-              <a:rPr>
-                <a:latin typeface="Courier"/>
-              </a:rPr>
-              <a:t>tbl_cross </a:t>
-            </a:r>
-            <a:r>
-              <a:rPr>
-                <a:solidFill>
-                  <a:srgbClr val="4070A0"/>
-                </a:solidFill>
-                <a:latin typeface="Courier"/>
-              </a:rPr>
-              <a:t>%&gt;%</a:t>
-            </a:r>
-            <a:br/>
-            <a:r>
-              <a:rPr>
-                <a:latin typeface="Courier"/>
-              </a:rPr>
-              <a:t>    gtsummary</a:t>
-            </a:r>
-            <a:r>
-              <a:rPr>
-                <a:solidFill>
-                  <a:srgbClr val="4070A0"/>
-                </a:solidFill>
-                <a:latin typeface="Courier"/>
-              </a:rPr>
-              <a:t>::</a:t>
-            </a:r>
-            <a:r>
-              <a:rPr>
-                <a:solidFill>
-                  <a:srgbClr val="06287E"/>
-                </a:solidFill>
-                <a:latin typeface="Courier"/>
-              </a:rPr>
-              <a:t>as_hux_table</a:t>
-            </a:r>
-            <a:r>
-              <a:rPr>
-                <a:latin typeface="Courier"/>
-              </a:rPr>
-              <a:t>()</a:t>
-            </a:r>
-          </a:p>
-        </p:txBody>
-      </p:sp>
+      <mc:AlternateContent xmlns:mc="http://schemas.openxmlformats.org/markup-compatibility/2006">
+        <mc:Choice xmlns:a14="http://schemas.microsoft.com/office/drawing/2010/main" Requires="a14">
+          <p:sp>
+            <p:nvSpPr>
+              <p:cNvPr id="7" name="Content Placeholder 2">
+                <a:extLst>
+                  <a:ext uri="{FF2B5EF4-FFF2-40B4-BE49-F238E27FC236}">
+                    <a16:creationId xmlns:a16="http://schemas.microsoft.com/office/drawing/2014/main" id="{1574FA24-F1CC-B240-AAF9-A2DF684B1C54}"/>
+                  </a:ext>
+                </a:extLst>
+              </p:cNvPr>
+              <p:cNvSpPr>
+                <a:spLocks noGrp="1"/>
+              </p:cNvSpPr>
+              <p:nvPr>
+                <p:ph idx="1"/>
+              </p:nvPr>
+            </p:nvSpPr>
+            <p:spPr/>
+            <p:txBody>
+              <a:bodyPr/>
+              <a:lstStyle/>
+              <a:p>
+                <a:pPr lvl="0" indent="0" marL="0">
+                  <a:buNone/>
+                </a:pPr>
+              </a:p>
+              <a:p>
+                <a:pPr lvl="0" indent="0" marL="0">
+                  <a:spcBef>
+                    <a:spcPts val="3000"/>
+                  </a:spcBef>
+                  <a:buNone/>
+                </a:pPr>
+                <a:r>
+                  <a:rPr b="1"/>
+                  <a:t>Teste exato de Fisher</a:t>
+                </a:r>
+              </a:p>
+              <a:p>
+                <a:pPr lvl="0"/>
+                <a:r>
+                  <a:rPr/>
+                  <a:t>O teste exato de Fisher avalia a hipótese nula de independência aplicando a distribuição hipergeométrica dos números nas células da tabela.</a:t>
+                </a:r>
+                <a:r>
+                  <a:rPr baseline="30000"/>
+                  <a:t>82</a:t>
+                </a:r>
+              </a:p>
+              <a:p>
+                <a:pPr lvl="0"/>
+                <a:r>
+                  <a:rPr/>
+                  <a:t>Hipóteses:</a:t>
+                </a:r>
+                <a:r>
+                  <a:rPr baseline="30000"/>
+                  <a:t>82,83</a:t>
+                </a:r>
+              </a:p>
+              <a:p>
+                <a:pPr lvl="1"/>
+                <a:r>
+                  <a:rPr/>
+                  <a:t>Nula (</a:t>
+                </a:r>
+                <a14:m>
+                  <m:oMath xmlns:m="http://schemas.openxmlformats.org/officeDocument/2006/math">
+                    <m:sSub>
+                      <m:e>
+                        <m:r>
+                          <m:t>H</m:t>
+                        </m:r>
+                      </m:e>
+                      <m:sub>
+                        <m:r>
+                          <m:t>0</m:t>
+                        </m:r>
+                      </m:sub>
+                    </m:sSub>
+                  </m:oMath>
+                </a14:m>
+                <a:r>
+                  <a:rPr/>
+                  <a:t>): independente (sem associação)</a:t>
+                </a:r>
+              </a:p>
+              <a:p>
+                <a:pPr lvl="1"/>
+                <a:r>
+                  <a:rPr/>
+                  <a:t>Alternativa (</a:t>
+                </a:r>
+                <a14:m>
+                  <m:oMath xmlns:m="http://schemas.openxmlformats.org/officeDocument/2006/math">
+                    <m:sSub>
+                      <m:e>
+                        <m:r>
+                          <m:t>H</m:t>
+                        </m:r>
+                      </m:e>
+                      <m:sub>
+                        <m:r>
+                          <m:t>1</m:t>
+                        </m:r>
+                      </m:sub>
+                    </m:sSub>
+                  </m:oMath>
+                </a14:m>
+                <a:r>
+                  <a:rPr/>
+                  <a:t>): não independente (associação)</a:t>
+                </a:r>
+              </a:p>
+              <a:p>
+                <a:pPr lvl="0"/>
+                <a:r>
+                  <a:rPr/>
+                  <a:t>Tamanho do efeito:</a:t>
+                </a:r>
+                <a:r>
+                  <a:rPr baseline="30000"/>
+                  <a:t>82,83</a:t>
+                </a:r>
+              </a:p>
+              <a:p>
+                <a:pPr lvl="1"/>
+                <a:r>
+                  <a:rPr/>
+                  <a:t>Phi (</a:t>
+                </a:r>
+                <a14:m>
+                  <m:oMath xmlns:m="http://schemas.openxmlformats.org/officeDocument/2006/math">
+                    <m:r>
+                      <m:t>ϕ</m:t>
+                    </m:r>
+                  </m:oMath>
+                </a14:m>
+                <a:r>
+                  <a:rPr/>
+                  <a:t>), para tabelas de contingência 2x2</a:t>
+                </a:r>
+              </a:p>
+              <a:p>
+                <a:pPr lvl="1"/>
+                <a:r>
+                  <a:rPr/>
+                  <a:t>Razão de chances (</a:t>
+                </a:r>
+                <a14:m>
+                  <m:oMath xmlns:m="http://schemas.openxmlformats.org/officeDocument/2006/math">
+                    <m:r>
+                      <m:t>R</m:t>
+                    </m:r>
+                    <m:r>
+                      <m:t>C</m:t>
+                    </m:r>
+                  </m:oMath>
+                </a14:m>
+                <a:r>
+                  <a:rPr/>
+                  <a:t> ou </a:t>
+                </a:r>
+                <a14:m>
+                  <m:oMath xmlns:m="http://schemas.openxmlformats.org/officeDocument/2006/math">
+                    <m:r>
+                      <m:t>O</m:t>
+                    </m:r>
+                    <m:r>
+                      <m:t>R</m:t>
+                    </m:r>
+                  </m:oMath>
+                </a14:m>
+                <a:r>
+                  <a:rPr/>
+                  <a:t>), para tabelas de contingência 2x2</a:t>
+                </a:r>
+              </a:p>
+              <a:p>
+                <a:pPr lvl="1"/>
+                <a:r>
+                  <a:rPr/>
+                  <a:t>Cramer V (</a:t>
+                </a:r>
+                <a14:m>
+                  <m:oMath xmlns:m="http://schemas.openxmlformats.org/officeDocument/2006/math">
+                    <m:r>
+                      <m:t>V</m:t>
+                    </m:r>
+                  </m:oMath>
+                </a14:m>
+                <a:r>
+                  <a:rPr/>
+                  <a:t>), para tabelas de contingência NxM</a:t>
+                </a:r>
+              </a:p>
+              <a:p>
+                <a:pPr lvl="0" indent="0" marL="0">
+                  <a:buNone/>
+                </a:pPr>
+              </a:p>
+              <a:p>
+                <a:pPr lvl="0" indent="0" marL="0">
+                  <a:buNone/>
+                </a:pPr>
+                <a:r>
+                  <a:rPr/>
+                  <a:t>O pacote </a:t>
+                </a:r>
+                <a:r>
+                  <a:rPr i="1"/>
+                  <a:t>gtsummary</a:t>
+                </a:r>
+                <a:r>
+                  <a:rPr baseline="30000"/>
+                  <a:t>84</a:t>
+                </a:r>
+                <a:r>
+                  <a:rPr/>
+                  <a:t> fornece a função </a:t>
+                </a:r>
+                <a:r>
+                  <a:rPr i="1"/>
+                  <a:t>tbl_cross</a:t>
+                </a:r>
+                <a:r>
+                  <a:rPr/>
+                  <a:t> para criar uma tabela NxM. </a:t>
+                </a:r>
+              </a:p>
+              <a:p>
+                <a:pPr lvl="0" indent="0" marL="0">
+                  <a:buNone/>
+                </a:pPr>
+              </a:p>
+              <a:p>
+                <a:pPr lvl="0" indent="0">
+                  <a:buNone/>
+                </a:pPr>
+                <a:r>
+                  <a:rPr i="1">
+                    <a:solidFill>
+                      <a:srgbClr val="60A0B0"/>
+                    </a:solidFill>
+                    <a:latin typeface="Courier"/>
+                  </a:rPr>
+                  <a:t># carrega os pacotes</a:t>
+                </a:r>
+                <a:br/>
+                <a:r>
+                  <a:rPr>
+                    <a:solidFill>
+                      <a:srgbClr val="06287E"/>
+                    </a:solidFill>
+                    <a:latin typeface="Courier"/>
+                  </a:rPr>
+                  <a:t>library</a:t>
+                </a:r>
+                <a:r>
+                  <a:rPr>
+                    <a:latin typeface="Courier"/>
+                  </a:rPr>
+                  <a:t>(</a:t>
+                </a:r>
+                <a:r>
+                  <a:rPr>
+                    <a:solidFill>
+                      <a:srgbClr val="4070A0"/>
+                    </a:solidFill>
+                    <a:latin typeface="Courier"/>
+                  </a:rPr>
+                  <a:t>"dplyr"</a:t>
+                </a:r>
+                <a:r>
+                  <a:rPr>
+                    <a:latin typeface="Courier"/>
+                  </a:rPr>
+                  <a:t>)</a:t>
+                </a:r>
+                <a:br/>
+                <a:r>
+                  <a:rPr>
+                    <a:solidFill>
+                      <a:srgbClr val="06287E"/>
+                    </a:solidFill>
+                    <a:latin typeface="Courier"/>
+                  </a:rPr>
+                  <a:t>library</a:t>
+                </a:r>
+                <a:r>
+                  <a:rPr>
+                    <a:latin typeface="Courier"/>
+                  </a:rPr>
+                  <a:t>(</a:t>
+                </a:r>
+                <a:r>
+                  <a:rPr>
+                    <a:solidFill>
+                      <a:srgbClr val="4070A0"/>
+                    </a:solidFill>
+                    <a:latin typeface="Courier"/>
+                  </a:rPr>
+                  <a:t>"gtsummary"</a:t>
+                </a:r>
+                <a:r>
+                  <a:rPr>
+                    <a:latin typeface="Courier"/>
+                  </a:rPr>
+                  <a:t>)</a:t>
+                </a:r>
+                <a:br/>
+                <a:br/>
+                <a:r>
+                  <a:rPr i="1">
+                    <a:solidFill>
+                      <a:srgbClr val="60A0B0"/>
+                    </a:solidFill>
+                    <a:latin typeface="Courier"/>
+                  </a:rPr>
+                  <a:t># tabela 2x2</a:t>
+                </a:r>
+                <a:br/>
+                <a:r>
+                  <a:rPr>
+                    <a:latin typeface="Courier"/>
+                  </a:rPr>
+                  <a:t>tbl_cross </a:t>
+                </a:r>
+                <a:r>
+                  <a:rPr>
+                    <a:solidFill>
+                      <a:srgbClr val="007020"/>
+                    </a:solidFill>
+                    <a:latin typeface="Courier"/>
+                  </a:rPr>
+                  <a:t>&lt;-</a:t>
+                </a:r>
+                <a:r>
+                  <a:rPr>
+                    <a:latin typeface="Courier"/>
+                  </a:rPr>
+                  <a:t> </a:t>
+                </a:r>
+                <a:r>
+                  <a:rPr i="1">
+                    <a:solidFill>
+                      <a:srgbClr val="60A0B0"/>
+                    </a:solidFill>
+                    <a:latin typeface="Courier"/>
+                  </a:rPr>
+                  <a:t># banco de dados tbl_cross &lt;- # banco de dados</a:t>
+                </a:r>
+                <a:br/>
+                <a:r>
+                  <a:rPr>
+                    <a:latin typeface="Courier"/>
+                  </a:rPr>
+                  <a:t>trial </a:t>
+                </a:r>
+                <a:r>
+                  <a:rPr>
+                    <a:solidFill>
+                      <a:srgbClr val="4070A0"/>
+                    </a:solidFill>
+                    <a:latin typeface="Courier"/>
+                  </a:rPr>
+                  <a:t>%&gt;%</a:t>
+                </a:r>
+                <a:br/>
+                <a:r>
+                  <a:rPr>
+                    <a:latin typeface="Courier"/>
+                  </a:rPr>
+                  <a:t>    </a:t>
+                </a:r>
+                <a:r>
+                  <a:rPr i="1">
+                    <a:solidFill>
+                      <a:srgbClr val="60A0B0"/>
+                    </a:solidFill>
+                    <a:latin typeface="Courier"/>
+                  </a:rPr>
+                  <a:t># cria a tabela de contingência</a:t>
+                </a:r>
+                <a:br/>
+                <a:r>
+                  <a:rPr>
+                    <a:latin typeface="Courier"/>
+                  </a:rPr>
+                  <a:t>gtsummary</a:t>
+                </a:r>
+                <a:r>
+                  <a:rPr>
+                    <a:solidFill>
+                      <a:srgbClr val="4070A0"/>
+                    </a:solidFill>
+                    <a:latin typeface="Courier"/>
+                  </a:rPr>
+                  <a:t>::</a:t>
+                </a:r>
+                <a:r>
+                  <a:rPr>
+                    <a:solidFill>
+                      <a:srgbClr val="06287E"/>
+                    </a:solidFill>
+                    <a:latin typeface="Courier"/>
+                  </a:rPr>
+                  <a:t>tbl_cross</a:t>
+                </a:r>
+                <a:r>
+                  <a:rPr>
+                    <a:latin typeface="Courier"/>
+                  </a:rPr>
+                  <a:t>(</a:t>
+                </a:r>
+                <a:r>
+                  <a:rPr>
+                    <a:solidFill>
+                      <a:srgbClr val="7D9029"/>
+                    </a:solidFill>
+                    <a:latin typeface="Courier"/>
+                  </a:rPr>
+                  <a:t>row =</a:t>
+                </a:r>
+                <a:r>
+                  <a:rPr>
+                    <a:latin typeface="Courier"/>
+                  </a:rPr>
+                  <a:t> trt, </a:t>
+                </a:r>
+                <a:r>
+                  <a:rPr>
+                    <a:solidFill>
+                      <a:srgbClr val="7D9029"/>
+                    </a:solidFill>
+                    <a:latin typeface="Courier"/>
+                  </a:rPr>
+                  <a:t>col =</a:t>
+                </a:r>
+                <a:r>
+                  <a:rPr>
+                    <a:latin typeface="Courier"/>
+                  </a:rPr>
+                  <a:t> response, </a:t>
+                </a:r>
+                <a:r>
+                  <a:rPr>
+                    <a:solidFill>
+                      <a:srgbClr val="7D9029"/>
+                    </a:solidFill>
+                    <a:latin typeface="Courier"/>
+                  </a:rPr>
+                  <a:t>statistic =</a:t>
+                </a:r>
+                <a:r>
+                  <a:rPr>
+                    <a:latin typeface="Courier"/>
+                  </a:rPr>
+                  <a:t> </a:t>
+                </a:r>
+                <a:r>
+                  <a:rPr>
+                    <a:solidFill>
+                      <a:srgbClr val="4070A0"/>
+                    </a:solidFill>
+                    <a:latin typeface="Courier"/>
+                  </a:rPr>
+                  <a:t>"{n}"</a:t>
+                </a:r>
+                <a:r>
+                  <a:rPr>
+                    <a:latin typeface="Courier"/>
+                  </a:rPr>
+                  <a:t>, </a:t>
+                </a:r>
+                <a:r>
+                  <a:rPr>
+                    <a:solidFill>
+                      <a:srgbClr val="7D9029"/>
+                    </a:solidFill>
+                    <a:latin typeface="Courier"/>
+                  </a:rPr>
+                  <a:t>digits =</a:t>
+                </a:r>
+                <a:r>
+                  <a:rPr>
+                    <a:latin typeface="Courier"/>
+                  </a:rPr>
+                  <a:t> </a:t>
+                </a:r>
+                <a:r>
+                  <a:rPr>
+                    <a:solidFill>
+                      <a:srgbClr val="40A070"/>
+                    </a:solidFill>
+                    <a:latin typeface="Courier"/>
+                  </a:rPr>
+                  <a:t>0</a:t>
+                </a:r>
+                <a:r>
+                  <a:rPr>
+                    <a:latin typeface="Courier"/>
+                  </a:rPr>
+                  <a:t>, </a:t>
+                </a:r>
+                <a:r>
+                  <a:rPr>
+                    <a:solidFill>
+                      <a:srgbClr val="7D9029"/>
+                    </a:solidFill>
+                    <a:latin typeface="Courier"/>
+                  </a:rPr>
+                  <a:t>percent =</a:t>
+                </a:r>
+                <a:r>
+                  <a:rPr>
+                    <a:latin typeface="Courier"/>
+                  </a:rPr>
+                  <a:t> </a:t>
+                </a:r>
+                <a:r>
+                  <a:rPr>
+                    <a:solidFill>
+                      <a:srgbClr val="4070A0"/>
+                    </a:solidFill>
+                    <a:latin typeface="Courier"/>
+                  </a:rPr>
+                  <a:t>"cell"</a:t>
+                </a:r>
+                <a:r>
+                  <a:rPr>
+                    <a:latin typeface="Courier"/>
+                  </a:rPr>
+                  <a:t>,</a:t>
+                </a:r>
+                <a:br/>
+                <a:r>
+                  <a:rPr>
+                    <a:latin typeface="Courier"/>
+                  </a:rPr>
+                  <a:t>    </a:t>
+                </a:r>
+                <a:r>
+                  <a:rPr>
+                    <a:solidFill>
+                      <a:srgbClr val="7D9029"/>
+                    </a:solidFill>
+                    <a:latin typeface="Courier"/>
+                  </a:rPr>
+                  <a:t>margin =</a:t>
+                </a:r>
+                <a:r>
+                  <a:rPr>
+                    <a:latin typeface="Courier"/>
+                  </a:rPr>
+                  <a:t> </a:t>
+                </a:r>
+                <a:r>
+                  <a:rPr>
+                    <a:solidFill>
+                      <a:srgbClr val="06287E"/>
+                    </a:solidFill>
+                    <a:latin typeface="Courier"/>
+                  </a:rPr>
+                  <a:t>c</a:t>
+                </a:r>
+                <a:r>
+                  <a:rPr>
+                    <a:latin typeface="Courier"/>
+                  </a:rPr>
+                  <a:t>(</a:t>
+                </a:r>
+                <a:r>
+                  <a:rPr>
+                    <a:solidFill>
+                      <a:srgbClr val="4070A0"/>
+                    </a:solidFill>
+                    <a:latin typeface="Courier"/>
+                  </a:rPr>
+                  <a:t>"row"</a:t>
+                </a:r>
+                <a:r>
+                  <a:rPr>
+                    <a:latin typeface="Courier"/>
+                  </a:rPr>
+                  <a:t>, </a:t>
+                </a:r>
+                <a:r>
+                  <a:rPr>
+                    <a:solidFill>
+                      <a:srgbClr val="4070A0"/>
+                    </a:solidFill>
+                    <a:latin typeface="Courier"/>
+                  </a:rPr>
+                  <a:t>"column"</a:t>
+                </a:r>
+                <a:r>
+                  <a:rPr>
+                    <a:latin typeface="Courier"/>
+                  </a:rPr>
+                  <a:t>), </a:t>
+                </a:r>
+                <a:r>
+                  <a:rPr>
+                    <a:solidFill>
+                      <a:srgbClr val="7D9029"/>
+                    </a:solidFill>
+                    <a:latin typeface="Courier"/>
+                  </a:rPr>
+                  <a:t>missing =</a:t>
+                </a:r>
+                <a:r>
+                  <a:rPr>
+                    <a:latin typeface="Courier"/>
+                  </a:rPr>
+                  <a:t> </a:t>
+                </a:r>
+                <a:r>
+                  <a:rPr>
+                    <a:solidFill>
+                      <a:srgbClr val="4070A0"/>
+                    </a:solidFill>
+                    <a:latin typeface="Courier"/>
+                  </a:rPr>
+                  <a:t>"no"</a:t>
+                </a:r>
+                <a:r>
+                  <a:rPr>
+                    <a:latin typeface="Courier"/>
+                  </a:rPr>
+                  <a:t>, </a:t>
+                </a:r>
+                <a:r>
+                  <a:rPr>
+                    <a:solidFill>
+                      <a:srgbClr val="7D9029"/>
+                    </a:solidFill>
+                    <a:latin typeface="Courier"/>
+                  </a:rPr>
+                  <a:t>missing_text =</a:t>
+                </a:r>
+                <a:r>
+                  <a:rPr>
+                    <a:latin typeface="Courier"/>
+                  </a:rPr>
+                  <a:t> </a:t>
+                </a:r>
+                <a:r>
+                  <a:rPr>
+                    <a:solidFill>
+                      <a:srgbClr val="4070A0"/>
+                    </a:solidFill>
+                    <a:latin typeface="Courier"/>
+                  </a:rPr>
+                  <a:t>"Dados perdidos"</a:t>
+                </a:r>
+                <a:r>
+                  <a:rPr>
+                    <a:latin typeface="Courier"/>
+                  </a:rPr>
+                  <a:t>,</a:t>
+                </a:r>
+                <a:br/>
+                <a:r>
+                  <a:rPr>
+                    <a:latin typeface="Courier"/>
+                  </a:rPr>
+                  <a:t>    </a:t>
+                </a:r>
+                <a:r>
+                  <a:rPr>
+                    <a:solidFill>
+                      <a:srgbClr val="7D9029"/>
+                    </a:solidFill>
+                    <a:latin typeface="Courier"/>
+                  </a:rPr>
+                  <a:t>margin_text =</a:t>
+                </a:r>
+                <a:r>
+                  <a:rPr>
+                    <a:latin typeface="Courier"/>
+                  </a:rPr>
+                  <a:t> </a:t>
+                </a:r>
+                <a:r>
+                  <a:rPr>
+                    <a:solidFill>
+                      <a:srgbClr val="4070A0"/>
+                    </a:solidFill>
+                    <a:latin typeface="Courier"/>
+                  </a:rPr>
+                  <a:t>"Total"</a:t>
+                </a:r>
+                <a:r>
+                  <a:rPr>
+                    <a:latin typeface="Courier"/>
+                  </a:rPr>
+                  <a:t>) </a:t>
+                </a:r>
+                <a:r>
+                  <a:rPr>
+                    <a:solidFill>
+                      <a:srgbClr val="4070A0"/>
+                    </a:solidFill>
+                    <a:latin typeface="Courier"/>
+                  </a:rPr>
+                  <a:t>%&gt;%</a:t>
+                </a:r>
+                <a:br/>
+                <a:r>
+                  <a:rPr>
+                    <a:latin typeface="Courier"/>
+                  </a:rPr>
+                  <a:t>    </a:t>
+                </a:r>
+                <a:r>
+                  <a:rPr i="1">
+                    <a:solidFill>
+                      <a:srgbClr val="60A0B0"/>
+                    </a:solidFill>
+                    <a:latin typeface="Courier"/>
+                  </a:rPr>
+                  <a:t># calcula o p-valor do teste</a:t>
+                </a:r>
+                <a:br/>
+                <a:r>
+                  <a:rPr>
+                    <a:latin typeface="Courier"/>
+                  </a:rPr>
+                  <a:t>gtsummary</a:t>
+                </a:r>
+                <a:r>
+                  <a:rPr>
+                    <a:solidFill>
+                      <a:srgbClr val="4070A0"/>
+                    </a:solidFill>
+                    <a:latin typeface="Courier"/>
+                  </a:rPr>
+                  <a:t>::</a:t>
+                </a:r>
+                <a:r>
+                  <a:rPr>
+                    <a:solidFill>
+                      <a:srgbClr val="06287E"/>
+                    </a:solidFill>
+                    <a:latin typeface="Courier"/>
+                  </a:rPr>
+                  <a:t>add_p</a:t>
+                </a:r>
+                <a:r>
+                  <a:rPr>
+                    <a:latin typeface="Courier"/>
+                  </a:rPr>
+                  <a:t>(</a:t>
+                </a:r>
+                <a:r>
+                  <a:rPr>
+                    <a:solidFill>
+                      <a:srgbClr val="7D9029"/>
+                    </a:solidFill>
+                    <a:latin typeface="Courier"/>
+                  </a:rPr>
+                  <a:t>test =</a:t>
+                </a:r>
+                <a:r>
+                  <a:rPr>
+                    <a:latin typeface="Courier"/>
+                  </a:rPr>
+                  <a:t> </a:t>
+                </a:r>
+                <a:r>
+                  <a:rPr>
+                    <a:solidFill>
+                      <a:srgbClr val="4070A0"/>
+                    </a:solidFill>
+                    <a:latin typeface="Courier"/>
+                  </a:rPr>
+                  <a:t>"fisher.test"</a:t>
+                </a:r>
+                <a:r>
+                  <a:rPr>
+                    <a:latin typeface="Courier"/>
+                  </a:rPr>
+                  <a:t>, </a:t>
+                </a:r>
+                <a:r>
+                  <a:rPr>
+                    <a:solidFill>
+                      <a:srgbClr val="7D9029"/>
+                    </a:solidFill>
+                    <a:latin typeface="Courier"/>
+                  </a:rPr>
+                  <a:t>pvalue_fun =</a:t>
+                </a:r>
+                <a:r>
+                  <a:rPr>
+                    <a:latin typeface="Courier"/>
+                  </a:rPr>
+                  <a:t> </a:t>
+                </a:r>
+                <a:r>
+                  <a:rPr b="1">
+                    <a:solidFill>
+                      <a:srgbClr val="007020"/>
+                    </a:solidFill>
+                    <a:latin typeface="Courier"/>
+                  </a:rPr>
+                  <a:t>function</a:t>
+                </a:r>
+                <a:r>
+                  <a:rPr>
+                    <a:latin typeface="Courier"/>
+                  </a:rPr>
+                  <a:t>(x) </a:t>
+                </a:r>
+                <a:r>
+                  <a:rPr>
+                    <a:solidFill>
+                      <a:srgbClr val="06287E"/>
+                    </a:solidFill>
+                    <a:latin typeface="Courier"/>
+                  </a:rPr>
+                  <a:t>style_pvalue</a:t>
+                </a:r>
+                <a:r>
+                  <a:rPr>
+                    <a:latin typeface="Courier"/>
+                  </a:rPr>
+                  <a:t>(x, </a:t>
+                </a:r>
+                <a:r>
+                  <a:rPr>
+                    <a:solidFill>
+                      <a:srgbClr val="7D9029"/>
+                    </a:solidFill>
+                    <a:latin typeface="Courier"/>
+                  </a:rPr>
+                  <a:t>digits =</a:t>
+                </a:r>
+                <a:r>
+                  <a:rPr>
+                    <a:latin typeface="Courier"/>
+                  </a:rPr>
+                  <a:t> </a:t>
+                </a:r>
+                <a:r>
+                  <a:rPr>
+                    <a:solidFill>
+                      <a:srgbClr val="40A070"/>
+                    </a:solidFill>
+                    <a:latin typeface="Courier"/>
+                  </a:rPr>
+                  <a:t>3</a:t>
+                </a:r>
+                <a:r>
+                  <a:rPr>
+                    <a:latin typeface="Courier"/>
+                  </a:rPr>
+                  <a:t>)) </a:t>
+                </a:r>
+                <a:r>
+                  <a:rPr>
+                    <a:solidFill>
+                      <a:srgbClr val="4070A0"/>
+                    </a:solidFill>
+                    <a:latin typeface="Courier"/>
+                  </a:rPr>
+                  <a:t>%&gt;%</a:t>
+                </a:r>
+                <a:br/>
+                <a:r>
+                  <a:rPr>
+                    <a:latin typeface="Courier"/>
+                  </a:rPr>
+                  <a:t>    gtsummary</a:t>
+                </a:r>
+                <a:r>
+                  <a:rPr>
+                    <a:solidFill>
+                      <a:srgbClr val="4070A0"/>
+                    </a:solidFill>
+                    <a:latin typeface="Courier"/>
+                  </a:rPr>
+                  <a:t>::</a:t>
+                </a:r>
+                <a:r>
+                  <a:rPr>
+                    <a:solidFill>
+                      <a:srgbClr val="06287E"/>
+                    </a:solidFill>
+                    <a:latin typeface="Courier"/>
+                  </a:rPr>
+                  <a:t>modify_header</a:t>
+                </a:r>
+                <a:r>
+                  <a:rPr>
+                    <a:latin typeface="Courier"/>
+                  </a:rPr>
+                  <a:t>(</a:t>
+                </a:r>
+                <a:r>
+                  <a:rPr>
+                    <a:solidFill>
+                      <a:srgbClr val="7D9029"/>
+                    </a:solidFill>
+                    <a:latin typeface="Courier"/>
+                  </a:rPr>
+                  <a:t>p.value =</a:t>
+                </a:r>
+                <a:r>
+                  <a:rPr>
+                    <a:latin typeface="Courier"/>
+                  </a:rPr>
+                  <a:t> </a:t>
+                </a:r>
+                <a:r>
+                  <a:rPr>
+                    <a:solidFill>
+                      <a:srgbClr val="4070A0"/>
+                    </a:solidFill>
+                    <a:latin typeface="Courier"/>
+                  </a:rPr>
+                  <a:t>"**P-valor**"</a:t>
+                </a:r>
+                <a:r>
+                  <a:rPr>
+                    <a:latin typeface="Courier"/>
+                  </a:rPr>
+                  <a:t>) </a:t>
+                </a:r>
+                <a:r>
+                  <a:rPr>
+                    <a:solidFill>
+                      <a:srgbClr val="4070A0"/>
+                    </a:solidFill>
+                    <a:latin typeface="Courier"/>
+                  </a:rPr>
+                  <a:t>%&gt;%</a:t>
+                </a:r>
+                <a:br/>
+                <a:r>
+                  <a:rPr>
+                    <a:latin typeface="Courier"/>
+                  </a:rPr>
+                  <a:t>    </a:t>
+                </a:r>
+                <a:r>
+                  <a:rPr i="1">
+                    <a:solidFill>
+                      <a:srgbClr val="60A0B0"/>
+                    </a:solidFill>
+                    <a:latin typeface="Courier"/>
+                  </a:rPr>
+                  <a:t># calcula o tamanho do efeito</a:t>
+                </a:r>
+                <a:br/>
+                <a:r>
+                  <a:rPr>
+                    <a:latin typeface="Courier"/>
+                  </a:rPr>
+                  <a:t>gtsummary</a:t>
+                </a:r>
+                <a:r>
+                  <a:rPr>
+                    <a:solidFill>
+                      <a:srgbClr val="4070A0"/>
+                    </a:solidFill>
+                    <a:latin typeface="Courier"/>
+                  </a:rPr>
+                  <a:t>::</a:t>
+                </a:r>
+                <a:r>
+                  <a:rPr>
+                    <a:solidFill>
+                      <a:srgbClr val="06287E"/>
+                    </a:solidFill>
+                    <a:latin typeface="Courier"/>
+                  </a:rPr>
+                  <a:t>modify_table_styling</a:t>
+                </a:r>
+                <a:r>
+                  <a:rPr>
+                    <a:latin typeface="Courier"/>
+                  </a:rPr>
+                  <a:t>(</a:t>
+                </a:r>
+                <a:r>
+                  <a:rPr>
+                    <a:solidFill>
+                      <a:srgbClr val="7D9029"/>
+                    </a:solidFill>
+                    <a:latin typeface="Courier"/>
+                  </a:rPr>
+                  <a:t>rows =</a:t>
+                </a:r>
+                <a:r>
+                  <a:rPr>
+                    <a:latin typeface="Courier"/>
+                  </a:rPr>
+                  <a:t> </a:t>
+                </a:r>
+                <a:r>
+                  <a:rPr>
+                    <a:solidFill>
+                      <a:srgbClr val="880000"/>
+                    </a:solidFill>
+                    <a:latin typeface="Courier"/>
+                  </a:rPr>
+                  <a:t>NULL</a:t>
+                </a:r>
+                <a:r>
+                  <a:rPr>
+                    <a:latin typeface="Courier"/>
+                  </a:rPr>
+                  <a:t>, </a:t>
+                </a:r>
+                <a:r>
+                  <a:rPr>
+                    <a:solidFill>
+                      <a:srgbClr val="7D9029"/>
+                    </a:solidFill>
+                    <a:latin typeface="Courier"/>
+                  </a:rPr>
+                  <a:t>footnote =</a:t>
+                </a:r>
+                <a:r>
+                  <a:rPr>
+                    <a:latin typeface="Courier"/>
+                  </a:rPr>
+                  <a:t> </a:t>
+                </a:r>
+                <a:r>
+                  <a:rPr>
+                    <a:solidFill>
+                      <a:srgbClr val="06287E"/>
+                    </a:solidFill>
+                    <a:latin typeface="Courier"/>
+                  </a:rPr>
+                  <a:t>as.character</a:t>
+                </a:r>
+                <a:r>
+                  <a:rPr>
+                    <a:latin typeface="Courier"/>
+                  </a:rPr>
+                  <a:t>(rstatix</a:t>
+                </a:r>
+                <a:r>
+                  <a:rPr>
+                    <a:solidFill>
+                      <a:srgbClr val="4070A0"/>
+                    </a:solidFill>
+                    <a:latin typeface="Courier"/>
+                  </a:rPr>
+                  <a:t>::</a:t>
+                </a:r>
+                <a:r>
+                  <a:rPr>
+                    <a:solidFill>
+                      <a:srgbClr val="06287E"/>
+                    </a:solidFill>
+                    <a:latin typeface="Courier"/>
+                  </a:rPr>
+                  <a:t>cramer_v</a:t>
+                </a:r>
+                <a:r>
+                  <a:rPr>
+                    <a:latin typeface="Courier"/>
+                  </a:rPr>
+                  <a:t>(trt,</a:t>
+                </a:r>
+                <a:br/>
+                <a:r>
+                  <a:rPr>
+                    <a:latin typeface="Courier"/>
+                  </a:rPr>
+                  <a:t>    response))) </a:t>
+                </a:r>
+                <a:r>
+                  <a:rPr>
+                    <a:solidFill>
+                      <a:srgbClr val="4070A0"/>
+                    </a:solidFill>
+                    <a:latin typeface="Courier"/>
+                  </a:rPr>
+                  <a:t>%&gt;%</a:t>
+                </a:r>
+                <a:br/>
+                <a:r>
+                  <a:rPr>
+                    <a:latin typeface="Courier"/>
+                  </a:rPr>
+                  <a:t>    </a:t>
+                </a:r>
+                <a:r>
+                  <a:rPr i="1">
+                    <a:solidFill>
+                      <a:srgbClr val="60A0B0"/>
+                    </a:solidFill>
+                    <a:latin typeface="Courier"/>
+                  </a:rPr>
+                  <a:t># formata o título em negrito</a:t>
+                </a:r>
+                <a:br/>
+                <a:r>
+                  <a:rPr>
+                    <a:latin typeface="Courier"/>
+                  </a:rPr>
+                  <a:t>gtsummary</a:t>
+                </a:r>
+                <a:r>
+                  <a:rPr>
+                    <a:solidFill>
+                      <a:srgbClr val="4070A0"/>
+                    </a:solidFill>
+                    <a:latin typeface="Courier"/>
+                  </a:rPr>
+                  <a:t>::</a:t>
+                </a:r>
+                <a:r>
+                  <a:rPr>
+                    <a:solidFill>
+                      <a:srgbClr val="06287E"/>
+                    </a:solidFill>
+                    <a:latin typeface="Courier"/>
+                  </a:rPr>
+                  <a:t>bold_labels</a:t>
+                </a:r>
+                <a:r>
+                  <a:rPr>
+                    <a:latin typeface="Courier"/>
+                  </a:rPr>
+                  <a:t>() </a:t>
+                </a:r>
+                <a:r>
+                  <a:rPr>
+                    <a:solidFill>
+                      <a:srgbClr val="4070A0"/>
+                    </a:solidFill>
+                    <a:latin typeface="Courier"/>
+                  </a:rPr>
+                  <a:t>%&gt;%</a:t>
+                </a:r>
+                <a:br/>
+                <a:r>
+                  <a:rPr>
+                    <a:latin typeface="Courier"/>
+                  </a:rPr>
+                  <a:t>    </a:t>
+                </a:r>
+                <a:r>
+                  <a:rPr i="1">
+                    <a:solidFill>
+                      <a:srgbClr val="60A0B0"/>
+                    </a:solidFill>
+                    <a:latin typeface="Courier"/>
+                  </a:rPr>
+                  <a:t># cria título da tabela</a:t>
+                </a:r>
+                <a:br/>
+                <a:r>
+                  <a:rPr>
+                    <a:latin typeface="Courier"/>
+                  </a:rPr>
+                  <a:t>gtsummary</a:t>
+                </a:r>
+                <a:r>
+                  <a:rPr>
+                    <a:solidFill>
+                      <a:srgbClr val="4070A0"/>
+                    </a:solidFill>
+                    <a:latin typeface="Courier"/>
+                  </a:rPr>
+                  <a:t>::</a:t>
+                </a:r>
+                <a:r>
+                  <a:rPr>
+                    <a:solidFill>
+                      <a:srgbClr val="06287E"/>
+                    </a:solidFill>
+                    <a:latin typeface="Courier"/>
+                  </a:rPr>
+                  <a:t>modify_caption</a:t>
+                </a:r>
+                <a:r>
+                  <a:rPr>
+                    <a:latin typeface="Courier"/>
+                  </a:rPr>
+                  <a:t>(</a:t>
+                </a:r>
+                <a:r>
+                  <a:rPr>
+                    <a:solidFill>
+                      <a:srgbClr val="4070A0"/>
+                    </a:solidFill>
+                    <a:latin typeface="Courier"/>
+                  </a:rPr>
+                  <a:t>"Teste exato de Fisher"</a:t>
+                </a:r>
+                <a:r>
+                  <a:rPr>
+                    <a:latin typeface="Courier"/>
+                  </a:rPr>
+                  <a:t>)</a:t>
+                </a:r>
+                <a:br/>
+                <a:br/>
+                <a:r>
+                  <a:rPr i="1">
+                    <a:solidFill>
+                      <a:srgbClr val="60A0B0"/>
+                    </a:solidFill>
+                    <a:latin typeface="Courier"/>
+                  </a:rPr>
+                  <a:t># exibe a tabela</a:t>
+                </a:r>
+                <a:br/>
+                <a:r>
+                  <a:rPr>
+                    <a:latin typeface="Courier"/>
+                  </a:rPr>
+                  <a:t>tbl_cross </a:t>
+                </a:r>
+                <a:r>
+                  <a:rPr>
+                    <a:solidFill>
+                      <a:srgbClr val="4070A0"/>
+                    </a:solidFill>
+                    <a:latin typeface="Courier"/>
+                  </a:rPr>
+                  <a:t>%&gt;%</a:t>
+                </a:r>
+                <a:br/>
+                <a:r>
+                  <a:rPr>
+                    <a:latin typeface="Courier"/>
+                  </a:rPr>
+                  <a:t>    gtsummary</a:t>
+                </a:r>
+                <a:r>
+                  <a:rPr>
+                    <a:solidFill>
+                      <a:srgbClr val="4070A0"/>
+                    </a:solidFill>
+                    <a:latin typeface="Courier"/>
+                  </a:rPr>
+                  <a:t>::</a:t>
+                </a:r>
+                <a:r>
+                  <a:rPr>
+                    <a:solidFill>
+                      <a:srgbClr val="06287E"/>
+                    </a:solidFill>
+                    <a:latin typeface="Courier"/>
+                  </a:rPr>
+                  <a:t>as_hux_table</a:t>
+                </a:r>
+                <a:r>
+                  <a:rPr>
+                    <a:latin typeface="Courier"/>
+                  </a:rPr>
+                  <a:t>()</a:t>
+                </a:r>
+              </a:p>
+            </p:txBody>
+          </p:sp>
+        </mc:Choice>
+      </mc:AlternateContent>
       <p:graphicFrame>
         <p:nvGraphicFramePr>
           <p:cNvPr id="8" name=""/>
@@ -28714,57 +28721,140 @@
           </a:p>
         </p:txBody>
       </p:sp>
-      <p:sp>
-        <p:nvSpPr>
-          <p:cNvPr id="3" name="Content Placeholder 2">
-            <a:extLst>
-              <a:ext uri="{FF2B5EF4-FFF2-40B4-BE49-F238E27FC236}">
-                <a16:creationId xmlns:a16="http://schemas.microsoft.com/office/drawing/2014/main" id="{1574FA24-F1CC-B240-AAF9-A2DF684B1C54}"/>
-              </a:ext>
-            </a:extLst>
-          </p:cNvPr>
-          <p:cNvSpPr>
-            <a:spLocks noGrp="1"/>
-          </p:cNvSpPr>
-          <p:nvPr>
-            <p:ph idx="1"/>
-          </p:nvPr>
-        </p:nvSpPr>
-        <p:spPr/>
-        <p:txBody>
-          <a:bodyPr/>
-          <a:lstStyle/>
-          <a:p>
-            <a:pPr lvl="0" indent="0" marL="0">
-              <a:buNone/>
-            </a:pPr>
-          </a:p>
-          <a:p>
-            <a:pPr lvl="0" indent="0" marL="0">
-              <a:spcBef>
-                <a:spcPts val="3000"/>
-              </a:spcBef>
-              <a:buNone/>
-            </a:pPr>
-            <a:r>
-              <a:rPr b="1"/>
-              <a:t>O que são as análises de associação bivariável?</a:t>
-            </a:r>
-          </a:p>
-          <a:p>
-            <a:pPr lvl="0"/>
-            <a:r>
-              <a:rPr/>
-              <a:t>.[REF]</a:t>
-            </a:r>
-          </a:p>
-          <a:p>
-            <a:pPr lvl="0" indent="0" marL="0">
-              <a:buNone/>
-            </a:pPr>
-          </a:p>
-        </p:txBody>
-      </p:sp>
+      <mc:AlternateContent xmlns:mc="http://schemas.openxmlformats.org/markup-compatibility/2006">
+        <mc:Choice xmlns:a14="http://schemas.microsoft.com/office/drawing/2010/main" Requires="a14">
+          <p:sp>
+            <p:nvSpPr>
+              <p:cNvPr id="3" name="Content Placeholder 2">
+                <a:extLst>
+                  <a:ext uri="{FF2B5EF4-FFF2-40B4-BE49-F238E27FC236}">
+                    <a16:creationId xmlns:a16="http://schemas.microsoft.com/office/drawing/2014/main" id="{1574FA24-F1CC-B240-AAF9-A2DF684B1C54}"/>
+                  </a:ext>
+                </a:extLst>
+              </p:cNvPr>
+              <p:cNvSpPr>
+                <a:spLocks noGrp="1"/>
+              </p:cNvSpPr>
+              <p:nvPr>
+                <p:ph idx="1"/>
+              </p:nvPr>
+            </p:nvSpPr>
+            <p:spPr/>
+            <p:txBody>
+              <a:bodyPr/>
+              <a:lstStyle/>
+              <a:p>
+                <a:pPr lvl="0" indent="0" marL="0">
+                  <a:buNone/>
+                </a:pPr>
+              </a:p>
+              <a:p>
+                <a:pPr lvl="0" indent="0" marL="0">
+                  <a:spcBef>
+                    <a:spcPts val="3000"/>
+                  </a:spcBef>
+                  <a:buNone/>
+                </a:pPr>
+                <a:r>
+                  <a:rPr b="1"/>
+                  <a:t>O que são as análises de associação bivariável?</a:t>
+                </a:r>
+              </a:p>
+              <a:p>
+                <a:pPr lvl="0"/>
+                <a:r>
+                  <a:rPr/>
+                  <a:t>.[REF]</a:t>
+                </a:r>
+              </a:p>
+              <a:p>
+                <a:pPr lvl="0" indent="0" marL="0">
+                  <a:buNone/>
+                </a:pPr>
+              </a:p>
+              <a:p>
+                <a:pPr lvl="0" indent="0" marL="0">
+                  <a:spcBef>
+                    <a:spcPts val="3000"/>
+                  </a:spcBef>
+                  <a:buNone/>
+                </a:pPr>
+                <a:r>
+                  <a:rPr b="1"/>
+                  <a:t>Quais testes podem ser usados para análises de associação bivariável?</a:t>
+                </a:r>
+              </a:p>
+              <a:p>
+                <a:pPr lvl="0"/>
+                <a:r>
+                  <a:rPr/>
+                  <a:t>Teste Qui-quadrado (</a:t>
+                </a:r>
+                <a14:m>
+                  <m:oMath xmlns:m="http://schemas.openxmlformats.org/officeDocument/2006/math">
+                    <m:sSup>
+                      <m:e>
+                        <m:r>
+                          <m:t>χ</m:t>
+                        </m:r>
+                      </m:e>
+                      <m:sup>
+                        <m:r>
+                          <m:t>2</m:t>
+                        </m:r>
+                      </m:sup>
+                    </m:sSup>
+                  </m:oMath>
+                </a14:m>
+                <a:r>
+                  <a:rPr/>
+                  <a:t>).</a:t>
+                </a:r>
+                <a:r>
+                  <a:rPr baseline="30000"/>
+                  <a:t>82,83</a:t>
+                </a:r>
+              </a:p>
+              <a:p>
+                <a:pPr lvl="0"/>
+                <a:r>
+                  <a:rPr/>
+                  <a:t>Teste Exato de Fisher (</a:t>
+                </a:r>
+                <a14:m>
+                  <m:oMath xmlns:m="http://schemas.openxmlformats.org/officeDocument/2006/math">
+                    <m:sSup>
+                      <m:e>
+                        <m:r>
+                          <m:t>χ</m:t>
+                        </m:r>
+                      </m:e>
+                      <m:sup>
+                        <m:r>
+                          <m:t>2</m:t>
+                        </m:r>
+                      </m:sup>
+                    </m:sSup>
+                  </m:oMath>
+                </a14:m>
+                <a:r>
+                  <a:rPr/>
+                  <a:t>).</a:t>
+                </a:r>
+                <a:r>
+                  <a:rPr baseline="30000"/>
+                  <a:t>82,83</a:t>
+                </a:r>
+              </a:p>
+              <a:p>
+                <a:pPr lvl="0" indent="0" marL="0">
+                  <a:buNone/>
+                </a:pPr>
+              </a:p>
+            </p:txBody>
+          </p:sp>
+        </mc:Choice>
+      </mc:AlternateContent>
     </p:spTree>
   </p:cSld>
 </p:sld>

--- a/docs/Ciência-com-R.pptx
+++ b/docs/Ciência-com-R.pptx
@@ -3570,7 +3570,7 @@
             </a:pPr>
             <a:r>
               <a:rPr/>
-              <a:t>Atualizado em 24/09/2023  </a:t>
+              <a:t>Atualizado em 25/09/2023  </a:t>
             </a:r>
           </a:p>
         </p:txBody>

--- a/docs/Ciência-com-R.pptx
+++ b/docs/Ciência-com-R.pptx
@@ -4459,7 +4459,7 @@
             <a:pPr lvl="0"/>
             <a:r>
               <a:rPr/>
-              <a:t>Checklists são listas que podem ser utilizadas por autores, revisores ou editores, durante as fases de planejamento ou apresentação, para redação ou revisão de textos que relatam anaálises estatísticas.</a:t>
+              <a:t>Checklists são listas que podem ser utilizadas por autores, revisores ou editores, durante as fases de planejamento ou apresentação, para redação ou revisão de textos que relatam análises estatísticas.</a:t>
             </a:r>
           </a:p>
           <a:p>
@@ -4483,7 +4483,7 @@
             <a:pPr lvl="0"/>
             <a:r>
               <a:rPr/>
-              <a:t>Checklists têm sido recomendados para melhorar o relato das análses realizadas, aumentar a transparência do estudo e reprodutibilidade dos achados.</a:t>
+              <a:t>Checklists têm sido recomendados para melhorar o relato das análises realizadas, aumentar a transparência do estudo e reprodutibilidade dos achados.</a:t>
             </a:r>
             <a:r>
               <a:rPr baseline="30000"/>
@@ -4505,7 +4505,7 @@
             <a:pPr lvl="0"/>
             <a:r>
               <a:rPr/>
-              <a:t>Checklists não são suficientes para garantir a qualidade técnica da pesquisa, mas podem conitribuir para a revisão por pares.</a:t>
+              <a:t>Checklists não são suficientes para garantir a qualidade técnica da pesquisa, mas podem contribuir para a revisão por pares.</a:t>
             </a:r>
             <a:r>
               <a:rPr baseline="30000"/>
@@ -4680,7 +4680,7 @@
             <a:pPr lvl="0"/>
             <a:r>
               <a:rPr/>
-              <a:t>Fluxogramas são figuras que apresentam as etapas de um estudos.</a:t>
+              <a:t>Fluxogramas são figuras que apresentam as etapas de um estudo.</a:t>
             </a:r>
           </a:p>
           <a:p>
@@ -5524,7 +5524,7 @@
             </a:r>
             <a:r>
               <a:rPr/>
-              <a:t>). Neste caso, ambos os valores pontuais são considerados representativos daquela unidade de análise. Medidas múltiplas também são possivelmente relacionadas e portanto são dependentes na mesma unidade de análise. Medidas múltiplas podem ser obtidas de modo repetido para análise agregada ou seriada.</a:t>
+              <a:t>). Neste caso, ambos os valores pontuais são considerados representativos daquela unidade de análise. Medidas múltiplas também são possivelmente relacionadas e, portanto, são dependentes na mesma unidade de análise. Medidas múltiplas podem ser obtidas de modo repetido para análise agregada ou seriada.</a:t>
             </a:r>
           </a:p>
           <a:p>
@@ -11018,7 +11018,7 @@
                 </a:pPr>
                 <a:r>
                   <a:rPr b="1"/>
-                  <a:t>O que são variáveis dicotômicaas?</a:t>
+                  <a:t>O que são variáveis dicotômicas?</a:t>
                 </a:r>
               </a:p>
               <a:p>
@@ -11032,7 +11032,7 @@
                 <a:pPr lvl="0"/>
                 <a:r>
                   <a:rPr/>
-                  <a:t>Variáveis dicotômicas podem representar categorias fictícias, criadas a partir de variáveis multinomiais, em que cada nível é convertido em uma variável dicotômica </a:t>
+                  <a:t>Variáveis dicotômicas podem representar categorias fictícias, criadas a partir de variáveis multinominais, em que cada nível é convertido em uma variável dicotômica </a:t>
                 </a:r>
                 <a:r>
                   <a:rPr i="1"/>
@@ -11270,7 +11270,7 @@
                 <a:pPr lvl="0"/>
                 <a:r>
                   <a:rPr/>
-                  <a:t>Quando a distribuição da variável contínua é muito assimétrica, de modo que uma grande quantidade de observações estão em um dos extremos da escala.</a:t>
+                  <a:t>Quando a distribuição da variável contínua é muito assimétrica, de modo que uma grande quantidade de observações está em um dos extremos da escala.</a:t>
                 </a:r>
                 <a:r>
                   <a:rPr baseline="30000"/>
@@ -11596,7 +11596,7 @@
             <a:pPr lvl="0"/>
             <a:r>
               <a:rPr/>
-              <a:t>Níveis de um fator são as possíveis catagorias que descrevem um fator.[REF]</a:t>
+              <a:t>Níveis de um fator são as possíveis categorias que descrevem um fator.[REF]</a:t>
             </a:r>
           </a:p>
           <a:p>
@@ -13353,7 +13353,7 @@
             <a:pPr lvl="0"/>
             <a:r>
               <a:rPr/>
-              <a:t>Defina os tipos de variáveis adequatamente no banco de dados.</a:t>
+              <a:t>Defina os tipos de variáveis adequadamente no banco de dados.</a:t>
             </a:r>
             <a:r>
               <a:rPr baseline="30000"/>
@@ -14297,7 +14297,7 @@
             <a:pPr lvl="0"/>
             <a:r>
               <a:rPr/>
-              <a:t>A análise inicial de dados pode ser divida nas seguintes etapas: (1) configuração dos metadados; (2) limpeza dos dados; (3) verificação dos dados; (4) relatório inicial dos dados; (5) refinamento e atualização do plano de análise estatística; e (6) documentação e relatório da análise inicial de dados.</a:t>
+              <a:t>A análise inicial de dados pode ser dividida nas seguintes etapas: (1) configuração dos metadados; (2) limpeza dos dados; (3) verificação dos dados; (4) relatório inicial dos dados; (5) refinamento e atualização do plano de análise estatística; e (6) documentação e relatório da análise inicial de dados.</a:t>
             </a:r>
             <a:r>
               <a:rPr baseline="30000"/>
@@ -14896,7 +14896,7 @@
             </a:r>
             <a:r>
               <a:rPr/>
-              <a:t> para executar análise explotarória. </a:t>
+              <a:t> para executar análise exploratória. </a:t>
             </a:r>
           </a:p>
           <a:p>
@@ -15239,7 +15239,7 @@
             <a:pPr lvl="0"/>
             <a:r>
               <a:rPr/>
-              <a:t>Verificar aderência ao protocolo do estudo, incluindo crtérios de inclusão/exclusão, tamanho da amostra e perdas amostrais.</a:t>
+              <a:t>Verificar aderência ao protocolo do estudo, incluindo critérios de inclusão/exclusão, tamanho da amostra e perdas amostrais.</a:t>
             </a:r>
             <a:r>
               <a:rPr baseline="30000"/>
@@ -15763,7 +15763,7 @@
             <a:pPr lvl="0"/>
             <a:r>
               <a:rPr/>
-              <a:t>O cumprimento das barras de erro sugerem graficamente a imprecisão dos dados do estudo, uma vez que o valor verdadeiro da população pode estar em qualquer nível do intervalo da barra.</a:t>
+              <a:t>O comprimento das barras de erro sugere graficamente a imprecisão dos dados do estudo, uma vez que o valor verdadeiro da população pode estar em qualquer nível do intervalo da barra.</a:t>
             </a:r>
             <a:r>
               <a:rPr baseline="30000"/>
@@ -16029,7 +16029,7 @@
             </a:pPr>
             <a:r>
               <a:rPr/>
-              <a:t>Ideias e hipótesese científicas</a:t>
+              <a:t>Ideias e hipóteses científicas</a:t>
             </a:r>
           </a:p>
         </p:txBody>
@@ -17622,7 +17622,7 @@
             </a:pPr>
             <a:r>
               <a:rPr/>
-              <a:t>Componho o corpo editoral dos periódicos internacionais e nacionais: </a:t>
+              <a:t>Componho o corpo editorial dos periódicos internacionais e nacionais: </a:t>
             </a:r>
             <a:r>
               <a:rPr>
@@ -18090,7 +18090,7 @@
             <a:pPr lvl="0"/>
             <a:r>
               <a:rPr/>
-              <a:t>Testes não-paramétricos apresentam menor poder estatítisco (maior erro tipo II) comparados aos testes paramétricos correspondentes.</a:t>
+              <a:t>Testes não-paramétricos apresentam menor poder estatístisco (maior erro tipo II) comparados aos testes paramétricos correspondentes.</a:t>
             </a:r>
             <a:r>
               <a:rPr baseline="30000"/>
@@ -29020,7 +29020,7 @@
                 </a14:m>
                 <a:r>
                   <a:rPr/>
-                  <a:t>) avalia a força e direção da relação linear entre uma variáveis quantitativas e outra dicotômica.</a:t>
+                  <a:t>) avalia a força e direção da relação linear entre uma variável quantitativa e outra dicotômica.</a:t>
                 </a:r>
                 <a:r>
                   <a:rPr baseline="30000"/>
@@ -29503,7 +29503,7 @@
                 </a:r>
                 <a:r>
                   <a:rPr/>
-                  <a:t> para calcular o coeficiente de correlação de Speaman </a:t>
+                  <a:t> para calcular o coeficiente de correlação de Spearman </a:t>
                 </a:r>
                 <a14:m>
                   <m:oMath xmlns:m="http://schemas.openxmlformats.org/officeDocument/2006/math">
@@ -30858,7 +30858,7 @@
             </a:r>
             <a:r>
               <a:rPr/>
-              <a:t>) compreendem variáveis criadas para introduzir, nos mdelos de regressão, informações contidas em outras variáveis que não podem ser medidas em escala numérica.</a:t>
+              <a:t>) compreendem variáveis criadas para introduzir, nos modelos de regressão, informações contidas em outras variáveis que não podem ser medidas em escala numérica.</a:t>
             </a:r>
             <a:r>
               <a:rPr baseline="30000"/>
@@ -31718,7 +31718,7 @@
             </a:pPr>
             <a:r>
               <a:rPr/>
-              <a:t>A proposta gira em torno da organização de um compêndio abrangente de métodos e técnicas de análise estaatística de dados de ponta em pesquisa científica, apresentados em formato de perguntas e respostas. Esse formato promove um diálogo direto e objetivo com o leitor, respondendo a dúvidas comumente colocadas por alunos de graduação, pós-graduação, mestrado e doutorado, bem como por pesquisadores.</a:t>
+              <a:t>A proposta gira em torno da organização de um compêndio abrangente de métodos e técnicas de análise estatística de dados de ponta em pesquisa científica, apresentados em formato de perguntas e respostas. Esse formato promove um diálogo direto e objetivo com o leitor, respondendo a dúvidas comumente colocadas por alunos de graduação, pós-graduação, mestrado e doutorado, bem como por pesquisadores.</a:t>
             </a:r>
           </a:p>
           <a:p>
@@ -31776,16 +31776,16 @@
             </a:pPr>
             <a:r>
               <a:rPr/>
-              <a:t>Os capítulos foramorganizados para seguir uma progressão de conceitos e aplicações. Embora sejam fragmentados para maior clareza instrucional, as referências cruzadas ajudam a mitigar a fragmentação do conteúdo e reforçar a interconexão dos tópicos.</a:t>
-            </a:r>
-          </a:p>
-          <a:p>
-            <a:pPr lvl="0" indent="0" marL="0">
-              <a:buNone/>
-            </a:pPr>
-            <a:r>
-              <a:rPr/>
-              <a:t>O público-alvo compreende pesquisadores, professores, analistas de dados, profissionais e estudantes que regularmente lidam com a tomada de decisões em pesquisa. Os estudantes de pós-graduação encontrarão aqui uma obra repleta de exemplos para adaptar na análise dos dados de seus projetos de pesquisa. Professores terão acesso a uma obra didática de referência, direcionada para alunos de graduação e pós-graduação. Pesquisadores e analistas de dados descobrirão um valioso acervo de informações e referências para a construção de projetos e manuscritos. Pesquisadores experientes podem recorrer às referências e esclarecimentos mais atuais sobre viéses, paradoxos, mitos e malpráticas em pesquisa. Além disso, os leitores não familiarizados ainda com pesquisa terão a oportunidade de apreciar o papel fundamental de colocar e responder perguntas na busca do conhecimento científico.</a:t>
+              <a:t>Os capítulos foram organizados para seguir uma progressão de conceitos e aplicações. Embora sejam fragmentados para maior clareza instrucional, as referências cruzadas ajudam a mitigar a fragmentação do conteúdo e reforçar a interconexão dos tópicos.</a:t>
+            </a:r>
+          </a:p>
+          <a:p>
+            <a:pPr lvl="0" indent="0" marL="0">
+              <a:buNone/>
+            </a:pPr>
+            <a:r>
+              <a:rPr/>
+              <a:t>O público-alvo compreende pesquisadores, professores, analistas de dados, profissionais e estudantes que regularmente lidam com a tomada de decisões em pesquisa. Os estudantes de pós-graduação encontrarão aqui uma obra repleta de exemplos para adaptar na análise dos dados de seus projetos de pesquisa. Professores terão acesso a uma obra didática de referência, direcionada para alunos de graduação e pós-graduação. Pesquisadores e analistas de dados descobrirão um valioso acervo de informações e referências para a construção de projetos e manuscritos. Pesquisadores experientes podem recorrer às referências e esclarecimentos mais atuais sobre vieses, paradoxos, mitos e mal práticas em pesquisa. Além disso, os leitores não familiarizados ainda com pesquisa terão a oportunidade de apreciar o papel fundamental de colocar e responder perguntas na busca do conhecimento científico.</a:t>
             </a:r>
           </a:p>
           <a:p>
@@ -31959,7 +31959,7 @@
             </a:pPr>
             <a:r>
               <a:rPr b="1"/>
-              <a:t>Quais problemas de pesquisa são investigados com estudos de conncordância e confiabilidade?</a:t>
+              <a:t>Quais problemas de pesquisa são investigados com estudos de concordância e confiabilidade?</a:t>
             </a:r>
           </a:p>
           <a:p>
@@ -32020,7 +32020,7 @@
             </a:pPr>
             <a:r>
               <a:rPr b="1"/>
-              <a:t>Quais fontes de variabilidade comumente invetigadas?</a:t>
+              <a:t>Quais fontes de variabilidade são comumente investigadas?</a:t>
             </a:r>
           </a:p>
           <a:p>
@@ -33104,7 +33104,7 @@
             <a:pPr lvl="1"/>
             <a:r>
               <a:rPr/>
-              <a:t>Descontinuidadede regressão</a:t>
+              <a:t>Descontinuidade de regressão</a:t>
             </a:r>
           </a:p>
           <a:p>
@@ -34753,7 +34753,7 @@
             <a:pPr lvl="0"/>
             <a:r>
               <a:rPr/>
-              <a:t>As abordagens compreendem a comparação da variável de desfecho medida entre os momentos antes e depois ou da sua mudança (pre - pós) entre os momentos.</a:t>
+              <a:t>As abordagens compreendem a comparação da variável de desfecho medida entre os momentos antes e depois ou da sua mudança (pré - pós) entre os momentos.</a:t>
             </a:r>
             <a:r>
               <a:rPr baseline="30000"/>
@@ -34949,7 +34949,7 @@
             <a:pPr lvl="0"/>
             <a:r>
               <a:rPr/>
-              <a:t>Incluir a variável de desfecho medida na linha de base como covariável - independentemente da análise ser realizada com a medida pós-tratamento da mesma variável ou a diferença para a linha de base - pode aumentar o poder estatístico do estudo.</a:t>
+              <a:t>Incluir a variável de desfecho medida na linha de base como covariável - independentemente de a análise ser realizada com a medida pós-tratamento da mesma variável ou a diferença para a linha de base - pode aumentar o poder estatístico do estudo.</a:t>
             </a:r>
             <a:r>
               <a:rPr baseline="30000"/>
@@ -35532,7 +35532,7 @@
             </a:pPr>
             <a:r>
               <a:rPr b="1"/>
-              <a:t>Por que não se deve comparar intragrupos (pré-pós) em ensaios clínicos aleatorizados?</a:t>
+              <a:t>Por que não se deve comparar intragrupos (pré - pós) em ensaios clínicos aleatorizados?</a:t>
             </a:r>
           </a:p>
           <a:p>
@@ -35956,7 +35956,7 @@
             <a:pPr lvl="0"/>
             <a:r>
               <a:rPr/>
-              <a:t>A comparação de subgrupos por meio de testes de significância de hipótese nula separados é enganoso por não testar (comparar) diretamente os tamanhos dos efeitos dos tratamentos.</a:t>
+              <a:t>A comparação de subgrupos por meio de testes de significância de hipótese nula separados é enganosa por não testar (comparar) diretamente os tamanhos dos efeitos dos tratamentos.</a:t>
             </a:r>
             <a:r>
               <a:rPr baseline="30000"/>
@@ -36466,7 +36466,7 @@
                 </a14:m>
                 <a:r>
                   <a:rPr/>
-                  <a:t>), podemos concluir que o tratamento pode ser benéfico em algumas populações mas prejudicial em outras, de modo que a estimativa pontual (geralmente a média) torna-se amplamente irrelevante. Nesse caso, é recomendado investigar em que populações o tratamento seria benéfico e onde causaria danos.</a:t>
+                  <a:t>), podemos concluir que o tratamento pode ser benéfico em algumas populações, mas prejudicial em outras, de modo que a estimativa pontual (geralmente a média) torna-se amplamente irrelevante. Nesse caso, é recomendado investigar em que populações o tratamento seria benéfico e em quais causaria danos.</a:t>
                 </a:r>
                 <a:r>
                   <a:rPr baseline="30000"/>
@@ -36599,7 +36599,7 @@
                 <a:pPr lvl="0"/>
                 <a:r>
                   <a:rPr/>
-                  <a:t>A heterogeneidade entre estudos é explicada de modo mais confiável utilizando dados de pacientes individuais, uma vez que a direção verdadeira da modificação de efeito não pode ser observado a partir de dados agregados no estudo.</a:t>
+                  <a:t>A heterogeneidade entre estudos é explicada de modo mais confiável utilizando dados de pacientes individuais, uma vez que a direção verdadeira da modificação de efeito não pode ser observada a partir de dados agregados no estudo.</a:t>
                 </a:r>
                 <a:r>
                   <a:rPr baseline="30000"/>

--- a/docs/Ciência-com-R.pptx
+++ b/docs/Ciência-com-R.pptx
@@ -3570,7 +3570,7 @@
             </a:pPr>
             <a:r>
               <a:rPr/>
-              <a:t>Atualizado em 25/09/2023  </a:t>
+              <a:t>Atualizado em 26/09/2023  </a:t>
             </a:r>
           </a:p>
         </p:txBody>
@@ -10694,7 +10694,7 @@
             <a:pPr lvl="0"/>
             <a:r>
               <a:rPr/>
-              <a:t>A transformação visa atender aos pressupostos dos modelos estatísticos quanto à distribuição da variável, em geral a distribuição Gaussiana.</a:t>
+              <a:t>A transformação visa atender aos pressupostos dos modelos estatísticos quanto à distribuição da variável, em geral a distribuição gaussiana.</a:t>
             </a:r>
             <a:r>
               <a:rPr baseline="30000"/>
@@ -12502,7 +12502,7 @@
             <a:pPr lvl="0"/>
             <a:r>
               <a:rPr/>
-              <a:t>A distribuição normal (ou Gaussiana) é uma distribuição com desvios simétricos positivos e negativos em torno de um valor central.</a:t>
+              <a:t>A distribuição normal (ou gaussiana) é uma distribuição com desvios simétricos positivos e negativos em torno de um valor central.</a:t>
             </a:r>
             <a:r>
               <a:rPr baseline="30000"/>
@@ -18090,7 +18090,7 @@
             <a:pPr lvl="0"/>
             <a:r>
               <a:rPr/>
-              <a:t>Testes não-paramétricos apresentam menor poder estatístisco (maior erro tipo II) comparados aos testes paramétricos correspondentes.</a:t>
+              <a:t>Testes não-paramétricos apresentam menor poder estatístico (maior erro tipo II) comparados aos testes paramétricos correspondentes.</a:t>
             </a:r>
             <a:r>
               <a:rPr baseline="30000"/>

--- a/docs/Ciência-com-R.pptx
+++ b/docs/Ciência-com-R.pptx
@@ -17583,27 +17583,27 @@
             </a:r>
             <a:r>
               <a:rPr/>
-              <a:t>) (2007-atual), Committee on Publication Ethics (</a:t>
+              <a:t>) (2007-atual), , Consórcio Acadêmico Brasileiro de Saúde Integrativa (</a:t>
             </a:r>
             <a:r>
               <a:rPr>
                 <a:hlinkClick r:id="rId6"/>
               </a:rPr>
+              <a:t>CABSIN</a:t>
+            </a:r>
+            <a:r>
+              <a:rPr/>
+              <a:t>) (2019-atual), Committee on Publication Ethics (</a:t>
+            </a:r>
+            <a:r>
+              <a:rPr>
+                <a:hlinkClick r:id="rId7"/>
+              </a:rPr>
               <a:t>COPE</a:t>
             </a:r>
             <a:r>
               <a:rPr/>
-              <a:t>) (2018-atual), Consórcio Acadêmico Brasileiro de Saúde Integrativa (</a:t>
-            </a:r>
-            <a:r>
-              <a:rPr>
-                <a:hlinkClick r:id="rId7"/>
-              </a:rPr>
-              <a:t>CABSIN</a:t>
-            </a:r>
-            <a:r>
-              <a:rPr/>
-              <a:t>) (2019-atual) e Royal Statistical Society (</a:t>
+              <a:t>) (2018-atual) e Royal Statistical Society (</a:t>
             </a:r>
             <a:r>
               <a:rPr>
@@ -17622,7 +17622,7 @@
             </a:pPr>
             <a:r>
               <a:rPr/>
-              <a:t>Componho o corpo editorial dos periódicos internacionais e nacionais: </a:t>
+              <a:t>Componho o corpo editorial e de revisores de periódicos nacionais e internacionais como </a:t>
             </a:r>
             <a:r>
               <a:rPr>

--- a/docs/Ciência-com-R.pptx
+++ b/docs/Ciência-com-R.pptx
@@ -3577,7 +3577,7 @@
             </a:pPr>
             <a:r>
               <a:rPr/>
-              <a:t>Atualizado em 27/09/2023  </a:t>
+              <a:t>Atualizado em 02/10/2023  </a:t>
             </a:r>
           </a:p>
         </p:txBody>
@@ -24318,7 +24318,7 @@
             </a:r>
             <a:r>
               <a:rPr/>
-              <a:t>. Rio de Janeiro: 1a edição, 2023. 101p. </a:t>
+              <a:t>. Rio de Janeiro: 1a edição, 2023. 105p. </a:t>
             </a:r>
             <a:r>
               <a:rPr>
@@ -24340,6 +24340,11 @@
               <a:rPr/>
               <a:t>A versão online desta obra está licenciada com uma Licença Creative Commons Atribuição-NãoComercial 4.0 Internacional.</a:t>
             </a:r>
+          </a:p>
+          <a:p>
+            <a:pPr lvl="0" indent="0" marL="0">
+              <a:buNone/>
+            </a:pPr>
           </a:p>
         </p:txBody>
       </p:sp>

--- a/docs/Ciência-com-R.pptx
+++ b/docs/Ciência-com-R.pptx
@@ -24879,17 +24879,58 @@
             </a:pPr>
             <a:r>
               <a:rPr/>
-              <a:t>Copyright © 2023 Arthur de Sá FerreiraTodos os direitos reservados. Nenhuma parte deste livro pode ser reproduzida ou usada de qualquer maneira sem a permissão prévia por escrito do proprietário dos direitos autorais, exceto para o uso de breves citações em uma resenha do livro.Para solicitar permissões, entre em contato com </a:t>
+              <a:t>Copyright © 2023 Arthur de Sá Ferreira</a:t>
+            </a:r>
+          </a:p>
+          <a:p>
+            <a:pPr lvl="0" indent="0" marL="0">
+              <a:buNone/>
+            </a:pPr>
+            <a:r>
+              <a:rPr/>
+              <a:t>Todos os direitos reservados. Nenhuma parte deste livro pode ser reproduzida ou usada de qualquer maneira sem a permissão prévia por escrito do proprietário dos direitos autorais, exceto para o uso de breves citações em uma resenha do livro.</a:t>
+            </a:r>
+          </a:p>
+          <a:p>
+            <a:pPr lvl="0" indent="0" marL="0">
+              <a:buNone/>
+            </a:pPr>
+            <a:r>
+              <a:rPr/>
+              <a:t>Para solicitar permissões, entre em contato com </a:t>
             </a:r>
             <a:r>
               <a:rPr>
                 <a:hlinkClick r:id="rId3"/>
               </a:rPr>
-              <a:t>cienciacomr@gmail.comCapa</a:t>
-            </a:r>
-            <a:r>
-              <a:rPr/>
-              <a:t> dura: ISBNBrochura: ISBNE-book: ISBN</a:t>
+              <a:t>cienciacomr@gmail.com</a:t>
+            </a:r>
+          </a:p>
+          <a:p>
+            <a:pPr lvl="0" indent="0" marL="0">
+              <a:buNone/>
+            </a:pPr>
+            <a:r>
+              <a:rPr/>
+              <a:t>Capa dura: ISBN</a:t>
+            </a:r>
+          </a:p>
+          <a:p>
+            <a:pPr lvl="0" indent="0" marL="0">
+              <a:buNone/>
+            </a:pPr>
+            <a:r>
+              <a:rPr/>
+              <a:t>Brochura: ISBN</a:t>
+            </a:r>
+          </a:p>
+          <a:p>
+            <a:pPr lvl="0" indent="0" marL="0">
+              <a:buNone/>
+            </a:pPr>
+            <a:r>
+              <a:rPr/>
+              <a:t>E-book: ISBN</a:t>
             </a:r>
           </a:p>
           <a:p>
@@ -31595,7 +31636,7 @@
             </a:pPr>
             <a:r>
               <a:rPr/>
-              <a:t>A proposta gira em torno da organização de um compêndio abrangente de métodos e técnicas de análise estatística de dados de ponta em pesquisa científica, apresentados em formato de perguntas e respostas. Esse formato promove um diálogo direto e objetivo com o leitor, respondendo a dúvidas comumente colocadas por alunos de graduação, pós-graduação, mestrado e doutorado, bem como por pesquisadores.</a:t>
+              <a:t>A proposta gira em torno da organização de um compêndio abrangente de métodos e técnicas de ponta para análise estatística de dados em pesquisa científica, apresentados em formato de perguntas e respostas. Esse formato promove um diálogo direto e objetivo com o leitor, respondendo a dúvidas comumente colocadas por alunos de graduação, pós-graduação, mestrado e doutorado, bem como por pesquisadores.</a:t>
             </a:r>
           </a:p>
           <a:p>
@@ -31644,7 +31685,7 @@
             </a:r>
             <a:r>
               <a:rPr/>
-              <a:t>. Em cada capítulo, questões específicas são propostas e respondidas sistematicamente, permitindo uma maior elaboração.</a:t>
+              <a:t>. Em cada capítulo, questões específicas são propostas e respondidas sistematicamente, permitindo uma maior elaboração do conteúdo.</a:t>
             </a:r>
           </a:p>
           <a:p>
@@ -31662,7 +31703,7 @@
             </a:pPr>
             <a:r>
               <a:rPr/>
-              <a:t>O público-alvo compreende pesquisadores, professores, analistas de dados, profissionais e estudantes que regularmente lidam com a tomada de decisões em pesquisa. Os estudantes de pós-graduação encontrarão aqui uma obra repleta de exemplos para adaptar na análise dos dados de seus projetos de pesquisa. Professores terão acesso a uma obra didática de referência, direcionada para alunos de graduação e pós-graduação. Pesquisadores e analistas de dados descobrirão um valioso acervo de informações e referências para a construção de projetos e manuscritos. Pesquisadores experientes podem recorrer às referências e esclarecimentos mais atuais sobre vieses, paradoxos, mitos e mal práticas em pesquisa. Além disso, os leitores não familiarizados ainda com pesquisa terão a oportunidade de apreciar o papel fundamental de colocar e responder perguntas na busca do conhecimento científico.</a:t>
+              <a:t>O público-alvo compreende pesquisadores, professores, analistas de dados, profissionais e estudantes que regularmente lidam com a tomada de decisões em pesquisa. Os estudantes de pós-graduação encontrarão aqui uma obra repleta de exemplos para adaptar na análise dos dados de seus projetos de pesquisa. Professores de graduação e pós-graduação terão acesso a uma obra didática de referência, direcionada para seus alunos. Pesquisadores e analistas de dados iniciantes descobrirão um valioso acervo de informações e referências para a construção de projetos e manuscritos. Pesquisadores e os cientistas mais experientes podem recorrer às referências e esclarecimentos mais atuais sobre vieses, paradoxos, mitos e mal práticas em pesquisa. E mesmo os leitores não familiarizados ainda com as técncias de análise de dados em pesquisa terão a oportunidade de apreciar o papel fundamental de colocar e responder perguntas na busca do conhecimento científico.</a:t>
             </a:r>
           </a:p>
           <a:p>

--- a/docs/Ciência-com-R.pptx
+++ b/docs/Ciência-com-R.pptx
@@ -14919,7 +14919,7 @@
             </a:pPr>
             <a:r>
               <a:rPr/>
-              <a:t>Este trabalho não seria possível sem o apoio e suporte da minha esposa Daniele, minha irmâ Mônica, meu pai José e meus filhos Giovanna, Victor e Lucas.</a:t>
+              <a:t>Este trabalho não seria possível sem o apoio e suporte da minha esposa Daniele, minha irmâ Mônica, meu pai José Victorino e meus filhos Giovanna, Victor e Lucas.</a:t>
             </a:r>
           </a:p>
           <a:p>

--- a/docs/Ciência-com-R.pptx
+++ b/docs/Ciência-com-R.pptx
@@ -3579,7 +3579,7 @@
             </a:pPr>
             <a:r>
               <a:rPr/>
-              <a:t>Atualizado em 03/10/2023  </a:t>
+              <a:t>Atualizado em 04/10/2023  </a:t>
             </a:r>
           </a:p>
         </p:txBody>

--- a/docs/Ciência-com-R.pptx
+++ b/docs/Ciência-com-R.pptx
@@ -20499,11 +20499,6 @@
           </a:p>
           <a:p>
             <a:pPr lvl="0" indent="0" marL="0">
-              <a:buNone/>
-            </a:pPr>
-          </a:p>
-          <a:p>
-            <a:pPr lvl="0" indent="0" marL="0">
               <a:spcBef>
                 <a:spcPts val="3000"/>
               </a:spcBef>
@@ -20646,6 +20641,15 @@
               <a:buNone/>
             </a:pPr>
             <a:r>
+              <a:rPr b="1"/>
+              <a:t>Atenção!</a:t>
+            </a:r>
+          </a:p>
+          <a:p>
+            <a:pPr lvl="0" indent="0" marL="0">
+              <a:buNone/>
+            </a:pPr>
+            <a:r>
               <a:rPr/>
               <a:t>O pacote </a:t>
             </a:r>
@@ -20662,12 +20666,14 @@
               <a:t> fornece a função </a:t>
             </a:r>
             <a:r>
-              <a:rPr i="1"/>
+              <a:rPr i="1">
+                <a:hlinkClick r:id="rId2"/>
+              </a:rPr>
               <a:t>aggregate</a:t>
             </a:r>
             <a:r>
               <a:rPr/>
-              <a:t> para agregar medidas repetidas utilizando uma função. </a:t>
+              <a:t> para agregar medidas repetidas utilizando uma função personalizada.</a:t>
             </a:r>
           </a:p>
           <a:p>
@@ -20803,6 +20809,15 @@
               <a:buNone/>
             </a:pPr>
             <a:r>
+              <a:rPr b="1"/>
+              <a:t>Atenção!</a:t>
+            </a:r>
+          </a:p>
+          <a:p>
+            <a:pPr lvl="0" indent="0" marL="0">
+              <a:buNone/>
+            </a:pPr>
+            <a:r>
               <a:rPr/>
               <a:t>O pacote </a:t>
             </a:r>
@@ -20819,12 +20834,14 @@
               <a:t> fornece a função </a:t>
             </a:r>
             <a:r>
-              <a:rPr i="1"/>
+              <a:rPr i="1">
+                <a:hlinkClick r:id="rId3"/>
+              </a:rPr>
               <a:t>aggregate</a:t>
             </a:r>
             <a:r>
               <a:rPr/>
-              <a:t> para agregar medidas repetidas utilizando uma função. </a:t>
+              <a:t> para agregar medidas repetidas utilizando uma função personalizada.</a:t>
             </a:r>
           </a:p>
           <a:p>
@@ -20890,6 +20907,15 @@
               <a:buNone/>
             </a:pPr>
             <a:r>
+              <a:rPr b="1"/>
+              <a:t>Atenção!</a:t>
+            </a:r>
+          </a:p>
+          <a:p>
+            <a:pPr lvl="0" indent="0" marL="0">
+              <a:buNone/>
+            </a:pPr>
+            <a:r>
               <a:rPr/>
               <a:t>O pacote </a:t>
             </a:r>
@@ -20906,12 +20932,14 @@
               <a:t> fornece a função </a:t>
             </a:r>
             <a:r>
-              <a:rPr i="1"/>
+              <a:rPr i="1">
+                <a:hlinkClick r:id="rId4"/>
+              </a:rPr>
               <a:t>aggregate</a:t>
             </a:r>
             <a:r>
               <a:rPr/>
-              <a:t> para agregar medidas repetidas utilizando uma função. </a:t>
+              <a:t> para agregar medidas repetidas utilizando uma função personalizada.</a:t>
             </a:r>
           </a:p>
           <a:p>

--- a/docs/Ciência-com-R.pptx
+++ b/docs/Ciência-com-R.pptx
@@ -3579,7 +3579,7 @@
             </a:pPr>
             <a:r>
               <a:rPr/>
-              <a:t>Atualizado em 04/10/2023  </a:t>
+              <a:t>Atualizado em 05/10/2023  </a:t>
             </a:r>
           </a:p>
         </p:txBody>
@@ -3745,7 +3745,7 @@
             </a:r>
             <a:r>
               <a:rPr baseline="30000"/>
-              <a:t>126</a:t>
+              <a:t>128</a:t>
             </a:r>
           </a:p>
           <a:p>
@@ -3784,7 +3784,7 @@
             </a:r>
             <a:r>
               <a:rPr baseline="30000"/>
-              <a:t>126</a:t>
+              <a:t>128</a:t>
             </a:r>
           </a:p>
           <a:p>
@@ -3823,7 +3823,7 @@
             </a:r>
             <a:r>
               <a:rPr baseline="30000"/>
-              <a:t>126</a:t>
+              <a:t>128</a:t>
             </a:r>
           </a:p>
           <a:p>
@@ -3862,7 +3862,7 @@
             </a:r>
             <a:r>
               <a:rPr baseline="30000"/>
-              <a:t>126</a:t>
+              <a:t>128</a:t>
             </a:r>
           </a:p>
           <a:p>
@@ -3901,7 +3901,7 @@
             </a:r>
             <a:r>
               <a:rPr baseline="30000"/>
-              <a:t>126</a:t>
+              <a:t>128</a:t>
             </a:r>
           </a:p>
           <a:p>
@@ -4025,7 +4025,7 @@
             </a:r>
             <a:r>
               <a:rPr baseline="30000"/>
-              <a:t>127,128</a:t>
+              <a:t>129,130</a:t>
             </a:r>
           </a:p>
           <a:p>
@@ -4036,7 +4036,7 @@
             </a:r>
             <a:r>
               <a:rPr baseline="30000"/>
-              <a:t>127,128</a:t>
+              <a:t>129,130</a:t>
             </a:r>
           </a:p>
           <a:p>
@@ -4064,7 +4064,7 @@
             </a:r>
             <a:r>
               <a:rPr baseline="30000"/>
-              <a:t>122</a:t>
+              <a:t>124</a:t>
             </a:r>
           </a:p>
           <a:p>
@@ -4075,7 +4075,7 @@
             </a:r>
             <a:r>
               <a:rPr baseline="30000"/>
-              <a:t>122</a:t>
+              <a:t>124</a:t>
             </a:r>
           </a:p>
           <a:p>
@@ -4086,7 +4086,7 @@
             </a:r>
             <a:r>
               <a:rPr baseline="30000"/>
-              <a:t>122</a:t>
+              <a:t>124</a:t>
             </a:r>
           </a:p>
           <a:p>
@@ -4114,7 +4114,7 @@
             </a:r>
             <a:r>
               <a:rPr baseline="30000"/>
-              <a:t>128</a:t>
+              <a:t>130</a:t>
             </a:r>
           </a:p>
           <a:p>
@@ -4125,7 +4125,7 @@
             </a:r>
             <a:r>
               <a:rPr baseline="30000"/>
-              <a:t>128</a:t>
+              <a:t>130</a:t>
             </a:r>
           </a:p>
           <a:p>
@@ -4136,7 +4136,7 @@
             </a:r>
             <a:r>
               <a:rPr baseline="30000"/>
-              <a:t>128</a:t>
+              <a:t>130</a:t>
             </a:r>
           </a:p>
           <a:p>
@@ -4147,7 +4147,7 @@
             </a:r>
             <a:r>
               <a:rPr baseline="30000"/>
-              <a:t>128</a:t>
+              <a:t>130</a:t>
             </a:r>
           </a:p>
           <a:p>
@@ -14422,7 +14422,7 @@
             </a:r>
             <a:r>
               <a:rPr baseline="30000"/>
-              <a:t>129</a:t>
+              <a:t>131</a:t>
             </a:r>
           </a:p>
           <a:p>
@@ -14439,7 +14439,7 @@
             </a:r>
             <a:r>
               <a:rPr baseline="30000"/>
-              <a:t>129</a:t>
+              <a:t>131</a:t>
             </a:r>
           </a:p>
           <a:p>
@@ -14517,7 +14517,7 @@
             </a:r>
             <a:r>
               <a:rPr baseline="30000"/>
-              <a:t>130</a:t>
+              <a:t>132</a:t>
             </a:r>
           </a:p>
           <a:p>
@@ -14528,7 +14528,7 @@
             </a:r>
             <a:r>
               <a:rPr baseline="30000"/>
-              <a:t>130</a:t>
+              <a:t>132</a:t>
             </a:r>
           </a:p>
           <a:p>
@@ -14539,7 +14539,7 @@
             </a:r>
             <a:r>
               <a:rPr baseline="30000"/>
-              <a:t>130</a:t>
+              <a:t>132</a:t>
             </a:r>
           </a:p>
           <a:p>
@@ -14550,7 +14550,7 @@
             </a:r>
             <a:r>
               <a:rPr baseline="30000"/>
-              <a:t>130</a:t>
+              <a:t>132</a:t>
             </a:r>
           </a:p>
           <a:p>
@@ -14561,7 +14561,7 @@
             </a:r>
             <a:r>
               <a:rPr baseline="30000"/>
-              <a:t>130,131</a:t>
+              <a:t>132,133</a:t>
             </a:r>
           </a:p>
           <a:p>
@@ -14572,7 +14572,7 @@
             </a:r>
             <a:r>
               <a:rPr baseline="30000"/>
-              <a:t>130</a:t>
+              <a:t>132</a:t>
             </a:r>
           </a:p>
           <a:p>
@@ -14583,7 +14583,7 @@
             </a:r>
             <a:r>
               <a:rPr baseline="30000"/>
-              <a:t>130</a:t>
+              <a:t>132</a:t>
             </a:r>
           </a:p>
           <a:p>
@@ -14611,7 +14611,7 @@
             </a:r>
             <a:r>
               <a:rPr baseline="30000"/>
-              <a:t>131</a:t>
+              <a:t>133</a:t>
             </a:r>
           </a:p>
           <a:p>
@@ -14622,7 +14622,7 @@
             </a:r>
             <a:r>
               <a:rPr baseline="30000"/>
-              <a:t>131</a:t>
+              <a:t>133</a:t>
             </a:r>
           </a:p>
           <a:p>
@@ -14650,7 +14650,7 @@
             </a:r>
             <a:r>
               <a:rPr baseline="30000"/>
-              <a:t>131</a:t>
+              <a:t>133</a:t>
             </a:r>
           </a:p>
           <a:p>
@@ -14661,7 +14661,7 @@
             </a:r>
             <a:r>
               <a:rPr baseline="30000"/>
-              <a:t>131</a:t>
+              <a:t>133</a:t>
             </a:r>
           </a:p>
           <a:p>
@@ -14680,7 +14680,7 @@
             </a:r>
             <a:r>
               <a:rPr baseline="30000"/>
-              <a:t>131</a:t>
+              <a:t>133</a:t>
             </a:r>
           </a:p>
           <a:p>
@@ -14691,7 +14691,7 @@
             </a:r>
             <a:r>
               <a:rPr baseline="30000"/>
-              <a:t>132</a:t>
+              <a:t>134</a:t>
             </a:r>
           </a:p>
           <a:p>
@@ -14713,7 +14713,7 @@
             </a:r>
             <a:r>
               <a:rPr baseline="30000"/>
-              <a:t>133</a:t>
+              <a:t>135</a:t>
             </a:r>
             <a:r>
               <a:rPr/>
@@ -14734,7 +14734,7 @@
             </a:r>
             <a:r>
               <a:rPr baseline="30000"/>
-              <a:t>134</a:t>
+              <a:t>136</a:t>
             </a:r>
             <a:r>
               <a:rPr/>
@@ -14781,7 +14781,7 @@
             </a:r>
             <a:r>
               <a:rPr baseline="30000"/>
-              <a:t>135</a:t>
+              <a:t>137</a:t>
             </a:r>
           </a:p>
           <a:p>
@@ -14798,7 +14798,7 @@
             </a:r>
             <a:r>
               <a:rPr baseline="30000"/>
-              <a:t>136</a:t>
+              <a:t>138</a:t>
             </a:r>
           </a:p>
           <a:p>
@@ -15312,7 +15312,7 @@
             </a:r>
             <a:r>
               <a:rPr baseline="30000"/>
-              <a:t>137</a:t>
+              <a:t>139</a:t>
             </a:r>
           </a:p>
           <a:p>
@@ -15327,7 +15327,7 @@
             </a:r>
             <a:r>
               <a:rPr baseline="30000"/>
-              <a:t>138</a:t>
+              <a:t>140</a:t>
             </a:r>
           </a:p>
           <a:p>
@@ -15357,7 +15357,7 @@
             </a:r>
             <a:r>
               <a:rPr baseline="30000"/>
-              <a:t>139</a:t>
+              <a:t>141</a:t>
             </a:r>
           </a:p>
           <a:p>
@@ -15372,7 +15372,7 @@
             </a:r>
             <a:r>
               <a:rPr baseline="30000"/>
-              <a:t>140</a:t>
+              <a:t>142</a:t>
             </a:r>
           </a:p>
           <a:p>
@@ -15387,7 +15387,7 @@
             </a:r>
             <a:r>
               <a:rPr baseline="30000"/>
-              <a:t>141</a:t>
+              <a:t>143</a:t>
             </a:r>
           </a:p>
           <a:p>
@@ -15417,7 +15417,7 @@
             </a:r>
             <a:r>
               <a:rPr baseline="30000"/>
-              <a:t>142</a:t>
+              <a:t>144</a:t>
             </a:r>
           </a:p>
           <a:p>
@@ -15432,7 +15432,7 @@
             </a:r>
             <a:r>
               <a:rPr baseline="30000"/>
-              <a:t>109</a:t>
+              <a:t>110</a:t>
             </a:r>
           </a:p>
           <a:p>
@@ -15447,7 +15447,7 @@
             </a:r>
             <a:r>
               <a:rPr baseline="30000"/>
-              <a:t>143</a:t>
+              <a:t>145</a:t>
             </a:r>
           </a:p>
           <a:p>
@@ -15462,7 +15462,7 @@
             </a:r>
             <a:r>
               <a:rPr baseline="30000"/>
-              <a:t>144</a:t>
+              <a:t>146</a:t>
             </a:r>
           </a:p>
           <a:p>
@@ -15477,7 +15477,7 @@
             </a:r>
             <a:r>
               <a:rPr baseline="30000"/>
-              <a:t>145</a:t>
+              <a:t>147</a:t>
             </a:r>
           </a:p>
           <a:p>
@@ -15492,7 +15492,7 @@
             </a:r>
             <a:r>
               <a:rPr baseline="30000"/>
-              <a:t>146</a:t>
+              <a:t>148</a:t>
             </a:r>
           </a:p>
           <a:p>
@@ -15507,7 +15507,7 @@
             </a:r>
             <a:r>
               <a:rPr baseline="30000"/>
-              <a:t>147</a:t>
+              <a:t>149</a:t>
             </a:r>
           </a:p>
           <a:p>
@@ -15522,7 +15522,7 @@
             </a:r>
             <a:r>
               <a:rPr baseline="30000"/>
-              <a:t>148</a:t>
+              <a:t>150</a:t>
             </a:r>
           </a:p>
           <a:p>
@@ -15659,7 +15659,7 @@
             </a:r>
             <a:r>
               <a:rPr baseline="30000"/>
-              <a:t>149</a:t>
+              <a:t>151</a:t>
             </a:r>
           </a:p>
           <a:p>
@@ -15670,7 +15670,7 @@
             </a:r>
             <a:r>
               <a:rPr baseline="30000"/>
-              <a:t>150</a:t>
+              <a:t>152</a:t>
             </a:r>
           </a:p>
           <a:p>
@@ -15681,7 +15681,7 @@
             </a:r>
             <a:r>
               <a:rPr baseline="30000"/>
-              <a:t>150</a:t>
+              <a:t>152</a:t>
             </a:r>
           </a:p>
           <a:p>
@@ -15713,7 +15713,7 @@
             </a:r>
             <a:r>
               <a:rPr baseline="30000"/>
-              <a:t>151</a:t>
+              <a:t>153</a:t>
             </a:r>
           </a:p>
           <a:p>
@@ -15728,7 +15728,7 @@
             </a:r>
             <a:r>
               <a:rPr baseline="30000"/>
-              <a:t>152</a:t>
+              <a:t>154</a:t>
             </a:r>
           </a:p>
           <a:p>
@@ -15880,7 +15880,7 @@
             </a:r>
             <a:r>
               <a:rPr baseline="30000"/>
-              <a:t>109</a:t>
+              <a:t>110</a:t>
             </a:r>
           </a:p>
           <a:p>
@@ -15901,7 +15901,7 @@
             </a:r>
             <a:r>
               <a:rPr baseline="30000"/>
-              <a:t>153</a:t>
+              <a:t>155</a:t>
             </a:r>
           </a:p>
           <a:p>
@@ -15923,7 +15923,7 @@
             </a:r>
             <a:r>
               <a:rPr baseline="30000"/>
-              <a:t>154,155</a:t>
+              <a:t>156,157</a:t>
             </a:r>
             <a:r>
               <a:rPr/>
@@ -19109,7 +19109,22 @@
             </a:pPr>
             <a:r>
               <a:rPr/>
-              <a:t>103. Westreich D, Greenland S. The Table 2 Fallacy: Presenting and Interpreting Confounder and Modifier Coefficients. </a:t>
+              <a:t>103. Gohel D, Skintzos P. Flextable: Functions for tabular reporting. 2023. </a:t>
+            </a:r>
+            <a:r>
+              <a:rPr>
+                <a:hlinkClick r:id="rId103"/>
+              </a:rPr>
+              <a:t>https://CRAN.R-project.org/package=flextable.</a:t>
+            </a:r>
+          </a:p>
+          <a:p>
+            <a:pPr lvl="0" indent="0" marL="0">
+              <a:buNone/>
+            </a:pPr>
+            <a:r>
+              <a:rPr/>
+              <a:t>104. Westreich D, Greenland S. The Table 2 Fallacy: Presenting and Interpreting Confounder and Modifier Coefficients. </a:t>
             </a:r>
             <a:r>
               <a:rPr i="1"/>
@@ -19121,7 +19136,7 @@
             </a:r>
             <a:r>
               <a:rPr>
-                <a:hlinkClick r:id="rId103"/>
+                <a:hlinkClick r:id="rId104"/>
               </a:rPr>
               <a:t>10.1093/aje/kws412</a:t>
             </a:r>
@@ -19132,7 +19147,7 @@
             </a:pPr>
             <a:r>
               <a:rPr/>
-              <a:t>104. Park JH, Lee DK, Kang H, et al. The principles of presenting statistical results using figures. </a:t>
+              <a:t>105. Park JH, Lee DK, Kang H, et al. The principles of presenting statistical results using figures. </a:t>
             </a:r>
             <a:r>
               <a:rPr i="1"/>
@@ -19144,7 +19159,7 @@
             </a:r>
             <a:r>
               <a:rPr>
-                <a:hlinkClick r:id="rId104"/>
+                <a:hlinkClick r:id="rId105"/>
               </a:rPr>
               <a:t>10.4097/kja.21508</a:t>
             </a:r>
@@ -19155,11 +19170,11 @@
             </a:pPr>
             <a:r>
               <a:rPr/>
-              <a:t>105. Wickham H. ggplot2: Elegant graphics for data analysis. 2016. </a:t>
-            </a:r>
-            <a:r>
-              <a:rPr>
-                <a:hlinkClick r:id="rId105"/>
+              <a:t>106. Wickham H. ggplot2: Elegant graphics for data analysis. 2016. </a:t>
+            </a:r>
+            <a:r>
+              <a:rPr>
+                <a:hlinkClick r:id="rId106"/>
               </a:rPr>
               <a:t>https://ggplot2.tidyverse.org.</a:t>
             </a:r>
@@ -19170,11 +19185,11 @@
             </a:pPr>
             <a:r>
               <a:rPr/>
-              <a:t>106. Sievert C. Interactive web-based data visualization with r, plotly, and shiny. 2020. </a:t>
-            </a:r>
-            <a:r>
-              <a:rPr>
-                <a:hlinkClick r:id="rId106"/>
+              <a:t>107. Sievert C. Interactive web-based data visualization with r, plotly, and shiny. 2020. </a:t>
+            </a:r>
+            <a:r>
+              <a:rPr>
+                <a:hlinkClick r:id="rId107"/>
               </a:rPr>
               <a:t>https://plotly-r.com.</a:t>
             </a:r>
@@ -19185,11 +19200,11 @@
             </a:pPr>
             <a:r>
               <a:rPr/>
-              <a:t>107. Wei T, Simko V. R package ’corrplot’: Visualization of a correlation matrix. 2021. </a:t>
-            </a:r>
-            <a:r>
-              <a:rPr>
-                <a:hlinkClick r:id="rId107"/>
+              <a:t>108. Wei T, Simko V. R package ’corrplot’: Visualization of a correlation matrix. 2021. </a:t>
+            </a:r>
+            <a:r>
+              <a:rPr>
+                <a:hlinkClick r:id="rId108"/>
               </a:rPr>
               <a:t>https://github.com/taiyun/corrplot.</a:t>
             </a:r>
@@ -19200,7 +19215,7 @@
             </a:pPr>
             <a:r>
               <a:rPr/>
-              <a:t>108. Cumming G, Fidler F, Vaux DL. Error bars in experimental biology. </a:t>
+              <a:t>109. Cumming G, Fidler F, Vaux DL. Error bars in experimental biology. </a:t>
             </a:r>
             <a:r>
               <a:rPr i="1"/>
@@ -19212,7 +19227,7 @@
             </a:r>
             <a:r>
               <a:rPr>
-                <a:hlinkClick r:id="rId108"/>
+                <a:hlinkClick r:id="rId109"/>
               </a:rPr>
               <a:t>10.1083/jcb.200611141</a:t>
             </a:r>
@@ -19223,7 +19238,7 @@
             </a:pPr>
             <a:r>
               <a:rPr/>
-              <a:t>109. Weissgerber TL, Winham SJ, Heinzen EP, et al. Reveal, Don’t Conceal. </a:t>
+              <a:t>110. Weissgerber TL, Winham SJ, Heinzen EP, et al. Reveal, Don’t Conceal. </a:t>
             </a:r>
             <a:r>
               <a:rPr i="1"/>
@@ -19235,7 +19250,7 @@
             </a:r>
             <a:r>
               <a:rPr>
-                <a:hlinkClick r:id="rId109"/>
+                <a:hlinkClick r:id="rId110"/>
               </a:rPr>
               <a:t>10.1161/circulationaha.118.037777</a:t>
             </a:r>
@@ -19246,11 +19261,11 @@
             </a:pPr>
             <a:r>
               <a:rPr/>
-              <a:t>110. Xiao N. Ggsci: Scientific journal and sci-fi themed color palettes for ’ggplot2’. 2023. </a:t>
-            </a:r>
-            <a:r>
-              <a:rPr>
-                <a:hlinkClick r:id="rId110"/>
+              <a:t>111. Xiao N. Ggsci: Scientific journal and sci-fi themed color palettes for ’ggplot2’. 2023. </a:t>
+            </a:r>
+            <a:r>
+              <a:rPr>
+                <a:hlinkClick r:id="rId111"/>
               </a:rPr>
               <a:t>https://CRAN.R-project.org/package=ggsci.</a:t>
             </a:r>
@@ -19261,7 +19276,22 @@
             </a:pPr>
             <a:r>
               <a:rPr/>
-              <a:t>111. Curran-Everett D. Explorations in statistics: hypothesis tests and </a:t>
+              <a:t>112. Urbanek S, Johnson K. Tiff: Read and write TIFF images. 2022. </a:t>
+            </a:r>
+            <a:r>
+              <a:rPr>
+                <a:hlinkClick r:id="rId112"/>
+              </a:rPr>
+              <a:t>https://CRAN.R-project.org/package=tiff.</a:t>
+            </a:r>
+          </a:p>
+          <a:p>
+            <a:pPr lvl="0" indent="0" marL="0">
+              <a:buNone/>
+            </a:pPr>
+            <a:r>
+              <a:rPr/>
+              <a:t>113. Curran-Everett D. Explorations in statistics: hypothesis tests and </a:t>
             </a:r>
             <a:r>
               <a:rPr i="1"/>
@@ -19281,7 +19311,7 @@
             </a:r>
             <a:r>
               <a:rPr>
-                <a:hlinkClick r:id="rId111"/>
+                <a:hlinkClick r:id="rId113"/>
               </a:rPr>
               <a:t>10.1152/advan.90218.2008</a:t>
             </a:r>
@@ -19292,7 +19322,7 @@
             </a:pPr>
             <a:r>
               <a:rPr/>
-              <a:t>112. Vandenbroucke JP, Pearce N. From ideas to studies: how to get ideas and sharpen them into research questions. </a:t>
+              <a:t>114. Vandenbroucke JP, Pearce N. From ideas to studies: how to get ideas and sharpen them into research questions. </a:t>
             </a:r>
             <a:r>
               <a:rPr i="1"/>
@@ -19304,7 +19334,7 @@
             </a:r>
             <a:r>
               <a:rPr>
-                <a:hlinkClick r:id="rId112"/>
+                <a:hlinkClick r:id="rId114"/>
               </a:rPr>
               <a:t>10.2147/clep.s142940</a:t>
             </a:r>
@@ -19315,7 +19345,7 @@
             </a:pPr>
             <a:r>
               <a:rPr/>
-              <a:t>113. Lakens D, Scheel AM, Isager PM. Equivalence Testing for Psychological Research: A Tutorial. </a:t>
+              <a:t>115. Lakens D, Scheel AM, Isager PM. Equivalence Testing for Psychological Research: A Tutorial. </a:t>
             </a:r>
             <a:r>
               <a:rPr i="1"/>
@@ -19327,7 +19357,7 @@
             </a:r>
             <a:r>
               <a:rPr>
-                <a:hlinkClick r:id="rId113"/>
+                <a:hlinkClick r:id="rId115"/>
               </a:rPr>
               <a:t>10.1177/2515245918770963</a:t>
             </a:r>
@@ -19338,7 +19368,7 @@
             </a:pPr>
             <a:r>
               <a:rPr/>
-              <a:t>114. Sullivan GM, Feinn R. Using Effect Sizeor Why the </a:t>
+              <a:t>116. Sullivan GM, Feinn R. Using Effect Sizeor Why the </a:t>
             </a:r>
             <a:r>
               <a:rPr i="1"/>
@@ -19358,7 +19388,7 @@
             </a:r>
             <a:r>
               <a:rPr>
-                <a:hlinkClick r:id="rId114"/>
+                <a:hlinkClick r:id="rId116"/>
               </a:rPr>
               <a:t>10.4300/jgme-d-12-00156.1</a:t>
             </a:r>
@@ -19369,7 +19399,7 @@
             </a:pPr>
             <a:r>
               <a:rPr/>
-              <a:t>115. Kim HY. Statistical notes for clinical researchers: effect size. </a:t>
+              <a:t>117. Kim HY. Statistical notes for clinical researchers: effect size. </a:t>
             </a:r>
             <a:r>
               <a:rPr i="1"/>
@@ -19381,7 +19411,7 @@
             </a:r>
             <a:r>
               <a:rPr>
-                <a:hlinkClick r:id="rId115"/>
+                <a:hlinkClick r:id="rId117"/>
               </a:rPr>
               <a:t>10.5395/rde.2015.40.4.328</a:t>
             </a:r>
@@ -19392,7 +19422,7 @@
             </a:pPr>
             <a:r>
               <a:rPr/>
-              <a:t>116. Khamis H. Measures of Association: How to Choose? </a:t>
+              <a:t>118. Khamis H. Measures of Association: How to Choose? </a:t>
             </a:r>
             <a:r>
               <a:rPr i="1"/>
@@ -19404,7 +19434,7 @@
             </a:r>
             <a:r>
               <a:rPr>
-                <a:hlinkClick r:id="rId116"/>
+                <a:hlinkClick r:id="rId118"/>
               </a:rPr>
               <a:t>10.1177/8756479308317006</a:t>
             </a:r>
@@ -19415,7 +19445,7 @@
             </a:pPr>
             <a:r>
               <a:rPr/>
-              <a:t>117. Allison JS, Santana L, (Jaco) Visagie IJH. A primer on simple measures of association taught at undergraduate level. </a:t>
+              <a:t>119. Allison JS, Santana L, (Jaco) Visagie IJH. A primer on simple measures of association taught at undergraduate level. </a:t>
             </a:r>
             <a:r>
               <a:rPr i="1"/>
@@ -19427,7 +19457,7 @@
             </a:r>
             <a:r>
               <a:rPr>
-                <a:hlinkClick r:id="rId117"/>
+                <a:hlinkClick r:id="rId119"/>
               </a:rPr>
               <a:t>10.1111/test.12307</a:t>
             </a:r>
@@ -19438,7 +19468,7 @@
             </a:pPr>
             <a:r>
               <a:rPr/>
-              <a:t>118. McHugh ML. The chi-square test of independence. </a:t>
+              <a:t>120. McHugh ML. The chi-square test of independence. </a:t>
             </a:r>
             <a:r>
               <a:rPr i="1"/>
@@ -19450,7 +19480,7 @@
             </a:r>
             <a:r>
               <a:rPr>
-                <a:hlinkClick r:id="rId118"/>
+                <a:hlinkClick r:id="rId120"/>
               </a:rPr>
               <a:t>10.11613/bm.2013.018</a:t>
             </a:r>
@@ -19461,7 +19491,7 @@
             </a:pPr>
             <a:r>
               <a:rPr/>
-              <a:t>119. Kim HY. Statistical notes for clinical researchers: Chi-squared test and Fisher’s exact test. </a:t>
+              <a:t>121. Kim HY. Statistical notes for clinical researchers: Chi-squared test and Fisher’s exact test. </a:t>
             </a:r>
             <a:r>
               <a:rPr i="1"/>
@@ -19473,7 +19503,7 @@
             </a:r>
             <a:r>
               <a:rPr>
-                <a:hlinkClick r:id="rId119"/>
+                <a:hlinkClick r:id="rId121"/>
               </a:rPr>
               <a:t>10.5395/rde.2017.42.2.152</a:t>
             </a:r>
@@ -19484,11 +19514,11 @@
             </a:pPr>
             <a:r>
               <a:rPr/>
-              <a:t>120. Sjoberg DD, Whiting K, Curry M, Lavery JA, Larmarange J. Reproducible summary tables with the gtsummary package. 2021;13:570-580. doi:</a:t>
-            </a:r>
-            <a:r>
-              <a:rPr>
-                <a:hlinkClick r:id="rId120"/>
+              <a:t>122. Sjoberg DD, Whiting K, Curry M, Lavery JA, Larmarange J. Reproducible summary tables with the gtsummary package. 2021;13:570-580. doi:</a:t>
+            </a:r>
+            <a:r>
+              <a:rPr>
+                <a:hlinkClick r:id="rId122"/>
               </a:rPr>
               <a:t>10.32614/RJ-2021-053</a:t>
             </a:r>
@@ -19499,7 +19529,7 @@
             </a:pPr>
             <a:r>
               <a:rPr/>
-              <a:t>121. Suits DB. Use of Dummy Variables in Regression Equations. </a:t>
+              <a:t>123. Suits DB. Use of Dummy Variables in Regression Equations. </a:t>
             </a:r>
             <a:r>
               <a:rPr i="1"/>
@@ -19511,7 +19541,7 @@
             </a:r>
             <a:r>
               <a:rPr>
-                <a:hlinkClick r:id="rId121"/>
+                <a:hlinkClick r:id="rId123"/>
               </a:rPr>
               <a:t>10.1080/01621459.1957.10501412</a:t>
             </a:r>
@@ -19522,7 +19552,7 @@
             </a:pPr>
             <a:r>
               <a:rPr/>
-              <a:t>122. Healy MJ. Statistics from the inside. 16. Multiple regression (2). </a:t>
+              <a:t>124. Healy MJ. Statistics from the inside. 16. Multiple regression (2). </a:t>
             </a:r>
             <a:r>
               <a:rPr i="1"/>
@@ -19534,7 +19564,7 @@
             </a:r>
             <a:r>
               <a:rPr>
-                <a:hlinkClick r:id="rId122"/>
+                <a:hlinkClick r:id="rId124"/>
               </a:rPr>
               <a:t>10.1136/adc.73.3.270</a:t>
             </a:r>
@@ -19545,11 +19575,11 @@
             </a:pPr>
             <a:r>
               <a:rPr/>
-              <a:t>123. Kaplan J. fastDummies: Fast creation of dummy (binary) columns and rows from categorical variables. 2023. </a:t>
-            </a:r>
-            <a:r>
-              <a:rPr>
-                <a:hlinkClick r:id="rId123"/>
+              <a:t>125. Kaplan J. fastDummies: Fast creation of dummy (binary) columns and rows from categorical variables. 2023. </a:t>
+            </a:r>
+            <a:r>
+              <a:rPr>
+                <a:hlinkClick r:id="rId125"/>
               </a:rPr>
               <a:t>https://CRAN.R-project.org/package=fastDummies.</a:t>
             </a:r>
@@ -19560,7 +19590,7 @@
             </a:pPr>
             <a:r>
               <a:rPr/>
-              <a:t>124. Hidalgo B, Goodman M. Multivariate or Multivariable Regression? </a:t>
+              <a:t>126. Hidalgo B, Goodman M. Multivariate or Multivariable Regression? </a:t>
             </a:r>
             <a:r>
               <a:rPr i="1"/>
@@ -19572,7 +19602,7 @@
             </a:r>
             <a:r>
               <a:rPr>
-                <a:hlinkClick r:id="rId124"/>
+                <a:hlinkClick r:id="rId126"/>
               </a:rPr>
               <a:t>10.2105/ajph.2012.300897</a:t>
             </a:r>
@@ -19583,11 +19613,11 @@
             </a:pPr>
             <a:r>
               <a:rPr/>
-              <a:t>125. Arel-Bundock V. Modelsummary: Data and model summaries in r. 2022;103. doi:</a:t>
-            </a:r>
-            <a:r>
-              <a:rPr>
-                <a:hlinkClick r:id="rId125"/>
+              <a:t>127. Arel-Bundock V. Modelsummary: Data and model summaries in r. 2022;103. doi:</a:t>
+            </a:r>
+            <a:r>
+              <a:rPr>
+                <a:hlinkClick r:id="rId127"/>
               </a:rPr>
               <a:t>10.18637/jss.v103.i01</a:t>
             </a:r>
@@ -19598,7 +19628,7 @@
             </a:pPr>
             <a:r>
               <a:rPr/>
-              <a:t>126. Baron RM, Kenny DA. The moderatormediator variable distinction in social psychological research: Conceptual, strategic, and statistical considerations. </a:t>
+              <a:t>128. Baron RM, Kenny DA. The moderatormediator variable distinction in social psychological research: Conceptual, strategic, and statistical considerations. </a:t>
             </a:r>
             <a:r>
               <a:rPr i="1"/>
@@ -19610,7 +19640,7 @@
             </a:r>
             <a:r>
               <a:rPr>
-                <a:hlinkClick r:id="rId126"/>
+                <a:hlinkClick r:id="rId128"/>
               </a:rPr>
               <a:t>10.1037/0022-3514.51.6.1173</a:t>
             </a:r>
@@ -19621,7 +19651,7 @@
             </a:pPr>
             <a:r>
               <a:rPr/>
-              <a:t>127. DALES LG, URY HK. An Improper Use of Statistical Significance Testing in Studying Covariables. </a:t>
+              <a:t>129. DALES LG, URY HK. An Improper Use of Statistical Significance Testing in Studying Covariables. </a:t>
             </a:r>
             <a:r>
               <a:rPr i="1"/>
@@ -19633,7 +19663,7 @@
             </a:r>
             <a:r>
               <a:rPr>
-                <a:hlinkClick r:id="rId127"/>
+                <a:hlinkClick r:id="rId129"/>
               </a:rPr>
               <a:t>10.1093/ije/7.4.373</a:t>
             </a:r>
@@ -19644,7 +19674,7 @@
             </a:pPr>
             <a:r>
               <a:rPr/>
-              <a:t>128. Sun GW, Shook TL, Kay GL. Inappropriate use of bivariable analysis to screen risk factors for use in multivariable analysis. </a:t>
+              <a:t>130. Sun GW, Shook TL, Kay GL. Inappropriate use of bivariable analysis to screen risk factors for use in multivariable analysis. </a:t>
             </a:r>
             <a:r>
               <a:rPr i="1"/>
@@ -19656,7 +19686,7 @@
             </a:r>
             <a:r>
               <a:rPr>
-                <a:hlinkClick r:id="rId128"/>
+                <a:hlinkClick r:id="rId130"/>
               </a:rPr>
               <a:t>10.1016/0895-4356(96)00025-x</a:t>
             </a:r>
@@ -19667,7 +19697,7 @@
             </a:pPr>
             <a:r>
               <a:rPr/>
-              <a:t>129. Ihaka R, Gentleman R. R: A language for data analysis and graphics. </a:t>
+              <a:t>131. Ihaka R, Gentleman R. R: A language for data analysis and graphics. </a:t>
             </a:r>
             <a:r>
               <a:rPr i="1"/>
@@ -19679,7 +19709,7 @@
             </a:r>
             <a:r>
               <a:rPr>
-                <a:hlinkClick r:id="rId129"/>
+                <a:hlinkClick r:id="rId131"/>
               </a:rPr>
               <a:t>10.2307/1390807</a:t>
             </a:r>
@@ -19690,7 +19720,7 @@
             </a:pPr>
             <a:r>
               <a:rPr/>
-              <a:t>130. Schwab, Simon, Held, Leonhard. Statistical programming: Small mistakes, big impacts. </a:t>
+              <a:t>132. Schwab, Simon, Held, Leonhard. Statistical programming: Small mistakes, big impacts. </a:t>
             </a:r>
             <a:r>
               <a:rPr i="1"/>
@@ -19702,7 +19732,7 @@
             </a:r>
             <a:r>
               <a:rPr>
-                <a:hlinkClick r:id="rId130"/>
+                <a:hlinkClick r:id="rId132"/>
               </a:rPr>
               <a:t>10.5167/UZH-205154</a:t>
             </a:r>
@@ -19713,7 +19743,7 @@
             </a:pPr>
             <a:r>
               <a:rPr/>
-              <a:t>131. Eglen SJ, Marwick B, Halchenko YO, et al. Toward standard practices for sharing computer code and programs in neuroscience. </a:t>
+              <a:t>133. Eglen SJ, Marwick B, Halchenko YO, et al. Toward standard practices for sharing computer code and programs in neuroscience. </a:t>
             </a:r>
             <a:r>
               <a:rPr i="1"/>
@@ -19725,7 +19755,7 @@
             </a:r>
             <a:r>
               <a:rPr>
-                <a:hlinkClick r:id="rId131"/>
+                <a:hlinkClick r:id="rId133"/>
               </a:rPr>
               <a:t>10.1038/nn.4550</a:t>
             </a:r>
@@ -19736,7 +19766,7 @@
             </a:pPr>
             <a:r>
               <a:rPr/>
-              <a:t>132. Zhao Y, Xiao N, Anderson K, Zhang Y. Electronic common technical document submission with analysis using R. </a:t>
+              <a:t>134. Zhao Y, Xiao N, Anderson K, Zhang Y. Electronic common technical document submission with analysis using R. </a:t>
             </a:r>
             <a:r>
               <a:rPr i="1"/>
@@ -19748,7 +19778,7 @@
             </a:r>
             <a:r>
               <a:rPr>
-                <a:hlinkClick r:id="rId132"/>
+                <a:hlinkClick r:id="rId134"/>
               </a:rPr>
               <a:t>10.1177/17407745221123244</a:t>
             </a:r>
@@ -19759,11 +19789,11 @@
             </a:pPr>
             <a:r>
               <a:rPr/>
-              <a:t>133. Xie Y. formatR: Format r code automatically. 2022. </a:t>
-            </a:r>
-            <a:r>
-              <a:rPr>
-                <a:hlinkClick r:id="rId133"/>
+              <a:t>135. Xie Y. formatR: Format r code automatically. 2022. </a:t>
+            </a:r>
+            <a:r>
+              <a:rPr>
+                <a:hlinkClick r:id="rId135"/>
               </a:rPr>
               <a:t>https://CRAN.R-project.org/package=formatR.</a:t>
             </a:r>
@@ -19774,11 +19804,11 @@
             </a:pPr>
             <a:r>
               <a:rPr/>
-              <a:t>134. Xiao N, Zhang Y, Anderson K. Pkglite: Compact package representations. 2022. </a:t>
-            </a:r>
-            <a:r>
-              <a:rPr>
-                <a:hlinkClick r:id="rId134"/>
+              <a:t>136. Xiao N, Zhang Y, Anderson K. Pkglite: Compact package representations. 2022. </a:t>
+            </a:r>
+            <a:r>
+              <a:rPr>
+                <a:hlinkClick r:id="rId136"/>
               </a:rPr>
               <a:t>https://CRAN.R-project.org/package=pkglite.</a:t>
             </a:r>
@@ -19789,7 +19819,7 @@
             </a:pPr>
             <a:r>
               <a:rPr/>
-              <a:t>135. Love J, Selker R, Marsman M, et al. </a:t>
+              <a:t>137. Love J, Selker R, Marsman M, et al. </a:t>
             </a:r>
             <a:r>
               <a:rPr b="1"/>
@@ -19809,7 +19839,7 @@
             </a:r>
             <a:r>
               <a:rPr>
-                <a:hlinkClick r:id="rId135"/>
+                <a:hlinkClick r:id="rId137"/>
               </a:rPr>
               <a:t>10.18637/jss.v088.i02</a:t>
             </a:r>
@@ -19820,7 +19850,7 @@
             </a:pPr>
             <a:r>
               <a:rPr/>
-              <a:t>136. ŞAHİN M, AYBEK E. Jamovi: An easy to use statistical software for the social scientists. </a:t>
+              <a:t>138. ŞAHİN M, AYBEK E. Jamovi: An easy to use statistical software for the social scientists. </a:t>
             </a:r>
             <a:r>
               <a:rPr i="1"/>
@@ -19832,7 +19862,7 @@
             </a:r>
             <a:r>
               <a:rPr>
-                <a:hlinkClick r:id="rId136"/>
+                <a:hlinkClick r:id="rId138"/>
               </a:rPr>
               <a:t>10.21449/ijate.661803</a:t>
             </a:r>
@@ -19843,7 +19873,7 @@
             </a:pPr>
             <a:r>
               <a:rPr/>
-              <a:t>137. Wallisch C, Bach P, Hafermann L, et al. Review of guidance papers on regression modeling in statistical series of medical journals. Mathes T, ed. </a:t>
+              <a:t>139. Wallisch C, Bach P, Hafermann L, et al. Review of guidance papers on regression modeling in statistical series of medical journals. Mathes T, ed. </a:t>
             </a:r>
             <a:r>
               <a:rPr i="1"/>
@@ -19855,7 +19885,7 @@
             </a:r>
             <a:r>
               <a:rPr>
-                <a:hlinkClick r:id="rId137"/>
+                <a:hlinkClick r:id="rId139"/>
               </a:rPr>
               <a:t>10.1371/journal.pone.0262918</a:t>
             </a:r>
@@ -19866,7 +19896,7 @@
             </a:pPr>
             <a:r>
               <a:rPr/>
-              <a:t>138. Lynggaard H, Bell J, Lösch C, et al. Principles and recommendations for incorporating estimands into clinical study protocol templates. </a:t>
+              <a:t>140. Lynggaard H, Bell J, Lösch C, et al. Principles and recommendations for incorporating estimands into clinical study protocol templates. </a:t>
             </a:r>
             <a:r>
               <a:rPr i="1"/>
@@ -19878,7 +19908,7 @@
             </a:r>
             <a:r>
               <a:rPr>
-                <a:hlinkClick r:id="rId138"/>
+                <a:hlinkClick r:id="rId140"/>
               </a:rPr>
               <a:t>10.1186/s13063-022-06515-2</a:t>
             </a:r>
@@ -19889,7 +19919,7 @@
             </a:pPr>
             <a:r>
               <a:rPr/>
-              <a:t>139. Althouse AD, Below JE, Claggett BL, et al. Recommendations for Statistical Reporting in Cardiovascular Medicine: A Special Report From the American Heart Association. </a:t>
+              <a:t>141. Althouse AD, Below JE, Claggett BL, et al. Recommendations for Statistical Reporting in Cardiovascular Medicine: A Special Report From the American Heart Association. </a:t>
             </a:r>
             <a:r>
               <a:rPr i="1"/>
@@ -19901,7 +19931,7 @@
             </a:r>
             <a:r>
               <a:rPr>
-                <a:hlinkClick r:id="rId139"/>
+                <a:hlinkClick r:id="rId141"/>
               </a:rPr>
               <a:t>10.1161/circulationaha.121.055393</a:t>
             </a:r>
@@ -19912,7 +19942,7 @@
             </a:pPr>
             <a:r>
               <a:rPr/>
-              <a:t>140. Lee KJ, Tilling KM, Cornish RP, et al. Framework for the treatment and reporting of missing data in observational studies: The Treatment And Reporting of Missing data in Observational Studies framework. </a:t>
+              <a:t>142. Lee KJ, Tilling KM, Cornish RP, et al. Framework for the treatment and reporting of missing data in observational studies: The Treatment And Reporting of Missing data in Observational Studies framework. </a:t>
             </a:r>
             <a:r>
               <a:rPr i="1"/>
@@ -19924,7 +19954,7 @@
             </a:r>
             <a:r>
               <a:rPr>
-                <a:hlinkClick r:id="rId140"/>
+                <a:hlinkClick r:id="rId142"/>
               </a:rPr>
               <a:t>10.1016/j.jclinepi.2021.01.008</a:t>
             </a:r>
@@ -19935,7 +19965,7 @@
             </a:pPr>
             <a:r>
               <a:rPr/>
-              <a:t>141. Vickers AJ, Assel MJ, Sjoberg DD, et al. Guidelines for Reporting of Figures and Tables for Clinical Research in Urology. </a:t>
+              <a:t>143. Vickers AJ, Assel MJ, Sjoberg DD, et al. Guidelines for Reporting of Figures and Tables for Clinical Research in Urology. </a:t>
             </a:r>
             <a:r>
               <a:rPr i="1"/>
@@ -19947,7 +19977,7 @@
             </a:r>
             <a:r>
               <a:rPr>
-                <a:hlinkClick r:id="rId141"/>
+                <a:hlinkClick r:id="rId143"/>
               </a:rPr>
               <a:t>10.1016/j.urology.2020.05.002</a:t>
             </a:r>
@@ -19958,7 +19988,7 @@
             </a:pPr>
             <a:r>
               <a:rPr/>
-              <a:t>142. Assel M, Sjoberg D, Elders A, et al. Guidelines for Reporting of Statistics for Clinical Research in Urology. </a:t>
+              <a:t>144. Assel M, Sjoberg D, Elders A, et al. Guidelines for Reporting of Statistics for Clinical Research in Urology. </a:t>
             </a:r>
             <a:r>
               <a:rPr i="1"/>
@@ -19970,7 +20000,7 @@
             </a:r>
             <a:r>
               <a:rPr>
-                <a:hlinkClick r:id="rId142"/>
+                <a:hlinkClick r:id="rId144"/>
               </a:rPr>
               <a:t>10.1097/ju.0000000000000001</a:t>
             </a:r>
@@ -19981,7 +20011,7 @@
             </a:pPr>
             <a:r>
               <a:rPr/>
-              <a:t>143. Gamble C, Krishan A, Stocken D, et al. Guidelines for the Content of Statistical Analysis Plans in Clinical Trials. </a:t>
+              <a:t>145. Gamble C, Krishan A, Stocken D, et al. Guidelines for the Content of Statistical Analysis Plans in Clinical Trials. </a:t>
             </a:r>
             <a:r>
               <a:rPr i="1"/>
@@ -19993,7 +20023,7 @@
             </a:r>
             <a:r>
               <a:rPr>
-                <a:hlinkClick r:id="rId143"/>
+                <a:hlinkClick r:id="rId145"/>
               </a:rPr>
               <a:t>10.1001/jama.2017.18556</a:t>
             </a:r>
@@ -20004,7 +20034,7 @@
             </a:pPr>
             <a:r>
               <a:rPr/>
-              <a:t>144. Lang TA, Altman DG. Basic statistical reporting for articles published in Biomedical Journals: The “Statistical Analyses and Methods in the Published Literature” or the SAMPL Guidelines. </a:t>
+              <a:t>146. Lang TA, Altman DG. Basic statistical reporting for articles published in Biomedical Journals: The “Statistical Analyses and Methods in the Published Literature” or the SAMPL Guidelines. </a:t>
             </a:r>
             <a:r>
               <a:rPr i="1"/>
@@ -20016,7 +20046,7 @@
             </a:r>
             <a:r>
               <a:rPr>
-                <a:hlinkClick r:id="rId144"/>
+                <a:hlinkClick r:id="rId146"/>
               </a:rPr>
               <a:t>10.1016/j.ijnurstu.2014.09.006</a:t>
             </a:r>
@@ -20027,7 +20057,7 @@
             </a:pPr>
             <a:r>
               <a:rPr/>
-              <a:t>145. Weissgerber TL, Milic NM, Winham SJ, Garovic VD. Beyond Bar and Line Graphs: Time for a New Data Presentation Paradigm. </a:t>
+              <a:t>147. Weissgerber TL, Milic NM, Winham SJ, Garovic VD. Beyond Bar and Line Graphs: Time for a New Data Presentation Paradigm. </a:t>
             </a:r>
             <a:r>
               <a:rPr i="1"/>
@@ -20039,7 +20069,7 @@
             </a:r>
             <a:r>
               <a:rPr>
-                <a:hlinkClick r:id="rId145"/>
+                <a:hlinkClick r:id="rId147"/>
               </a:rPr>
               <a:t>10.1371/journal.pbio.1002128</a:t>
             </a:r>
@@ -20050,7 +20080,7 @@
             </a:pPr>
             <a:r>
               <a:rPr/>
-              <a:t>146. Sauerbrei W, Abrahamowicz M, Altman DG, Cessie S, Carpenter J. STRengthening Analytical Thinking for Observational Studies: the STRATOS initiative. </a:t>
+              <a:t>148. Sauerbrei W, Abrahamowicz M, Altman DG, Cessie S, Carpenter J. STRengthening Analytical Thinking for Observational Studies: the STRATOS initiative. </a:t>
             </a:r>
             <a:r>
               <a:rPr i="1"/>
@@ -20062,7 +20092,7 @@
             </a:r>
             <a:r>
               <a:rPr>
-                <a:hlinkClick r:id="rId146"/>
+                <a:hlinkClick r:id="rId148"/>
               </a:rPr>
               <a:t>10.1002/sim.6265</a:t>
             </a:r>
@@ -20073,7 +20103,7 @@
             </a:pPr>
             <a:r>
               <a:rPr/>
-              <a:t>147. Groves T. Research methods and reporting. </a:t>
+              <a:t>149. Groves T. Research methods and reporting. </a:t>
             </a:r>
             <a:r>
               <a:rPr i="1"/>
@@ -20085,7 +20115,7 @@
             </a:r>
             <a:r>
               <a:rPr>
-                <a:hlinkClick r:id="rId147"/>
+                <a:hlinkClick r:id="rId149"/>
               </a:rPr>
               <a:t>10.1136/bmj.a2201</a:t>
             </a:r>
@@ -20096,7 +20126,7 @@
             </a:pPr>
             <a:r>
               <a:rPr/>
-              <a:t>148. Stratton IM, Neil A. How to ensure your paper is rejected by the statistical reviewer. </a:t>
+              <a:t>150. Stratton IM, Neil A. How to ensure your paper is rejected by the statistical reviewer. </a:t>
             </a:r>
             <a:r>
               <a:rPr i="1"/>
@@ -20108,7 +20138,7 @@
             </a:r>
             <a:r>
               <a:rPr>
-                <a:hlinkClick r:id="rId148"/>
+                <a:hlinkClick r:id="rId150"/>
               </a:rPr>
               <a:t>10.1111/j.1464-5491.2004.01443.x</a:t>
             </a:r>
@@ -20119,7 +20149,7 @@
             </a:pPr>
             <a:r>
               <a:rPr/>
-              <a:t>149. Gardner MJ, Machin D, Campbell MJ. Use of check lists in assessing the statistical content of medical studies. </a:t>
+              <a:t>151. Gardner MJ, Machin D, Campbell MJ. Use of check lists in assessing the statistical content of medical studies. </a:t>
             </a:r>
             <a:r>
               <a:rPr i="1"/>
@@ -20131,7 +20161,7 @@
             </a:r>
             <a:r>
               <a:rPr>
-                <a:hlinkClick r:id="rId149"/>
+                <a:hlinkClick r:id="rId151"/>
               </a:rPr>
               <a:t>10.1136/bmj.292.6523.810</a:t>
             </a:r>
@@ -20142,7 +20172,7 @@
             </a:pPr>
             <a:r>
               <a:rPr/>
-              <a:t>150. Mascha EJ, Vetter TR. The Statistical Checklist and Statistical Review. </a:t>
+              <a:t>152. Mascha EJ, Vetter TR. The Statistical Checklist and Statistical Review. </a:t>
             </a:r>
             <a:r>
               <a:rPr i="1"/>
@@ -20154,7 +20184,7 @@
             </a:r>
             <a:r>
               <a:rPr>
-                <a:hlinkClick r:id="rId150"/>
+                <a:hlinkClick r:id="rId152"/>
               </a:rPr>
               <a:t>10.1213/ane.0000000000001863</a:t>
             </a:r>
@@ -20165,7 +20195,7 @@
             </a:pPr>
             <a:r>
               <a:rPr/>
-              <a:t>151. Mansournia MA, Collins GS, Nielsen RO, et al. A CHecklist for statistical Assessment of Medical Papers (the CHAMP statement): explanation and elaboration. </a:t>
+              <a:t>153. Mansournia MA, Collins GS, Nielsen RO, et al. A CHecklist for statistical Assessment of Medical Papers (the CHAMP statement): explanation and elaboration. </a:t>
             </a:r>
             <a:r>
               <a:rPr i="1"/>
@@ -20177,7 +20207,7 @@
             </a:r>
             <a:r>
               <a:rPr>
-                <a:hlinkClick r:id="rId151"/>
+                <a:hlinkClick r:id="rId153"/>
               </a:rPr>
               <a:t>10.1136/bjsports-2020-103652</a:t>
             </a:r>
@@ -20188,7 +20218,7 @@
             </a:pPr>
             <a:r>
               <a:rPr/>
-              <a:t>152. Gil-Sierra MD, Fénix-Caballero S, Abdel kader-Martin L, et al. Checklist for clinical applicability of subgroup analysis. </a:t>
+              <a:t>154. Gil-Sierra MD, Fénix-Caballero S, Abdel kader-Martin L, et al. Checklist for clinical applicability of subgroup analysis. </a:t>
             </a:r>
             <a:r>
               <a:rPr i="1"/>
@@ -20200,7 +20230,7 @@
             </a:r>
             <a:r>
               <a:rPr>
-                <a:hlinkClick r:id="rId152"/>
+                <a:hlinkClick r:id="rId154"/>
               </a:rPr>
               <a:t>10.1111/jcpt.13102</a:t>
             </a:r>
@@ -20211,7 +20241,7 @@
             </a:pPr>
             <a:r>
               <a:rPr/>
-              <a:t>153. Altman DG, Simera I, Hoey J, Moher D, Schulz K. EQUATOR: reporting guidelines for health research. </a:t>
+              <a:t>155. Altman DG, Simera I, Hoey J, Moher D, Schulz K. EQUATOR: reporting guidelines for health research. </a:t>
             </a:r>
             <a:r>
               <a:rPr i="1"/>
@@ -20223,7 +20253,7 @@
             </a:r>
             <a:r>
               <a:rPr>
-                <a:hlinkClick r:id="rId153"/>
+                <a:hlinkClick r:id="rId155"/>
               </a:rPr>
               <a:t>10.1016/s0140-6736(08)60505-x</a:t>
             </a:r>
@@ -20234,11 +20264,11 @@
             </a:pPr>
             <a:r>
               <a:rPr/>
-              <a:t>154. Haddaway NR, Page MJ, Pritchard CC, McGuinness LA. PRISMA2020: An r package and shiny app for producing PRISMA 2020-compliant flow diagrams, with interactivity for optimised digital transparency and open synthesis. 2022;18:e1230. doi:</a:t>
-            </a:r>
-            <a:r>
-              <a:rPr>
-                <a:hlinkClick r:id="rId154"/>
+              <a:t>156. Haddaway NR, Page MJ, Pritchard CC, McGuinness LA. PRISMA2020: An r package and shiny app for producing PRISMA 2020-compliant flow diagrams, with interactivity for optimised digital transparency and open synthesis. 2022;18:e1230. doi:</a:t>
+            </a:r>
+            <a:r>
+              <a:rPr>
+                <a:hlinkClick r:id="rId156"/>
               </a:rPr>
               <a:t>10.1002/cl2.1230</a:t>
             </a:r>
@@ -20249,11 +20279,11 @@
             </a:pPr>
             <a:r>
               <a:rPr/>
-              <a:t>155. Haddaway NR, Page MJ, Pritchard CC, McGuinness LA. PRISMA2020: An r package and shiny app for producing PRISMA 2020-compliant flow diagrams, with interactivity for optimised digital transparency and open synthesis. 2022;18:e1230. doi:</a:t>
-            </a:r>
-            <a:r>
-              <a:rPr>
-                <a:hlinkClick r:id="rId155"/>
+              <a:t>157. Haddaway NR, Page MJ, Pritchard CC, McGuinness LA. PRISMA2020: An r package and shiny app for producing PRISMA 2020-compliant flow diagrams, with interactivity for optimised digital transparency and open synthesis. 2022;18:e1230. doi:</a:t>
+            </a:r>
+            <a:r>
+              <a:rPr>
+                <a:hlinkClick r:id="rId157"/>
               </a:rPr>
               <a:t>10.1002/cl2.1230</a:t>
             </a:r>
@@ -32658,6 +32688,15 @@
               <a:buNone/>
             </a:pPr>
             <a:r>
+              <a:rPr b="1"/>
+              <a:t>Atenção!</a:t>
+            </a:r>
+          </a:p>
+          <a:p>
+            <a:pPr lvl="0" indent="0" marL="0">
+              <a:buNone/>
+            </a:pPr>
+            <a:r>
               <a:rPr/>
               <a:t>O pacote </a:t>
             </a:r>
@@ -32674,12 +32713,14 @@
               <a:t> fornece a função </a:t>
             </a:r>
             <a:r>
-              <a:rPr i="1"/>
+              <a:rPr i="1">
+                <a:hlinkClick r:id="rId2"/>
+              </a:rPr>
               <a:t>create_report</a:t>
             </a:r>
             <a:r>
               <a:rPr/>
-              <a:t> para executar análise exploratória. </a:t>
+              <a:t> para executar análise exploratória.</a:t>
             </a:r>
           </a:p>
           <a:p>
@@ -33053,6 +33094,15 @@
               <a:buNone/>
             </a:pPr>
             <a:r>
+              <a:rPr b="1"/>
+              <a:t>Atenção!</a:t>
+            </a:r>
+          </a:p>
+          <a:p>
+            <a:pPr lvl="0" indent="0" marL="0">
+              <a:buNone/>
+            </a:pPr>
+            <a:r>
               <a:rPr/>
               <a:t>O pacote </a:t>
             </a:r>
@@ -33066,7 +33116,72 @@
             </a:r>
             <a:r>
               <a:rPr/>
-              <a:t> fornece funções para construção da ‘Tabela 1’ </a:t>
+              <a:t> fornece a função </a:t>
+            </a:r>
+            <a:r>
+              <a:rPr i="1">
+                <a:hlinkClick r:id="rId2"/>
+              </a:rPr>
+              <a:t>table1</a:t>
+            </a:r>
+            <a:r>
+              <a:rPr/>
+              <a:t> para construção da tabela.</a:t>
+            </a:r>
+          </a:p>
+          <a:p>
+            <a:pPr lvl="0" indent="0" marL="0">
+              <a:buNone/>
+            </a:pPr>
+          </a:p>
+          <a:p>
+            <a:pPr lvl="0" indent="0" marL="0">
+              <a:buNone/>
+            </a:pPr>
+            <a:r>
+              <a:rPr b="1"/>
+              <a:t>Atenção!</a:t>
+            </a:r>
+          </a:p>
+          <a:p>
+            <a:pPr lvl="0" indent="0" marL="0">
+              <a:buNone/>
+            </a:pPr>
+            <a:r>
+              <a:rPr/>
+              <a:t>O pacote </a:t>
+            </a:r>
+            <a:r>
+              <a:rPr i="1"/>
+              <a:t>table1</a:t>
+            </a:r>
+            <a:r>
+              <a:rPr baseline="30000"/>
+              <a:t>103</a:t>
+            </a:r>
+            <a:r>
+              <a:rPr/>
+              <a:t> fornece as funções </a:t>
+            </a:r>
+            <a:r>
+              <a:rPr i="1">
+                <a:hlinkClick r:id="rId3"/>
+              </a:rPr>
+              <a:t>as_flextable</a:t>
+            </a:r>
+            <a:r>
+              <a:rPr/>
+              <a:t> e </a:t>
+            </a:r>
+            <a:r>
+              <a:rPr i="1">
+                <a:hlinkClick r:id="rId4"/>
+              </a:rPr>
+              <a:t>save_as_docx</a:t>
+            </a:r>
+            <a:r>
+              <a:rPr/>
+              <a:t> para salvar tabelas em formato DOCX.</a:t>
             </a:r>
           </a:p>
           <a:p>
@@ -33203,13 +33318,22 @@
             </a:r>
             <a:r>
               <a:rPr baseline="30000"/>
-              <a:t>103</a:t>
-            </a:r>
-          </a:p>
-          <a:p>
-            <a:pPr lvl="0" indent="0" marL="0">
-              <a:buNone/>
-            </a:pPr>
+              <a:t>104</a:t>
+            </a:r>
+          </a:p>
+          <a:p>
+            <a:pPr lvl="0" indent="0" marL="0">
+              <a:buNone/>
+            </a:pPr>
+          </a:p>
+          <a:p>
+            <a:pPr lvl="0" indent="0" marL="0">
+              <a:buNone/>
+            </a:pPr>
+            <a:r>
+              <a:rPr b="1"/>
+              <a:t>Atenção!</a:t>
+            </a:r>
           </a:p>
           <a:p>
             <a:pPr lvl="0" indent="0" marL="0">
@@ -33229,7 +33353,72 @@
             </a:r>
             <a:r>
               <a:rPr/>
-              <a:t> fornece funções para construção da ‘Tabela 2’ </a:t>
+              <a:t> fornece a função </a:t>
+            </a:r>
+            <a:r>
+              <a:rPr i="1">
+                <a:hlinkClick r:id="rId2"/>
+              </a:rPr>
+              <a:t>table1</a:t>
+            </a:r>
+            <a:r>
+              <a:rPr/>
+              <a:t> para construção da tabela.</a:t>
+            </a:r>
+          </a:p>
+          <a:p>
+            <a:pPr lvl="0" indent="0" marL="0">
+              <a:buNone/>
+            </a:pPr>
+          </a:p>
+          <a:p>
+            <a:pPr lvl="0" indent="0" marL="0">
+              <a:buNone/>
+            </a:pPr>
+            <a:r>
+              <a:rPr b="1"/>
+              <a:t>Atenção!</a:t>
+            </a:r>
+          </a:p>
+          <a:p>
+            <a:pPr lvl="0" indent="0" marL="0">
+              <a:buNone/>
+            </a:pPr>
+            <a:r>
+              <a:rPr/>
+              <a:t>O pacote </a:t>
+            </a:r>
+            <a:r>
+              <a:rPr i="1"/>
+              <a:t>table1</a:t>
+            </a:r>
+            <a:r>
+              <a:rPr baseline="30000"/>
+              <a:t>103</a:t>
+            </a:r>
+            <a:r>
+              <a:rPr/>
+              <a:t> fornece as funções </a:t>
+            </a:r>
+            <a:r>
+              <a:rPr i="1">
+                <a:hlinkClick r:id="rId3"/>
+              </a:rPr>
+              <a:t>as_flextable</a:t>
+            </a:r>
+            <a:r>
+              <a:rPr/>
+              <a:t> e </a:t>
+            </a:r>
+            <a:r>
+              <a:rPr i="1">
+                <a:hlinkClick r:id="rId4"/>
+              </a:rPr>
+              <a:t>save_as_docx</a:t>
+            </a:r>
+            <a:r>
+              <a:rPr/>
+              <a:t> para salvar tabelas em formato DOCX.</a:t>
             </a:r>
           </a:p>
           <a:p>
@@ -33342,7 +33531,7 @@
             </a:r>
             <a:r>
               <a:rPr baseline="30000"/>
-              <a:t>104</a:t>
+              <a:t>105</a:t>
             </a:r>
           </a:p>
           <a:p>
@@ -33370,13 +33559,22 @@
             </a:r>
             <a:r>
               <a:rPr baseline="30000"/>
-              <a:t>104</a:t>
-            </a:r>
-          </a:p>
-          <a:p>
-            <a:pPr lvl="0" indent="0" marL="0">
-              <a:buNone/>
-            </a:pPr>
+              <a:t>105</a:t>
+            </a:r>
+          </a:p>
+          <a:p>
+            <a:pPr lvl="0" indent="0" marL="0">
+              <a:buNone/>
+            </a:pPr>
+          </a:p>
+          <a:p>
+            <a:pPr lvl="0" indent="0" marL="0">
+              <a:buNone/>
+            </a:pPr>
+            <a:r>
+              <a:rPr b="1"/>
+              <a:t>Atenção!</a:t>
+            </a:r>
           </a:p>
           <a:p>
             <a:pPr lvl="0" indent="0" marL="0">
@@ -33392,7 +33590,7 @@
             </a:r>
             <a:r>
               <a:rPr baseline="30000"/>
-              <a:t>105</a:t>
+              <a:t>106</a:t>
             </a:r>
             <a:r>
               <a:rPr/>
@@ -33404,7 +33602,7 @@
             </a:r>
             <a:r>
               <a:rPr baseline="30000"/>
-              <a:t>106</a:t>
+              <a:t>107</a:t>
             </a:r>
             <a:r>
               <a:rPr/>
@@ -33416,11 +33614,41 @@
             </a:r>
             <a:r>
               <a:rPr baseline="30000"/>
-              <a:t>107</a:t>
-            </a:r>
-            <a:r>
-              <a:rPr/>
-              <a:t> fornecem funções para construção de gráficos   </a:t>
+              <a:t>108</a:t>
+            </a:r>
+            <a:r>
+              <a:rPr/>
+              <a:t> fornecem diversas funções para construção de gráficos tais como </a:t>
+            </a:r>
+            <a:r>
+              <a:rPr i="1">
+                <a:hlinkClick r:id="rId2"/>
+              </a:rPr>
+              <a:t>ggplot</a:t>
+            </a:r>
+            <a:r>
+              <a:rPr/>
+              <a:t>, </a:t>
+            </a:r>
+            <a:r>
+              <a:rPr i="1">
+                <a:hlinkClick r:id="rId3"/>
+              </a:rPr>
+              <a:t>plot_ly</a:t>
+            </a:r>
+            <a:r>
+              <a:rPr/>
+              <a:t> e </a:t>
+            </a:r>
+            <a:r>
+              <a:rPr i="1">
+                <a:hlinkClick r:id="rId4"/>
+              </a:rPr>
+              <a:t>corrplot</a:t>
+            </a:r>
+            <a:r>
+              <a:rPr/>
+              <a:t> respectivamente.</a:t>
             </a:r>
           </a:p>
           <a:p>
@@ -33448,7 +33676,7 @@
             </a:r>
             <a:r>
               <a:rPr baseline="30000"/>
-              <a:t>108</a:t>
+              <a:t>109</a:t>
             </a:r>
           </a:p>
           <a:p>
@@ -33459,7 +33687,7 @@
             </a:r>
             <a:r>
               <a:rPr baseline="30000"/>
-              <a:t>108</a:t>
+              <a:t>109</a:t>
             </a:r>
           </a:p>
           <a:p>
@@ -33470,7 +33698,7 @@
             </a:r>
             <a:r>
               <a:rPr baseline="30000"/>
-              <a:t>108</a:t>
+              <a:t>109</a:t>
             </a:r>
           </a:p>
           <a:p>
@@ -33481,7 +33709,7 @@
             </a:r>
             <a:r>
               <a:rPr baseline="30000"/>
-              <a:t>108</a:t>
+              <a:t>109</a:t>
             </a:r>
           </a:p>
           <a:p>
@@ -33492,7 +33720,7 @@
             </a:r>
             <a:r>
               <a:rPr baseline="30000"/>
-              <a:t>108</a:t>
+              <a:t>109</a:t>
             </a:r>
           </a:p>
           <a:p>
@@ -33520,7 +33748,7 @@
             </a:r>
             <a:r>
               <a:rPr baseline="30000"/>
-              <a:t>108</a:t>
+              <a:t>109</a:t>
             </a:r>
           </a:p>
           <a:p>
@@ -33528,17 +33756,6 @@
             <a:r>
               <a:rPr/>
               <a:t>Para análise inferencial de figuras, as barras de erro representadas por erro-padrão ou intervalo de confiança são preferíveis à amplitude ou desvio-padrão.</a:t>
-            </a:r>
-            <a:r>
-              <a:rPr baseline="30000"/>
-              <a:t>108</a:t>
-            </a:r>
-          </a:p>
-          <a:p>
-            <a:pPr lvl="0"/>
-            <a:r>
-              <a:rPr/>
-              <a:t>Evite gráficos de barra e mostre a distribuição dos dados sempre que possível.</a:t>
             </a:r>
             <a:r>
               <a:rPr baseline="30000"/>
@@ -33549,11 +33766,22 @@
             <a:pPr lvl="0"/>
             <a:r>
               <a:rPr/>
+              <a:t>Evite gráficos de barra e mostre a distribuição dos dados sempre que possível.</a:t>
+            </a:r>
+            <a:r>
+              <a:rPr baseline="30000"/>
+              <a:t>110</a:t>
+            </a:r>
+          </a:p>
+          <a:p>
+            <a:pPr lvl="0"/>
+            <a:r>
+              <a:rPr/>
               <a:t>Exiba os pontos de dados em boxplots.</a:t>
             </a:r>
             <a:r>
               <a:rPr baseline="30000"/>
-              <a:t>109</a:t>
+              <a:t>110</a:t>
             </a:r>
           </a:p>
           <a:p>
@@ -33572,7 +33800,7 @@
             </a:r>
             <a:r>
               <a:rPr baseline="30000"/>
-              <a:t>109</a:t>
+              <a:t>110</a:t>
             </a:r>
           </a:p>
           <a:p>
@@ -33583,13 +33811,22 @@
             </a:r>
             <a:r>
               <a:rPr baseline="30000"/>
-              <a:t>109</a:t>
-            </a:r>
-          </a:p>
-          <a:p>
-            <a:pPr lvl="0" indent="0" marL="0">
-              <a:buNone/>
-            </a:pPr>
+              <a:t>110</a:t>
+            </a:r>
+          </a:p>
+          <a:p>
+            <a:pPr lvl="0" indent="0" marL="0">
+              <a:buNone/>
+            </a:pPr>
+          </a:p>
+          <a:p>
+            <a:pPr lvl="0" indent="0" marL="0">
+              <a:buNone/>
+            </a:pPr>
+            <a:r>
+              <a:rPr b="1"/>
+              <a:t>Atenção!</a:t>
+            </a:r>
           </a:p>
           <a:p>
             <a:pPr lvl="0" indent="0" marL="0">
@@ -33605,35 +33842,86 @@
             </a:r>
             <a:r>
               <a:rPr baseline="30000"/>
-              <a:t>110</a:t>
-            </a:r>
-            <a:r>
-              <a:rPr/>
-              <a:t> fornece palhetas de cores inspiradas em publicações científicas para uso em gráficos </a:t>
-            </a:r>
-          </a:p>
-          <a:p>
-            <a:pPr lvl="0" indent="0" marL="0">
-              <a:buNone/>
-            </a:pPr>
-          </a:p>
-          <a:p>
-            <a:pPr lvl="0" indent="0" marL="0">
-              <a:spcBef>
-                <a:spcPts val="3000"/>
-              </a:spcBef>
+              <a:t>111</a:t>
+            </a:r>
+            <a:r>
+              <a:rPr/>
+              <a:t> fornece palhetas de cores tais como </a:t>
+            </a:r>
+            <a:r>
+              <a:rPr i="1">
+                <a:hlinkClick r:id="rId5"/>
+              </a:rPr>
+              <a:t>pal_lancet</a:t>
+            </a:r>
+            <a:r>
+              <a:rPr/>
+              <a:t>, </a:t>
+            </a:r>
+            <a:r>
+              <a:rPr i="1">
+                <a:hlinkClick r:id="rId6"/>
+              </a:rPr>
+              <a:t>pal_nejm</a:t>
+            </a:r>
+            <a:r>
+              <a:rPr/>
+              <a:t> e </a:t>
+            </a:r>
+            <a:r>
+              <a:rPr i="1">
+                <a:hlinkClick r:id="rId7"/>
+              </a:rPr>
+              <a:t>pal_npg</a:t>
+            </a:r>
+            <a:r>
+              <a:rPr/>
+              <a:t> inspiradas em publicações científicas para uso em gráficos.</a:t>
+            </a:r>
+          </a:p>
+          <a:p>
+            <a:pPr lvl="0" indent="0" marL="0">
+              <a:buNone/>
+            </a:pPr>
+          </a:p>
+          <a:p>
+            <a:pPr lvl="0" indent="0" marL="0">
               <a:buNone/>
             </a:pPr>
             <a:r>
               <a:rPr b="1"/>
-              <a:t>Como exportar o gráfico para o manuscrito?</a:t>
-            </a:r>
-          </a:p>
-          <a:p>
-            <a:pPr lvl="0"/>
-            <a:r>
-              <a:rPr/>
-              <a:t>.[REF]</a:t>
+              <a:t>Atenção!</a:t>
+            </a:r>
+          </a:p>
+          <a:p>
+            <a:pPr lvl="0" indent="0" marL="0">
+              <a:buNone/>
+            </a:pPr>
+            <a:r>
+              <a:rPr/>
+              <a:t>O pacote </a:t>
+            </a:r>
+            <a:r>
+              <a:rPr i="1"/>
+              <a:t>tiff</a:t>
+            </a:r>
+            <a:r>
+              <a:rPr baseline="30000"/>
+              <a:t>112</a:t>
+            </a:r>
+            <a:r>
+              <a:rPr/>
+              <a:t> fornece a função </a:t>
+            </a:r>
+            <a:r>
+              <a:rPr i="1">
+                <a:hlinkClick r:id="rId8"/>
+              </a:rPr>
+              <a:t>writeTIFF</a:t>
+            </a:r>
+            <a:r>
+              <a:rPr/>
+              <a:t> para exportar gráficos em formato TIFF.</a:t>
             </a:r>
           </a:p>
           <a:p>
@@ -33862,7 +34150,7 @@
             </a:r>
             <a:r>
               <a:rPr baseline="30000"/>
-              <a:t>111</a:t>
+              <a:t>113</a:t>
             </a:r>
           </a:p>
           <a:p>
@@ -33890,7 +34178,7 @@
             </a:r>
             <a:r>
               <a:rPr baseline="30000"/>
-              <a:t>112</a:t>
+              <a:t>114</a:t>
             </a:r>
           </a:p>
           <a:p>
@@ -33901,7 +34189,7 @@
             </a:r>
             <a:r>
               <a:rPr baseline="30000"/>
-              <a:t>112</a:t>
+              <a:t>114</a:t>
             </a:r>
           </a:p>
           <a:p>
@@ -33912,7 +34200,7 @@
             </a:r>
             <a:r>
               <a:rPr baseline="30000"/>
-              <a:t>112</a:t>
+              <a:t>114</a:t>
             </a:r>
           </a:p>
           <a:p>
@@ -33923,7 +34211,7 @@
             </a:r>
             <a:r>
               <a:rPr baseline="30000"/>
-              <a:t>112</a:t>
+              <a:t>114</a:t>
             </a:r>
           </a:p>
           <a:p>
@@ -33934,7 +34222,7 @@
             </a:r>
             <a:r>
               <a:rPr baseline="30000"/>
-              <a:t>112</a:t>
+              <a:t>114</a:t>
             </a:r>
           </a:p>
           <a:p>
@@ -33945,7 +34233,7 @@
             </a:r>
             <a:r>
               <a:rPr baseline="30000"/>
-              <a:t>112</a:t>
+              <a:t>114</a:t>
             </a:r>
           </a:p>
           <a:p>
@@ -34058,7 +34346,7 @@
             </a:r>
             <a:r>
               <a:rPr baseline="30000"/>
-              <a:t>113</a:t>
+              <a:t>115</a:t>
             </a:r>
           </a:p>
           <a:p>
@@ -34069,7 +34357,7 @@
             </a:r>
             <a:r>
               <a:rPr baseline="30000"/>
-              <a:t>113</a:t>
+              <a:t>115</a:t>
             </a:r>
           </a:p>
           <a:p>
@@ -34080,7 +34368,7 @@
             </a:r>
             <a:r>
               <a:rPr baseline="30000"/>
-              <a:t>113</a:t>
+              <a:t>115</a:t>
             </a:r>
           </a:p>
           <a:p>
@@ -34091,7 +34379,7 @@
             </a:r>
             <a:r>
               <a:rPr baseline="30000"/>
-              <a:t>113</a:t>
+              <a:t>115</a:t>
             </a:r>
           </a:p>
           <a:p>
@@ -34271,7 +34559,7 @@
                 </a:r>
                 <a:r>
                   <a:rPr baseline="30000"/>
-                  <a:t>111</a:t>
+                  <a:t>113</a:t>
                 </a:r>
               </a:p>
               <a:p>
@@ -34518,7 +34806,7 @@
                 </a:r>
                 <a:r>
                   <a:rPr baseline="30000"/>
-                  <a:t>111</a:t>
+                  <a:t>113</a:t>
                 </a:r>
               </a:p>
               <a:p>
@@ -34546,7 +34834,7 @@
                 </a:r>
                 <a:r>
                   <a:rPr baseline="30000"/>
-                  <a:t>114</a:t>
+                  <a:t>116</a:t>
                 </a:r>
               </a:p>
               <a:p>
@@ -34557,7 +34845,7 @@
                 </a:r>
                 <a:r>
                   <a:rPr baseline="30000"/>
-                  <a:t>114</a:t>
+                  <a:t>116</a:t>
                 </a:r>
               </a:p>
               <a:p>
@@ -34674,7 +34962,7 @@
                 </a:r>
                 <a:r>
                   <a:rPr baseline="30000"/>
-                  <a:t>111</a:t>
+                  <a:t>113</a:t>
                 </a:r>
               </a:p>
               <a:p>
@@ -34722,7 +35010,7 @@
                 </a:r>
                 <a:r>
                   <a:rPr baseline="30000"/>
-                  <a:t>111</a:t>
+                  <a:t>113</a:t>
                 </a:r>
               </a:p>
               <a:p>
@@ -34770,7 +35058,7 @@
                 </a:r>
                 <a:r>
                   <a:rPr baseline="30000"/>
-                  <a:t>111</a:t>
+                  <a:t>113</a:t>
                 </a:r>
               </a:p>
               <a:p>
@@ -34818,7 +35106,7 @@
                 </a:r>
                 <a:r>
                   <a:rPr baseline="30000"/>
-                  <a:t>111</a:t>
+                  <a:t>113</a:t>
                 </a:r>
               </a:p>
               <a:p>
@@ -34849,7 +35137,7 @@
                 </a:r>
                 <a:r>
                   <a:rPr baseline="30000"/>
-                  <a:t>111</a:t>
+                  <a:t>113</a:t>
                 </a:r>
               </a:p>
               <a:p>
@@ -34990,7 +35278,7 @@
                 </a:r>
                 <a:r>
                   <a:rPr baseline="30000"/>
-                  <a:t>115</a:t>
+                  <a:t>117</a:t>
                 </a:r>
               </a:p>
               <a:p>
@@ -35018,7 +35306,7 @@
                 </a:r>
                 <a:r>
                   <a:rPr baseline="30000"/>
-                  <a:t>114</a:t>
+                  <a:t>116</a:t>
                 </a:r>
               </a:p>
               <a:p>
@@ -35046,7 +35334,7 @@
                 </a:r>
                 <a:r>
                   <a:rPr baseline="30000"/>
-                  <a:t>114,115</a:t>
+                  <a:t>116,117</a:t>
                 </a:r>
               </a:p>
               <a:p>
@@ -35134,7 +35422,7 @@
                 </a:r>
                 <a:r>
                   <a:rPr baseline="30000"/>
-                  <a:t>114,115</a:t>
+                  <a:t>116,117</a:t>
                 </a:r>
               </a:p>
               <a:p>
@@ -35207,7 +35495,7 @@
                 </a:r>
                 <a:r>
                   <a:rPr baseline="30000"/>
-                  <a:t>115</a:t>
+                  <a:t>117</a:t>
                 </a:r>
               </a:p>
               <a:p>
@@ -36139,7 +36427,7 @@
                 </a:r>
                 <a:r>
                   <a:rPr baseline="30000"/>
-                  <a:t>116,117</a:t>
+                  <a:t>118,119</a:t>
                 </a:r>
               </a:p>
               <a:p>
@@ -36150,7 +36438,7 @@
                 </a:r>
                 <a:r>
                   <a:rPr baseline="30000"/>
-                  <a:t>116,117</a:t>
+                  <a:t>118,119</a:t>
                 </a:r>
               </a:p>
               <a:p>
@@ -36161,7 +36449,7 @@
                 </a:r>
                 <a:r>
                   <a:rPr baseline="30000"/>
-                  <a:t>116,117</a:t>
+                  <a:t>118,119</a:t>
                 </a:r>
               </a:p>
               <a:p>
@@ -36183,7 +36471,7 @@
                 </a:r>
                 <a:r>
                   <a:rPr baseline="30000"/>
-                  <a:t>116,117</a:t>
+                  <a:t>118,119</a:t>
                 </a:r>
               </a:p>
               <a:p>
@@ -36211,7 +36499,7 @@
                 </a:r>
                 <a:r>
                   <a:rPr baseline="30000"/>
-                  <a:t>116</a:t>
+                  <a:t>118</a:t>
                 </a:r>
               </a:p>
               <a:p>
@@ -36222,7 +36510,7 @@
                 </a:r>
                 <a:r>
                   <a:rPr baseline="30000"/>
-                  <a:t>116</a:t>
+                  <a:t>118</a:t>
                 </a:r>
               </a:p>
               <a:p>
@@ -36261,7 +36549,7 @@
                 </a:r>
                 <a:r>
                   <a:rPr baseline="30000"/>
-                  <a:t>116,117</a:t>
+                  <a:t>118,119</a:t>
                 </a:r>
               </a:p>
               <a:p>
@@ -36283,7 +36571,7 @@
                 </a:r>
                 <a:r>
                   <a:rPr baseline="30000"/>
-                  <a:t>116,117</a:t>
+                  <a:t>118,119</a:t>
                 </a:r>
               </a:p>
               <a:p>
@@ -36294,7 +36582,7 @@
                 </a:r>
                 <a:r>
                   <a:rPr baseline="30000"/>
-                  <a:t>116,117</a:t>
+                  <a:t>118,119</a:t>
                 </a:r>
               </a:p>
               <a:p>
@@ -36305,7 +36593,7 @@
                 </a:r>
                 <a:r>
                   <a:rPr baseline="30000"/>
-                  <a:t>117</a:t>
+                  <a:t>119</a:t>
                 </a:r>
               </a:p>
               <a:p>
@@ -36402,7 +36690,7 @@
                 </a:r>
                 <a:r>
                   <a:rPr baseline="30000"/>
-                  <a:t>116,117</a:t>
+                  <a:t>118,119</a:t>
                 </a:r>
               </a:p>
               <a:p>
@@ -36501,7 +36789,7 @@
                 </a:r>
                 <a:r>
                   <a:rPr baseline="30000"/>
-                  <a:t>116</a:t>
+                  <a:t>118</a:t>
                 </a:r>
               </a:p>
               <a:p>
@@ -36532,7 +36820,7 @@
                 </a:r>
                 <a:r>
                   <a:rPr baseline="30000"/>
-                  <a:t>116</a:t>
+                  <a:t>118</a:t>
                 </a:r>
               </a:p>
               <a:p>
@@ -36543,7 +36831,7 @@
                 </a:r>
                 <a:r>
                   <a:rPr baseline="30000"/>
-                  <a:t>116</a:t>
+                  <a:t>118</a:t>
                 </a:r>
               </a:p>
               <a:p>
@@ -36554,7 +36842,7 @@
                 </a:r>
                 <a:r>
                   <a:rPr baseline="30000"/>
-                  <a:t>116</a:t>
+                  <a:t>118</a:t>
                 </a:r>
               </a:p>
               <a:p>
@@ -36669,7 +36957,7 @@
                 </a:r>
                 <a:r>
                   <a:rPr baseline="30000"/>
-                  <a:t>116</a:t>
+                  <a:t>118</a:t>
                 </a:r>
               </a:p>
               <a:p>
@@ -36777,7 +37065,7 @@
                 </a:r>
                 <a:r>
                   <a:rPr baseline="30000"/>
-                  <a:t>116,117</a:t>
+                  <a:t>118,119</a:t>
                 </a:r>
               </a:p>
               <a:p>
@@ -36799,7 +37087,7 @@
                 </a:r>
                 <a:r>
                   <a:rPr baseline="30000"/>
-                  <a:t>116,117</a:t>
+                  <a:t>118,119</a:t>
                 </a:r>
               </a:p>
               <a:p>
@@ -36840,7 +37128,7 @@
                 </a:r>
                 <a:r>
                   <a:rPr baseline="30000"/>
-                  <a:t>116,117</a:t>
+                  <a:t>118,119</a:t>
                 </a:r>
               </a:p>
               <a:p>
@@ -36851,7 +37139,7 @@
                 </a:r>
                 <a:r>
                   <a:rPr baseline="30000"/>
-                  <a:t>116,117</a:t>
+                  <a:t>118,119</a:t>
                 </a:r>
               </a:p>
               <a:p>
@@ -36862,7 +37150,7 @@
                 </a:r>
                 <a:r>
                   <a:rPr baseline="30000"/>
-                  <a:t>116,117</a:t>
+                  <a:t>118,119</a:t>
                 </a:r>
               </a:p>
               <a:p>
@@ -36959,7 +37247,7 @@
                 </a:r>
                 <a:r>
                   <a:rPr baseline="30000"/>
-                  <a:t>116,117</a:t>
+                  <a:t>118,119</a:t>
                 </a:r>
               </a:p>
               <a:p>
@@ -37350,7 +37638,7 @@
                 </a:r>
                 <a:r>
                   <a:rPr baseline="30000"/>
-                  <a:t>118,119</a:t>
+                  <a:t>120,121</a:t>
                 </a:r>
               </a:p>
               <a:p>
@@ -37381,7 +37669,7 @@
                 </a:r>
                 <a:r>
                   <a:rPr baseline="30000"/>
-                  <a:t>119</a:t>
+                  <a:t>121</a:t>
                 </a:r>
               </a:p>
               <a:p>
@@ -37392,7 +37680,7 @@
                 </a:r>
                 <a:r>
                   <a:rPr baseline="30000"/>
-                  <a:t>119</a:t>
+                  <a:t>121</a:t>
                 </a:r>
               </a:p>
               <a:p>
@@ -37403,7 +37691,7 @@
                 </a:r>
                 <a:r>
                   <a:rPr baseline="30000"/>
-                  <a:t>118,119</a:t>
+                  <a:t>120,121</a:t>
                 </a:r>
               </a:p>
               <a:p>
@@ -37414,7 +37702,7 @@
                 </a:r>
                 <a:r>
                   <a:rPr baseline="30000"/>
-                  <a:t>118,119</a:t>
+                  <a:t>120,121</a:t>
                 </a:r>
               </a:p>
               <a:p>
@@ -37460,7 +37748,7 @@
                 </a:r>
                 <a:r>
                   <a:rPr baseline="30000"/>
-                  <a:t>119</a:t>
+                  <a:t>121</a:t>
                 </a:r>
               </a:p>
               <a:p>
@@ -37525,7 +37813,7 @@
                 </a:r>
                 <a:r>
                   <a:rPr baseline="30000"/>
-                  <a:t>119</a:t>
+                  <a:t>121</a:t>
                 </a:r>
               </a:p>
               <a:p>
@@ -37618,7 +37906,7 @@
                 </a:r>
                 <a:r>
                   <a:rPr baseline="30000"/>
-                  <a:t>120</a:t>
+                  <a:t>122</a:t>
                 </a:r>
                 <a:r>
                   <a:rPr/>
@@ -37666,7 +37954,7 @@
                 </a:r>
                 <a:r>
                   <a:rPr baseline="30000"/>
-                  <a:t>118,119</a:t>
+                  <a:t>120,121</a:t>
                 </a:r>
               </a:p>
               <a:p>
@@ -37677,7 +37965,7 @@
                 </a:r>
                 <a:r>
                   <a:rPr baseline="30000"/>
-                  <a:t>119</a:t>
+                  <a:t>121</a:t>
                 </a:r>
               </a:p>
               <a:p>
@@ -37688,7 +37976,7 @@
                 </a:r>
                 <a:r>
                   <a:rPr baseline="30000"/>
-                  <a:t>118,119</a:t>
+                  <a:t>120,121</a:t>
                 </a:r>
               </a:p>
               <a:p>
@@ -37753,7 +38041,7 @@
                 </a:r>
                 <a:r>
                   <a:rPr baseline="30000"/>
-                  <a:t>118,119</a:t>
+                  <a:t>120,121</a:t>
                 </a:r>
               </a:p>
               <a:p>
@@ -37846,7 +38134,7 @@
                 </a:r>
                 <a:r>
                   <a:rPr baseline="30000"/>
-                  <a:t>120</a:t>
+                  <a:t>122</a:t>
                 </a:r>
                 <a:r>
                   <a:rPr/>
@@ -37885,7 +38173,7 @@
                 </a:r>
                 <a:r>
                   <a:rPr baseline="30000"/>
-                  <a:t>116,117</a:t>
+                  <a:t>118,119</a:t>
                 </a:r>
               </a:p>
               <a:p>
@@ -37907,7 +38195,7 @@
                 </a:r>
                 <a:r>
                   <a:rPr baseline="30000"/>
-                  <a:t>116,117</a:t>
+                  <a:t>118,119</a:t>
                 </a:r>
               </a:p>
               <a:p>
@@ -37929,7 +38217,7 @@
                 </a:r>
                 <a:r>
                   <a:rPr baseline="30000"/>
-                  <a:t>116,117</a:t>
+                  <a:t>118,119</a:t>
                 </a:r>
               </a:p>
               <a:p>
@@ -37940,7 +38228,7 @@
                 </a:r>
                 <a:r>
                   <a:rPr baseline="30000"/>
-                  <a:t>116,117</a:t>
+                  <a:t>118,119</a:t>
                 </a:r>
               </a:p>
               <a:p>
@@ -37951,7 +38239,7 @@
                 </a:r>
                 <a:r>
                   <a:rPr baseline="30000"/>
-                  <a:t>116,117</a:t>
+                  <a:t>118,119</a:t>
                 </a:r>
               </a:p>
               <a:p>
@@ -38048,7 +38336,7 @@
                 </a:r>
                 <a:r>
                   <a:rPr baseline="30000"/>
-                  <a:t>116,117</a:t>
+                  <a:t>118,119</a:t>
                 </a:r>
               </a:p>
               <a:p>
@@ -38312,7 +38600,7 @@
             </a:r>
             <a:r>
               <a:rPr baseline="30000"/>
-              <a:t>121</a:t>
+              <a:t>123</a:t>
             </a:r>
           </a:p>
           <a:p>
@@ -38323,7 +38611,7 @@
             </a:r>
             <a:r>
               <a:rPr baseline="30000"/>
-              <a:t>122</a:t>
+              <a:t>124</a:t>
             </a:r>
           </a:p>
           <a:p>
@@ -38334,7 +38622,7 @@
             </a:r>
             <a:r>
               <a:rPr baseline="30000"/>
-              <a:t>122</a:t>
+              <a:t>124</a:t>
             </a:r>
           </a:p>
           <a:p>
@@ -38356,7 +38644,7 @@
             </a:r>
             <a:r>
               <a:rPr baseline="30000"/>
-              <a:t>123</a:t>
+              <a:t>125</a:t>
             </a:r>
             <a:r>
               <a:rPr/>
@@ -38481,7 +38769,7 @@
             </a:r>
             <a:r>
               <a:rPr baseline="30000"/>
-              <a:t>124</a:t>
+              <a:t>126</a:t>
             </a:r>
           </a:p>
           <a:p>
@@ -38492,7 +38780,7 @@
             </a:r>
             <a:r>
               <a:rPr baseline="30000"/>
-              <a:t>124</a:t>
+              <a:t>126</a:t>
             </a:r>
           </a:p>
           <a:p>
@@ -38503,7 +38791,7 @@
             </a:r>
             <a:r>
               <a:rPr baseline="30000"/>
-              <a:t>124</a:t>
+              <a:t>126</a:t>
             </a:r>
           </a:p>
           <a:p>
@@ -38525,7 +38813,7 @@
             </a:r>
             <a:r>
               <a:rPr baseline="30000"/>
-              <a:t>125</a:t>
+              <a:t>127</a:t>
             </a:r>
             <a:r>
               <a:rPr/>

--- a/docs/Ciência-com-R.pptx
+++ b/docs/Ciência-com-R.pptx
@@ -130,6 +130,8 @@
     <p:sldId id="378" r:id="rId124"/>
     <p:sldId id="379" r:id="rId125"/>
     <p:sldId id="380" r:id="rId126"/>
+    <p:sldId id="381" r:id="rId127"/>
+    <p:sldId id="382" r:id="rId128"/>
   </p:sldIdLst>
   <p:sldSz cx="12192000" cy="6858000"/>
   <p:notesSz cx="6858000" cy="9144000"/>
@@ -4210,7 +4212,7 @@
             </a:pPr>
             <a:r>
               <a:rPr b="1"/>
-              <a:t>Paradoxos estatísticos</a:t>
+              <a:t>Redes</a:t>
             </a:r>
           </a:p>
         </p:txBody>
@@ -4268,7 +4270,7 @@
             </a:pPr>
             <a:r>
               <a:rPr/>
-              <a:t>Paradoxos estatísticos</a:t>
+              <a:t>Análise de redes</a:t>
             </a:r>
           </a:p>
         </p:txBody>
@@ -4307,7 +4309,7 @@
             </a:pPr>
             <a:r>
               <a:rPr b="1"/>
-              <a:t>O que são paradoxos estatísticos?</a:t>
+              <a:t>O que é análise de rede?</a:t>
             </a:r>
           </a:p>
           <a:p>
@@ -4377,7 +4379,7 @@
             </a:pPr>
             <a:r>
               <a:rPr b="1"/>
-              <a:t>Testes estatísticos</a:t>
+              <a:t>Paradoxos estatísticos</a:t>
             </a:r>
           </a:p>
         </p:txBody>
@@ -4387,7 +4389,174 @@
 </p:sld>
 </file>
 
-<file path=ppt/slides/slide105.xml><?xml version="1.0" encoding="UTF-8"?>
+<file path=ppt/slides/slide105.xml><?xml version="1.0" encoding="utf-8"?>
+<p:sld xmlns:a="http://schemas.openxmlformats.org/drawingml/2006/main" xmlns:r="http://schemas.openxmlformats.org/officeDocument/2006/relationships" xmlns:p="http://schemas.openxmlformats.org/presentationml/2006/main">
+  <p:cSld>
+    <p:spTree>
+      <p:nvGrpSpPr>
+        <p:cNvPr id="1" name=""/>
+        <p:cNvGrpSpPr/>
+        <p:nvPr/>
+      </p:nvGrpSpPr>
+      <p:grpSpPr>
+        <a:xfrm>
+          <a:off x="0" y="0"/>
+          <a:ext cx="0" cy="0"/>
+          <a:chOff x="0" y="0"/>
+          <a:chExt cx="0" cy="0"/>
+        </a:xfrm>
+      </p:grpSpPr>
+      <p:sp>
+        <p:nvSpPr>
+          <p:cNvPr id="2" name="Title 1">
+            <a:extLst>
+              <a:ext uri="{FF2B5EF4-FFF2-40B4-BE49-F238E27FC236}">
+                <a16:creationId xmlns:a16="http://schemas.microsoft.com/office/drawing/2014/main" id="{0277F749-6ED4-3E49-963A-830033252F78}"/>
+              </a:ext>
+            </a:extLst>
+          </p:cNvPr>
+          <p:cNvSpPr>
+            <a:spLocks noGrp="1"/>
+          </p:cNvSpPr>
+          <p:nvPr>
+            <p:ph type="title"/>
+          </p:nvPr>
+        </p:nvSpPr>
+        <p:spPr>
+          <a:xfrm>
+            <a:off x="0" y="17256"/>
+            <a:ext cx="10515600" cy="663782"/>
+          </a:xfrm>
+        </p:spPr>
+        <p:txBody>
+          <a:bodyPr/>
+          <a:lstStyle/>
+          <a:p>
+            <a:pPr lvl="0" indent="0" marL="0">
+              <a:buNone/>
+            </a:pPr>
+            <a:r>
+              <a:rPr/>
+              <a:t>Paradoxos estatísticos</a:t>
+            </a:r>
+          </a:p>
+        </p:txBody>
+      </p:sp>
+      <p:sp>
+        <p:nvSpPr>
+          <p:cNvPr id="3" name="Content Placeholder 2">
+            <a:extLst>
+              <a:ext uri="{FF2B5EF4-FFF2-40B4-BE49-F238E27FC236}">
+                <a16:creationId xmlns:a16="http://schemas.microsoft.com/office/drawing/2014/main" id="{1574FA24-F1CC-B240-AAF9-A2DF684B1C54}"/>
+              </a:ext>
+            </a:extLst>
+          </p:cNvPr>
+          <p:cNvSpPr>
+            <a:spLocks noGrp="1"/>
+          </p:cNvSpPr>
+          <p:nvPr>
+            <p:ph idx="1"/>
+          </p:nvPr>
+        </p:nvSpPr>
+        <p:spPr/>
+        <p:txBody>
+          <a:bodyPr/>
+          <a:lstStyle/>
+          <a:p>
+            <a:pPr lvl="0" indent="0" marL="0">
+              <a:buNone/>
+            </a:pPr>
+          </a:p>
+          <a:p>
+            <a:pPr lvl="0" indent="0" marL="0">
+              <a:spcBef>
+                <a:spcPts val="3000"/>
+              </a:spcBef>
+              <a:buNone/>
+            </a:pPr>
+            <a:r>
+              <a:rPr b="1"/>
+              <a:t>O que são paradoxos estatísticos?</a:t>
+            </a:r>
+          </a:p>
+          <a:p>
+            <a:pPr lvl="0"/>
+            <a:r>
+              <a:rPr/>
+              <a:t>.[REF]</a:t>
+            </a:r>
+          </a:p>
+          <a:p>
+            <a:pPr lvl="0" indent="0" marL="0">
+              <a:buNone/>
+            </a:pPr>
+          </a:p>
+        </p:txBody>
+      </p:sp>
+    </p:spTree>
+  </p:cSld>
+</p:sld>
+</file>
+
+<file path=ppt/slides/slide106.xml><?xml version="1.0" encoding="utf-8"?>
+<p:sld xmlns:a="http://schemas.openxmlformats.org/drawingml/2006/main" xmlns:r="http://schemas.openxmlformats.org/officeDocument/2006/relationships" xmlns:p="http://schemas.openxmlformats.org/presentationml/2006/main">
+  <p:cSld>
+    <p:spTree>
+      <p:nvGrpSpPr>
+        <p:cNvPr id="1" name=""/>
+        <p:cNvGrpSpPr/>
+        <p:nvPr/>
+      </p:nvGrpSpPr>
+      <p:grpSpPr>
+        <a:xfrm>
+          <a:off x="0" y="0"/>
+          <a:ext cx="0" cy="0"/>
+          <a:chOff x="0" y="0"/>
+          <a:chExt cx="0" cy="0"/>
+        </a:xfrm>
+      </p:grpSpPr>
+      <p:sp>
+        <p:nvSpPr>
+          <p:cNvPr id="2" name="Title 1">
+            <a:extLst>
+              <a:ext uri="{FF2B5EF4-FFF2-40B4-BE49-F238E27FC236}">
+                <a16:creationId xmlns:a16="http://schemas.microsoft.com/office/drawing/2014/main" id="{28A92D45-5BAF-634B-BB37-8481089F9E28}"/>
+              </a:ext>
+            </a:extLst>
+          </p:cNvPr>
+          <p:cNvSpPr>
+            <a:spLocks noGrp="1"/>
+          </p:cNvSpPr>
+          <p:nvPr>
+            <p:ph type="title"/>
+          </p:nvPr>
+        </p:nvSpPr>
+        <p:spPr>
+          <a:xfrm>
+            <a:off x="831850" y="1709738"/>
+            <a:ext cx="10515600" cy="2852737"/>
+          </a:xfrm>
+        </p:spPr>
+        <p:txBody>
+          <a:bodyPr/>
+          <a:lstStyle/>
+          <a:p>
+            <a:pPr lvl="0" indent="0" marL="0">
+              <a:buNone/>
+            </a:pPr>
+            <a:r>
+              <a:rPr b="1"/>
+              <a:t>Testes estatísticos</a:t>
+            </a:r>
+          </a:p>
+        </p:txBody>
+      </p:sp>
+    </p:spTree>
+  </p:cSld>
+</p:sld>
+</file>
+
+<file path=ppt/slides/slide107.xml><?xml version="1.0" encoding="UTF-8"?>
 <p:sld xmlns:a="http://schemas.openxmlformats.org/drawingml/2006/main" xmlns:r="http://schemas.openxmlformats.org/officeDocument/2006/relationships" xmlns:p="http://schemas.openxmlformats.org/presentationml/2006/main">
   <p:cSld>
     <p:spTree>
@@ -10954,7 +11123,7 @@
 
 </file>
 
-<file path=ppt/slides/slide106.xml><?xml version="1.0" encoding="utf-8"?>
+<file path=ppt/slides/slide108.xml><?xml version="1.0" encoding="utf-8"?>
 <p:sld xmlns:a="http://schemas.openxmlformats.org/drawingml/2006/main" xmlns:r="http://schemas.openxmlformats.org/officeDocument/2006/relationships" xmlns:p="http://schemas.openxmlformats.org/presentationml/2006/main">
   <p:cSld>
     <p:spTree>
@@ -14266,553 +14435,6 @@
 </p:sld>
 </file>
 
-<file path=ppt/slides/slide107.xml><?xml version="1.0" encoding="utf-8"?>
-<p:sld xmlns:a="http://schemas.openxmlformats.org/drawingml/2006/main" xmlns:r="http://schemas.openxmlformats.org/officeDocument/2006/relationships" xmlns:p="http://schemas.openxmlformats.org/presentationml/2006/main">
-  <p:cSld>
-    <p:spTree>
-      <p:nvGrpSpPr>
-        <p:cNvPr id="1" name=""/>
-        <p:cNvGrpSpPr/>
-        <p:nvPr/>
-      </p:nvGrpSpPr>
-      <p:grpSpPr>
-        <a:xfrm>
-          <a:off x="0" y="0"/>
-          <a:ext cx="0" cy="0"/>
-          <a:chOff x="0" y="0"/>
-          <a:chExt cx="0" cy="0"/>
-        </a:xfrm>
-      </p:grpSpPr>
-      <p:sp>
-        <p:nvSpPr>
-          <p:cNvPr id="2" name="Title 1">
-            <a:extLst>
-              <a:ext uri="{FF2B5EF4-FFF2-40B4-BE49-F238E27FC236}">
-                <a16:creationId xmlns:a16="http://schemas.microsoft.com/office/drawing/2014/main" id="{28A92D45-5BAF-634B-BB37-8481089F9E28}"/>
-              </a:ext>
-            </a:extLst>
-          </p:cNvPr>
-          <p:cNvSpPr>
-            <a:spLocks noGrp="1"/>
-          </p:cNvSpPr>
-          <p:nvPr>
-            <p:ph type="title"/>
-          </p:nvPr>
-        </p:nvSpPr>
-        <p:spPr>
-          <a:xfrm>
-            <a:off x="831850" y="1709738"/>
-            <a:ext cx="10515600" cy="2852737"/>
-          </a:xfrm>
-        </p:spPr>
-        <p:txBody>
-          <a:bodyPr/>
-          <a:lstStyle/>
-          <a:p>
-            <a:pPr lvl="0" indent="0" marL="0">
-              <a:buNone/>
-            </a:pPr>
-            <a:r>
-              <a:rPr b="1"/>
-              <a:t>Computação estatística</a:t>
-            </a:r>
-          </a:p>
-        </p:txBody>
-      </p:sp>
-    </p:spTree>
-  </p:cSld>
-</p:sld>
-</file>
-
-<file path=ppt/slides/slide108.xml><?xml version="1.0" encoding="utf-8"?>
-<p:sld xmlns:a="http://schemas.openxmlformats.org/drawingml/2006/main" xmlns:r="http://schemas.openxmlformats.org/officeDocument/2006/relationships" xmlns:p="http://schemas.openxmlformats.org/presentationml/2006/main">
-  <p:cSld>
-    <p:spTree>
-      <p:nvGrpSpPr>
-        <p:cNvPr id="1" name=""/>
-        <p:cNvGrpSpPr/>
-        <p:nvPr/>
-      </p:nvGrpSpPr>
-      <p:grpSpPr>
-        <a:xfrm>
-          <a:off x="0" y="0"/>
-          <a:ext cx="0" cy="0"/>
-          <a:chOff x="0" y="0"/>
-          <a:chExt cx="0" cy="0"/>
-        </a:xfrm>
-      </p:grpSpPr>
-      <p:sp>
-        <p:nvSpPr>
-          <p:cNvPr id="2" name="Title 1">
-            <a:extLst>
-              <a:ext uri="{FF2B5EF4-FFF2-40B4-BE49-F238E27FC236}">
-                <a16:creationId xmlns:a16="http://schemas.microsoft.com/office/drawing/2014/main" id="{0277F749-6ED4-3E49-963A-830033252F78}"/>
-              </a:ext>
-            </a:extLst>
-          </p:cNvPr>
-          <p:cNvSpPr>
-            <a:spLocks noGrp="1"/>
-          </p:cNvSpPr>
-          <p:nvPr>
-            <p:ph type="title"/>
-          </p:nvPr>
-        </p:nvSpPr>
-        <p:spPr>
-          <a:xfrm>
-            <a:off x="0" y="17256"/>
-            <a:ext cx="10515600" cy="663782"/>
-          </a:xfrm>
-        </p:spPr>
-        <p:txBody>
-          <a:bodyPr/>
-          <a:lstStyle/>
-          <a:p>
-            <a:pPr lvl="0" indent="0" marL="0">
-              <a:buNone/>
-            </a:pPr>
-            <a:r>
-              <a:rPr/>
-              <a:t>Por onde começar</a:t>
-            </a:r>
-          </a:p>
-        </p:txBody>
-      </p:sp>
-      <p:sp>
-        <p:nvSpPr>
-          <p:cNvPr id="3" name="Content Placeholder 2">
-            <a:extLst>
-              <a:ext uri="{FF2B5EF4-FFF2-40B4-BE49-F238E27FC236}">
-                <a16:creationId xmlns:a16="http://schemas.microsoft.com/office/drawing/2014/main" id="{1574FA24-F1CC-B240-AAF9-A2DF684B1C54}"/>
-              </a:ext>
-            </a:extLst>
-          </p:cNvPr>
-          <p:cNvSpPr>
-            <a:spLocks noGrp="1"/>
-          </p:cNvSpPr>
-          <p:nvPr>
-            <p:ph idx="1"/>
-          </p:nvPr>
-        </p:nvSpPr>
-        <p:spPr/>
-        <p:txBody>
-          <a:bodyPr/>
-          <a:lstStyle/>
-          <a:p>
-            <a:pPr lvl="0" indent="0" marL="0">
-              <a:buNone/>
-            </a:pPr>
-          </a:p>
-          <a:p>
-            <a:pPr lvl="0" indent="0" marL="0">
-              <a:spcBef>
-                <a:spcPts val="3000"/>
-              </a:spcBef>
-              <a:buNone/>
-            </a:pPr>
-            <a:r>
-              <a:rPr b="1"/>
-              <a:t>O que é R?</a:t>
-            </a:r>
-          </a:p>
-          <a:p>
-            <a:pPr lvl="0"/>
-            <a:r>
-              <a:rPr/>
-              <a:t>R é um programa de computador com linguagem computacional direcionada para análise estatística.</a:t>
-            </a:r>
-            <a:r>
-              <a:rPr baseline="30000"/>
-              <a:t>131</a:t>
-            </a:r>
-          </a:p>
-          <a:p>
-            <a:pPr lvl="0"/>
-            <a:r>
-              <a:rPr>
-                <a:hlinkClick r:id="rId2"/>
-              </a:rPr>
-              <a:t>R version 4.3.1 (2023-06-16)</a:t>
-            </a:r>
-            <a:r>
-              <a:rPr/>
-              <a:t>.</a:t>
-            </a:r>
-            <a:r>
-              <a:rPr baseline="30000"/>
-              <a:t>131</a:t>
-            </a:r>
-          </a:p>
-          <a:p>
-            <a:pPr lvl="0" indent="0" marL="0">
-              <a:buNone/>
-            </a:pPr>
-          </a:p>
-          <a:p>
-            <a:pPr lvl="0" indent="0" marL="0">
-              <a:spcBef>
-                <a:spcPts val="3000"/>
-              </a:spcBef>
-              <a:buNone/>
-            </a:pPr>
-            <a:r>
-              <a:rPr b="1"/>
-              <a:t>O que são scripts?</a:t>
-            </a:r>
-          </a:p>
-          <a:p>
-            <a:pPr lvl="0"/>
-            <a:r>
-              <a:rPr/>
-              <a:t>Um script é um arquivo de texto contendo (quase) os mesmos comandos que você digitaria na linha de comando do R. (Quase) refere-se ao fato de que se você estiver usando </a:t>
-            </a:r>
-            <a:r>
-              <a:rPr i="1"/>
-              <a:t>sink()</a:t>
-            </a:r>
-            <a:r>
-              <a:rPr/>
-              <a:t> para enviar a saída para um arquivo, você terá que incluir alguns comandos em </a:t>
-            </a:r>
-            <a:r>
-              <a:rPr i="1"/>
-              <a:t>print()</a:t>
-            </a:r>
-            <a:r>
-              <a:rPr/>
-              <a:t> para obter a mesma saída da linha de comando (</a:t>
-            </a:r>
-            <a:r>
-              <a:rPr>
-                <a:hlinkClick r:id="rId3"/>
-              </a:rPr>
-              <a:t>CRAN</a:t>
-            </a:r>
-            <a:r>
-              <a:rPr/>
-              <a:t>).</a:t>
-            </a:r>
-          </a:p>
-          <a:p>
-            <a:pPr lvl="0" indent="0" marL="0">
-              <a:buNone/>
-            </a:pPr>
-          </a:p>
-          <a:p>
-            <a:pPr lvl="0" indent="0" marL="0">
-              <a:spcBef>
-                <a:spcPts val="3000"/>
-              </a:spcBef>
-              <a:buNone/>
-            </a:pPr>
-            <a:r>
-              <a:rPr b="1"/>
-              <a:t>Quais práticas são recomendadas na redação de scripts?</a:t>
-            </a:r>
-          </a:p>
-          <a:p>
-            <a:pPr lvl="0"/>
-            <a:r>
-              <a:rPr/>
-              <a:t>Use nomes consistentes para as variáveis.</a:t>
-            </a:r>
-            <a:r>
-              <a:rPr baseline="30000"/>
-              <a:t>132</a:t>
-            </a:r>
-          </a:p>
-          <a:p>
-            <a:pPr lvl="0"/>
-            <a:r>
-              <a:rPr/>
-              <a:t>Defina os tipos de variáveis adequadamente no banco de dados.</a:t>
-            </a:r>
-            <a:r>
-              <a:rPr baseline="30000"/>
-              <a:t>132</a:t>
-            </a:r>
-          </a:p>
-          <a:p>
-            <a:pPr lvl="0"/>
-            <a:r>
-              <a:rPr/>
-              <a:t>Defina constantes - isto é, variáveis de valor fixo - ao invés de digitar valores.</a:t>
-            </a:r>
-            <a:r>
-              <a:rPr baseline="30000"/>
-              <a:t>132</a:t>
-            </a:r>
-          </a:p>
-          <a:p>
-            <a:pPr lvl="0"/>
-            <a:r>
-              <a:rPr/>
-              <a:t>Use e cite os pacotes disponíveis para suas análises.</a:t>
-            </a:r>
-            <a:r>
-              <a:rPr baseline="30000"/>
-              <a:t>132</a:t>
-            </a:r>
-          </a:p>
-          <a:p>
-            <a:pPr lvl="0"/>
-            <a:r>
-              <a:rPr/>
-              <a:t>Controle as versões do script.</a:t>
-            </a:r>
-            <a:r>
-              <a:rPr baseline="30000"/>
-              <a:t>132,133</a:t>
-            </a:r>
-          </a:p>
-          <a:p>
-            <a:pPr lvl="0"/>
-            <a:r>
-              <a:rPr/>
-              <a:t>Teste o script antes de sua utilização.</a:t>
-            </a:r>
-            <a:r>
-              <a:rPr baseline="30000"/>
-              <a:t>132</a:t>
-            </a:r>
-          </a:p>
-          <a:p>
-            <a:pPr lvl="0"/>
-            <a:r>
-              <a:rPr/>
-              <a:t>Conduza revisão por pares do código durante a redação (digitação em dupla).</a:t>
-            </a:r>
-            <a:r>
-              <a:rPr baseline="30000"/>
-              <a:t>132</a:t>
-            </a:r>
-          </a:p>
-          <a:p>
-            <a:pPr lvl="0" indent="0" marL="0">
-              <a:buNone/>
-            </a:pPr>
-          </a:p>
-          <a:p>
-            <a:pPr lvl="0" indent="0" marL="0">
-              <a:spcBef>
-                <a:spcPts val="3000"/>
-              </a:spcBef>
-              <a:buNone/>
-            </a:pPr>
-            <a:r>
-              <a:rPr b="1"/>
-              <a:t>O que pode ser compartilhado?</a:t>
-            </a:r>
-          </a:p>
-          <a:p>
-            <a:pPr lvl="0"/>
-            <a:r>
-              <a:rPr/>
-              <a:t>Idealmente, todos os scripts, pacotes/bibliotecas e dados necessários para outros reproduzirem seus dados.</a:t>
-            </a:r>
-            <a:r>
-              <a:rPr baseline="30000"/>
-              <a:t>133</a:t>
-            </a:r>
-          </a:p>
-          <a:p>
-            <a:pPr lvl="0"/>
-            <a:r>
-              <a:rPr/>
-              <a:t>Minimamente, partes importantes incluindo implementações de novos algoritmos e dados que permitam reproduzir um resultado importante.</a:t>
-            </a:r>
-            <a:r>
-              <a:rPr baseline="30000"/>
-              <a:t>133</a:t>
-            </a:r>
-          </a:p>
-          <a:p>
-            <a:pPr lvl="0" indent="0" marL="0">
-              <a:buNone/>
-            </a:pPr>
-          </a:p>
-          <a:p>
-            <a:pPr lvl="0" indent="0" marL="0">
-              <a:spcBef>
-                <a:spcPts val="3000"/>
-              </a:spcBef>
-              <a:buNone/>
-            </a:pPr>
-            <a:r>
-              <a:rPr b="1"/>
-              <a:t>Como preparar os scripts para compartilhamento?</a:t>
-            </a:r>
-          </a:p>
-          <a:p>
-            <a:pPr lvl="0"/>
-            <a:r>
-              <a:rPr/>
-              <a:t>Crie links persistentes para versões do seu script.</a:t>
-            </a:r>
-            <a:r>
-              <a:rPr baseline="30000"/>
-              <a:t>133</a:t>
-            </a:r>
-          </a:p>
-          <a:p>
-            <a:pPr lvl="0"/>
-            <a:r>
-              <a:rPr/>
-              <a:t>Escolha uma licença apropriada para garantir como outros usarão seus scripts.</a:t>
-            </a:r>
-            <a:r>
-              <a:rPr baseline="30000"/>
-              <a:t>133</a:t>
-            </a:r>
-          </a:p>
-          <a:p>
-            <a:pPr lvl="0"/>
-            <a:r>
-              <a:rPr/>
-              <a:t>Providencie a documentação sobre seu script (ex.: arquivos </a:t>
-            </a:r>
-            <a:r>
-              <a:rPr i="1"/>
-              <a:t>README</a:t>
-            </a:r>
-            <a:r>
-              <a:rPr/>
-              <a:t>).</a:t>
-            </a:r>
-            <a:r>
-              <a:rPr baseline="30000"/>
-              <a:t>133</a:t>
-            </a:r>
-          </a:p>
-          <a:p>
-            <a:pPr lvl="0"/>
-            <a:r>
-              <a:rPr/>
-              <a:t>Compartilhar todos os pacotes relacionados à sua análise.</a:t>
-            </a:r>
-            <a:r>
-              <a:rPr baseline="30000"/>
-              <a:t>134</a:t>
-            </a:r>
-          </a:p>
-          <a:p>
-            <a:pPr lvl="0" indent="0" marL="0">
-              <a:buNone/>
-            </a:pPr>
-          </a:p>
-          <a:p>
-            <a:pPr lvl="0" indent="0" marL="0">
-              <a:buNone/>
-            </a:pPr>
-            <a:r>
-              <a:rPr/>
-              <a:t>O pacote </a:t>
-            </a:r>
-            <a:r>
-              <a:rPr i="1"/>
-              <a:t>formatR</a:t>
-            </a:r>
-            <a:r>
-              <a:rPr baseline="30000"/>
-              <a:t>135</a:t>
-            </a:r>
-            <a:r>
-              <a:rPr/>
-              <a:t> fornece funções para formatar um ou mais scripts. </a:t>
-            </a:r>
-          </a:p>
-          <a:p>
-            <a:pPr lvl="0" indent="0" marL="0">
-              <a:buNone/>
-            </a:pPr>
-            <a:r>
-              <a:rPr/>
-              <a:t>O pacote </a:t>
-            </a:r>
-            <a:r>
-              <a:rPr i="1"/>
-              <a:t>pkglite</a:t>
-            </a:r>
-            <a:r>
-              <a:rPr baseline="30000"/>
-              <a:t>136</a:t>
-            </a:r>
-            <a:r>
-              <a:rPr/>
-              <a:t> permite submeter documentos eletrônicos com todos os pacotes necessários. </a:t>
-            </a:r>
-          </a:p>
-          <a:p>
-            <a:pPr lvl="0" indent="0" marL="0">
-              <a:buNone/>
-            </a:pPr>
-          </a:p>
-          <a:p>
-            <a:pPr lvl="0" indent="0" marL="0">
-              <a:spcBef>
-                <a:spcPts val="3000"/>
-              </a:spcBef>
-              <a:buNone/>
-            </a:pPr>
-            <a:r>
-              <a:rPr b="1"/>
-              <a:t>Que programas de computador gratuitos podem ser usados para análise estatística com R?</a:t>
-            </a:r>
-          </a:p>
-          <a:p>
-            <a:pPr lvl="0"/>
-            <a:r>
-              <a:rPr>
-                <a:hlinkClick r:id="rId4"/>
-              </a:rPr>
-              <a:t>RStudio</a:t>
-            </a:r>
-          </a:p>
-          <a:p>
-            <a:pPr lvl="0"/>
-            <a:r>
-              <a:rPr>
-                <a:hlinkClick r:id="rId5"/>
-              </a:rPr>
-              <a:t>JASP</a:t>
-            </a:r>
-            <a:r>
-              <a:rPr/>
-              <a:t>.</a:t>
-            </a:r>
-            <a:r>
-              <a:rPr baseline="30000"/>
-              <a:t>137</a:t>
-            </a:r>
-          </a:p>
-          <a:p>
-            <a:pPr lvl="0"/>
-            <a:r>
-              <a:rPr>
-                <a:hlinkClick r:id="rId6"/>
-              </a:rPr>
-              <a:t>jamovi</a:t>
-            </a:r>
-            <a:r>
-              <a:rPr/>
-              <a:t>.</a:t>
-            </a:r>
-            <a:r>
-              <a:rPr baseline="30000"/>
-              <a:t>138</a:t>
-            </a:r>
-          </a:p>
-          <a:p>
-            <a:pPr lvl="0" indent="0" marL="0">
-              <a:buNone/>
-            </a:pPr>
-          </a:p>
-        </p:txBody>
-      </p:sp>
-    </p:spTree>
-  </p:cSld>
-</p:sld>
-</file>
-
 <file path=ppt/slides/slide109.xml><?xml version="1.0" encoding="utf-8"?>
 <p:sld xmlns:a="http://schemas.openxmlformats.org/drawingml/2006/main" xmlns:r="http://schemas.openxmlformats.org/officeDocument/2006/relationships" xmlns:p="http://schemas.openxmlformats.org/presentationml/2006/main">
   <p:cSld>
@@ -14861,7 +14483,7 @@
             </a:pPr>
             <a:r>
               <a:rPr b="1"/>
-              <a:t>Simulação computacional</a:t>
+              <a:t>Computação estatística</a:t>
             </a:r>
           </a:p>
         </p:txBody>
@@ -14982,7 +14604,7 @@
             </a:pPr>
             <a:r>
               <a:rPr/>
-              <a:t>Simulação computacional de dados</a:t>
+              <a:t>Por onde começar</a:t>
             </a:r>
           </a:p>
         </p:txBody>
@@ -15021,14 +14643,394 @@
             </a:pPr>
             <a:r>
               <a:rPr b="1"/>
-              <a:t>O que é simulação computacional de dados?</a:t>
+              <a:t>O que é R?</a:t>
             </a:r>
           </a:p>
           <a:p>
             <a:pPr lvl="0"/>
             <a:r>
               <a:rPr/>
-              <a:t>.[REF]</a:t>
+              <a:t>R é um programa de computador com linguagem computacional direcionada para análise estatística.</a:t>
+            </a:r>
+            <a:r>
+              <a:rPr baseline="30000"/>
+              <a:t>131</a:t>
+            </a:r>
+          </a:p>
+          <a:p>
+            <a:pPr lvl="0"/>
+            <a:r>
+              <a:rPr>
+                <a:hlinkClick r:id="rId2"/>
+              </a:rPr>
+              <a:t>R version 4.3.1 (2023-06-16)</a:t>
+            </a:r>
+            <a:r>
+              <a:rPr/>
+              <a:t>.</a:t>
+            </a:r>
+            <a:r>
+              <a:rPr baseline="30000"/>
+              <a:t>131</a:t>
+            </a:r>
+          </a:p>
+          <a:p>
+            <a:pPr lvl="0" indent="0" marL="0">
+              <a:buNone/>
+            </a:pPr>
+          </a:p>
+          <a:p>
+            <a:pPr lvl="0" indent="0" marL="0">
+              <a:spcBef>
+                <a:spcPts val="3000"/>
+              </a:spcBef>
+              <a:buNone/>
+            </a:pPr>
+            <a:r>
+              <a:rPr b="1"/>
+              <a:t>O que são scripts?</a:t>
+            </a:r>
+          </a:p>
+          <a:p>
+            <a:pPr lvl="0"/>
+            <a:r>
+              <a:rPr/>
+              <a:t>Um script é um arquivo de texto contendo (quase) os mesmos comandos que você digitaria na linha de comando do R. (Quase) refere-se ao fato de que se você estiver usando </a:t>
+            </a:r>
+            <a:r>
+              <a:rPr i="1"/>
+              <a:t>sink()</a:t>
+            </a:r>
+            <a:r>
+              <a:rPr/>
+              <a:t> para enviar a saída para um arquivo, você terá que incluir alguns comandos em </a:t>
+            </a:r>
+            <a:r>
+              <a:rPr i="1"/>
+              <a:t>print()</a:t>
+            </a:r>
+            <a:r>
+              <a:rPr/>
+              <a:t> para obter a mesma saída da linha de comando (</a:t>
+            </a:r>
+            <a:r>
+              <a:rPr>
+                <a:hlinkClick r:id="rId3"/>
+              </a:rPr>
+              <a:t>CRAN</a:t>
+            </a:r>
+            <a:r>
+              <a:rPr/>
+              <a:t>).</a:t>
+            </a:r>
+          </a:p>
+          <a:p>
+            <a:pPr lvl="0" indent="0" marL="0">
+              <a:buNone/>
+            </a:pPr>
+          </a:p>
+          <a:p>
+            <a:pPr lvl="0" indent="0" marL="0">
+              <a:spcBef>
+                <a:spcPts val="3000"/>
+              </a:spcBef>
+              <a:buNone/>
+            </a:pPr>
+            <a:r>
+              <a:rPr b="1"/>
+              <a:t>Quais práticas são recomendadas na redação de scripts?</a:t>
+            </a:r>
+          </a:p>
+          <a:p>
+            <a:pPr lvl="0"/>
+            <a:r>
+              <a:rPr/>
+              <a:t>Use nomes consistentes para as variáveis.</a:t>
+            </a:r>
+            <a:r>
+              <a:rPr baseline="30000"/>
+              <a:t>132</a:t>
+            </a:r>
+          </a:p>
+          <a:p>
+            <a:pPr lvl="0"/>
+            <a:r>
+              <a:rPr/>
+              <a:t>Defina os tipos de variáveis adequadamente no banco de dados.</a:t>
+            </a:r>
+            <a:r>
+              <a:rPr baseline="30000"/>
+              <a:t>132</a:t>
+            </a:r>
+          </a:p>
+          <a:p>
+            <a:pPr lvl="0"/>
+            <a:r>
+              <a:rPr/>
+              <a:t>Defina constantes - isto é, variáveis de valor fixo - ao invés de digitar valores.</a:t>
+            </a:r>
+            <a:r>
+              <a:rPr baseline="30000"/>
+              <a:t>132</a:t>
+            </a:r>
+          </a:p>
+          <a:p>
+            <a:pPr lvl="0"/>
+            <a:r>
+              <a:rPr/>
+              <a:t>Use e cite os pacotes disponíveis para suas análises.</a:t>
+            </a:r>
+            <a:r>
+              <a:rPr baseline="30000"/>
+              <a:t>132</a:t>
+            </a:r>
+          </a:p>
+          <a:p>
+            <a:pPr lvl="0"/>
+            <a:r>
+              <a:rPr/>
+              <a:t>Controle as versões do script.</a:t>
+            </a:r>
+            <a:r>
+              <a:rPr baseline="30000"/>
+              <a:t>132,133</a:t>
+            </a:r>
+          </a:p>
+          <a:p>
+            <a:pPr lvl="0"/>
+            <a:r>
+              <a:rPr/>
+              <a:t>Teste o script antes de sua utilização.</a:t>
+            </a:r>
+            <a:r>
+              <a:rPr baseline="30000"/>
+              <a:t>132</a:t>
+            </a:r>
+          </a:p>
+          <a:p>
+            <a:pPr lvl="0"/>
+            <a:r>
+              <a:rPr/>
+              <a:t>Conduza revisão por pares do código durante a redação (digitação em dupla).</a:t>
+            </a:r>
+            <a:r>
+              <a:rPr baseline="30000"/>
+              <a:t>132</a:t>
+            </a:r>
+          </a:p>
+          <a:p>
+            <a:pPr lvl="0" indent="0" marL="0">
+              <a:buNone/>
+            </a:pPr>
+          </a:p>
+          <a:p>
+            <a:pPr lvl="0" indent="0" marL="0">
+              <a:spcBef>
+                <a:spcPts val="3000"/>
+              </a:spcBef>
+              <a:buNone/>
+            </a:pPr>
+            <a:r>
+              <a:rPr b="1"/>
+              <a:t>O que pode ser compartilhado?</a:t>
+            </a:r>
+          </a:p>
+          <a:p>
+            <a:pPr lvl="0"/>
+            <a:r>
+              <a:rPr/>
+              <a:t>Idealmente, todos os scripts, pacotes/bibliotecas e dados necessários para outros reproduzirem seus dados.</a:t>
+            </a:r>
+            <a:r>
+              <a:rPr baseline="30000"/>
+              <a:t>133</a:t>
+            </a:r>
+          </a:p>
+          <a:p>
+            <a:pPr lvl="0"/>
+            <a:r>
+              <a:rPr/>
+              <a:t>Minimamente, partes importantes incluindo implementações de novos algoritmos e dados que permitam reproduzir um resultado importante.</a:t>
+            </a:r>
+            <a:r>
+              <a:rPr baseline="30000"/>
+              <a:t>133</a:t>
+            </a:r>
+          </a:p>
+          <a:p>
+            <a:pPr lvl="0" indent="0" marL="0">
+              <a:buNone/>
+            </a:pPr>
+          </a:p>
+          <a:p>
+            <a:pPr lvl="0" indent="0" marL="0">
+              <a:spcBef>
+                <a:spcPts val="3000"/>
+              </a:spcBef>
+              <a:buNone/>
+            </a:pPr>
+            <a:r>
+              <a:rPr b="1"/>
+              <a:t>Como preparar os scripts para compartilhamento?</a:t>
+            </a:r>
+          </a:p>
+          <a:p>
+            <a:pPr lvl="0"/>
+            <a:r>
+              <a:rPr/>
+              <a:t>Crie links persistentes para versões do seu script.</a:t>
+            </a:r>
+            <a:r>
+              <a:rPr baseline="30000"/>
+              <a:t>133</a:t>
+            </a:r>
+          </a:p>
+          <a:p>
+            <a:pPr lvl="0"/>
+            <a:r>
+              <a:rPr/>
+              <a:t>Escolha uma licença apropriada para garantir como outros usarão seus scripts.</a:t>
+            </a:r>
+            <a:r>
+              <a:rPr baseline="30000"/>
+              <a:t>133</a:t>
+            </a:r>
+          </a:p>
+          <a:p>
+            <a:pPr lvl="0"/>
+            <a:r>
+              <a:rPr/>
+              <a:t>Providencie a documentação sobre seu script (ex.: arquivos </a:t>
+            </a:r>
+            <a:r>
+              <a:rPr i="1"/>
+              <a:t>README</a:t>
+            </a:r>
+            <a:r>
+              <a:rPr/>
+              <a:t>).</a:t>
+            </a:r>
+            <a:r>
+              <a:rPr baseline="30000"/>
+              <a:t>133</a:t>
+            </a:r>
+          </a:p>
+          <a:p>
+            <a:pPr lvl="0"/>
+            <a:r>
+              <a:rPr/>
+              <a:t>Compartilhar todos os pacotes relacionados à sua análise.</a:t>
+            </a:r>
+            <a:r>
+              <a:rPr baseline="30000"/>
+              <a:t>134</a:t>
+            </a:r>
+          </a:p>
+          <a:p>
+            <a:pPr lvl="0" indent="0" marL="0">
+              <a:buNone/>
+            </a:pPr>
+          </a:p>
+          <a:p>
+            <a:pPr lvl="0" indent="0" marL="0">
+              <a:buNone/>
+            </a:pPr>
+            <a:r>
+              <a:rPr/>
+              <a:t>O pacote </a:t>
+            </a:r>
+            <a:r>
+              <a:rPr i="1"/>
+              <a:t>formatR</a:t>
+            </a:r>
+            <a:r>
+              <a:rPr baseline="30000"/>
+              <a:t>135</a:t>
+            </a:r>
+            <a:r>
+              <a:rPr/>
+              <a:t> fornece funções para formatar um ou mais scripts. </a:t>
+            </a:r>
+          </a:p>
+          <a:p>
+            <a:pPr lvl="0" indent="0" marL="0">
+              <a:buNone/>
+            </a:pPr>
+            <a:r>
+              <a:rPr/>
+              <a:t>O pacote </a:t>
+            </a:r>
+            <a:r>
+              <a:rPr i="1"/>
+              <a:t>pkglite</a:t>
+            </a:r>
+            <a:r>
+              <a:rPr baseline="30000"/>
+              <a:t>136</a:t>
+            </a:r>
+            <a:r>
+              <a:rPr/>
+              <a:t> permite submeter documentos eletrônicos com todos os pacotes necessários. </a:t>
+            </a:r>
+          </a:p>
+          <a:p>
+            <a:pPr lvl="0" indent="0" marL="0">
+              <a:buNone/>
+            </a:pPr>
+          </a:p>
+          <a:p>
+            <a:pPr lvl="0" indent="0" marL="0">
+              <a:spcBef>
+                <a:spcPts val="3000"/>
+              </a:spcBef>
+              <a:buNone/>
+            </a:pPr>
+            <a:r>
+              <a:rPr b="1"/>
+              <a:t>Que programas de computador gratuitos podem ser usados para análise estatística com R?</a:t>
+            </a:r>
+          </a:p>
+          <a:p>
+            <a:pPr lvl="0"/>
+            <a:r>
+              <a:rPr>
+                <a:hlinkClick r:id="rId4"/>
+              </a:rPr>
+              <a:t>RStudio</a:t>
+            </a:r>
+          </a:p>
+          <a:p>
+            <a:pPr lvl="0"/>
+            <a:r>
+              <a:rPr>
+                <a:hlinkClick r:id="rId5"/>
+              </a:rPr>
+              <a:t>JASP</a:t>
+            </a:r>
+            <a:r>
+              <a:rPr/>
+              <a:t>.</a:t>
+            </a:r>
+            <a:r>
+              <a:rPr baseline="30000"/>
+              <a:t>137</a:t>
+            </a:r>
+          </a:p>
+          <a:p>
+            <a:pPr lvl="0"/>
+            <a:r>
+              <a:rPr>
+                <a:hlinkClick r:id="rId6"/>
+              </a:rPr>
+              <a:t>jamovi</a:t>
+            </a:r>
+            <a:r>
+              <a:rPr/>
+              <a:t>.</a:t>
+            </a:r>
+            <a:r>
+              <a:rPr baseline="30000"/>
+              <a:t>138</a:t>
             </a:r>
           </a:p>
           <a:p>
@@ -15091,7 +15093,7 @@
             </a:pPr>
             <a:r>
               <a:rPr b="1"/>
-              <a:t>Redação estatística</a:t>
+              <a:t>Simulação computacional</a:t>
             </a:r>
           </a:p>
         </p:txBody>
@@ -15149,7 +15151,7 @@
             </a:pPr>
             <a:r>
               <a:rPr/>
-              <a:t>Manuscritos reprodutíveis</a:t>
+              <a:t>Simulação computacional de dados</a:t>
             </a:r>
           </a:p>
         </p:txBody>
@@ -15188,7 +15190,7 @@
             </a:pPr>
             <a:r>
               <a:rPr b="1"/>
-              <a:t>O que são manuscritos reprodutíveis?</a:t>
+              <a:t>O que é simulação computacional de dados?</a:t>
             </a:r>
           </a:p>
           <a:p>
@@ -15232,7 +15234,7 @@
           <p:cNvPr id="2" name="Title 1">
             <a:extLst>
               <a:ext uri="{FF2B5EF4-FFF2-40B4-BE49-F238E27FC236}">
-                <a16:creationId xmlns:a16="http://schemas.microsoft.com/office/drawing/2014/main" id="{0277F749-6ED4-3E49-963A-830033252F78}"/>
+                <a16:creationId xmlns:a16="http://schemas.microsoft.com/office/drawing/2014/main" id="{28A92D45-5BAF-634B-BB37-8481089F9E28}"/>
               </a:ext>
             </a:extLst>
           </p:cNvPr>
@@ -15245,8 +15247,8 @@
         </p:nvSpPr>
         <p:spPr>
           <a:xfrm>
-            <a:off x="0" y="17256"/>
-            <a:ext cx="10515600" cy="663782"/>
+            <a:off x="831850" y="1709738"/>
+            <a:ext cx="10515600" cy="2852737"/>
           </a:xfrm>
         </p:spPr>
         <p:txBody>
@@ -15257,278 +15259,9 @@
               <a:buNone/>
             </a:pPr>
             <a:r>
-              <a:rPr/>
-              <a:t>Diretrizes</a:t>
-            </a:r>
-          </a:p>
-        </p:txBody>
-      </p:sp>
-      <p:sp>
-        <p:nvSpPr>
-          <p:cNvPr id="3" name="Content Placeholder 2">
-            <a:extLst>
-              <a:ext uri="{FF2B5EF4-FFF2-40B4-BE49-F238E27FC236}">
-                <a16:creationId xmlns:a16="http://schemas.microsoft.com/office/drawing/2014/main" id="{1574FA24-F1CC-B240-AAF9-A2DF684B1C54}"/>
-              </a:ext>
-            </a:extLst>
-          </p:cNvPr>
-          <p:cNvSpPr>
-            <a:spLocks noGrp="1"/>
-          </p:cNvSpPr>
-          <p:nvPr>
-            <p:ph idx="1"/>
-          </p:nvPr>
-        </p:nvSpPr>
-        <p:spPr/>
-        <p:txBody>
-          <a:bodyPr/>
-          <a:lstStyle/>
-          <a:p>
-            <a:pPr lvl="0" indent="0" marL="0">
-              <a:buNone/>
-            </a:pPr>
-          </a:p>
-          <a:p>
-            <a:pPr lvl="0" indent="0" marL="0">
-              <a:spcBef>
-                <a:spcPts val="3000"/>
-              </a:spcBef>
-              <a:buNone/>
-            </a:pPr>
-            <a:r>
               <a:rPr b="1"/>
-              <a:t>Quais diretrizes estão disponíveis?</a:t>
-            </a:r>
-          </a:p>
-          <a:p>
-            <a:pPr lvl="0"/>
-            <a:r>
-              <a:rPr i="1"/>
-              <a:t>Review of guidance papers on regression modeling in statistical series of medical journals</a:t>
-            </a:r>
-            <a:r>
-              <a:rPr/>
-              <a:t>.</a:t>
-            </a:r>
-            <a:r>
-              <a:rPr baseline="30000"/>
-              <a:t>139</a:t>
-            </a:r>
-          </a:p>
-          <a:p>
-            <a:pPr lvl="0"/>
-            <a:r>
-              <a:rPr i="1"/>
-              <a:t>Principles and recommendations for incorporating estimands into clinical study protocol templates</a:t>
-            </a:r>
-            <a:r>
-              <a:rPr/>
-              <a:t>.</a:t>
-            </a:r>
-            <a:r>
-              <a:rPr baseline="30000"/>
-              <a:t>140</a:t>
-            </a:r>
-          </a:p>
-          <a:p>
-            <a:pPr lvl="0"/>
-            <a:r>
-              <a:rPr i="1"/>
-              <a:t>How to write statistical analysis section in medical research</a:t>
-            </a:r>
-            <a:r>
-              <a:rPr/>
-              <a:t>.</a:t>
-            </a:r>
-            <a:r>
-              <a:rPr baseline="30000"/>
-              <a:t>86</a:t>
-            </a:r>
-          </a:p>
-          <a:p>
-            <a:pPr lvl="0"/>
-            <a:r>
-              <a:rPr i="1"/>
-              <a:t>Recommendations for Statistical Reporting in Cardiovascular Medicine: A Special Report From the American Heart Association</a:t>
-            </a:r>
-            <a:r>
-              <a:rPr/>
-              <a:t>.</a:t>
-            </a:r>
-            <a:r>
-              <a:rPr baseline="30000"/>
-              <a:t>141</a:t>
-            </a:r>
-          </a:p>
-          <a:p>
-            <a:pPr lvl="0"/>
-            <a:r>
-              <a:rPr i="1"/>
-              <a:t>Framework for the treatment and reporting of missing data in observational studies: The Treatment And Reporting of Missing data in Observational Studies framework</a:t>
-            </a:r>
-            <a:r>
-              <a:rPr/>
-              <a:t>.</a:t>
-            </a:r>
-            <a:r>
-              <a:rPr baseline="30000"/>
-              <a:t>142</a:t>
-            </a:r>
-          </a:p>
-          <a:p>
-            <a:pPr lvl="0"/>
-            <a:r>
-              <a:rPr i="1"/>
-              <a:t>Guidelines for reporting of figures and tables for clinical research in urology</a:t>
-            </a:r>
-            <a:r>
-              <a:rPr/>
-              <a:t>.</a:t>
-            </a:r>
-            <a:r>
-              <a:rPr baseline="30000"/>
-              <a:t>143</a:t>
-            </a:r>
-          </a:p>
-          <a:p>
-            <a:pPr lvl="0"/>
-            <a:r>
-              <a:rPr i="1"/>
-              <a:t>Who is in this study, anyway? Guidelines for a useful Table 1</a:t>
-            </a:r>
-            <a:r>
-              <a:rPr/>
-              <a:t>.</a:t>
-            </a:r>
-            <a:r>
-              <a:rPr baseline="30000"/>
-              <a:t>100</a:t>
-            </a:r>
-          </a:p>
-          <a:p>
-            <a:pPr lvl="0"/>
-            <a:r>
-              <a:rPr i="1"/>
-              <a:t>Guidelines for Reporting of Statistics for Clinical Research in Urology</a:t>
-            </a:r>
-            <a:r>
-              <a:rPr/>
-              <a:t>.</a:t>
-            </a:r>
-            <a:r>
-              <a:rPr baseline="30000"/>
-              <a:t>144</a:t>
-            </a:r>
-          </a:p>
-          <a:p>
-            <a:pPr lvl="0"/>
-            <a:r>
-              <a:rPr i="1"/>
-              <a:t>Reveal, Don’t Conceal: Transforming Data Visualization to Improve Transparency</a:t>
-            </a:r>
-            <a:r>
-              <a:rPr/>
-              <a:t>.</a:t>
-            </a:r>
-            <a:r>
-              <a:rPr baseline="30000"/>
-              <a:t>110</a:t>
-            </a:r>
-          </a:p>
-          <a:p>
-            <a:pPr lvl="0"/>
-            <a:r>
-              <a:rPr i="1"/>
-              <a:t>Guidelines for the Content of Statistical Analysis Plans in Clinical Trials</a:t>
-            </a:r>
-            <a:r>
-              <a:rPr/>
-              <a:t>.</a:t>
-            </a:r>
-            <a:r>
-              <a:rPr baseline="30000"/>
-              <a:t>145</a:t>
-            </a:r>
-          </a:p>
-          <a:p>
-            <a:pPr lvl="0"/>
-            <a:r>
-              <a:rPr i="1"/>
-              <a:t>Basic statistical reporting for articles published in Biomedical Journals: The ‘’Statistical Analyses and Methods in the Published Literature’’ or the SAMPL Guidelines</a:t>
-            </a:r>
-            <a:r>
-              <a:rPr/>
-              <a:t>.</a:t>
-            </a:r>
-            <a:r>
-              <a:rPr baseline="30000"/>
-              <a:t>146</a:t>
-            </a:r>
-          </a:p>
-          <a:p>
-            <a:pPr lvl="0"/>
-            <a:r>
-              <a:rPr i="1"/>
-              <a:t>Beyond Bar and Line Graphs: Time for a New Data Presentation Paradigm</a:t>
-            </a:r>
-            <a:r>
-              <a:rPr/>
-              <a:t>.</a:t>
-            </a:r>
-            <a:r>
-              <a:rPr baseline="30000"/>
-              <a:t>147</a:t>
-            </a:r>
-          </a:p>
-          <a:p>
-            <a:pPr lvl="0"/>
-            <a:r>
-              <a:rPr i="1"/>
-              <a:t>STRengthening analytical thinking for observational studies: the STRATOS initiative</a:t>
-            </a:r>
-            <a:r>
-              <a:rPr/>
-              <a:t>.</a:t>
-            </a:r>
-            <a:r>
-              <a:rPr baseline="30000"/>
-              <a:t>148</a:t>
-            </a:r>
-          </a:p>
-          <a:p>
-            <a:pPr lvl="0"/>
-            <a:r>
-              <a:rPr i="1"/>
-              <a:t>Research methods and reporting</a:t>
-            </a:r>
-            <a:r>
-              <a:rPr/>
-              <a:t>.</a:t>
-            </a:r>
-            <a:r>
-              <a:rPr baseline="30000"/>
-              <a:t>149</a:t>
-            </a:r>
-          </a:p>
-          <a:p>
-            <a:pPr lvl="0"/>
-            <a:r>
-              <a:rPr i="1"/>
-              <a:t>How to ensure your paper is rejected by the statistical reviewer</a:t>
-            </a:r>
-            <a:r>
-              <a:rPr/>
-              <a:t>.</a:t>
-            </a:r>
-            <a:r>
-              <a:rPr baseline="30000"/>
-              <a:t>150</a:t>
-            </a:r>
-          </a:p>
-          <a:p>
-            <a:pPr lvl="0" indent="0" marL="0">
-              <a:buNone/>
-            </a:pPr>
+              <a:t>Redação estatística</a:t>
+            </a:r>
           </a:p>
         </p:txBody>
       </p:sp>
@@ -15585,7 +15318,7 @@
             </a:pPr>
             <a:r>
               <a:rPr/>
-              <a:t>Checklists</a:t>
+              <a:t>Manuscritos reprodutíveis</a:t>
             </a:r>
           </a:p>
         </p:txBody>
@@ -15624,126 +15357,14 @@
             </a:pPr>
             <a:r>
               <a:rPr b="1"/>
-              <a:t>O que são checklists?</a:t>
+              <a:t>O que são manuscritos reprodutíveis?</a:t>
             </a:r>
           </a:p>
           <a:p>
             <a:pPr lvl="0"/>
             <a:r>
               <a:rPr/>
-              <a:t>Checklists são listas que podem ser utilizadas por autores, revisores ou editores, durante as fases de planejamento ou apresentação, para redação ou revisão de textos que relatam análises estatísticas.</a:t>
-            </a:r>
-          </a:p>
-          <a:p>
-            <a:pPr lvl="0" indent="0" marL="0">
-              <a:buNone/>
-            </a:pPr>
-          </a:p>
-          <a:p>
-            <a:pPr lvl="0" indent="0" marL="0">
-              <a:spcBef>
-                <a:spcPts val="3000"/>
-              </a:spcBef>
-              <a:buNone/>
-            </a:pPr>
-            <a:r>
-              <a:rPr b="1"/>
-              <a:t>Por que usar checklists?</a:t>
-            </a:r>
-          </a:p>
-          <a:p>
-            <a:pPr lvl="0"/>
-            <a:r>
-              <a:rPr/>
-              <a:t>Checklists têm sido recomendados para melhorar o relato das análises realizadas, aumentar a transparência do estudo e reprodutibilidade dos achados.</a:t>
-            </a:r>
-            <a:r>
-              <a:rPr baseline="30000"/>
-              <a:t>151</a:t>
-            </a:r>
-          </a:p>
-          <a:p>
-            <a:pPr lvl="0"/>
-            <a:r>
-              <a:rPr/>
-              <a:t>Trabalhos acadêmicos que relatam análises de dados devem ser passar por revisão por pares que inclua apreciação da análise estatística, e sua adequação ao delineamento do estudo e instrumentos utilizados.</a:t>
-            </a:r>
-            <a:r>
-              <a:rPr baseline="30000"/>
-              <a:t>152</a:t>
-            </a:r>
-          </a:p>
-          <a:p>
-            <a:pPr lvl="0"/>
-            <a:r>
-              <a:rPr/>
-              <a:t>Checklists não são suficientes para garantir a qualidade técnica da pesquisa, mas podem contribuir para a revisão por pares.</a:t>
-            </a:r>
-            <a:r>
-              <a:rPr baseline="30000"/>
-              <a:t>152</a:t>
-            </a:r>
-          </a:p>
-          <a:p>
-            <a:pPr lvl="0" indent="0" marL="0">
-              <a:buNone/>
-            </a:pPr>
-          </a:p>
-          <a:p>
-            <a:pPr lvl="0" indent="0" marL="0">
-              <a:spcBef>
-                <a:spcPts val="3000"/>
-              </a:spcBef>
-              <a:buNone/>
-            </a:pPr>
-            <a:r>
-              <a:rPr b="1"/>
-              <a:t>Quais checklists estão disponíveis?</a:t>
-            </a:r>
-          </a:p>
-          <a:p>
-            <a:pPr lvl="0"/>
-            <a:r>
-              <a:rPr i="1"/>
-              <a:t>A CHecklist for statistical Assessment of Medical Papers (the CHAMP statement): explanation and elaboration</a:t>
-            </a:r>
-            <a:r>
-              <a:rPr/>
-              <a:t>.</a:t>
-            </a:r>
-            <a:r>
-              <a:rPr baseline="30000"/>
-              <a:t>153</a:t>
-            </a:r>
-          </a:p>
-          <a:p>
-            <a:pPr lvl="0"/>
-            <a:r>
-              <a:rPr i="1"/>
-              <a:t>Checklist for clinical applicability of subgroup analysis</a:t>
-            </a:r>
-            <a:r>
-              <a:rPr/>
-              <a:t>.</a:t>
-            </a:r>
-            <a:r>
-              <a:rPr baseline="30000"/>
-              <a:t>154</a:t>
-            </a:r>
-          </a:p>
-          <a:p>
-            <a:pPr lvl="0"/>
-            <a:r>
-              <a:rPr i="1"/>
-              <a:t>Evidence‐based statistical analysis and methods in biomedical research (SAMBR) checklists according to design features</a:t>
-            </a:r>
-            <a:r>
-              <a:rPr/>
-              <a:t>.</a:t>
-            </a:r>
-            <a:r>
-              <a:rPr baseline="30000"/>
-              <a:t>85</a:t>
+              <a:t>.[REF]</a:t>
             </a:r>
           </a:p>
           <a:p>
@@ -15806,7 +15427,7 @@
             </a:pPr>
             <a:r>
               <a:rPr/>
-              <a:t>Fluxogramas</a:t>
+              <a:t>Diretrizes</a:t>
             </a:r>
           </a:p>
         </p:txBody>
@@ -15845,38 +15466,138 @@
             </a:pPr>
             <a:r>
               <a:rPr b="1"/>
-              <a:t>O que são fluxogramas?</a:t>
+              <a:t>Quais diretrizes estão disponíveis?</a:t>
             </a:r>
           </a:p>
           <a:p>
             <a:pPr lvl="0"/>
             <a:r>
-              <a:rPr/>
-              <a:t>Fluxogramas são figuras que apresentam as etapas de um estudo.</a:t>
-            </a:r>
-          </a:p>
-          <a:p>
-            <a:pPr lvl="0" indent="0" marL="0">
-              <a:buNone/>
-            </a:pPr>
-          </a:p>
-          <a:p>
-            <a:pPr lvl="0" indent="0" marL="0">
-              <a:spcBef>
-                <a:spcPts val="3000"/>
-              </a:spcBef>
-              <a:buNone/>
-            </a:pPr>
-            <a:r>
-              <a:rPr b="1"/>
-              <a:t>Que fluxogramas podem ser incluídos?</a:t>
+              <a:rPr i="1"/>
+              <a:t>Review of guidance papers on regression modeling in statistical series of medical journals</a:t>
+            </a:r>
+            <a:r>
+              <a:rPr/>
+              <a:t>.</a:t>
+            </a:r>
+            <a:r>
+              <a:rPr baseline="30000"/>
+              <a:t>139</a:t>
             </a:r>
           </a:p>
           <a:p>
             <a:pPr lvl="0"/>
             <a:r>
-              <a:rPr/>
-              <a:t>Inclua fluxogramas com o delineamento aplicado no estudo.</a:t>
+              <a:rPr i="1"/>
+              <a:t>Principles and recommendations for incorporating estimands into clinical study protocol templates</a:t>
+            </a:r>
+            <a:r>
+              <a:rPr/>
+              <a:t>.</a:t>
+            </a:r>
+            <a:r>
+              <a:rPr baseline="30000"/>
+              <a:t>140</a:t>
+            </a:r>
+          </a:p>
+          <a:p>
+            <a:pPr lvl="0"/>
+            <a:r>
+              <a:rPr i="1"/>
+              <a:t>How to write statistical analysis section in medical research</a:t>
+            </a:r>
+            <a:r>
+              <a:rPr/>
+              <a:t>.</a:t>
+            </a:r>
+            <a:r>
+              <a:rPr baseline="30000"/>
+              <a:t>86</a:t>
+            </a:r>
+          </a:p>
+          <a:p>
+            <a:pPr lvl="0"/>
+            <a:r>
+              <a:rPr i="1"/>
+              <a:t>Recommendations for Statistical Reporting in Cardiovascular Medicine: A Special Report From the American Heart Association</a:t>
+            </a:r>
+            <a:r>
+              <a:rPr/>
+              <a:t>.</a:t>
+            </a:r>
+            <a:r>
+              <a:rPr baseline="30000"/>
+              <a:t>141</a:t>
+            </a:r>
+          </a:p>
+          <a:p>
+            <a:pPr lvl="0"/>
+            <a:r>
+              <a:rPr i="1"/>
+              <a:t>Framework for the treatment and reporting of missing data in observational studies: The Treatment And Reporting of Missing data in Observational Studies framework</a:t>
+            </a:r>
+            <a:r>
+              <a:rPr/>
+              <a:t>.</a:t>
+            </a:r>
+            <a:r>
+              <a:rPr baseline="30000"/>
+              <a:t>142</a:t>
+            </a:r>
+          </a:p>
+          <a:p>
+            <a:pPr lvl="0"/>
+            <a:r>
+              <a:rPr i="1"/>
+              <a:t>Guidelines for reporting of figures and tables for clinical research in urology</a:t>
+            </a:r>
+            <a:r>
+              <a:rPr/>
+              <a:t>.</a:t>
+            </a:r>
+            <a:r>
+              <a:rPr baseline="30000"/>
+              <a:t>143</a:t>
+            </a:r>
+          </a:p>
+          <a:p>
+            <a:pPr lvl="0"/>
+            <a:r>
+              <a:rPr i="1"/>
+              <a:t>Who is in this study, anyway? Guidelines for a useful Table 1</a:t>
+            </a:r>
+            <a:r>
+              <a:rPr/>
+              <a:t>.</a:t>
+            </a:r>
+            <a:r>
+              <a:rPr baseline="30000"/>
+              <a:t>100</a:t>
+            </a:r>
+          </a:p>
+          <a:p>
+            <a:pPr lvl="0"/>
+            <a:r>
+              <a:rPr i="1"/>
+              <a:t>Guidelines for Reporting of Statistics for Clinical Research in Urology</a:t>
+            </a:r>
+            <a:r>
+              <a:rPr/>
+              <a:t>.</a:t>
+            </a:r>
+            <a:r>
+              <a:rPr baseline="30000"/>
+              <a:t>144</a:t>
+            </a:r>
+          </a:p>
+          <a:p>
+            <a:pPr lvl="0"/>
+            <a:r>
+              <a:rPr i="1"/>
+              <a:t>Reveal, Don’t Conceal: Transforming Data Visualization to Improve Transparency</a:t>
+            </a:r>
+            <a:r>
+              <a:rPr/>
+              <a:t>.</a:t>
             </a:r>
             <a:r>
               <a:rPr baseline="30000"/>
@@ -15886,48 +15607,91 @@
           <a:p>
             <a:pPr lvl="0"/>
             <a:r>
-              <a:rPr/>
-              <a:t>A </a:t>
-            </a:r>
-            <a:r>
-              <a:rPr>
-                <a:hlinkClick r:id="rId2"/>
-              </a:rPr>
-              <a:t>EQUATOR Network</a:t>
-            </a:r>
-            <a:r>
-              <a:rPr/>
-              <a:t> disponibiliza modelos de fluxogramas para os mais diversos delineamentos de estudo.</a:t>
+              <a:rPr i="1"/>
+              <a:t>Guidelines for the Content of Statistical Analysis Plans in Clinical Trials</a:t>
+            </a:r>
+            <a:r>
+              <a:rPr/>
+              <a:t>.</a:t>
             </a:r>
             <a:r>
               <a:rPr baseline="30000"/>
-              <a:t>155</a:t>
-            </a:r>
-          </a:p>
-          <a:p>
-            <a:pPr lvl="0" indent="0" marL="0">
-              <a:buNone/>
-            </a:pPr>
-          </a:p>
-          <a:p>
-            <a:pPr lvl="0" indent="0" marL="0">
-              <a:buNone/>
-            </a:pPr>
-            <a:r>
-              <a:rPr/>
-              <a:t>O pacote </a:t>
-            </a:r>
+              <a:t>145</a:t>
+            </a:r>
+          </a:p>
+          <a:p>
+            <a:pPr lvl="0"/>
             <a:r>
               <a:rPr i="1"/>
-              <a:t>PRISMA2020</a:t>
+              <a:t>Basic statistical reporting for articles published in Biomedical Journals: The ‘’Statistical Analyses and Methods in the Published Literature’’ or the SAMPL Guidelines</a:t>
+            </a:r>
+            <a:r>
+              <a:rPr/>
+              <a:t>.</a:t>
             </a:r>
             <a:r>
               <a:rPr baseline="30000"/>
-              <a:t>156,157</a:t>
-            </a:r>
-            <a:r>
-              <a:rPr/>
-              <a:t> fornece funções para elaboração do fluxograma de revisões sistemáticas no formato padrão </a:t>
+              <a:t>146</a:t>
+            </a:r>
+          </a:p>
+          <a:p>
+            <a:pPr lvl="0"/>
+            <a:r>
+              <a:rPr i="1"/>
+              <a:t>Beyond Bar and Line Graphs: Time for a New Data Presentation Paradigm</a:t>
+            </a:r>
+            <a:r>
+              <a:rPr/>
+              <a:t>.</a:t>
+            </a:r>
+            <a:r>
+              <a:rPr baseline="30000"/>
+              <a:t>147</a:t>
+            </a:r>
+          </a:p>
+          <a:p>
+            <a:pPr lvl="0"/>
+            <a:r>
+              <a:rPr i="1"/>
+              <a:t>STRengthening analytical thinking for observational studies: the STRATOS initiative</a:t>
+            </a:r>
+            <a:r>
+              <a:rPr/>
+              <a:t>.</a:t>
+            </a:r>
+            <a:r>
+              <a:rPr baseline="30000"/>
+              <a:t>148</a:t>
+            </a:r>
+          </a:p>
+          <a:p>
+            <a:pPr lvl="0"/>
+            <a:r>
+              <a:rPr i="1"/>
+              <a:t>Research methods and reporting</a:t>
+            </a:r>
+            <a:r>
+              <a:rPr/>
+              <a:t>.</a:t>
+            </a:r>
+            <a:r>
+              <a:rPr baseline="30000"/>
+              <a:t>149</a:t>
+            </a:r>
+          </a:p>
+          <a:p>
+            <a:pPr lvl="0"/>
+            <a:r>
+              <a:rPr i="1"/>
+              <a:t>How to ensure your paper is rejected by the statistical reviewer</a:t>
+            </a:r>
+            <a:r>
+              <a:rPr/>
+              <a:t>.</a:t>
+            </a:r>
+            <a:r>
+              <a:rPr baseline="30000"/>
+              <a:t>150</a:t>
             </a:r>
           </a:p>
           <a:p>
@@ -15964,7 +15728,7 @@
           <p:cNvPr id="2" name="Title 1">
             <a:extLst>
               <a:ext uri="{FF2B5EF4-FFF2-40B4-BE49-F238E27FC236}">
-                <a16:creationId xmlns:a16="http://schemas.microsoft.com/office/drawing/2014/main" id="{28A92D45-5BAF-634B-BB37-8481089F9E28}"/>
+                <a16:creationId xmlns:a16="http://schemas.microsoft.com/office/drawing/2014/main" id="{0277F749-6ED4-3E49-963A-830033252F78}"/>
               </a:ext>
             </a:extLst>
           </p:cNvPr>
@@ -15977,8 +15741,8 @@
         </p:nvSpPr>
         <p:spPr>
           <a:xfrm>
-            <a:off x="831850" y="1709738"/>
-            <a:ext cx="10515600" cy="2852737"/>
+            <a:off x="0" y="17256"/>
+            <a:ext cx="10515600" cy="663782"/>
           </a:xfrm>
         </p:spPr>
         <p:txBody>
@@ -15989,9 +15753,172 @@
               <a:buNone/>
             </a:pPr>
             <a:r>
+              <a:rPr/>
+              <a:t>Checklists</a:t>
+            </a:r>
+          </a:p>
+        </p:txBody>
+      </p:sp>
+      <p:sp>
+        <p:nvSpPr>
+          <p:cNvPr id="3" name="Content Placeholder 2">
+            <a:extLst>
+              <a:ext uri="{FF2B5EF4-FFF2-40B4-BE49-F238E27FC236}">
+                <a16:creationId xmlns:a16="http://schemas.microsoft.com/office/drawing/2014/main" id="{1574FA24-F1CC-B240-AAF9-A2DF684B1C54}"/>
+              </a:ext>
+            </a:extLst>
+          </p:cNvPr>
+          <p:cNvSpPr>
+            <a:spLocks noGrp="1"/>
+          </p:cNvSpPr>
+          <p:nvPr>
+            <p:ph idx="1"/>
+          </p:nvPr>
+        </p:nvSpPr>
+        <p:spPr/>
+        <p:txBody>
+          <a:bodyPr/>
+          <a:lstStyle/>
+          <a:p>
+            <a:pPr lvl="0" indent="0" marL="0">
+              <a:buNone/>
+            </a:pPr>
+          </a:p>
+          <a:p>
+            <a:pPr lvl="0" indent="0" marL="0">
+              <a:spcBef>
+                <a:spcPts val="3000"/>
+              </a:spcBef>
+              <a:buNone/>
+            </a:pPr>
+            <a:r>
               <a:rPr b="1"/>
-              <a:t>Fontes externas</a:t>
-            </a:r>
+              <a:t>O que são checklists?</a:t>
+            </a:r>
+          </a:p>
+          <a:p>
+            <a:pPr lvl="0"/>
+            <a:r>
+              <a:rPr/>
+              <a:t>Checklists são listas que podem ser utilizadas por autores, revisores ou editores, durante as fases de planejamento ou apresentação, para redação ou revisão de textos que relatam análises estatísticas.</a:t>
+            </a:r>
+          </a:p>
+          <a:p>
+            <a:pPr lvl="0" indent="0" marL="0">
+              <a:buNone/>
+            </a:pPr>
+          </a:p>
+          <a:p>
+            <a:pPr lvl="0" indent="0" marL="0">
+              <a:spcBef>
+                <a:spcPts val="3000"/>
+              </a:spcBef>
+              <a:buNone/>
+            </a:pPr>
+            <a:r>
+              <a:rPr b="1"/>
+              <a:t>Por que usar checklists?</a:t>
+            </a:r>
+          </a:p>
+          <a:p>
+            <a:pPr lvl="0"/>
+            <a:r>
+              <a:rPr/>
+              <a:t>Checklists têm sido recomendados para melhorar o relato das análises realizadas, aumentar a transparência do estudo e reprodutibilidade dos achados.</a:t>
+            </a:r>
+            <a:r>
+              <a:rPr baseline="30000"/>
+              <a:t>151</a:t>
+            </a:r>
+          </a:p>
+          <a:p>
+            <a:pPr lvl="0"/>
+            <a:r>
+              <a:rPr/>
+              <a:t>Trabalhos acadêmicos que relatam análises de dados devem ser passar por revisão por pares que inclua apreciação da análise estatística, e sua adequação ao delineamento do estudo e instrumentos utilizados.</a:t>
+            </a:r>
+            <a:r>
+              <a:rPr baseline="30000"/>
+              <a:t>152</a:t>
+            </a:r>
+          </a:p>
+          <a:p>
+            <a:pPr lvl="0"/>
+            <a:r>
+              <a:rPr/>
+              <a:t>Checklists não são suficientes para garantir a qualidade técnica da pesquisa, mas podem contribuir para a revisão por pares.</a:t>
+            </a:r>
+            <a:r>
+              <a:rPr baseline="30000"/>
+              <a:t>152</a:t>
+            </a:r>
+          </a:p>
+          <a:p>
+            <a:pPr lvl="0" indent="0" marL="0">
+              <a:buNone/>
+            </a:pPr>
+          </a:p>
+          <a:p>
+            <a:pPr lvl="0" indent="0" marL="0">
+              <a:spcBef>
+                <a:spcPts val="3000"/>
+              </a:spcBef>
+              <a:buNone/>
+            </a:pPr>
+            <a:r>
+              <a:rPr b="1"/>
+              <a:t>Quais checklists estão disponíveis?</a:t>
+            </a:r>
+          </a:p>
+          <a:p>
+            <a:pPr lvl="0"/>
+            <a:r>
+              <a:rPr i="1"/>
+              <a:t>A CHecklist for statistical Assessment of Medical Papers (the CHAMP statement): explanation and elaboration</a:t>
+            </a:r>
+            <a:r>
+              <a:rPr/>
+              <a:t>.</a:t>
+            </a:r>
+            <a:r>
+              <a:rPr baseline="30000"/>
+              <a:t>153</a:t>
+            </a:r>
+          </a:p>
+          <a:p>
+            <a:pPr lvl="0"/>
+            <a:r>
+              <a:rPr i="1"/>
+              <a:t>Checklist for clinical applicability of subgroup analysis</a:t>
+            </a:r>
+            <a:r>
+              <a:rPr/>
+              <a:t>.</a:t>
+            </a:r>
+            <a:r>
+              <a:rPr baseline="30000"/>
+              <a:t>154</a:t>
+            </a:r>
+          </a:p>
+          <a:p>
+            <a:pPr lvl="0"/>
+            <a:r>
+              <a:rPr i="1"/>
+              <a:t>Evidence‐based statistical analysis and methods in biomedical research (SAMBR) checklists according to design features</a:t>
+            </a:r>
+            <a:r>
+              <a:rPr/>
+              <a:t>.</a:t>
+            </a:r>
+            <a:r>
+              <a:rPr baseline="30000"/>
+              <a:t>85</a:t>
+            </a:r>
+          </a:p>
+          <a:p>
+            <a:pPr lvl="0" indent="0" marL="0">
+              <a:buNone/>
+            </a:pPr>
           </a:p>
         </p:txBody>
       </p:sp>
@@ -16048,7 +15975,7 @@
             </a:pPr>
             <a:r>
               <a:rPr/>
-              <a:t>RSS</a:t>
+              <a:t>Fluxogramas</a:t>
             </a:r>
           </a:p>
         </p:txBody>
@@ -16074,12 +16001,102 @@
           <a:bodyPr/>
           <a:lstStyle/>
           <a:p>
+            <a:pPr lvl="0" indent="0" marL="0">
+              <a:buNone/>
+            </a:pPr>
+          </a:p>
+          <a:p>
+            <a:pPr lvl="0" indent="0" marL="0">
+              <a:spcBef>
+                <a:spcPts val="3000"/>
+              </a:spcBef>
+              <a:buNone/>
+            </a:pPr>
+            <a:r>
+              <a:rPr b="1"/>
+              <a:t>O que são fluxogramas?</a:t>
+            </a:r>
+          </a:p>
+          <a:p>
             <a:pPr lvl="0"/>
             <a:r>
-              <a:rPr i="1">
+              <a:rPr/>
+              <a:t>Fluxogramas são figuras que apresentam as etapas de um estudo.</a:t>
+            </a:r>
+          </a:p>
+          <a:p>
+            <a:pPr lvl="0" indent="0" marL="0">
+              <a:buNone/>
+            </a:pPr>
+          </a:p>
+          <a:p>
+            <a:pPr lvl="0" indent="0" marL="0">
+              <a:spcBef>
+                <a:spcPts val="3000"/>
+              </a:spcBef>
+              <a:buNone/>
+            </a:pPr>
+            <a:r>
+              <a:rPr b="1"/>
+              <a:t>Que fluxogramas podem ser incluídos?</a:t>
+            </a:r>
+          </a:p>
+          <a:p>
+            <a:pPr lvl="0"/>
+            <a:r>
+              <a:rPr/>
+              <a:t>Inclua fluxogramas com o delineamento aplicado no estudo.</a:t>
+            </a:r>
+            <a:r>
+              <a:rPr baseline="30000"/>
+              <a:t>110</a:t>
+            </a:r>
+          </a:p>
+          <a:p>
+            <a:pPr lvl="0"/>
+            <a:r>
+              <a:rPr/>
+              <a:t>A </a:t>
+            </a:r>
+            <a:r>
+              <a:rPr>
                 <a:hlinkClick r:id="rId2"/>
               </a:rPr>
-              <a:t>Best Practices for Data Visualisation - Royal Statistical Society</a:t>
+              <a:t>EQUATOR Network</a:t>
+            </a:r>
+            <a:r>
+              <a:rPr/>
+              <a:t> disponibiliza modelos de fluxogramas para os mais diversos delineamentos de estudo.</a:t>
+            </a:r>
+            <a:r>
+              <a:rPr baseline="30000"/>
+              <a:t>155</a:t>
+            </a:r>
+          </a:p>
+          <a:p>
+            <a:pPr lvl="0" indent="0" marL="0">
+              <a:buNone/>
+            </a:pPr>
+          </a:p>
+          <a:p>
+            <a:pPr lvl="0" indent="0" marL="0">
+              <a:buNone/>
+            </a:pPr>
+            <a:r>
+              <a:rPr/>
+              <a:t>O pacote </a:t>
+            </a:r>
+            <a:r>
+              <a:rPr i="1"/>
+              <a:t>PRISMA2020</a:t>
+            </a:r>
+            <a:r>
+              <a:rPr baseline="30000"/>
+              <a:t>156,157</a:t>
+            </a:r>
+            <a:r>
+              <a:rPr/>
+              <a:t> fornece funções para elaboração do fluxograma de revisões sistemáticas no formato padrão </a:t>
             </a:r>
           </a:p>
           <a:p>
@@ -16116,7 +16133,7 @@
           <p:cNvPr id="2" name="Title 1">
             <a:extLst>
               <a:ext uri="{FF2B5EF4-FFF2-40B4-BE49-F238E27FC236}">
-                <a16:creationId xmlns:a16="http://schemas.microsoft.com/office/drawing/2014/main" id="{0277F749-6ED4-3E49-963A-830033252F78}"/>
+                <a16:creationId xmlns:a16="http://schemas.microsoft.com/office/drawing/2014/main" id="{28A92D45-5BAF-634B-BB37-8481089F9E28}"/>
               </a:ext>
             </a:extLst>
           </p:cNvPr>
@@ -16129,8 +16146,8 @@
         </p:nvSpPr>
         <p:spPr>
           <a:xfrm>
-            <a:off x="0" y="17256"/>
-            <a:ext cx="10515600" cy="663782"/>
+            <a:off x="831850" y="1709738"/>
+            <a:ext cx="10515600" cy="2852737"/>
           </a:xfrm>
         </p:spPr>
         <p:txBody>
@@ -16141,81 +16158,9 @@
               <a:buNone/>
             </a:pPr>
             <a:r>
-              <a:rPr/>
-              <a:t>BMJ</a:t>
-            </a:r>
-          </a:p>
-        </p:txBody>
-      </p:sp>
-      <p:sp>
-        <p:nvSpPr>
-          <p:cNvPr id="3" name="Content Placeholder 2">
-            <a:extLst>
-              <a:ext uri="{FF2B5EF4-FFF2-40B4-BE49-F238E27FC236}">
-                <a16:creationId xmlns:a16="http://schemas.microsoft.com/office/drawing/2014/main" id="{1574FA24-F1CC-B240-AAF9-A2DF684B1C54}"/>
-              </a:ext>
-            </a:extLst>
-          </p:cNvPr>
-          <p:cNvSpPr>
-            <a:spLocks noGrp="1"/>
-          </p:cNvSpPr>
-          <p:nvPr>
-            <p:ph idx="1"/>
-          </p:nvPr>
-        </p:nvSpPr>
-        <p:spPr/>
-        <p:txBody>
-          <a:bodyPr/>
-          <a:lstStyle/>
-          <a:p>
-            <a:pPr lvl="0"/>
-            <a:r>
-              <a:rPr i="1">
-                <a:hlinkClick r:id="rId2"/>
-              </a:rPr>
-              <a:t>Statistics - Latest from The BMJ</a:t>
-            </a:r>
-          </a:p>
-          <a:p>
-            <a:pPr lvl="0"/>
-            <a:r>
-              <a:rPr i="1">
-                <a:hlinkClick r:id="rId3"/>
-              </a:rPr>
-              <a:t>Statistics notes - Latest from The BMJ</a:t>
-            </a:r>
-          </a:p>
-          <a:p>
-            <a:pPr lvl="0"/>
-            <a:r>
-              <a:rPr i="1">
-                <a:hlinkClick r:id="rId4"/>
-              </a:rPr>
-              <a:t>Statistics and research methods - Latest from The BMJ</a:t>
-            </a:r>
-          </a:p>
-          <a:p>
-            <a:pPr lvl="0"/>
-            <a:r>
-              <a:rPr i="1">
-                <a:hlinkClick r:id="rId5"/>
-              </a:rPr>
-              <a:t>Statistics at Square One</a:t>
-            </a:r>
-          </a:p>
-          <a:p>
-            <a:pPr lvl="0"/>
-            <a:r>
-              <a:rPr i="1">
-                <a:hlinkClick r:id="rId6"/>
-              </a:rPr>
-              <a:t>Research methods &amp; reporting</a:t>
-            </a:r>
-          </a:p>
-          <a:p>
-            <a:pPr lvl="0" indent="0" marL="0">
-              <a:buNone/>
-            </a:pPr>
+              <a:rPr b="1"/>
+              <a:t>Fontes externas</a:t>
+            </a:r>
           </a:p>
         </p:txBody>
       </p:sp>
@@ -16272,7 +16217,7 @@
             </a:pPr>
             <a:r>
               <a:rPr/>
-              <a:t>JAMA</a:t>
+              <a:t>RSS</a:t>
             </a:r>
           </a:p>
         </p:txBody>
@@ -16303,7 +16248,7 @@
               <a:rPr i="1">
                 <a:hlinkClick r:id="rId2"/>
               </a:rPr>
-              <a:t>JAMA Guide to Statistics and Methods - JAMA</a:t>
+              <a:t>Best Practices for Data Visualisation - Royal Statistical Society</a:t>
             </a:r>
           </a:p>
           <a:p>
@@ -16424,7 +16369,7 @@
             </a:pPr>
             <a:r>
               <a:rPr/>
-              <a:t>AHA/ASA</a:t>
+              <a:t>BMJ</a:t>
             </a:r>
           </a:p>
         </p:txBody>
@@ -16455,7 +16400,7 @@
               <a:rPr i="1">
                 <a:hlinkClick r:id="rId2"/>
               </a:rPr>
-              <a:t>Statistical Reporting Recommendations - AHA/ASA journals</a:t>
+              <a:t>Statistics - Latest from The BMJ</a:t>
             </a:r>
           </a:p>
           <a:p>
@@ -16464,7 +16409,34 @@
               <a:rPr i="1">
                 <a:hlinkClick r:id="rId3"/>
               </a:rPr>
-              <a:t>Statistical Inference in the 21st Century: A World Beyond p &lt; 0.05 - The American Statistical Association</a:t>
+              <a:t>Statistics notes - Latest from The BMJ</a:t>
+            </a:r>
+          </a:p>
+          <a:p>
+            <a:pPr lvl="0"/>
+            <a:r>
+              <a:rPr i="1">
+                <a:hlinkClick r:id="rId4"/>
+              </a:rPr>
+              <a:t>Statistics and research methods - Latest from The BMJ</a:t>
+            </a:r>
+          </a:p>
+          <a:p>
+            <a:pPr lvl="0"/>
+            <a:r>
+              <a:rPr i="1">
+                <a:hlinkClick r:id="rId5"/>
+              </a:rPr>
+              <a:t>Statistics at Square One</a:t>
+            </a:r>
+          </a:p>
+          <a:p>
+            <a:pPr lvl="0"/>
+            <a:r>
+              <a:rPr i="1">
+                <a:hlinkClick r:id="rId6"/>
+              </a:rPr>
+              <a:t>Research methods &amp; reporting</a:t>
             </a:r>
           </a:p>
           <a:p>
@@ -16527,7 +16499,7 @@
             </a:pPr>
             <a:r>
               <a:rPr/>
-              <a:t>NPG</a:t>
+              <a:t>JAMA</a:t>
             </a:r>
           </a:p>
         </p:txBody>
@@ -16558,7 +16530,7 @@
               <a:rPr i="1">
                 <a:hlinkClick r:id="rId2"/>
               </a:rPr>
-              <a:t>Statistics for Biologists - Nature Publising Group</a:t>
+              <a:t>JAMA Guide to Statistics and Methods - JAMA</a:t>
             </a:r>
           </a:p>
           <a:p>
@@ -16621,7 +16593,7 @@
             </a:pPr>
             <a:r>
               <a:rPr/>
-              <a:t>Wiley</a:t>
+              <a:t>AHA/ASA</a:t>
             </a:r>
           </a:p>
         </p:txBody>
@@ -16652,7 +16624,16 @@
               <a:rPr i="1">
                 <a:hlinkClick r:id="rId2"/>
               </a:rPr>
-              <a:t>Tutorials in Biostatistics Papers - Wiley Online Library</a:t>
+              <a:t>Statistical Reporting Recommendations - AHA/ASA journals</a:t>
+            </a:r>
+          </a:p>
+          <a:p>
+            <a:pPr lvl="0"/>
+            <a:r>
+              <a:rPr i="1">
+                <a:hlinkClick r:id="rId3"/>
+              </a:rPr>
+              <a:t>Statistical Inference in the 21st Century: A World Beyond p &lt; 0.05 - The American Statistical Association</a:t>
             </a:r>
           </a:p>
           <a:p>
@@ -16715,7 +16696,7 @@
             </a:pPr>
             <a:r>
               <a:rPr/>
-              <a:t>APE</a:t>
+              <a:t>NPG</a:t>
             </a:r>
           </a:p>
         </p:txBody>
@@ -16746,34 +16727,7 @@
               <a:rPr i="1">
                 <a:hlinkClick r:id="rId2"/>
               </a:rPr>
-              <a:t>Statistics</a:t>
-            </a:r>
-          </a:p>
-          <a:p>
-            <a:pPr lvl="0"/>
-            <a:r>
-              <a:rPr i="1">
-                <a:hlinkClick r:id="rId3"/>
-              </a:rPr>
-              <a:t>Exploration in Statistics</a:t>
-            </a:r>
-          </a:p>
-          <a:p>
-            <a:pPr lvl="0"/>
-            <a:r>
-              <a:rPr i="1">
-                <a:hlinkClick r:id="rId4"/>
-              </a:rPr>
-              <a:t>General Statistics</a:t>
-            </a:r>
-          </a:p>
-          <a:p>
-            <a:pPr lvl="0"/>
-            <a:r>
-              <a:rPr i="1">
-                <a:hlinkClick r:id="rId5"/>
-              </a:rPr>
-              <a:t>Reporting Statistics</a:t>
+              <a:t>Statistics for Biologists - Nature Publising Group</a:t>
             </a:r>
           </a:p>
           <a:p>
@@ -16789,6 +16743,221 @@
 </file>
 
 <file path=ppt/slides/slide124.xml><?xml version="1.0" encoding="utf-8"?>
+<p:sld xmlns:a="http://schemas.openxmlformats.org/drawingml/2006/main" xmlns:r="http://schemas.openxmlformats.org/officeDocument/2006/relationships" xmlns:p="http://schemas.openxmlformats.org/presentationml/2006/main">
+  <p:cSld>
+    <p:spTree>
+      <p:nvGrpSpPr>
+        <p:cNvPr id="1" name=""/>
+        <p:cNvGrpSpPr/>
+        <p:nvPr/>
+      </p:nvGrpSpPr>
+      <p:grpSpPr>
+        <a:xfrm>
+          <a:off x="0" y="0"/>
+          <a:ext cx="0" cy="0"/>
+          <a:chOff x="0" y="0"/>
+          <a:chExt cx="0" cy="0"/>
+        </a:xfrm>
+      </p:grpSpPr>
+      <p:sp>
+        <p:nvSpPr>
+          <p:cNvPr id="2" name="Title 1">
+            <a:extLst>
+              <a:ext uri="{FF2B5EF4-FFF2-40B4-BE49-F238E27FC236}">
+                <a16:creationId xmlns:a16="http://schemas.microsoft.com/office/drawing/2014/main" id="{0277F749-6ED4-3E49-963A-830033252F78}"/>
+              </a:ext>
+            </a:extLst>
+          </p:cNvPr>
+          <p:cNvSpPr>
+            <a:spLocks noGrp="1"/>
+          </p:cNvSpPr>
+          <p:nvPr>
+            <p:ph type="title"/>
+          </p:nvPr>
+        </p:nvSpPr>
+        <p:spPr>
+          <a:xfrm>
+            <a:off x="0" y="17256"/>
+            <a:ext cx="10515600" cy="663782"/>
+          </a:xfrm>
+        </p:spPr>
+        <p:txBody>
+          <a:bodyPr/>
+          <a:lstStyle/>
+          <a:p>
+            <a:pPr lvl="0" indent="0" marL="0">
+              <a:buNone/>
+            </a:pPr>
+            <a:r>
+              <a:rPr/>
+              <a:t>Wiley</a:t>
+            </a:r>
+          </a:p>
+        </p:txBody>
+      </p:sp>
+      <p:sp>
+        <p:nvSpPr>
+          <p:cNvPr id="3" name="Content Placeholder 2">
+            <a:extLst>
+              <a:ext uri="{FF2B5EF4-FFF2-40B4-BE49-F238E27FC236}">
+                <a16:creationId xmlns:a16="http://schemas.microsoft.com/office/drawing/2014/main" id="{1574FA24-F1CC-B240-AAF9-A2DF684B1C54}"/>
+              </a:ext>
+            </a:extLst>
+          </p:cNvPr>
+          <p:cNvSpPr>
+            <a:spLocks noGrp="1"/>
+          </p:cNvSpPr>
+          <p:nvPr>
+            <p:ph idx="1"/>
+          </p:nvPr>
+        </p:nvSpPr>
+        <p:spPr/>
+        <p:txBody>
+          <a:bodyPr/>
+          <a:lstStyle/>
+          <a:p>
+            <a:pPr lvl="0"/>
+            <a:r>
+              <a:rPr i="1">
+                <a:hlinkClick r:id="rId2"/>
+              </a:rPr>
+              <a:t>Tutorials in Biostatistics Papers - Wiley Online Library</a:t>
+            </a:r>
+          </a:p>
+          <a:p>
+            <a:pPr lvl="0" indent="0" marL="0">
+              <a:buNone/>
+            </a:pPr>
+          </a:p>
+        </p:txBody>
+      </p:sp>
+    </p:spTree>
+  </p:cSld>
+</p:sld>
+</file>
+
+<file path=ppt/slides/slide125.xml><?xml version="1.0" encoding="utf-8"?>
+<p:sld xmlns:a="http://schemas.openxmlformats.org/drawingml/2006/main" xmlns:r="http://schemas.openxmlformats.org/officeDocument/2006/relationships" xmlns:p="http://schemas.openxmlformats.org/presentationml/2006/main">
+  <p:cSld>
+    <p:spTree>
+      <p:nvGrpSpPr>
+        <p:cNvPr id="1" name=""/>
+        <p:cNvGrpSpPr/>
+        <p:nvPr/>
+      </p:nvGrpSpPr>
+      <p:grpSpPr>
+        <a:xfrm>
+          <a:off x="0" y="0"/>
+          <a:ext cx="0" cy="0"/>
+          <a:chOff x="0" y="0"/>
+          <a:chExt cx="0" cy="0"/>
+        </a:xfrm>
+      </p:grpSpPr>
+      <p:sp>
+        <p:nvSpPr>
+          <p:cNvPr id="2" name="Title 1">
+            <a:extLst>
+              <a:ext uri="{FF2B5EF4-FFF2-40B4-BE49-F238E27FC236}">
+                <a16:creationId xmlns:a16="http://schemas.microsoft.com/office/drawing/2014/main" id="{0277F749-6ED4-3E49-963A-830033252F78}"/>
+              </a:ext>
+            </a:extLst>
+          </p:cNvPr>
+          <p:cNvSpPr>
+            <a:spLocks noGrp="1"/>
+          </p:cNvSpPr>
+          <p:nvPr>
+            <p:ph type="title"/>
+          </p:nvPr>
+        </p:nvSpPr>
+        <p:spPr>
+          <a:xfrm>
+            <a:off x="0" y="17256"/>
+            <a:ext cx="10515600" cy="663782"/>
+          </a:xfrm>
+        </p:spPr>
+        <p:txBody>
+          <a:bodyPr/>
+          <a:lstStyle/>
+          <a:p>
+            <a:pPr lvl="0" indent="0" marL="0">
+              <a:buNone/>
+            </a:pPr>
+            <a:r>
+              <a:rPr/>
+              <a:t>APE</a:t>
+            </a:r>
+          </a:p>
+        </p:txBody>
+      </p:sp>
+      <p:sp>
+        <p:nvSpPr>
+          <p:cNvPr id="3" name="Content Placeholder 2">
+            <a:extLst>
+              <a:ext uri="{FF2B5EF4-FFF2-40B4-BE49-F238E27FC236}">
+                <a16:creationId xmlns:a16="http://schemas.microsoft.com/office/drawing/2014/main" id="{1574FA24-F1CC-B240-AAF9-A2DF684B1C54}"/>
+              </a:ext>
+            </a:extLst>
+          </p:cNvPr>
+          <p:cNvSpPr>
+            <a:spLocks noGrp="1"/>
+          </p:cNvSpPr>
+          <p:nvPr>
+            <p:ph idx="1"/>
+          </p:nvPr>
+        </p:nvSpPr>
+        <p:spPr/>
+        <p:txBody>
+          <a:bodyPr/>
+          <a:lstStyle/>
+          <a:p>
+            <a:pPr lvl="0"/>
+            <a:r>
+              <a:rPr i="1">
+                <a:hlinkClick r:id="rId2"/>
+              </a:rPr>
+              <a:t>Statistics</a:t>
+            </a:r>
+          </a:p>
+          <a:p>
+            <a:pPr lvl="0"/>
+            <a:r>
+              <a:rPr i="1">
+                <a:hlinkClick r:id="rId3"/>
+              </a:rPr>
+              <a:t>Exploration in Statistics</a:t>
+            </a:r>
+          </a:p>
+          <a:p>
+            <a:pPr lvl="0"/>
+            <a:r>
+              <a:rPr i="1">
+                <a:hlinkClick r:id="rId4"/>
+              </a:rPr>
+              <a:t>General Statistics</a:t>
+            </a:r>
+          </a:p>
+          <a:p>
+            <a:pPr lvl="0"/>
+            <a:r>
+              <a:rPr i="1">
+                <a:hlinkClick r:id="rId5"/>
+              </a:rPr>
+              <a:t>Reporting Statistics</a:t>
+            </a:r>
+          </a:p>
+          <a:p>
+            <a:pPr lvl="0" indent="0" marL="0">
+              <a:buNone/>
+            </a:pPr>
+          </a:p>
+        </p:txBody>
+      </p:sp>
+    </p:spTree>
+  </p:cSld>
+</p:sld>
+</file>
+
+<file path=ppt/slides/slide126.xml><?xml version="1.0" encoding="utf-8"?>
 <p:sld xmlns:a="http://schemas.openxmlformats.org/drawingml/2006/main" xmlns:r="http://schemas.openxmlformats.org/officeDocument/2006/relationships" xmlns:p="http://schemas.openxmlformats.org/presentationml/2006/main">
   <p:cSld>
     <p:spTree>
@@ -16846,7 +17015,7 @@
 </p:sld>
 </file>
 
-<file path=ppt/slides/slide125.xml><?xml version="1.0" encoding="utf-8"?>
+<file path=ppt/slides/slide127.xml><?xml version="1.0" encoding="utf-8"?>
 <p:sld xmlns:a="http://schemas.openxmlformats.org/drawingml/2006/main" xmlns:r="http://schemas.openxmlformats.org/officeDocument/2006/relationships" xmlns:p="http://schemas.openxmlformats.org/presentationml/2006/main">
   <p:cSld>
     <p:spTree>
@@ -23741,7 +23910,7 @@
             </a:pPr>
             <a:r>
               <a:rPr/>
-              <a:t>Distribuições</a:t>
+              <a:t>Distribuições de probabilidade</a:t>
             </a:r>
           </a:p>
         </p:txBody>
@@ -23780,7 +23949,7 @@
             </a:pPr>
             <a:r>
               <a:rPr b="1"/>
-              <a:t>O que são distribuições?</a:t>
+              <a:t>O que são distribuições de probabilidade?</a:t>
             </a:r>
           </a:p>
           <a:p>
@@ -25158,114 +25327,86 @@
             </a:pPr>
             <a:r>
               <a:rPr/>
-              <a:t>Probabilidade</a:t>
+              <a:t>Espaços amostrais e eventos</a:t>
             </a:r>
           </a:p>
         </p:txBody>
       </p:sp>
-      <mc:AlternateContent xmlns:mc="http://schemas.openxmlformats.org/markup-compatibility/2006">
-        <mc:Choice xmlns:a14="http://schemas.microsoft.com/office/drawing/2010/main" Requires="a14">
-          <p:sp>
-            <p:nvSpPr>
-              <p:cNvPr id="3" name="Content Placeholder 2">
-                <a:extLst>
-                  <a:ext uri="{FF2B5EF4-FFF2-40B4-BE49-F238E27FC236}">
-                    <a16:creationId xmlns:a16="http://schemas.microsoft.com/office/drawing/2014/main" id="{1574FA24-F1CC-B240-AAF9-A2DF684B1C54}"/>
-                  </a:ext>
-                </a:extLst>
-              </p:cNvPr>
-              <p:cNvSpPr>
-                <a:spLocks noGrp="1"/>
-              </p:cNvSpPr>
-              <p:nvPr>
-                <p:ph idx="1"/>
-              </p:nvPr>
-            </p:nvSpPr>
-            <p:spPr/>
-            <p:txBody>
-              <a:bodyPr/>
-              <a:lstStyle/>
-              <a:p>
-                <a:pPr lvl="0" indent="0" marL="0">
-                  <a:buNone/>
-                </a:pPr>
-              </a:p>
-              <a:p>
-                <a:pPr lvl="0" indent="0" marL="0">
-                  <a:spcBef>
-                    <a:spcPts val="3000"/>
-                  </a:spcBef>
-                  <a:buNone/>
-                </a:pPr>
-                <a:r>
-                  <a:rPr b="1"/>
-                  <a:t>O que é probabilidade?</a:t>
-                </a:r>
-              </a:p>
-              <a:p>
-                <a:pPr lvl="0"/>
-                <a:r>
-                  <a:rPr/>
-                  <a:t>Probabilidade pode ser definida como a possibilidade de que um evento ocorrerá.</a:t>
-                </a:r>
-                <a:r>
-                  <a:rPr baseline="30000"/>
-                  <a:t>18</a:t>
-                </a:r>
-              </a:p>
-              <a:p>
-                <a:pPr lvl="0"/>
-                <a:r>
-                  <a:rPr/>
-                  <a:t>Probabilidade (</a:t>
-                </a:r>
-                <a14:m>
-                  <m:oMath xmlns:m="http://schemas.openxmlformats.org/officeDocument/2006/math">
-                    <m:r>
-                      <m:t>p</m:t>
-                    </m:r>
-                  </m:oMath>
-                </a14:m>
-                <a:r>
-                  <a:rPr/>
-                  <a:t>) é quantificada no intervalo de 0 a 1, de modo que </a:t>
-                </a:r>
-                <a14:m>
-                  <m:oMath xmlns:m="http://schemas.openxmlformats.org/officeDocument/2006/math">
-                    <m:r>
-                      <m:t>p</m:t>
-                    </m:r>
-                  </m:oMath>
-                </a14:m>
-                <a:r>
-                  <a:rPr/>
-                  <a:t> = 0 representa um evento impossível (com certeza não ocorrerá) e </a:t>
-                </a:r>
-                <a14:m>
-                  <m:oMath xmlns:m="http://schemas.openxmlformats.org/officeDocument/2006/math">
-                    <m:r>
-                      <m:t>p</m:t>
-                    </m:r>
-                  </m:oMath>
-                </a14:m>
-                <a:r>
-                  <a:rPr/>
-                  <a:t> = 1 representa um evento que certamente ocorrerá.</a:t>
-                </a:r>
-                <a:r>
-                  <a:rPr baseline="30000"/>
-                  <a:t>18</a:t>
-                </a:r>
-              </a:p>
-              <a:p>
-                <a:pPr lvl="0" indent="0" marL="0">
-                  <a:buNone/>
-                </a:pPr>
-              </a:p>
-            </p:txBody>
-          </p:sp>
-        </mc:Choice>
-      </mc:AlternateContent>
+      <p:sp>
+        <p:nvSpPr>
+          <p:cNvPr id="3" name="Content Placeholder 2">
+            <a:extLst>
+              <a:ext uri="{FF2B5EF4-FFF2-40B4-BE49-F238E27FC236}">
+                <a16:creationId xmlns:a16="http://schemas.microsoft.com/office/drawing/2014/main" id="{1574FA24-F1CC-B240-AAF9-A2DF684B1C54}"/>
+              </a:ext>
+            </a:extLst>
+          </p:cNvPr>
+          <p:cNvSpPr>
+            <a:spLocks noGrp="1"/>
+          </p:cNvSpPr>
+          <p:nvPr>
+            <p:ph idx="1"/>
+          </p:nvPr>
+        </p:nvSpPr>
+        <p:spPr/>
+        <p:txBody>
+          <a:bodyPr/>
+          <a:lstStyle/>
+          <a:p>
+            <a:pPr lvl="0" indent="0" marL="0">
+              <a:buNone/>
+            </a:pPr>
+          </a:p>
+          <a:p>
+            <a:pPr lvl="0" indent="0" marL="0">
+              <a:spcBef>
+                <a:spcPts val="3000"/>
+              </a:spcBef>
+              <a:buNone/>
+            </a:pPr>
+            <a:r>
+              <a:rPr b="1"/>
+              <a:t>O que é espaço amostral?</a:t>
+            </a:r>
+          </a:p>
+          <a:p>
+            <a:pPr lvl="0"/>
+            <a:r>
+              <a:rPr/>
+              <a:t>.[REF]</a:t>
+            </a:r>
+          </a:p>
+          <a:p>
+            <a:pPr lvl="0" indent="0" marL="0">
+              <a:buNone/>
+            </a:pPr>
+          </a:p>
+          <a:p>
+            <a:pPr lvl="0" indent="0" marL="0">
+              <a:spcBef>
+                <a:spcPts val="3000"/>
+              </a:spcBef>
+              <a:buNone/>
+            </a:pPr>
+            <a:r>
+              <a:rPr b="1"/>
+              <a:t>O que é evento?</a:t>
+            </a:r>
+          </a:p>
+          <a:p>
+            <a:pPr lvl="0"/>
+            <a:r>
+              <a:rPr/>
+              <a:t>.[REF]</a:t>
+            </a:r>
+          </a:p>
+          <a:p>
+            <a:pPr lvl="0" indent="0" marL="0">
+              <a:buNone/>
+            </a:pPr>
+          </a:p>
+        </p:txBody>
+      </p:sp>
     </p:spTree>
   </p:cSld>
 </p:sld>
@@ -25428,7 +25569,7 @@
             </a:pPr>
             <a:r>
               <a:rPr/>
-              <a:t>Teorema do limite central</a:t>
+              <a:t>Leis dos grandes números</a:t>
             </a:r>
           </a:p>
         </p:txBody>
@@ -25467,7 +25608,31 @@
             </a:pPr>
             <a:r>
               <a:rPr b="1"/>
-              <a:t>O que é teorema do limite central?</a:t>
+              <a:t>O que é a lei fraca dos grandes números?</a:t>
+            </a:r>
+          </a:p>
+          <a:p>
+            <a:pPr lvl="0"/>
+            <a:r>
+              <a:rPr/>
+              <a:t>.[REF]</a:t>
+            </a:r>
+          </a:p>
+          <a:p>
+            <a:pPr lvl="0" indent="0" marL="0">
+              <a:buNone/>
+            </a:pPr>
+          </a:p>
+          <a:p>
+            <a:pPr lvl="0" indent="0" marL="0">
+              <a:spcBef>
+                <a:spcPts val="3000"/>
+              </a:spcBef>
+              <a:buNone/>
+            </a:pPr>
+            <a:r>
+              <a:rPr b="1"/>
+              <a:t>O que é a lei forte dos grandes números?</a:t>
             </a:r>
           </a:p>
           <a:p>
@@ -25537,7 +25702,7 @@
             </a:pPr>
             <a:r>
               <a:rPr/>
-              <a:t>Leis dos grandes números</a:t>
+              <a:t>Teorema central do limite</a:t>
             </a:r>
           </a:p>
         </p:txBody>
@@ -25576,31 +25741,7 @@
             </a:pPr>
             <a:r>
               <a:rPr b="1"/>
-              <a:t>O que é a lei fraca dos grandes números?</a:t>
-            </a:r>
-          </a:p>
-          <a:p>
-            <a:pPr lvl="0"/>
-            <a:r>
-              <a:rPr/>
-              <a:t>.[REF]</a:t>
-            </a:r>
-          </a:p>
-          <a:p>
-            <a:pPr lvl="0" indent="0" marL="0">
-              <a:buNone/>
-            </a:pPr>
-          </a:p>
-          <a:p>
-            <a:pPr lvl="0" indent="0" marL="0">
-              <a:spcBef>
-                <a:spcPts val="3000"/>
-              </a:spcBef>
-              <a:buNone/>
-            </a:pPr>
-            <a:r>
-              <a:rPr b="1"/>
-              <a:t>O que é a lei forte dos grandes números?</a:t>
+              <a:t>O que é teorema do limite central?</a:t>
             </a:r>
           </a:p>
           <a:p>

--- a/docs/Ciência-com-R.pptx
+++ b/docs/Ciência-com-R.pptx
@@ -3604,7 +3604,7 @@
             </a:pPr>
             <a:r>
               <a:rPr/>
-              <a:t>Atualizado em 06/10/2023  </a:t>
+              <a:t>Atualizado em 07/10/2023  </a:t>
             </a:r>
           </a:p>
         </p:txBody>
@@ -3807,15 +3807,6 @@
               <a:buNone/>
             </a:pPr>
             <a:r>
-              <a:rPr b="1"/>
-              <a:t>Atenção!</a:t>
-            </a:r>
-          </a:p>
-          <a:p>
-            <a:pPr lvl="0" indent="0" marL="0">
-              <a:buNone/>
-            </a:pPr>
-            <a:r>
               <a:rPr/>
               <a:t>O pacote </a:t>
             </a:r>
@@ -3846,15 +3837,6 @@
             <a:pPr lvl="0" indent="0" marL="0">
               <a:buNone/>
             </a:pPr>
-          </a:p>
-          <a:p>
-            <a:pPr lvl="0" indent="0" marL="0">
-              <a:buNone/>
-            </a:pPr>
-            <a:r>
-              <a:rPr b="1"/>
-              <a:t>Atenção!</a:t>
-            </a:r>
           </a:p>
           <a:p>
             <a:pPr lvl="0" indent="0" marL="0">
@@ -4048,15 +4030,6 @@
               <a:buNone/>
             </a:pPr>
             <a:r>
-              <a:rPr b="1"/>
-              <a:t>Atenção!</a:t>
-            </a:r>
-          </a:p>
-          <a:p>
-            <a:pPr lvl="0" indent="0" marL="0">
-              <a:buNone/>
-            </a:pPr>
-            <a:r>
               <a:rPr/>
               <a:t>Os pacotes </a:t>
             </a:r>
@@ -4300,15 +4273,6 @@
               <a:buNone/>
             </a:pPr>
             <a:r>
-              <a:rPr b="1"/>
-              <a:t>Atenção!</a:t>
-            </a:r>
-          </a:p>
-          <a:p>
-            <a:pPr lvl="0" indent="0" marL="0">
-              <a:buNone/>
-            </a:pPr>
-            <a:r>
               <a:rPr/>
               <a:t>O pacote </a:t>
             </a:r>
@@ -4359,15 +4323,6 @@
             <a:pPr lvl="0" indent="0" marL="0">
               <a:buNone/>
             </a:pPr>
-          </a:p>
-          <a:p>
-            <a:pPr lvl="0" indent="0" marL="0">
-              <a:buNone/>
-            </a:pPr>
-            <a:r>
-              <a:rPr b="1"/>
-              <a:t>Atenção!</a:t>
-            </a:r>
           </a:p>
           <a:p>
             <a:pPr lvl="0" indent="0" marL="0">
@@ -6790,15 +6745,6 @@
               <a:buNone/>
             </a:pPr>
             <a:r>
-              <a:rPr b="1"/>
-              <a:t>Atenção!</a:t>
-            </a:r>
-          </a:p>
-          <a:p>
-            <a:pPr lvl="0" indent="0" marL="0">
-              <a:buNone/>
-            </a:pPr>
-            <a:r>
               <a:rPr/>
               <a:t>O pacote </a:t>
             </a:r>
@@ -7576,15 +7522,6 @@
                   <a:buNone/>
                 </a:pPr>
                 <a:r>
-                  <a:rPr b="1"/>
-                  <a:t>Atenção!</a:t>
-                </a:r>
-              </a:p>
-              <a:p>
-                <a:pPr lvl="0" indent="0" marL="0">
-                  <a:buNone/>
-                </a:pPr>
-                <a:r>
                   <a:rPr/>
                   <a:t>O pacote </a:t>
                 </a:r>
@@ -7863,15 +7800,6 @@
                   <a:buNone/>
                 </a:pPr>
                 <a:r>
-                  <a:rPr b="1"/>
-                  <a:t>Atenção!</a:t>
-                </a:r>
-              </a:p>
-              <a:p>
-                <a:pPr lvl="0" indent="0" marL="0">
-                  <a:buNone/>
-                </a:pPr>
-                <a:r>
                   <a:rPr/>
                   <a:t>O pacote </a:t>
                 </a:r>
@@ -8149,15 +8077,6 @@
                 <a:pPr lvl="0" indent="0" marL="0">
                   <a:buNone/>
                 </a:pPr>
-              </a:p>
-              <a:p>
-                <a:pPr lvl="0" indent="0" marL="0">
-                  <a:buNone/>
-                </a:pPr>
-                <a:r>
-                  <a:rPr b="1"/>
-                  <a:t>Atenção!</a:t>
-                </a:r>
               </a:p>
               <a:p>
                 <a:pPr lvl="0" indent="0" marL="0">
@@ -8785,15 +8704,6 @@
                   <a:buNone/>
                 </a:pPr>
                 <a:r>
-                  <a:rPr b="1"/>
-                  <a:t>Atenção!</a:t>
-                </a:r>
-              </a:p>
-              <a:p>
-                <a:pPr lvl="0" indent="0" marL="0">
-                  <a:buNone/>
-                </a:pPr>
-                <a:r>
                   <a:rPr/>
                   <a:t>O pacote </a:t>
                 </a:r>
@@ -9018,15 +8928,6 @@
                 <a:pPr lvl="0" indent="0" marL="0">
                   <a:buNone/>
                 </a:pPr>
-              </a:p>
-              <a:p>
-                <a:pPr lvl="0" indent="0" marL="0">
-                  <a:buNone/>
-                </a:pPr>
-                <a:r>
-                  <a:rPr b="1"/>
-                  <a:t>Atenção!</a:t>
-                </a:r>
               </a:p>
               <a:p>
                 <a:pPr lvl="0" indent="0" marL="0">
@@ -9267,15 +9168,6 @@
                 <a:pPr lvl="0" indent="0" marL="0">
                   <a:buNone/>
                 </a:pPr>
-              </a:p>
-              <a:p>
-                <a:pPr lvl="0" indent="0" marL="0">
-                  <a:buNone/>
-                </a:pPr>
-                <a:r>
-                  <a:rPr b="1"/>
-                  <a:t>Atenção!</a:t>
-                </a:r>
               </a:p>
               <a:p>
                 <a:pPr lvl="0" indent="0" marL="0">
@@ -9614,15 +9506,6 @@
               <a:buNone/>
             </a:pPr>
             <a:r>
-              <a:rPr b="1"/>
-              <a:t>Atenção!</a:t>
-            </a:r>
-          </a:p>
-          <a:p>
-            <a:pPr lvl="0" indent="0" marL="0">
-              <a:buNone/>
-            </a:pPr>
-            <a:r>
               <a:rPr/>
               <a:t>O pacote </a:t>
             </a:r>
@@ -9788,15 +9671,6 @@
             <a:pPr lvl="0" indent="0" marL="0">
               <a:buNone/>
             </a:pPr>
-          </a:p>
-          <a:p>
-            <a:pPr lvl="0" indent="0" marL="0">
-              <a:buNone/>
-            </a:pPr>
-            <a:r>
-              <a:rPr b="1"/>
-              <a:t>Atenção!</a:t>
-            </a:r>
           </a:p>
           <a:p>
             <a:pPr lvl="0" indent="0" marL="0">
@@ -29866,15 +29740,6 @@
               <a:buNone/>
             </a:pPr>
             <a:r>
-              <a:rPr b="1"/>
-              <a:t>Atenção!</a:t>
-            </a:r>
-          </a:p>
-          <a:p>
-            <a:pPr lvl="0" indent="0" marL="0">
-              <a:buNone/>
-            </a:pPr>
-            <a:r>
               <a:rPr/>
               <a:t>O pacote </a:t>
             </a:r>
@@ -30034,15 +29899,6 @@
               <a:buNone/>
             </a:pPr>
             <a:r>
-              <a:rPr b="1"/>
-              <a:t>Atenção!</a:t>
-            </a:r>
-          </a:p>
-          <a:p>
-            <a:pPr lvl="0" indent="0" marL="0">
-              <a:buNone/>
-            </a:pPr>
-            <a:r>
               <a:rPr/>
               <a:t>O pacote </a:t>
             </a:r>
@@ -30126,15 +29982,6 @@
             <a:pPr lvl="0" indent="0" marL="0">
               <a:buNone/>
             </a:pPr>
-          </a:p>
-          <a:p>
-            <a:pPr lvl="0" indent="0" marL="0">
-              <a:buNone/>
-            </a:pPr>
-            <a:r>
-              <a:rPr b="1"/>
-              <a:t>Atenção!</a:t>
-            </a:r>
           </a:p>
           <a:p>
             <a:pPr lvl="0" indent="0" marL="0">
@@ -30663,15 +30510,6 @@
               <a:buNone/>
             </a:pPr>
             <a:r>
-              <a:rPr b="1"/>
-              <a:t>Atenção!</a:t>
-            </a:r>
-          </a:p>
-          <a:p>
-            <a:pPr lvl="0" indent="0" marL="0">
-              <a:buNone/>
-            </a:pPr>
-            <a:r>
               <a:rPr/>
               <a:t>O pacote </a:t>
             </a:r>
@@ -30794,15 +30632,6 @@
               <a:buNone/>
             </a:pPr>
             <a:r>
-              <a:rPr b="1"/>
-              <a:t>Atenção!</a:t>
-            </a:r>
-          </a:p>
-          <a:p>
-            <a:pPr lvl="0" indent="0" marL="0">
-              <a:buNone/>
-            </a:pPr>
-            <a:r>
               <a:rPr/>
               <a:t>O pacote </a:t>
             </a:r>
@@ -30879,15 +30708,6 @@
             <a:pPr lvl="0" indent="0" marL="0">
               <a:buNone/>
             </a:pPr>
-          </a:p>
-          <a:p>
-            <a:pPr lvl="0" indent="0" marL="0">
-              <a:buNone/>
-            </a:pPr>
-            <a:r>
-              <a:rPr b="1"/>
-              <a:t>Atenção!</a:t>
-            </a:r>
           </a:p>
           <a:p>
             <a:pPr lvl="0" indent="0" marL="0">
@@ -31740,15 +31560,6 @@
             <a:pPr lvl="0" indent="0" marL="0">
               <a:buNone/>
             </a:pPr>
-          </a:p>
-          <a:p>
-            <a:pPr lvl="0" indent="0" marL="0">
-              <a:buNone/>
-            </a:pPr>
-            <a:r>
-              <a:rPr b="1"/>
-              <a:t>Atenção!</a:t>
-            </a:r>
           </a:p>
           <a:p>
             <a:pPr lvl="0" indent="0" marL="0">
@@ -33000,15 +32811,6 @@
               <a:buNone/>
             </a:pPr>
             <a:r>
-              <a:rPr b="1"/>
-              <a:t>Atenção!</a:t>
-            </a:r>
-          </a:p>
-          <a:p>
-            <a:pPr lvl="0" indent="0" marL="0">
-              <a:buNone/>
-            </a:pPr>
-            <a:r>
               <a:rPr/>
               <a:t>O pacote </a:t>
             </a:r>
@@ -33724,15 +33526,6 @@
               <a:buNone/>
             </a:pPr>
             <a:r>
-              <a:rPr b="1"/>
-              <a:t>Atenção!</a:t>
-            </a:r>
-          </a:p>
-          <a:p>
-            <a:pPr lvl="0" indent="0" marL="0">
-              <a:buNone/>
-            </a:pPr>
-            <a:r>
               <a:rPr/>
               <a:t>O pacote </a:t>
             </a:r>
@@ -34281,15 +34074,6 @@
             <a:pPr lvl="0" indent="0" marL="0">
               <a:buNone/>
             </a:pPr>
-          </a:p>
-          <a:p>
-            <a:pPr lvl="0" indent="0" marL="0">
-              <a:buNone/>
-            </a:pPr>
-            <a:r>
-              <a:rPr b="1"/>
-              <a:t>Atenção!</a:t>
-            </a:r>
           </a:p>
           <a:p>
             <a:pPr lvl="0" indent="0" marL="0">
@@ -39497,15 +39281,6 @@
                   <a:buNone/>
                 </a:pPr>
                 <a:r>
-                  <a:rPr b="1"/>
-                  <a:t>Atenção!</a:t>
-                </a:r>
-              </a:p>
-              <a:p>
-                <a:pPr lvl="0" indent="0" marL="0">
-                  <a:buNone/>
-                </a:pPr>
-                <a:r>
                   <a:rPr/>
                   <a:t>O pacote </a:t>
                 </a:r>
@@ -39532,66 +39307,48 @@
                   <a:buNone/>
                 </a:pPr>
                 <a:r>
-                  <a:rPr b="1"/>
-                  <a:t>Atenção!</a:t>
+                  <a:rPr/>
+                  <a:t>O pacote </a:t>
+                </a:r>
+                <a:r>
+                  <a:rPr i="1"/>
+                  <a:t>metagear</a:t>
+                </a:r>
+                <a:r>
+                  <a:rPr baseline="30000"/>
+                  <a:t>98</a:t>
+                </a:r>
+                <a:r>
+                  <a:rPr/>
+                  <a:t> fornece a função </a:t>
+                </a:r>
+                <a:r>
+                  <a:rPr i="1">
+                    <a:hlinkClick r:id="rId2"/>
+                  </a:rPr>
+                  <a:t>plot_PRISMA</a:t>
+                </a:r>
+                <a:r>
+                  <a:rPr/>
+                  <a:t> para gerar o fluxograma de uma revisão sistemática de acordo com o </a:t>
+                </a:r>
+                <a:r>
+                  <a:rPr i="1"/>
+                  <a:t>Preferred Reporting Items for Systematic Reviews and Meta-Analyses</a:t>
+                </a:r>
+                <a:r>
+                  <a:rPr baseline="30000"/>
+                  <a:t>99</a:t>
+                </a:r>
+                <a:r>
+                  <a:rPr/>
+                  <a:t>.</a:t>
                 </a:r>
               </a:p>
               <a:p>
                 <a:pPr lvl="0" indent="0" marL="0">
                   <a:buNone/>
                 </a:pPr>
-                <a:r>
-                  <a:rPr/>
-                  <a:t>O pacote </a:t>
-                </a:r>
-                <a:r>
-                  <a:rPr i="1"/>
-                  <a:t>metagear</a:t>
-                </a:r>
-                <a:r>
-                  <a:rPr baseline="30000"/>
-                  <a:t>98</a:t>
-                </a:r>
-                <a:r>
-                  <a:rPr/>
-                  <a:t> fornece a função </a:t>
-                </a:r>
-                <a:r>
-                  <a:rPr i="1">
-                    <a:hlinkClick r:id="rId2"/>
-                  </a:rPr>
-                  <a:t>plot_PRISMA</a:t>
-                </a:r>
-                <a:r>
-                  <a:rPr/>
-                  <a:t> para gerar o fluxograma de uma revisão sistemática de acordo com o </a:t>
-                </a:r>
-                <a:r>
-                  <a:rPr i="1"/>
-                  <a:t>Preferred Reporting Items for Systematic Reviews and Meta-Analyses</a:t>
-                </a:r>
-                <a:r>
-                  <a:rPr baseline="30000"/>
-                  <a:t>99</a:t>
-                </a:r>
-                <a:r>
-                  <a:rPr/>
-                  <a:t>.</a:t>
-                </a:r>
-              </a:p>
-              <a:p>
-                <a:pPr lvl="0" indent="0" marL="0">
-                  <a:buNone/>
-                </a:pPr>
-              </a:p>
-              <a:p>
-                <a:pPr lvl="0" indent="0" marL="0">
-                  <a:buNone/>
-                </a:pPr>
-                <a:r>
-                  <a:rPr b="1"/>
-                  <a:t>Atenção!</a:t>
-                </a:r>
               </a:p>
               <a:p>
                 <a:pPr lvl="0" indent="0" marL="0">
@@ -40915,15 +40672,6 @@
                   <a:buNone/>
                 </a:pPr>
                 <a:r>
-                  <a:rPr b="1"/>
-                  <a:t>Atenção!</a:t>
-                </a:r>
-              </a:p>
-              <a:p>
-                <a:pPr lvl="0" indent="0" marL="0">
-                  <a:buNone/>
-                </a:pPr>
-                <a:r>
                   <a:rPr/>
                   <a:t>O pacote </a:t>
                 </a:r>
@@ -41003,15 +40751,6 @@
                   <a:buNone/>
                 </a:pPr>
                 <a:r>
-                  <a:rPr b="1"/>
-                  <a:t>Atenção!</a:t>
-                </a:r>
-              </a:p>
-              <a:p>
-                <a:pPr lvl="0" indent="0" marL="0">
-                  <a:buNone/>
-                </a:pPr>
-                <a:r>
                   <a:rPr/>
                   <a:t>O pacote </a:t>
                 </a:r>
@@ -41250,15 +40989,6 @@
                 <a:pPr lvl="0" indent="0" marL="0">
                   <a:buNone/>
                 </a:pPr>
-              </a:p>
-              <a:p>
-                <a:pPr lvl="0" indent="0" marL="0">
-                  <a:buNone/>
-                </a:pPr>
-                <a:r>
-                  <a:rPr b="1"/>
-                  <a:t>Atenção!</a:t>
-                </a:r>
               </a:p>
               <a:p>
                 <a:pPr lvl="0" indent="0" marL="0">
@@ -41523,15 +41253,6 @@
               <a:buNone/>
             </a:pPr>
             <a:r>
-              <a:rPr b="1"/>
-              <a:t>Atenção!</a:t>
-            </a:r>
-          </a:p>
-          <a:p>
-            <a:pPr lvl="0" indent="0" marL="0">
-              <a:buNone/>
-            </a:pPr>
-            <a:r>
               <a:rPr/>
               <a:t>O pacote </a:t>
             </a:r>
@@ -41929,15 +41650,6 @@
               <a:buNone/>
             </a:pPr>
             <a:r>
-              <a:rPr b="1"/>
-              <a:t>Atenção!</a:t>
-            </a:r>
-          </a:p>
-          <a:p>
-            <a:pPr lvl="0" indent="0" marL="0">
-              <a:buNone/>
-            </a:pPr>
-            <a:r>
               <a:rPr/>
               <a:t>O pacote </a:t>
             </a:r>
@@ -41968,15 +41680,6 @@
             <a:pPr lvl="0" indent="0" marL="0">
               <a:buNone/>
             </a:pPr>
-          </a:p>
-          <a:p>
-            <a:pPr lvl="0" indent="0" marL="0">
-              <a:buNone/>
-            </a:pPr>
-            <a:r>
-              <a:rPr b="1"/>
-              <a:t>Atenção!</a:t>
-            </a:r>
           </a:p>
           <a:p>
             <a:pPr lvl="0" indent="0" marL="0">

--- a/docs/Ciência-com-R.pptx
+++ b/docs/Ciência-com-R.pptx
@@ -28492,7 +28492,7 @@
             </a:pPr>
             <a:r>
               <a:rPr/>
-              <a:t>Sobre o Autor</a:t>
+              <a:t>Sobre o autor</a:t>
             </a:r>
           </a:p>
         </p:txBody>

--- a/docs/Ciência-com-R.pptx
+++ b/docs/Ciência-com-R.pptx
@@ -162,6 +162,7 @@
     <p:sldId id="410" r:id="rId156"/>
     <p:sldId id="411" r:id="rId157"/>
     <p:sldId id="412" r:id="rId158"/>
+    <p:sldId id="413" r:id="rId159"/>
   </p:sldIdLst>
   <p:sldSz cx="12192000" cy="6858000"/>
   <p:notesSz cx="6858000" cy="9144000"/>
@@ -5303,7 +5304,7 @@
             </a:pPr>
             <a:r>
               <a:rPr/>
-              <a:t>Análise inferencial</a:t>
+              <a:t>Testes de hipóteses</a:t>
             </a:r>
           </a:p>
         </p:txBody>
@@ -5344,25 +5345,14 @@
                 </a:pPr>
                 <a:r>
                   <a:rPr b="1"/>
-                  <a:t>O que é análise inferencial?</a:t>
+                  <a:t>O que é hipótese nula?</a:t>
                 </a:r>
               </a:p>
               <a:p>
                 <a:pPr lvl="0"/>
                 <a:r>
                   <a:rPr/>
-                  <a:t>Na análise inferencial são utilizados dados da(s) amostra(s) para fazer uma inferência válida (isto é, estimativa) sobre os parâmetros populacionais desconhecidos.</a:t>
-                </a:r>
-                <a:r>
-                  <a:rPr baseline="30000"/>
-                  <a:t>19</a:t>
-                </a:r>
-              </a:p>
-              <a:p>
-                <a:pPr lvl="0"/>
-                <a:r>
-                  <a:rPr/>
-                  <a:t>No paradigma de Jerzy Neyman e Egon Pearson, um teste de hipótese científica envolve a tomada de decisão sobre hipóteses nulas (</a:t>
+                  <a:t>A hipótese nula (</a:t>
                 </a:r>
                 <a14:m>
                   <m:oMath xmlns:m="http://schemas.openxmlformats.org/officeDocument/2006/math">
@@ -5382,7 +5372,43 @@
                 </a14:m>
                 <a:r>
                   <a:rPr/>
-                  <a:t>) e alternativa (</a:t>
+                  <a:t>) é uma expressão que representa o estado atual do conhecimento (</a:t>
+                </a:r>
+                <a:r>
+                  <a:rPr i="1"/>
+                  <a:t>status quo</a:t>
+                </a:r>
+                <a:r>
+                  <a:rPr/>
+                  <a:t>), em geral a não existência de um determinado efeito.</a:t>
+                </a:r>
+                <a:r>
+                  <a:rPr baseline="30000"/>
+                  <a:t>52</a:t>
+                </a:r>
+              </a:p>
+              <a:p>
+                <a:pPr lvl="0" indent="0" marL="0">
+                  <a:buNone/>
+                </a:pPr>
+              </a:p>
+              <a:p>
+                <a:pPr lvl="0" indent="0" marL="0">
+                  <a:spcBef>
+                    <a:spcPts val="3000"/>
+                  </a:spcBef>
+                  <a:buNone/>
+                </a:pPr>
+                <a:r>
+                  <a:rPr b="1"/>
+                  <a:t>O que é hipótese alternativa?</a:t>
+                </a:r>
+              </a:p>
+              <a:p>
+                <a:pPr lvl="0"/>
+                <a:r>
+                  <a:rPr/>
+                  <a:t>A hipótese alternativa (</a:t>
                 </a:r>
                 <a14:m>
                   <m:oMath xmlns:m="http://schemas.openxmlformats.org/officeDocument/2006/math">
@@ -5402,11 +5428,11 @@
                 </a14:m>
                 <a:r>
                   <a:rPr/>
-                  <a:t>) concorrentes e mutuamente exclusivas.</a:t>
+                  <a:t>) é uma expressão que contém as situações que serão testadas, de modo que um resultado positivo indique alguma ação a ser conduzida.</a:t>
                 </a:r>
                 <a:r>
                   <a:rPr baseline="30000"/>
-                  <a:t>133</a:t>
+                  <a:t>52</a:t>
                 </a:r>
               </a:p>
               <a:p>
@@ -5423,7 +5449,7 @@
                 </a:pPr>
                 <a:r>
                   <a:rPr b="1"/>
-                  <a:t>O que é hipótese nula?</a:t>
+                  <a:t>Qual hipótese está sendo testada?</a:t>
                 </a:r>
               </a:p>
               <a:p>
@@ -5450,43 +5476,49 @@
                 </a14:m>
                 <a:r>
                   <a:rPr/>
-                  <a:t>) é uma expressão que representa o estado atual do conhecimento (</a:t>
-                </a:r>
-                <a:r>
-                  <a:rPr i="1"/>
-                  <a:t>status quo</a:t>
-                </a:r>
-                <a:r>
-                  <a:rPr/>
-                  <a:t>), em geral a não existência de um determinado efeito.</a:t>
+                  <a:t>) é a hipótese sob teste em análises inferenciais.</a:t>
                 </a:r>
                 <a:r>
                   <a:rPr baseline="30000"/>
-                  <a:t>52</a:t>
-                </a:r>
-              </a:p>
-              <a:p>
-                <a:pPr lvl="0" indent="0" marL="0">
-                  <a:buNone/>
-                </a:pPr>
-              </a:p>
-              <a:p>
-                <a:pPr lvl="0" indent="0" marL="0">
-                  <a:spcBef>
-                    <a:spcPts val="3000"/>
-                  </a:spcBef>
-                  <a:buNone/>
-                </a:pPr>
-                <a:r>
-                  <a:rPr b="1"/>
-                  <a:t>O que é hipótese alternativa?</a:t>
+                  <a:t>32</a:t>
                 </a:r>
               </a:p>
               <a:p>
                 <a:pPr lvl="0"/>
                 <a:r>
                   <a:rPr/>
-                  <a:t>A hipótese alternativa (</a:t>
+                  <a:t>Pode-se concluir sobre rejeitar ou não rejeitar a hipótese nula (</a:t>
+                </a:r>
+                <a14:m>
+                  <m:oMath xmlns:m="http://schemas.openxmlformats.org/officeDocument/2006/math">
+                    <m:sSub>
+                      <m:e>
+                        <m:r>
+                          <m:t>H</m:t>
+                        </m:r>
+                      </m:e>
+                      <m:sub>
+                        <m:r>
+                          <m:t>0</m:t>
+                        </m:r>
+                      </m:sub>
+                    </m:sSub>
+                  </m:oMath>
+                </a14:m>
+                <a:r>
+                  <a:rPr/>
+                  <a:t>).</a:t>
+                </a:r>
+                <a:r>
+                  <a:rPr baseline="30000"/>
+                  <a:t>32</a:t>
+                </a:r>
+              </a:p>
+              <a:p>
+                <a:pPr lvl="0"/>
+                <a:r>
+                  <a:rPr/>
+                  <a:t>Não se conclui sobre a hipótese alternativa (</a:t>
                 </a:r>
                 <a14:m>
                   <m:oMath xmlns:m="http://schemas.openxmlformats.org/officeDocument/2006/math">
@@ -5506,11 +5538,44 @@
                 </a14:m>
                 <a:r>
                   <a:rPr/>
-                  <a:t>) é uma expressão que contém as situações que serão testadas, de modo que um resultado positivo indique alguma ação a ser conduzida.</a:t>
+                  <a:t>).</a:t>
                 </a:r>
                 <a:r>
                   <a:rPr baseline="30000"/>
                   <a:t>52</a:t>
+                </a:r>
+              </a:p>
+              <a:p>
+                <a:pPr lvl="0"/>
+                <a:r>
+                  <a:rPr/>
+                  <a:t>Para testar a hipótese nula, deve-se selecionar o nível de significância crítica (p-valor de corte); a probabilidade de rejeitarmos uma hipótese nula verdadeira (</a:t>
+                </a:r>
+                <a14:m>
+                  <m:oMath xmlns:m="http://schemas.openxmlformats.org/officeDocument/2006/math">
+                    <m:r>
+                      <m:t>α</m:t>
+                    </m:r>
+                  </m:oMath>
+                </a14:m>
+                <a:r>
+                  <a:rPr/>
+                  <a:t>); e a probabilidade de não rejeitarmos uma hipótese nula falsa (</a:t>
+                </a:r>
+                <a14:m>
+                  <m:oMath xmlns:m="http://schemas.openxmlformats.org/officeDocument/2006/math">
+                    <m:r>
+                      <m:t>β</m:t>
+                    </m:r>
+                  </m:oMath>
+                </a14:m>
+                <a:r>
+                  <a:rPr/>
+                  <a:t>).</a:t>
+                </a:r>
+                <a:r>
+                  <a:rPr baseline="30000"/>
+                  <a:t>133</a:t>
                 </a:r>
               </a:p>
               <a:p>
@@ -5527,133 +5592,65 @@
                 </a:pPr>
                 <a:r>
                   <a:rPr b="1"/>
-                  <a:t>Qual hipótese está sendo testada?</a:t>
+                  <a:t>Quais são os tipos de teste de hipóteses?</a:t>
                 </a:r>
               </a:p>
               <a:p>
                 <a:pPr lvl="0"/>
                 <a:r>
                   <a:rPr/>
-                  <a:t>A hipótese nula (</a:t>
-                </a:r>
-                <a14:m>
-                  <m:oMath xmlns:m="http://schemas.openxmlformats.org/officeDocument/2006/math">
-                    <m:sSub>
-                      <m:e>
-                        <m:r>
-                          <m:t>H</m:t>
-                        </m:r>
-                      </m:e>
-                      <m:sub>
-                        <m:r>
-                          <m:t>0</m:t>
-                        </m:r>
-                      </m:sub>
-                    </m:sSub>
-                  </m:oMath>
-                </a14:m>
-                <a:r>
-                  <a:rPr/>
-                  <a:t>) é a hipótese sob teste em análises inferenciais.</a:t>
+                  <a:t>Teste (clássico) de significância da hipótese nula.</a:t>
                 </a:r>
                 <a:r>
                   <a:rPr baseline="30000"/>
-                  <a:t>32</a:t>
+                  <a:t>135</a:t>
                 </a:r>
               </a:p>
               <a:p>
                 <a:pPr lvl="0"/>
                 <a:r>
                   <a:rPr/>
-                  <a:t>Pode-se concluir sobre rejeitar ou não rejeitar a hipótese nula (</a:t>
-                </a:r>
-                <a14:m>
-                  <m:oMath xmlns:m="http://schemas.openxmlformats.org/officeDocument/2006/math">
-                    <m:sSub>
-                      <m:e>
-                        <m:r>
-                          <m:t>H</m:t>
-                        </m:r>
-                      </m:e>
-                      <m:sub>
-                        <m:r>
-                          <m:t>0</m:t>
-                        </m:r>
-                      </m:sub>
-                    </m:sSub>
-                  </m:oMath>
-                </a14:m>
-                <a:r>
-                  <a:rPr/>
-                  <a:t>).</a:t>
+                  <a:t>Teste de mínimos efeitos.</a:t>
                 </a:r>
                 <a:r>
                   <a:rPr baseline="30000"/>
-                  <a:t>32</a:t>
+                  <a:t>135</a:t>
                 </a:r>
               </a:p>
               <a:p>
                 <a:pPr lvl="0"/>
                 <a:r>
                   <a:rPr/>
-                  <a:t>Não se conclui sobre a hipótese alternativa (</a:t>
-                </a:r>
-                <a14:m>
-                  <m:oMath xmlns:m="http://schemas.openxmlformats.org/officeDocument/2006/math">
-                    <m:sSub>
-                      <m:e>
-                        <m:r>
-                          <m:t>H</m:t>
-                        </m:r>
-                      </m:e>
-                      <m:sub>
-                        <m:r>
-                          <m:t>1</m:t>
-                        </m:r>
-                      </m:sub>
-                    </m:sSub>
-                  </m:oMath>
-                </a14:m>
-                <a:r>
-                  <a:rPr/>
-                  <a:t>).</a:t>
+                  <a:t>Teste de equivalência.</a:t>
                 </a:r>
                 <a:r>
                   <a:rPr baseline="30000"/>
-                  <a:t>52</a:t>
+                  <a:t>135</a:t>
                 </a:r>
               </a:p>
               <a:p>
                 <a:pPr lvl="0"/>
                 <a:r>
                   <a:rPr/>
-                  <a:t>Para testar a hipótese nula, deve-se selecionar o nível de significância crítica (p-valor de corte); a probabilidade de rejeitarmos uma hipótese nula verdadeira (</a:t>
-                </a:r>
-                <a14:m>
-                  <m:oMath xmlns:m="http://schemas.openxmlformats.org/officeDocument/2006/math">
-                    <m:r>
-                      <m:t>α</m:t>
-                    </m:r>
-                  </m:oMath>
-                </a14:m>
+                  <a:t>Teste de inferioridade.</a:t>
+                </a:r>
+                <a:r>
+                  <a:rPr baseline="30000"/>
+                  <a:t>135</a:t>
+                </a:r>
+              </a:p>
+              <a:p>
+                <a:pPr lvl="0"/>
                 <a:r>
                   <a:rPr/>
-                  <a:t>); e a probabilidade de não rejeitarmos uma hipótese nula falsa (</a:t>
-                </a:r>
-                <a14:m>
-                  <m:oMath xmlns:m="http://schemas.openxmlformats.org/officeDocument/2006/math">
-                    <m:r>
-                      <m:t>β</m:t>
-                    </m:r>
-                  </m:oMath>
-                </a14:m>
+                  <a:t>Teste de não-inferioridade.[REF]</a:t>
+                </a:r>
+              </a:p>
+              <a:p>
+                <a:pPr lvl="0"/>
                 <a:r>
                   <a:rPr/>
-                  <a:t>).</a:t>
-                </a:r>
-                <a:r>
-                  <a:rPr baseline="30000"/>
-                  <a:t>133</a:t>
+                  <a:t>Teste de superioridade.[REF]</a:t>
                 </a:r>
               </a:p>
               <a:p>
@@ -5670,29 +5667,77 @@
                 </a:pPr>
                 <a:r>
                   <a:rPr b="1"/>
-                  <a:t>O que reportar após um teste de hipótese?</a:t>
+                  <a:t>O que são testes unicaudais e bicaudais?</a:t>
                 </a:r>
               </a:p>
               <a:p>
                 <a:pPr lvl="0"/>
                 <a:r>
                   <a:rPr/>
-                  <a:t>P-valores, como estimativa da significância estatística.</a:t>
-                </a:r>
-                <a:r>
-                  <a:rPr baseline="30000"/>
-                  <a:t>135</a:t>
+                  <a:t>.[REF]</a:t>
+                </a:r>
+              </a:p>
+              <a:p>
+                <a:pPr lvl="0" indent="0" marL="0">
+                  <a:buNone/>
+                </a:pPr>
+              </a:p>
+              <a:p>
+                <a:pPr lvl="0" indent="0" marL="0">
+                  <a:spcBef>
+                    <a:spcPts val="3000"/>
+                  </a:spcBef>
+                  <a:buNone/>
+                </a:pPr>
+                <a:r>
+                  <a:rPr b="1"/>
+                  <a:t>O que são resultados ‘positivos’ e ‘negativos’ em teste de hipótese?</a:t>
                 </a:r>
               </a:p>
               <a:p>
                 <a:pPr lvl="0"/>
                 <a:r>
                   <a:rPr/>
-                  <a:t>Tamanho do efeito, como estimativa de significância substantiva (clínica).</a:t>
+                  <a:t>.[REF]</a:t>
+                </a:r>
+              </a:p>
+              <a:p>
+                <a:pPr lvl="0" indent="0" marL="0">
+                  <a:buNone/>
+                </a:pPr>
+              </a:p>
+              <a:p>
+                <a:pPr lvl="0" indent="0" marL="0">
+                  <a:spcBef>
+                    <a:spcPts val="3000"/>
+                  </a:spcBef>
+                  <a:buNone/>
+                </a:pPr>
+                <a:r>
+                  <a:rPr b="1"/>
+                  <a:t>Qual a importância de resultados ‘negativos’?</a:t>
+                </a:r>
+              </a:p>
+              <a:p>
+                <a:pPr lvl="0"/>
+                <a:r>
+                  <a:rPr/>
+                  <a:t>Conhecer resultados negativos contribui com um visão mais ampla do campo de estudo junto aos resultados positivos.</a:t>
                 </a:r>
                 <a:r>
                   <a:rPr baseline="30000"/>
-                  <a:t>135</a:t>
+                  <a:t>136</a:t>
+                </a:r>
+              </a:p>
+              <a:p>
+                <a:pPr lvl="0"/>
+                <a:r>
+                  <a:rPr/>
+                  <a:t>Resultados negativos permitem um melhor planejamento das pesquisas futuras e pode aumentar suas chances de sucesso.</a:t>
+                </a:r>
+                <a:r>
+                  <a:rPr baseline="30000"/>
+                  <a:t>136</a:t>
                 </a:r>
               </a:p>
               <a:p>
@@ -5757,86 +5802,334 @@
             </a:pPr>
             <a:r>
               <a:rPr/>
-              <a:t>Tipos de análises inferenciais</a:t>
+              <a:t>Testes paramétrico e não paramétrico</a:t>
             </a:r>
           </a:p>
         </p:txBody>
       </p:sp>
-      <p:sp>
-        <p:nvSpPr>
-          <p:cNvPr id="3" name="Content Placeholder 2">
-            <a:extLst>
-              <a:ext uri="{FF2B5EF4-FFF2-40B4-BE49-F238E27FC236}">
-                <a16:creationId xmlns:a16="http://schemas.microsoft.com/office/drawing/2014/main" id="{1574FA24-F1CC-B240-AAF9-A2DF684B1C54}"/>
-              </a:ext>
-            </a:extLst>
-          </p:cNvPr>
-          <p:cNvSpPr>
-            <a:spLocks noGrp="1"/>
-          </p:cNvSpPr>
-          <p:nvPr>
-            <p:ph idx="1"/>
-          </p:nvPr>
-        </p:nvSpPr>
-        <p:spPr/>
-        <p:txBody>
-          <a:bodyPr/>
-          <a:lstStyle/>
-          <a:p>
-            <a:pPr lvl="0" indent="0" marL="0">
-              <a:buNone/>
-            </a:pPr>
-          </a:p>
-          <a:p>
-            <a:pPr lvl="0" indent="0" marL="0">
-              <a:spcBef>
-                <a:spcPts val="3000"/>
-              </a:spcBef>
-              <a:buNone/>
-            </a:pPr>
-            <a:r>
-              <a:rPr b="1"/>
-              <a:t>O que é uma análise ad hoc?</a:t>
-            </a:r>
-          </a:p>
-          <a:p>
-            <a:pPr lvl="0"/>
-            <a:r>
-              <a:rPr/>
-              <a:t>.[REF]</a:t>
-            </a:r>
-          </a:p>
-          <a:p>
-            <a:pPr lvl="0" indent="0" marL="0">
-              <a:buNone/>
-            </a:pPr>
-          </a:p>
-          <a:p>
-            <a:pPr lvl="0" indent="0" marL="0">
-              <a:spcBef>
-                <a:spcPts val="3000"/>
-              </a:spcBef>
-              <a:buNone/>
-            </a:pPr>
-            <a:r>
-              <a:rPr b="1"/>
-              <a:t>O que é uma análise post hoc?</a:t>
-            </a:r>
-          </a:p>
-          <a:p>
-            <a:pPr lvl="0"/>
-            <a:r>
-              <a:rPr/>
-              <a:t>.[REF]</a:t>
-            </a:r>
-          </a:p>
-          <a:p>
-            <a:pPr lvl="0" indent="0" marL="0">
-              <a:buNone/>
-            </a:pPr>
-          </a:p>
-        </p:txBody>
-      </p:sp>
+      <mc:AlternateContent xmlns:mc="http://schemas.openxmlformats.org/markup-compatibility/2006">
+        <mc:Choice xmlns:a14="http://schemas.microsoft.com/office/drawing/2010/main" Requires="a14">
+          <p:sp>
+            <p:nvSpPr>
+              <p:cNvPr id="3" name="Content Placeholder 2">
+                <a:extLst>
+                  <a:ext uri="{FF2B5EF4-FFF2-40B4-BE49-F238E27FC236}">
+                    <a16:creationId xmlns:a16="http://schemas.microsoft.com/office/drawing/2014/main" id="{1574FA24-F1CC-B240-AAF9-A2DF684B1C54}"/>
+                  </a:ext>
+                </a:extLst>
+              </p:cNvPr>
+              <p:cNvSpPr>
+                <a:spLocks noGrp="1"/>
+              </p:cNvSpPr>
+              <p:nvPr>
+                <p:ph idx="1"/>
+              </p:nvPr>
+            </p:nvSpPr>
+            <p:spPr/>
+            <p:txBody>
+              <a:bodyPr/>
+              <a:lstStyle/>
+              <a:p>
+                <a:pPr lvl="0" indent="0" marL="0">
+                  <a:buNone/>
+                </a:pPr>
+              </a:p>
+              <a:p>
+                <a:pPr lvl="0" indent="0" marL="0">
+                  <a:spcBef>
+                    <a:spcPts val="3000"/>
+                  </a:spcBef>
+                  <a:buNone/>
+                </a:pPr>
+                <a:r>
+                  <a:rPr b="1"/>
+                  <a:t>O que é um teste paramétrico?</a:t>
+                </a:r>
+              </a:p>
+              <a:p>
+                <a:pPr lvl="0"/>
+                <a:r>
+                  <a:rPr/>
+                  <a:t>Testes paramétricos possuem suposições sobre as características e/ou parâmetros da distribuição dos dados na população.</a:t>
+                </a:r>
+                <a:r>
+                  <a:rPr baseline="30000"/>
+                  <a:t>19</a:t>
+                </a:r>
+              </a:p>
+              <a:p>
+                <a:pPr lvl="0"/>
+                <a:r>
+                  <a:rPr/>
+                  <a:t>Testes paramétricos assumem que: a variável é quantitativa numérica (contínua); os dados foram amostrados de uma população com distribuição normal; a variância da(S) amostra(s) é igual à da população; as amostras foram selecionadas de modo aleatório na população; os valores de cada amostra são independentes entre si.</a:t>
+                </a:r>
+                <a:r>
+                  <a:rPr baseline="30000"/>
+                  <a:t>19,32</a:t>
+                </a:r>
+              </a:p>
+              <a:p>
+                <a:pPr lvl="0" indent="0" marL="0">
+                  <a:buNone/>
+                </a:pPr>
+              </a:p>
+              <a:p>
+                <a:pPr lvl="0" indent="0" marL="0">
+                  <a:spcBef>
+                    <a:spcPts val="3000"/>
+                  </a:spcBef>
+                  <a:buNone/>
+                </a:pPr>
+                <a:r>
+                  <a:rPr b="1"/>
+                  <a:t>O que é um teste não paramétrico?</a:t>
+                </a:r>
+              </a:p>
+              <a:p>
+                <a:pPr lvl="0"/>
+                <a:r>
+                  <a:rPr/>
+                  <a:t>Testes não-paramétricos fazem poucas suposições, ou menos rigorosas, sobre as características e/ou parâmetros da distribuição dos dados na população.</a:t>
+                </a:r>
+                <a:r>
+                  <a:rPr baseline="30000"/>
+                  <a:t>19,32</a:t>
+                </a:r>
+              </a:p>
+              <a:p>
+                <a:pPr lvl="0"/>
+                <a:r>
+                  <a:rPr/>
+                  <a:t>Testes não-paramétricos são úteis quando as suposições de normalidade não podem ser sustentadas.</a:t>
+                </a:r>
+                <a:r>
+                  <a:rPr baseline="30000"/>
+                  <a:t>32</a:t>
+                </a:r>
+              </a:p>
+              <a:p>
+                <a:pPr lvl="0" indent="0" marL="0">
+                  <a:buNone/>
+                </a:pPr>
+              </a:p>
+              <a:p>
+                <a:pPr lvl="0" indent="0" marL="0">
+                  <a:spcBef>
+                    <a:spcPts val="3000"/>
+                  </a:spcBef>
+                  <a:buNone/>
+                </a:pPr>
+                <a:r>
+                  <a:rPr b="1"/>
+                  <a:t>Por que os testes paramétricos são preferidos?</a:t>
+                </a:r>
+              </a:p>
+              <a:p>
+                <a:pPr lvl="0"/>
+                <a:r>
+                  <a:rPr/>
+                  <a:t>Em geral, testes paramétricos são mais robustos (isto é, possuem menores erros tipo I e II) que seus testes não-paramétricos correspondentes.</a:t>
+                </a:r>
+                <a:r>
+                  <a:rPr baseline="30000"/>
+                  <a:t>19</a:t>
+                </a:r>
+              </a:p>
+              <a:p>
+                <a:pPr lvl="0"/>
+                <a:r>
+                  <a:rPr/>
+                  <a:t>Testes não-paramétricos apresentam menor poder estatístico (maior erro tipo II) comparados aos testes paramétricos correspondentes.</a:t>
+                </a:r>
+                <a:r>
+                  <a:rPr baseline="30000"/>
+                  <a:t>32</a:t>
+                </a:r>
+              </a:p>
+              <a:p>
+                <a:pPr lvl="0" indent="0" marL="0">
+                  <a:buNone/>
+                </a:pPr>
+                <a:r>
+                  <a:rPr/>
+                  <a:t> ## Análise inferencial {#inferencial}</a:t>
+                </a:r>
+              </a:p>
+              <a:p>
+                <a:pPr lvl="0" indent="0" marL="0">
+                  <a:buNone/>
+                </a:pPr>
+              </a:p>
+              <a:p>
+                <a:pPr lvl="0" indent="0" marL="0">
+                  <a:spcBef>
+                    <a:spcPts val="3000"/>
+                  </a:spcBef>
+                  <a:buNone/>
+                </a:pPr>
+                <a:r>
+                  <a:rPr b="1"/>
+                  <a:t>O que é análise inferencial?</a:t>
+                </a:r>
+              </a:p>
+              <a:p>
+                <a:pPr lvl="0"/>
+                <a:r>
+                  <a:rPr/>
+                  <a:t>Na análise inferencial são utilizados dados da(s) amostra(s) para fazer uma inferência válida (isto é, estimativa) sobre os parâmetros populacionais desconhecidos.</a:t>
+                </a:r>
+                <a:r>
+                  <a:rPr baseline="30000"/>
+                  <a:t>19</a:t>
+                </a:r>
+              </a:p>
+              <a:p>
+                <a:pPr lvl="0"/>
+                <a:r>
+                  <a:rPr/>
+                  <a:t>No paradigma de Jerzy Neyman e Egon Pearson, um teste de hipótese científica envolve a tomada de decisão sobre hipóteses nulas (</a:t>
+                </a:r>
+                <a14:m>
+                  <m:oMath xmlns:m="http://schemas.openxmlformats.org/officeDocument/2006/math">
+                    <m:sSub>
+                      <m:e>
+                        <m:r>
+                          <m:t>H</m:t>
+                        </m:r>
+                      </m:e>
+                      <m:sub>
+                        <m:r>
+                          <m:t>0</m:t>
+                        </m:r>
+                      </m:sub>
+                    </m:sSub>
+                  </m:oMath>
+                </a14:m>
+                <a:r>
+                  <a:rPr/>
+                  <a:t>) e alternativa (</a:t>
+                </a:r>
+                <a14:m>
+                  <m:oMath xmlns:m="http://schemas.openxmlformats.org/officeDocument/2006/math">
+                    <m:sSub>
+                      <m:e>
+                        <m:r>
+                          <m:t>H</m:t>
+                        </m:r>
+                      </m:e>
+                      <m:sub>
+                        <m:r>
+                          <m:t>1</m:t>
+                        </m:r>
+                      </m:sub>
+                    </m:sSub>
+                  </m:oMath>
+                </a14:m>
+                <a:r>
+                  <a:rPr/>
+                  <a:t>) concorrentes e mutuamente exclusivas.</a:t>
+                </a:r>
+                <a:r>
+                  <a:rPr baseline="30000"/>
+                  <a:t>133</a:t>
+                </a:r>
+              </a:p>
+              <a:p>
+                <a:pPr lvl="0" indent="0" marL="0">
+                  <a:buNone/>
+                </a:pPr>
+              </a:p>
+              <a:p>
+                <a:pPr lvl="0" indent="0" marL="0">
+                  <a:spcBef>
+                    <a:spcPts val="3000"/>
+                  </a:spcBef>
+                  <a:buNone/>
+                </a:pPr>
+                <a:r>
+                  <a:rPr b="1"/>
+                  <a:t>O que é uma análise ad hoc?</a:t>
+                </a:r>
+              </a:p>
+              <a:p>
+                <a:pPr lvl="0"/>
+                <a:r>
+                  <a:rPr/>
+                  <a:t>.[REF]</a:t>
+                </a:r>
+              </a:p>
+              <a:p>
+                <a:pPr lvl="0" indent="0" marL="0">
+                  <a:buNone/>
+                </a:pPr>
+              </a:p>
+              <a:p>
+                <a:pPr lvl="0" indent="0" marL="0">
+                  <a:spcBef>
+                    <a:spcPts val="3000"/>
+                  </a:spcBef>
+                  <a:buNone/>
+                </a:pPr>
+                <a:r>
+                  <a:rPr b="1"/>
+                  <a:t>O que é uma análise post hoc?</a:t>
+                </a:r>
+              </a:p>
+              <a:p>
+                <a:pPr lvl="0"/>
+                <a:r>
+                  <a:rPr/>
+                  <a:t>.[REF]</a:t>
+                </a:r>
+              </a:p>
+              <a:p>
+                <a:pPr lvl="0" indent="0" marL="0">
+                  <a:buNone/>
+                </a:pPr>
+              </a:p>
+              <a:p>
+                <a:pPr lvl="0" indent="0" marL="0">
+                  <a:spcBef>
+                    <a:spcPts val="3000"/>
+                  </a:spcBef>
+                  <a:buNone/>
+                </a:pPr>
+                <a:r>
+                  <a:rPr b="1"/>
+                  <a:t>O que reportar após um teste de hipótese?</a:t>
+                </a:r>
+              </a:p>
+              <a:p>
+                <a:pPr lvl="0"/>
+                <a:r>
+                  <a:rPr/>
+                  <a:t>P-valores, como estimativa da significância estatística.</a:t>
+                </a:r>
+                <a:r>
+                  <a:rPr baseline="30000"/>
+                  <a:t>137</a:t>
+                </a:r>
+              </a:p>
+              <a:p>
+                <a:pPr lvl="0"/>
+                <a:r>
+                  <a:rPr/>
+                  <a:t>Tamanho do efeito, como estimativa de significância substantiva (clínica).</a:t>
+                </a:r>
+                <a:r>
+                  <a:rPr baseline="30000"/>
+                  <a:t>137</a:t>
+                </a:r>
+              </a:p>
+              <a:p>
+                <a:pPr lvl="0" indent="0" marL="0">
+                  <a:buNone/>
+                </a:pPr>
+              </a:p>
+            </p:txBody>
+          </p:sp>
+        </mc:Choice>
+      </mc:AlternateContent>
     </p:spTree>
   </p:cSld>
 </p:sld>
@@ -5890,224 +6183,214 @@
             </a:pPr>
             <a:r>
               <a:rPr/>
-              <a:t>Testes de hipóteses</a:t>
+              <a:t>Erros de inferência</a:t>
             </a:r>
           </a:p>
         </p:txBody>
       </p:sp>
-      <p:sp>
-        <p:nvSpPr>
-          <p:cNvPr id="3" name="Content Placeholder 2">
-            <a:extLst>
-              <a:ext uri="{FF2B5EF4-FFF2-40B4-BE49-F238E27FC236}">
-                <a16:creationId xmlns:a16="http://schemas.microsoft.com/office/drawing/2014/main" id="{1574FA24-F1CC-B240-AAF9-A2DF684B1C54}"/>
-              </a:ext>
-            </a:extLst>
-          </p:cNvPr>
-          <p:cNvSpPr>
-            <a:spLocks noGrp="1"/>
-          </p:cNvSpPr>
-          <p:nvPr>
-            <p:ph idx="1"/>
-          </p:nvPr>
-        </p:nvSpPr>
-        <p:spPr/>
-        <p:txBody>
-          <a:bodyPr/>
-          <a:lstStyle/>
-          <a:p>
-            <a:pPr lvl="0" indent="0" marL="0">
-              <a:buNone/>
-            </a:pPr>
-          </a:p>
-          <a:p>
-            <a:pPr lvl="0" indent="0" marL="0">
-              <a:spcBef>
-                <a:spcPts val="3000"/>
-              </a:spcBef>
-              <a:buNone/>
-            </a:pPr>
-            <a:r>
-              <a:rPr b="1"/>
-              <a:t>Quais são os tipos de teste de hipóteses?</a:t>
-            </a:r>
-          </a:p>
-          <a:p>
-            <a:pPr lvl="0"/>
-            <a:r>
-              <a:rPr/>
-              <a:t>Teste (clássico) de significância da hipótese nula.</a:t>
-            </a:r>
-            <a:r>
-              <a:rPr baseline="30000"/>
-              <a:t>136</a:t>
-            </a:r>
-          </a:p>
-          <a:p>
-            <a:pPr lvl="0"/>
-            <a:r>
-              <a:rPr/>
-              <a:t>Teste de mínimos efeitos.</a:t>
-            </a:r>
-            <a:r>
-              <a:rPr baseline="30000"/>
-              <a:t>136</a:t>
-            </a:r>
-          </a:p>
-          <a:p>
-            <a:pPr lvl="0"/>
-            <a:r>
-              <a:rPr/>
-              <a:t>Teste de equivalência.</a:t>
-            </a:r>
-            <a:r>
-              <a:rPr baseline="30000"/>
-              <a:t>136</a:t>
-            </a:r>
-          </a:p>
-          <a:p>
-            <a:pPr lvl="0"/>
-            <a:r>
-              <a:rPr/>
-              <a:t>Teste de inferioridade.</a:t>
-            </a:r>
-            <a:r>
-              <a:rPr baseline="30000"/>
-              <a:t>136</a:t>
-            </a:r>
-          </a:p>
-          <a:p>
-            <a:pPr lvl="0"/>
-            <a:r>
-              <a:rPr/>
-              <a:t>Teste de não-inferioridade.[REF]</a:t>
-            </a:r>
-          </a:p>
-          <a:p>
-            <a:pPr lvl="0"/>
-            <a:r>
-              <a:rPr/>
-              <a:t>Teste de superioridade.[REF]</a:t>
-            </a:r>
-          </a:p>
-          <a:p>
-            <a:pPr lvl="0" indent="0" marL="0">
-              <a:buNone/>
-            </a:pPr>
-          </a:p>
-          <a:p>
-            <a:pPr lvl="0" indent="0" marL="0">
-              <a:spcBef>
-                <a:spcPts val="3000"/>
-              </a:spcBef>
-              <a:buNone/>
-            </a:pPr>
-            <a:r>
-              <a:rPr b="1"/>
-              <a:t>O que são testes unicaudais e bicaudais?</a:t>
-            </a:r>
-          </a:p>
-          <a:p>
-            <a:pPr lvl="0"/>
-            <a:r>
-              <a:rPr/>
-              <a:t>.[REF]</a:t>
-            </a:r>
-          </a:p>
-          <a:p>
-            <a:pPr lvl="0" indent="0" marL="0">
-              <a:buNone/>
-            </a:pPr>
-          </a:p>
-          <a:p>
-            <a:pPr lvl="0" indent="0" marL="0">
-              <a:spcBef>
-                <a:spcPts val="3000"/>
-              </a:spcBef>
-              <a:buNone/>
-            </a:pPr>
-            <a:r>
-              <a:rPr b="1"/>
-              <a:t>O que são resultados ‘positivos’ em teste de hipótese?</a:t>
-            </a:r>
-          </a:p>
-          <a:p>
-            <a:pPr lvl="0"/>
-            <a:r>
-              <a:rPr/>
-              <a:t>.[REF]</a:t>
-            </a:r>
-          </a:p>
-          <a:p>
-            <a:pPr lvl="0" indent="0" marL="0">
-              <a:buNone/>
-            </a:pPr>
-          </a:p>
-          <a:p>
-            <a:pPr lvl="0" indent="0" marL="0">
-              <a:spcBef>
-                <a:spcPts val="3000"/>
-              </a:spcBef>
-              <a:buNone/>
-            </a:pPr>
-            <a:r>
-              <a:rPr b="1"/>
-              <a:t>O que são resultados ‘negativos’ em teste de hipótese?</a:t>
-            </a:r>
-          </a:p>
-          <a:p>
-            <a:pPr lvl="0"/>
-            <a:r>
-              <a:rPr/>
-              <a:t>.[REF]</a:t>
-            </a:r>
-          </a:p>
-          <a:p>
-            <a:pPr lvl="0" indent="0" marL="0">
-              <a:buNone/>
-            </a:pPr>
-          </a:p>
-          <a:p>
-            <a:pPr lvl="0" indent="0" marL="0">
-              <a:spcBef>
-                <a:spcPts val="3000"/>
-              </a:spcBef>
-              <a:buNone/>
-            </a:pPr>
-            <a:r>
-              <a:rPr b="1"/>
-              <a:t>Qual a importância de resultados ‘negativos’?</a:t>
-            </a:r>
-          </a:p>
-          <a:p>
-            <a:pPr lvl="0"/>
-            <a:r>
-              <a:rPr/>
-              <a:t>Conhecer resultados negativos contribui com um visão mais ampla do campo de estudo junto aos resultados positivos.</a:t>
-            </a:r>
-            <a:r>
-              <a:rPr baseline="30000"/>
-              <a:t>137</a:t>
-            </a:r>
-          </a:p>
-          <a:p>
-            <a:pPr lvl="0"/>
-            <a:r>
-              <a:rPr/>
-              <a:t>Resultados negativos permitem um melhor planejamento das pesquisas futuras e pode aumentar suas chances de sucesso.</a:t>
-            </a:r>
-            <a:r>
-              <a:rPr baseline="30000"/>
-              <a:t>137</a:t>
-            </a:r>
-          </a:p>
-          <a:p>
-            <a:pPr lvl="0" indent="0" marL="0">
-              <a:buNone/>
-            </a:pPr>
-          </a:p>
-        </p:txBody>
-      </p:sp>
+      <mc:AlternateContent xmlns:mc="http://schemas.openxmlformats.org/markup-compatibility/2006">
+        <mc:Choice xmlns:a14="http://schemas.microsoft.com/office/drawing/2010/main" Requires="a14">
+          <p:sp>
+            <p:nvSpPr>
+              <p:cNvPr id="3" name="Content Placeholder 2">
+                <a:extLst>
+                  <a:ext uri="{FF2B5EF4-FFF2-40B4-BE49-F238E27FC236}">
+                    <a16:creationId xmlns:a16="http://schemas.microsoft.com/office/drawing/2014/main" id="{1574FA24-F1CC-B240-AAF9-A2DF684B1C54}"/>
+                  </a:ext>
+                </a:extLst>
+              </p:cNvPr>
+              <p:cNvSpPr>
+                <a:spLocks noGrp="1"/>
+              </p:cNvSpPr>
+              <p:nvPr>
+                <p:ph idx="1"/>
+              </p:nvPr>
+            </p:nvSpPr>
+            <p:spPr/>
+            <p:txBody>
+              <a:bodyPr/>
+              <a:lstStyle/>
+              <a:p>
+                <a:pPr lvl="0" indent="0" marL="0">
+                  <a:buNone/>
+                </a:pPr>
+              </a:p>
+              <a:p>
+                <a:pPr lvl="0" indent="0" marL="0">
+                  <a:spcBef>
+                    <a:spcPts val="3000"/>
+                  </a:spcBef>
+                  <a:buNone/>
+                </a:pPr>
+                <a:r>
+                  <a:rPr b="1"/>
+                  <a:t>O que são erros de inferência estatística?</a:t>
+                </a:r>
+              </a:p>
+              <a:p>
+                <a:pPr lvl="0"/>
+                <a:r>
+                  <a:rPr/>
+                  <a:t>Um erro de inferência é a tomada de decisão incorreta, seja a favor ou contra a hipótese nula.</a:t>
+                </a:r>
+                <a:r>
+                  <a:rPr baseline="30000"/>
+                  <a:t>133</a:t>
+                </a:r>
+              </a:p>
+              <a:p>
+                <a:pPr lvl="0" indent="0" marL="0">
+                  <a:buNone/>
+                </a:pPr>
+              </a:p>
+              <a:p>
+                <a:pPr lvl="0" indent="0" marL="0">
+                  <a:spcBef>
+                    <a:spcPts val="3000"/>
+                  </a:spcBef>
+                  <a:buNone/>
+                </a:pPr>
+                <a:r>
+                  <a:rPr b="1"/>
+                  <a:t>O que é erro amostral?</a:t>
+                </a:r>
+              </a:p>
+              <a:p>
+                <a:pPr lvl="0"/>
+                <a:r>
+                  <a:rPr/>
+                  <a:t>.[REF]</a:t>
+                </a:r>
+              </a:p>
+              <a:p>
+                <a:pPr lvl="0" indent="0" marL="0">
+                  <a:buNone/>
+                </a:pPr>
+              </a:p>
+              <a:p>
+                <a:pPr lvl="0" indent="0" marL="0">
+                  <a:spcBef>
+                    <a:spcPts val="3000"/>
+                  </a:spcBef>
+                  <a:buNone/>
+                </a:pPr>
+                <a:r>
+                  <a:rPr b="1"/>
+                  <a:t>O que é erro tipo I?</a:t>
+                </a:r>
+              </a:p>
+              <a:p>
+                <a:pPr lvl="0"/>
+                <a:r>
+                  <a:rPr/>
+                  <a:t>Erro tipo I significa a rejeição de uma hipótese nula (</a:t>
+                </a:r>
+                <a14:m>
+                  <m:oMath xmlns:m="http://schemas.openxmlformats.org/officeDocument/2006/math">
+                    <m:sSub>
+                      <m:e>
+                        <m:r>
+                          <m:t>H</m:t>
+                        </m:r>
+                      </m:e>
+                      <m:sub>
+                        <m:r>
+                          <m:t>0</m:t>
+                        </m:r>
+                      </m:sub>
+                    </m:sSub>
+                  </m:oMath>
+                </a14:m>
+                <a:r>
+                  <a:rPr/>
+                  <a:t>) quando esta é verdadeira.</a:t>
+                </a:r>
+                <a:r>
+                  <a:rPr baseline="30000"/>
+                  <a:t>133</a:t>
+                </a:r>
+              </a:p>
+              <a:p>
+                <a:pPr lvl="0" indent="0" marL="0">
+                  <a:buNone/>
+                </a:pPr>
+              </a:p>
+              <a:p>
+                <a:pPr lvl="0" indent="0" marL="0">
+                  <a:spcBef>
+                    <a:spcPts val="3000"/>
+                  </a:spcBef>
+                  <a:buNone/>
+                </a:pPr>
+                <a:r>
+                  <a:rPr b="1"/>
+                  <a:t>O que é erro tipo II?</a:t>
+                </a:r>
+              </a:p>
+              <a:p>
+                <a:pPr lvl="0"/>
+                <a:r>
+                  <a:rPr/>
+                  <a:t>Erro tipo II significa a não rejeição de uma hipótese nula (</a:t>
+                </a:r>
+                <a14:m>
+                  <m:oMath xmlns:m="http://schemas.openxmlformats.org/officeDocument/2006/math">
+                    <m:sSub>
+                      <m:e>
+                        <m:r>
+                          <m:t>H</m:t>
+                        </m:r>
+                      </m:e>
+                      <m:sub>
+                        <m:r>
+                          <m:t>0</m:t>
+                        </m:r>
+                      </m:sub>
+                    </m:sSub>
+                  </m:oMath>
+                </a14:m>
+                <a:r>
+                  <a:rPr/>
+                  <a:t>) quando esta é falsa.</a:t>
+                </a:r>
+                <a:r>
+                  <a:rPr baseline="30000"/>
+                  <a:t>133</a:t>
+                </a:r>
+              </a:p>
+              <a:p>
+                <a:pPr lvl="0" indent="0" marL="0">
+                  <a:buNone/>
+                </a:pPr>
+              </a:p>
+              <a:p>
+                <a:pPr lvl="0" indent="0" marL="0">
+                  <a:spcBef>
+                    <a:spcPts val="3000"/>
+                  </a:spcBef>
+                  <a:buNone/>
+                </a:pPr>
+                <a:r>
+                  <a:rPr b="1"/>
+                  <a:t>Qual a relação entre os erros tipo I e II?</a:t>
+                </a:r>
+              </a:p>
+              <a:p>
+                <a:pPr lvl="0"/>
+                <a:r>
+                  <a:rPr/>
+                  <a:t>.[REF]</a:t>
+                </a:r>
+              </a:p>
+              <a:p>
+                <a:pPr lvl="0" indent="0" marL="0">
+                  <a:buNone/>
+                </a:pPr>
+              </a:p>
+            </p:txBody>
+          </p:sp>
+        </mc:Choice>
+      </mc:AlternateContent>
     </p:spTree>
   </p:cSld>
 </p:sld>
@@ -6224,457 +6507,62 @@
             </a:pPr>
             <a:r>
               <a:rPr/>
-              <a:t>Testes paramétrico e não paramétrico</a:t>
+              <a:t>P-valor</a:t>
             </a:r>
           </a:p>
         </p:txBody>
       </p:sp>
-      <mc:AlternateContent xmlns:mc="http://schemas.openxmlformats.org/markup-compatibility/2006">
-        <mc:Choice xmlns:a14="http://schemas.microsoft.com/office/drawing/2010/main" Requires="a14">
-          <p:sp>
-            <p:nvSpPr>
-              <p:cNvPr id="3" name="Content Placeholder 2">
-                <a:extLst>
-                  <a:ext uri="{FF2B5EF4-FFF2-40B4-BE49-F238E27FC236}">
-                    <a16:creationId xmlns:a16="http://schemas.microsoft.com/office/drawing/2014/main" id="{1574FA24-F1CC-B240-AAF9-A2DF684B1C54}"/>
-                  </a:ext>
-                </a:extLst>
-              </p:cNvPr>
-              <p:cNvSpPr>
-                <a:spLocks noGrp="1"/>
-              </p:cNvSpPr>
-              <p:nvPr>
-                <p:ph idx="1"/>
-              </p:nvPr>
-            </p:nvSpPr>
-            <p:spPr/>
-            <p:txBody>
-              <a:bodyPr/>
-              <a:lstStyle/>
-              <a:p>
-                <a:pPr lvl="0" indent="0" marL="0">
-                  <a:buNone/>
-                </a:pPr>
-              </a:p>
-              <a:p>
-                <a:pPr lvl="0" indent="0" marL="0">
-                  <a:spcBef>
-                    <a:spcPts val="3000"/>
-                  </a:spcBef>
-                  <a:buNone/>
-                </a:pPr>
-                <a:r>
-                  <a:rPr b="1"/>
-                  <a:t>O que é um teste paramétrico?</a:t>
-                </a:r>
-              </a:p>
-              <a:p>
-                <a:pPr lvl="0"/>
-                <a:r>
-                  <a:rPr/>
-                  <a:t>Testes paramétricos possuem suposições sobre as características e/ou parâmetros da distribuição dos dados na população.</a:t>
-                </a:r>
-                <a:r>
-                  <a:rPr baseline="30000"/>
-                  <a:t>19</a:t>
-                </a:r>
-              </a:p>
-              <a:p>
-                <a:pPr lvl="0"/>
-                <a:r>
-                  <a:rPr/>
-                  <a:t>Testes paramétricos assumem que: a variável é quantitativa numérica (contínua); os dados foram amostrados de uma população com distribuição normal; a variância da(S) amostra(s) é igual à da população; as amostras foram selecionadas de modo aleatório na população; os valores de cada amostra são independentes entre si.</a:t>
-                </a:r>
-                <a:r>
-                  <a:rPr baseline="30000"/>
-                  <a:t>19,32</a:t>
-                </a:r>
-              </a:p>
-              <a:p>
-                <a:pPr lvl="0" indent="0" marL="0">
-                  <a:buNone/>
-                </a:pPr>
-              </a:p>
-              <a:p>
-                <a:pPr lvl="0" indent="0" marL="0">
-                  <a:spcBef>
-                    <a:spcPts val="3000"/>
-                  </a:spcBef>
-                  <a:buNone/>
-                </a:pPr>
-                <a:r>
-                  <a:rPr b="1"/>
-                  <a:t>O que é um teste não paramétrico?</a:t>
-                </a:r>
-              </a:p>
-              <a:p>
-                <a:pPr lvl="0"/>
-                <a:r>
-                  <a:rPr/>
-                  <a:t>Testes não-paramétricos fazem poucas suposições, ou menos rigorosas, sobre as características e/ou parâmetros da distribuição dos dados na população.</a:t>
-                </a:r>
-                <a:r>
-                  <a:rPr baseline="30000"/>
-                  <a:t>19,32</a:t>
-                </a:r>
-              </a:p>
-              <a:p>
-                <a:pPr lvl="0"/>
-                <a:r>
-                  <a:rPr/>
-                  <a:t>Testes não-paramétricos são úteis quando as suposições de normalidade não podem ser sustentadas.</a:t>
-                </a:r>
-                <a:r>
-                  <a:rPr baseline="30000"/>
-                  <a:t>32</a:t>
-                </a:r>
-              </a:p>
-              <a:p>
-                <a:pPr lvl="0" indent="0" marL="0">
-                  <a:buNone/>
-                </a:pPr>
-              </a:p>
-              <a:p>
-                <a:pPr lvl="0" indent="0" marL="0">
-                  <a:spcBef>
-                    <a:spcPts val="3000"/>
-                  </a:spcBef>
-                  <a:buNone/>
-                </a:pPr>
-                <a:r>
-                  <a:rPr b="1"/>
-                  <a:t>Por que os testes paramétricos são preferidos?</a:t>
-                </a:r>
-              </a:p>
-              <a:p>
-                <a:pPr lvl="0"/>
-                <a:r>
-                  <a:rPr/>
-                  <a:t>Em geral, testes paramétricos são mais robustos (isto é, possuem menores erros tipo I e II) que seus testes não-paramétricos correspondentes.</a:t>
-                </a:r>
-                <a:r>
-                  <a:rPr baseline="30000"/>
-                  <a:t>19</a:t>
-                </a:r>
-              </a:p>
-              <a:p>
-                <a:pPr lvl="0"/>
-                <a:r>
-                  <a:rPr/>
-                  <a:t>Testes não-paramétricos apresentam menor poder estatístico (maior erro tipo II) comparados aos testes paramétricos correspondentes.</a:t>
-                </a:r>
-                <a:r>
-                  <a:rPr baseline="30000"/>
-                  <a:t>32</a:t>
-                </a:r>
-              </a:p>
-              <a:p>
-                <a:pPr lvl="0" indent="0" marL="0">
-                  <a:buNone/>
-                </a:pPr>
-                <a:r>
-                  <a:rPr/>
-                  <a:t> ## Erros de inferência</a:t>
-                </a:r>
-              </a:p>
-              <a:p>
-                <a:pPr lvl="0" indent="0" marL="0">
-                  <a:buNone/>
-                </a:pPr>
-              </a:p>
-              <a:p>
-                <a:pPr lvl="0" indent="0" marL="0">
-                  <a:spcBef>
-                    <a:spcPts val="3000"/>
-                  </a:spcBef>
-                  <a:buNone/>
-                </a:pPr>
-                <a:r>
-                  <a:rPr b="1"/>
-                  <a:t>O que são erros de inferência estatística?</a:t>
-                </a:r>
-              </a:p>
-              <a:p>
-                <a:pPr lvl="0"/>
-                <a:r>
-                  <a:rPr/>
-                  <a:t>Um erro de inferência é a tomada de decisão incorreta, seja a favor ou contra a hipótese nula.</a:t>
-                </a:r>
-                <a:r>
-                  <a:rPr baseline="30000"/>
-                  <a:t>133</a:t>
-                </a:r>
-              </a:p>
-              <a:p>
-                <a:pPr lvl="0" indent="0" marL="0">
-                  <a:buNone/>
-                </a:pPr>
-              </a:p>
-              <a:p>
-                <a:pPr lvl="0" indent="0" marL="0">
-                  <a:spcBef>
-                    <a:spcPts val="3000"/>
-                  </a:spcBef>
-                  <a:buNone/>
-                </a:pPr>
-                <a:r>
-                  <a:rPr b="1"/>
-                  <a:t>O que é erro amostral?</a:t>
-                </a:r>
-              </a:p>
-              <a:p>
-                <a:pPr lvl="0"/>
-                <a:r>
-                  <a:rPr/>
-                  <a:t>.[REF]</a:t>
-                </a:r>
-              </a:p>
-              <a:p>
-                <a:pPr lvl="0" indent="0" marL="0">
-                  <a:buNone/>
-                </a:pPr>
-              </a:p>
-              <a:p>
-                <a:pPr lvl="0" indent="0" marL="0">
-                  <a:spcBef>
-                    <a:spcPts val="3000"/>
-                  </a:spcBef>
-                  <a:buNone/>
-                </a:pPr>
-                <a:r>
-                  <a:rPr b="1"/>
-                  <a:t>O que é erro tipo I?</a:t>
-                </a:r>
-              </a:p>
-              <a:p>
-                <a:pPr lvl="0"/>
-                <a:r>
-                  <a:rPr/>
-                  <a:t>Erro tipo I significa a rejeição de uma hipótese nula (</a:t>
-                </a:r>
-                <a14:m>
-                  <m:oMath xmlns:m="http://schemas.openxmlformats.org/officeDocument/2006/math">
-                    <m:sSub>
-                      <m:e>
-                        <m:r>
-                          <m:t>H</m:t>
-                        </m:r>
-                      </m:e>
-                      <m:sub>
-                        <m:r>
-                          <m:t>0</m:t>
-                        </m:r>
-                      </m:sub>
-                    </m:sSub>
-                  </m:oMath>
-                </a14:m>
-                <a:r>
-                  <a:rPr/>
-                  <a:t>) quando esta é verdadeira.</a:t>
-                </a:r>
-                <a:r>
-                  <a:rPr baseline="30000"/>
-                  <a:t>133</a:t>
-                </a:r>
-              </a:p>
-              <a:p>
-                <a:pPr lvl="0" indent="0" marL="0">
-                  <a:buNone/>
-                </a:pPr>
-              </a:p>
-              <a:p>
-                <a:pPr lvl="0" indent="0" marL="0">
-                  <a:spcBef>
-                    <a:spcPts val="3000"/>
-                  </a:spcBef>
-                  <a:buNone/>
-                </a:pPr>
-                <a:r>
-                  <a:rPr b="1"/>
-                  <a:t>O que é erro tipo II?</a:t>
-                </a:r>
-              </a:p>
-              <a:p>
-                <a:pPr lvl="0"/>
-                <a:r>
-                  <a:rPr/>
-                  <a:t>Erro tipo II significa a não rejeição de uma hipótese nula (</a:t>
-                </a:r>
-                <a14:m>
-                  <m:oMath xmlns:m="http://schemas.openxmlformats.org/officeDocument/2006/math">
-                    <m:sSub>
-                      <m:e>
-                        <m:r>
-                          <m:t>H</m:t>
-                        </m:r>
-                      </m:e>
-                      <m:sub>
-                        <m:r>
-                          <m:t>0</m:t>
-                        </m:r>
-                      </m:sub>
-                    </m:sSub>
-                  </m:oMath>
-                </a14:m>
-                <a:r>
-                  <a:rPr/>
-                  <a:t>) quando esta é falsa.</a:t>
-                </a:r>
-                <a:r>
-                  <a:rPr baseline="30000"/>
-                  <a:t>133</a:t>
-                </a:r>
-              </a:p>
-              <a:p>
-                <a:pPr lvl="0" indent="0" marL="0">
-                  <a:buNone/>
-                </a:pPr>
-              </a:p>
-              <a:p>
-                <a:pPr lvl="0" indent="0" marL="0">
-                  <a:spcBef>
-                    <a:spcPts val="3000"/>
-                  </a:spcBef>
-                  <a:buNone/>
-                </a:pPr>
-                <a:r>
-                  <a:rPr b="1"/>
-                  <a:t>O que é poder do teste?</a:t>
-                </a:r>
-              </a:p>
-              <a:p>
-                <a:pPr lvl="0"/>
-                <a:r>
-                  <a:rPr/>
-                  <a:t>Poder do teste é a probabilidade de rejeitar a hipótese nula (</a:t>
-                </a:r>
-                <a14:m>
-                  <m:oMath xmlns:m="http://schemas.openxmlformats.org/officeDocument/2006/math">
-                    <m:sSub>
-                      <m:e>
-                        <m:r>
-                          <m:t>H</m:t>
-                        </m:r>
-                      </m:e>
-                      <m:sub>
-                        <m:r>
-                          <m:t>0</m:t>
-                        </m:r>
-                      </m:sub>
-                    </m:sSub>
-                  </m:oMath>
-                </a14:m>
-                <a:r>
-                  <a:rPr/>
-                  <a:t>) quando esta é falsa.</a:t>
-                </a:r>
-                <a:r>
-                  <a:rPr baseline="30000"/>
-                  <a:t>133</a:t>
-                </a:r>
-              </a:p>
-              <a:p>
-                <a:pPr lvl="0"/>
-                <a:r>
-                  <a:rPr/>
-                  <a:t>Poder do teste pode ser calculado como (</a:t>
-                </a:r>
-                <a14:m>
-                  <m:oMath xmlns:m="http://schemas.openxmlformats.org/officeDocument/2006/math">
-                    <m:r>
-                      <m:t>1</m:t>
-                    </m:r>
-                    <m:r>
-                      <m:rPr>
-                        <m:sty m:val="p"/>
-                      </m:rPr>
-                      <m:t>−</m:t>
-                    </m:r>
-                    <m:r>
-                      <m:t>β</m:t>
-                    </m:r>
-                  </m:oMath>
-                </a14:m>
-                <a:r>
-                  <a:rPr/>
-                  <a:t>).</a:t>
-                </a:r>
-                <a:r>
-                  <a:rPr baseline="30000"/>
-                  <a:t>133</a:t>
-                </a:r>
-              </a:p>
-              <a:p>
-                <a:pPr lvl="0" indent="0" marL="0">
-                  <a:buNone/>
-                </a:pPr>
-              </a:p>
-              <a:p>
-                <a:pPr lvl="0" indent="0" marL="0">
-                  <a:spcBef>
-                    <a:spcPts val="3000"/>
-                  </a:spcBef>
-                  <a:buNone/>
-                </a:pPr>
-                <a:r>
-                  <a:rPr b="1"/>
-                  <a:t>Qual a relação entre os erros tipo I e II?</a:t>
-                </a:r>
-              </a:p>
-              <a:p>
-                <a:pPr lvl="0"/>
-                <a:r>
-                  <a:rPr/>
-                  <a:t>.[REF]</a:t>
-                </a:r>
-              </a:p>
-              <a:p>
-                <a:pPr lvl="0" indent="0" marL="0">
-                  <a:buNone/>
-                </a:pPr>
-              </a:p>
-              <a:p>
-                <a:pPr lvl="0" indent="0" marL="0">
-                  <a:buNone/>
-                </a:pPr>
-                <a:r>
-                  <a:rPr/>
-                  <a:t>x## P-valor {#p-valor}</a:t>
-                </a:r>
-              </a:p>
-              <a:p>
-                <a:pPr lvl="0" indent="0" marL="0">
-                  <a:buNone/>
-                </a:pPr>
-              </a:p>
-              <a:p>
-                <a:pPr lvl="0" indent="0" marL="0">
-                  <a:spcBef>
-                    <a:spcPts val="3000"/>
-                  </a:spcBef>
-                  <a:buNone/>
-                </a:pPr>
-                <a:r>
-                  <a:rPr b="1"/>
-                  <a:t>O que é o P-valor?</a:t>
-                </a:r>
-              </a:p>
-              <a:p>
-                <a:pPr lvl="0"/>
-                <a:r>
-                  <a:rPr/>
-                  <a:t>.[REF]</a:t>
-                </a:r>
-              </a:p>
-              <a:p>
-                <a:pPr lvl="0" indent="0" marL="0">
-                  <a:buNone/>
-                </a:pPr>
-              </a:p>
-            </p:txBody>
-          </p:sp>
-        </mc:Choice>
-      </mc:AlternateContent>
+      <p:sp>
+        <p:nvSpPr>
+          <p:cNvPr id="3" name="Content Placeholder 2">
+            <a:extLst>
+              <a:ext uri="{FF2B5EF4-FFF2-40B4-BE49-F238E27FC236}">
+                <a16:creationId xmlns:a16="http://schemas.microsoft.com/office/drawing/2014/main" id="{1574FA24-F1CC-B240-AAF9-A2DF684B1C54}"/>
+              </a:ext>
+            </a:extLst>
+          </p:cNvPr>
+          <p:cNvSpPr>
+            <a:spLocks noGrp="1"/>
+          </p:cNvSpPr>
+          <p:nvPr>
+            <p:ph idx="1"/>
+          </p:nvPr>
+        </p:nvSpPr>
+        <p:spPr/>
+        <p:txBody>
+          <a:bodyPr/>
+          <a:lstStyle/>
+          <a:p>
+            <a:pPr lvl="0" indent="0" marL="0">
+              <a:buNone/>
+            </a:pPr>
+          </a:p>
+          <a:p>
+            <a:pPr lvl="0" indent="0" marL="0">
+              <a:spcBef>
+                <a:spcPts val="3000"/>
+              </a:spcBef>
+              <a:buNone/>
+            </a:pPr>
+            <a:r>
+              <a:rPr b="1"/>
+              <a:t>O que é o P-valor?</a:t>
+            </a:r>
+          </a:p>
+          <a:p>
+            <a:pPr lvl="0"/>
+            <a:r>
+              <a:rPr/>
+              <a:t>.[REF]</a:t>
+            </a:r>
+          </a:p>
+          <a:p>
+            <a:pPr lvl="0" indent="0" marL="0">
+              <a:buNone/>
+            </a:pPr>
+          </a:p>
+        </p:txBody>
+      </p:sp>
     </p:spTree>
   </p:cSld>
 </p:sld>
@@ -6808,7 +6696,7 @@
                 </a:r>
                 <a:r>
                   <a:rPr baseline="30000"/>
-                  <a:t>135</a:t>
+                  <a:t>137</a:t>
                 </a:r>
               </a:p>
               <a:p>
@@ -6836,7 +6724,7 @@
                 </a:r>
                 <a:r>
                   <a:rPr baseline="30000"/>
-                  <a:t>135,138</a:t>
+                  <a:t>137,138</a:t>
                 </a:r>
               </a:p>
               <a:p>
@@ -6924,7 +6812,7 @@
                 </a:r>
                 <a:r>
                   <a:rPr baseline="30000"/>
-                  <a:t>135,138</a:t>
+                  <a:t>137,138</a:t>
                 </a:r>
               </a:p>
               <a:p>
@@ -7202,6 +7090,85 @@
             <p:txBody>
               <a:bodyPr/>
               <a:lstStyle/>
+              <a:p>
+                <a:pPr lvl="0" indent="0" marL="0">
+                  <a:buNone/>
+                </a:pPr>
+              </a:p>
+              <a:p>
+                <a:pPr lvl="0" indent="0" marL="0">
+                  <a:spcBef>
+                    <a:spcPts val="3000"/>
+                  </a:spcBef>
+                  <a:buNone/>
+                </a:pPr>
+                <a:r>
+                  <a:rPr b="1"/>
+                  <a:t>O que é poder do teste?</a:t>
+                </a:r>
+              </a:p>
+              <a:p>
+                <a:pPr lvl="0"/>
+                <a:r>
+                  <a:rPr/>
+                  <a:t>Poder do teste é a probabilidade de rejeitar a hipótese nula (</a:t>
+                </a:r>
+                <a14:m>
+                  <m:oMath xmlns:m="http://schemas.openxmlformats.org/officeDocument/2006/math">
+                    <m:sSub>
+                      <m:e>
+                        <m:r>
+                          <m:t>H</m:t>
+                        </m:r>
+                      </m:e>
+                      <m:sub>
+                        <m:r>
+                          <m:t>0</m:t>
+                        </m:r>
+                      </m:sub>
+                    </m:sSub>
+                  </m:oMath>
+                </a14:m>
+                <a:r>
+                  <a:rPr/>
+                  <a:t>) quando esta é falsa.</a:t>
+                </a:r>
+                <a:r>
+                  <a:rPr baseline="30000"/>
+                  <a:t>133</a:t>
+                </a:r>
+              </a:p>
+              <a:p>
+                <a:pPr lvl="0"/>
+                <a:r>
+                  <a:rPr/>
+                  <a:t>Poder do teste pode ser calculado como (</a:t>
+                </a:r>
+                <a14:m>
+                  <m:oMath xmlns:m="http://schemas.openxmlformats.org/officeDocument/2006/math">
+                    <m:r>
+                      <m:t>1</m:t>
+                    </m:r>
+                    <m:r>
+                      <m:rPr>
+                        <m:sty m:val="p"/>
+                      </m:rPr>
+                      <m:t>−</m:t>
+                    </m:r>
+                    <m:r>
+                      <m:t>β</m:t>
+                    </m:r>
+                  </m:oMath>
+                </a14:m>
+                <a:r>
+                  <a:rPr/>
+                  <a:t>).</a:t>
+                </a:r>
+                <a:r>
+                  <a:rPr baseline="30000"/>
+                  <a:t>133</a:t>
+                </a:r>
+              </a:p>
               <a:p>
                 <a:pPr lvl="0" indent="0" marL="0">
                   <a:buNone/>
@@ -21768,6 +21735,44 @@
               <a:buNone/>
             </a:pPr>
           </a:p>
+          <a:p>
+            <a:pPr lvl="0" indent="0" marL="0">
+              <a:spcBef>
+                <a:spcPts val="3000"/>
+              </a:spcBef>
+              <a:buNone/>
+            </a:pPr>
+            <a:r>
+              <a:rPr b="1"/>
+              <a:t>Por que usar R?</a:t>
+            </a:r>
+          </a:p>
+          <a:p>
+            <a:pPr lvl="0"/>
+            <a:r>
+              <a:rPr/>
+              <a:t>R é o software de maior abrangência de métodos estatísticos, possui sintaxe que permite análises estatísticas reproduzíveis e está disponível gratuitamente no website CRAN (</a:t>
+            </a:r>
+            <a:r>
+              <a:rPr>
+                <a:hlinkClick r:id="rId4"/>
+              </a:rPr>
+              <a:t>http://cran.r-project.org/</a:t>
+            </a:r>
+            <a:r>
+              <a:rPr/>
+              <a:t>).</a:t>
+            </a:r>
+            <a:r>
+              <a:rPr baseline="30000"/>
+              <a:t>155</a:t>
+            </a:r>
+          </a:p>
+          <a:p>
+            <a:pPr lvl="0" indent="0" marL="0">
+              <a:buNone/>
+            </a:pPr>
+          </a:p>
         </p:txBody>
       </p:sp>
     </p:spTree>
@@ -21923,7 +21928,7 @@
             </a:r>
             <a:r>
               <a:rPr baseline="30000"/>
-              <a:t>155</a:t>
+              <a:t>156</a:t>
             </a:r>
           </a:p>
           <a:p>
@@ -21934,7 +21939,7 @@
             </a:r>
             <a:r>
               <a:rPr baseline="30000"/>
-              <a:t>155</a:t>
+              <a:t>156</a:t>
             </a:r>
           </a:p>
           <a:p>
@@ -21945,7 +21950,7 @@
             </a:r>
             <a:r>
               <a:rPr baseline="30000"/>
-              <a:t>155</a:t>
+              <a:t>156</a:t>
             </a:r>
           </a:p>
           <a:p>
@@ -21956,7 +21961,7 @@
             </a:r>
             <a:r>
               <a:rPr baseline="30000"/>
-              <a:t>155</a:t>
+              <a:t>156</a:t>
             </a:r>
           </a:p>
           <a:p>
@@ -21967,7 +21972,7 @@
             </a:r>
             <a:r>
               <a:rPr baseline="30000"/>
-              <a:t>155,156</a:t>
+              <a:t>156,157</a:t>
             </a:r>
           </a:p>
           <a:p>
@@ -21978,7 +21983,7 @@
             </a:r>
             <a:r>
               <a:rPr baseline="30000"/>
-              <a:t>155</a:t>
+              <a:t>156</a:t>
             </a:r>
           </a:p>
           <a:p>
@@ -21989,7 +21994,79 @@
             </a:r>
             <a:r>
               <a:rPr baseline="30000"/>
-              <a:t>155</a:t>
+              <a:t>156</a:t>
+            </a:r>
+          </a:p>
+          <a:p>
+            <a:pPr lvl="0" indent="0" marL="0">
+              <a:buNone/>
+            </a:pPr>
+          </a:p>
+          <a:p>
+            <a:pPr lvl="0" indent="0" marL="0">
+              <a:buNone/>
+            </a:pPr>
+            <a:r>
+              <a:rPr/>
+              <a:t>O pacote </a:t>
+            </a:r>
+            <a:r>
+              <a:rPr i="1"/>
+              <a:t>grateful</a:t>
+            </a:r>
+            <a:r>
+              <a:rPr baseline="30000"/>
+              <a:t>158</a:t>
+            </a:r>
+            <a:r>
+              <a:rPr/>
+              <a:t> fornece a função </a:t>
+            </a:r>
+            <a:r>
+              <a:rPr i="1">
+                <a:hlinkClick r:id="rId3"/>
+              </a:rPr>
+              <a:t>cite_packages</a:t>
+            </a:r>
+            <a:r>
+              <a:rPr/>
+              <a:t> para citar os pacotes utilizados em um projeto R.</a:t>
+            </a:r>
+          </a:p>
+          <a:p>
+            <a:pPr lvl="0" indent="0" marL="0">
+              <a:buNone/>
+            </a:pPr>
+          </a:p>
+          <a:p>
+            <a:pPr lvl="0" indent="0" marL="0">
+              <a:buNone/>
+            </a:pPr>
+            <a:r>
+              <a:rPr/>
+              <a:t>O pacote </a:t>
+            </a:r>
+            <a:r>
+              <a:rPr i="1"/>
+              <a:t>formatR</a:t>
+            </a:r>
+            <a:r>
+              <a:rPr baseline="30000"/>
+              <a:t>159</a:t>
+            </a:r>
+            <a:r>
+              <a:rPr/>
+              <a:t> fornece a função </a:t>
+            </a:r>
+            <a:r>
+              <a:rPr i="1">
+                <a:hlinkClick r:id="rId4"/>
+              </a:rPr>
+              <a:t>tidy_source</a:t>
+            </a:r>
+            <a:r>
+              <a:rPr/>
+              <a:t> para formatar um R script.</a:t>
             </a:r>
           </a:p>
           <a:p>
@@ -22006,177 +22083,16 @@
             </a:pPr>
             <a:r>
               <a:rPr b="1"/>
-              <a:t>O que pode ser compartilhado?</a:t>
+              <a:t>Que programas de computador gratuitos podem ser usados para análise estatística com R?</a:t>
             </a:r>
           </a:p>
           <a:p>
             <a:pPr lvl="0"/>
             <a:r>
-              <a:rPr/>
-              <a:t>Idealmente, todos os scripts, pacotes/bibliotecas e dados necessários para outros reproduzirem seus dados.</a:t>
-            </a:r>
-            <a:r>
-              <a:rPr baseline="30000"/>
-              <a:t>156</a:t>
-            </a:r>
-          </a:p>
-          <a:p>
-            <a:pPr lvl="0"/>
-            <a:r>
-              <a:rPr/>
-              <a:t>Minimamente, partes importantes incluindo implementações de novos algoritmos e dados que permitam reproduzir um resultado importante.</a:t>
-            </a:r>
-            <a:r>
-              <a:rPr baseline="30000"/>
-              <a:t>156</a:t>
-            </a:r>
-          </a:p>
-          <a:p>
-            <a:pPr lvl="0" indent="0" marL="0">
-              <a:buNone/>
-            </a:pPr>
-          </a:p>
-          <a:p>
-            <a:pPr lvl="0" indent="0" marL="0">
-              <a:spcBef>
-                <a:spcPts val="3000"/>
-              </a:spcBef>
-              <a:buNone/>
-            </a:pPr>
-            <a:r>
-              <a:rPr b="1"/>
-              <a:t>Como preparar os scripts para compartilhamento?</a:t>
-            </a:r>
-          </a:p>
-          <a:p>
-            <a:pPr lvl="0"/>
-            <a:r>
-              <a:rPr/>
-              <a:t>Crie links persistentes para versões do seu script.</a:t>
-            </a:r>
-            <a:r>
-              <a:rPr baseline="30000"/>
-              <a:t>156</a:t>
-            </a:r>
-          </a:p>
-          <a:p>
-            <a:pPr lvl="0"/>
-            <a:r>
-              <a:rPr/>
-              <a:t>Escolha uma licença apropriada para garantir como outros usarão seus scripts.</a:t>
-            </a:r>
-            <a:r>
-              <a:rPr baseline="30000"/>
-              <a:t>156</a:t>
-            </a:r>
-          </a:p>
-          <a:p>
-            <a:pPr lvl="0"/>
-            <a:r>
-              <a:rPr/>
-              <a:t>Providencie a documentação sobre seu script (ex.: arquivos </a:t>
-            </a:r>
-            <a:r>
-              <a:rPr i="1"/>
-              <a:t>README</a:t>
-            </a:r>
-            <a:r>
-              <a:rPr/>
-              <a:t>).</a:t>
-            </a:r>
-            <a:r>
-              <a:rPr baseline="30000"/>
-              <a:t>156</a:t>
-            </a:r>
-          </a:p>
-          <a:p>
-            <a:pPr lvl="0"/>
-            <a:r>
-              <a:rPr/>
-              <a:t>Compartilhar todos os pacotes relacionados à sua análise.</a:t>
-            </a:r>
-            <a:r>
-              <a:rPr baseline="30000"/>
-              <a:t>157</a:t>
-            </a:r>
-          </a:p>
-          <a:p>
-            <a:pPr lvl="0" indent="0" marL="0">
-              <a:buNone/>
-            </a:pPr>
-          </a:p>
-          <a:p>
-            <a:pPr lvl="0" indent="0" marL="0">
-              <a:buNone/>
-            </a:pPr>
-            <a:r>
-              <a:rPr/>
-              <a:t>O pacote </a:t>
-            </a:r>
-            <a:r>
-              <a:rPr i="1"/>
-              <a:t>formatR</a:t>
-            </a:r>
-            <a:r>
-              <a:rPr baseline="30000"/>
-              <a:t>158</a:t>
-            </a:r>
-            <a:r>
-              <a:rPr/>
-              <a:t> fornece a função </a:t>
-            </a:r>
-            <a:r>
-              <a:rPr i="1">
-                <a:hlinkClick r:id="rId3"/>
-              </a:rPr>
-              <a:t>tidy_source</a:t>
-            </a:r>
-            <a:r>
-              <a:rPr/>
-              <a:t> para formatar um R script.</a:t>
-            </a:r>
-          </a:p>
-          <a:p>
-            <a:pPr lvl="0" indent="0" marL="0">
-              <a:buNone/>
-            </a:pPr>
-          </a:p>
-          <a:p>
-            <a:pPr lvl="0" indent="0" marL="0">
-              <a:spcBef>
-                <a:spcPts val="3000"/>
-              </a:spcBef>
-              <a:buNone/>
-            </a:pPr>
-            <a:r>
-              <a:rPr b="1"/>
-              <a:t>Que programas de computador gratuitos podem ser usados para análise estatística com R?</a:t>
-            </a:r>
-          </a:p>
-          <a:p>
-            <a:pPr lvl="0"/>
-            <a:r>
-              <a:rPr>
-                <a:hlinkClick r:id="rId4"/>
+              <a:rPr>
+                <a:hlinkClick r:id="rId5"/>
               </a:rPr>
               <a:t>JASP</a:t>
-            </a:r>
-            <a:r>
-              <a:rPr/>
-              <a:t>.</a:t>
-            </a:r>
-            <a:r>
-              <a:rPr baseline="30000"/>
-              <a:t>159</a:t>
-            </a:r>
-          </a:p>
-          <a:p>
-            <a:pPr lvl="0"/>
-            <a:r>
-              <a:rPr>
-                <a:hlinkClick r:id="rId5"/>
-              </a:rPr>
-              <a:t>jamovi</a:t>
             </a:r>
             <a:r>
               <a:rPr/>
@@ -22185,6 +22101,23 @@
             <a:r>
               <a:rPr baseline="30000"/>
               <a:t>160</a:t>
+            </a:r>
+          </a:p>
+          <a:p>
+            <a:pPr lvl="0"/>
+            <a:r>
+              <a:rPr>
+                <a:hlinkClick r:id="rId6"/>
+              </a:rPr>
+              <a:t>jamovi</a:t>
+            </a:r>
+            <a:r>
+              <a:rPr/>
+              <a:t>.</a:t>
+            </a:r>
+            <a:r>
+              <a:rPr baseline="30000"/>
+              <a:t>161</a:t>
             </a:r>
           </a:p>
           <a:p>
@@ -22351,22 +22284,67 @@
             <a:pPr lvl="0"/>
             <a:r>
               <a:rPr/>
-              <a:t>Reprodutibilidade em ciência é a habilidade de se obter resultados iguais ou similares quando um experimento ou teste é repetido.</a:t>
+              <a:t>Reprodutibilidade é a habilidade de se obter resultados iguais ou similares quando uma análise ou teste estatístico é repetido.</a:t>
             </a:r>
             <a:r>
               <a:rPr baseline="30000"/>
-              <a:t>161</a:t>
+              <a:t>155,162,163</a:t>
+            </a:r>
+          </a:p>
+          <a:p>
+            <a:pPr lvl="0" indent="0" marL="0">
+              <a:buNone/>
+            </a:pPr>
+          </a:p>
+          <a:p>
+            <a:pPr lvl="0" indent="0" marL="0">
+              <a:spcBef>
+                <a:spcPts val="3000"/>
+              </a:spcBef>
+              <a:buNone/>
+            </a:pPr>
+            <a:r>
+              <a:rPr b="1"/>
+              <a:t>O que é replicabilidade?</a:t>
             </a:r>
           </a:p>
           <a:p>
             <a:pPr lvl="0"/>
             <a:r>
               <a:rPr/>
+              <a:t>Replicabilidade é a habilidade de se obter conclusões iguais ou similares quando um experimento é repetido.</a:t>
+            </a:r>
+            <a:r>
+              <a:rPr baseline="30000"/>
+              <a:t>155,163</a:t>
+            </a:r>
+          </a:p>
+          <a:p>
+            <a:pPr lvl="0" indent="0" marL="0">
+              <a:buNone/>
+            </a:pPr>
+          </a:p>
+          <a:p>
+            <a:pPr lvl="0" indent="0" marL="0">
+              <a:spcBef>
+                <a:spcPts val="3000"/>
+              </a:spcBef>
+              <a:buNone/>
+            </a:pPr>
+            <a:r>
+              <a:rPr b="1"/>
+              <a:t>Por que reprodutibilidade é importante?</a:t>
+            </a:r>
+          </a:p>
+          <a:p>
+            <a:pPr lvl="0"/>
+            <a:r>
+              <a:rPr/>
               <a:t>Analisar a reprodutibilidade pode fornecer evidências a respeito da objetividade e confibilidade dos achados, em detrimento de terem sido obtidos devido a vieses ou ao acaso.</a:t>
             </a:r>
             <a:r>
               <a:rPr baseline="30000"/>
-              <a:t>161</a:t>
+              <a:t>162</a:t>
             </a:r>
           </a:p>
           <a:p>
@@ -22377,7 +22355,50 @@
             </a:r>
             <a:r>
               <a:rPr baseline="30000"/>
-              <a:t>161</a:t>
+              <a:t>162</a:t>
+            </a:r>
+          </a:p>
+          <a:p>
+            <a:pPr lvl="0"/>
+            <a:r>
+              <a:rPr/>
+              <a:t>Reprodutibilidade pode ser considerada um padrão mínimo em pesquisa científica.</a:t>
+            </a:r>
+            <a:r>
+              <a:rPr baseline="30000"/>
+              <a:t>163</a:t>
+            </a:r>
+            <a:r>
+              <a:rPr/>
+              <a:t>]</a:t>
+            </a:r>
+          </a:p>
+          <a:p>
+            <a:pPr lvl="0" indent="0" marL="0">
+              <a:buNone/>
+            </a:pPr>
+          </a:p>
+          <a:p>
+            <a:pPr lvl="0" indent="0" marL="0">
+              <a:spcBef>
+                <a:spcPts val="3000"/>
+              </a:spcBef>
+              <a:buNone/>
+            </a:pPr>
+            <a:r>
+              <a:rPr b="1"/>
+              <a:t>Como contribuir para a reprodutibilidade?</a:t>
+            </a:r>
+          </a:p>
+          <a:p>
+            <a:pPr lvl="0"/>
+            <a:r>
+              <a:rPr/>
+              <a:t>Disponibilize publicamente os bancos de dados, respeitando as considerações éticas vigentes (ex.: autorização dos participantes e do Comitê de Ética em Pesquisa) e internacionalmente.</a:t>
+            </a:r>
+            <a:r>
+              <a:rPr baseline="30000"/>
+              <a:t>155</a:t>
             </a:r>
           </a:p>
           <a:p>
@@ -22597,7 +22618,7 @@
             </a:pPr>
             <a:r>
               <a:rPr/>
-              <a:t>Manuscritos reprodutíveis</a:t>
+              <a:t>Compartilhamento</a:t>
             </a:r>
           </a:p>
         </p:txBody>
@@ -22636,18 +22657,29 @@
             </a:pPr>
             <a:r>
               <a:rPr b="1"/>
-              <a:t>O que são manuscritos reprodutíveis?</a:t>
+              <a:t>O que pode ser compartilhado?</a:t>
             </a:r>
           </a:p>
           <a:p>
             <a:pPr lvl="0"/>
             <a:r>
               <a:rPr/>
-              <a:t>.</a:t>
+              <a:t>Idealmente, todos os scripts, pacotes/bibliotecas e dados necessários para outros reproduzirem seus dados.</a:t>
             </a:r>
             <a:r>
               <a:rPr baseline="30000"/>
-              <a:t>162</a:t>
+              <a:t>157</a:t>
+            </a:r>
+          </a:p>
+          <a:p>
+            <a:pPr lvl="0"/>
+            <a:r>
+              <a:rPr/>
+              <a:t>Minimamente, partes importantes incluindo implementações de novos algoritmos e dados que permitam reproduzir um resultado importante.</a:t>
+            </a:r>
+            <a:r>
+              <a:rPr baseline="30000"/>
+              <a:t>157</a:t>
             </a:r>
           </a:p>
           <a:p>
@@ -22664,18 +22696,109 @@
             </a:pPr>
             <a:r>
               <a:rPr b="1"/>
-              <a:t>Como manuscritos reprodutíveis contribuem para a ciência ?</a:t>
+              <a:t>Como preparar R scripts para compartilhamento?</a:t>
             </a:r>
           </a:p>
           <a:p>
             <a:pPr lvl="0"/>
             <a:r>
               <a:rPr/>
-              <a:t>O compartilhamento de bancos de dados e seus scripts de análise estatística permitem a adoção de práticas reprodutíveis, tais como a reanálise dos dados.</a:t>
+              <a:t>Providencie a documentação sobre seu script (ex.: arquivo README).</a:t>
+            </a:r>
+            <a:r>
+              <a:rPr baseline="30000"/>
+              <a:t>157</a:t>
+            </a:r>
+          </a:p>
+          <a:p>
+            <a:pPr lvl="0"/>
+            <a:r>
+              <a:rPr/>
+              <a:t>Um arquivo README deve documentar os arquivos disponíveis e os pré-requisitos necessários para executar o código (ex.: pacotes e respectivas versões). Uma lista de configurações (hardware e software) que foram usadas para rodar o código pode ajudar na reprodução dos resultados.</a:t>
             </a:r>
             <a:r>
               <a:rPr baseline="30000"/>
               <a:t>163</a:t>
+            </a:r>
+          </a:p>
+          <a:p>
+            <a:pPr lvl="0"/>
+            <a:r>
+              <a:rPr/>
+              <a:t>Crie links persistentes para versões do seu script.</a:t>
+            </a:r>
+            <a:r>
+              <a:rPr baseline="30000"/>
+              <a:t>157</a:t>
+            </a:r>
+          </a:p>
+          <a:p>
+            <a:pPr lvl="0"/>
+            <a:r>
+              <a:rPr/>
+              <a:t>Scripts com métodos computacionais que dependem da geração de números pseudoaleatórios, é necessário definir uma semente para o gerador de números aleatórios.</a:t>
+            </a:r>
+            <a:r>
+              <a:rPr baseline="30000"/>
+              <a:t>163</a:t>
+            </a:r>
+          </a:p>
+          <a:p>
+            <a:pPr lvl="0"/>
+            <a:r>
+              <a:rPr/>
+              <a:t>Escolha uma licença apropriada para garantir como outros usarão seus scripts.</a:t>
+            </a:r>
+            <a:r>
+              <a:rPr baseline="30000"/>
+              <a:t>157</a:t>
+            </a:r>
+          </a:p>
+          <a:p>
+            <a:pPr lvl="0"/>
+            <a:r>
+              <a:rPr/>
+              <a:t>Compartilhar todos os pacotes relacionados à sua análise.</a:t>
+            </a:r>
+            <a:r>
+              <a:rPr baseline="30000"/>
+              <a:t>164</a:t>
+            </a:r>
+          </a:p>
+          <a:p>
+            <a:pPr lvl="0" indent="0" marL="0">
+              <a:buNone/>
+            </a:pPr>
+          </a:p>
+          <a:p>
+            <a:pPr lvl="0" indent="0" marL="0">
+              <a:buNone/>
+            </a:pPr>
+            <a:r>
+              <a:rPr/>
+              <a:t>O pacote </a:t>
+            </a:r>
+            <a:r>
+              <a:rPr i="1"/>
+              <a:t>utils</a:t>
+            </a:r>
+            <a:r>
+              <a:rPr baseline="30000"/>
+              <a:t>165</a:t>
+            </a:r>
+            <a:r>
+              <a:rPr/>
+              <a:t> fornece a função </a:t>
+            </a:r>
+            <a:r>
+              <a:rPr i="1">
+                <a:hlinkClick r:id="rId2"/>
+              </a:rPr>
+              <a:t>set.seed</a:t>
+            </a:r>
+            <a:r>
+              <a:rPr/>
+              <a:t> para definir uma semente para o gerador de números aleatórios.</a:t>
             </a:r>
           </a:p>
           <a:p>
@@ -22691,6 +22814,260 @@
 </file>
 
 <file path=ppt/slides/slide141.xml><?xml version="1.0" encoding="utf-8"?>
+<p:sld xmlns:a="http://schemas.openxmlformats.org/drawingml/2006/main" xmlns:r="http://schemas.openxmlformats.org/officeDocument/2006/relationships" xmlns:p="http://schemas.openxmlformats.org/presentationml/2006/main">
+  <p:cSld>
+    <p:spTree>
+      <p:nvGrpSpPr>
+        <p:cNvPr id="1" name=""/>
+        <p:cNvGrpSpPr/>
+        <p:nvPr/>
+      </p:nvGrpSpPr>
+      <p:grpSpPr>
+        <a:xfrm>
+          <a:off x="0" y="0"/>
+          <a:ext cx="0" cy="0"/>
+          <a:chOff x="0" y="0"/>
+          <a:chExt cx="0" cy="0"/>
+        </a:xfrm>
+      </p:grpSpPr>
+      <p:sp>
+        <p:nvSpPr>
+          <p:cNvPr id="2" name="Title 1">
+            <a:extLst>
+              <a:ext uri="{FF2B5EF4-FFF2-40B4-BE49-F238E27FC236}">
+                <a16:creationId xmlns:a16="http://schemas.microsoft.com/office/drawing/2014/main" id="{0277F749-6ED4-3E49-963A-830033252F78}"/>
+              </a:ext>
+            </a:extLst>
+          </p:cNvPr>
+          <p:cNvSpPr>
+            <a:spLocks noGrp="1"/>
+          </p:cNvSpPr>
+          <p:nvPr>
+            <p:ph type="title"/>
+          </p:nvPr>
+        </p:nvSpPr>
+        <p:spPr>
+          <a:xfrm>
+            <a:off x="0" y="17256"/>
+            <a:ext cx="10515600" cy="663782"/>
+          </a:xfrm>
+        </p:spPr>
+        <p:txBody>
+          <a:bodyPr/>
+          <a:lstStyle/>
+          <a:p>
+            <a:pPr lvl="0" indent="0" marL="0">
+              <a:buNone/>
+            </a:pPr>
+            <a:r>
+              <a:rPr/>
+              <a:t>Manuscritos reprodutíveis (relatórios dinâmicos)</a:t>
+            </a:r>
+          </a:p>
+        </p:txBody>
+      </p:sp>
+      <p:sp>
+        <p:nvSpPr>
+          <p:cNvPr id="3" name="Content Placeholder 2">
+            <a:extLst>
+              <a:ext uri="{FF2B5EF4-FFF2-40B4-BE49-F238E27FC236}">
+                <a16:creationId xmlns:a16="http://schemas.microsoft.com/office/drawing/2014/main" id="{1574FA24-F1CC-B240-AAF9-A2DF684B1C54}"/>
+              </a:ext>
+            </a:extLst>
+          </p:cNvPr>
+          <p:cNvSpPr>
+            <a:spLocks noGrp="1"/>
+          </p:cNvSpPr>
+          <p:nvPr>
+            <p:ph idx="1"/>
+          </p:nvPr>
+        </p:nvSpPr>
+        <p:spPr/>
+        <p:txBody>
+          <a:bodyPr/>
+          <a:lstStyle/>
+          <a:p>
+            <a:pPr lvl="0" indent="0" marL="0">
+              <a:buNone/>
+            </a:pPr>
+          </a:p>
+          <a:p>
+            <a:pPr lvl="0" indent="0" marL="0">
+              <a:spcBef>
+                <a:spcPts val="3000"/>
+              </a:spcBef>
+              <a:buNone/>
+            </a:pPr>
+            <a:r>
+              <a:rPr b="1"/>
+              <a:t>O que são manuscritos reprodutíveis?</a:t>
+            </a:r>
+          </a:p>
+          <a:p>
+            <a:pPr lvl="0"/>
+            <a:r>
+              <a:rPr/>
+              <a:t>.</a:t>
+            </a:r>
+            <a:r>
+              <a:rPr baseline="30000"/>
+              <a:t>166</a:t>
+            </a:r>
+          </a:p>
+          <a:p>
+            <a:pPr lvl="0"/>
+            <a:r>
+              <a:rPr/>
+              <a:t>O trabalho com RMarkdown</a:t>
+            </a:r>
+            <a:r>
+              <a:rPr baseline="30000"/>
+              <a:t>166</a:t>
+            </a:r>
+            <a:r>
+              <a:rPr/>
+              <a:t> permite um fluxo de dados totalmente transparente, desde o conjunto de dados coletados até o manuscrito finalizado. Todos os aspectos do fluxo de dados podem ser incorporados em blocos de R script (</a:t>
+            </a:r>
+            <a:r>
+              <a:rPr i="1"/>
+              <a:t>chunk</a:t>
+            </a:r>
+            <a:r>
+              <a:rPr/>
+              <a:t>), exibindotanto o R script quando o respectivo texto, tabelas e figuras formatadas no estilo científico de interesse.</a:t>
+            </a:r>
+            <a:r>
+              <a:rPr baseline="30000"/>
+              <a:t>167</a:t>
+            </a:r>
+          </a:p>
+          <a:p>
+            <a:pPr lvl="0"/>
+            <a:r>
+              <a:rPr/>
+              <a:t>O R Markdown foi projetado especificamente para relatórios dinâmicos onde a análise é realizada em R e oferece uma flexibilidade incrível por meio de uma linguagem de marcação.</a:t>
+            </a:r>
+            <a:r>
+              <a:rPr baseline="30000"/>
+              <a:t>155</a:t>
+            </a:r>
+          </a:p>
+          <a:p>
+            <a:pPr lvl="0" indent="0" marL="0">
+              <a:buNone/>
+            </a:pPr>
+          </a:p>
+          <a:p>
+            <a:pPr lvl="0" indent="0" marL="0">
+              <a:spcBef>
+                <a:spcPts val="3000"/>
+              </a:spcBef>
+              <a:buNone/>
+            </a:pPr>
+            <a:r>
+              <a:rPr b="1"/>
+              <a:t>Por que usar manuscritos reprodutíveis?</a:t>
+            </a:r>
+          </a:p>
+          <a:p>
+            <a:pPr lvl="0"/>
+            <a:r>
+              <a:rPr/>
+              <a:t>No processo tradicional de redação científica há muitas etapas de copiar e colar não reproduzíveis envolvidas. Documentos dinâmicos combinam uma ferramenta de processamento de texto com o R script que produz o texto/tabela/figura a ser incorporado no manuscrito.</a:t>
+            </a:r>
+            <a:r>
+              <a:rPr baseline="30000"/>
+              <a:t>155</a:t>
+            </a:r>
+          </a:p>
+          <a:p>
+            <a:pPr lvl="0"/>
+            <a:r>
+              <a:rPr/>
+              <a:t>Ao trabalhar com relatórios dinâmicos, é possível extrair o mesmo script usado para análise estatística. Os documentos podem ser compilados em vários formatos de saída, como DOCX, PPTX, HTML e PDF.</a:t>
+            </a:r>
+            <a:r>
+              <a:rPr baseline="30000"/>
+              <a:t>155</a:t>
+            </a:r>
+          </a:p>
+          <a:p>
+            <a:pPr lvl="0" indent="0" marL="0">
+              <a:buNone/>
+            </a:pPr>
+          </a:p>
+          <a:p>
+            <a:pPr lvl="0" indent="0" marL="0">
+              <a:spcBef>
+                <a:spcPts val="3000"/>
+              </a:spcBef>
+              <a:buNone/>
+            </a:pPr>
+            <a:r>
+              <a:rPr b="1"/>
+              <a:t>Como manuscritos reprodutíveis contribuem para a ciência?</a:t>
+            </a:r>
+          </a:p>
+          <a:p>
+            <a:pPr lvl="0"/>
+            <a:r>
+              <a:rPr/>
+              <a:t>O compartilhamento de bancos de dados e seus scripts de análise estatística permitem a adoção de práticas reprodutíveis, tais como a reanálise dos dados.</a:t>
+            </a:r>
+            <a:r>
+              <a:rPr baseline="30000"/>
+              <a:t>168</a:t>
+            </a:r>
+          </a:p>
+          <a:p>
+            <a:pPr lvl="0" indent="0" marL="0">
+              <a:buNone/>
+            </a:pPr>
+          </a:p>
+          <a:p>
+            <a:pPr lvl="0" indent="0" marL="0">
+              <a:buNone/>
+            </a:pPr>
+            <a:r>
+              <a:rPr/>
+              <a:t>O pacote </a:t>
+            </a:r>
+            <a:r>
+              <a:rPr i="1"/>
+              <a:t>projects</a:t>
+            </a:r>
+            <a:r>
+              <a:rPr baseline="30000"/>
+              <a:t>169</a:t>
+            </a:r>
+            <a:r>
+              <a:rPr/>
+              <a:t> fornece a função </a:t>
+            </a:r>
+            <a:r>
+              <a:rPr i="1">
+                <a:hlinkClick r:id="rId2"/>
+              </a:rPr>
+              <a:t>setup_projects</a:t>
+            </a:r>
+            <a:r>
+              <a:rPr/>
+              <a:t> para criar um projeto com arquivos organizados em diretórios.</a:t>
+            </a:r>
+          </a:p>
+          <a:p>
+            <a:pPr lvl="0" indent="0" marL="0">
+              <a:buNone/>
+            </a:pPr>
+          </a:p>
+        </p:txBody>
+      </p:sp>
+    </p:spTree>
+  </p:cSld>
+</p:sld>
+</file>
+
+<file path=ppt/slides/slide142.xml><?xml version="1.0" encoding="utf-8"?>
 <p:sld xmlns:a="http://schemas.openxmlformats.org/drawingml/2006/main" xmlns:r="http://schemas.openxmlformats.org/officeDocument/2006/relationships" xmlns:p="http://schemas.openxmlformats.org/presentationml/2006/main">
   <p:cSld>
     <p:spTree>
@@ -22740,115 +23117,6 @@
               <a:rPr b="1"/>
               <a:t>Redação estatística</a:t>
             </a:r>
-          </a:p>
-        </p:txBody>
-      </p:sp>
-    </p:spTree>
-  </p:cSld>
-</p:sld>
-</file>
-
-<file path=ppt/slides/slide142.xml><?xml version="1.0" encoding="utf-8"?>
-<p:sld xmlns:a="http://schemas.openxmlformats.org/drawingml/2006/main" xmlns:r="http://schemas.openxmlformats.org/officeDocument/2006/relationships" xmlns:p="http://schemas.openxmlformats.org/presentationml/2006/main">
-  <p:cSld>
-    <p:spTree>
-      <p:nvGrpSpPr>
-        <p:cNvPr id="1" name=""/>
-        <p:cNvGrpSpPr/>
-        <p:nvPr/>
-      </p:nvGrpSpPr>
-      <p:grpSpPr>
-        <a:xfrm>
-          <a:off x="0" y="0"/>
-          <a:ext cx="0" cy="0"/>
-          <a:chOff x="0" y="0"/>
-          <a:chExt cx="0" cy="0"/>
-        </a:xfrm>
-      </p:grpSpPr>
-      <p:sp>
-        <p:nvSpPr>
-          <p:cNvPr id="2" name="Title 1">
-            <a:extLst>
-              <a:ext uri="{FF2B5EF4-FFF2-40B4-BE49-F238E27FC236}">
-                <a16:creationId xmlns:a16="http://schemas.microsoft.com/office/drawing/2014/main" id="{0277F749-6ED4-3E49-963A-830033252F78}"/>
-              </a:ext>
-            </a:extLst>
-          </p:cNvPr>
-          <p:cNvSpPr>
-            <a:spLocks noGrp="1"/>
-          </p:cNvSpPr>
-          <p:nvPr>
-            <p:ph type="title"/>
-          </p:nvPr>
-        </p:nvSpPr>
-        <p:spPr>
-          <a:xfrm>
-            <a:off x="0" y="17256"/>
-            <a:ext cx="10515600" cy="663782"/>
-          </a:xfrm>
-        </p:spPr>
-        <p:txBody>
-          <a:bodyPr/>
-          <a:lstStyle/>
-          <a:p>
-            <a:pPr lvl="0" indent="0" marL="0">
-              <a:buNone/>
-            </a:pPr>
-            <a:r>
-              <a:rPr/>
-              <a:t>Plano de anális estatística</a:t>
-            </a:r>
-          </a:p>
-        </p:txBody>
-      </p:sp>
-      <p:sp>
-        <p:nvSpPr>
-          <p:cNvPr id="3" name="Content Placeholder 2">
-            <a:extLst>
-              <a:ext uri="{FF2B5EF4-FFF2-40B4-BE49-F238E27FC236}">
-                <a16:creationId xmlns:a16="http://schemas.microsoft.com/office/drawing/2014/main" id="{1574FA24-F1CC-B240-AAF9-A2DF684B1C54}"/>
-              </a:ext>
-            </a:extLst>
-          </p:cNvPr>
-          <p:cNvSpPr>
-            <a:spLocks noGrp="1"/>
-          </p:cNvSpPr>
-          <p:nvPr>
-            <p:ph idx="1"/>
-          </p:nvPr>
-        </p:nvSpPr>
-        <p:spPr/>
-        <p:txBody>
-          <a:bodyPr/>
-          <a:lstStyle/>
-          <a:p>
-            <a:pPr lvl="0" indent="0" marL="0">
-              <a:buNone/>
-            </a:pPr>
-          </a:p>
-          <a:p>
-            <a:pPr lvl="0" indent="0" marL="0">
-              <a:spcBef>
-                <a:spcPts val="3000"/>
-              </a:spcBef>
-              <a:buNone/>
-            </a:pPr>
-            <a:r>
-              <a:rPr b="1"/>
-              <a:t>O que é plano de análise estatística?</a:t>
-            </a:r>
-          </a:p>
-          <a:p>
-            <a:pPr lvl="0"/>
-            <a:r>
-              <a:rPr/>
-              <a:t>.[REF]</a:t>
-            </a:r>
-          </a:p>
-          <a:p>
-            <a:pPr lvl="0" indent="0" marL="0">
-              <a:buNone/>
-            </a:pPr>
           </a:p>
         </p:txBody>
       </p:sp>
@@ -22905,7 +23173,7 @@
             </a:pPr>
             <a:r>
               <a:rPr/>
-              <a:t>Diretrizes</a:t>
+              <a:t>Plano de anális estatística</a:t>
             </a:r>
           </a:p>
         </p:txBody>
@@ -22944,7 +23212,7 @@
             </a:pPr>
             <a:r>
               <a:rPr b="1"/>
-              <a:t>Por que usar diretrizes?</a:t>
+              <a:t>O que é plano de análise estatística?</a:t>
             </a:r>
           </a:p>
           <a:p>
@@ -22952,248 +23220,6 @@
             <a:r>
               <a:rPr/>
               <a:t>.[REF]</a:t>
-            </a:r>
-          </a:p>
-          <a:p>
-            <a:pPr lvl="0" indent="0" marL="0">
-              <a:buNone/>
-            </a:pPr>
-          </a:p>
-          <a:p>
-            <a:pPr lvl="0" indent="0" marL="0">
-              <a:spcBef>
-                <a:spcPts val="3000"/>
-              </a:spcBef>
-              <a:buNone/>
-            </a:pPr>
-            <a:r>
-              <a:rPr b="1"/>
-              <a:t>Quais diretrizes estão disponíveis?</a:t>
-            </a:r>
-          </a:p>
-          <a:p>
-            <a:pPr lvl="0"/>
-            <a:r>
-              <a:rPr i="1"/>
-              <a:t>Review of guidance papers on regression modeling in statistical series of medical journals</a:t>
-            </a:r>
-            <a:r>
-              <a:rPr/>
-              <a:t>.</a:t>
-            </a:r>
-            <a:r>
-              <a:rPr baseline="30000"/>
-              <a:t>164</a:t>
-            </a:r>
-          </a:p>
-          <a:p>
-            <a:pPr lvl="0"/>
-            <a:r>
-              <a:rPr i="1"/>
-              <a:t>Principles and recommendations for incorporating estimands into clinical study protocol templates</a:t>
-            </a:r>
-            <a:r>
-              <a:rPr/>
-              <a:t>.</a:t>
-            </a:r>
-            <a:r>
-              <a:rPr baseline="30000"/>
-              <a:t>165</a:t>
-            </a:r>
-          </a:p>
-          <a:p>
-            <a:pPr lvl="0"/>
-            <a:r>
-              <a:rPr i="1"/>
-              <a:t>How to write statistical analysis section in medical research</a:t>
-            </a:r>
-            <a:r>
-              <a:rPr/>
-              <a:t>.</a:t>
-            </a:r>
-            <a:r>
-              <a:rPr baseline="30000"/>
-              <a:t>109</a:t>
-            </a:r>
-          </a:p>
-          <a:p>
-            <a:pPr lvl="0"/>
-            <a:r>
-              <a:rPr i="1"/>
-              <a:t>Recommendations for Statistical Reporting in Cardiovascular Medicine: A Special Report From the American Heart Association</a:t>
-            </a:r>
-            <a:r>
-              <a:rPr/>
-              <a:t>.</a:t>
-            </a:r>
-            <a:r>
-              <a:rPr baseline="30000"/>
-              <a:t>166</a:t>
-            </a:r>
-          </a:p>
-          <a:p>
-            <a:pPr lvl="0"/>
-            <a:r>
-              <a:rPr i="1"/>
-              <a:t>Framework for the treatment and reporting of missing data in observational studies: The Treatment And Reporting of Missing data in Observational Studies framework</a:t>
-            </a:r>
-            <a:r>
-              <a:rPr/>
-              <a:t>.</a:t>
-            </a:r>
-            <a:r>
-              <a:rPr baseline="30000"/>
-              <a:t>167</a:t>
-            </a:r>
-          </a:p>
-          <a:p>
-            <a:pPr lvl="0"/>
-            <a:r>
-              <a:rPr i="1"/>
-              <a:t>Guidelines for reporting of figures and tables for clinical research in urology</a:t>
-            </a:r>
-            <a:r>
-              <a:rPr/>
-              <a:t>.</a:t>
-            </a:r>
-            <a:r>
-              <a:rPr baseline="30000"/>
-              <a:t>168</a:t>
-            </a:r>
-          </a:p>
-          <a:p>
-            <a:pPr lvl="0"/>
-            <a:r>
-              <a:rPr i="1"/>
-              <a:t>Who is in this study, anyway? Guidelines for a useful Table 1</a:t>
-            </a:r>
-            <a:r>
-              <a:rPr/>
-              <a:t>.</a:t>
-            </a:r>
-            <a:r>
-              <a:rPr baseline="30000"/>
-              <a:t>120</a:t>
-            </a:r>
-          </a:p>
-          <a:p>
-            <a:pPr lvl="0"/>
-            <a:r>
-              <a:rPr i="1"/>
-              <a:t>Guidelines for Reporting of Statistics for Clinical Research in Urology</a:t>
-            </a:r>
-            <a:r>
-              <a:rPr/>
-              <a:t>.</a:t>
-            </a:r>
-            <a:r>
-              <a:rPr baseline="30000"/>
-              <a:t>169</a:t>
-            </a:r>
-          </a:p>
-          <a:p>
-            <a:pPr lvl="0"/>
-            <a:r>
-              <a:rPr i="1"/>
-              <a:t>Reveal, Don’t Conceal: Transforming Data Visualization to Improve Transparency</a:t>
-            </a:r>
-            <a:r>
-              <a:rPr/>
-              <a:t>.</a:t>
-            </a:r>
-            <a:r>
-              <a:rPr baseline="30000"/>
-              <a:t>130</a:t>
-            </a:r>
-          </a:p>
-          <a:p>
-            <a:pPr lvl="0"/>
-            <a:r>
-              <a:rPr i="1"/>
-              <a:t>Guidelines for the Content of Statistical Analysis Plans in Clinical Trials</a:t>
-            </a:r>
-            <a:r>
-              <a:rPr/>
-              <a:t>.</a:t>
-            </a:r>
-            <a:r>
-              <a:rPr baseline="30000"/>
-              <a:t>170</a:t>
-            </a:r>
-          </a:p>
-          <a:p>
-            <a:pPr lvl="0"/>
-            <a:r>
-              <a:rPr i="1"/>
-              <a:t>Basic statistical reporting for articles published in Biomedical Journals: The ‘’Statistical Analyses and Methods in the Published Literature’’ or the SAMPL Guidelines</a:t>
-            </a:r>
-            <a:r>
-              <a:rPr/>
-              <a:t>.</a:t>
-            </a:r>
-            <a:r>
-              <a:rPr baseline="30000"/>
-              <a:t>171</a:t>
-            </a:r>
-          </a:p>
-          <a:p>
-            <a:pPr lvl="0"/>
-            <a:r>
-              <a:rPr i="1"/>
-              <a:t>Beyond Bar and Line Graphs: Time for a New Data Presentation Paradigm</a:t>
-            </a:r>
-            <a:r>
-              <a:rPr/>
-              <a:t>.</a:t>
-            </a:r>
-            <a:r>
-              <a:rPr baseline="30000"/>
-              <a:t>172</a:t>
-            </a:r>
-          </a:p>
-          <a:p>
-            <a:pPr lvl="0"/>
-            <a:r>
-              <a:rPr i="1"/>
-              <a:t>STRengthening analytical thinking for observational studies: the STRATOS initiative</a:t>
-            </a:r>
-            <a:r>
-              <a:rPr/>
-              <a:t>.</a:t>
-            </a:r>
-            <a:r>
-              <a:rPr baseline="30000"/>
-              <a:t>173</a:t>
-            </a:r>
-          </a:p>
-          <a:p>
-            <a:pPr lvl="0"/>
-            <a:r>
-              <a:rPr i="1"/>
-              <a:t>Research methods and reporting</a:t>
-            </a:r>
-            <a:r>
-              <a:rPr/>
-              <a:t>.</a:t>
-            </a:r>
-            <a:r>
-              <a:rPr baseline="30000"/>
-              <a:t>174</a:t>
-            </a:r>
-          </a:p>
-          <a:p>
-            <a:pPr lvl="0"/>
-            <a:r>
-              <a:rPr i="1"/>
-              <a:t>How to ensure your paper is rejected by the statistical reviewer</a:t>
-            </a:r>
-            <a:r>
-              <a:rPr/>
-              <a:t>.</a:t>
-            </a:r>
-            <a:r>
-              <a:rPr baseline="30000"/>
-              <a:t>175</a:t>
             </a:r>
           </a:p>
           <a:p>
@@ -23256,7 +23282,7 @@
             </a:pPr>
             <a:r>
               <a:rPr/>
-              <a:t>Checklists</a:t>
+              <a:t>Diretrizes</a:t>
             </a:r>
           </a:p>
         </p:txBody>
@@ -23295,40 +23321,14 @@
             </a:pPr>
             <a:r>
               <a:rPr b="1"/>
-              <a:t>Por que usar checklists?</a:t>
+              <a:t>Por que usar diretrizes?</a:t>
             </a:r>
           </a:p>
           <a:p>
             <a:pPr lvl="0"/>
             <a:r>
               <a:rPr/>
-              <a:t>Checklists têm sido recomendados para melhorar o relato das análises realizadas, aumentar a transparência do estudo e reprodutibilidade dos achados.</a:t>
-            </a:r>
-            <a:r>
-              <a:rPr baseline="30000"/>
-              <a:t>176</a:t>
-            </a:r>
-          </a:p>
-          <a:p>
-            <a:pPr lvl="0"/>
-            <a:r>
-              <a:rPr/>
-              <a:t>Trabalhos acadêmicos que relatam análises de dados devem ser passar por revisão por pares que inclua apreciação da análise estatística, e sua adequação ao delineamento do estudo e instrumentos utilizados.</a:t>
-            </a:r>
-            <a:r>
-              <a:rPr baseline="30000"/>
-              <a:t>177</a:t>
-            </a:r>
-          </a:p>
-          <a:p>
-            <a:pPr lvl="0"/>
-            <a:r>
-              <a:rPr/>
-              <a:t>Checklists não são suficientes para garantir a qualidade técnica da pesquisa, mas podem contribuir para a revisão por pares.</a:t>
-            </a:r>
-            <a:r>
-              <a:rPr baseline="30000"/>
-              <a:t>177</a:t>
+              <a:t>.[REF]</a:t>
             </a:r>
           </a:p>
           <a:p>
@@ -23345,14 +23345,179 @@
             </a:pPr>
             <a:r>
               <a:rPr b="1"/>
-              <a:t>Quais checklists estão disponíveis?</a:t>
+              <a:t>Quais diretrizes estão disponíveis?</a:t>
             </a:r>
           </a:p>
           <a:p>
             <a:pPr lvl="0"/>
             <a:r>
               <a:rPr i="1"/>
-              <a:t>A CHecklist for statistical Assessment of Medical Papers (the CHAMP statement): explanation and elaboration</a:t>
+              <a:t>Review of guidance papers on regression modeling in statistical series of medical journals</a:t>
+            </a:r>
+            <a:r>
+              <a:rPr/>
+              <a:t>.</a:t>
+            </a:r>
+            <a:r>
+              <a:rPr baseline="30000"/>
+              <a:t>170</a:t>
+            </a:r>
+          </a:p>
+          <a:p>
+            <a:pPr lvl="0"/>
+            <a:r>
+              <a:rPr i="1"/>
+              <a:t>Principles and recommendations for incorporating estimands into clinical study protocol templates</a:t>
+            </a:r>
+            <a:r>
+              <a:rPr/>
+              <a:t>.</a:t>
+            </a:r>
+            <a:r>
+              <a:rPr baseline="30000"/>
+              <a:t>171</a:t>
+            </a:r>
+          </a:p>
+          <a:p>
+            <a:pPr lvl="0"/>
+            <a:r>
+              <a:rPr i="1"/>
+              <a:t>How to write statistical analysis section in medical research</a:t>
+            </a:r>
+            <a:r>
+              <a:rPr/>
+              <a:t>.</a:t>
+            </a:r>
+            <a:r>
+              <a:rPr baseline="30000"/>
+              <a:t>109</a:t>
+            </a:r>
+          </a:p>
+          <a:p>
+            <a:pPr lvl="0"/>
+            <a:r>
+              <a:rPr i="1"/>
+              <a:t>Recommendations for Statistical Reporting in Cardiovascular Medicine: A Special Report From the American Heart Association</a:t>
+            </a:r>
+            <a:r>
+              <a:rPr/>
+              <a:t>.</a:t>
+            </a:r>
+            <a:r>
+              <a:rPr baseline="30000"/>
+              <a:t>172</a:t>
+            </a:r>
+          </a:p>
+          <a:p>
+            <a:pPr lvl="0"/>
+            <a:r>
+              <a:rPr i="1"/>
+              <a:t>Framework for the treatment and reporting of missing data in observational studies: The Treatment And Reporting of Missing data in Observational Studies framework</a:t>
+            </a:r>
+            <a:r>
+              <a:rPr/>
+              <a:t>.</a:t>
+            </a:r>
+            <a:r>
+              <a:rPr baseline="30000"/>
+              <a:t>173</a:t>
+            </a:r>
+          </a:p>
+          <a:p>
+            <a:pPr lvl="0"/>
+            <a:r>
+              <a:rPr i="1"/>
+              <a:t>Guidelines for reporting of figures and tables for clinical research in urology</a:t>
+            </a:r>
+            <a:r>
+              <a:rPr/>
+              <a:t>.</a:t>
+            </a:r>
+            <a:r>
+              <a:rPr baseline="30000"/>
+              <a:t>174</a:t>
+            </a:r>
+          </a:p>
+          <a:p>
+            <a:pPr lvl="0"/>
+            <a:r>
+              <a:rPr i="1"/>
+              <a:t>Who is in this study, anyway? Guidelines for a useful Table 1</a:t>
+            </a:r>
+            <a:r>
+              <a:rPr/>
+              <a:t>.</a:t>
+            </a:r>
+            <a:r>
+              <a:rPr baseline="30000"/>
+              <a:t>120</a:t>
+            </a:r>
+          </a:p>
+          <a:p>
+            <a:pPr lvl="0"/>
+            <a:r>
+              <a:rPr i="1"/>
+              <a:t>Guidelines for Reporting of Statistics for Clinical Research in Urology</a:t>
+            </a:r>
+            <a:r>
+              <a:rPr/>
+              <a:t>.</a:t>
+            </a:r>
+            <a:r>
+              <a:rPr baseline="30000"/>
+              <a:t>175</a:t>
+            </a:r>
+          </a:p>
+          <a:p>
+            <a:pPr lvl="0"/>
+            <a:r>
+              <a:rPr i="1"/>
+              <a:t>Reveal, Don’t Conceal: Transforming Data Visualization to Improve Transparency</a:t>
+            </a:r>
+            <a:r>
+              <a:rPr/>
+              <a:t>.</a:t>
+            </a:r>
+            <a:r>
+              <a:rPr baseline="30000"/>
+              <a:t>130</a:t>
+            </a:r>
+          </a:p>
+          <a:p>
+            <a:pPr lvl="0"/>
+            <a:r>
+              <a:rPr i="1"/>
+              <a:t>Guidelines for the Content of Statistical Analysis Plans in Clinical Trials</a:t>
+            </a:r>
+            <a:r>
+              <a:rPr/>
+              <a:t>.</a:t>
+            </a:r>
+            <a:r>
+              <a:rPr baseline="30000"/>
+              <a:t>176</a:t>
+            </a:r>
+          </a:p>
+          <a:p>
+            <a:pPr lvl="0"/>
+            <a:r>
+              <a:rPr i="1"/>
+              <a:t>Basic statistical reporting for articles published in Biomedical Journals: The ‘’Statistical Analyses and Methods in the Published Literature’’ or the SAMPL Guidelines</a:t>
+            </a:r>
+            <a:r>
+              <a:rPr/>
+              <a:t>.</a:t>
+            </a:r>
+            <a:r>
+              <a:rPr baseline="30000"/>
+              <a:t>177</a:t>
+            </a:r>
+          </a:p>
+          <a:p>
+            <a:pPr lvl="0"/>
+            <a:r>
+              <a:rPr i="1"/>
+              <a:t>Beyond Bar and Line Graphs: Time for a New Data Presentation Paradigm</a:t>
             </a:r>
             <a:r>
               <a:rPr/>
@@ -23367,7 +23532,7 @@
             <a:pPr lvl="0"/>
             <a:r>
               <a:rPr i="1"/>
-              <a:t>Checklist for clinical applicability of subgroup analysis</a:t>
+              <a:t>STRengthening analytical thinking for observational studies: the STRATOS initiative</a:t>
             </a:r>
             <a:r>
               <a:rPr/>
@@ -23382,7 +23547,7 @@
             <a:pPr lvl="0"/>
             <a:r>
               <a:rPr i="1"/>
-              <a:t>Evidence‐based statistical analysis and methods in biomedical research (SAMBR) checklists according to design features</a:t>
+              <a:t>Research methods and reporting</a:t>
             </a:r>
             <a:r>
               <a:rPr/>
@@ -23390,7 +23555,22 @@
             </a:r>
             <a:r>
               <a:rPr baseline="30000"/>
-              <a:t>108</a:t>
+              <a:t>180</a:t>
+            </a:r>
+          </a:p>
+          <a:p>
+            <a:pPr lvl="0"/>
+            <a:r>
+              <a:rPr i="1"/>
+              <a:t>How to ensure your paper is rejected by the statistical reviewer</a:t>
+            </a:r>
+            <a:r>
+              <a:rPr/>
+              <a:t>.</a:t>
+            </a:r>
+            <a:r>
+              <a:rPr baseline="30000"/>
+              <a:t>181</a:t>
             </a:r>
           </a:p>
           <a:p>
@@ -23427,7 +23607,7 @@
           <p:cNvPr id="2" name="Title 1">
             <a:extLst>
               <a:ext uri="{FF2B5EF4-FFF2-40B4-BE49-F238E27FC236}">
-                <a16:creationId xmlns:a16="http://schemas.microsoft.com/office/drawing/2014/main" id="{28A92D45-5BAF-634B-BB37-8481089F9E28}"/>
+                <a16:creationId xmlns:a16="http://schemas.microsoft.com/office/drawing/2014/main" id="{0277F749-6ED4-3E49-963A-830033252F78}"/>
               </a:ext>
             </a:extLst>
           </p:cNvPr>
@@ -23440,8 +23620,8 @@
         </p:nvSpPr>
         <p:spPr>
           <a:xfrm>
-            <a:off x="831850" y="1709738"/>
-            <a:ext cx="10515600" cy="2852737"/>
+            <a:off x="0" y="17256"/>
+            <a:ext cx="10515600" cy="663782"/>
           </a:xfrm>
         </p:spPr>
         <p:txBody>
@@ -23452,9 +23632,148 @@
               <a:buNone/>
             </a:pPr>
             <a:r>
+              <a:rPr/>
+              <a:t>Checklists</a:t>
+            </a:r>
+          </a:p>
+        </p:txBody>
+      </p:sp>
+      <p:sp>
+        <p:nvSpPr>
+          <p:cNvPr id="3" name="Content Placeholder 2">
+            <a:extLst>
+              <a:ext uri="{FF2B5EF4-FFF2-40B4-BE49-F238E27FC236}">
+                <a16:creationId xmlns:a16="http://schemas.microsoft.com/office/drawing/2014/main" id="{1574FA24-F1CC-B240-AAF9-A2DF684B1C54}"/>
+              </a:ext>
+            </a:extLst>
+          </p:cNvPr>
+          <p:cNvSpPr>
+            <a:spLocks noGrp="1"/>
+          </p:cNvSpPr>
+          <p:nvPr>
+            <p:ph idx="1"/>
+          </p:nvPr>
+        </p:nvSpPr>
+        <p:spPr/>
+        <p:txBody>
+          <a:bodyPr/>
+          <a:lstStyle/>
+          <a:p>
+            <a:pPr lvl="0" indent="0" marL="0">
+              <a:buNone/>
+            </a:pPr>
+          </a:p>
+          <a:p>
+            <a:pPr lvl="0" indent="0" marL="0">
+              <a:spcBef>
+                <a:spcPts val="3000"/>
+              </a:spcBef>
+              <a:buNone/>
+            </a:pPr>
+            <a:r>
               <a:rPr b="1"/>
-              <a:t>BIBLIOGRAFIA</a:t>
-            </a:r>
+              <a:t>Por que usar checklists?</a:t>
+            </a:r>
+          </a:p>
+          <a:p>
+            <a:pPr lvl="0"/>
+            <a:r>
+              <a:rPr/>
+              <a:t>Checklists têm sido recomendados para melhorar o relato das análises realizadas, aumentar a transparência do estudo e reprodutibilidade dos achados.</a:t>
+            </a:r>
+            <a:r>
+              <a:rPr baseline="30000"/>
+              <a:t>182</a:t>
+            </a:r>
+          </a:p>
+          <a:p>
+            <a:pPr lvl="0"/>
+            <a:r>
+              <a:rPr/>
+              <a:t>Trabalhos acadêmicos que relatam análises de dados devem ser passar por revisão por pares que inclua apreciação da análise estatística, e sua adequação ao delineamento do estudo e instrumentos utilizados.</a:t>
+            </a:r>
+            <a:r>
+              <a:rPr baseline="30000"/>
+              <a:t>183</a:t>
+            </a:r>
+          </a:p>
+          <a:p>
+            <a:pPr lvl="0"/>
+            <a:r>
+              <a:rPr/>
+              <a:t>Checklists não são suficientes para garantir a qualidade técnica da pesquisa, mas podem contribuir para a revisão por pares.</a:t>
+            </a:r>
+            <a:r>
+              <a:rPr baseline="30000"/>
+              <a:t>183</a:t>
+            </a:r>
+          </a:p>
+          <a:p>
+            <a:pPr lvl="0" indent="0" marL="0">
+              <a:buNone/>
+            </a:pPr>
+          </a:p>
+          <a:p>
+            <a:pPr lvl="0" indent="0" marL="0">
+              <a:spcBef>
+                <a:spcPts val="3000"/>
+              </a:spcBef>
+              <a:buNone/>
+            </a:pPr>
+            <a:r>
+              <a:rPr b="1"/>
+              <a:t>Quais checklists estão disponíveis?</a:t>
+            </a:r>
+          </a:p>
+          <a:p>
+            <a:pPr lvl="0"/>
+            <a:r>
+              <a:rPr i="1"/>
+              <a:t>A CHecklist for statistical Assessment of Medical Papers (the CHAMP statement): explanation and elaboration</a:t>
+            </a:r>
+            <a:r>
+              <a:rPr/>
+              <a:t>.</a:t>
+            </a:r>
+            <a:r>
+              <a:rPr baseline="30000"/>
+              <a:t>184</a:t>
+            </a:r>
+          </a:p>
+          <a:p>
+            <a:pPr lvl="0"/>
+            <a:r>
+              <a:rPr i="1"/>
+              <a:t>Checklist for clinical applicability of subgroup analysis</a:t>
+            </a:r>
+            <a:r>
+              <a:rPr/>
+              <a:t>.</a:t>
+            </a:r>
+            <a:r>
+              <a:rPr baseline="30000"/>
+              <a:t>185</a:t>
+            </a:r>
+          </a:p>
+          <a:p>
+            <a:pPr lvl="0"/>
+            <a:r>
+              <a:rPr i="1"/>
+              <a:t>Evidence‐based statistical analysis and methods in biomedical research (SAMBR) checklists according to design features</a:t>
+            </a:r>
+            <a:r>
+              <a:rPr/>
+              <a:t>.</a:t>
+            </a:r>
+            <a:r>
+              <a:rPr baseline="30000"/>
+              <a:t>108</a:t>
+            </a:r>
+          </a:p>
+          <a:p>
+            <a:pPr lvl="0" indent="0" marL="0">
+              <a:buNone/>
+            </a:pPr>
           </a:p>
         </p:txBody>
       </p:sp>
@@ -23511,7 +23830,7 @@
             </a:pPr>
             <a:r>
               <a:rPr b="1"/>
-              <a:t>Fontes externas</a:t>
+              <a:t>BIBLIOGRAFIA</a:t>
             </a:r>
           </a:p>
         </p:txBody>
@@ -23543,7 +23862,7 @@
           <p:cNvPr id="2" name="Title 1">
             <a:extLst>
               <a:ext uri="{FF2B5EF4-FFF2-40B4-BE49-F238E27FC236}">
-                <a16:creationId xmlns:a16="http://schemas.microsoft.com/office/drawing/2014/main" id="{0277F749-6ED4-3E49-963A-830033252F78}"/>
+                <a16:creationId xmlns:a16="http://schemas.microsoft.com/office/drawing/2014/main" id="{28A92D45-5BAF-634B-BB37-8481089F9E28}"/>
               </a:ext>
             </a:extLst>
           </p:cNvPr>
@@ -23556,8 +23875,8 @@
         </p:nvSpPr>
         <p:spPr>
           <a:xfrm>
-            <a:off x="0" y="17256"/>
-            <a:ext cx="10515600" cy="663782"/>
+            <a:off x="831850" y="1709738"/>
+            <a:ext cx="10515600" cy="2852737"/>
           </a:xfrm>
         </p:spPr>
         <p:txBody>
@@ -23568,45 +23887,9 @@
               <a:buNone/>
             </a:pPr>
             <a:r>
-              <a:rPr/>
-              <a:t>American Heart Association</a:t>
-            </a:r>
-          </a:p>
-        </p:txBody>
-      </p:sp>
-      <p:sp>
-        <p:nvSpPr>
-          <p:cNvPr id="3" name="Content Placeholder 2">
-            <a:extLst>
-              <a:ext uri="{FF2B5EF4-FFF2-40B4-BE49-F238E27FC236}">
-                <a16:creationId xmlns:a16="http://schemas.microsoft.com/office/drawing/2014/main" id="{1574FA24-F1CC-B240-AAF9-A2DF684B1C54}"/>
-              </a:ext>
-            </a:extLst>
-          </p:cNvPr>
-          <p:cNvSpPr>
-            <a:spLocks noGrp="1"/>
-          </p:cNvSpPr>
-          <p:nvPr>
-            <p:ph idx="1"/>
-          </p:nvPr>
-        </p:nvSpPr>
-        <p:spPr/>
-        <p:txBody>
-          <a:bodyPr/>
-          <a:lstStyle/>
-          <a:p>
-            <a:pPr lvl="0"/>
-            <a:r>
-              <a:rPr i="1">
-                <a:hlinkClick r:id="rId2"/>
-              </a:rPr>
-              <a:t>Statistical Reporting Recommendations - AHA/ASA journals</a:t>
-            </a:r>
-          </a:p>
-          <a:p>
-            <a:pPr lvl="0" indent="0" marL="0">
-              <a:buNone/>
-            </a:pPr>
+              <a:rPr b="1"/>
+              <a:t>Fontes externas</a:t>
+            </a:r>
           </a:p>
         </p:txBody>
       </p:sp>
@@ -23663,7 +23946,7 @@
             </a:pPr>
             <a:r>
               <a:rPr/>
-              <a:t>American Physiological Society</a:t>
+              <a:t>American Heart Association</a:t>
             </a:r>
           </a:p>
         </p:txBody>
@@ -23694,34 +23977,7 @@
               <a:rPr i="1">
                 <a:hlinkClick r:id="rId2"/>
               </a:rPr>
-              <a:t>Statistics</a:t>
-            </a:r>
-          </a:p>
-          <a:p>
-            <a:pPr lvl="0"/>
-            <a:r>
-              <a:rPr i="1">
-                <a:hlinkClick r:id="rId3"/>
-              </a:rPr>
-              <a:t>Exploration in Statistics</a:t>
-            </a:r>
-          </a:p>
-          <a:p>
-            <a:pPr lvl="0"/>
-            <a:r>
-              <a:rPr i="1">
-                <a:hlinkClick r:id="rId4"/>
-              </a:rPr>
-              <a:t>General Statistics</a:t>
-            </a:r>
-          </a:p>
-          <a:p>
-            <a:pPr lvl="0"/>
-            <a:r>
-              <a:rPr i="1">
-                <a:hlinkClick r:id="rId5"/>
-              </a:rPr>
-              <a:t>Reporting Statistics</a:t>
+              <a:t>Statistical Reporting Recommendations - AHA/ASA journals</a:t>
             </a:r>
           </a:p>
           <a:p>
@@ -23784,7 +24040,7 @@
             </a:pPr>
             <a:r>
               <a:rPr/>
-              <a:t>American Statistical Association</a:t>
+              <a:t>American Physiological Society</a:t>
             </a:r>
           </a:p>
         </p:txBody>
@@ -23815,7 +24071,34 @@
               <a:rPr i="1">
                 <a:hlinkClick r:id="rId2"/>
               </a:rPr>
-              <a:t>Statistical Inference in the 21st Century: A World Beyond p &lt; 0.05 - The American Statistical Association</a:t>
+              <a:t>Statistics</a:t>
+            </a:r>
+          </a:p>
+          <a:p>
+            <a:pPr lvl="0"/>
+            <a:r>
+              <a:rPr i="1">
+                <a:hlinkClick r:id="rId3"/>
+              </a:rPr>
+              <a:t>Exploration in Statistics</a:t>
+            </a:r>
+          </a:p>
+          <a:p>
+            <a:pPr lvl="0"/>
+            <a:r>
+              <a:rPr i="1">
+                <a:hlinkClick r:id="rId4"/>
+              </a:rPr>
+              <a:t>General Statistics</a:t>
+            </a:r>
+          </a:p>
+          <a:p>
+            <a:pPr lvl="0"/>
+            <a:r>
+              <a:rPr i="1">
+                <a:hlinkClick r:id="rId5"/>
+              </a:rPr>
+              <a:t>Reporting Statistics</a:t>
             </a:r>
           </a:p>
           <a:p>
@@ -23987,7 +24270,7 @@
             </a:pPr>
             <a:r>
               <a:rPr/>
-              <a:t>British Medicine Journal</a:t>
+              <a:t>American Statistical Association</a:t>
             </a:r>
           </a:p>
         </p:txBody>
@@ -24018,43 +24301,7 @@
               <a:rPr i="1">
                 <a:hlinkClick r:id="rId2"/>
               </a:rPr>
-              <a:t>Statistics - Latest from The BMJ</a:t>
-            </a:r>
-          </a:p>
-          <a:p>
-            <a:pPr lvl="0"/>
-            <a:r>
-              <a:rPr i="1">
-                <a:hlinkClick r:id="rId3"/>
-              </a:rPr>
-              <a:t>Statistics notes - Latest from The BMJ</a:t>
-            </a:r>
-          </a:p>
-          <a:p>
-            <a:pPr lvl="0"/>
-            <a:r>
-              <a:rPr i="1">
-                <a:hlinkClick r:id="rId4"/>
-              </a:rPr>
-              <a:t>Statistics and research methods - Latest from The BMJ</a:t>
-            </a:r>
-          </a:p>
-          <a:p>
-            <a:pPr lvl="0"/>
-            <a:r>
-              <a:rPr i="1">
-                <a:hlinkClick r:id="rId5"/>
-              </a:rPr>
-              <a:t>Statistics at Square One</a:t>
-            </a:r>
-          </a:p>
-          <a:p>
-            <a:pPr lvl="0"/>
-            <a:r>
-              <a:rPr i="1">
-                <a:hlinkClick r:id="rId6"/>
-              </a:rPr>
-              <a:t>Research methods &amp; reporting</a:t>
+              <a:t>Statistical Inference in the 21st Century: A World Beyond p &lt; 0.05 - The American Statistical Association</a:t>
             </a:r>
           </a:p>
           <a:p>
@@ -24117,7 +24364,7 @@
             </a:pPr>
             <a:r>
               <a:rPr/>
-              <a:t>Enhancing the QUality And Transparency Of health Research Network</a:t>
+              <a:t>British Medicine Journal</a:t>
             </a:r>
           </a:p>
         </p:txBody>
@@ -24145,26 +24392,46 @@
           <a:p>
             <a:pPr lvl="0"/>
             <a:r>
-              <a:rPr i="1"/>
-              <a:t>Enhancing the Quality and Transparency of health research</a:t>
-            </a:r>
-            <a:r>
-              <a:rPr/>
-              <a:t> </a:t>
-            </a:r>
-            <a:r>
-              <a:rPr>
+              <a:rPr i="1">
                 <a:hlinkClick r:id="rId2"/>
               </a:rPr>
-              <a:t>EQUATOR Network</a:t>
-            </a:r>
-            <a:r>
-              <a:rPr/>
-              <a:t>.</a:t>
-            </a:r>
-            <a:r>
-              <a:rPr baseline="30000"/>
-              <a:t>180</a:t>
+              <a:t>Statistics - Latest from The BMJ</a:t>
+            </a:r>
+          </a:p>
+          <a:p>
+            <a:pPr lvl="0"/>
+            <a:r>
+              <a:rPr i="1">
+                <a:hlinkClick r:id="rId3"/>
+              </a:rPr>
+              <a:t>Statistics notes - Latest from The BMJ</a:t>
+            </a:r>
+          </a:p>
+          <a:p>
+            <a:pPr lvl="0"/>
+            <a:r>
+              <a:rPr i="1">
+                <a:hlinkClick r:id="rId4"/>
+              </a:rPr>
+              <a:t>Statistics and research methods - Latest from The BMJ</a:t>
+            </a:r>
+          </a:p>
+          <a:p>
+            <a:pPr lvl="0"/>
+            <a:r>
+              <a:rPr i="1">
+                <a:hlinkClick r:id="rId5"/>
+              </a:rPr>
+              <a:t>Statistics at Square One</a:t>
+            </a:r>
+          </a:p>
+          <a:p>
+            <a:pPr lvl="0"/>
+            <a:r>
+              <a:rPr i="1">
+                <a:hlinkClick r:id="rId6"/>
+              </a:rPr>
+              <a:t>Research methods &amp; reporting</a:t>
             </a:r>
           </a:p>
           <a:p>
@@ -24227,7 +24494,7 @@
             </a:pPr>
             <a:r>
               <a:rPr/>
-              <a:t>Journal of the Amercan Medical Association</a:t>
+              <a:t>Enhancing the QUality And Transparency Of health Research Network</a:t>
             </a:r>
           </a:p>
         </p:txBody>
@@ -24255,10 +24522,26 @@
           <a:p>
             <a:pPr lvl="0"/>
             <a:r>
-              <a:rPr i="1">
+              <a:rPr i="1"/>
+              <a:t>Enhancing the Quality and Transparency of health research</a:t>
+            </a:r>
+            <a:r>
+              <a:rPr/>
+              <a:t> </a:t>
+            </a:r>
+            <a:r>
+              <a:rPr>
                 <a:hlinkClick r:id="rId2"/>
               </a:rPr>
-              <a:t>JAMA Guide to Statistics and Methods - JAMA</a:t>
+              <a:t>EQUATOR Network</a:t>
+            </a:r>
+            <a:r>
+              <a:rPr/>
+              <a:t>.</a:t>
+            </a:r>
+            <a:r>
+              <a:rPr baseline="30000"/>
+              <a:t>186</a:t>
             </a:r>
           </a:p>
           <a:p>
@@ -24321,7 +24604,7 @@
             </a:pPr>
             <a:r>
               <a:rPr/>
-              <a:t>Nature Publishing Group</a:t>
+              <a:t>Journal of the Amercan Medical Association</a:t>
             </a:r>
           </a:p>
         </p:txBody>
@@ -24352,7 +24635,7 @@
               <a:rPr i="1">
                 <a:hlinkClick r:id="rId2"/>
               </a:rPr>
-              <a:t>Statistics for Biologists - Nature Publising Group</a:t>
+              <a:t>JAMA Guide to Statistics and Methods - JAMA</a:t>
             </a:r>
           </a:p>
           <a:p>
@@ -24415,7 +24698,7 @@
             </a:pPr>
             <a:r>
               <a:rPr/>
-              <a:t>Royal Statistical Society</a:t>
+              <a:t>Nature Publishing Group</a:t>
             </a:r>
           </a:p>
         </p:txBody>
@@ -24446,7 +24729,7 @@
               <a:rPr i="1">
                 <a:hlinkClick r:id="rId2"/>
               </a:rPr>
-              <a:t>Best Practices for Data Visualisation - Royal Statistical Society</a:t>
+              <a:t>Statistics for Biologists - Nature Publising Group</a:t>
             </a:r>
           </a:p>
           <a:p>
@@ -24509,7 +24792,7 @@
             </a:pPr>
             <a:r>
               <a:rPr/>
-              <a:t>Wiley Online Library</a:t>
+              <a:t>Royal Statistical Society</a:t>
             </a:r>
           </a:p>
         </p:txBody>
@@ -24540,7 +24823,7 @@
               <a:rPr i="1">
                 <a:hlinkClick r:id="rId2"/>
               </a:rPr>
-              <a:t>Tutorials in Biostatistics Papers - Wiley Online Library</a:t>
+              <a:t>Best Practices for Data Visualisation - Royal Statistical Society</a:t>
             </a:r>
           </a:p>
           <a:p>
@@ -24556,6 +24839,100 @@
 </file>
 
 <file path=ppt/slides/slide156.xml><?xml version="1.0" encoding="utf-8"?>
+<p:sld xmlns:a="http://schemas.openxmlformats.org/drawingml/2006/main" xmlns:r="http://schemas.openxmlformats.org/officeDocument/2006/relationships" xmlns:p="http://schemas.openxmlformats.org/presentationml/2006/main">
+  <p:cSld>
+    <p:spTree>
+      <p:nvGrpSpPr>
+        <p:cNvPr id="1" name=""/>
+        <p:cNvGrpSpPr/>
+        <p:nvPr/>
+      </p:nvGrpSpPr>
+      <p:grpSpPr>
+        <a:xfrm>
+          <a:off x="0" y="0"/>
+          <a:ext cx="0" cy="0"/>
+          <a:chOff x="0" y="0"/>
+          <a:chExt cx="0" cy="0"/>
+        </a:xfrm>
+      </p:grpSpPr>
+      <p:sp>
+        <p:nvSpPr>
+          <p:cNvPr id="2" name="Title 1">
+            <a:extLst>
+              <a:ext uri="{FF2B5EF4-FFF2-40B4-BE49-F238E27FC236}">
+                <a16:creationId xmlns:a16="http://schemas.microsoft.com/office/drawing/2014/main" id="{0277F749-6ED4-3E49-963A-830033252F78}"/>
+              </a:ext>
+            </a:extLst>
+          </p:cNvPr>
+          <p:cNvSpPr>
+            <a:spLocks noGrp="1"/>
+          </p:cNvSpPr>
+          <p:nvPr>
+            <p:ph type="title"/>
+          </p:nvPr>
+        </p:nvSpPr>
+        <p:spPr>
+          <a:xfrm>
+            <a:off x="0" y="17256"/>
+            <a:ext cx="10515600" cy="663782"/>
+          </a:xfrm>
+        </p:spPr>
+        <p:txBody>
+          <a:bodyPr/>
+          <a:lstStyle/>
+          <a:p>
+            <a:pPr lvl="0" indent="0" marL="0">
+              <a:buNone/>
+            </a:pPr>
+            <a:r>
+              <a:rPr/>
+              <a:t>Wiley Online Library</a:t>
+            </a:r>
+          </a:p>
+        </p:txBody>
+      </p:sp>
+      <p:sp>
+        <p:nvSpPr>
+          <p:cNvPr id="3" name="Content Placeholder 2">
+            <a:extLst>
+              <a:ext uri="{FF2B5EF4-FFF2-40B4-BE49-F238E27FC236}">
+                <a16:creationId xmlns:a16="http://schemas.microsoft.com/office/drawing/2014/main" id="{1574FA24-F1CC-B240-AAF9-A2DF684B1C54}"/>
+              </a:ext>
+            </a:extLst>
+          </p:cNvPr>
+          <p:cNvSpPr>
+            <a:spLocks noGrp="1"/>
+          </p:cNvSpPr>
+          <p:nvPr>
+            <p:ph idx="1"/>
+          </p:nvPr>
+        </p:nvSpPr>
+        <p:spPr/>
+        <p:txBody>
+          <a:bodyPr/>
+          <a:lstStyle/>
+          <a:p>
+            <a:pPr lvl="0"/>
+            <a:r>
+              <a:rPr i="1">
+                <a:hlinkClick r:id="rId2"/>
+              </a:rPr>
+              <a:t>Tutorials in Biostatistics Papers - Wiley Online Library</a:t>
+            </a:r>
+          </a:p>
+          <a:p>
+            <a:pPr lvl="0" indent="0" marL="0">
+              <a:buNone/>
+            </a:pPr>
+          </a:p>
+        </p:txBody>
+      </p:sp>
+    </p:spTree>
+  </p:cSld>
+</p:sld>
+</file>
+
+<file path=ppt/slides/slide157.xml><?xml version="1.0" encoding="utf-8"?>
 <p:sld xmlns:a="http://schemas.openxmlformats.org/drawingml/2006/main" xmlns:r="http://schemas.openxmlformats.org/officeDocument/2006/relationships" xmlns:p="http://schemas.openxmlformats.org/presentationml/2006/main">
   <p:cSld>
     <p:spTree>
@@ -24613,7 +24990,7 @@
 </p:sld>
 </file>
 
-<file path=ppt/slides/slide157.xml><?xml version="1.0" encoding="utf-8"?>
+<file path=ppt/slides/slide158.xml><?xml version="1.0" encoding="utf-8"?>
 <p:sld xmlns:a="http://schemas.openxmlformats.org/drawingml/2006/main" xmlns:r="http://schemas.openxmlformats.org/officeDocument/2006/relationships" xmlns:p="http://schemas.openxmlformats.org/presentationml/2006/main">
   <p:cSld>
     <p:spTree>
@@ -27542,7 +27919,53 @@
             </a:pPr>
             <a:r>
               <a:rPr/>
-              <a:t>135. Sullivan GM, Feinn R. Using Effect Sizeor Why the </a:t>
+              <a:t>135. Lakens D, Scheel AM, Isager PM. Equivalence Testing for Psychological Research: A Tutorial. </a:t>
+            </a:r>
+            <a:r>
+              <a:rPr i="1"/>
+              <a:t>Advances in Methods and Practices in Psychological Science</a:t>
+            </a:r>
+            <a:r>
+              <a:rPr/>
+              <a:t>. 2018;1(2):259-269. doi:</a:t>
+            </a:r>
+            <a:r>
+              <a:rPr>
+                <a:hlinkClick r:id="rId134"/>
+              </a:rPr>
+              <a:t>10.1177/2515245918770963</a:t>
+            </a:r>
+          </a:p>
+          <a:p>
+            <a:pPr lvl="0" indent="0" marL="0">
+              <a:buNone/>
+            </a:pPr>
+            <a:r>
+              <a:rPr/>
+              <a:t>136. Weintraub PG. The Importance of Publishing Negative Results. </a:t>
+            </a:r>
+            <a:r>
+              <a:rPr i="1"/>
+              <a:t>Journal of Insect Science</a:t>
+            </a:r>
+            <a:r>
+              <a:rPr/>
+              <a:t>. 2016;16(1):109. doi:</a:t>
+            </a:r>
+            <a:r>
+              <a:rPr>
+                <a:hlinkClick r:id="rId135"/>
+              </a:rPr>
+              <a:t>10.1093/jisesa/iew092</a:t>
+            </a:r>
+          </a:p>
+          <a:p>
+            <a:pPr lvl="0" indent="0" marL="0">
+              <a:buNone/>
+            </a:pPr>
+            <a:r>
+              <a:rPr/>
+              <a:t>137. Sullivan GM, Feinn R. Using Effect Sizeor Why the </a:t>
             </a:r>
             <a:r>
               <a:rPr i="1"/>
@@ -27562,55 +27985,9 @@
             </a:r>
             <a:r>
               <a:rPr>
-                <a:hlinkClick r:id="rId134"/>
+                <a:hlinkClick r:id="rId136"/>
               </a:rPr>
               <a:t>10.4300/jgme-d-12-00156.1</a:t>
-            </a:r>
-          </a:p>
-          <a:p>
-            <a:pPr lvl="0" indent="0" marL="0">
-              <a:buNone/>
-            </a:pPr>
-            <a:r>
-              <a:rPr/>
-              <a:t>136. Lakens D, Scheel AM, Isager PM. Equivalence Testing for Psychological Research: A Tutorial. </a:t>
-            </a:r>
-            <a:r>
-              <a:rPr i="1"/>
-              <a:t>Advances in Methods and Practices in Psychological Science</a:t>
-            </a:r>
-            <a:r>
-              <a:rPr/>
-              <a:t>. 2018;1(2):259-269. doi:</a:t>
-            </a:r>
-            <a:r>
-              <a:rPr>
-                <a:hlinkClick r:id="rId135"/>
-              </a:rPr>
-              <a:t>10.1177/2515245918770963</a:t>
-            </a:r>
-          </a:p>
-          <a:p>
-            <a:pPr lvl="0" indent="0" marL="0">
-              <a:buNone/>
-            </a:pPr>
-            <a:r>
-              <a:rPr/>
-              <a:t>137. Weintraub PG. The Importance of Publishing Negative Results. </a:t>
-            </a:r>
-            <a:r>
-              <a:rPr i="1"/>
-              <a:t>Journal of Insect Science</a:t>
-            </a:r>
-            <a:r>
-              <a:rPr/>
-              <a:t>. 2016;16(1):109. doi:</a:t>
-            </a:r>
-            <a:r>
-              <a:rPr>
-                <a:hlinkClick r:id="rId136"/>
-              </a:rPr>
-              <a:t>10.1093/jisesa/iew092</a:t>
             </a:r>
           </a:p>
           <a:p>
@@ -27986,7 +28363,30 @@
             </a:pPr>
             <a:r>
               <a:rPr/>
-              <a:t>155. Schwab, Simon, Held, Leonhard. Statistical programming: Small mistakes, big impacts. </a:t>
+              <a:t>155. Mair P. Thou shalt be reproducible! A technology perspective. </a:t>
+            </a:r>
+            <a:r>
+              <a:rPr i="1"/>
+              <a:t>Frontiers in Psychology</a:t>
+            </a:r>
+            <a:r>
+              <a:rPr/>
+              <a:t>. 2016;7. doi:</a:t>
+            </a:r>
+            <a:r>
+              <a:rPr>
+                <a:hlinkClick r:id="rId154"/>
+              </a:rPr>
+              <a:t>10.3389/fpsyg.2016.01079</a:t>
+            </a:r>
+          </a:p>
+          <a:p>
+            <a:pPr lvl="0" indent="0" marL="0">
+              <a:buNone/>
+            </a:pPr>
+            <a:r>
+              <a:rPr/>
+              <a:t>156. Schwab, Simon, Held, Leonhard. Statistical programming: Small mistakes, big impacts. </a:t>
             </a:r>
             <a:r>
               <a:rPr i="1"/>
@@ -27998,7 +28398,7 @@
             </a:r>
             <a:r>
               <a:rPr>
-                <a:hlinkClick r:id="rId154"/>
+                <a:hlinkClick r:id="rId155"/>
               </a:rPr>
               <a:t>10.5167/UZH-205154</a:t>
             </a:r>
@@ -28009,7 +28409,7 @@
             </a:pPr>
             <a:r>
               <a:rPr/>
-              <a:t>156. Eglen SJ, Marwick B, Halchenko YO, et al. Toward standard practices for sharing computer code and programs in neuroscience. </a:t>
+              <a:t>157. Eglen SJ, Marwick B, Halchenko YO, et al. Toward standard practices for sharing computer code and programs in neuroscience. </a:t>
             </a:r>
             <a:r>
               <a:rPr i="1"/>
@@ -28021,7 +28421,7 @@
             </a:r>
             <a:r>
               <a:rPr>
-                <a:hlinkClick r:id="rId155"/>
+                <a:hlinkClick r:id="rId156"/>
               </a:rPr>
               <a:t>10.1038/nn.4550</a:t>
             </a:r>
@@ -28032,7 +28432,145 @@
             </a:pPr>
             <a:r>
               <a:rPr/>
-              <a:t>157. Zhao Y, Xiao N, Anderson K, Zhang Y. Electronic common technical document submission with analysis using R. </a:t>
+              <a:t>158. Francisco Rodríguez-Sánchez, Connor P. Jackson, Shaurita D. Hutchins. Grateful: Facilitate citation of r packages. 2023. </a:t>
+            </a:r>
+            <a:r>
+              <a:rPr>
+                <a:hlinkClick r:id="rId157"/>
+              </a:rPr>
+              <a:t>https://github.com/Pakillo/grateful.</a:t>
+            </a:r>
+          </a:p>
+          <a:p>
+            <a:pPr lvl="0" indent="0" marL="0">
+              <a:buNone/>
+            </a:pPr>
+            <a:r>
+              <a:rPr/>
+              <a:t>159. Xie Y. formatR: Format r code automatically. 2022. </a:t>
+            </a:r>
+            <a:r>
+              <a:rPr>
+                <a:hlinkClick r:id="rId158"/>
+              </a:rPr>
+              <a:t>https://CRAN.R-project.org/package=formatR.</a:t>
+            </a:r>
+          </a:p>
+          <a:p>
+            <a:pPr lvl="0" indent="0" marL="0">
+              <a:buNone/>
+            </a:pPr>
+            <a:r>
+              <a:rPr/>
+              <a:t>160. Love J, Selker R, Marsman M, et al. </a:t>
+            </a:r>
+            <a:r>
+              <a:rPr b="1"/>
+              <a:t>JASP</a:t>
+            </a:r>
+            <a:r>
+              <a:rPr/>
+              <a:t>: Graphical Statistical Software for Common Statistical Designs. </a:t>
+            </a:r>
+            <a:r>
+              <a:rPr i="1"/>
+              <a:t>Journal of Statistical Software</a:t>
+            </a:r>
+            <a:r>
+              <a:rPr/>
+              <a:t>. 2019;88(2). doi:</a:t>
+            </a:r>
+            <a:r>
+              <a:rPr>
+                <a:hlinkClick r:id="rId159"/>
+              </a:rPr>
+              <a:t>10.18637/jss.v088.i02</a:t>
+            </a:r>
+          </a:p>
+          <a:p>
+            <a:pPr lvl="0" indent="0" marL="0">
+              <a:buNone/>
+            </a:pPr>
+            <a:r>
+              <a:rPr/>
+              <a:t>161. ŞAHİN M, AYBEK E. Jamovi: An easy to use statistical software for the social scientists. </a:t>
+            </a:r>
+            <a:r>
+              <a:rPr i="1"/>
+              <a:t>International Journal of Assessment Tools in Education</a:t>
+            </a:r>
+            <a:r>
+              <a:rPr/>
+              <a:t>. 2020;6(4):670-692. doi:</a:t>
+            </a:r>
+            <a:r>
+              <a:rPr>
+                <a:hlinkClick r:id="rId160"/>
+              </a:rPr>
+              <a:t>10.21449/ijate.661803</a:t>
+            </a:r>
+          </a:p>
+          <a:p>
+            <a:pPr lvl="0" indent="0" marL="0">
+              <a:buNone/>
+            </a:pPr>
+            <a:r>
+              <a:rPr/>
+              <a:t>162. Resnik DB, Shamoo AE. Reproducibility and Research Integrity. </a:t>
+            </a:r>
+            <a:r>
+              <a:rPr i="1"/>
+              <a:t>Accountability in Research</a:t>
+            </a:r>
+            <a:r>
+              <a:rPr/>
+              <a:t>. 2016;24(2):116-123. doi:</a:t>
+            </a:r>
+            <a:r>
+              <a:rPr>
+                <a:hlinkClick r:id="rId161"/>
+              </a:rPr>
+              <a:t>10.1080/08989621.2016.1257387</a:t>
+            </a:r>
+          </a:p>
+          <a:p>
+            <a:pPr lvl="0" indent="0" marL="0">
+              <a:buNone/>
+            </a:pPr>
+            <a:r>
+              <a:rPr/>
+              <a:t>163. Hofner B, Schmid M, Edler L. Reproducible research in statistics: A review and guidelines for the </a:t>
+            </a:r>
+            <a:r>
+              <a:rPr i="1"/>
+              <a:t>Biometrical Journal</a:t>
+            </a:r>
+            <a:r>
+              <a:rPr/>
+              <a:t>. </a:t>
+            </a:r>
+            <a:r>
+              <a:rPr i="1"/>
+              <a:t>Biometrical Journal</a:t>
+            </a:r>
+            <a:r>
+              <a:rPr/>
+              <a:t>. 2015;58(2):416-427. doi:</a:t>
+            </a:r>
+            <a:r>
+              <a:rPr>
+                <a:hlinkClick r:id="rId162"/>
+              </a:rPr>
+              <a:t>10.1002/bimj.201500156</a:t>
+            </a:r>
+          </a:p>
+          <a:p>
+            <a:pPr lvl="0" indent="0" marL="0">
+              <a:buNone/>
+            </a:pPr>
+            <a:r>
+              <a:rPr/>
+              <a:t>164. Zhao Y, Xiao N, Anderson K, Zhang Y. Electronic common technical document submission with analysis using R. </a:t>
             </a:r>
             <a:r>
               <a:rPr i="1"/>
@@ -28044,7 +28582,7 @@
             </a:r>
             <a:r>
               <a:rPr>
-                <a:hlinkClick r:id="rId156"/>
+                <a:hlinkClick r:id="rId163"/>
               </a:rPr>
               <a:t>10.1177/17407745221123244</a:t>
             </a:r>
@@ -28055,99 +28593,22 @@
             </a:pPr>
             <a:r>
               <a:rPr/>
-              <a:t>158. Xie Y. formatR: Format r code automatically. 2022. </a:t>
-            </a:r>
-            <a:r>
-              <a:rPr>
-                <a:hlinkClick r:id="rId157"/>
-              </a:rPr>
-              <a:t>https://CRAN.R-project.org/package=formatR.</a:t>
-            </a:r>
-          </a:p>
-          <a:p>
-            <a:pPr lvl="0" indent="0" marL="0">
-              <a:buNone/>
-            </a:pPr>
-            <a:r>
-              <a:rPr/>
-              <a:t>159. Love J, Selker R, Marsman M, et al. </a:t>
-            </a:r>
-            <a:r>
-              <a:rPr b="1"/>
-              <a:t>JASP</a:t>
-            </a:r>
-            <a:r>
-              <a:rPr/>
-              <a:t>: Graphical Statistical Software for Common Statistical Designs. </a:t>
-            </a:r>
-            <a:r>
-              <a:rPr i="1"/>
-              <a:t>Journal of Statistical Software</a:t>
-            </a:r>
-            <a:r>
-              <a:rPr/>
-              <a:t>. 2019;88(2). doi:</a:t>
-            </a:r>
-            <a:r>
-              <a:rPr>
-                <a:hlinkClick r:id="rId158"/>
-              </a:rPr>
-              <a:t>10.18637/jss.v088.i02</a:t>
-            </a:r>
-          </a:p>
-          <a:p>
-            <a:pPr lvl="0" indent="0" marL="0">
-              <a:buNone/>
-            </a:pPr>
-            <a:r>
-              <a:rPr/>
-              <a:t>160. ŞAHİN M, AYBEK E. Jamovi: An easy to use statistical software for the social scientists. </a:t>
-            </a:r>
-            <a:r>
-              <a:rPr i="1"/>
-              <a:t>International Journal of Assessment Tools in Education</a:t>
-            </a:r>
-            <a:r>
-              <a:rPr/>
-              <a:t>. 2020;6(4):670-692. doi:</a:t>
-            </a:r>
-            <a:r>
-              <a:rPr>
-                <a:hlinkClick r:id="rId159"/>
-              </a:rPr>
-              <a:t>10.21449/ijate.661803</a:t>
-            </a:r>
-          </a:p>
-          <a:p>
-            <a:pPr lvl="0" indent="0" marL="0">
-              <a:buNone/>
-            </a:pPr>
-            <a:r>
-              <a:rPr/>
-              <a:t>161. Resnik DB, Shamoo AE. Reproducibility and Research Integrity. </a:t>
-            </a:r>
-            <a:r>
-              <a:rPr i="1"/>
-              <a:t>Accountability in Research</a:t>
-            </a:r>
-            <a:r>
-              <a:rPr/>
-              <a:t>. 2016;24(2):116-123. doi:</a:t>
-            </a:r>
-            <a:r>
-              <a:rPr>
-                <a:hlinkClick r:id="rId160"/>
-              </a:rPr>
-              <a:t>10.1080/08989621.2016.1257387</a:t>
-            </a:r>
-          </a:p>
-          <a:p>
-            <a:pPr lvl="0" indent="0" marL="0">
-              <a:buNone/>
-            </a:pPr>
-            <a:r>
-              <a:rPr/>
-              <a:t>162. Allaire J, Xie Y, Dervieux C, et al. </a:t>
+              <a:t>165. R Core Team. R: A language and environment for statistical computing. 2023. </a:t>
+            </a:r>
+            <a:r>
+              <a:rPr>
+                <a:hlinkClick r:id="rId164"/>
+              </a:rPr>
+              <a:t>https://www.R-project.org/.</a:t>
+            </a:r>
+          </a:p>
+          <a:p>
+            <a:pPr lvl="0" indent="0" marL="0">
+              <a:buNone/>
+            </a:pPr>
+            <a:r>
+              <a:rPr/>
+              <a:t>166. Allaire J, Xie Y, Dervieux C, et al. </a:t>
             </a:r>
             <a:r>
               <a:rPr i="1"/>
@@ -28159,7 +28620,7 @@
             </a:r>
             <a:r>
               <a:rPr>
-                <a:hlinkClick r:id="rId161"/>
+                <a:hlinkClick r:id="rId165"/>
               </a:rPr>
               <a:t>https://CRAN.R-project.org/package=rmarkdown.</a:t>
             </a:r>
@@ -28170,7 +28631,30 @@
             </a:pPr>
             <a:r>
               <a:rPr/>
-              <a:t>163. Ioannidis JPA. How to Make More Published Research True. </a:t>
+              <a:t>167. Holmes DT, Mobini M, McCudden CR. Reproducible manuscript preparation with RMarkdown application to JMSACL and other Elsevier Journals. </a:t>
+            </a:r>
+            <a:r>
+              <a:rPr i="1"/>
+              <a:t>Journal of Mass Spectrometry and Advances in the Clinical Lab</a:t>
+            </a:r>
+            <a:r>
+              <a:rPr/>
+              <a:t>. 2021;22:8-16. doi:</a:t>
+            </a:r>
+            <a:r>
+              <a:rPr>
+                <a:hlinkClick r:id="rId166"/>
+              </a:rPr>
+              <a:t>10.1016/j.jmsacl.2021.09.002</a:t>
+            </a:r>
+          </a:p>
+          <a:p>
+            <a:pPr lvl="0" indent="0" marL="0">
+              <a:buNone/>
+            </a:pPr>
+            <a:r>
+              <a:rPr/>
+              <a:t>168. Ioannidis JPA. How to Make More Published Research True. </a:t>
             </a:r>
             <a:r>
               <a:rPr i="1"/>
@@ -28182,7 +28666,7 @@
             </a:r>
             <a:r>
               <a:rPr>
-                <a:hlinkClick r:id="rId162"/>
+                <a:hlinkClick r:id="rId167"/>
               </a:rPr>
               <a:t>10.1371/journal.pmed.1001747</a:t>
             </a:r>
@@ -28193,7 +28677,22 @@
             </a:pPr>
             <a:r>
               <a:rPr/>
-              <a:t>164. Wallisch C, Bach P, Hafermann L, et al. Review of guidance papers on regression modeling in statistical series of medical journals. Mathes T, ed. </a:t>
+              <a:t>169. Krieger N, Perzynski A, Dalton J. Projects: A project infrastructure for researchers. 2021. </a:t>
+            </a:r>
+            <a:r>
+              <a:rPr>
+                <a:hlinkClick r:id="rId168"/>
+              </a:rPr>
+              <a:t>https://CRAN.R-project.org/package=projects.</a:t>
+            </a:r>
+          </a:p>
+          <a:p>
+            <a:pPr lvl="0" indent="0" marL="0">
+              <a:buNone/>
+            </a:pPr>
+            <a:r>
+              <a:rPr/>
+              <a:t>170. Wallisch C, Bach P, Hafermann L, et al. Review of guidance papers on regression modeling in statistical series of medical journals. Mathes T, ed. </a:t>
             </a:r>
             <a:r>
               <a:rPr i="1"/>
@@ -28205,7 +28704,7 @@
             </a:r>
             <a:r>
               <a:rPr>
-                <a:hlinkClick r:id="rId163"/>
+                <a:hlinkClick r:id="rId169"/>
               </a:rPr>
               <a:t>10.1371/journal.pone.0262918</a:t>
             </a:r>
@@ -28216,7 +28715,7 @@
             </a:pPr>
             <a:r>
               <a:rPr/>
-              <a:t>165. Lynggaard H, Bell J, Lösch C, et al. Principles and recommendations for incorporating estimands into clinical study protocol templates. </a:t>
+              <a:t>171. Lynggaard H, Bell J, Lösch C, et al. Principles and recommendations for incorporating estimands into clinical study protocol templates. </a:t>
             </a:r>
             <a:r>
               <a:rPr i="1"/>
@@ -28228,7 +28727,7 @@
             </a:r>
             <a:r>
               <a:rPr>
-                <a:hlinkClick r:id="rId164"/>
+                <a:hlinkClick r:id="rId170"/>
               </a:rPr>
               <a:t>10.1186/s13063-022-06515-2</a:t>
             </a:r>
@@ -28239,7 +28738,7 @@
             </a:pPr>
             <a:r>
               <a:rPr/>
-              <a:t>166. Althouse AD, Below JE, Claggett BL, et al. Recommendations for Statistical Reporting in Cardiovascular Medicine: A Special Report From the American Heart Association. </a:t>
+              <a:t>172. Althouse AD, Below JE, Claggett BL, et al. Recommendations for Statistical Reporting in Cardiovascular Medicine: A Special Report From the American Heart Association. </a:t>
             </a:r>
             <a:r>
               <a:rPr i="1"/>
@@ -28251,7 +28750,7 @@
             </a:r>
             <a:r>
               <a:rPr>
-                <a:hlinkClick r:id="rId165"/>
+                <a:hlinkClick r:id="rId171"/>
               </a:rPr>
               <a:t>10.1161/circulationaha.121.055393</a:t>
             </a:r>
@@ -28262,7 +28761,7 @@
             </a:pPr>
             <a:r>
               <a:rPr/>
-              <a:t>167. Lee KJ, Tilling KM, Cornish RP, et al. Framework for the treatment and reporting of missing data in observational studies: The Treatment And Reporting of Missing data in Observational Studies framework. </a:t>
+              <a:t>173. Lee KJ, Tilling KM, Cornish RP, et al. Framework for the treatment and reporting of missing data in observational studies: The Treatment And Reporting of Missing data in Observational Studies framework. </a:t>
             </a:r>
             <a:r>
               <a:rPr i="1"/>
@@ -28274,7 +28773,7 @@
             </a:r>
             <a:r>
               <a:rPr>
-                <a:hlinkClick r:id="rId166"/>
+                <a:hlinkClick r:id="rId172"/>
               </a:rPr>
               <a:t>10.1016/j.jclinepi.2021.01.008</a:t>
             </a:r>
@@ -28285,7 +28784,7 @@
             </a:pPr>
             <a:r>
               <a:rPr/>
-              <a:t>168. Vickers AJ, Assel MJ, Sjoberg DD, et al. Guidelines for Reporting of Figures and Tables for Clinical Research in Urology. </a:t>
+              <a:t>174. Vickers AJ, Assel MJ, Sjoberg DD, et al. Guidelines for Reporting of Figures and Tables for Clinical Research in Urology. </a:t>
             </a:r>
             <a:r>
               <a:rPr i="1"/>
@@ -28297,7 +28796,7 @@
             </a:r>
             <a:r>
               <a:rPr>
-                <a:hlinkClick r:id="rId167"/>
+                <a:hlinkClick r:id="rId173"/>
               </a:rPr>
               <a:t>10.1016/j.urology.2020.05.002</a:t>
             </a:r>
@@ -28308,7 +28807,7 @@
             </a:pPr>
             <a:r>
               <a:rPr/>
-              <a:t>169. Assel M, Sjoberg D, Elders A, et al. Guidelines for Reporting of Statistics for Clinical Research in Urology. </a:t>
+              <a:t>175. Assel M, Sjoberg D, Elders A, et al. Guidelines for Reporting of Statistics for Clinical Research in Urology. </a:t>
             </a:r>
             <a:r>
               <a:rPr i="1"/>
@@ -28320,7 +28819,7 @@
             </a:r>
             <a:r>
               <a:rPr>
-                <a:hlinkClick r:id="rId168"/>
+                <a:hlinkClick r:id="rId174"/>
               </a:rPr>
               <a:t>10.1097/ju.0000000000000001</a:t>
             </a:r>
@@ -28331,7 +28830,7 @@
             </a:pPr>
             <a:r>
               <a:rPr/>
-              <a:t>170. Gamble C, Krishan A, Stocken D, et al. Guidelines for the Content of Statistical Analysis Plans in Clinical Trials. </a:t>
+              <a:t>176. Gamble C, Krishan A, Stocken D, et al. Guidelines for the Content of Statistical Analysis Plans in Clinical Trials. </a:t>
             </a:r>
             <a:r>
               <a:rPr i="1"/>
@@ -28343,7 +28842,7 @@
             </a:r>
             <a:r>
               <a:rPr>
-                <a:hlinkClick r:id="rId169"/>
+                <a:hlinkClick r:id="rId175"/>
               </a:rPr>
               <a:t>10.1001/jama.2017.18556</a:t>
             </a:r>
@@ -28354,7 +28853,7 @@
             </a:pPr>
             <a:r>
               <a:rPr/>
-              <a:t>171. Lang TA, Altman DG. Basic statistical reporting for articles published in Biomedical Journals: The “Statistical Analyses and Methods in the Published Literature” or the SAMPL Guidelines. </a:t>
+              <a:t>177. Lang TA, Altman DG. Basic statistical reporting for articles published in Biomedical Journals: The “Statistical Analyses and Methods in the Published Literature” or the SAMPL Guidelines. </a:t>
             </a:r>
             <a:r>
               <a:rPr i="1"/>
@@ -28366,7 +28865,7 @@
             </a:r>
             <a:r>
               <a:rPr>
-                <a:hlinkClick r:id="rId170"/>
+                <a:hlinkClick r:id="rId176"/>
               </a:rPr>
               <a:t>10.1016/j.ijnurstu.2014.09.006</a:t>
             </a:r>
@@ -28377,7 +28876,7 @@
             </a:pPr>
             <a:r>
               <a:rPr/>
-              <a:t>172. Weissgerber TL, Milic NM, Winham SJ, Garovic VD. Beyond Bar and Line Graphs: Time for a New Data Presentation Paradigm. </a:t>
+              <a:t>178. Weissgerber TL, Milic NM, Winham SJ, Garovic VD. Beyond Bar and Line Graphs: Time for a New Data Presentation Paradigm. </a:t>
             </a:r>
             <a:r>
               <a:rPr i="1"/>
@@ -28389,7 +28888,7 @@
             </a:r>
             <a:r>
               <a:rPr>
-                <a:hlinkClick r:id="rId171"/>
+                <a:hlinkClick r:id="rId177"/>
               </a:rPr>
               <a:t>10.1371/journal.pbio.1002128</a:t>
             </a:r>
@@ -28400,7 +28899,7 @@
             </a:pPr>
             <a:r>
               <a:rPr/>
-              <a:t>173. Sauerbrei W, Abrahamowicz M, Altman DG, Cessie S, Carpenter J. STRengthening Analytical Thinking for Observational Studies: the STRATOS initiative. </a:t>
+              <a:t>179. Sauerbrei W, Abrahamowicz M, Altman DG, Cessie S, Carpenter J. STRengthening Analytical Thinking for Observational Studies: the STRATOS initiative. </a:t>
             </a:r>
             <a:r>
               <a:rPr i="1"/>
@@ -28412,7 +28911,7 @@
             </a:r>
             <a:r>
               <a:rPr>
-                <a:hlinkClick r:id="rId172"/>
+                <a:hlinkClick r:id="rId178"/>
               </a:rPr>
               <a:t>10.1002/sim.6265</a:t>
             </a:r>
@@ -28423,7 +28922,7 @@
             </a:pPr>
             <a:r>
               <a:rPr/>
-              <a:t>174. Groves T. Research methods and reporting. </a:t>
+              <a:t>180. Groves T. Research methods and reporting. </a:t>
             </a:r>
             <a:r>
               <a:rPr i="1"/>
@@ -28435,7 +28934,7 @@
             </a:r>
             <a:r>
               <a:rPr>
-                <a:hlinkClick r:id="rId173"/>
+                <a:hlinkClick r:id="rId179"/>
               </a:rPr>
               <a:t>10.1136/bmj.a2201</a:t>
             </a:r>
@@ -28446,7 +28945,7 @@
             </a:pPr>
             <a:r>
               <a:rPr/>
-              <a:t>175. Stratton IM, Neil A. How to ensure your paper is rejected by the statistical reviewer. </a:t>
+              <a:t>181. Stratton IM, Neil A. How to ensure your paper is rejected by the statistical reviewer. </a:t>
             </a:r>
             <a:r>
               <a:rPr i="1"/>
@@ -28458,7 +28957,7 @@
             </a:r>
             <a:r>
               <a:rPr>
-                <a:hlinkClick r:id="rId174"/>
+                <a:hlinkClick r:id="rId180"/>
               </a:rPr>
               <a:t>10.1111/j.1464-5491.2004.01443.x</a:t>
             </a:r>
@@ -28469,7 +28968,7 @@
             </a:pPr>
             <a:r>
               <a:rPr/>
-              <a:t>176. Gardner MJ, Machin D, Campbell MJ. Use of check lists in assessing the statistical content of medical studies. </a:t>
+              <a:t>182. Gardner MJ, Machin D, Campbell MJ. Use of check lists in assessing the statistical content of medical studies. </a:t>
             </a:r>
             <a:r>
               <a:rPr i="1"/>
@@ -28481,7 +28980,7 @@
             </a:r>
             <a:r>
               <a:rPr>
-                <a:hlinkClick r:id="rId175"/>
+                <a:hlinkClick r:id="rId181"/>
               </a:rPr>
               <a:t>10.1136/bmj.292.6523.810</a:t>
             </a:r>
@@ -28492,7 +28991,7 @@
             </a:pPr>
             <a:r>
               <a:rPr/>
-              <a:t>177. Mascha EJ, Vetter TR. The Statistical Checklist and Statistical Review. </a:t>
+              <a:t>183. Mascha EJ, Vetter TR. The Statistical Checklist and Statistical Review. </a:t>
             </a:r>
             <a:r>
               <a:rPr i="1"/>
@@ -28504,7 +29003,7 @@
             </a:r>
             <a:r>
               <a:rPr>
-                <a:hlinkClick r:id="rId176"/>
+                <a:hlinkClick r:id="rId182"/>
               </a:rPr>
               <a:t>10.1213/ane.0000000000001863</a:t>
             </a:r>
@@ -28515,7 +29014,7 @@
             </a:pPr>
             <a:r>
               <a:rPr/>
-              <a:t>178. Mansournia MA, Collins GS, Nielsen RO, et al. A CHecklist for statistical Assessment of Medical Papers (the CHAMP statement): explanation and elaboration. </a:t>
+              <a:t>184. Mansournia MA, Collins GS, Nielsen RO, et al. A CHecklist for statistical Assessment of Medical Papers (the CHAMP statement): explanation and elaboration. </a:t>
             </a:r>
             <a:r>
               <a:rPr i="1"/>
@@ -28527,7 +29026,7 @@
             </a:r>
             <a:r>
               <a:rPr>
-                <a:hlinkClick r:id="rId177"/>
+                <a:hlinkClick r:id="rId183"/>
               </a:rPr>
               <a:t>10.1136/bjsports-2020-103652</a:t>
             </a:r>
@@ -28538,7 +29037,7 @@
             </a:pPr>
             <a:r>
               <a:rPr/>
-              <a:t>179. Gil-Sierra MD, Fénix-Caballero S, Abdel kader-Martin L, et al. Checklist for clinical applicability of subgroup analysis. </a:t>
+              <a:t>185. Gil-Sierra MD, Fénix-Caballero S, Abdel kader-Martin L, et al. Checklist for clinical applicability of subgroup analysis. </a:t>
             </a:r>
             <a:r>
               <a:rPr i="1"/>
@@ -28550,7 +29049,7 @@
             </a:r>
             <a:r>
               <a:rPr>
-                <a:hlinkClick r:id="rId178"/>
+                <a:hlinkClick r:id="rId184"/>
               </a:rPr>
               <a:t>10.1111/jcpt.13102</a:t>
             </a:r>
@@ -28561,7 +29060,7 @@
             </a:pPr>
             <a:r>
               <a:rPr/>
-              <a:t>180. Altman DG, Simera I, Hoey J, Moher D, Schulz K. EQUATOR: reporting guidelines for health research. </a:t>
+              <a:t>186. Altman DG, Simera I, Hoey J, Moher D, Schulz K. EQUATOR: reporting guidelines for health research. </a:t>
             </a:r>
             <a:r>
               <a:rPr i="1"/>
@@ -28573,7 +29072,7 @@
             </a:r>
             <a:r>
               <a:rPr>
-                <a:hlinkClick r:id="rId179"/>
+                <a:hlinkClick r:id="rId185"/>
               </a:rPr>
               <a:t>10.1016/s0140-6736(08)60505-x</a:t>
             </a:r>
@@ -29050,7 +29549,7 @@
             </a:r>
             <a:r>
               <a:rPr/>
-              <a:t>. Rio de Janeiro: 1a edição, 2023. 127p. </a:t>
+              <a:t>. Rio de Janeiro: 1a edição, 2023. 129p. </a:t>
             </a:r>
             <a:r>
               <a:rPr>

--- a/docs/Ciência-com-R.pptx
+++ b/docs/Ciência-com-R.pptx
@@ -3612,7 +3612,7 @@
             </a:pPr>
             <a:r>
               <a:rPr/>
-              <a:t>Atualizado em 09/10/2023  </a:t>
+              <a:t>Atualizado em 10/10/2023  </a:t>
             </a:r>
           </a:p>
         </p:txBody>
@@ -26211,15 +26211,7 @@
             </a:pPr>
             <a:r>
               <a:rPr/>
-              <a:t>55. R Core Team. </a:t>
-            </a:r>
-            <a:r>
-              <a:rPr i="1"/>
-              <a:t>R: A Language and Environment for Statistical Computing</a:t>
-            </a:r>
-            <a:r>
-              <a:rPr/>
-              <a:t>. Vienna, Austria: R Foundation for Statistical Computing; 2023. </a:t>
+              <a:t>55. R Core Team. R: A language and environment for statistical computing. 2022. </a:t>
             </a:r>
             <a:r>
               <a:rPr>
@@ -32037,7 +32029,7 @@
       </p:grpSpPr>
       <p:pic>
         <p:nvPicPr>
-          <p:cNvPr descr="ASF.png" id="2" name="Picture 1"/>
+          <p:cNvPr descr="images/ASF.png" id="2" name="Picture 1"/>
           <p:cNvPicPr>
             <a:picLocks noGrp="1" noChangeAspect="1"/>
           </p:cNvPicPr>
